--- a/images/source/administration-module-resources.pptx
+++ b/images/source/administration-module-resources.pptx
@@ -5,10 +5,12 @@
     <p:sldMasterId id="2147483648" r:id="rId1"/>
   </p:sldMasterIdLst>
   <p:sldIdLst>
-    <p:sldId id="257" r:id="rId2"/>
+    <p:sldId id="261" r:id="rId2"/>
     <p:sldId id="260" r:id="rId3"/>
-    <p:sldId id="258" r:id="rId4"/>
-    <p:sldId id="259" r:id="rId5"/>
+    <p:sldId id="257" r:id="rId4"/>
+    <p:sldId id="258" r:id="rId5"/>
+    <p:sldId id="259" r:id="rId6"/>
+    <p:sldId id="263" r:id="rId7"/>
   </p:sldIdLst>
   <p:sldSz cx="12192000" cy="6858000"/>
   <p:notesSz cx="6858000" cy="9144000"/>
@@ -244,7 +246,7 @@
           <a:p>
             <a:fld id="{DE4E7392-00FF-4A5B-A4FB-CA939482D6BD}" type="datetimeFigureOut">
               <a:rPr lang="en-US" smtClean="0"/>
-              <a:t>8/1/2016</a:t>
+              <a:t>8/2/2016</a:t>
             </a:fld>
             <a:endParaRPr lang="en-US"/>
           </a:p>
@@ -412,7 +414,7 @@
           <a:p>
             <a:fld id="{DE4E7392-00FF-4A5B-A4FB-CA939482D6BD}" type="datetimeFigureOut">
               <a:rPr lang="en-US" smtClean="0"/>
-              <a:t>8/1/2016</a:t>
+              <a:t>8/2/2016</a:t>
             </a:fld>
             <a:endParaRPr lang="en-US"/>
           </a:p>
@@ -590,7 +592,7 @@
           <a:p>
             <a:fld id="{DE4E7392-00FF-4A5B-A4FB-CA939482D6BD}" type="datetimeFigureOut">
               <a:rPr lang="en-US" smtClean="0"/>
-              <a:t>8/1/2016</a:t>
+              <a:t>8/2/2016</a:t>
             </a:fld>
             <a:endParaRPr lang="en-US"/>
           </a:p>
@@ -758,7 +760,7 @@
           <a:p>
             <a:fld id="{DE4E7392-00FF-4A5B-A4FB-CA939482D6BD}" type="datetimeFigureOut">
               <a:rPr lang="en-US" smtClean="0"/>
-              <a:t>8/1/2016</a:t>
+              <a:t>8/2/2016</a:t>
             </a:fld>
             <a:endParaRPr lang="en-US"/>
           </a:p>
@@ -1003,7 +1005,7 @@
           <a:p>
             <a:fld id="{DE4E7392-00FF-4A5B-A4FB-CA939482D6BD}" type="datetimeFigureOut">
               <a:rPr lang="en-US" smtClean="0"/>
-              <a:t>8/1/2016</a:t>
+              <a:t>8/2/2016</a:t>
             </a:fld>
             <a:endParaRPr lang="en-US"/>
           </a:p>
@@ -1232,7 +1234,7 @@
           <a:p>
             <a:fld id="{DE4E7392-00FF-4A5B-A4FB-CA939482D6BD}" type="datetimeFigureOut">
               <a:rPr lang="en-US" smtClean="0"/>
-              <a:t>8/1/2016</a:t>
+              <a:t>8/2/2016</a:t>
             </a:fld>
             <a:endParaRPr lang="en-US"/>
           </a:p>
@@ -1596,7 +1598,7 @@
           <a:p>
             <a:fld id="{DE4E7392-00FF-4A5B-A4FB-CA939482D6BD}" type="datetimeFigureOut">
               <a:rPr lang="en-US" smtClean="0"/>
-              <a:t>8/1/2016</a:t>
+              <a:t>8/2/2016</a:t>
             </a:fld>
             <a:endParaRPr lang="en-US"/>
           </a:p>
@@ -1713,7 +1715,7 @@
           <a:p>
             <a:fld id="{DE4E7392-00FF-4A5B-A4FB-CA939482D6BD}" type="datetimeFigureOut">
               <a:rPr lang="en-US" smtClean="0"/>
-              <a:t>8/1/2016</a:t>
+              <a:t>8/2/2016</a:t>
             </a:fld>
             <a:endParaRPr lang="en-US"/>
           </a:p>
@@ -1808,7 +1810,7 @@
           <a:p>
             <a:fld id="{DE4E7392-00FF-4A5B-A4FB-CA939482D6BD}" type="datetimeFigureOut">
               <a:rPr lang="en-US" smtClean="0"/>
-              <a:t>8/1/2016</a:t>
+              <a:t>8/2/2016</a:t>
             </a:fld>
             <a:endParaRPr lang="en-US"/>
           </a:p>
@@ -2083,7 +2085,7 @@
           <a:p>
             <a:fld id="{DE4E7392-00FF-4A5B-A4FB-CA939482D6BD}" type="datetimeFigureOut">
               <a:rPr lang="en-US" smtClean="0"/>
-              <a:t>8/1/2016</a:t>
+              <a:t>8/2/2016</a:t>
             </a:fld>
             <a:endParaRPr lang="en-US"/>
           </a:p>
@@ -2335,7 +2337,7 @@
           <a:p>
             <a:fld id="{DE4E7392-00FF-4A5B-A4FB-CA939482D6BD}" type="datetimeFigureOut">
               <a:rPr lang="en-US" smtClean="0"/>
-              <a:t>8/1/2016</a:t>
+              <a:t>8/2/2016</a:t>
             </a:fld>
             <a:endParaRPr lang="en-US"/>
           </a:p>
@@ -2546,7 +2548,7 @@
           <a:p>
             <a:fld id="{DE4E7392-00FF-4A5B-A4FB-CA939482D6BD}" type="datetimeFigureOut">
               <a:rPr lang="en-US" smtClean="0"/>
-              <a:t>8/1/2016</a:t>
+              <a:t>8/2/2016</a:t>
             </a:fld>
             <a:endParaRPr lang="en-US"/>
           </a:p>
@@ -2951,16 +2953,845 @@
           <a:chExt cx="0" cy="0"/>
         </a:xfrm>
       </p:grpSpPr>
+      <p:sp>
+        <p:nvSpPr>
+          <p:cNvPr id="16" name="Rounded Rectangle 6"/>
+          <p:cNvSpPr/>
+          <p:nvPr/>
+        </p:nvSpPr>
+        <p:spPr>
+          <a:xfrm>
+            <a:off x="2586409" y="2804029"/>
+            <a:ext cx="1711195" cy="728495"/>
+          </a:xfrm>
+          <a:prstGeom prst="roundRect">
+            <a:avLst/>
+          </a:prstGeom>
+          <a:solidFill>
+            <a:srgbClr val="CEE1F2"/>
+          </a:solidFill>
+          <a:ln cap="rnd">
+            <a:round/>
+          </a:ln>
+          <a:effectLst>
+            <a:outerShdw blurRad="50800" dist="38100" dir="2700000" algn="tl" rotWithShape="0">
+              <a:prstClr val="black">
+                <a:alpha val="40000"/>
+              </a:prstClr>
+            </a:outerShdw>
+          </a:effectLst>
+        </p:spPr>
+        <p:style>
+          <a:lnRef idx="2">
+            <a:schemeClr val="accent1">
+              <a:shade val="50000"/>
+            </a:schemeClr>
+          </a:lnRef>
+          <a:fillRef idx="1">
+            <a:schemeClr val="accent1"/>
+          </a:fillRef>
+          <a:effectRef idx="0">
+            <a:schemeClr val="accent1"/>
+          </a:effectRef>
+          <a:fontRef idx="minor">
+            <a:schemeClr val="lt1"/>
+          </a:fontRef>
+        </p:style>
+        <p:txBody>
+          <a:bodyPr rtlCol="0" anchor="ctr"/>
+          <a:lstStyle/>
+          <a:p>
+            <a:pPr algn="ctr"/>
+            <a:r>
+              <a:rPr lang="en-US" dirty="0">
+                <a:solidFill>
+                  <a:schemeClr val="tx1"/>
+                </a:solidFill>
+              </a:rPr>
+              <a:t>Patient</a:t>
+            </a:r>
+          </a:p>
+          <a:p>
+            <a:pPr algn="ctr"/>
+            <a:endParaRPr lang="en-AU" dirty="0">
+              <a:solidFill>
+                <a:schemeClr val="tx1"/>
+              </a:solidFill>
+            </a:endParaRPr>
+          </a:p>
+        </p:txBody>
+      </p:sp>
       <p:cxnSp>
         <p:nvCxnSpPr>
-          <p:cNvPr id="76" name="Elbow Connector 37"/>
+          <p:cNvPr id="5" name="Elbow Connector 37"/>
           <p:cNvCxnSpPr/>
           <p:nvPr/>
         </p:nvCxnSpPr>
         <p:spPr>
-          <a:xfrm>
-            <a:off x="5094194" y="1531520"/>
-            <a:ext cx="1660734" cy="1928289"/>
+          <a:xfrm flipH="1" flipV="1">
+            <a:off x="4398910" y="3626235"/>
+            <a:ext cx="769438" cy="597896"/>
+          </a:xfrm>
+          <a:prstGeom prst="straightConnector1">
+            <a:avLst/>
+          </a:prstGeom>
+          <a:ln>
+            <a:tailEnd type="triangle"/>
+          </a:ln>
+        </p:spPr>
+        <p:style>
+          <a:lnRef idx="3">
+            <a:schemeClr val="dk1"/>
+          </a:lnRef>
+          <a:fillRef idx="0">
+            <a:schemeClr val="dk1"/>
+          </a:fillRef>
+          <a:effectRef idx="2">
+            <a:schemeClr val="dk1"/>
+          </a:effectRef>
+          <a:fontRef idx="minor">
+            <a:schemeClr val="tx1"/>
+          </a:fontRef>
+        </p:style>
+      </p:cxnSp>
+      <p:cxnSp>
+        <p:nvCxnSpPr>
+          <p:cNvPr id="6" name="Elbow Connector 37"/>
+          <p:cNvCxnSpPr>
+            <a:stCxn id="19" idx="2"/>
+            <a:endCxn id="16" idx="1"/>
+          </p:cNvCxnSpPr>
+          <p:nvPr/>
+        </p:nvCxnSpPr>
+        <p:spPr>
+          <a:xfrm rot="5400000" flipH="1">
+            <a:off x="2884961" y="2869725"/>
+            <a:ext cx="459162" cy="1056266"/>
+          </a:xfrm>
+          <a:prstGeom prst="bentConnector4">
+            <a:avLst>
+              <a:gd name="adj1" fmla="val -49786"/>
+              <a:gd name="adj2" fmla="val 121642"/>
+            </a:avLst>
+          </a:prstGeom>
+          <a:ln>
+            <a:tailEnd type="triangle"/>
+          </a:ln>
+        </p:spPr>
+        <p:style>
+          <a:lnRef idx="3">
+            <a:schemeClr val="dk1"/>
+          </a:lnRef>
+          <a:fillRef idx="0">
+            <a:schemeClr val="dk1"/>
+          </a:fillRef>
+          <a:effectRef idx="2">
+            <a:schemeClr val="dk1"/>
+          </a:effectRef>
+          <a:fontRef idx="minor">
+            <a:schemeClr val="tx1"/>
+          </a:fontRef>
+        </p:style>
+      </p:cxnSp>
+      <p:cxnSp>
+        <p:nvCxnSpPr>
+          <p:cNvPr id="9" name="Elbow Connector 37"/>
+          <p:cNvCxnSpPr/>
+          <p:nvPr/>
+        </p:nvCxnSpPr>
+        <p:spPr>
+          <a:xfrm flipV="1">
+            <a:off x="6566691" y="3626235"/>
+            <a:ext cx="719708" cy="581244"/>
+          </a:xfrm>
+          <a:prstGeom prst="straightConnector1">
+            <a:avLst/>
+          </a:prstGeom>
+          <a:ln>
+            <a:tailEnd type="triangle"/>
+          </a:ln>
+        </p:spPr>
+        <p:style>
+          <a:lnRef idx="3">
+            <a:schemeClr val="dk1"/>
+          </a:lnRef>
+          <a:fillRef idx="0">
+            <a:schemeClr val="dk1"/>
+          </a:fillRef>
+          <a:effectRef idx="2">
+            <a:schemeClr val="dk1"/>
+          </a:effectRef>
+          <a:fontRef idx="minor">
+            <a:schemeClr val="tx1"/>
+          </a:fontRef>
+        </p:style>
+      </p:cxnSp>
+      <p:cxnSp>
+        <p:nvCxnSpPr>
+          <p:cNvPr id="10" name="Elbow Connector 37"/>
+          <p:cNvCxnSpPr/>
+          <p:nvPr/>
+        </p:nvCxnSpPr>
+        <p:spPr>
+          <a:xfrm flipH="1" flipV="1">
+            <a:off x="5842653" y="3655958"/>
+            <a:ext cx="1" cy="785538"/>
+          </a:xfrm>
+          <a:prstGeom prst="straightConnector1">
+            <a:avLst/>
+          </a:prstGeom>
+          <a:ln>
+            <a:tailEnd type="triangle"/>
+          </a:ln>
+        </p:spPr>
+        <p:style>
+          <a:lnRef idx="3">
+            <a:schemeClr val="dk1"/>
+          </a:lnRef>
+          <a:fillRef idx="0">
+            <a:schemeClr val="dk1"/>
+          </a:fillRef>
+          <a:effectRef idx="2">
+            <a:schemeClr val="dk1"/>
+          </a:effectRef>
+          <a:fontRef idx="minor">
+            <a:schemeClr val="tx1"/>
+          </a:fontRef>
+        </p:style>
+      </p:cxnSp>
+      <p:sp>
+        <p:nvSpPr>
+          <p:cNvPr id="15" name="Rounded Rectangle 5"/>
+          <p:cNvSpPr/>
+          <p:nvPr/>
+        </p:nvSpPr>
+        <p:spPr>
+          <a:xfrm>
+            <a:off x="4989919" y="4048727"/>
+            <a:ext cx="1705471" cy="728495"/>
+          </a:xfrm>
+          <a:prstGeom prst="roundRect">
+            <a:avLst/>
+          </a:prstGeom>
+          <a:solidFill>
+            <a:srgbClr val="CEE1F2"/>
+          </a:solidFill>
+          <a:ln cap="rnd">
+            <a:round/>
+          </a:ln>
+          <a:effectLst>
+            <a:outerShdw blurRad="50800" dist="38100" dir="2700000" algn="tl" rotWithShape="0">
+              <a:prstClr val="black">
+                <a:alpha val="40000"/>
+              </a:prstClr>
+            </a:outerShdw>
+          </a:effectLst>
+        </p:spPr>
+        <p:style>
+          <a:lnRef idx="2">
+            <a:schemeClr val="accent1">
+              <a:shade val="50000"/>
+            </a:schemeClr>
+          </a:lnRef>
+          <a:fillRef idx="1">
+            <a:schemeClr val="accent1"/>
+          </a:fillRef>
+          <a:effectRef idx="0">
+            <a:schemeClr val="accent1"/>
+          </a:effectRef>
+          <a:fontRef idx="minor">
+            <a:schemeClr val="lt1"/>
+          </a:fontRef>
+        </p:style>
+        <p:txBody>
+          <a:bodyPr rtlCol="0" anchor="ctr"/>
+          <a:lstStyle/>
+          <a:p>
+            <a:pPr algn="ctr"/>
+            <a:r>
+              <a:rPr lang="en-US" dirty="0">
+                <a:solidFill>
+                  <a:schemeClr val="tx1"/>
+                </a:solidFill>
+              </a:rPr>
+              <a:t>Person</a:t>
+            </a:r>
+            <a:endParaRPr lang="en-AU" dirty="0">
+              <a:solidFill>
+                <a:schemeClr val="tx1"/>
+              </a:solidFill>
+            </a:endParaRPr>
+          </a:p>
+        </p:txBody>
+      </p:sp>
+      <p:sp>
+        <p:nvSpPr>
+          <p:cNvPr id="17" name="Rounded Rectangle 7"/>
+          <p:cNvSpPr/>
+          <p:nvPr/>
+        </p:nvSpPr>
+        <p:spPr>
+          <a:xfrm>
+            <a:off x="7286399" y="2804027"/>
+            <a:ext cx="1705471" cy="728495"/>
+          </a:xfrm>
+          <a:prstGeom prst="roundRect">
+            <a:avLst/>
+          </a:prstGeom>
+          <a:solidFill>
+            <a:srgbClr val="CEE1F2"/>
+          </a:solidFill>
+          <a:ln cap="rnd">
+            <a:round/>
+          </a:ln>
+          <a:effectLst>
+            <a:outerShdw blurRad="50800" dist="38100" dir="2700000" algn="tl" rotWithShape="0">
+              <a:prstClr val="black">
+                <a:alpha val="40000"/>
+              </a:prstClr>
+            </a:outerShdw>
+          </a:effectLst>
+        </p:spPr>
+        <p:style>
+          <a:lnRef idx="2">
+            <a:schemeClr val="accent1">
+              <a:shade val="50000"/>
+            </a:schemeClr>
+          </a:lnRef>
+          <a:fillRef idx="1">
+            <a:schemeClr val="accent1"/>
+          </a:fillRef>
+          <a:effectRef idx="0">
+            <a:schemeClr val="accent1"/>
+          </a:effectRef>
+          <a:fontRef idx="minor">
+            <a:schemeClr val="lt1"/>
+          </a:fontRef>
+        </p:style>
+        <p:txBody>
+          <a:bodyPr rtlCol="0" anchor="ctr"/>
+          <a:lstStyle/>
+          <a:p>
+            <a:pPr algn="ctr"/>
+            <a:r>
+              <a:rPr lang="en-US" dirty="0">
+                <a:solidFill>
+                  <a:schemeClr val="tx1"/>
+                </a:solidFill>
+              </a:rPr>
+              <a:t>Practitioner</a:t>
+            </a:r>
+          </a:p>
+        </p:txBody>
+      </p:sp>
+      <p:sp>
+        <p:nvSpPr>
+          <p:cNvPr id="18" name="Rounded Rectangle 8"/>
+          <p:cNvSpPr/>
+          <p:nvPr/>
+        </p:nvSpPr>
+        <p:spPr>
+          <a:xfrm>
+            <a:off x="4989920" y="2804028"/>
+            <a:ext cx="1705471" cy="728495"/>
+          </a:xfrm>
+          <a:prstGeom prst="roundRect">
+            <a:avLst/>
+          </a:prstGeom>
+          <a:solidFill>
+            <a:srgbClr val="CEE1F2"/>
+          </a:solidFill>
+          <a:ln cap="rnd">
+            <a:round/>
+          </a:ln>
+          <a:effectLst>
+            <a:outerShdw blurRad="50800" dist="38100" dir="2700000" algn="tl" rotWithShape="0">
+              <a:prstClr val="black">
+                <a:alpha val="40000"/>
+              </a:prstClr>
+            </a:outerShdw>
+          </a:effectLst>
+        </p:spPr>
+        <p:style>
+          <a:lnRef idx="2">
+            <a:schemeClr val="accent1">
+              <a:shade val="50000"/>
+            </a:schemeClr>
+          </a:lnRef>
+          <a:fillRef idx="1">
+            <a:schemeClr val="accent1"/>
+          </a:fillRef>
+          <a:effectRef idx="0">
+            <a:schemeClr val="accent1"/>
+          </a:effectRef>
+          <a:fontRef idx="minor">
+            <a:schemeClr val="lt1"/>
+          </a:fontRef>
+        </p:style>
+        <p:txBody>
+          <a:bodyPr rtlCol="0" anchor="ctr"/>
+          <a:lstStyle/>
+          <a:p>
+            <a:pPr algn="ctr"/>
+            <a:r>
+              <a:rPr lang="en-US" dirty="0">
+                <a:solidFill>
+                  <a:schemeClr val="tx1"/>
+                </a:solidFill>
+              </a:rPr>
+              <a:t>RelatedPerson</a:t>
+            </a:r>
+            <a:endParaRPr lang="en-AU" dirty="0">
+              <a:solidFill>
+                <a:schemeClr val="tx1"/>
+              </a:solidFill>
+            </a:endParaRPr>
+          </a:p>
+        </p:txBody>
+      </p:sp>
+      <p:sp>
+        <p:nvSpPr>
+          <p:cNvPr id="25" name="Title 24"/>
+          <p:cNvSpPr>
+            <a:spLocks noGrp="1"/>
+          </p:cNvSpPr>
+          <p:nvPr>
+            <p:ph type="title"/>
+          </p:nvPr>
+        </p:nvSpPr>
+        <p:spPr/>
+        <p:txBody>
+          <a:bodyPr/>
+          <a:lstStyle/>
+          <a:p>
+            <a:r>
+              <a:rPr lang="en-AU" dirty="0"/>
+              <a:t>Person, Patient, Related Person, Practitioner</a:t>
+            </a:r>
+          </a:p>
+        </p:txBody>
+      </p:sp>
+      <p:cxnSp>
+        <p:nvCxnSpPr>
+          <p:cNvPr id="11" name="Elbow Connector 37"/>
+          <p:cNvCxnSpPr/>
+          <p:nvPr/>
+        </p:nvCxnSpPr>
+        <p:spPr>
+          <a:xfrm flipV="1">
+            <a:off x="3918881" y="3379305"/>
+            <a:ext cx="871780" cy="8970"/>
+          </a:xfrm>
+          <a:prstGeom prst="straightConnector1">
+            <a:avLst/>
+          </a:prstGeom>
+          <a:ln>
+            <a:tailEnd type="triangle"/>
+          </a:ln>
+        </p:spPr>
+        <p:style>
+          <a:lnRef idx="3">
+            <a:schemeClr val="dk1"/>
+          </a:lnRef>
+          <a:fillRef idx="0">
+            <a:schemeClr val="dk1"/>
+          </a:fillRef>
+          <a:effectRef idx="2">
+            <a:schemeClr val="dk1"/>
+          </a:effectRef>
+          <a:fontRef idx="minor">
+            <a:schemeClr val="tx1"/>
+          </a:fontRef>
+        </p:style>
+      </p:cxnSp>
+      <p:sp>
+        <p:nvSpPr>
+          <p:cNvPr id="19" name="Rounded Rectangle 36"/>
+          <p:cNvSpPr/>
+          <p:nvPr/>
+        </p:nvSpPr>
+        <p:spPr>
+          <a:xfrm>
+            <a:off x="3187998" y="3222118"/>
+            <a:ext cx="909353" cy="405321"/>
+          </a:xfrm>
+          <a:prstGeom prst="roundRect">
+            <a:avLst/>
+          </a:prstGeom>
+          <a:solidFill>
+            <a:srgbClr val="71A7D9"/>
+          </a:solidFill>
+          <a:ln cap="rnd">
+            <a:round/>
+          </a:ln>
+          <a:effectLst>
+            <a:outerShdw blurRad="50800" dist="38100" dir="2700000" algn="tl" rotWithShape="0">
+              <a:prstClr val="black">
+                <a:alpha val="40000"/>
+              </a:prstClr>
+            </a:outerShdw>
+          </a:effectLst>
+        </p:spPr>
+        <p:style>
+          <a:lnRef idx="2">
+            <a:schemeClr val="accent1">
+              <a:shade val="50000"/>
+            </a:schemeClr>
+          </a:lnRef>
+          <a:fillRef idx="1">
+            <a:schemeClr val="accent1"/>
+          </a:fillRef>
+          <a:effectRef idx="0">
+            <a:schemeClr val="accent1"/>
+          </a:effectRef>
+          <a:fontRef idx="minor">
+            <a:schemeClr val="lt1"/>
+          </a:fontRef>
+        </p:style>
+        <p:txBody>
+          <a:bodyPr rtlCol="0" anchor="ctr"/>
+          <a:lstStyle/>
+          <a:p>
+            <a:pPr algn="ctr"/>
+            <a:r>
+              <a:rPr lang="en-US" dirty="0">
+                <a:solidFill>
+                  <a:schemeClr val="tx1"/>
+                </a:solidFill>
+              </a:rPr>
+              <a:t>Link</a:t>
+            </a:r>
+          </a:p>
+        </p:txBody>
+      </p:sp>
+    </p:spTree>
+    <p:extLst>
+      <p:ext uri="{BB962C8B-B14F-4D97-AF65-F5344CB8AC3E}">
+        <p14:creationId xmlns:p14="http://schemas.microsoft.com/office/powerpoint/2010/main" val="3175908371"/>
+      </p:ext>
+    </p:extLst>
+  </p:cSld>
+  <p:clrMapOvr>
+    <a:masterClrMapping/>
+  </p:clrMapOvr>
+</p:sld>
+</file>
+
+<file path=ppt/slides/slide2.xml><?xml version="1.0" encoding="utf-8"?>
+<p:sld xmlns:a="http://schemas.openxmlformats.org/drawingml/2006/main" xmlns:r="http://schemas.openxmlformats.org/officeDocument/2006/relationships" xmlns:p="http://schemas.openxmlformats.org/presentationml/2006/main">
+  <p:cSld>
+    <p:spTree>
+      <p:nvGrpSpPr>
+        <p:cNvPr id="1" name=""/>
+        <p:cNvGrpSpPr/>
+        <p:nvPr/>
+      </p:nvGrpSpPr>
+      <p:grpSpPr>
+        <a:xfrm>
+          <a:off x="0" y="0"/>
+          <a:ext cx="0" cy="0"/>
+          <a:chOff x="0" y="0"/>
+          <a:chExt cx="0" cy="0"/>
+        </a:xfrm>
+      </p:grpSpPr>
+      <p:sp>
+        <p:nvSpPr>
+          <p:cNvPr id="25" name="Rounded Rectangle 5"/>
+          <p:cNvSpPr/>
+          <p:nvPr/>
+        </p:nvSpPr>
+        <p:spPr>
+          <a:xfrm>
+            <a:off x="2843964" y="1961977"/>
+            <a:ext cx="5943198" cy="1458695"/>
+          </a:xfrm>
+          <a:prstGeom prst="roundRect">
+            <a:avLst/>
+          </a:prstGeom>
+          <a:solidFill>
+            <a:schemeClr val="bg1"/>
+          </a:solidFill>
+          <a:ln cap="rnd">
+            <a:round/>
+          </a:ln>
+          <a:effectLst>
+            <a:outerShdw blurRad="50800" dist="38100" dir="2700000" algn="tl" rotWithShape="0">
+              <a:prstClr val="black">
+                <a:alpha val="40000"/>
+              </a:prstClr>
+            </a:outerShdw>
+          </a:effectLst>
+        </p:spPr>
+        <p:style>
+          <a:lnRef idx="2">
+            <a:schemeClr val="accent1">
+              <a:shade val="50000"/>
+            </a:schemeClr>
+          </a:lnRef>
+          <a:fillRef idx="1">
+            <a:schemeClr val="accent1"/>
+          </a:fillRef>
+          <a:effectRef idx="0">
+            <a:schemeClr val="accent1"/>
+          </a:effectRef>
+          <a:fontRef idx="minor">
+            <a:schemeClr val="lt1"/>
+          </a:fontRef>
+        </p:style>
+        <p:txBody>
+          <a:bodyPr rtlCol="0" anchor="ctr"/>
+          <a:lstStyle/>
+          <a:p>
+            <a:pPr algn="ctr"/>
+            <a:endParaRPr lang="en-AU" dirty="0">
+              <a:solidFill>
+                <a:schemeClr val="tx1"/>
+              </a:solidFill>
+            </a:endParaRPr>
+          </a:p>
+        </p:txBody>
+      </p:sp>
+      <p:cxnSp>
+        <p:nvCxnSpPr>
+          <p:cNvPr id="5" name="Elbow Connector 37"/>
+          <p:cNvCxnSpPr/>
+          <p:nvPr/>
+        </p:nvCxnSpPr>
+        <p:spPr>
+          <a:xfrm>
+            <a:off x="3891648" y="4542788"/>
+            <a:ext cx="858772" cy="4592"/>
+          </a:xfrm>
+          <a:prstGeom prst="straightConnector1">
+            <a:avLst/>
+          </a:prstGeom>
+          <a:ln>
+            <a:tailEnd type="triangle"/>
+          </a:ln>
+        </p:spPr>
+        <p:style>
+          <a:lnRef idx="3">
+            <a:schemeClr val="dk1"/>
+          </a:lnRef>
+          <a:fillRef idx="0">
+            <a:schemeClr val="dk1"/>
+          </a:fillRef>
+          <a:effectRef idx="2">
+            <a:schemeClr val="dk1"/>
+          </a:effectRef>
+          <a:fontRef idx="minor">
+            <a:schemeClr val="tx1"/>
+          </a:fontRef>
+        </p:style>
+      </p:cxnSp>
+      <p:cxnSp>
+        <p:nvCxnSpPr>
+          <p:cNvPr id="6" name="Elbow Connector 37"/>
+          <p:cNvCxnSpPr/>
+          <p:nvPr/>
+        </p:nvCxnSpPr>
+        <p:spPr>
+          <a:xfrm flipH="1" flipV="1">
+            <a:off x="4346525" y="3122695"/>
+            <a:ext cx="937592" cy="1164673"/>
+          </a:xfrm>
+          <a:prstGeom prst="straightConnector1">
+            <a:avLst/>
+          </a:prstGeom>
+          <a:ln>
+            <a:tailEnd type="triangle"/>
+          </a:ln>
+        </p:spPr>
+        <p:style>
+          <a:lnRef idx="3">
+            <a:schemeClr val="dk1"/>
+          </a:lnRef>
+          <a:fillRef idx="0">
+            <a:schemeClr val="dk1"/>
+          </a:fillRef>
+          <a:effectRef idx="2">
+            <a:schemeClr val="dk1"/>
+          </a:effectRef>
+          <a:fontRef idx="minor">
+            <a:schemeClr val="tx1"/>
+          </a:fontRef>
+        </p:style>
+      </p:cxnSp>
+      <p:cxnSp>
+        <p:nvCxnSpPr>
+          <p:cNvPr id="7" name="Elbow Connector 37"/>
+          <p:cNvCxnSpPr/>
+          <p:nvPr/>
+        </p:nvCxnSpPr>
+        <p:spPr>
+          <a:xfrm flipH="1" flipV="1">
+            <a:off x="8359297" y="3602089"/>
+            <a:ext cx="236142" cy="721027"/>
+          </a:xfrm>
+          <a:prstGeom prst="straightConnector1">
+            <a:avLst/>
+          </a:prstGeom>
+          <a:ln>
+            <a:tailEnd type="triangle"/>
+          </a:ln>
+        </p:spPr>
+        <p:style>
+          <a:lnRef idx="3">
+            <a:schemeClr val="dk1"/>
+          </a:lnRef>
+          <a:fillRef idx="0">
+            <a:schemeClr val="dk1"/>
+          </a:fillRef>
+          <a:effectRef idx="2">
+            <a:schemeClr val="dk1"/>
+          </a:effectRef>
+          <a:fontRef idx="minor">
+            <a:schemeClr val="tx1"/>
+          </a:fontRef>
+        </p:style>
+      </p:cxnSp>
+      <p:cxnSp>
+        <p:nvCxnSpPr>
+          <p:cNvPr id="8" name="Elbow Connector 37"/>
+          <p:cNvCxnSpPr/>
+          <p:nvPr/>
+        </p:nvCxnSpPr>
+        <p:spPr>
+          <a:xfrm flipH="1" flipV="1">
+            <a:off x="6820776" y="4963945"/>
+            <a:ext cx="881830" cy="623201"/>
+          </a:xfrm>
+          <a:prstGeom prst="straightConnector1">
+            <a:avLst/>
+          </a:prstGeom>
+          <a:ln>
+            <a:tailEnd type="triangle"/>
+          </a:ln>
+        </p:spPr>
+        <p:style>
+          <a:lnRef idx="3">
+            <a:schemeClr val="dk1"/>
+          </a:lnRef>
+          <a:fillRef idx="0">
+            <a:schemeClr val="dk1"/>
+          </a:fillRef>
+          <a:effectRef idx="2">
+            <a:schemeClr val="dk1"/>
+          </a:effectRef>
+          <a:fontRef idx="minor">
+            <a:schemeClr val="tx1"/>
+          </a:fontRef>
+        </p:style>
+      </p:cxnSp>
+      <p:cxnSp>
+        <p:nvCxnSpPr>
+          <p:cNvPr id="9" name="Elbow Connector 37"/>
+          <p:cNvCxnSpPr/>
+          <p:nvPr/>
+        </p:nvCxnSpPr>
+        <p:spPr>
+          <a:xfrm flipH="1" flipV="1">
+            <a:off x="7895336" y="3638222"/>
+            <a:ext cx="209687" cy="684894"/>
+          </a:xfrm>
+          <a:prstGeom prst="straightConnector1">
+            <a:avLst/>
+          </a:prstGeom>
+          <a:ln>
+            <a:tailEnd type="triangle"/>
+          </a:ln>
+        </p:spPr>
+        <p:style>
+          <a:lnRef idx="3">
+            <a:schemeClr val="dk1"/>
+          </a:lnRef>
+          <a:fillRef idx="0">
+            <a:schemeClr val="dk1"/>
+          </a:fillRef>
+          <a:effectRef idx="2">
+            <a:schemeClr val="dk1"/>
+          </a:effectRef>
+          <a:fontRef idx="minor">
+            <a:schemeClr val="tx1"/>
+          </a:fontRef>
+        </p:style>
+      </p:cxnSp>
+      <p:cxnSp>
+        <p:nvCxnSpPr>
+          <p:cNvPr id="10" name="Elbow Connector 37"/>
+          <p:cNvCxnSpPr/>
+          <p:nvPr/>
+        </p:nvCxnSpPr>
+        <p:spPr>
+          <a:xfrm flipH="1" flipV="1">
+            <a:off x="3304784" y="5035293"/>
+            <a:ext cx="15391" cy="606602"/>
+          </a:xfrm>
+          <a:prstGeom prst="straightConnector1">
+            <a:avLst/>
+          </a:prstGeom>
+          <a:ln>
+            <a:tailEnd type="triangle"/>
+          </a:ln>
+        </p:spPr>
+        <p:style>
+          <a:lnRef idx="3">
+            <a:schemeClr val="dk1"/>
+          </a:lnRef>
+          <a:fillRef idx="0">
+            <a:schemeClr val="dk1"/>
+          </a:fillRef>
+          <a:effectRef idx="2">
+            <a:schemeClr val="dk1"/>
+          </a:effectRef>
+          <a:fontRef idx="minor">
+            <a:schemeClr val="tx1"/>
+          </a:fontRef>
+        </p:style>
+      </p:cxnSp>
+      <p:cxnSp>
+        <p:nvCxnSpPr>
+          <p:cNvPr id="11" name="Elbow Connector 37"/>
+          <p:cNvCxnSpPr/>
+          <p:nvPr/>
+        </p:nvCxnSpPr>
+        <p:spPr>
+          <a:xfrm flipV="1">
+            <a:off x="4070870" y="5000997"/>
+            <a:ext cx="710374" cy="608233"/>
+          </a:xfrm>
+          <a:prstGeom prst="straightConnector1">
+            <a:avLst/>
+          </a:prstGeom>
+          <a:ln>
+            <a:tailEnd type="triangle"/>
+          </a:ln>
+        </p:spPr>
+        <p:style>
+          <a:lnRef idx="3">
+            <a:schemeClr val="dk1"/>
+          </a:lnRef>
+          <a:fillRef idx="0">
+            <a:schemeClr val="dk1"/>
+          </a:fillRef>
+          <a:effectRef idx="2">
+            <a:schemeClr val="dk1"/>
+          </a:effectRef>
+          <a:fontRef idx="minor">
+            <a:schemeClr val="tx1"/>
+          </a:fontRef>
+        </p:style>
+      </p:cxnSp>
+      <p:cxnSp>
+        <p:nvCxnSpPr>
+          <p:cNvPr id="12" name="Elbow Connector 37"/>
+          <p:cNvCxnSpPr/>
+          <p:nvPr/>
+        </p:nvCxnSpPr>
+        <p:spPr>
+          <a:xfrm flipH="1" flipV="1">
+            <a:off x="5833030" y="5056878"/>
+            <a:ext cx="9536" cy="531342"/>
           </a:xfrm>
           <a:prstGeom prst="straightConnector1">
             <a:avLst/>
@@ -2992,14 +3823,14 @@
       </p:cxnSp>
       <p:cxnSp>
         <p:nvCxnSpPr>
-          <p:cNvPr id="9" name="Elbow Connector 37"/>
+          <p:cNvPr id="13" name="Elbow Connector 37"/>
           <p:cNvCxnSpPr/>
           <p:nvPr/>
         </p:nvCxnSpPr>
         <p:spPr>
-          <a:xfrm>
-            <a:off x="5080000" y="1487055"/>
-            <a:ext cx="116931" cy="678493"/>
+          <a:xfrm flipV="1">
+            <a:off x="8381802" y="5070407"/>
+            <a:ext cx="0" cy="516739"/>
           </a:xfrm>
           <a:prstGeom prst="straightConnector1">
             <a:avLst/>
@@ -3023,379 +3854,93 @@
           </a:fontRef>
         </p:style>
       </p:cxnSp>
+      <p:sp>
+        <p:nvSpPr>
+          <p:cNvPr id="15" name="Rounded Rectangle 5"/>
+          <p:cNvSpPr/>
+          <p:nvPr/>
+        </p:nvSpPr>
+        <p:spPr>
+          <a:xfrm>
+            <a:off x="6868895" y="2179527"/>
+            <a:ext cx="1694439" cy="728495"/>
+          </a:xfrm>
+          <a:prstGeom prst="roundRect">
+            <a:avLst/>
+          </a:prstGeom>
+          <a:solidFill>
+            <a:srgbClr val="CEE1F2"/>
+          </a:solidFill>
+          <a:ln cap="rnd">
+            <a:round/>
+          </a:ln>
+          <a:effectLst>
+            <a:outerShdw blurRad="50800" dist="38100" dir="2700000" algn="tl" rotWithShape="0">
+              <a:prstClr val="black">
+                <a:alpha val="40000"/>
+              </a:prstClr>
+            </a:outerShdw>
+          </a:effectLst>
+        </p:spPr>
+        <p:style>
+          <a:lnRef idx="2">
+            <a:schemeClr val="accent1">
+              <a:shade val="50000"/>
+            </a:schemeClr>
+          </a:lnRef>
+          <a:fillRef idx="1">
+            <a:schemeClr val="accent1"/>
+          </a:fillRef>
+          <a:effectRef idx="0">
+            <a:schemeClr val="accent1"/>
+          </a:effectRef>
+          <a:fontRef idx="minor">
+            <a:schemeClr val="lt1"/>
+          </a:fontRef>
+        </p:style>
+        <p:txBody>
+          <a:bodyPr rtlCol="0" anchor="ctr"/>
+          <a:lstStyle/>
+          <a:p>
+            <a:pPr algn="ctr"/>
+            <a:r>
+              <a:rPr lang="en-US" dirty="0">
+                <a:solidFill>
+                  <a:schemeClr val="tx1"/>
+                </a:solidFill>
+              </a:rPr>
+              <a:t>Organization</a:t>
+            </a:r>
+            <a:endParaRPr lang="en-AU" dirty="0">
+              <a:solidFill>
+                <a:schemeClr val="tx1"/>
+              </a:solidFill>
+            </a:endParaRPr>
+          </a:p>
+        </p:txBody>
+      </p:sp>
       <p:cxnSp>
         <p:nvCxnSpPr>
-          <p:cNvPr id="10" name="Elbow Connector 37"/>
+          <p:cNvPr id="23" name="Elbow Connector 37"/>
           <p:cNvCxnSpPr/>
           <p:nvPr/>
         </p:nvCxnSpPr>
         <p:spPr>
-          <a:xfrm flipH="1">
-            <a:off x="3094182" y="1487055"/>
-            <a:ext cx="794328" cy="607358"/>
+          <a:xfrm>
+            <a:off x="6537417" y="5765282"/>
+            <a:ext cx="809828" cy="0"/>
           </a:xfrm>
           <a:prstGeom prst="straightConnector1">
             <a:avLst/>
           </a:prstGeom>
-          <a:ln>
-            <a:tailEnd type="triangle"/>
-          </a:ln>
-        </p:spPr>
-        <p:style>
-          <a:lnRef idx="3">
-            <a:schemeClr val="dk1"/>
-          </a:lnRef>
-          <a:fillRef idx="0">
-            <a:schemeClr val="dk1"/>
-          </a:fillRef>
-          <a:effectRef idx="2">
-            <a:schemeClr val="dk1"/>
-          </a:effectRef>
-          <a:fontRef idx="minor">
-            <a:schemeClr val="tx1"/>
-          </a:fontRef>
-        </p:style>
-      </p:cxnSp>
-      <p:cxnSp>
-        <p:nvCxnSpPr>
-          <p:cNvPr id="11" name="Elbow Connector 37"/>
-          <p:cNvCxnSpPr/>
-          <p:nvPr/>
-        </p:nvCxnSpPr>
-        <p:spPr>
-          <a:xfrm flipH="1" flipV="1">
-            <a:off x="5495637" y="1487055"/>
-            <a:ext cx="1357745" cy="854842"/>
-          </a:xfrm>
-          <a:prstGeom prst="straightConnector1">
-            <a:avLst/>
-          </a:prstGeom>
-          <a:ln>
-            <a:tailEnd type="triangle"/>
-          </a:ln>
-        </p:spPr>
-        <p:style>
-          <a:lnRef idx="3">
-            <a:schemeClr val="dk1"/>
-          </a:lnRef>
-          <a:fillRef idx="0">
-            <a:schemeClr val="dk1"/>
-          </a:fillRef>
-          <a:effectRef idx="2">
-            <a:schemeClr val="dk1"/>
-          </a:effectRef>
-          <a:fontRef idx="minor">
-            <a:schemeClr val="tx1"/>
-          </a:fontRef>
-        </p:style>
-      </p:cxnSp>
-      <p:cxnSp>
-        <p:nvCxnSpPr>
-          <p:cNvPr id="12" name="Elbow Connector 37"/>
-          <p:cNvCxnSpPr/>
-          <p:nvPr/>
-        </p:nvCxnSpPr>
-        <p:spPr>
-          <a:xfrm flipH="1">
-            <a:off x="5403416" y="3075624"/>
-            <a:ext cx="1976439" cy="720521"/>
-          </a:xfrm>
-          <a:prstGeom prst="straightConnector1">
-            <a:avLst/>
-          </a:prstGeom>
-          <a:ln>
-            <a:tailEnd type="triangle"/>
-          </a:ln>
-        </p:spPr>
-        <p:style>
-          <a:lnRef idx="3">
-            <a:schemeClr val="dk1"/>
-          </a:lnRef>
-          <a:fillRef idx="0">
-            <a:schemeClr val="dk1"/>
-          </a:fillRef>
-          <a:effectRef idx="2">
-            <a:schemeClr val="dk1"/>
-          </a:effectRef>
-          <a:fontRef idx="minor">
-            <a:schemeClr val="tx1"/>
-          </a:fontRef>
-        </p:style>
-      </p:cxnSp>
-      <p:cxnSp>
-        <p:nvCxnSpPr>
-          <p:cNvPr id="13" name="Elbow Connector 37"/>
-          <p:cNvCxnSpPr/>
-          <p:nvPr/>
-        </p:nvCxnSpPr>
-        <p:spPr>
-          <a:xfrm flipH="1">
-            <a:off x="5080000" y="2889629"/>
-            <a:ext cx="134841" cy="651933"/>
-          </a:xfrm>
-          <a:prstGeom prst="straightConnector1">
-            <a:avLst/>
-          </a:prstGeom>
-          <a:ln>
-            <a:tailEnd type="triangle"/>
-          </a:ln>
-        </p:spPr>
-        <p:style>
-          <a:lnRef idx="3">
-            <a:schemeClr val="dk1"/>
-          </a:lnRef>
-          <a:fillRef idx="0">
-            <a:schemeClr val="dk1"/>
-          </a:fillRef>
-          <a:effectRef idx="2">
-            <a:schemeClr val="dk1"/>
-          </a:effectRef>
-          <a:fontRef idx="minor">
-            <a:schemeClr val="tx1"/>
-          </a:fontRef>
-        </p:style>
-      </p:cxnSp>
-      <p:cxnSp>
-        <p:nvCxnSpPr>
-          <p:cNvPr id="14" name="Elbow Connector 37"/>
-          <p:cNvCxnSpPr/>
-          <p:nvPr/>
-        </p:nvCxnSpPr>
-        <p:spPr>
-          <a:xfrm>
-            <a:off x="3403239" y="2889629"/>
-            <a:ext cx="345827" cy="643105"/>
-          </a:xfrm>
-          <a:prstGeom prst="straightConnector1">
-            <a:avLst/>
-          </a:prstGeom>
-          <a:ln>
-            <a:tailEnd type="triangle"/>
-          </a:ln>
-        </p:spPr>
-        <p:style>
-          <a:lnRef idx="3">
-            <a:schemeClr val="dk1"/>
-          </a:lnRef>
-          <a:fillRef idx="0">
-            <a:schemeClr val="dk1"/>
-          </a:fillRef>
-          <a:effectRef idx="2">
-            <a:schemeClr val="dk1"/>
-          </a:effectRef>
-          <a:fontRef idx="minor">
-            <a:schemeClr val="tx1"/>
-          </a:fontRef>
-        </p:style>
-      </p:cxnSp>
-      <p:cxnSp>
-        <p:nvCxnSpPr>
-          <p:cNvPr id="15" name="Elbow Connector 37"/>
-          <p:cNvCxnSpPr>
-            <a:stCxn id="5" idx="3"/>
-          </p:cNvCxnSpPr>
-          <p:nvPr/>
-        </p:nvCxnSpPr>
-        <p:spPr>
-          <a:xfrm>
-            <a:off x="3526839" y="2631450"/>
-            <a:ext cx="731559" cy="14126"/>
-          </a:xfrm>
-          <a:prstGeom prst="straightConnector1">
-            <a:avLst/>
-          </a:prstGeom>
-          <a:ln>
-            <a:tailEnd type="triangle"/>
-          </a:ln>
-        </p:spPr>
-        <p:style>
-          <a:lnRef idx="3">
-            <a:schemeClr val="dk1"/>
-          </a:lnRef>
-          <a:fillRef idx="0">
-            <a:schemeClr val="dk1"/>
-          </a:fillRef>
-          <a:effectRef idx="2">
-            <a:schemeClr val="dk1"/>
-          </a:effectRef>
-          <a:fontRef idx="minor">
-            <a:schemeClr val="tx1"/>
-          </a:fontRef>
-        </p:style>
-      </p:cxnSp>
-      <p:cxnSp>
-        <p:nvCxnSpPr>
-          <p:cNvPr id="16" name="Elbow Connector 37"/>
-          <p:cNvCxnSpPr>
-            <a:stCxn id="8" idx="3"/>
-          </p:cNvCxnSpPr>
-          <p:nvPr/>
-        </p:nvCxnSpPr>
-        <p:spPr>
-          <a:xfrm>
-            <a:off x="5905585" y="2631450"/>
-            <a:ext cx="731559" cy="14126"/>
-          </a:xfrm>
-          <a:prstGeom prst="straightConnector1">
-            <a:avLst/>
-          </a:prstGeom>
-          <a:ln>
-            <a:tailEnd type="triangle"/>
-          </a:ln>
-        </p:spPr>
-        <p:style>
-          <a:lnRef idx="3">
-            <a:schemeClr val="dk1"/>
-          </a:lnRef>
-          <a:fillRef idx="0">
-            <a:schemeClr val="dk1"/>
-          </a:fillRef>
-          <a:effectRef idx="2">
-            <a:schemeClr val="dk1"/>
-          </a:effectRef>
-          <a:fontRef idx="minor">
-            <a:schemeClr val="tx1"/>
-          </a:fontRef>
-        </p:style>
-      </p:cxnSp>
-      <p:cxnSp>
-        <p:nvCxnSpPr>
-          <p:cNvPr id="17" name="Elbow Connector 37"/>
-          <p:cNvCxnSpPr/>
-          <p:nvPr/>
-        </p:nvCxnSpPr>
-        <p:spPr>
-          <a:xfrm>
-            <a:off x="3935291" y="1658210"/>
-            <a:ext cx="2349" cy="1843370"/>
-          </a:xfrm>
-          <a:prstGeom prst="straightConnector1">
-            <a:avLst/>
-          </a:prstGeom>
-          <a:ln>
-            <a:tailEnd type="triangle"/>
-          </a:ln>
-        </p:spPr>
-        <p:style>
-          <a:lnRef idx="3">
-            <a:schemeClr val="dk1"/>
-          </a:lnRef>
-          <a:fillRef idx="0">
-            <a:schemeClr val="dk1"/>
-          </a:fillRef>
-          <a:effectRef idx="2">
-            <a:schemeClr val="dk1"/>
-          </a:effectRef>
-          <a:fontRef idx="minor">
-            <a:schemeClr val="tx1"/>
-          </a:fontRef>
-        </p:style>
-      </p:cxnSp>
-      <p:sp>
-        <p:nvSpPr>
-          <p:cNvPr id="18" name="Rounded Rectangle 19"/>
-          <p:cNvSpPr/>
-          <p:nvPr/>
-        </p:nvSpPr>
-        <p:spPr>
-          <a:xfrm>
-            <a:off x="2734710" y="4913162"/>
-            <a:ext cx="1468649" cy="728495"/>
-          </a:xfrm>
-          <a:prstGeom prst="roundRect">
-            <a:avLst/>
-          </a:prstGeom>
-        </p:spPr>
-        <p:style>
-          <a:lnRef idx="0">
-            <a:schemeClr val="accent3"/>
-          </a:lnRef>
-          <a:fillRef idx="3">
-            <a:schemeClr val="accent3"/>
-          </a:fillRef>
-          <a:effectRef idx="3">
-            <a:schemeClr val="accent3"/>
-          </a:effectRef>
-          <a:fontRef idx="minor">
-            <a:schemeClr val="lt1"/>
-          </a:fontRef>
-        </p:style>
-        <p:txBody>
-          <a:bodyPr rtlCol="0" anchor="ctr"/>
-          <a:lstStyle/>
-          <a:p>
-            <a:pPr algn="ctr"/>
-            <a:r>
-              <a:rPr lang="en-US" sz="1600" dirty="0"/>
-              <a:t>Schedule</a:t>
-            </a:r>
-            <a:endParaRPr lang="en-AU" sz="1600" dirty="0"/>
-          </a:p>
-        </p:txBody>
-      </p:sp>
-      <p:sp>
-        <p:nvSpPr>
-          <p:cNvPr id="19" name="Rounded Rectangle 20"/>
-          <p:cNvSpPr/>
-          <p:nvPr/>
-        </p:nvSpPr>
-        <p:spPr>
-          <a:xfrm>
-            <a:off x="4423573" y="4913162"/>
-            <a:ext cx="1468649" cy="728495"/>
-          </a:xfrm>
-          <a:prstGeom prst="roundRect">
-            <a:avLst/>
-          </a:prstGeom>
-        </p:spPr>
-        <p:style>
-          <a:lnRef idx="0">
-            <a:schemeClr val="accent3"/>
-          </a:lnRef>
-          <a:fillRef idx="3">
-            <a:schemeClr val="accent3"/>
-          </a:fillRef>
-          <a:effectRef idx="3">
-            <a:schemeClr val="accent3"/>
-          </a:effectRef>
-          <a:fontRef idx="minor">
-            <a:schemeClr val="lt1"/>
-          </a:fontRef>
-        </p:style>
-        <p:txBody>
-          <a:bodyPr rtlCol="0" anchor="ctr"/>
-          <a:lstStyle/>
-          <a:p>
-            <a:pPr algn="ctr"/>
-            <a:r>
-              <a:rPr lang="en-US" sz="1600" dirty="0"/>
-              <a:t>Referral Request</a:t>
-            </a:r>
-            <a:endParaRPr lang="en-AU" sz="1600" dirty="0"/>
-          </a:p>
-        </p:txBody>
-      </p:sp>
-      <p:sp>
-        <p:nvSpPr>
-          <p:cNvPr id="20" name="Rounded Rectangle 21"/>
-          <p:cNvSpPr/>
-          <p:nvPr/>
-        </p:nvSpPr>
-        <p:spPr>
-          <a:xfrm>
-            <a:off x="6112436" y="4913162"/>
-            <a:ext cx="1468649" cy="728495"/>
-          </a:xfrm>
-          <a:prstGeom prst="roundRect">
-            <a:avLst/>
-          </a:prstGeom>
-          <a:solidFill>
-            <a:schemeClr val="accent3">
-              <a:alpha val="50000"/>
-            </a:schemeClr>
-          </a:solidFill>
-          <a:ln>
-            <a:noFill/>
+          <a:ln w="19050" cap="flat" cmpd="sng" algn="ctr">
+            <a:solidFill>
+              <a:schemeClr val="accent1"/>
+            </a:solidFill>
+            <a:prstDash val="dash"/>
+            <a:round/>
+            <a:headEnd type="none" w="med" len="med"/>
+            <a:tailEnd type="triangle" w="med" len="med"/>
           </a:ln>
         </p:spPr>
         <p:style>
@@ -3409,32 +3954,20 @@
             <a:scrgbClr r="0" g="0" b="0"/>
           </a:effectRef>
           <a:fontRef idx="minor">
-            <a:schemeClr val="lt1"/>
-          </a:fontRef>
-        </p:style>
-        <p:txBody>
-          <a:bodyPr rtlCol="0" anchor="ctr"/>
-          <a:lstStyle/>
-          <a:p>
-            <a:pPr algn="ctr"/>
-            <a:r>
-              <a:rPr lang="en-US" sz="1600" dirty="0"/>
-              <a:t>Care Plan</a:t>
-            </a:r>
-            <a:endParaRPr lang="en-AU" sz="1600" dirty="0"/>
-          </a:p>
-        </p:txBody>
-      </p:sp>
-      <p:sp>
-        <p:nvSpPr>
-          <p:cNvPr id="21" name="Rounded Rectangle 22"/>
+            <a:schemeClr val="tx1"/>
+          </a:fontRef>
+        </p:style>
+      </p:cxnSp>
+      <p:sp>
+        <p:nvSpPr>
+          <p:cNvPr id="24" name="Rounded Rectangle 9"/>
           <p:cNvSpPr/>
           <p:nvPr/>
         </p:nvSpPr>
         <p:spPr>
           <a:xfrm>
-            <a:off x="6295965" y="3643216"/>
-            <a:ext cx="1468649" cy="728495"/>
+            <a:off x="4985812" y="5401035"/>
+            <a:ext cx="1713508" cy="728495"/>
           </a:xfrm>
           <a:prstGeom prst="roundRect">
             <a:avLst/>
@@ -3470,7 +4003,7 @@
             <a:pPr algn="ctr"/>
             <a:r>
               <a:rPr lang="en-US" sz="1600" dirty="0"/>
-              <a:t>Endpoint</a:t>
+              <a:t>* Billable Item</a:t>
             </a:r>
             <a:endParaRPr lang="en-AU" sz="1600" dirty="0"/>
           </a:p>
@@ -3478,155 +4011,14 @@
       </p:sp>
       <p:sp>
         <p:nvSpPr>
-          <p:cNvPr id="22" name="Rounded Rectangle 23"/>
+          <p:cNvPr id="26" name="Rounded Rectangle 5"/>
           <p:cNvSpPr/>
           <p:nvPr/>
         </p:nvSpPr>
         <p:spPr>
           <a:xfrm>
-            <a:off x="7801299" y="4913162"/>
-            <a:ext cx="1468649" cy="728495"/>
-          </a:xfrm>
-          <a:prstGeom prst="roundRect">
-            <a:avLst/>
-          </a:prstGeom>
-          <a:solidFill>
-            <a:schemeClr val="accent3">
-              <a:alpha val="50000"/>
-            </a:schemeClr>
-          </a:solidFill>
-          <a:ln>
-            <a:noFill/>
-          </a:ln>
-        </p:spPr>
-        <p:style>
-          <a:lnRef idx="0">
-            <a:scrgbClr r="0" g="0" b="0"/>
-          </a:lnRef>
-          <a:fillRef idx="0">
-            <a:scrgbClr r="0" g="0" b="0"/>
-          </a:fillRef>
-          <a:effectRef idx="0">
-            <a:scrgbClr r="0" g="0" b="0"/>
-          </a:effectRef>
-          <a:fontRef idx="minor">
-            <a:schemeClr val="lt1"/>
-          </a:fontRef>
-        </p:style>
-        <p:txBody>
-          <a:bodyPr lIns="36000" rIns="36000" rtlCol="0" anchor="ctr"/>
-          <a:lstStyle/>
-          <a:p>
-            <a:pPr algn="ctr"/>
-            <a:r>
-              <a:rPr lang="en-US" sz="1600" dirty="0"/>
-              <a:t>Questionnaire</a:t>
-            </a:r>
-            <a:endParaRPr lang="en-AU" sz="1600" dirty="0"/>
-          </a:p>
-        </p:txBody>
-      </p:sp>
-      <p:sp>
-        <p:nvSpPr>
-          <p:cNvPr id="23" name="Rounded Rectangle 24"/>
-          <p:cNvSpPr/>
-          <p:nvPr/>
-        </p:nvSpPr>
-        <p:spPr>
-          <a:xfrm>
-            <a:off x="9490164" y="4913162"/>
-            <a:ext cx="1468649" cy="728495"/>
-          </a:xfrm>
-          <a:prstGeom prst="roundRect">
-            <a:avLst/>
-          </a:prstGeom>
-          <a:solidFill>
-            <a:schemeClr val="accent3">
-              <a:alpha val="50000"/>
-            </a:schemeClr>
-          </a:solidFill>
-          <a:ln>
-            <a:noFill/>
-          </a:ln>
-        </p:spPr>
-        <p:style>
-          <a:lnRef idx="0">
-            <a:scrgbClr r="0" g="0" b="0"/>
-          </a:lnRef>
-          <a:fillRef idx="0">
-            <a:scrgbClr r="0" g="0" b="0"/>
-          </a:fillRef>
-          <a:effectRef idx="0">
-            <a:scrgbClr r="0" g="0" b="0"/>
-          </a:effectRef>
-          <a:fontRef idx="minor">
-            <a:schemeClr val="lt1"/>
-          </a:fontRef>
-        </p:style>
-        <p:txBody>
-          <a:bodyPr rtlCol="0" anchor="ctr"/>
-          <a:lstStyle/>
-          <a:p>
-            <a:r>
-              <a:rPr lang="en-US" sz="1600" dirty="0"/>
-              <a:t>…</a:t>
-            </a:r>
-            <a:endParaRPr lang="en-AU" sz="1600" dirty="0"/>
-          </a:p>
-        </p:txBody>
-      </p:sp>
-      <p:sp>
-        <p:nvSpPr>
-          <p:cNvPr id="24" name="Rounded Rectangle 26"/>
-          <p:cNvSpPr/>
-          <p:nvPr/>
-        </p:nvSpPr>
-        <p:spPr>
-          <a:xfrm>
-            <a:off x="1045847" y="4913162"/>
-            <a:ext cx="1468649" cy="728495"/>
-          </a:xfrm>
-          <a:prstGeom prst="roundRect">
-            <a:avLst/>
-          </a:prstGeom>
-        </p:spPr>
-        <p:style>
-          <a:lnRef idx="0">
-            <a:schemeClr val="accent3"/>
-          </a:lnRef>
-          <a:fillRef idx="3">
-            <a:schemeClr val="accent3"/>
-          </a:fillRef>
-          <a:effectRef idx="3">
-            <a:schemeClr val="accent3"/>
-          </a:effectRef>
-          <a:fontRef idx="minor">
-            <a:schemeClr val="lt1"/>
-          </a:fontRef>
-        </p:style>
-        <p:txBody>
-          <a:bodyPr rtlCol="0" anchor="ctr"/>
-          <a:lstStyle/>
-          <a:p>
-            <a:pPr algn="ctr"/>
-            <a:r>
-              <a:rPr lang="en-US" sz="1600" dirty="0"/>
-              <a:t>Document Reference</a:t>
-            </a:r>
-            <a:endParaRPr lang="en-AU" sz="1600" dirty="0"/>
-          </a:p>
-        </p:txBody>
-      </p:sp>
-      <p:sp>
-        <p:nvSpPr>
-          <p:cNvPr id="4" name="Rounded Rectangle 5"/>
-          <p:cNvSpPr/>
-          <p:nvPr/>
-        </p:nvSpPr>
-        <p:spPr>
-          <a:xfrm>
-            <a:off x="3753099" y="900016"/>
-            <a:ext cx="1468649" cy="728495"/>
+            <a:off x="3055981" y="2186441"/>
+            <a:ext cx="1694439" cy="728495"/>
           </a:xfrm>
           <a:prstGeom prst="roundRect">
             <a:avLst/>
@@ -3672,7 +4064,7 @@
                   <a:schemeClr val="tx1"/>
                 </a:solidFill>
               </a:rPr>
-              <a:t>Organization</a:t>
+              <a:t>Patient</a:t>
             </a:r>
             <a:endParaRPr lang="en-AU" dirty="0">
               <a:solidFill>
@@ -3684,14 +4076,14 @@
       </p:sp>
       <p:sp>
         <p:nvSpPr>
-          <p:cNvPr id="5" name="Rounded Rectangle 6"/>
+          <p:cNvPr id="27" name="Rounded Rectangle 5"/>
           <p:cNvSpPr/>
           <p:nvPr/>
         </p:nvSpPr>
         <p:spPr>
           <a:xfrm>
-            <a:off x="2058190" y="2267202"/>
-            <a:ext cx="1468649" cy="728495"/>
+            <a:off x="4962438" y="2178088"/>
+            <a:ext cx="1694439" cy="728495"/>
           </a:xfrm>
           <a:prstGeom prst="roundRect">
             <a:avLst/>
@@ -3737,7 +4129,7 @@
                   <a:schemeClr val="tx1"/>
                 </a:solidFill>
               </a:rPr>
-              <a:t>Location</a:t>
+              <a:t>RelatedPerson</a:t>
             </a:r>
             <a:endParaRPr lang="en-AU" dirty="0">
               <a:solidFill>
@@ -3749,14 +4141,14 @@
       </p:sp>
       <p:sp>
         <p:nvSpPr>
-          <p:cNvPr id="6" name="Rounded Rectangle 7"/>
+          <p:cNvPr id="30" name="Rounded Rectangle 6"/>
           <p:cNvSpPr/>
           <p:nvPr/>
         </p:nvSpPr>
         <p:spPr>
           <a:xfrm>
-            <a:off x="6772838" y="2267202"/>
-            <a:ext cx="1468649" cy="728495"/>
+            <a:off x="7534583" y="5389050"/>
+            <a:ext cx="1694439" cy="728495"/>
           </a:xfrm>
           <a:prstGeom prst="roundRect">
             <a:avLst/>
@@ -3802,29 +4194,178 @@
                   <a:schemeClr val="tx1"/>
                 </a:solidFill>
               </a:rPr>
-              <a:t>Practitioner</a:t>
-            </a:r>
-          </a:p>
-          <a:p>
-            <a:pPr algn="ctr"/>
-            <a:endParaRPr lang="en-AU" dirty="0">
-              <a:solidFill>
-                <a:schemeClr val="tx1"/>
-              </a:solidFill>
-            </a:endParaRPr>
-          </a:p>
-        </p:txBody>
-      </p:sp>
-      <p:sp>
-        <p:nvSpPr>
-          <p:cNvPr id="7" name="Rounded Rectangle 8"/>
+              <a:t>Claim</a:t>
+            </a:r>
+          </a:p>
+        </p:txBody>
+      </p:sp>
+      <p:cxnSp>
+        <p:nvCxnSpPr>
+          <p:cNvPr id="36" name="Elbow Connector 37"/>
+          <p:cNvCxnSpPr/>
+          <p:nvPr/>
+        </p:nvCxnSpPr>
+        <p:spPr>
+          <a:xfrm flipV="1">
+            <a:off x="3306764" y="3054396"/>
+            <a:ext cx="336031" cy="1106729"/>
+          </a:xfrm>
+          <a:prstGeom prst="straightConnector1">
+            <a:avLst/>
+          </a:prstGeom>
+          <a:ln>
+            <a:tailEnd type="triangle"/>
+          </a:ln>
+        </p:spPr>
+        <p:style>
+          <a:lnRef idx="3">
+            <a:schemeClr val="dk1"/>
+          </a:lnRef>
+          <a:fillRef idx="0">
+            <a:schemeClr val="dk1"/>
+          </a:fillRef>
+          <a:effectRef idx="2">
+            <a:schemeClr val="dk1"/>
+          </a:effectRef>
+          <a:fontRef idx="minor">
+            <a:schemeClr val="tx1"/>
+          </a:fontRef>
+        </p:style>
+      </p:cxnSp>
+      <p:sp>
+        <p:nvSpPr>
+          <p:cNvPr id="61" name="TextBox 60"/>
+          <p:cNvSpPr txBox="1"/>
+          <p:nvPr/>
+        </p:nvSpPr>
+        <p:spPr>
+          <a:xfrm>
+            <a:off x="7243619" y="3699729"/>
+            <a:ext cx="651717" cy="338554"/>
+          </a:xfrm>
+          <a:prstGeom prst="rect">
+            <a:avLst/>
+          </a:prstGeom>
+          <a:noFill/>
+        </p:spPr>
+        <p:txBody>
+          <a:bodyPr wrap="none" rtlCol="0">
+            <a:spAutoFit/>
+          </a:bodyPr>
+          <a:lstStyle/>
+          <a:p>
+            <a:r>
+              <a:rPr lang="en-US" sz="1600" dirty="0"/>
+              <a:t>Payor</a:t>
+            </a:r>
+          </a:p>
+        </p:txBody>
+      </p:sp>
+      <p:sp>
+        <p:nvSpPr>
+          <p:cNvPr id="62" name="TextBox 61"/>
+          <p:cNvSpPr txBox="1"/>
+          <p:nvPr/>
+        </p:nvSpPr>
+        <p:spPr>
+          <a:xfrm>
+            <a:off x="8492311" y="3699729"/>
+            <a:ext cx="1060483" cy="338554"/>
+          </a:xfrm>
+          <a:prstGeom prst="rect">
+            <a:avLst/>
+          </a:prstGeom>
+          <a:noFill/>
+        </p:spPr>
+        <p:txBody>
+          <a:bodyPr wrap="none" rtlCol="0">
+            <a:spAutoFit/>
+          </a:bodyPr>
+          <a:lstStyle/>
+          <a:p>
+            <a:r>
+              <a:rPr lang="en-US" sz="1600" dirty="0"/>
+              <a:t>Subscriber</a:t>
+            </a:r>
+          </a:p>
+        </p:txBody>
+      </p:sp>
+      <p:cxnSp>
+        <p:nvCxnSpPr>
+          <p:cNvPr id="75" name="Elbow Connector 37"/>
+          <p:cNvCxnSpPr/>
+          <p:nvPr/>
+        </p:nvCxnSpPr>
+        <p:spPr>
+          <a:xfrm flipV="1">
+            <a:off x="2211523" y="3073004"/>
+            <a:ext cx="885554" cy="965280"/>
+          </a:xfrm>
+          <a:prstGeom prst="straightConnector1">
+            <a:avLst/>
+          </a:prstGeom>
+          <a:ln>
+            <a:tailEnd type="triangle"/>
+          </a:ln>
+        </p:spPr>
+        <p:style>
+          <a:lnRef idx="3">
+            <a:schemeClr val="dk1"/>
+          </a:lnRef>
+          <a:fillRef idx="0">
+            <a:schemeClr val="dk1"/>
+          </a:fillRef>
+          <a:effectRef idx="2">
+            <a:schemeClr val="dk1"/>
+          </a:effectRef>
+          <a:fontRef idx="minor">
+            <a:schemeClr val="tx1"/>
+          </a:fontRef>
+        </p:style>
+      </p:cxnSp>
+      <p:cxnSp>
+        <p:nvCxnSpPr>
+          <p:cNvPr id="77" name="Elbow Connector 37"/>
+          <p:cNvCxnSpPr/>
+          <p:nvPr/>
+        </p:nvCxnSpPr>
+        <p:spPr>
+          <a:xfrm flipV="1">
+            <a:off x="6537417" y="4542788"/>
+            <a:ext cx="706202" cy="2"/>
+          </a:xfrm>
+          <a:prstGeom prst="straightConnector1">
+            <a:avLst/>
+          </a:prstGeom>
+          <a:ln>
+            <a:tailEnd type="triangle"/>
+          </a:ln>
+        </p:spPr>
+        <p:style>
+          <a:lnRef idx="3">
+            <a:schemeClr val="dk1"/>
+          </a:lnRef>
+          <a:fillRef idx="0">
+            <a:schemeClr val="dk1"/>
+          </a:fillRef>
+          <a:effectRef idx="2">
+            <a:schemeClr val="dk1"/>
+          </a:effectRef>
+          <a:fontRef idx="minor">
+            <a:schemeClr val="tx1"/>
+          </a:fontRef>
+        </p:style>
+      </p:cxnSp>
+      <p:sp>
+        <p:nvSpPr>
+          <p:cNvPr id="31" name="Rounded Rectangle 6"/>
           <p:cNvSpPr/>
           <p:nvPr/>
         </p:nvSpPr>
         <p:spPr>
           <a:xfrm>
-            <a:off x="3753099" y="3643216"/>
-            <a:ext cx="1468649" cy="728495"/>
+            <a:off x="7454829" y="4160495"/>
+            <a:ext cx="1694439" cy="728495"/>
           </a:xfrm>
           <a:prstGeom prst="roundRect">
             <a:avLst/>
@@ -3870,32 +4411,27 @@
                   <a:schemeClr val="tx1"/>
                 </a:solidFill>
               </a:rPr>
-              <a:t>Healthcare Service</a:t>
-            </a:r>
-            <a:endParaRPr lang="en-AU" dirty="0">
-              <a:solidFill>
-                <a:schemeClr val="tx1"/>
-              </a:solidFill>
-            </a:endParaRPr>
-          </a:p>
-        </p:txBody>
-      </p:sp>
-      <p:sp>
-        <p:nvSpPr>
-          <p:cNvPr id="34" name="Rounded Rectangle 36"/>
+              <a:t>Coverage</a:t>
+            </a:r>
+          </a:p>
+        </p:txBody>
+      </p:sp>
+      <p:sp>
+        <p:nvSpPr>
+          <p:cNvPr id="16" name="Rounded Rectangle 6"/>
           <p:cNvSpPr/>
           <p:nvPr/>
         </p:nvSpPr>
         <p:spPr>
           <a:xfrm>
-            <a:off x="7240021" y="2715487"/>
-            <a:ext cx="909353" cy="405321"/>
+            <a:off x="2467271" y="4167338"/>
+            <a:ext cx="1694439" cy="728495"/>
           </a:xfrm>
           <a:prstGeom prst="roundRect">
             <a:avLst/>
           </a:prstGeom>
           <a:solidFill>
-            <a:srgbClr val="71A7D9"/>
+            <a:srgbClr val="CEE1F2"/>
           </a:solidFill>
           <a:ln cap="rnd">
             <a:round/>
@@ -3935,21 +4471,157 @@
                   <a:schemeClr val="tx1"/>
                 </a:solidFill>
               </a:rPr>
-              <a:t>Role</a:t>
-            </a:r>
+              <a:t>EpisodeOfCare</a:t>
+            </a:r>
+            <a:endParaRPr lang="en-AU" dirty="0">
+              <a:solidFill>
+                <a:schemeClr val="tx1"/>
+              </a:solidFill>
+            </a:endParaRPr>
           </a:p>
         </p:txBody>
       </p:sp>
       <p:cxnSp>
         <p:nvCxnSpPr>
-          <p:cNvPr id="68" name="Elbow Connector 37"/>
+          <p:cNvPr id="39" name="Elbow Connector 37"/>
           <p:cNvCxnSpPr/>
           <p:nvPr/>
         </p:nvCxnSpPr>
         <p:spPr>
+          <a:xfrm flipH="1" flipV="1">
+            <a:off x="2211523" y="4038283"/>
+            <a:ext cx="46064" cy="1734289"/>
+          </a:xfrm>
+          <a:prstGeom prst="straightConnector1">
+            <a:avLst/>
+          </a:prstGeom>
+          <a:ln>
+            <a:tailEnd type="none"/>
+          </a:ln>
+        </p:spPr>
+        <p:style>
+          <a:lnRef idx="3">
+            <a:schemeClr val="dk1"/>
+          </a:lnRef>
+          <a:fillRef idx="0">
+            <a:schemeClr val="dk1"/>
+          </a:fillRef>
+          <a:effectRef idx="2">
+            <a:schemeClr val="dk1"/>
+          </a:effectRef>
+          <a:fontRef idx="minor">
+            <a:schemeClr val="tx1"/>
+          </a:fontRef>
+        </p:style>
+      </p:cxnSp>
+      <p:cxnSp>
+        <p:nvCxnSpPr>
+          <p:cNvPr id="46" name="Elbow Connector 37"/>
+          <p:cNvCxnSpPr/>
+          <p:nvPr/>
+        </p:nvCxnSpPr>
+        <p:spPr>
           <a:xfrm flipH="1">
-            <a:off x="7379855" y="3021752"/>
-            <a:ext cx="181668" cy="438057"/>
+            <a:off x="2264691" y="5772571"/>
+            <a:ext cx="337878" cy="1"/>
+          </a:xfrm>
+          <a:prstGeom prst="straightConnector1">
+            <a:avLst/>
+          </a:prstGeom>
+          <a:ln>
+            <a:tailEnd type="none"/>
+          </a:ln>
+        </p:spPr>
+        <p:style>
+          <a:lnRef idx="3">
+            <a:schemeClr val="dk1"/>
+          </a:lnRef>
+          <a:fillRef idx="0">
+            <a:schemeClr val="dk1"/>
+          </a:fillRef>
+          <a:effectRef idx="2">
+            <a:schemeClr val="dk1"/>
+          </a:effectRef>
+          <a:fontRef idx="minor">
+            <a:schemeClr val="tx1"/>
+          </a:fontRef>
+        </p:style>
+      </p:cxnSp>
+      <p:sp>
+        <p:nvSpPr>
+          <p:cNvPr id="29" name="Rounded Rectangle 6"/>
+          <p:cNvSpPr/>
+          <p:nvPr/>
+        </p:nvSpPr>
+        <p:spPr>
+          <a:xfrm>
+            <a:off x="2467272" y="5408324"/>
+            <a:ext cx="1694439" cy="728495"/>
+          </a:xfrm>
+          <a:prstGeom prst="roundRect">
+            <a:avLst/>
+          </a:prstGeom>
+          <a:solidFill>
+            <a:srgbClr val="CEE1F2"/>
+          </a:solidFill>
+          <a:ln cap="rnd">
+            <a:round/>
+          </a:ln>
+          <a:effectLst>
+            <a:outerShdw blurRad="50800" dist="38100" dir="2700000" algn="tl" rotWithShape="0">
+              <a:prstClr val="black">
+                <a:alpha val="40000"/>
+              </a:prstClr>
+            </a:outerShdw>
+          </a:effectLst>
+        </p:spPr>
+        <p:style>
+          <a:lnRef idx="2">
+            <a:schemeClr val="accent1">
+              <a:shade val="50000"/>
+            </a:schemeClr>
+          </a:lnRef>
+          <a:fillRef idx="1">
+            <a:schemeClr val="accent1"/>
+          </a:fillRef>
+          <a:effectRef idx="0">
+            <a:schemeClr val="accent1"/>
+          </a:effectRef>
+          <a:fontRef idx="minor">
+            <a:schemeClr val="lt1"/>
+          </a:fontRef>
+        </p:style>
+        <p:txBody>
+          <a:bodyPr rtlCol="0" anchor="ctr"/>
+          <a:lstStyle/>
+          <a:p>
+            <a:pPr algn="ctr"/>
+            <a:r>
+              <a:rPr lang="en-US" dirty="0">
+                <a:solidFill>
+                  <a:schemeClr val="tx1"/>
+                </a:solidFill>
+              </a:rPr>
+              <a:t>Encounter</a:t>
+            </a:r>
+            <a:endParaRPr lang="en-AU" dirty="0">
+              <a:solidFill>
+                <a:schemeClr val="tx1"/>
+              </a:solidFill>
+            </a:endParaRPr>
+          </a:p>
+        </p:txBody>
+      </p:sp>
+      <p:cxnSp>
+        <p:nvCxnSpPr>
+          <p:cNvPr id="55" name="Elbow Connector 37"/>
+          <p:cNvCxnSpPr/>
+          <p:nvPr/>
+        </p:nvCxnSpPr>
+        <p:spPr>
+          <a:xfrm flipH="1">
+            <a:off x="4349931" y="5765282"/>
+            <a:ext cx="822961" cy="0"/>
           </a:xfrm>
           <a:prstGeom prst="straightConnector1">
             <a:avLst/>
@@ -3979,16 +4651,128 @@
           </a:fontRef>
         </p:style>
       </p:cxnSp>
+      <p:sp>
+        <p:nvSpPr>
+          <p:cNvPr id="28" name="Rounded Rectangle 6"/>
+          <p:cNvSpPr/>
+          <p:nvPr/>
+        </p:nvSpPr>
+        <p:spPr>
+          <a:xfrm>
+            <a:off x="4985811" y="4178541"/>
+            <a:ext cx="1694439" cy="728495"/>
+          </a:xfrm>
+          <a:prstGeom prst="roundRect">
+            <a:avLst/>
+          </a:prstGeom>
+          <a:solidFill>
+            <a:srgbClr val="CEE1F2"/>
+          </a:solidFill>
+          <a:ln cap="rnd">
+            <a:round/>
+          </a:ln>
+          <a:effectLst>
+            <a:outerShdw blurRad="50800" dist="38100" dir="2700000" algn="tl" rotWithShape="0">
+              <a:prstClr val="black">
+                <a:alpha val="40000"/>
+              </a:prstClr>
+            </a:outerShdw>
+          </a:effectLst>
+        </p:spPr>
+        <p:style>
+          <a:lnRef idx="2">
+            <a:schemeClr val="accent1">
+              <a:shade val="50000"/>
+            </a:schemeClr>
+          </a:lnRef>
+          <a:fillRef idx="1">
+            <a:schemeClr val="accent1"/>
+          </a:fillRef>
+          <a:effectRef idx="0">
+            <a:schemeClr val="accent1"/>
+          </a:effectRef>
+          <a:fontRef idx="minor">
+            <a:schemeClr val="lt1"/>
+          </a:fontRef>
+        </p:style>
+        <p:txBody>
+          <a:bodyPr rtlCol="0" anchor="ctr"/>
+          <a:lstStyle/>
+          <a:p>
+            <a:pPr algn="ctr"/>
+            <a:r>
+              <a:rPr lang="en-US" dirty="0">
+                <a:solidFill>
+                  <a:schemeClr val="tx1"/>
+                </a:solidFill>
+              </a:rPr>
+              <a:t>Account</a:t>
+            </a:r>
+          </a:p>
+        </p:txBody>
+      </p:sp>
+      <p:sp>
+        <p:nvSpPr>
+          <p:cNvPr id="2" name="Title 1"/>
+          <p:cNvSpPr>
+            <a:spLocks noGrp="1"/>
+          </p:cNvSpPr>
+          <p:nvPr>
+            <p:ph type="title"/>
+          </p:nvPr>
+        </p:nvSpPr>
+        <p:spPr/>
+        <p:txBody>
+          <a:bodyPr/>
+          <a:lstStyle/>
+          <a:p>
+            <a:r>
+              <a:rPr lang="en-AU" dirty="0"/>
+              <a:t>Finance Interactions</a:t>
+            </a:r>
+          </a:p>
+        </p:txBody>
+      </p:sp>
+    </p:spTree>
+    <p:extLst>
+      <p:ext uri="{BB962C8B-B14F-4D97-AF65-F5344CB8AC3E}">
+        <p14:creationId xmlns:p14="http://schemas.microsoft.com/office/powerpoint/2010/main" val="1346121055"/>
+      </p:ext>
+    </p:extLst>
+  </p:cSld>
+  <p:clrMapOvr>
+    <a:masterClrMapping/>
+  </p:clrMapOvr>
+</p:sld>
+</file>
+
+<file path=ppt/slides/slide3.xml><?xml version="1.0" encoding="utf-8"?>
+<p:sld xmlns:a="http://schemas.openxmlformats.org/drawingml/2006/main" xmlns:r="http://schemas.openxmlformats.org/officeDocument/2006/relationships" xmlns:p="http://schemas.openxmlformats.org/presentationml/2006/main">
+  <p:cSld>
+    <p:spTree>
+      <p:nvGrpSpPr>
+        <p:cNvPr id="1" name=""/>
+        <p:cNvGrpSpPr/>
+        <p:nvPr/>
+      </p:nvGrpSpPr>
+      <p:grpSpPr>
+        <a:xfrm>
+          <a:off x="0" y="0"/>
+          <a:ext cx="0" cy="0"/>
+          <a:chOff x="0" y="0"/>
+          <a:chExt cx="0" cy="0"/>
+        </a:xfrm>
+      </p:grpSpPr>
       <p:cxnSp>
         <p:nvCxnSpPr>
-          <p:cNvPr id="71" name="Elbow Connector 37"/>
+          <p:cNvPr id="76" name="Elbow Connector 37"/>
           <p:cNvCxnSpPr/>
           <p:nvPr/>
         </p:nvCxnSpPr>
         <p:spPr>
           <a:xfrm>
-            <a:off x="5758857" y="2918147"/>
-            <a:ext cx="415652" cy="463854"/>
+            <a:off x="5107257" y="2498171"/>
+            <a:ext cx="1660734" cy="1928289"/>
           </a:xfrm>
           <a:prstGeom prst="straightConnector1">
             <a:avLst/>
@@ -4020,14 +4804,964 @@
       </p:cxnSp>
       <p:cxnSp>
         <p:nvCxnSpPr>
-          <p:cNvPr id="74" name="Elbow Connector 37"/>
+          <p:cNvPr id="9" name="Elbow Connector 37"/>
           <p:cNvCxnSpPr/>
           <p:nvPr/>
         </p:nvCxnSpPr>
         <p:spPr>
           <a:xfrm>
-            <a:off x="5080000" y="4007463"/>
-            <a:ext cx="1094509" cy="0"/>
+            <a:off x="5093063" y="2453706"/>
+            <a:ext cx="116931" cy="678493"/>
+          </a:xfrm>
+          <a:prstGeom prst="straightConnector1">
+            <a:avLst/>
+          </a:prstGeom>
+          <a:ln>
+            <a:tailEnd type="triangle"/>
+          </a:ln>
+        </p:spPr>
+        <p:style>
+          <a:lnRef idx="3">
+            <a:schemeClr val="dk1"/>
+          </a:lnRef>
+          <a:fillRef idx="0">
+            <a:schemeClr val="dk1"/>
+          </a:fillRef>
+          <a:effectRef idx="2">
+            <a:schemeClr val="dk1"/>
+          </a:effectRef>
+          <a:fontRef idx="minor">
+            <a:schemeClr val="tx1"/>
+          </a:fontRef>
+        </p:style>
+      </p:cxnSp>
+      <p:cxnSp>
+        <p:nvCxnSpPr>
+          <p:cNvPr id="10" name="Elbow Connector 37"/>
+          <p:cNvCxnSpPr/>
+          <p:nvPr/>
+        </p:nvCxnSpPr>
+        <p:spPr>
+          <a:xfrm flipH="1">
+            <a:off x="3107245" y="2453706"/>
+            <a:ext cx="794328" cy="607358"/>
+          </a:xfrm>
+          <a:prstGeom prst="straightConnector1">
+            <a:avLst/>
+          </a:prstGeom>
+          <a:ln>
+            <a:tailEnd type="triangle"/>
+          </a:ln>
+        </p:spPr>
+        <p:style>
+          <a:lnRef idx="3">
+            <a:schemeClr val="dk1"/>
+          </a:lnRef>
+          <a:fillRef idx="0">
+            <a:schemeClr val="dk1"/>
+          </a:fillRef>
+          <a:effectRef idx="2">
+            <a:schemeClr val="dk1"/>
+          </a:effectRef>
+          <a:fontRef idx="minor">
+            <a:schemeClr val="tx1"/>
+          </a:fontRef>
+        </p:style>
+      </p:cxnSp>
+      <p:cxnSp>
+        <p:nvCxnSpPr>
+          <p:cNvPr id="11" name="Elbow Connector 37"/>
+          <p:cNvCxnSpPr/>
+          <p:nvPr/>
+        </p:nvCxnSpPr>
+        <p:spPr>
+          <a:xfrm flipH="1" flipV="1">
+            <a:off x="5508700" y="2453706"/>
+            <a:ext cx="1357745" cy="854842"/>
+          </a:xfrm>
+          <a:prstGeom prst="straightConnector1">
+            <a:avLst/>
+          </a:prstGeom>
+          <a:ln>
+            <a:tailEnd type="triangle"/>
+          </a:ln>
+        </p:spPr>
+        <p:style>
+          <a:lnRef idx="3">
+            <a:schemeClr val="dk1"/>
+          </a:lnRef>
+          <a:fillRef idx="0">
+            <a:schemeClr val="dk1"/>
+          </a:fillRef>
+          <a:effectRef idx="2">
+            <a:schemeClr val="dk1"/>
+          </a:effectRef>
+          <a:fontRef idx="minor">
+            <a:schemeClr val="tx1"/>
+          </a:fontRef>
+        </p:style>
+      </p:cxnSp>
+      <p:cxnSp>
+        <p:nvCxnSpPr>
+          <p:cNvPr id="12" name="Elbow Connector 37"/>
+          <p:cNvCxnSpPr/>
+          <p:nvPr/>
+        </p:nvCxnSpPr>
+        <p:spPr>
+          <a:xfrm flipH="1">
+            <a:off x="5416479" y="4042275"/>
+            <a:ext cx="1976439" cy="720521"/>
+          </a:xfrm>
+          <a:prstGeom prst="straightConnector1">
+            <a:avLst/>
+          </a:prstGeom>
+          <a:ln>
+            <a:tailEnd type="triangle"/>
+          </a:ln>
+        </p:spPr>
+        <p:style>
+          <a:lnRef idx="3">
+            <a:schemeClr val="dk1"/>
+          </a:lnRef>
+          <a:fillRef idx="0">
+            <a:schemeClr val="dk1"/>
+          </a:fillRef>
+          <a:effectRef idx="2">
+            <a:schemeClr val="dk1"/>
+          </a:effectRef>
+          <a:fontRef idx="minor">
+            <a:schemeClr val="tx1"/>
+          </a:fontRef>
+        </p:style>
+      </p:cxnSp>
+      <p:cxnSp>
+        <p:nvCxnSpPr>
+          <p:cNvPr id="13" name="Elbow Connector 37"/>
+          <p:cNvCxnSpPr/>
+          <p:nvPr/>
+        </p:nvCxnSpPr>
+        <p:spPr>
+          <a:xfrm flipH="1">
+            <a:off x="5093063" y="3856280"/>
+            <a:ext cx="134841" cy="651933"/>
+          </a:xfrm>
+          <a:prstGeom prst="straightConnector1">
+            <a:avLst/>
+          </a:prstGeom>
+          <a:ln>
+            <a:tailEnd type="triangle"/>
+          </a:ln>
+        </p:spPr>
+        <p:style>
+          <a:lnRef idx="3">
+            <a:schemeClr val="dk1"/>
+          </a:lnRef>
+          <a:fillRef idx="0">
+            <a:schemeClr val="dk1"/>
+          </a:fillRef>
+          <a:effectRef idx="2">
+            <a:schemeClr val="dk1"/>
+          </a:effectRef>
+          <a:fontRef idx="minor">
+            <a:schemeClr val="tx1"/>
+          </a:fontRef>
+        </p:style>
+      </p:cxnSp>
+      <p:cxnSp>
+        <p:nvCxnSpPr>
+          <p:cNvPr id="14" name="Elbow Connector 37"/>
+          <p:cNvCxnSpPr/>
+          <p:nvPr/>
+        </p:nvCxnSpPr>
+        <p:spPr>
+          <a:xfrm>
+            <a:off x="3416302" y="3856280"/>
+            <a:ext cx="345827" cy="643105"/>
+          </a:xfrm>
+          <a:prstGeom prst="straightConnector1">
+            <a:avLst/>
+          </a:prstGeom>
+          <a:ln>
+            <a:tailEnd type="triangle"/>
+          </a:ln>
+        </p:spPr>
+        <p:style>
+          <a:lnRef idx="3">
+            <a:schemeClr val="dk1"/>
+          </a:lnRef>
+          <a:fillRef idx="0">
+            <a:schemeClr val="dk1"/>
+          </a:fillRef>
+          <a:effectRef idx="2">
+            <a:schemeClr val="dk1"/>
+          </a:effectRef>
+          <a:fontRef idx="minor">
+            <a:schemeClr val="tx1"/>
+          </a:fontRef>
+        </p:style>
+      </p:cxnSp>
+      <p:cxnSp>
+        <p:nvCxnSpPr>
+          <p:cNvPr id="15" name="Elbow Connector 37"/>
+          <p:cNvCxnSpPr>
+            <a:stCxn id="5" idx="3"/>
+          </p:cNvCxnSpPr>
+          <p:nvPr/>
+        </p:nvCxnSpPr>
+        <p:spPr>
+          <a:xfrm>
+            <a:off x="3539902" y="3598101"/>
+            <a:ext cx="731559" cy="14126"/>
+          </a:xfrm>
+          <a:prstGeom prst="straightConnector1">
+            <a:avLst/>
+          </a:prstGeom>
+          <a:ln>
+            <a:tailEnd type="triangle"/>
+          </a:ln>
+        </p:spPr>
+        <p:style>
+          <a:lnRef idx="3">
+            <a:schemeClr val="dk1"/>
+          </a:lnRef>
+          <a:fillRef idx="0">
+            <a:schemeClr val="dk1"/>
+          </a:fillRef>
+          <a:effectRef idx="2">
+            <a:schemeClr val="dk1"/>
+          </a:effectRef>
+          <a:fontRef idx="minor">
+            <a:schemeClr val="tx1"/>
+          </a:fontRef>
+        </p:style>
+      </p:cxnSp>
+      <p:cxnSp>
+        <p:nvCxnSpPr>
+          <p:cNvPr id="16" name="Elbow Connector 37"/>
+          <p:cNvCxnSpPr>
+            <a:stCxn id="8" idx="3"/>
+          </p:cNvCxnSpPr>
+          <p:nvPr/>
+        </p:nvCxnSpPr>
+        <p:spPr>
+          <a:xfrm>
+            <a:off x="5918648" y="3598101"/>
+            <a:ext cx="731559" cy="14126"/>
+          </a:xfrm>
+          <a:prstGeom prst="straightConnector1">
+            <a:avLst/>
+          </a:prstGeom>
+          <a:ln>
+            <a:tailEnd type="triangle"/>
+          </a:ln>
+        </p:spPr>
+        <p:style>
+          <a:lnRef idx="3">
+            <a:schemeClr val="dk1"/>
+          </a:lnRef>
+          <a:fillRef idx="0">
+            <a:schemeClr val="dk1"/>
+          </a:fillRef>
+          <a:effectRef idx="2">
+            <a:schemeClr val="dk1"/>
+          </a:effectRef>
+          <a:fontRef idx="minor">
+            <a:schemeClr val="tx1"/>
+          </a:fontRef>
+        </p:style>
+      </p:cxnSp>
+      <p:cxnSp>
+        <p:nvCxnSpPr>
+          <p:cNvPr id="17" name="Elbow Connector 37"/>
+          <p:cNvCxnSpPr/>
+          <p:nvPr/>
+        </p:nvCxnSpPr>
+        <p:spPr>
+          <a:xfrm>
+            <a:off x="3948354" y="2624861"/>
+            <a:ext cx="2349" cy="1843370"/>
+          </a:xfrm>
+          <a:prstGeom prst="straightConnector1">
+            <a:avLst/>
+          </a:prstGeom>
+          <a:ln>
+            <a:tailEnd type="triangle"/>
+          </a:ln>
+        </p:spPr>
+        <p:style>
+          <a:lnRef idx="3">
+            <a:schemeClr val="dk1"/>
+          </a:lnRef>
+          <a:fillRef idx="0">
+            <a:schemeClr val="dk1"/>
+          </a:fillRef>
+          <a:effectRef idx="2">
+            <a:schemeClr val="dk1"/>
+          </a:effectRef>
+          <a:fontRef idx="minor">
+            <a:schemeClr val="tx1"/>
+          </a:fontRef>
+        </p:style>
+      </p:cxnSp>
+      <p:sp>
+        <p:nvSpPr>
+          <p:cNvPr id="18" name="Rounded Rectangle 19"/>
+          <p:cNvSpPr/>
+          <p:nvPr/>
+        </p:nvSpPr>
+        <p:spPr>
+          <a:xfrm>
+            <a:off x="2747773" y="5879813"/>
+            <a:ext cx="1468649" cy="728495"/>
+          </a:xfrm>
+          <a:prstGeom prst="roundRect">
+            <a:avLst/>
+          </a:prstGeom>
+        </p:spPr>
+        <p:style>
+          <a:lnRef idx="0">
+            <a:schemeClr val="accent3"/>
+          </a:lnRef>
+          <a:fillRef idx="3">
+            <a:schemeClr val="accent3"/>
+          </a:fillRef>
+          <a:effectRef idx="3">
+            <a:schemeClr val="accent3"/>
+          </a:effectRef>
+          <a:fontRef idx="minor">
+            <a:schemeClr val="lt1"/>
+          </a:fontRef>
+        </p:style>
+        <p:txBody>
+          <a:bodyPr rtlCol="0" anchor="ctr"/>
+          <a:lstStyle/>
+          <a:p>
+            <a:pPr algn="ctr"/>
+            <a:r>
+              <a:rPr lang="en-US" sz="1600" dirty="0"/>
+              <a:t>Schedule</a:t>
+            </a:r>
+            <a:endParaRPr lang="en-AU" sz="1600" dirty="0"/>
+          </a:p>
+        </p:txBody>
+      </p:sp>
+      <p:sp>
+        <p:nvSpPr>
+          <p:cNvPr id="19" name="Rounded Rectangle 20"/>
+          <p:cNvSpPr/>
+          <p:nvPr/>
+        </p:nvSpPr>
+        <p:spPr>
+          <a:xfrm>
+            <a:off x="4436636" y="5879813"/>
+            <a:ext cx="1468649" cy="728495"/>
+          </a:xfrm>
+          <a:prstGeom prst="roundRect">
+            <a:avLst/>
+          </a:prstGeom>
+        </p:spPr>
+        <p:style>
+          <a:lnRef idx="0">
+            <a:schemeClr val="accent3"/>
+          </a:lnRef>
+          <a:fillRef idx="3">
+            <a:schemeClr val="accent3"/>
+          </a:fillRef>
+          <a:effectRef idx="3">
+            <a:schemeClr val="accent3"/>
+          </a:effectRef>
+          <a:fontRef idx="minor">
+            <a:schemeClr val="lt1"/>
+          </a:fontRef>
+        </p:style>
+        <p:txBody>
+          <a:bodyPr rtlCol="0" anchor="ctr"/>
+          <a:lstStyle/>
+          <a:p>
+            <a:pPr algn="ctr"/>
+            <a:r>
+              <a:rPr lang="en-US" sz="1600" dirty="0"/>
+              <a:t>Referral Request</a:t>
+            </a:r>
+            <a:endParaRPr lang="en-AU" sz="1600" dirty="0"/>
+          </a:p>
+        </p:txBody>
+      </p:sp>
+      <p:sp>
+        <p:nvSpPr>
+          <p:cNvPr id="20" name="Rounded Rectangle 21"/>
+          <p:cNvSpPr/>
+          <p:nvPr/>
+        </p:nvSpPr>
+        <p:spPr>
+          <a:xfrm>
+            <a:off x="6125499" y="5879813"/>
+            <a:ext cx="1468649" cy="728495"/>
+          </a:xfrm>
+          <a:prstGeom prst="roundRect">
+            <a:avLst/>
+          </a:prstGeom>
+          <a:solidFill>
+            <a:schemeClr val="accent3">
+              <a:alpha val="50000"/>
+            </a:schemeClr>
+          </a:solidFill>
+          <a:ln>
+            <a:noFill/>
+          </a:ln>
+        </p:spPr>
+        <p:style>
+          <a:lnRef idx="0">
+            <a:scrgbClr r="0" g="0" b="0"/>
+          </a:lnRef>
+          <a:fillRef idx="0">
+            <a:scrgbClr r="0" g="0" b="0"/>
+          </a:fillRef>
+          <a:effectRef idx="0">
+            <a:scrgbClr r="0" g="0" b="0"/>
+          </a:effectRef>
+          <a:fontRef idx="minor">
+            <a:schemeClr val="lt1"/>
+          </a:fontRef>
+        </p:style>
+        <p:txBody>
+          <a:bodyPr rtlCol="0" anchor="ctr"/>
+          <a:lstStyle/>
+          <a:p>
+            <a:pPr algn="ctr"/>
+            <a:r>
+              <a:rPr lang="en-US" sz="1600" dirty="0"/>
+              <a:t>Care Plan</a:t>
+            </a:r>
+            <a:endParaRPr lang="en-AU" sz="1600" dirty="0"/>
+          </a:p>
+        </p:txBody>
+      </p:sp>
+      <p:sp>
+        <p:nvSpPr>
+          <p:cNvPr id="21" name="Rounded Rectangle 22"/>
+          <p:cNvSpPr/>
+          <p:nvPr/>
+        </p:nvSpPr>
+        <p:spPr>
+          <a:xfrm>
+            <a:off x="6309028" y="4609867"/>
+            <a:ext cx="1468649" cy="728495"/>
+          </a:xfrm>
+          <a:prstGeom prst="roundRect">
+            <a:avLst/>
+          </a:prstGeom>
+          <a:solidFill>
+            <a:schemeClr val="accent5">
+              <a:lumMod val="60000"/>
+              <a:lumOff val="40000"/>
+            </a:schemeClr>
+          </a:solidFill>
+          <a:ln>
+            <a:noFill/>
+          </a:ln>
+        </p:spPr>
+        <p:style>
+          <a:lnRef idx="0">
+            <a:scrgbClr r="0" g="0" b="0"/>
+          </a:lnRef>
+          <a:fillRef idx="0">
+            <a:scrgbClr r="0" g="0" b="0"/>
+          </a:fillRef>
+          <a:effectRef idx="0">
+            <a:scrgbClr r="0" g="0" b="0"/>
+          </a:effectRef>
+          <a:fontRef idx="minor">
+            <a:schemeClr val="lt1"/>
+          </a:fontRef>
+        </p:style>
+        <p:txBody>
+          <a:bodyPr rtlCol="0" anchor="ctr"/>
+          <a:lstStyle/>
+          <a:p>
+            <a:pPr algn="ctr"/>
+            <a:r>
+              <a:rPr lang="en-US" sz="1600" dirty="0"/>
+              <a:t>Endpoint</a:t>
+            </a:r>
+            <a:endParaRPr lang="en-AU" sz="1600" dirty="0"/>
+          </a:p>
+        </p:txBody>
+      </p:sp>
+      <p:sp>
+        <p:nvSpPr>
+          <p:cNvPr id="22" name="Rounded Rectangle 23"/>
+          <p:cNvSpPr/>
+          <p:nvPr/>
+        </p:nvSpPr>
+        <p:spPr>
+          <a:xfrm>
+            <a:off x="7814362" y="5879813"/>
+            <a:ext cx="1468649" cy="728495"/>
+          </a:xfrm>
+          <a:prstGeom prst="roundRect">
+            <a:avLst/>
+          </a:prstGeom>
+          <a:solidFill>
+            <a:schemeClr val="accent3">
+              <a:alpha val="50000"/>
+            </a:schemeClr>
+          </a:solidFill>
+          <a:ln>
+            <a:noFill/>
+          </a:ln>
+        </p:spPr>
+        <p:style>
+          <a:lnRef idx="0">
+            <a:scrgbClr r="0" g="0" b="0"/>
+          </a:lnRef>
+          <a:fillRef idx="0">
+            <a:scrgbClr r="0" g="0" b="0"/>
+          </a:fillRef>
+          <a:effectRef idx="0">
+            <a:scrgbClr r="0" g="0" b="0"/>
+          </a:effectRef>
+          <a:fontRef idx="minor">
+            <a:schemeClr val="lt1"/>
+          </a:fontRef>
+        </p:style>
+        <p:txBody>
+          <a:bodyPr lIns="36000" rIns="36000" rtlCol="0" anchor="ctr"/>
+          <a:lstStyle/>
+          <a:p>
+            <a:pPr algn="ctr"/>
+            <a:r>
+              <a:rPr lang="en-US" sz="1600" dirty="0"/>
+              <a:t>Questionnaire</a:t>
+            </a:r>
+            <a:endParaRPr lang="en-AU" sz="1600" dirty="0"/>
+          </a:p>
+        </p:txBody>
+      </p:sp>
+      <p:sp>
+        <p:nvSpPr>
+          <p:cNvPr id="23" name="Rounded Rectangle 24"/>
+          <p:cNvSpPr/>
+          <p:nvPr/>
+        </p:nvSpPr>
+        <p:spPr>
+          <a:xfrm>
+            <a:off x="9503227" y="5879813"/>
+            <a:ext cx="1468649" cy="728495"/>
+          </a:xfrm>
+          <a:prstGeom prst="roundRect">
+            <a:avLst/>
+          </a:prstGeom>
+          <a:solidFill>
+            <a:schemeClr val="accent3">
+              <a:alpha val="50000"/>
+            </a:schemeClr>
+          </a:solidFill>
+          <a:ln>
+            <a:noFill/>
+          </a:ln>
+        </p:spPr>
+        <p:style>
+          <a:lnRef idx="0">
+            <a:scrgbClr r="0" g="0" b="0"/>
+          </a:lnRef>
+          <a:fillRef idx="0">
+            <a:scrgbClr r="0" g="0" b="0"/>
+          </a:fillRef>
+          <a:effectRef idx="0">
+            <a:scrgbClr r="0" g="0" b="0"/>
+          </a:effectRef>
+          <a:fontRef idx="minor">
+            <a:schemeClr val="lt1"/>
+          </a:fontRef>
+        </p:style>
+        <p:txBody>
+          <a:bodyPr rtlCol="0" anchor="ctr"/>
+          <a:lstStyle/>
+          <a:p>
+            <a:r>
+              <a:rPr lang="en-US" sz="1600" dirty="0"/>
+              <a:t>…</a:t>
+            </a:r>
+            <a:endParaRPr lang="en-AU" sz="1600" dirty="0"/>
+          </a:p>
+        </p:txBody>
+      </p:sp>
+      <p:sp>
+        <p:nvSpPr>
+          <p:cNvPr id="24" name="Rounded Rectangle 26"/>
+          <p:cNvSpPr/>
+          <p:nvPr/>
+        </p:nvSpPr>
+        <p:spPr>
+          <a:xfrm>
+            <a:off x="1058910" y="5879813"/>
+            <a:ext cx="1468649" cy="728495"/>
+          </a:xfrm>
+          <a:prstGeom prst="roundRect">
+            <a:avLst/>
+          </a:prstGeom>
+        </p:spPr>
+        <p:style>
+          <a:lnRef idx="0">
+            <a:schemeClr val="accent3"/>
+          </a:lnRef>
+          <a:fillRef idx="3">
+            <a:schemeClr val="accent3"/>
+          </a:fillRef>
+          <a:effectRef idx="3">
+            <a:schemeClr val="accent3"/>
+          </a:effectRef>
+          <a:fontRef idx="minor">
+            <a:schemeClr val="lt1"/>
+          </a:fontRef>
+        </p:style>
+        <p:txBody>
+          <a:bodyPr rtlCol="0" anchor="ctr"/>
+          <a:lstStyle/>
+          <a:p>
+            <a:pPr algn="ctr"/>
+            <a:r>
+              <a:rPr lang="en-US" sz="1600" dirty="0"/>
+              <a:t>Document Reference</a:t>
+            </a:r>
+            <a:endParaRPr lang="en-AU" sz="1600" dirty="0"/>
+          </a:p>
+        </p:txBody>
+      </p:sp>
+      <p:sp>
+        <p:nvSpPr>
+          <p:cNvPr id="4" name="Rounded Rectangle 5"/>
+          <p:cNvSpPr/>
+          <p:nvPr/>
+        </p:nvSpPr>
+        <p:spPr>
+          <a:xfrm>
+            <a:off x="3766162" y="1866667"/>
+            <a:ext cx="1468649" cy="728495"/>
+          </a:xfrm>
+          <a:prstGeom prst="roundRect">
+            <a:avLst/>
+          </a:prstGeom>
+          <a:solidFill>
+            <a:srgbClr val="CEE1F2"/>
+          </a:solidFill>
+          <a:ln cap="rnd">
+            <a:round/>
+          </a:ln>
+          <a:effectLst>
+            <a:outerShdw blurRad="50800" dist="38100" dir="2700000" algn="tl" rotWithShape="0">
+              <a:prstClr val="black">
+                <a:alpha val="40000"/>
+              </a:prstClr>
+            </a:outerShdw>
+          </a:effectLst>
+        </p:spPr>
+        <p:style>
+          <a:lnRef idx="2">
+            <a:schemeClr val="accent1">
+              <a:shade val="50000"/>
+            </a:schemeClr>
+          </a:lnRef>
+          <a:fillRef idx="1">
+            <a:schemeClr val="accent1"/>
+          </a:fillRef>
+          <a:effectRef idx="0">
+            <a:schemeClr val="accent1"/>
+          </a:effectRef>
+          <a:fontRef idx="minor">
+            <a:schemeClr val="lt1"/>
+          </a:fontRef>
+        </p:style>
+        <p:txBody>
+          <a:bodyPr rtlCol="0" anchor="ctr"/>
+          <a:lstStyle/>
+          <a:p>
+            <a:pPr algn="ctr"/>
+            <a:r>
+              <a:rPr lang="en-US" dirty="0">
+                <a:solidFill>
+                  <a:schemeClr val="tx1"/>
+                </a:solidFill>
+              </a:rPr>
+              <a:t>Organization</a:t>
+            </a:r>
+            <a:endParaRPr lang="en-AU" dirty="0">
+              <a:solidFill>
+                <a:schemeClr val="tx1"/>
+              </a:solidFill>
+            </a:endParaRPr>
+          </a:p>
+        </p:txBody>
+      </p:sp>
+      <p:sp>
+        <p:nvSpPr>
+          <p:cNvPr id="5" name="Rounded Rectangle 6"/>
+          <p:cNvSpPr/>
+          <p:nvPr/>
+        </p:nvSpPr>
+        <p:spPr>
+          <a:xfrm>
+            <a:off x="2071253" y="3233853"/>
+            <a:ext cx="1468649" cy="728495"/>
+          </a:xfrm>
+          <a:prstGeom prst="roundRect">
+            <a:avLst/>
+          </a:prstGeom>
+          <a:solidFill>
+            <a:srgbClr val="CEE1F2"/>
+          </a:solidFill>
+          <a:ln cap="rnd">
+            <a:round/>
+          </a:ln>
+          <a:effectLst>
+            <a:outerShdw blurRad="50800" dist="38100" dir="2700000" algn="tl" rotWithShape="0">
+              <a:prstClr val="black">
+                <a:alpha val="40000"/>
+              </a:prstClr>
+            </a:outerShdw>
+          </a:effectLst>
+        </p:spPr>
+        <p:style>
+          <a:lnRef idx="2">
+            <a:schemeClr val="accent1">
+              <a:shade val="50000"/>
+            </a:schemeClr>
+          </a:lnRef>
+          <a:fillRef idx="1">
+            <a:schemeClr val="accent1"/>
+          </a:fillRef>
+          <a:effectRef idx="0">
+            <a:schemeClr val="accent1"/>
+          </a:effectRef>
+          <a:fontRef idx="minor">
+            <a:schemeClr val="lt1"/>
+          </a:fontRef>
+        </p:style>
+        <p:txBody>
+          <a:bodyPr rtlCol="0" anchor="ctr"/>
+          <a:lstStyle/>
+          <a:p>
+            <a:pPr algn="ctr"/>
+            <a:r>
+              <a:rPr lang="en-US" dirty="0">
+                <a:solidFill>
+                  <a:schemeClr val="tx1"/>
+                </a:solidFill>
+              </a:rPr>
+              <a:t>Location</a:t>
+            </a:r>
+            <a:endParaRPr lang="en-AU" dirty="0">
+              <a:solidFill>
+                <a:schemeClr val="tx1"/>
+              </a:solidFill>
+            </a:endParaRPr>
+          </a:p>
+        </p:txBody>
+      </p:sp>
+      <p:sp>
+        <p:nvSpPr>
+          <p:cNvPr id="6" name="Rounded Rectangle 7"/>
+          <p:cNvSpPr/>
+          <p:nvPr/>
+        </p:nvSpPr>
+        <p:spPr>
+          <a:xfrm>
+            <a:off x="6785901" y="3233853"/>
+            <a:ext cx="1468649" cy="728495"/>
+          </a:xfrm>
+          <a:prstGeom prst="roundRect">
+            <a:avLst/>
+          </a:prstGeom>
+          <a:solidFill>
+            <a:srgbClr val="CEE1F2"/>
+          </a:solidFill>
+          <a:ln cap="rnd">
+            <a:round/>
+          </a:ln>
+          <a:effectLst>
+            <a:outerShdw blurRad="50800" dist="38100" dir="2700000" algn="tl" rotWithShape="0">
+              <a:prstClr val="black">
+                <a:alpha val="40000"/>
+              </a:prstClr>
+            </a:outerShdw>
+          </a:effectLst>
+        </p:spPr>
+        <p:style>
+          <a:lnRef idx="2">
+            <a:schemeClr val="accent1">
+              <a:shade val="50000"/>
+            </a:schemeClr>
+          </a:lnRef>
+          <a:fillRef idx="1">
+            <a:schemeClr val="accent1"/>
+          </a:fillRef>
+          <a:effectRef idx="0">
+            <a:schemeClr val="accent1"/>
+          </a:effectRef>
+          <a:fontRef idx="minor">
+            <a:schemeClr val="lt1"/>
+          </a:fontRef>
+        </p:style>
+        <p:txBody>
+          <a:bodyPr rtlCol="0" anchor="ctr"/>
+          <a:lstStyle/>
+          <a:p>
+            <a:pPr algn="ctr"/>
+            <a:r>
+              <a:rPr lang="en-US" dirty="0">
+                <a:solidFill>
+                  <a:schemeClr val="tx1"/>
+                </a:solidFill>
+              </a:rPr>
+              <a:t>Practitioner</a:t>
+            </a:r>
+          </a:p>
+          <a:p>
+            <a:pPr algn="ctr"/>
+            <a:endParaRPr lang="en-AU" dirty="0">
+              <a:solidFill>
+                <a:schemeClr val="tx1"/>
+              </a:solidFill>
+            </a:endParaRPr>
+          </a:p>
+        </p:txBody>
+      </p:sp>
+      <p:sp>
+        <p:nvSpPr>
+          <p:cNvPr id="7" name="Rounded Rectangle 8"/>
+          <p:cNvSpPr/>
+          <p:nvPr/>
+        </p:nvSpPr>
+        <p:spPr>
+          <a:xfrm>
+            <a:off x="3766162" y="4609867"/>
+            <a:ext cx="1468649" cy="728495"/>
+          </a:xfrm>
+          <a:prstGeom prst="roundRect">
+            <a:avLst/>
+          </a:prstGeom>
+          <a:solidFill>
+            <a:srgbClr val="CEE1F2"/>
+          </a:solidFill>
+          <a:ln cap="rnd">
+            <a:round/>
+          </a:ln>
+          <a:effectLst>
+            <a:outerShdw blurRad="50800" dist="38100" dir="2700000" algn="tl" rotWithShape="0">
+              <a:prstClr val="black">
+                <a:alpha val="40000"/>
+              </a:prstClr>
+            </a:outerShdw>
+          </a:effectLst>
+        </p:spPr>
+        <p:style>
+          <a:lnRef idx="2">
+            <a:schemeClr val="accent1">
+              <a:shade val="50000"/>
+            </a:schemeClr>
+          </a:lnRef>
+          <a:fillRef idx="1">
+            <a:schemeClr val="accent1"/>
+          </a:fillRef>
+          <a:effectRef idx="0">
+            <a:schemeClr val="accent1"/>
+          </a:effectRef>
+          <a:fontRef idx="minor">
+            <a:schemeClr val="lt1"/>
+          </a:fontRef>
+        </p:style>
+        <p:txBody>
+          <a:bodyPr rtlCol="0" anchor="ctr"/>
+          <a:lstStyle/>
+          <a:p>
+            <a:pPr algn="ctr"/>
+            <a:r>
+              <a:rPr lang="en-US" dirty="0">
+                <a:solidFill>
+                  <a:schemeClr val="tx1"/>
+                </a:solidFill>
+              </a:rPr>
+              <a:t>Healthcare Service</a:t>
+            </a:r>
+            <a:endParaRPr lang="en-AU" dirty="0">
+              <a:solidFill>
+                <a:schemeClr val="tx1"/>
+              </a:solidFill>
+            </a:endParaRPr>
+          </a:p>
+        </p:txBody>
+      </p:sp>
+      <p:sp>
+        <p:nvSpPr>
+          <p:cNvPr id="34" name="Rounded Rectangle 36"/>
+          <p:cNvSpPr/>
+          <p:nvPr/>
+        </p:nvSpPr>
+        <p:spPr>
+          <a:xfrm>
+            <a:off x="7253084" y="3682138"/>
+            <a:ext cx="909353" cy="405321"/>
+          </a:xfrm>
+          <a:prstGeom prst="roundRect">
+            <a:avLst/>
+          </a:prstGeom>
+          <a:solidFill>
+            <a:srgbClr val="71A7D9"/>
+          </a:solidFill>
+          <a:ln cap="rnd">
+            <a:round/>
+          </a:ln>
+          <a:effectLst>
+            <a:outerShdw blurRad="50800" dist="38100" dir="2700000" algn="tl" rotWithShape="0">
+              <a:prstClr val="black">
+                <a:alpha val="40000"/>
+              </a:prstClr>
+            </a:outerShdw>
+          </a:effectLst>
+        </p:spPr>
+        <p:style>
+          <a:lnRef idx="2">
+            <a:schemeClr val="accent1">
+              <a:shade val="50000"/>
+            </a:schemeClr>
+          </a:lnRef>
+          <a:fillRef idx="1">
+            <a:schemeClr val="accent1"/>
+          </a:fillRef>
+          <a:effectRef idx="0">
+            <a:schemeClr val="accent1"/>
+          </a:effectRef>
+          <a:fontRef idx="minor">
+            <a:schemeClr val="lt1"/>
+          </a:fontRef>
+        </p:style>
+        <p:txBody>
+          <a:bodyPr rtlCol="0" anchor="ctr"/>
+          <a:lstStyle/>
+          <a:p>
+            <a:pPr algn="ctr"/>
+            <a:r>
+              <a:rPr lang="en-US" dirty="0">
+                <a:solidFill>
+                  <a:schemeClr val="tx1"/>
+                </a:solidFill>
+              </a:rPr>
+              <a:t>Role</a:t>
+            </a:r>
+          </a:p>
+        </p:txBody>
+      </p:sp>
+      <p:cxnSp>
+        <p:nvCxnSpPr>
+          <p:cNvPr id="68" name="Elbow Connector 37"/>
+          <p:cNvCxnSpPr/>
+          <p:nvPr/>
+        </p:nvCxnSpPr>
+        <p:spPr>
+          <a:xfrm flipH="1">
+            <a:off x="7392918" y="3988403"/>
+            <a:ext cx="181668" cy="438057"/>
           </a:xfrm>
           <a:prstGeom prst="straightConnector1">
             <a:avLst/>
@@ -4059,14 +5793,14 @@
       </p:cxnSp>
       <p:cxnSp>
         <p:nvCxnSpPr>
-          <p:cNvPr id="80" name="Elbow Connector 37"/>
+          <p:cNvPr id="71" name="Elbow Connector 37"/>
           <p:cNvCxnSpPr/>
           <p:nvPr/>
         </p:nvCxnSpPr>
         <p:spPr>
           <a:xfrm>
-            <a:off x="3491367" y="2800361"/>
-            <a:ext cx="2475316" cy="915780"/>
+            <a:off x="5771920" y="3884798"/>
+            <a:ext cx="415652" cy="463854"/>
           </a:xfrm>
           <a:prstGeom prst="straightConnector1">
             <a:avLst/>
@@ -4096,6 +5830,84 @@
           </a:fontRef>
         </p:style>
       </p:cxnSp>
+      <p:cxnSp>
+        <p:nvCxnSpPr>
+          <p:cNvPr id="74" name="Elbow Connector 37"/>
+          <p:cNvCxnSpPr/>
+          <p:nvPr/>
+        </p:nvCxnSpPr>
+        <p:spPr>
+          <a:xfrm>
+            <a:off x="5093063" y="4974114"/>
+            <a:ext cx="1094509" cy="0"/>
+          </a:xfrm>
+          <a:prstGeom prst="straightConnector1">
+            <a:avLst/>
+          </a:prstGeom>
+          <a:ln w="19050" cap="flat" cmpd="sng" algn="ctr">
+            <a:solidFill>
+              <a:schemeClr val="accent1"/>
+            </a:solidFill>
+            <a:prstDash val="dash"/>
+            <a:round/>
+            <a:headEnd type="none" w="med" len="med"/>
+            <a:tailEnd type="triangle" w="med" len="med"/>
+          </a:ln>
+        </p:spPr>
+        <p:style>
+          <a:lnRef idx="0">
+            <a:scrgbClr r="0" g="0" b="0"/>
+          </a:lnRef>
+          <a:fillRef idx="0">
+            <a:scrgbClr r="0" g="0" b="0"/>
+          </a:fillRef>
+          <a:effectRef idx="0">
+            <a:scrgbClr r="0" g="0" b="0"/>
+          </a:effectRef>
+          <a:fontRef idx="minor">
+            <a:schemeClr val="tx1"/>
+          </a:fontRef>
+        </p:style>
+      </p:cxnSp>
+      <p:cxnSp>
+        <p:nvCxnSpPr>
+          <p:cNvPr id="80" name="Elbow Connector 37"/>
+          <p:cNvCxnSpPr/>
+          <p:nvPr/>
+        </p:nvCxnSpPr>
+        <p:spPr>
+          <a:xfrm>
+            <a:off x="3504430" y="3767012"/>
+            <a:ext cx="2475316" cy="915780"/>
+          </a:xfrm>
+          <a:prstGeom prst="straightConnector1">
+            <a:avLst/>
+          </a:prstGeom>
+          <a:ln w="19050" cap="flat" cmpd="sng" algn="ctr">
+            <a:solidFill>
+              <a:schemeClr val="accent1"/>
+            </a:solidFill>
+            <a:prstDash val="dash"/>
+            <a:round/>
+            <a:headEnd type="none" w="med" len="med"/>
+            <a:tailEnd type="triangle" w="med" len="med"/>
+          </a:ln>
+        </p:spPr>
+        <p:style>
+          <a:lnRef idx="0">
+            <a:scrgbClr r="0" g="0" b="0"/>
+          </a:lnRef>
+          <a:fillRef idx="0">
+            <a:scrgbClr r="0" g="0" b="0"/>
+          </a:fillRef>
+          <a:effectRef idx="0">
+            <a:scrgbClr r="0" g="0" b="0"/>
+          </a:effectRef>
+          <a:fontRef idx="minor">
+            <a:schemeClr val="tx1"/>
+          </a:fontRef>
+        </p:style>
+      </p:cxnSp>
       <p:sp>
         <p:nvSpPr>
           <p:cNvPr id="8" name="Rounded Rectangle 9"/>
@@ -4104,7 +5916,7 @@
         </p:nvSpPr>
         <p:spPr>
           <a:xfrm>
-            <a:off x="4436936" y="2267202"/>
+            <a:off x="4449999" y="3233853"/>
             <a:ext cx="1468649" cy="728495"/>
           </a:xfrm>
           <a:prstGeom prst="roundRect">
@@ -4144,6 +5956,28 @@
               <a:t>Practitioner Role</a:t>
             </a:r>
             <a:endParaRPr lang="en-AU" sz="1600" dirty="0"/>
+          </a:p>
+        </p:txBody>
+      </p:sp>
+      <p:sp>
+        <p:nvSpPr>
+          <p:cNvPr id="2" name="Title 1"/>
+          <p:cNvSpPr>
+            <a:spLocks noGrp="1"/>
+          </p:cNvSpPr>
+          <p:nvPr>
+            <p:ph type="title"/>
+          </p:nvPr>
+        </p:nvSpPr>
+        <p:spPr/>
+        <p:txBody>
+          <a:bodyPr/>
+          <a:lstStyle/>
+          <a:p>
+            <a:r>
+              <a:rPr lang="en-AU" dirty="0"/>
+              <a:t>Directories</a:t>
+            </a:r>
           </a:p>
         </p:txBody>
       </p:sp>
@@ -4422,2395 +6256,6 @@
 </p:sld>
 </file>
 
-<file path=ppt/slides/slide2.xml><?xml version="1.0" encoding="utf-8"?>
-<p:sld xmlns:a="http://schemas.openxmlformats.org/drawingml/2006/main" xmlns:r="http://schemas.openxmlformats.org/officeDocument/2006/relationships" xmlns:p="http://schemas.openxmlformats.org/presentationml/2006/main">
-  <p:cSld>
-    <p:spTree>
-      <p:nvGrpSpPr>
-        <p:cNvPr id="1" name=""/>
-        <p:cNvGrpSpPr/>
-        <p:nvPr/>
-      </p:nvGrpSpPr>
-      <p:grpSpPr>
-        <a:xfrm>
-          <a:off x="0" y="0"/>
-          <a:ext cx="0" cy="0"/>
-          <a:chOff x="0" y="0"/>
-          <a:chExt cx="0" cy="0"/>
-        </a:xfrm>
-      </p:grpSpPr>
-      <p:sp>
-        <p:nvSpPr>
-          <p:cNvPr id="25" name="Rounded Rectangle 5"/>
-          <p:cNvSpPr/>
-          <p:nvPr/>
-        </p:nvSpPr>
-        <p:spPr>
-          <a:xfrm>
-            <a:off x="2843964" y="289931"/>
-            <a:ext cx="5943198" cy="1458695"/>
-          </a:xfrm>
-          <a:prstGeom prst="roundRect">
-            <a:avLst/>
-          </a:prstGeom>
-          <a:solidFill>
-            <a:schemeClr val="bg1"/>
-          </a:solidFill>
-          <a:ln cap="rnd">
-            <a:round/>
-          </a:ln>
-          <a:effectLst>
-            <a:outerShdw blurRad="50800" dist="38100" dir="2700000" algn="tl" rotWithShape="0">
-              <a:prstClr val="black">
-                <a:alpha val="40000"/>
-              </a:prstClr>
-            </a:outerShdw>
-          </a:effectLst>
-        </p:spPr>
-        <p:style>
-          <a:lnRef idx="2">
-            <a:schemeClr val="accent1">
-              <a:shade val="50000"/>
-            </a:schemeClr>
-          </a:lnRef>
-          <a:fillRef idx="1">
-            <a:schemeClr val="accent1"/>
-          </a:fillRef>
-          <a:effectRef idx="0">
-            <a:schemeClr val="accent1"/>
-          </a:effectRef>
-          <a:fontRef idx="minor">
-            <a:schemeClr val="lt1"/>
-          </a:fontRef>
-        </p:style>
-        <p:txBody>
-          <a:bodyPr rtlCol="0" anchor="ctr"/>
-          <a:lstStyle/>
-          <a:p>
-            <a:pPr algn="ctr"/>
-            <a:endParaRPr lang="en-AU" dirty="0">
-              <a:solidFill>
-                <a:schemeClr val="tx1"/>
-              </a:solidFill>
-            </a:endParaRPr>
-          </a:p>
-        </p:txBody>
-      </p:sp>
-      <p:cxnSp>
-        <p:nvCxnSpPr>
-          <p:cNvPr id="5" name="Elbow Connector 37"/>
-          <p:cNvCxnSpPr/>
-          <p:nvPr/>
-        </p:nvCxnSpPr>
-        <p:spPr>
-          <a:xfrm>
-            <a:off x="3891648" y="2870742"/>
-            <a:ext cx="858772" cy="4592"/>
-          </a:xfrm>
-          <a:prstGeom prst="straightConnector1">
-            <a:avLst/>
-          </a:prstGeom>
-          <a:ln>
-            <a:tailEnd type="triangle"/>
-          </a:ln>
-        </p:spPr>
-        <p:style>
-          <a:lnRef idx="3">
-            <a:schemeClr val="dk1"/>
-          </a:lnRef>
-          <a:fillRef idx="0">
-            <a:schemeClr val="dk1"/>
-          </a:fillRef>
-          <a:effectRef idx="2">
-            <a:schemeClr val="dk1"/>
-          </a:effectRef>
-          <a:fontRef idx="minor">
-            <a:schemeClr val="tx1"/>
-          </a:fontRef>
-        </p:style>
-      </p:cxnSp>
-      <p:cxnSp>
-        <p:nvCxnSpPr>
-          <p:cNvPr id="6" name="Elbow Connector 37"/>
-          <p:cNvCxnSpPr/>
-          <p:nvPr/>
-        </p:nvCxnSpPr>
-        <p:spPr>
-          <a:xfrm flipH="1" flipV="1">
-            <a:off x="4346525" y="1450649"/>
-            <a:ext cx="937592" cy="1164673"/>
-          </a:xfrm>
-          <a:prstGeom prst="straightConnector1">
-            <a:avLst/>
-          </a:prstGeom>
-          <a:ln>
-            <a:tailEnd type="triangle"/>
-          </a:ln>
-        </p:spPr>
-        <p:style>
-          <a:lnRef idx="3">
-            <a:schemeClr val="dk1"/>
-          </a:lnRef>
-          <a:fillRef idx="0">
-            <a:schemeClr val="dk1"/>
-          </a:fillRef>
-          <a:effectRef idx="2">
-            <a:schemeClr val="dk1"/>
-          </a:effectRef>
-          <a:fontRef idx="minor">
-            <a:schemeClr val="tx1"/>
-          </a:fontRef>
-        </p:style>
-      </p:cxnSp>
-      <p:cxnSp>
-        <p:nvCxnSpPr>
-          <p:cNvPr id="7" name="Elbow Connector 37"/>
-          <p:cNvCxnSpPr/>
-          <p:nvPr/>
-        </p:nvCxnSpPr>
-        <p:spPr>
-          <a:xfrm flipH="1" flipV="1">
-            <a:off x="8359297" y="1930043"/>
-            <a:ext cx="236142" cy="721027"/>
-          </a:xfrm>
-          <a:prstGeom prst="straightConnector1">
-            <a:avLst/>
-          </a:prstGeom>
-          <a:ln>
-            <a:tailEnd type="triangle"/>
-          </a:ln>
-        </p:spPr>
-        <p:style>
-          <a:lnRef idx="3">
-            <a:schemeClr val="dk1"/>
-          </a:lnRef>
-          <a:fillRef idx="0">
-            <a:schemeClr val="dk1"/>
-          </a:fillRef>
-          <a:effectRef idx="2">
-            <a:schemeClr val="dk1"/>
-          </a:effectRef>
-          <a:fontRef idx="minor">
-            <a:schemeClr val="tx1"/>
-          </a:fontRef>
-        </p:style>
-      </p:cxnSp>
-      <p:cxnSp>
-        <p:nvCxnSpPr>
-          <p:cNvPr id="8" name="Elbow Connector 37"/>
-          <p:cNvCxnSpPr/>
-          <p:nvPr/>
-        </p:nvCxnSpPr>
-        <p:spPr>
-          <a:xfrm flipH="1" flipV="1">
-            <a:off x="6820776" y="3291899"/>
-            <a:ext cx="881830" cy="623201"/>
-          </a:xfrm>
-          <a:prstGeom prst="straightConnector1">
-            <a:avLst/>
-          </a:prstGeom>
-          <a:ln>
-            <a:tailEnd type="triangle"/>
-          </a:ln>
-        </p:spPr>
-        <p:style>
-          <a:lnRef idx="3">
-            <a:schemeClr val="dk1"/>
-          </a:lnRef>
-          <a:fillRef idx="0">
-            <a:schemeClr val="dk1"/>
-          </a:fillRef>
-          <a:effectRef idx="2">
-            <a:schemeClr val="dk1"/>
-          </a:effectRef>
-          <a:fontRef idx="minor">
-            <a:schemeClr val="tx1"/>
-          </a:fontRef>
-        </p:style>
-      </p:cxnSp>
-      <p:cxnSp>
-        <p:nvCxnSpPr>
-          <p:cNvPr id="9" name="Elbow Connector 37"/>
-          <p:cNvCxnSpPr/>
-          <p:nvPr/>
-        </p:nvCxnSpPr>
-        <p:spPr>
-          <a:xfrm flipH="1" flipV="1">
-            <a:off x="7895336" y="1966176"/>
-            <a:ext cx="209687" cy="684894"/>
-          </a:xfrm>
-          <a:prstGeom prst="straightConnector1">
-            <a:avLst/>
-          </a:prstGeom>
-          <a:ln>
-            <a:tailEnd type="triangle"/>
-          </a:ln>
-        </p:spPr>
-        <p:style>
-          <a:lnRef idx="3">
-            <a:schemeClr val="dk1"/>
-          </a:lnRef>
-          <a:fillRef idx="0">
-            <a:schemeClr val="dk1"/>
-          </a:fillRef>
-          <a:effectRef idx="2">
-            <a:schemeClr val="dk1"/>
-          </a:effectRef>
-          <a:fontRef idx="minor">
-            <a:schemeClr val="tx1"/>
-          </a:fontRef>
-        </p:style>
-      </p:cxnSp>
-      <p:cxnSp>
-        <p:nvCxnSpPr>
-          <p:cNvPr id="10" name="Elbow Connector 37"/>
-          <p:cNvCxnSpPr/>
-          <p:nvPr/>
-        </p:nvCxnSpPr>
-        <p:spPr>
-          <a:xfrm flipH="1" flipV="1">
-            <a:off x="3304784" y="3363247"/>
-            <a:ext cx="15391" cy="606602"/>
-          </a:xfrm>
-          <a:prstGeom prst="straightConnector1">
-            <a:avLst/>
-          </a:prstGeom>
-          <a:ln>
-            <a:tailEnd type="triangle"/>
-          </a:ln>
-        </p:spPr>
-        <p:style>
-          <a:lnRef idx="3">
-            <a:schemeClr val="dk1"/>
-          </a:lnRef>
-          <a:fillRef idx="0">
-            <a:schemeClr val="dk1"/>
-          </a:fillRef>
-          <a:effectRef idx="2">
-            <a:schemeClr val="dk1"/>
-          </a:effectRef>
-          <a:fontRef idx="minor">
-            <a:schemeClr val="tx1"/>
-          </a:fontRef>
-        </p:style>
-      </p:cxnSp>
-      <p:cxnSp>
-        <p:nvCxnSpPr>
-          <p:cNvPr id="11" name="Elbow Connector 37"/>
-          <p:cNvCxnSpPr/>
-          <p:nvPr/>
-        </p:nvCxnSpPr>
-        <p:spPr>
-          <a:xfrm flipV="1">
-            <a:off x="4070870" y="3328951"/>
-            <a:ext cx="710374" cy="608233"/>
-          </a:xfrm>
-          <a:prstGeom prst="straightConnector1">
-            <a:avLst/>
-          </a:prstGeom>
-          <a:ln>
-            <a:tailEnd type="triangle"/>
-          </a:ln>
-        </p:spPr>
-        <p:style>
-          <a:lnRef idx="3">
-            <a:schemeClr val="dk1"/>
-          </a:lnRef>
-          <a:fillRef idx="0">
-            <a:schemeClr val="dk1"/>
-          </a:fillRef>
-          <a:effectRef idx="2">
-            <a:schemeClr val="dk1"/>
-          </a:effectRef>
-          <a:fontRef idx="minor">
-            <a:schemeClr val="tx1"/>
-          </a:fontRef>
-        </p:style>
-      </p:cxnSp>
-      <p:cxnSp>
-        <p:nvCxnSpPr>
-          <p:cNvPr id="12" name="Elbow Connector 37"/>
-          <p:cNvCxnSpPr/>
-          <p:nvPr/>
-        </p:nvCxnSpPr>
-        <p:spPr>
-          <a:xfrm flipH="1" flipV="1">
-            <a:off x="5833030" y="3384832"/>
-            <a:ext cx="9536" cy="531342"/>
-          </a:xfrm>
-          <a:prstGeom prst="straightConnector1">
-            <a:avLst/>
-          </a:prstGeom>
-          <a:ln w="19050" cap="flat" cmpd="sng" algn="ctr">
-            <a:solidFill>
-              <a:schemeClr val="accent1"/>
-            </a:solidFill>
-            <a:prstDash val="dash"/>
-            <a:round/>
-            <a:headEnd type="none" w="med" len="med"/>
-            <a:tailEnd type="triangle" w="med" len="med"/>
-          </a:ln>
-        </p:spPr>
-        <p:style>
-          <a:lnRef idx="0">
-            <a:scrgbClr r="0" g="0" b="0"/>
-          </a:lnRef>
-          <a:fillRef idx="0">
-            <a:scrgbClr r="0" g="0" b="0"/>
-          </a:fillRef>
-          <a:effectRef idx="0">
-            <a:scrgbClr r="0" g="0" b="0"/>
-          </a:effectRef>
-          <a:fontRef idx="minor">
-            <a:schemeClr val="tx1"/>
-          </a:fontRef>
-        </p:style>
-      </p:cxnSp>
-      <p:cxnSp>
-        <p:nvCxnSpPr>
-          <p:cNvPr id="13" name="Elbow Connector 37"/>
-          <p:cNvCxnSpPr/>
-          <p:nvPr/>
-        </p:nvCxnSpPr>
-        <p:spPr>
-          <a:xfrm flipV="1">
-            <a:off x="8381802" y="3398361"/>
-            <a:ext cx="0" cy="516739"/>
-          </a:xfrm>
-          <a:prstGeom prst="straightConnector1">
-            <a:avLst/>
-          </a:prstGeom>
-          <a:ln>
-            <a:tailEnd type="triangle"/>
-          </a:ln>
-        </p:spPr>
-        <p:style>
-          <a:lnRef idx="3">
-            <a:schemeClr val="dk1"/>
-          </a:lnRef>
-          <a:fillRef idx="0">
-            <a:schemeClr val="dk1"/>
-          </a:fillRef>
-          <a:effectRef idx="2">
-            <a:schemeClr val="dk1"/>
-          </a:effectRef>
-          <a:fontRef idx="minor">
-            <a:schemeClr val="tx1"/>
-          </a:fontRef>
-        </p:style>
-      </p:cxnSp>
-      <p:sp>
-        <p:nvSpPr>
-          <p:cNvPr id="15" name="Rounded Rectangle 5"/>
-          <p:cNvSpPr/>
-          <p:nvPr/>
-        </p:nvSpPr>
-        <p:spPr>
-          <a:xfrm>
-            <a:off x="6868895" y="507481"/>
-            <a:ext cx="1694439" cy="728495"/>
-          </a:xfrm>
-          <a:prstGeom prst="roundRect">
-            <a:avLst/>
-          </a:prstGeom>
-          <a:solidFill>
-            <a:srgbClr val="CEE1F2"/>
-          </a:solidFill>
-          <a:ln cap="rnd">
-            <a:round/>
-          </a:ln>
-          <a:effectLst>
-            <a:outerShdw blurRad="50800" dist="38100" dir="2700000" algn="tl" rotWithShape="0">
-              <a:prstClr val="black">
-                <a:alpha val="40000"/>
-              </a:prstClr>
-            </a:outerShdw>
-          </a:effectLst>
-        </p:spPr>
-        <p:style>
-          <a:lnRef idx="2">
-            <a:schemeClr val="accent1">
-              <a:shade val="50000"/>
-            </a:schemeClr>
-          </a:lnRef>
-          <a:fillRef idx="1">
-            <a:schemeClr val="accent1"/>
-          </a:fillRef>
-          <a:effectRef idx="0">
-            <a:schemeClr val="accent1"/>
-          </a:effectRef>
-          <a:fontRef idx="minor">
-            <a:schemeClr val="lt1"/>
-          </a:fontRef>
-        </p:style>
-        <p:txBody>
-          <a:bodyPr rtlCol="0" anchor="ctr"/>
-          <a:lstStyle/>
-          <a:p>
-            <a:pPr algn="ctr"/>
-            <a:r>
-              <a:rPr lang="en-US" dirty="0">
-                <a:solidFill>
-                  <a:schemeClr val="tx1"/>
-                </a:solidFill>
-              </a:rPr>
-              <a:t>Organization</a:t>
-            </a:r>
-            <a:endParaRPr lang="en-AU" dirty="0">
-              <a:solidFill>
-                <a:schemeClr val="tx1"/>
-              </a:solidFill>
-            </a:endParaRPr>
-          </a:p>
-        </p:txBody>
-      </p:sp>
-      <p:cxnSp>
-        <p:nvCxnSpPr>
-          <p:cNvPr id="23" name="Elbow Connector 37"/>
-          <p:cNvCxnSpPr/>
-          <p:nvPr/>
-        </p:nvCxnSpPr>
-        <p:spPr>
-          <a:xfrm>
-            <a:off x="6537417" y="4093236"/>
-            <a:ext cx="809828" cy="0"/>
-          </a:xfrm>
-          <a:prstGeom prst="straightConnector1">
-            <a:avLst/>
-          </a:prstGeom>
-          <a:ln w="19050" cap="flat" cmpd="sng" algn="ctr">
-            <a:solidFill>
-              <a:schemeClr val="accent1"/>
-            </a:solidFill>
-            <a:prstDash val="dash"/>
-            <a:round/>
-            <a:headEnd type="none" w="med" len="med"/>
-            <a:tailEnd type="triangle" w="med" len="med"/>
-          </a:ln>
-        </p:spPr>
-        <p:style>
-          <a:lnRef idx="0">
-            <a:scrgbClr r="0" g="0" b="0"/>
-          </a:lnRef>
-          <a:fillRef idx="0">
-            <a:scrgbClr r="0" g="0" b="0"/>
-          </a:fillRef>
-          <a:effectRef idx="0">
-            <a:scrgbClr r="0" g="0" b="0"/>
-          </a:effectRef>
-          <a:fontRef idx="minor">
-            <a:schemeClr val="tx1"/>
-          </a:fontRef>
-        </p:style>
-      </p:cxnSp>
-      <p:sp>
-        <p:nvSpPr>
-          <p:cNvPr id="24" name="Rounded Rectangle 9"/>
-          <p:cNvSpPr/>
-          <p:nvPr/>
-        </p:nvSpPr>
-        <p:spPr>
-          <a:xfrm>
-            <a:off x="4985812" y="3728989"/>
-            <a:ext cx="1713508" cy="728495"/>
-          </a:xfrm>
-          <a:prstGeom prst="roundRect">
-            <a:avLst/>
-          </a:prstGeom>
-          <a:solidFill>
-            <a:schemeClr val="accent5">
-              <a:lumMod val="60000"/>
-              <a:lumOff val="40000"/>
-            </a:schemeClr>
-          </a:solidFill>
-          <a:ln>
-            <a:noFill/>
-          </a:ln>
-        </p:spPr>
-        <p:style>
-          <a:lnRef idx="0">
-            <a:scrgbClr r="0" g="0" b="0"/>
-          </a:lnRef>
-          <a:fillRef idx="0">
-            <a:scrgbClr r="0" g="0" b="0"/>
-          </a:fillRef>
-          <a:effectRef idx="0">
-            <a:scrgbClr r="0" g="0" b="0"/>
-          </a:effectRef>
-          <a:fontRef idx="minor">
-            <a:schemeClr val="lt1"/>
-          </a:fontRef>
-        </p:style>
-        <p:txBody>
-          <a:bodyPr rtlCol="0" anchor="ctr"/>
-          <a:lstStyle/>
-          <a:p>
-            <a:pPr algn="ctr"/>
-            <a:r>
-              <a:rPr lang="en-US" sz="1600" dirty="0"/>
-              <a:t>* Billable Item</a:t>
-            </a:r>
-            <a:endParaRPr lang="en-AU" sz="1600" dirty="0"/>
-          </a:p>
-        </p:txBody>
-      </p:sp>
-      <p:sp>
-        <p:nvSpPr>
-          <p:cNvPr id="26" name="Rounded Rectangle 5"/>
-          <p:cNvSpPr/>
-          <p:nvPr/>
-        </p:nvSpPr>
-        <p:spPr>
-          <a:xfrm>
-            <a:off x="3055981" y="514395"/>
-            <a:ext cx="1694439" cy="728495"/>
-          </a:xfrm>
-          <a:prstGeom prst="roundRect">
-            <a:avLst/>
-          </a:prstGeom>
-          <a:solidFill>
-            <a:srgbClr val="CEE1F2"/>
-          </a:solidFill>
-          <a:ln cap="rnd">
-            <a:round/>
-          </a:ln>
-          <a:effectLst>
-            <a:outerShdw blurRad="50800" dist="38100" dir="2700000" algn="tl" rotWithShape="0">
-              <a:prstClr val="black">
-                <a:alpha val="40000"/>
-              </a:prstClr>
-            </a:outerShdw>
-          </a:effectLst>
-        </p:spPr>
-        <p:style>
-          <a:lnRef idx="2">
-            <a:schemeClr val="accent1">
-              <a:shade val="50000"/>
-            </a:schemeClr>
-          </a:lnRef>
-          <a:fillRef idx="1">
-            <a:schemeClr val="accent1"/>
-          </a:fillRef>
-          <a:effectRef idx="0">
-            <a:schemeClr val="accent1"/>
-          </a:effectRef>
-          <a:fontRef idx="minor">
-            <a:schemeClr val="lt1"/>
-          </a:fontRef>
-        </p:style>
-        <p:txBody>
-          <a:bodyPr rtlCol="0" anchor="ctr"/>
-          <a:lstStyle/>
-          <a:p>
-            <a:pPr algn="ctr"/>
-            <a:r>
-              <a:rPr lang="en-US" dirty="0">
-                <a:solidFill>
-                  <a:schemeClr val="tx1"/>
-                </a:solidFill>
-              </a:rPr>
-              <a:t>Patient</a:t>
-            </a:r>
-            <a:endParaRPr lang="en-AU" dirty="0">
-              <a:solidFill>
-                <a:schemeClr val="tx1"/>
-              </a:solidFill>
-            </a:endParaRPr>
-          </a:p>
-        </p:txBody>
-      </p:sp>
-      <p:sp>
-        <p:nvSpPr>
-          <p:cNvPr id="27" name="Rounded Rectangle 5"/>
-          <p:cNvSpPr/>
-          <p:nvPr/>
-        </p:nvSpPr>
-        <p:spPr>
-          <a:xfrm>
-            <a:off x="4962438" y="506042"/>
-            <a:ext cx="1694439" cy="728495"/>
-          </a:xfrm>
-          <a:prstGeom prst="roundRect">
-            <a:avLst/>
-          </a:prstGeom>
-          <a:solidFill>
-            <a:srgbClr val="CEE1F2"/>
-          </a:solidFill>
-          <a:ln cap="rnd">
-            <a:round/>
-          </a:ln>
-          <a:effectLst>
-            <a:outerShdw blurRad="50800" dist="38100" dir="2700000" algn="tl" rotWithShape="0">
-              <a:prstClr val="black">
-                <a:alpha val="40000"/>
-              </a:prstClr>
-            </a:outerShdw>
-          </a:effectLst>
-        </p:spPr>
-        <p:style>
-          <a:lnRef idx="2">
-            <a:schemeClr val="accent1">
-              <a:shade val="50000"/>
-            </a:schemeClr>
-          </a:lnRef>
-          <a:fillRef idx="1">
-            <a:schemeClr val="accent1"/>
-          </a:fillRef>
-          <a:effectRef idx="0">
-            <a:schemeClr val="accent1"/>
-          </a:effectRef>
-          <a:fontRef idx="minor">
-            <a:schemeClr val="lt1"/>
-          </a:fontRef>
-        </p:style>
-        <p:txBody>
-          <a:bodyPr rtlCol="0" anchor="ctr"/>
-          <a:lstStyle/>
-          <a:p>
-            <a:pPr algn="ctr"/>
-            <a:r>
-              <a:rPr lang="en-US" dirty="0">
-                <a:solidFill>
-                  <a:schemeClr val="tx1"/>
-                </a:solidFill>
-              </a:rPr>
-              <a:t>RelatedPerson</a:t>
-            </a:r>
-            <a:endParaRPr lang="en-AU" dirty="0">
-              <a:solidFill>
-                <a:schemeClr val="tx1"/>
-              </a:solidFill>
-            </a:endParaRPr>
-          </a:p>
-        </p:txBody>
-      </p:sp>
-      <p:sp>
-        <p:nvSpPr>
-          <p:cNvPr id="30" name="Rounded Rectangle 6"/>
-          <p:cNvSpPr/>
-          <p:nvPr/>
-        </p:nvSpPr>
-        <p:spPr>
-          <a:xfrm>
-            <a:off x="7534583" y="3717004"/>
-            <a:ext cx="1694439" cy="728495"/>
-          </a:xfrm>
-          <a:prstGeom prst="roundRect">
-            <a:avLst/>
-          </a:prstGeom>
-          <a:solidFill>
-            <a:srgbClr val="CEE1F2"/>
-          </a:solidFill>
-          <a:ln cap="rnd">
-            <a:round/>
-          </a:ln>
-          <a:effectLst>
-            <a:outerShdw blurRad="50800" dist="38100" dir="2700000" algn="tl" rotWithShape="0">
-              <a:prstClr val="black">
-                <a:alpha val="40000"/>
-              </a:prstClr>
-            </a:outerShdw>
-          </a:effectLst>
-        </p:spPr>
-        <p:style>
-          <a:lnRef idx="2">
-            <a:schemeClr val="accent1">
-              <a:shade val="50000"/>
-            </a:schemeClr>
-          </a:lnRef>
-          <a:fillRef idx="1">
-            <a:schemeClr val="accent1"/>
-          </a:fillRef>
-          <a:effectRef idx="0">
-            <a:schemeClr val="accent1"/>
-          </a:effectRef>
-          <a:fontRef idx="minor">
-            <a:schemeClr val="lt1"/>
-          </a:fontRef>
-        </p:style>
-        <p:txBody>
-          <a:bodyPr rtlCol="0" anchor="ctr"/>
-          <a:lstStyle/>
-          <a:p>
-            <a:pPr algn="ctr"/>
-            <a:r>
-              <a:rPr lang="en-US" dirty="0">
-                <a:solidFill>
-                  <a:schemeClr val="tx1"/>
-                </a:solidFill>
-              </a:rPr>
-              <a:t>Claim</a:t>
-            </a:r>
-          </a:p>
-        </p:txBody>
-      </p:sp>
-      <p:cxnSp>
-        <p:nvCxnSpPr>
-          <p:cNvPr id="36" name="Elbow Connector 37"/>
-          <p:cNvCxnSpPr/>
-          <p:nvPr/>
-        </p:nvCxnSpPr>
-        <p:spPr>
-          <a:xfrm flipV="1">
-            <a:off x="3306764" y="1382350"/>
-            <a:ext cx="336031" cy="1106729"/>
-          </a:xfrm>
-          <a:prstGeom prst="straightConnector1">
-            <a:avLst/>
-          </a:prstGeom>
-          <a:ln>
-            <a:tailEnd type="triangle"/>
-          </a:ln>
-        </p:spPr>
-        <p:style>
-          <a:lnRef idx="3">
-            <a:schemeClr val="dk1"/>
-          </a:lnRef>
-          <a:fillRef idx="0">
-            <a:schemeClr val="dk1"/>
-          </a:fillRef>
-          <a:effectRef idx="2">
-            <a:schemeClr val="dk1"/>
-          </a:effectRef>
-          <a:fontRef idx="minor">
-            <a:schemeClr val="tx1"/>
-          </a:fontRef>
-        </p:style>
-      </p:cxnSp>
-      <p:sp>
-        <p:nvSpPr>
-          <p:cNvPr id="61" name="TextBox 60"/>
-          <p:cNvSpPr txBox="1"/>
-          <p:nvPr/>
-        </p:nvSpPr>
-        <p:spPr>
-          <a:xfrm>
-            <a:off x="7243619" y="2027683"/>
-            <a:ext cx="651717" cy="338554"/>
-          </a:xfrm>
-          <a:prstGeom prst="rect">
-            <a:avLst/>
-          </a:prstGeom>
-          <a:noFill/>
-        </p:spPr>
-        <p:txBody>
-          <a:bodyPr wrap="none" rtlCol="0">
-            <a:spAutoFit/>
-          </a:bodyPr>
-          <a:lstStyle/>
-          <a:p>
-            <a:r>
-              <a:rPr lang="en-US" sz="1600" dirty="0"/>
-              <a:t>Payor</a:t>
-            </a:r>
-          </a:p>
-        </p:txBody>
-      </p:sp>
-      <p:sp>
-        <p:nvSpPr>
-          <p:cNvPr id="62" name="TextBox 61"/>
-          <p:cNvSpPr txBox="1"/>
-          <p:nvPr/>
-        </p:nvSpPr>
-        <p:spPr>
-          <a:xfrm>
-            <a:off x="8492311" y="2027683"/>
-            <a:ext cx="1060483" cy="338554"/>
-          </a:xfrm>
-          <a:prstGeom prst="rect">
-            <a:avLst/>
-          </a:prstGeom>
-          <a:noFill/>
-        </p:spPr>
-        <p:txBody>
-          <a:bodyPr wrap="none" rtlCol="0">
-            <a:spAutoFit/>
-          </a:bodyPr>
-          <a:lstStyle/>
-          <a:p>
-            <a:r>
-              <a:rPr lang="en-US" sz="1600" dirty="0"/>
-              <a:t>Subscriber</a:t>
-            </a:r>
-          </a:p>
-        </p:txBody>
-      </p:sp>
-      <p:cxnSp>
-        <p:nvCxnSpPr>
-          <p:cNvPr id="75" name="Elbow Connector 37"/>
-          <p:cNvCxnSpPr/>
-          <p:nvPr/>
-        </p:nvCxnSpPr>
-        <p:spPr>
-          <a:xfrm flipV="1">
-            <a:off x="2211523" y="1400958"/>
-            <a:ext cx="885554" cy="965280"/>
-          </a:xfrm>
-          <a:prstGeom prst="straightConnector1">
-            <a:avLst/>
-          </a:prstGeom>
-          <a:ln>
-            <a:tailEnd type="triangle"/>
-          </a:ln>
-        </p:spPr>
-        <p:style>
-          <a:lnRef idx="3">
-            <a:schemeClr val="dk1"/>
-          </a:lnRef>
-          <a:fillRef idx="0">
-            <a:schemeClr val="dk1"/>
-          </a:fillRef>
-          <a:effectRef idx="2">
-            <a:schemeClr val="dk1"/>
-          </a:effectRef>
-          <a:fontRef idx="minor">
-            <a:schemeClr val="tx1"/>
-          </a:fontRef>
-        </p:style>
-      </p:cxnSp>
-      <p:cxnSp>
-        <p:nvCxnSpPr>
-          <p:cNvPr id="77" name="Elbow Connector 37"/>
-          <p:cNvCxnSpPr/>
-          <p:nvPr/>
-        </p:nvCxnSpPr>
-        <p:spPr>
-          <a:xfrm flipV="1">
-            <a:off x="6537417" y="2870742"/>
-            <a:ext cx="706202" cy="2"/>
-          </a:xfrm>
-          <a:prstGeom prst="straightConnector1">
-            <a:avLst/>
-          </a:prstGeom>
-          <a:ln>
-            <a:tailEnd type="triangle"/>
-          </a:ln>
-        </p:spPr>
-        <p:style>
-          <a:lnRef idx="3">
-            <a:schemeClr val="dk1"/>
-          </a:lnRef>
-          <a:fillRef idx="0">
-            <a:schemeClr val="dk1"/>
-          </a:fillRef>
-          <a:effectRef idx="2">
-            <a:schemeClr val="dk1"/>
-          </a:effectRef>
-          <a:fontRef idx="minor">
-            <a:schemeClr val="tx1"/>
-          </a:fontRef>
-        </p:style>
-      </p:cxnSp>
-      <p:sp>
-        <p:nvSpPr>
-          <p:cNvPr id="31" name="Rounded Rectangle 6"/>
-          <p:cNvSpPr/>
-          <p:nvPr/>
-        </p:nvSpPr>
-        <p:spPr>
-          <a:xfrm>
-            <a:off x="7454829" y="2488449"/>
-            <a:ext cx="1694439" cy="728495"/>
-          </a:xfrm>
-          <a:prstGeom prst="roundRect">
-            <a:avLst/>
-          </a:prstGeom>
-          <a:solidFill>
-            <a:srgbClr val="CEE1F2"/>
-          </a:solidFill>
-          <a:ln cap="rnd">
-            <a:round/>
-          </a:ln>
-          <a:effectLst>
-            <a:outerShdw blurRad="50800" dist="38100" dir="2700000" algn="tl" rotWithShape="0">
-              <a:prstClr val="black">
-                <a:alpha val="40000"/>
-              </a:prstClr>
-            </a:outerShdw>
-          </a:effectLst>
-        </p:spPr>
-        <p:style>
-          <a:lnRef idx="2">
-            <a:schemeClr val="accent1">
-              <a:shade val="50000"/>
-            </a:schemeClr>
-          </a:lnRef>
-          <a:fillRef idx="1">
-            <a:schemeClr val="accent1"/>
-          </a:fillRef>
-          <a:effectRef idx="0">
-            <a:schemeClr val="accent1"/>
-          </a:effectRef>
-          <a:fontRef idx="minor">
-            <a:schemeClr val="lt1"/>
-          </a:fontRef>
-        </p:style>
-        <p:txBody>
-          <a:bodyPr rtlCol="0" anchor="ctr"/>
-          <a:lstStyle/>
-          <a:p>
-            <a:pPr algn="ctr"/>
-            <a:r>
-              <a:rPr lang="en-US" dirty="0">
-                <a:solidFill>
-                  <a:schemeClr val="tx1"/>
-                </a:solidFill>
-              </a:rPr>
-              <a:t>Coverage</a:t>
-            </a:r>
-          </a:p>
-        </p:txBody>
-      </p:sp>
-      <p:sp>
-        <p:nvSpPr>
-          <p:cNvPr id="16" name="Rounded Rectangle 6"/>
-          <p:cNvSpPr/>
-          <p:nvPr/>
-        </p:nvSpPr>
-        <p:spPr>
-          <a:xfrm>
-            <a:off x="2467271" y="2495292"/>
-            <a:ext cx="1694439" cy="728495"/>
-          </a:xfrm>
-          <a:prstGeom prst="roundRect">
-            <a:avLst/>
-          </a:prstGeom>
-          <a:solidFill>
-            <a:srgbClr val="CEE1F2"/>
-          </a:solidFill>
-          <a:ln cap="rnd">
-            <a:round/>
-          </a:ln>
-          <a:effectLst>
-            <a:outerShdw blurRad="50800" dist="38100" dir="2700000" algn="tl" rotWithShape="0">
-              <a:prstClr val="black">
-                <a:alpha val="40000"/>
-              </a:prstClr>
-            </a:outerShdw>
-          </a:effectLst>
-        </p:spPr>
-        <p:style>
-          <a:lnRef idx="2">
-            <a:schemeClr val="accent1">
-              <a:shade val="50000"/>
-            </a:schemeClr>
-          </a:lnRef>
-          <a:fillRef idx="1">
-            <a:schemeClr val="accent1"/>
-          </a:fillRef>
-          <a:effectRef idx="0">
-            <a:schemeClr val="accent1"/>
-          </a:effectRef>
-          <a:fontRef idx="minor">
-            <a:schemeClr val="lt1"/>
-          </a:fontRef>
-        </p:style>
-        <p:txBody>
-          <a:bodyPr rtlCol="0" anchor="ctr"/>
-          <a:lstStyle/>
-          <a:p>
-            <a:pPr algn="ctr"/>
-            <a:r>
-              <a:rPr lang="en-US" dirty="0">
-                <a:solidFill>
-                  <a:schemeClr val="tx1"/>
-                </a:solidFill>
-              </a:rPr>
-              <a:t>EpisodeOfCare</a:t>
-            </a:r>
-            <a:endParaRPr lang="en-AU" dirty="0">
-              <a:solidFill>
-                <a:schemeClr val="tx1"/>
-              </a:solidFill>
-            </a:endParaRPr>
-          </a:p>
-        </p:txBody>
-      </p:sp>
-      <p:cxnSp>
-        <p:nvCxnSpPr>
-          <p:cNvPr id="39" name="Elbow Connector 37"/>
-          <p:cNvCxnSpPr/>
-          <p:nvPr/>
-        </p:nvCxnSpPr>
-        <p:spPr>
-          <a:xfrm flipH="1" flipV="1">
-            <a:off x="2211523" y="2366237"/>
-            <a:ext cx="46064" cy="1734289"/>
-          </a:xfrm>
-          <a:prstGeom prst="straightConnector1">
-            <a:avLst/>
-          </a:prstGeom>
-          <a:ln>
-            <a:tailEnd type="none"/>
-          </a:ln>
-        </p:spPr>
-        <p:style>
-          <a:lnRef idx="3">
-            <a:schemeClr val="dk1"/>
-          </a:lnRef>
-          <a:fillRef idx="0">
-            <a:schemeClr val="dk1"/>
-          </a:fillRef>
-          <a:effectRef idx="2">
-            <a:schemeClr val="dk1"/>
-          </a:effectRef>
-          <a:fontRef idx="minor">
-            <a:schemeClr val="tx1"/>
-          </a:fontRef>
-        </p:style>
-      </p:cxnSp>
-      <p:cxnSp>
-        <p:nvCxnSpPr>
-          <p:cNvPr id="46" name="Elbow Connector 37"/>
-          <p:cNvCxnSpPr/>
-          <p:nvPr/>
-        </p:nvCxnSpPr>
-        <p:spPr>
-          <a:xfrm flipH="1">
-            <a:off x="2264691" y="4100525"/>
-            <a:ext cx="337878" cy="1"/>
-          </a:xfrm>
-          <a:prstGeom prst="straightConnector1">
-            <a:avLst/>
-          </a:prstGeom>
-          <a:ln>
-            <a:tailEnd type="none"/>
-          </a:ln>
-        </p:spPr>
-        <p:style>
-          <a:lnRef idx="3">
-            <a:schemeClr val="dk1"/>
-          </a:lnRef>
-          <a:fillRef idx="0">
-            <a:schemeClr val="dk1"/>
-          </a:fillRef>
-          <a:effectRef idx="2">
-            <a:schemeClr val="dk1"/>
-          </a:effectRef>
-          <a:fontRef idx="minor">
-            <a:schemeClr val="tx1"/>
-          </a:fontRef>
-        </p:style>
-      </p:cxnSp>
-      <p:sp>
-        <p:nvSpPr>
-          <p:cNvPr id="29" name="Rounded Rectangle 6"/>
-          <p:cNvSpPr/>
-          <p:nvPr/>
-        </p:nvSpPr>
-        <p:spPr>
-          <a:xfrm>
-            <a:off x="2467272" y="3736278"/>
-            <a:ext cx="1694439" cy="728495"/>
-          </a:xfrm>
-          <a:prstGeom prst="roundRect">
-            <a:avLst/>
-          </a:prstGeom>
-          <a:solidFill>
-            <a:srgbClr val="CEE1F2"/>
-          </a:solidFill>
-          <a:ln cap="rnd">
-            <a:round/>
-          </a:ln>
-          <a:effectLst>
-            <a:outerShdw blurRad="50800" dist="38100" dir="2700000" algn="tl" rotWithShape="0">
-              <a:prstClr val="black">
-                <a:alpha val="40000"/>
-              </a:prstClr>
-            </a:outerShdw>
-          </a:effectLst>
-        </p:spPr>
-        <p:style>
-          <a:lnRef idx="2">
-            <a:schemeClr val="accent1">
-              <a:shade val="50000"/>
-            </a:schemeClr>
-          </a:lnRef>
-          <a:fillRef idx="1">
-            <a:schemeClr val="accent1"/>
-          </a:fillRef>
-          <a:effectRef idx="0">
-            <a:schemeClr val="accent1"/>
-          </a:effectRef>
-          <a:fontRef idx="minor">
-            <a:schemeClr val="lt1"/>
-          </a:fontRef>
-        </p:style>
-        <p:txBody>
-          <a:bodyPr rtlCol="0" anchor="ctr"/>
-          <a:lstStyle/>
-          <a:p>
-            <a:pPr algn="ctr"/>
-            <a:r>
-              <a:rPr lang="en-US" dirty="0">
-                <a:solidFill>
-                  <a:schemeClr val="tx1"/>
-                </a:solidFill>
-              </a:rPr>
-              <a:t>Encounter</a:t>
-            </a:r>
-            <a:endParaRPr lang="en-AU" dirty="0">
-              <a:solidFill>
-                <a:schemeClr val="tx1"/>
-              </a:solidFill>
-            </a:endParaRPr>
-          </a:p>
-        </p:txBody>
-      </p:sp>
-      <p:cxnSp>
-        <p:nvCxnSpPr>
-          <p:cNvPr id="55" name="Elbow Connector 37"/>
-          <p:cNvCxnSpPr/>
-          <p:nvPr/>
-        </p:nvCxnSpPr>
-        <p:spPr>
-          <a:xfrm flipH="1">
-            <a:off x="4349931" y="4093236"/>
-            <a:ext cx="822961" cy="0"/>
-          </a:xfrm>
-          <a:prstGeom prst="straightConnector1">
-            <a:avLst/>
-          </a:prstGeom>
-          <a:ln w="19050" cap="flat" cmpd="sng" algn="ctr">
-            <a:solidFill>
-              <a:schemeClr val="accent1"/>
-            </a:solidFill>
-            <a:prstDash val="dash"/>
-            <a:round/>
-            <a:headEnd type="none" w="med" len="med"/>
-            <a:tailEnd type="triangle" w="med" len="med"/>
-          </a:ln>
-        </p:spPr>
-        <p:style>
-          <a:lnRef idx="0">
-            <a:scrgbClr r="0" g="0" b="0"/>
-          </a:lnRef>
-          <a:fillRef idx="0">
-            <a:scrgbClr r="0" g="0" b="0"/>
-          </a:fillRef>
-          <a:effectRef idx="0">
-            <a:scrgbClr r="0" g="0" b="0"/>
-          </a:effectRef>
-          <a:fontRef idx="minor">
-            <a:schemeClr val="tx1"/>
-          </a:fontRef>
-        </p:style>
-      </p:cxnSp>
-      <p:sp>
-        <p:nvSpPr>
-          <p:cNvPr id="28" name="Rounded Rectangle 6"/>
-          <p:cNvSpPr/>
-          <p:nvPr/>
-        </p:nvSpPr>
-        <p:spPr>
-          <a:xfrm>
-            <a:off x="4985811" y="2506495"/>
-            <a:ext cx="1694439" cy="728495"/>
-          </a:xfrm>
-          <a:prstGeom prst="roundRect">
-            <a:avLst/>
-          </a:prstGeom>
-          <a:solidFill>
-            <a:srgbClr val="CEE1F2"/>
-          </a:solidFill>
-          <a:ln cap="rnd">
-            <a:round/>
-          </a:ln>
-          <a:effectLst>
-            <a:outerShdw blurRad="50800" dist="38100" dir="2700000" algn="tl" rotWithShape="0">
-              <a:prstClr val="black">
-                <a:alpha val="40000"/>
-              </a:prstClr>
-            </a:outerShdw>
-          </a:effectLst>
-        </p:spPr>
-        <p:style>
-          <a:lnRef idx="2">
-            <a:schemeClr val="accent1">
-              <a:shade val="50000"/>
-            </a:schemeClr>
-          </a:lnRef>
-          <a:fillRef idx="1">
-            <a:schemeClr val="accent1"/>
-          </a:fillRef>
-          <a:effectRef idx="0">
-            <a:schemeClr val="accent1"/>
-          </a:effectRef>
-          <a:fontRef idx="minor">
-            <a:schemeClr val="lt1"/>
-          </a:fontRef>
-        </p:style>
-        <p:txBody>
-          <a:bodyPr rtlCol="0" anchor="ctr"/>
-          <a:lstStyle/>
-          <a:p>
-            <a:pPr algn="ctr"/>
-            <a:r>
-              <a:rPr lang="en-US" dirty="0">
-                <a:solidFill>
-                  <a:schemeClr val="tx1"/>
-                </a:solidFill>
-              </a:rPr>
-              <a:t>Account</a:t>
-            </a:r>
-          </a:p>
-        </p:txBody>
-      </p:sp>
-    </p:spTree>
-    <p:extLst>
-      <p:ext uri="{BB962C8B-B14F-4D97-AF65-F5344CB8AC3E}">
-        <p14:creationId xmlns:p14="http://schemas.microsoft.com/office/powerpoint/2010/main" val="1346121055"/>
-      </p:ext>
-    </p:extLst>
-  </p:cSld>
-  <p:clrMapOvr>
-    <a:masterClrMapping/>
-  </p:clrMapOvr>
-</p:sld>
-</file>
-
-<file path=ppt/slides/slide3.xml><?xml version="1.0" encoding="utf-8"?>
-<p:sld xmlns:a="http://schemas.openxmlformats.org/drawingml/2006/main" xmlns:r="http://schemas.openxmlformats.org/officeDocument/2006/relationships" xmlns:p="http://schemas.openxmlformats.org/presentationml/2006/main" show="0">
-  <p:cSld>
-    <p:spTree>
-      <p:nvGrpSpPr>
-        <p:cNvPr id="1" name=""/>
-        <p:cNvGrpSpPr/>
-        <p:nvPr/>
-      </p:nvGrpSpPr>
-      <p:grpSpPr>
-        <a:xfrm>
-          <a:off x="0" y="0"/>
-          <a:ext cx="0" cy="0"/>
-          <a:chOff x="0" y="0"/>
-          <a:chExt cx="0" cy="0"/>
-        </a:xfrm>
-      </p:grpSpPr>
-      <p:sp>
-        <p:nvSpPr>
-          <p:cNvPr id="25" name="Rounded Rectangle 5"/>
-          <p:cNvSpPr/>
-          <p:nvPr/>
-        </p:nvSpPr>
-        <p:spPr>
-          <a:xfrm>
-            <a:off x="2843964" y="289931"/>
-            <a:ext cx="5943198" cy="1458695"/>
-          </a:xfrm>
-          <a:prstGeom prst="roundRect">
-            <a:avLst/>
-          </a:prstGeom>
-          <a:solidFill>
-            <a:schemeClr val="bg1"/>
-          </a:solidFill>
-          <a:ln cap="rnd">
-            <a:round/>
-          </a:ln>
-          <a:effectLst>
-            <a:outerShdw blurRad="50800" dist="38100" dir="2700000" algn="tl" rotWithShape="0">
-              <a:prstClr val="black">
-                <a:alpha val="40000"/>
-              </a:prstClr>
-            </a:outerShdw>
-          </a:effectLst>
-        </p:spPr>
-        <p:style>
-          <a:lnRef idx="2">
-            <a:schemeClr val="accent1">
-              <a:shade val="50000"/>
-            </a:schemeClr>
-          </a:lnRef>
-          <a:fillRef idx="1">
-            <a:schemeClr val="accent1"/>
-          </a:fillRef>
-          <a:effectRef idx="0">
-            <a:schemeClr val="accent1"/>
-          </a:effectRef>
-          <a:fontRef idx="minor">
-            <a:schemeClr val="lt1"/>
-          </a:fontRef>
-        </p:style>
-        <p:txBody>
-          <a:bodyPr rtlCol="0" anchor="ctr"/>
-          <a:lstStyle/>
-          <a:p>
-            <a:pPr algn="ctr"/>
-            <a:endParaRPr lang="en-AU" dirty="0">
-              <a:solidFill>
-                <a:schemeClr val="tx1"/>
-              </a:solidFill>
-            </a:endParaRPr>
-          </a:p>
-        </p:txBody>
-      </p:sp>
-      <p:cxnSp>
-        <p:nvCxnSpPr>
-          <p:cNvPr id="5" name="Elbow Connector 37"/>
-          <p:cNvCxnSpPr/>
-          <p:nvPr/>
-        </p:nvCxnSpPr>
-        <p:spPr>
-          <a:xfrm>
-            <a:off x="3400442" y="2543188"/>
-            <a:ext cx="1193979" cy="284832"/>
-          </a:xfrm>
-          <a:prstGeom prst="straightConnector1">
-            <a:avLst/>
-          </a:prstGeom>
-          <a:ln>
-            <a:tailEnd type="triangle"/>
-          </a:ln>
-        </p:spPr>
-        <p:style>
-          <a:lnRef idx="3">
-            <a:schemeClr val="dk1"/>
-          </a:lnRef>
-          <a:fillRef idx="0">
-            <a:schemeClr val="dk1"/>
-          </a:fillRef>
-          <a:effectRef idx="2">
-            <a:schemeClr val="dk1"/>
-          </a:effectRef>
-          <a:fontRef idx="minor">
-            <a:schemeClr val="tx1"/>
-          </a:fontRef>
-        </p:style>
-      </p:cxnSp>
-      <p:cxnSp>
-        <p:nvCxnSpPr>
-          <p:cNvPr id="6" name="Elbow Connector 37"/>
-          <p:cNvCxnSpPr/>
-          <p:nvPr/>
-        </p:nvCxnSpPr>
-        <p:spPr>
-          <a:xfrm flipH="1" flipV="1">
-            <a:off x="4444392" y="1412373"/>
-            <a:ext cx="539727" cy="1412146"/>
-          </a:xfrm>
-          <a:prstGeom prst="straightConnector1">
-            <a:avLst/>
-          </a:prstGeom>
-          <a:ln>
-            <a:tailEnd type="triangle"/>
-          </a:ln>
-        </p:spPr>
-        <p:style>
-          <a:lnRef idx="3">
-            <a:schemeClr val="dk1"/>
-          </a:lnRef>
-          <a:fillRef idx="0">
-            <a:schemeClr val="dk1"/>
-          </a:fillRef>
-          <a:effectRef idx="2">
-            <a:schemeClr val="dk1"/>
-          </a:effectRef>
-          <a:fontRef idx="minor">
-            <a:schemeClr val="tx1"/>
-          </a:fontRef>
-        </p:style>
-      </p:cxnSp>
-      <p:cxnSp>
-        <p:nvCxnSpPr>
-          <p:cNvPr id="7" name="Elbow Connector 37"/>
-          <p:cNvCxnSpPr/>
-          <p:nvPr/>
-        </p:nvCxnSpPr>
-        <p:spPr>
-          <a:xfrm flipH="1" flipV="1">
-            <a:off x="8050246" y="1916083"/>
-            <a:ext cx="309802" cy="909912"/>
-          </a:xfrm>
-          <a:prstGeom prst="straightConnector1">
-            <a:avLst/>
-          </a:prstGeom>
-          <a:ln>
-            <a:tailEnd type="triangle"/>
-          </a:ln>
-        </p:spPr>
-        <p:style>
-          <a:lnRef idx="3">
-            <a:schemeClr val="dk1"/>
-          </a:lnRef>
-          <a:fillRef idx="0">
-            <a:schemeClr val="dk1"/>
-          </a:fillRef>
-          <a:effectRef idx="2">
-            <a:schemeClr val="dk1"/>
-          </a:effectRef>
-          <a:fontRef idx="minor">
-            <a:schemeClr val="tx1"/>
-          </a:fontRef>
-        </p:style>
-      </p:cxnSp>
-      <p:cxnSp>
-        <p:nvCxnSpPr>
-          <p:cNvPr id="8" name="Elbow Connector 37"/>
-          <p:cNvCxnSpPr/>
-          <p:nvPr/>
-        </p:nvCxnSpPr>
-        <p:spPr>
-          <a:xfrm flipH="1" flipV="1">
-            <a:off x="6585385" y="3466824"/>
-            <a:ext cx="881830" cy="623201"/>
-          </a:xfrm>
-          <a:prstGeom prst="straightConnector1">
-            <a:avLst/>
-          </a:prstGeom>
-          <a:ln>
-            <a:tailEnd type="triangle"/>
-          </a:ln>
-        </p:spPr>
-        <p:style>
-          <a:lnRef idx="3">
-            <a:schemeClr val="dk1"/>
-          </a:lnRef>
-          <a:fillRef idx="0">
-            <a:schemeClr val="dk1"/>
-          </a:fillRef>
-          <a:effectRef idx="2">
-            <a:schemeClr val="dk1"/>
-          </a:effectRef>
-          <a:fontRef idx="minor">
-            <a:schemeClr val="tx1"/>
-          </a:fontRef>
-        </p:style>
-      </p:cxnSp>
-      <p:cxnSp>
-        <p:nvCxnSpPr>
-          <p:cNvPr id="9" name="Elbow Connector 37"/>
-          <p:cNvCxnSpPr/>
-          <p:nvPr/>
-        </p:nvCxnSpPr>
-        <p:spPr>
-          <a:xfrm flipH="1" flipV="1">
-            <a:off x="7600341" y="1916083"/>
-            <a:ext cx="269289" cy="909911"/>
-          </a:xfrm>
-          <a:prstGeom prst="straightConnector1">
-            <a:avLst/>
-          </a:prstGeom>
-          <a:ln>
-            <a:tailEnd type="triangle"/>
-          </a:ln>
-        </p:spPr>
-        <p:style>
-          <a:lnRef idx="3">
-            <a:schemeClr val="dk1"/>
-          </a:lnRef>
-          <a:fillRef idx="0">
-            <a:schemeClr val="dk1"/>
-          </a:fillRef>
-          <a:effectRef idx="2">
-            <a:schemeClr val="dk1"/>
-          </a:effectRef>
-          <a:fontRef idx="minor">
-            <a:schemeClr val="tx1"/>
-          </a:fontRef>
-        </p:style>
-      </p:cxnSp>
-      <p:cxnSp>
-        <p:nvCxnSpPr>
-          <p:cNvPr id="10" name="Elbow Connector 37"/>
-          <p:cNvCxnSpPr/>
-          <p:nvPr/>
-        </p:nvCxnSpPr>
-        <p:spPr>
-          <a:xfrm flipH="1" flipV="1">
-            <a:off x="3021024" y="3027622"/>
-            <a:ext cx="183310" cy="694167"/>
-          </a:xfrm>
-          <a:prstGeom prst="straightConnector1">
-            <a:avLst/>
-          </a:prstGeom>
-          <a:ln>
-            <a:tailEnd type="triangle"/>
-          </a:ln>
-        </p:spPr>
-        <p:style>
-          <a:lnRef idx="3">
-            <a:schemeClr val="dk1"/>
-          </a:lnRef>
-          <a:fillRef idx="0">
-            <a:schemeClr val="dk1"/>
-          </a:fillRef>
-          <a:effectRef idx="2">
-            <a:schemeClr val="dk1"/>
-          </a:effectRef>
-          <a:fontRef idx="minor">
-            <a:schemeClr val="tx1"/>
-          </a:fontRef>
-        </p:style>
-      </p:cxnSp>
-      <p:cxnSp>
-        <p:nvCxnSpPr>
-          <p:cNvPr id="11" name="Elbow Connector 37"/>
-          <p:cNvCxnSpPr/>
-          <p:nvPr/>
-        </p:nvCxnSpPr>
-        <p:spPr>
-          <a:xfrm flipV="1">
-            <a:off x="4015958" y="3280166"/>
-            <a:ext cx="578463" cy="441623"/>
-          </a:xfrm>
-          <a:prstGeom prst="straightConnector1">
-            <a:avLst/>
-          </a:prstGeom>
-          <a:ln>
-            <a:tailEnd type="triangle"/>
-          </a:ln>
-        </p:spPr>
-        <p:style>
-          <a:lnRef idx="3">
-            <a:schemeClr val="dk1"/>
-          </a:lnRef>
-          <a:fillRef idx="0">
-            <a:schemeClr val="dk1"/>
-          </a:fillRef>
-          <a:effectRef idx="2">
-            <a:schemeClr val="dk1"/>
-          </a:effectRef>
-          <a:fontRef idx="minor">
-            <a:schemeClr val="tx1"/>
-          </a:fontRef>
-        </p:style>
-      </p:cxnSp>
-      <p:cxnSp>
-        <p:nvCxnSpPr>
-          <p:cNvPr id="12" name="Elbow Connector 37"/>
-          <p:cNvCxnSpPr/>
-          <p:nvPr/>
-        </p:nvCxnSpPr>
-        <p:spPr>
-          <a:xfrm flipH="1" flipV="1">
-            <a:off x="5597639" y="3559757"/>
-            <a:ext cx="9536" cy="531342"/>
-          </a:xfrm>
-          <a:prstGeom prst="straightConnector1">
-            <a:avLst/>
-          </a:prstGeom>
-          <a:ln w="19050" cap="flat" cmpd="sng" algn="ctr">
-            <a:solidFill>
-              <a:schemeClr val="accent1"/>
-            </a:solidFill>
-            <a:prstDash val="dash"/>
-            <a:round/>
-            <a:headEnd type="none" w="med" len="med"/>
-            <a:tailEnd type="triangle" w="med" len="med"/>
-          </a:ln>
-        </p:spPr>
-        <p:style>
-          <a:lnRef idx="0">
-            <a:scrgbClr r="0" g="0" b="0"/>
-          </a:lnRef>
-          <a:fillRef idx="0">
-            <a:scrgbClr r="0" g="0" b="0"/>
-          </a:fillRef>
-          <a:effectRef idx="0">
-            <a:scrgbClr r="0" g="0" b="0"/>
-          </a:effectRef>
-          <a:fontRef idx="minor">
-            <a:schemeClr val="tx1"/>
-          </a:fontRef>
-        </p:style>
-      </p:cxnSp>
-      <p:cxnSp>
-        <p:nvCxnSpPr>
-          <p:cNvPr id="13" name="Elbow Connector 37"/>
-          <p:cNvCxnSpPr/>
-          <p:nvPr/>
-        </p:nvCxnSpPr>
-        <p:spPr>
-          <a:xfrm flipV="1">
-            <a:off x="8146411" y="3573286"/>
-            <a:ext cx="0" cy="516739"/>
-          </a:xfrm>
-          <a:prstGeom prst="straightConnector1">
-            <a:avLst/>
-          </a:prstGeom>
-          <a:ln>
-            <a:tailEnd type="triangle"/>
-          </a:ln>
-        </p:spPr>
-        <p:style>
-          <a:lnRef idx="3">
-            <a:schemeClr val="dk1"/>
-          </a:lnRef>
-          <a:fillRef idx="0">
-            <a:schemeClr val="dk1"/>
-          </a:fillRef>
-          <a:effectRef idx="2">
-            <a:schemeClr val="dk1"/>
-          </a:effectRef>
-          <a:fontRef idx="minor">
-            <a:schemeClr val="tx1"/>
-          </a:fontRef>
-        </p:style>
-      </p:cxnSp>
-      <p:sp>
-        <p:nvSpPr>
-          <p:cNvPr id="15" name="Rounded Rectangle 5"/>
-          <p:cNvSpPr/>
-          <p:nvPr/>
-        </p:nvSpPr>
-        <p:spPr>
-          <a:xfrm>
-            <a:off x="6868895" y="507481"/>
-            <a:ext cx="1694439" cy="728495"/>
-          </a:xfrm>
-          <a:prstGeom prst="roundRect">
-            <a:avLst/>
-          </a:prstGeom>
-          <a:solidFill>
-            <a:srgbClr val="CEE1F2"/>
-          </a:solidFill>
-          <a:ln cap="rnd">
-            <a:round/>
-          </a:ln>
-          <a:effectLst>
-            <a:outerShdw blurRad="50800" dist="38100" dir="2700000" algn="tl" rotWithShape="0">
-              <a:prstClr val="black">
-                <a:alpha val="40000"/>
-              </a:prstClr>
-            </a:outerShdw>
-          </a:effectLst>
-        </p:spPr>
-        <p:style>
-          <a:lnRef idx="2">
-            <a:schemeClr val="accent1">
-              <a:shade val="50000"/>
-            </a:schemeClr>
-          </a:lnRef>
-          <a:fillRef idx="1">
-            <a:schemeClr val="accent1"/>
-          </a:fillRef>
-          <a:effectRef idx="0">
-            <a:schemeClr val="accent1"/>
-          </a:effectRef>
-          <a:fontRef idx="minor">
-            <a:schemeClr val="lt1"/>
-          </a:fontRef>
-        </p:style>
-        <p:txBody>
-          <a:bodyPr rtlCol="0" anchor="ctr"/>
-          <a:lstStyle/>
-          <a:p>
-            <a:pPr algn="ctr"/>
-            <a:r>
-              <a:rPr lang="en-US" dirty="0">
-                <a:solidFill>
-                  <a:schemeClr val="tx1"/>
-                </a:solidFill>
-              </a:rPr>
-              <a:t>Organization</a:t>
-            </a:r>
-            <a:endParaRPr lang="en-AU" dirty="0">
-              <a:solidFill>
-                <a:schemeClr val="tx1"/>
-              </a:solidFill>
-            </a:endParaRPr>
-          </a:p>
-        </p:txBody>
-      </p:sp>
-      <p:cxnSp>
-        <p:nvCxnSpPr>
-          <p:cNvPr id="23" name="Elbow Connector 37"/>
-          <p:cNvCxnSpPr/>
-          <p:nvPr/>
-        </p:nvCxnSpPr>
-        <p:spPr>
-          <a:xfrm>
-            <a:off x="6302026" y="4268161"/>
-            <a:ext cx="809828" cy="0"/>
-          </a:xfrm>
-          <a:prstGeom prst="straightConnector1">
-            <a:avLst/>
-          </a:prstGeom>
-          <a:ln w="19050" cap="flat" cmpd="sng" algn="ctr">
-            <a:solidFill>
-              <a:schemeClr val="accent1"/>
-            </a:solidFill>
-            <a:prstDash val="dash"/>
-            <a:round/>
-            <a:headEnd type="none" w="med" len="med"/>
-            <a:tailEnd type="triangle" w="med" len="med"/>
-          </a:ln>
-        </p:spPr>
-        <p:style>
-          <a:lnRef idx="0">
-            <a:scrgbClr r="0" g="0" b="0"/>
-          </a:lnRef>
-          <a:fillRef idx="0">
-            <a:scrgbClr r="0" g="0" b="0"/>
-          </a:fillRef>
-          <a:effectRef idx="0">
-            <a:scrgbClr r="0" g="0" b="0"/>
-          </a:effectRef>
-          <a:fontRef idx="minor">
-            <a:schemeClr val="tx1"/>
-          </a:fontRef>
-        </p:style>
-      </p:cxnSp>
-      <p:sp>
-        <p:nvSpPr>
-          <p:cNvPr id="24" name="Rounded Rectangle 9"/>
-          <p:cNvSpPr/>
-          <p:nvPr/>
-        </p:nvSpPr>
-        <p:spPr>
-          <a:xfrm>
-            <a:off x="4750421" y="3903914"/>
-            <a:ext cx="1713508" cy="728495"/>
-          </a:xfrm>
-          <a:prstGeom prst="roundRect">
-            <a:avLst/>
-          </a:prstGeom>
-          <a:solidFill>
-            <a:schemeClr val="accent5">
-              <a:lumMod val="60000"/>
-              <a:lumOff val="40000"/>
-            </a:schemeClr>
-          </a:solidFill>
-          <a:ln>
-            <a:noFill/>
-          </a:ln>
-        </p:spPr>
-        <p:style>
-          <a:lnRef idx="0">
-            <a:scrgbClr r="0" g="0" b="0"/>
-          </a:lnRef>
-          <a:fillRef idx="0">
-            <a:scrgbClr r="0" g="0" b="0"/>
-          </a:fillRef>
-          <a:effectRef idx="0">
-            <a:scrgbClr r="0" g="0" b="0"/>
-          </a:effectRef>
-          <a:fontRef idx="minor">
-            <a:schemeClr val="lt1"/>
-          </a:fontRef>
-        </p:style>
-        <p:txBody>
-          <a:bodyPr rtlCol="0" anchor="ctr"/>
-          <a:lstStyle/>
-          <a:p>
-            <a:pPr algn="ctr"/>
-            <a:r>
-              <a:rPr lang="en-US" sz="1600" dirty="0"/>
-              <a:t>* Billable Item</a:t>
-            </a:r>
-            <a:endParaRPr lang="en-AU" sz="1600" dirty="0"/>
-          </a:p>
-        </p:txBody>
-      </p:sp>
-      <p:sp>
-        <p:nvSpPr>
-          <p:cNvPr id="26" name="Rounded Rectangle 5"/>
-          <p:cNvSpPr/>
-          <p:nvPr/>
-        </p:nvSpPr>
-        <p:spPr>
-          <a:xfrm>
-            <a:off x="3055981" y="514395"/>
-            <a:ext cx="1694439" cy="728495"/>
-          </a:xfrm>
-          <a:prstGeom prst="roundRect">
-            <a:avLst/>
-          </a:prstGeom>
-          <a:solidFill>
-            <a:srgbClr val="CEE1F2"/>
-          </a:solidFill>
-          <a:ln cap="rnd">
-            <a:round/>
-          </a:ln>
-          <a:effectLst>
-            <a:outerShdw blurRad="50800" dist="38100" dir="2700000" algn="tl" rotWithShape="0">
-              <a:prstClr val="black">
-                <a:alpha val="40000"/>
-              </a:prstClr>
-            </a:outerShdw>
-          </a:effectLst>
-        </p:spPr>
-        <p:style>
-          <a:lnRef idx="2">
-            <a:schemeClr val="accent1">
-              <a:shade val="50000"/>
-            </a:schemeClr>
-          </a:lnRef>
-          <a:fillRef idx="1">
-            <a:schemeClr val="accent1"/>
-          </a:fillRef>
-          <a:effectRef idx="0">
-            <a:schemeClr val="accent1"/>
-          </a:effectRef>
-          <a:fontRef idx="minor">
-            <a:schemeClr val="lt1"/>
-          </a:fontRef>
-        </p:style>
-        <p:txBody>
-          <a:bodyPr rtlCol="0" anchor="ctr"/>
-          <a:lstStyle/>
-          <a:p>
-            <a:pPr algn="ctr"/>
-            <a:r>
-              <a:rPr lang="en-US" dirty="0">
-                <a:solidFill>
-                  <a:schemeClr val="tx1"/>
-                </a:solidFill>
-              </a:rPr>
-              <a:t>Patient</a:t>
-            </a:r>
-            <a:endParaRPr lang="en-AU" dirty="0">
-              <a:solidFill>
-                <a:schemeClr val="tx1"/>
-              </a:solidFill>
-            </a:endParaRPr>
-          </a:p>
-        </p:txBody>
-      </p:sp>
-      <p:sp>
-        <p:nvSpPr>
-          <p:cNvPr id="27" name="Rounded Rectangle 5"/>
-          <p:cNvSpPr/>
-          <p:nvPr/>
-        </p:nvSpPr>
-        <p:spPr>
-          <a:xfrm>
-            <a:off x="4962438" y="506042"/>
-            <a:ext cx="1694439" cy="728495"/>
-          </a:xfrm>
-          <a:prstGeom prst="roundRect">
-            <a:avLst/>
-          </a:prstGeom>
-          <a:solidFill>
-            <a:srgbClr val="CEE1F2"/>
-          </a:solidFill>
-          <a:ln cap="rnd">
-            <a:round/>
-          </a:ln>
-          <a:effectLst>
-            <a:outerShdw blurRad="50800" dist="38100" dir="2700000" algn="tl" rotWithShape="0">
-              <a:prstClr val="black">
-                <a:alpha val="40000"/>
-              </a:prstClr>
-            </a:outerShdw>
-          </a:effectLst>
-        </p:spPr>
-        <p:style>
-          <a:lnRef idx="2">
-            <a:schemeClr val="accent1">
-              <a:shade val="50000"/>
-            </a:schemeClr>
-          </a:lnRef>
-          <a:fillRef idx="1">
-            <a:schemeClr val="accent1"/>
-          </a:fillRef>
-          <a:effectRef idx="0">
-            <a:schemeClr val="accent1"/>
-          </a:effectRef>
-          <a:fontRef idx="minor">
-            <a:schemeClr val="lt1"/>
-          </a:fontRef>
-        </p:style>
-        <p:txBody>
-          <a:bodyPr rtlCol="0" anchor="ctr"/>
-          <a:lstStyle/>
-          <a:p>
-            <a:pPr algn="ctr"/>
-            <a:r>
-              <a:rPr lang="en-US" dirty="0">
-                <a:solidFill>
-                  <a:schemeClr val="tx1"/>
-                </a:solidFill>
-              </a:rPr>
-              <a:t>RelatedPerson</a:t>
-            </a:r>
-            <a:endParaRPr lang="en-AU" dirty="0">
-              <a:solidFill>
-                <a:schemeClr val="tx1"/>
-              </a:solidFill>
-            </a:endParaRPr>
-          </a:p>
-        </p:txBody>
-      </p:sp>
-      <p:sp>
-        <p:nvSpPr>
-          <p:cNvPr id="28" name="Rounded Rectangle 6"/>
-          <p:cNvSpPr/>
-          <p:nvPr/>
-        </p:nvSpPr>
-        <p:spPr>
-          <a:xfrm>
-            <a:off x="4750420" y="2681420"/>
-            <a:ext cx="1694439" cy="728495"/>
-          </a:xfrm>
-          <a:prstGeom prst="roundRect">
-            <a:avLst/>
-          </a:prstGeom>
-          <a:solidFill>
-            <a:srgbClr val="CEE1F2"/>
-          </a:solidFill>
-          <a:ln cap="rnd">
-            <a:round/>
-          </a:ln>
-          <a:effectLst>
-            <a:outerShdw blurRad="50800" dist="38100" dir="2700000" algn="tl" rotWithShape="0">
-              <a:prstClr val="black">
-                <a:alpha val="40000"/>
-              </a:prstClr>
-            </a:outerShdw>
-          </a:effectLst>
-        </p:spPr>
-        <p:style>
-          <a:lnRef idx="2">
-            <a:schemeClr val="accent1">
-              <a:shade val="50000"/>
-            </a:schemeClr>
-          </a:lnRef>
-          <a:fillRef idx="1">
-            <a:schemeClr val="accent1"/>
-          </a:fillRef>
-          <a:effectRef idx="0">
-            <a:schemeClr val="accent1"/>
-          </a:effectRef>
-          <a:fontRef idx="minor">
-            <a:schemeClr val="lt1"/>
-          </a:fontRef>
-        </p:style>
-        <p:txBody>
-          <a:bodyPr rtlCol="0" anchor="ctr"/>
-          <a:lstStyle/>
-          <a:p>
-            <a:pPr algn="ctr"/>
-            <a:r>
-              <a:rPr lang="en-US" dirty="0">
-                <a:solidFill>
-                  <a:schemeClr val="tx1"/>
-                </a:solidFill>
-              </a:rPr>
-              <a:t>Account</a:t>
-            </a:r>
-          </a:p>
-        </p:txBody>
-      </p:sp>
-      <p:sp>
-        <p:nvSpPr>
-          <p:cNvPr id="30" name="Rounded Rectangle 6"/>
-          <p:cNvSpPr/>
-          <p:nvPr/>
-        </p:nvSpPr>
-        <p:spPr>
-          <a:xfrm>
-            <a:off x="7299192" y="3891929"/>
-            <a:ext cx="1694439" cy="728495"/>
-          </a:xfrm>
-          <a:prstGeom prst="roundRect">
-            <a:avLst/>
-          </a:prstGeom>
-          <a:solidFill>
-            <a:srgbClr val="CEE1F2"/>
-          </a:solidFill>
-          <a:ln cap="rnd">
-            <a:round/>
-          </a:ln>
-          <a:effectLst>
-            <a:outerShdw blurRad="50800" dist="38100" dir="2700000" algn="tl" rotWithShape="0">
-              <a:prstClr val="black">
-                <a:alpha val="40000"/>
-              </a:prstClr>
-            </a:outerShdw>
-          </a:effectLst>
-        </p:spPr>
-        <p:style>
-          <a:lnRef idx="2">
-            <a:schemeClr val="accent1">
-              <a:shade val="50000"/>
-            </a:schemeClr>
-          </a:lnRef>
-          <a:fillRef idx="1">
-            <a:schemeClr val="accent1"/>
-          </a:fillRef>
-          <a:effectRef idx="0">
-            <a:schemeClr val="accent1"/>
-          </a:effectRef>
-          <a:fontRef idx="minor">
-            <a:schemeClr val="lt1"/>
-          </a:fontRef>
-        </p:style>
-        <p:txBody>
-          <a:bodyPr rtlCol="0" anchor="ctr"/>
-          <a:lstStyle/>
-          <a:p>
-            <a:pPr algn="ctr"/>
-            <a:r>
-              <a:rPr lang="en-US" dirty="0">
-                <a:solidFill>
-                  <a:schemeClr val="tx1"/>
-                </a:solidFill>
-              </a:rPr>
-              <a:t>Claim</a:t>
-            </a:r>
-          </a:p>
-        </p:txBody>
-      </p:sp>
-      <p:cxnSp>
-        <p:nvCxnSpPr>
-          <p:cNvPr id="36" name="Elbow Connector 37"/>
-          <p:cNvCxnSpPr/>
-          <p:nvPr/>
-        </p:nvCxnSpPr>
-        <p:spPr>
-          <a:xfrm flipV="1">
-            <a:off x="3054979" y="1412373"/>
-            <a:ext cx="345463" cy="758098"/>
-          </a:xfrm>
-          <a:prstGeom prst="straightConnector1">
-            <a:avLst/>
-          </a:prstGeom>
-          <a:ln>
-            <a:tailEnd type="triangle"/>
-          </a:ln>
-        </p:spPr>
-        <p:style>
-          <a:lnRef idx="3">
-            <a:schemeClr val="dk1"/>
-          </a:lnRef>
-          <a:fillRef idx="0">
-            <a:schemeClr val="dk1"/>
-          </a:fillRef>
-          <a:effectRef idx="2">
-            <a:schemeClr val="dk1"/>
-          </a:effectRef>
-          <a:fontRef idx="minor">
-            <a:schemeClr val="tx1"/>
-          </a:fontRef>
-        </p:style>
-      </p:cxnSp>
-      <p:sp>
-        <p:nvSpPr>
-          <p:cNvPr id="16" name="Rounded Rectangle 6"/>
-          <p:cNvSpPr/>
-          <p:nvPr/>
-        </p:nvSpPr>
-        <p:spPr>
-          <a:xfrm>
-            <a:off x="1862961" y="2096024"/>
-            <a:ext cx="1694439" cy="728495"/>
-          </a:xfrm>
-          <a:prstGeom prst="roundRect">
-            <a:avLst/>
-          </a:prstGeom>
-          <a:solidFill>
-            <a:srgbClr val="CEE1F2"/>
-          </a:solidFill>
-          <a:ln cap="rnd">
-            <a:round/>
-          </a:ln>
-          <a:effectLst>
-            <a:outerShdw blurRad="50800" dist="38100" dir="2700000" algn="tl" rotWithShape="0">
-              <a:prstClr val="black">
-                <a:alpha val="40000"/>
-              </a:prstClr>
-            </a:outerShdw>
-          </a:effectLst>
-        </p:spPr>
-        <p:style>
-          <a:lnRef idx="2">
-            <a:schemeClr val="accent1">
-              <a:shade val="50000"/>
-            </a:schemeClr>
-          </a:lnRef>
-          <a:fillRef idx="1">
-            <a:schemeClr val="accent1"/>
-          </a:fillRef>
-          <a:effectRef idx="0">
-            <a:schemeClr val="accent1"/>
-          </a:effectRef>
-          <a:fontRef idx="minor">
-            <a:schemeClr val="lt1"/>
-          </a:fontRef>
-        </p:style>
-        <p:txBody>
-          <a:bodyPr rtlCol="0" anchor="ctr"/>
-          <a:lstStyle/>
-          <a:p>
-            <a:pPr algn="ctr"/>
-            <a:r>
-              <a:rPr lang="en-US" dirty="0">
-                <a:solidFill>
-                  <a:schemeClr val="tx1"/>
-                </a:solidFill>
-              </a:rPr>
-              <a:t>EpisodeOfCare</a:t>
-            </a:r>
-            <a:endParaRPr lang="en-AU" dirty="0">
-              <a:solidFill>
-                <a:schemeClr val="tx1"/>
-              </a:solidFill>
-            </a:endParaRPr>
-          </a:p>
-        </p:txBody>
-      </p:sp>
-      <p:sp>
-        <p:nvSpPr>
-          <p:cNvPr id="61" name="TextBox 60"/>
-          <p:cNvSpPr txBox="1"/>
-          <p:nvPr/>
-        </p:nvSpPr>
-        <p:spPr>
-          <a:xfrm>
-            <a:off x="7008228" y="2202608"/>
-            <a:ext cx="651717" cy="338554"/>
-          </a:xfrm>
-          <a:prstGeom prst="rect">
-            <a:avLst/>
-          </a:prstGeom>
-          <a:noFill/>
-        </p:spPr>
-        <p:txBody>
-          <a:bodyPr wrap="none" rtlCol="0">
-            <a:spAutoFit/>
-          </a:bodyPr>
-          <a:lstStyle/>
-          <a:p>
-            <a:r>
-              <a:rPr lang="en-US" sz="1600" dirty="0"/>
-              <a:t>Payor</a:t>
-            </a:r>
-          </a:p>
-        </p:txBody>
-      </p:sp>
-      <p:sp>
-        <p:nvSpPr>
-          <p:cNvPr id="62" name="TextBox 61"/>
-          <p:cNvSpPr txBox="1"/>
-          <p:nvPr/>
-        </p:nvSpPr>
-        <p:spPr>
-          <a:xfrm>
-            <a:off x="8256920" y="2202608"/>
-            <a:ext cx="1060483" cy="338554"/>
-          </a:xfrm>
-          <a:prstGeom prst="rect">
-            <a:avLst/>
-          </a:prstGeom>
-          <a:noFill/>
-        </p:spPr>
-        <p:txBody>
-          <a:bodyPr wrap="none" rtlCol="0">
-            <a:spAutoFit/>
-          </a:bodyPr>
-          <a:lstStyle/>
-          <a:p>
-            <a:r>
-              <a:rPr lang="en-US" sz="1600" dirty="0"/>
-              <a:t>Subscriber</a:t>
-            </a:r>
-          </a:p>
-        </p:txBody>
-      </p:sp>
-      <p:cxnSp>
-        <p:nvCxnSpPr>
-          <p:cNvPr id="75" name="Elbow Connector 37"/>
-          <p:cNvCxnSpPr/>
-          <p:nvPr/>
-        </p:nvCxnSpPr>
-        <p:spPr>
-          <a:xfrm flipV="1">
-            <a:off x="3847956" y="1465963"/>
-            <a:ext cx="55244" cy="2255826"/>
-          </a:xfrm>
-          <a:prstGeom prst="straightConnector1">
-            <a:avLst/>
-          </a:prstGeom>
-          <a:ln>
-            <a:tailEnd type="triangle"/>
-          </a:ln>
-        </p:spPr>
-        <p:style>
-          <a:lnRef idx="3">
-            <a:schemeClr val="dk1"/>
-          </a:lnRef>
-          <a:fillRef idx="0">
-            <a:schemeClr val="dk1"/>
-          </a:fillRef>
-          <a:effectRef idx="2">
-            <a:schemeClr val="dk1"/>
-          </a:effectRef>
-          <a:fontRef idx="minor">
-            <a:schemeClr val="tx1"/>
-          </a:fontRef>
-        </p:style>
-      </p:cxnSp>
-      <p:cxnSp>
-        <p:nvCxnSpPr>
-          <p:cNvPr id="77" name="Elbow Connector 37"/>
-          <p:cNvCxnSpPr/>
-          <p:nvPr/>
-        </p:nvCxnSpPr>
-        <p:spPr>
-          <a:xfrm flipH="1" flipV="1">
-            <a:off x="6600858" y="3033596"/>
-            <a:ext cx="805585" cy="5777"/>
-          </a:xfrm>
-          <a:prstGeom prst="straightConnector1">
-            <a:avLst/>
-          </a:prstGeom>
-          <a:ln>
-            <a:tailEnd type="triangle"/>
-          </a:ln>
-        </p:spPr>
-        <p:style>
-          <a:lnRef idx="3">
-            <a:schemeClr val="dk1"/>
-          </a:lnRef>
-          <a:fillRef idx="0">
-            <a:schemeClr val="dk1"/>
-          </a:fillRef>
-          <a:effectRef idx="2">
-            <a:schemeClr val="dk1"/>
-          </a:effectRef>
-          <a:fontRef idx="minor">
-            <a:schemeClr val="tx1"/>
-          </a:fontRef>
-        </p:style>
-      </p:cxnSp>
-      <p:sp>
-        <p:nvSpPr>
-          <p:cNvPr id="31" name="Rounded Rectangle 6"/>
-          <p:cNvSpPr/>
-          <p:nvPr/>
-        </p:nvSpPr>
-        <p:spPr>
-          <a:xfrm>
-            <a:off x="7219438" y="2663374"/>
-            <a:ext cx="1694439" cy="728495"/>
-          </a:xfrm>
-          <a:prstGeom prst="roundRect">
-            <a:avLst/>
-          </a:prstGeom>
-          <a:solidFill>
-            <a:srgbClr val="CEE1F2"/>
-          </a:solidFill>
-          <a:ln cap="rnd">
-            <a:round/>
-          </a:ln>
-          <a:effectLst>
-            <a:outerShdw blurRad="50800" dist="38100" dir="2700000" algn="tl" rotWithShape="0">
-              <a:prstClr val="black">
-                <a:alpha val="40000"/>
-              </a:prstClr>
-            </a:outerShdw>
-          </a:effectLst>
-        </p:spPr>
-        <p:style>
-          <a:lnRef idx="2">
-            <a:schemeClr val="accent1">
-              <a:shade val="50000"/>
-            </a:schemeClr>
-          </a:lnRef>
-          <a:fillRef idx="1">
-            <a:schemeClr val="accent1"/>
-          </a:fillRef>
-          <a:effectRef idx="0">
-            <a:schemeClr val="accent1"/>
-          </a:effectRef>
-          <a:fontRef idx="minor">
-            <a:schemeClr val="lt1"/>
-          </a:fontRef>
-        </p:style>
-        <p:txBody>
-          <a:bodyPr rtlCol="0" anchor="ctr"/>
-          <a:lstStyle/>
-          <a:p>
-            <a:pPr algn="ctr"/>
-            <a:r>
-              <a:rPr lang="en-US" dirty="0">
-                <a:solidFill>
-                  <a:schemeClr val="tx1"/>
-                </a:solidFill>
-              </a:rPr>
-              <a:t>Coverage</a:t>
-            </a:r>
-          </a:p>
-        </p:txBody>
-      </p:sp>
-      <p:sp>
-        <p:nvSpPr>
-          <p:cNvPr id="29" name="Rounded Rectangle 6"/>
-          <p:cNvSpPr/>
-          <p:nvPr/>
-        </p:nvSpPr>
-        <p:spPr>
-          <a:xfrm>
-            <a:off x="2412360" y="3520884"/>
-            <a:ext cx="1694439" cy="728495"/>
-          </a:xfrm>
-          <a:prstGeom prst="roundRect">
-            <a:avLst/>
-          </a:prstGeom>
-          <a:solidFill>
-            <a:srgbClr val="CEE1F2"/>
-          </a:solidFill>
-          <a:ln cap="rnd">
-            <a:round/>
-          </a:ln>
-          <a:effectLst>
-            <a:outerShdw blurRad="50800" dist="38100" dir="2700000" algn="tl" rotWithShape="0">
-              <a:prstClr val="black">
-                <a:alpha val="40000"/>
-              </a:prstClr>
-            </a:outerShdw>
-          </a:effectLst>
-        </p:spPr>
-        <p:style>
-          <a:lnRef idx="2">
-            <a:schemeClr val="accent1">
-              <a:shade val="50000"/>
-            </a:schemeClr>
-          </a:lnRef>
-          <a:fillRef idx="1">
-            <a:schemeClr val="accent1"/>
-          </a:fillRef>
-          <a:effectRef idx="0">
-            <a:schemeClr val="accent1"/>
-          </a:effectRef>
-          <a:fontRef idx="minor">
-            <a:schemeClr val="lt1"/>
-          </a:fontRef>
-        </p:style>
-        <p:txBody>
-          <a:bodyPr rtlCol="0" anchor="ctr"/>
-          <a:lstStyle/>
-          <a:p>
-            <a:pPr algn="ctr"/>
-            <a:r>
-              <a:rPr lang="en-US" dirty="0">
-                <a:solidFill>
-                  <a:schemeClr val="tx1"/>
-                </a:solidFill>
-              </a:rPr>
-              <a:t>Encounter</a:t>
-            </a:r>
-            <a:endParaRPr lang="en-AU" dirty="0">
-              <a:solidFill>
-                <a:schemeClr val="tx1"/>
-              </a:solidFill>
-            </a:endParaRPr>
-          </a:p>
-        </p:txBody>
-      </p:sp>
-    </p:spTree>
-    <p:extLst>
-      <p:ext uri="{BB962C8B-B14F-4D97-AF65-F5344CB8AC3E}">
-        <p14:creationId xmlns:p14="http://schemas.microsoft.com/office/powerpoint/2010/main" val="2069018942"/>
-      </p:ext>
-    </p:extLst>
-  </p:cSld>
-  <p:clrMapOvr>
-    <a:masterClrMapping/>
-  </p:clrMapOvr>
-</p:sld>
-</file>
-
 <file path=ppt/slides/slide4.xml><?xml version="1.0" encoding="utf-8"?>
 <p:sld xmlns:a="http://schemas.openxmlformats.org/drawingml/2006/main" xmlns:r="http://schemas.openxmlformats.org/officeDocument/2006/relationships" xmlns:p="http://schemas.openxmlformats.org/presentationml/2006/main" show="0">
   <p:cSld>
@@ -6893,8 +6338,8 @@
         </p:nvCxnSpPr>
         <p:spPr>
           <a:xfrm>
-            <a:off x="4435806" y="2633039"/>
-            <a:ext cx="526632" cy="160770"/>
+            <a:off x="3400442" y="2543188"/>
+            <a:ext cx="1193979" cy="284832"/>
           </a:xfrm>
           <a:prstGeom prst="straightConnector1">
             <a:avLst/>
@@ -6926,8 +6371,8 @@
         </p:nvCxnSpPr>
         <p:spPr>
           <a:xfrm flipH="1" flipV="1">
-            <a:off x="4409614" y="1450648"/>
-            <a:ext cx="918967" cy="1350687"/>
+            <a:off x="4444392" y="1412373"/>
+            <a:ext cx="539727" cy="1412146"/>
           </a:xfrm>
           <a:prstGeom prst="straightConnector1">
             <a:avLst/>
@@ -6959,7 +6404,7 @@
         </p:nvCxnSpPr>
         <p:spPr>
           <a:xfrm flipH="1" flipV="1">
-            <a:off x="8394707" y="1892899"/>
+            <a:off x="8050246" y="1916083"/>
             <a:ext cx="309802" cy="909912"/>
           </a:xfrm>
           <a:prstGeom prst="straightConnector1">
@@ -6992,7 +6437,7 @@
         </p:nvCxnSpPr>
         <p:spPr>
           <a:xfrm flipH="1" flipV="1">
-            <a:off x="6929846" y="3443640"/>
+            <a:off x="6585385" y="3466824"/>
             <a:ext cx="881830" cy="623201"/>
           </a:xfrm>
           <a:prstGeom prst="straightConnector1">
@@ -7025,7 +6470,7 @@
         </p:nvCxnSpPr>
         <p:spPr>
           <a:xfrm flipH="1" flipV="1">
-            <a:off x="7944802" y="1892899"/>
+            <a:off x="7600341" y="1916083"/>
             <a:ext cx="269289" cy="909911"/>
           </a:xfrm>
           <a:prstGeom prst="straightConnector1">
@@ -7057,9 +6502,9 @@
           <p:nvPr/>
         </p:nvCxnSpPr>
         <p:spPr>
-          <a:xfrm flipV="1">
-            <a:off x="3241379" y="3022484"/>
-            <a:ext cx="136928" cy="682129"/>
+          <a:xfrm flipH="1" flipV="1">
+            <a:off x="3021024" y="3027622"/>
+            <a:ext cx="183310" cy="694167"/>
           </a:xfrm>
           <a:prstGeom prst="straightConnector1">
             <a:avLst/>
@@ -7091,8 +6536,8 @@
         </p:nvCxnSpPr>
         <p:spPr>
           <a:xfrm flipV="1">
-            <a:off x="3654435" y="3273696"/>
-            <a:ext cx="1147519" cy="404527"/>
+            <a:off x="4015958" y="3280166"/>
+            <a:ext cx="578463" cy="441623"/>
           </a:xfrm>
           <a:prstGeom prst="straightConnector1">
             <a:avLst/>
@@ -7124,7 +6569,7 @@
         </p:nvCxnSpPr>
         <p:spPr>
           <a:xfrm flipH="1" flipV="1">
-            <a:off x="5942100" y="3536573"/>
+            <a:off x="5597639" y="3559757"/>
             <a:ext cx="9536" cy="531342"/>
           </a:xfrm>
           <a:prstGeom prst="straightConnector1">
@@ -7163,7 +6608,7 @@
         </p:nvCxnSpPr>
         <p:spPr>
           <a:xfrm flipV="1">
-            <a:off x="8490872" y="3550102"/>
+            <a:off x="8146411" y="3573286"/>
             <a:ext cx="0" cy="516739"/>
           </a:xfrm>
           <a:prstGeom prst="straightConnector1">
@@ -7261,7 +6706,7 @@
         </p:nvCxnSpPr>
         <p:spPr>
           <a:xfrm>
-            <a:off x="6646487" y="4244977"/>
+            <a:off x="6302026" y="4268161"/>
             <a:ext cx="809828" cy="0"/>
           </a:xfrm>
           <a:prstGeom prst="straightConnector1">
@@ -7300,7 +6745,7 @@
         </p:nvSpPr>
         <p:spPr>
           <a:xfrm>
-            <a:off x="5094882" y="3880730"/>
+            <a:off x="4750421" y="3903914"/>
             <a:ext cx="1713508" cy="728495"/>
           </a:xfrm>
           <a:prstGeom prst="roundRect">
@@ -7481,7 +6926,7 @@
         </p:nvSpPr>
         <p:spPr>
           <a:xfrm>
-            <a:off x="5094881" y="2658236"/>
+            <a:off x="4750420" y="2681420"/>
             <a:ext cx="1694439" cy="728495"/>
           </a:xfrm>
           <a:prstGeom prst="roundRect">
@@ -7541,7 +6986,7 @@
         </p:nvSpPr>
         <p:spPr>
           <a:xfrm>
-            <a:off x="7643653" y="3868745"/>
+            <a:off x="7299192" y="3891929"/>
             <a:ext cx="1694439" cy="728495"/>
           </a:xfrm>
           <a:prstGeom prst="roundRect">
@@ -7601,8 +7046,8 @@
         </p:nvCxnSpPr>
         <p:spPr>
           <a:xfrm flipV="1">
-            <a:off x="3735198" y="1403286"/>
-            <a:ext cx="112758" cy="944569"/>
+            <a:off x="3054979" y="1412373"/>
+            <a:ext cx="345463" cy="758098"/>
           </a:xfrm>
           <a:prstGeom prst="straightConnector1">
             <a:avLst/>
@@ -7634,7 +7079,7 @@
         </p:nvSpPr>
         <p:spPr>
           <a:xfrm>
-            <a:off x="2898325" y="2185875"/>
+            <a:off x="1862961" y="2096024"/>
             <a:ext cx="1694439" cy="728495"/>
           </a:xfrm>
           <a:prstGeom prst="roundRect">
@@ -7699,7 +7144,7 @@
         </p:nvSpPr>
         <p:spPr>
           <a:xfrm>
-            <a:off x="7352689" y="2179424"/>
+            <a:off x="7008228" y="2202608"/>
             <a:ext cx="651717" cy="338554"/>
           </a:xfrm>
           <a:prstGeom prst="rect">
@@ -7728,7 +7173,7 @@
         </p:nvSpPr>
         <p:spPr>
           <a:xfrm>
-            <a:off x="8601381" y="2179424"/>
+            <a:off x="8256920" y="2202608"/>
             <a:ext cx="1060483" cy="338554"/>
           </a:xfrm>
           <a:prstGeom prst="rect">
@@ -7757,8 +7202,8 @@
         </p:nvCxnSpPr>
         <p:spPr>
           <a:xfrm flipV="1">
-            <a:off x="2390503" y="1403286"/>
-            <a:ext cx="850876" cy="2040354"/>
+            <a:off x="3847956" y="1465963"/>
+            <a:ext cx="55244" cy="2255826"/>
           </a:xfrm>
           <a:prstGeom prst="straightConnector1">
             <a:avLst/>
@@ -7790,7 +7235,7 @@
         </p:nvCxnSpPr>
         <p:spPr>
           <a:xfrm flipH="1" flipV="1">
-            <a:off x="6945319" y="3010412"/>
+            <a:off x="6600858" y="3033596"/>
             <a:ext cx="805585" cy="5777"/>
           </a:xfrm>
           <a:prstGeom prst="straightConnector1">
@@ -7823,7 +7268,7 @@
         </p:nvSpPr>
         <p:spPr>
           <a:xfrm>
-            <a:off x="7563899" y="2640190"/>
+            <a:off x="7219438" y="2663374"/>
             <a:ext cx="1694439" cy="728495"/>
           </a:xfrm>
           <a:prstGeom prst="roundRect">
@@ -7883,7 +7328,7 @@
         </p:nvSpPr>
         <p:spPr>
           <a:xfrm>
-            <a:off x="2113491" y="3386731"/>
+            <a:off x="2412360" y="3520884"/>
             <a:ext cx="1694439" cy="728495"/>
           </a:xfrm>
           <a:prstGeom prst="roundRect">
@@ -7943,7 +7388,2603 @@
     </p:spTree>
     <p:extLst>
       <p:ext uri="{BB962C8B-B14F-4D97-AF65-F5344CB8AC3E}">
+        <p14:creationId xmlns:p14="http://schemas.microsoft.com/office/powerpoint/2010/main" val="2069018942"/>
+      </p:ext>
+    </p:extLst>
+  </p:cSld>
+  <p:clrMapOvr>
+    <a:masterClrMapping/>
+  </p:clrMapOvr>
+</p:sld>
+</file>
+
+<file path=ppt/slides/slide5.xml><?xml version="1.0" encoding="utf-8"?>
+<p:sld xmlns:a="http://schemas.openxmlformats.org/drawingml/2006/main" xmlns:r="http://schemas.openxmlformats.org/officeDocument/2006/relationships" xmlns:p="http://schemas.openxmlformats.org/presentationml/2006/main" show="0">
+  <p:cSld>
+    <p:spTree>
+      <p:nvGrpSpPr>
+        <p:cNvPr id="1" name=""/>
+        <p:cNvGrpSpPr/>
+        <p:nvPr/>
+      </p:nvGrpSpPr>
+      <p:grpSpPr>
+        <a:xfrm>
+          <a:off x="0" y="0"/>
+          <a:ext cx="0" cy="0"/>
+          <a:chOff x="0" y="0"/>
+          <a:chExt cx="0" cy="0"/>
+        </a:xfrm>
+      </p:grpSpPr>
+      <p:sp>
+        <p:nvSpPr>
+          <p:cNvPr id="25" name="Rounded Rectangle 5"/>
+          <p:cNvSpPr/>
+          <p:nvPr/>
+        </p:nvSpPr>
+        <p:spPr>
+          <a:xfrm>
+            <a:off x="2843964" y="289931"/>
+            <a:ext cx="5943198" cy="1458695"/>
+          </a:xfrm>
+          <a:prstGeom prst="roundRect">
+            <a:avLst/>
+          </a:prstGeom>
+          <a:solidFill>
+            <a:schemeClr val="bg1"/>
+          </a:solidFill>
+          <a:ln cap="rnd">
+            <a:round/>
+          </a:ln>
+          <a:effectLst>
+            <a:outerShdw blurRad="50800" dist="38100" dir="2700000" algn="tl" rotWithShape="0">
+              <a:prstClr val="black">
+                <a:alpha val="40000"/>
+              </a:prstClr>
+            </a:outerShdw>
+          </a:effectLst>
+        </p:spPr>
+        <p:style>
+          <a:lnRef idx="2">
+            <a:schemeClr val="accent1">
+              <a:shade val="50000"/>
+            </a:schemeClr>
+          </a:lnRef>
+          <a:fillRef idx="1">
+            <a:schemeClr val="accent1"/>
+          </a:fillRef>
+          <a:effectRef idx="0">
+            <a:schemeClr val="accent1"/>
+          </a:effectRef>
+          <a:fontRef idx="minor">
+            <a:schemeClr val="lt1"/>
+          </a:fontRef>
+        </p:style>
+        <p:txBody>
+          <a:bodyPr rtlCol="0" anchor="ctr"/>
+          <a:lstStyle/>
+          <a:p>
+            <a:pPr algn="ctr"/>
+            <a:endParaRPr lang="en-AU" dirty="0">
+              <a:solidFill>
+                <a:schemeClr val="tx1"/>
+              </a:solidFill>
+            </a:endParaRPr>
+          </a:p>
+        </p:txBody>
+      </p:sp>
+      <p:cxnSp>
+        <p:nvCxnSpPr>
+          <p:cNvPr id="5" name="Elbow Connector 37"/>
+          <p:cNvCxnSpPr/>
+          <p:nvPr/>
+        </p:nvCxnSpPr>
+        <p:spPr>
+          <a:xfrm>
+            <a:off x="4435806" y="2633039"/>
+            <a:ext cx="526632" cy="160770"/>
+          </a:xfrm>
+          <a:prstGeom prst="straightConnector1">
+            <a:avLst/>
+          </a:prstGeom>
+          <a:ln>
+            <a:tailEnd type="triangle"/>
+          </a:ln>
+        </p:spPr>
+        <p:style>
+          <a:lnRef idx="3">
+            <a:schemeClr val="dk1"/>
+          </a:lnRef>
+          <a:fillRef idx="0">
+            <a:schemeClr val="dk1"/>
+          </a:fillRef>
+          <a:effectRef idx="2">
+            <a:schemeClr val="dk1"/>
+          </a:effectRef>
+          <a:fontRef idx="minor">
+            <a:schemeClr val="tx1"/>
+          </a:fontRef>
+        </p:style>
+      </p:cxnSp>
+      <p:cxnSp>
+        <p:nvCxnSpPr>
+          <p:cNvPr id="6" name="Elbow Connector 37"/>
+          <p:cNvCxnSpPr/>
+          <p:nvPr/>
+        </p:nvCxnSpPr>
+        <p:spPr>
+          <a:xfrm flipH="1" flipV="1">
+            <a:off x="4409614" y="1450648"/>
+            <a:ext cx="918967" cy="1350687"/>
+          </a:xfrm>
+          <a:prstGeom prst="straightConnector1">
+            <a:avLst/>
+          </a:prstGeom>
+          <a:ln>
+            <a:tailEnd type="triangle"/>
+          </a:ln>
+        </p:spPr>
+        <p:style>
+          <a:lnRef idx="3">
+            <a:schemeClr val="dk1"/>
+          </a:lnRef>
+          <a:fillRef idx="0">
+            <a:schemeClr val="dk1"/>
+          </a:fillRef>
+          <a:effectRef idx="2">
+            <a:schemeClr val="dk1"/>
+          </a:effectRef>
+          <a:fontRef idx="minor">
+            <a:schemeClr val="tx1"/>
+          </a:fontRef>
+        </p:style>
+      </p:cxnSp>
+      <p:cxnSp>
+        <p:nvCxnSpPr>
+          <p:cNvPr id="7" name="Elbow Connector 37"/>
+          <p:cNvCxnSpPr/>
+          <p:nvPr/>
+        </p:nvCxnSpPr>
+        <p:spPr>
+          <a:xfrm flipH="1" flipV="1">
+            <a:off x="8394707" y="1892899"/>
+            <a:ext cx="309802" cy="909912"/>
+          </a:xfrm>
+          <a:prstGeom prst="straightConnector1">
+            <a:avLst/>
+          </a:prstGeom>
+          <a:ln>
+            <a:tailEnd type="triangle"/>
+          </a:ln>
+        </p:spPr>
+        <p:style>
+          <a:lnRef idx="3">
+            <a:schemeClr val="dk1"/>
+          </a:lnRef>
+          <a:fillRef idx="0">
+            <a:schemeClr val="dk1"/>
+          </a:fillRef>
+          <a:effectRef idx="2">
+            <a:schemeClr val="dk1"/>
+          </a:effectRef>
+          <a:fontRef idx="minor">
+            <a:schemeClr val="tx1"/>
+          </a:fontRef>
+        </p:style>
+      </p:cxnSp>
+      <p:cxnSp>
+        <p:nvCxnSpPr>
+          <p:cNvPr id="8" name="Elbow Connector 37"/>
+          <p:cNvCxnSpPr/>
+          <p:nvPr/>
+        </p:nvCxnSpPr>
+        <p:spPr>
+          <a:xfrm flipH="1" flipV="1">
+            <a:off x="6929846" y="3443640"/>
+            <a:ext cx="881830" cy="623201"/>
+          </a:xfrm>
+          <a:prstGeom prst="straightConnector1">
+            <a:avLst/>
+          </a:prstGeom>
+          <a:ln>
+            <a:tailEnd type="triangle"/>
+          </a:ln>
+        </p:spPr>
+        <p:style>
+          <a:lnRef idx="3">
+            <a:schemeClr val="dk1"/>
+          </a:lnRef>
+          <a:fillRef idx="0">
+            <a:schemeClr val="dk1"/>
+          </a:fillRef>
+          <a:effectRef idx="2">
+            <a:schemeClr val="dk1"/>
+          </a:effectRef>
+          <a:fontRef idx="minor">
+            <a:schemeClr val="tx1"/>
+          </a:fontRef>
+        </p:style>
+      </p:cxnSp>
+      <p:cxnSp>
+        <p:nvCxnSpPr>
+          <p:cNvPr id="9" name="Elbow Connector 37"/>
+          <p:cNvCxnSpPr/>
+          <p:nvPr/>
+        </p:nvCxnSpPr>
+        <p:spPr>
+          <a:xfrm flipH="1" flipV="1">
+            <a:off x="7944802" y="1892899"/>
+            <a:ext cx="269289" cy="909911"/>
+          </a:xfrm>
+          <a:prstGeom prst="straightConnector1">
+            <a:avLst/>
+          </a:prstGeom>
+          <a:ln>
+            <a:tailEnd type="triangle"/>
+          </a:ln>
+        </p:spPr>
+        <p:style>
+          <a:lnRef idx="3">
+            <a:schemeClr val="dk1"/>
+          </a:lnRef>
+          <a:fillRef idx="0">
+            <a:schemeClr val="dk1"/>
+          </a:fillRef>
+          <a:effectRef idx="2">
+            <a:schemeClr val="dk1"/>
+          </a:effectRef>
+          <a:fontRef idx="minor">
+            <a:schemeClr val="tx1"/>
+          </a:fontRef>
+        </p:style>
+      </p:cxnSp>
+      <p:cxnSp>
+        <p:nvCxnSpPr>
+          <p:cNvPr id="10" name="Elbow Connector 37"/>
+          <p:cNvCxnSpPr/>
+          <p:nvPr/>
+        </p:nvCxnSpPr>
+        <p:spPr>
+          <a:xfrm flipV="1">
+            <a:off x="3241379" y="3022484"/>
+            <a:ext cx="136928" cy="682129"/>
+          </a:xfrm>
+          <a:prstGeom prst="straightConnector1">
+            <a:avLst/>
+          </a:prstGeom>
+          <a:ln>
+            <a:tailEnd type="triangle"/>
+          </a:ln>
+        </p:spPr>
+        <p:style>
+          <a:lnRef idx="3">
+            <a:schemeClr val="dk1"/>
+          </a:lnRef>
+          <a:fillRef idx="0">
+            <a:schemeClr val="dk1"/>
+          </a:fillRef>
+          <a:effectRef idx="2">
+            <a:schemeClr val="dk1"/>
+          </a:effectRef>
+          <a:fontRef idx="minor">
+            <a:schemeClr val="tx1"/>
+          </a:fontRef>
+        </p:style>
+      </p:cxnSp>
+      <p:cxnSp>
+        <p:nvCxnSpPr>
+          <p:cNvPr id="11" name="Elbow Connector 37"/>
+          <p:cNvCxnSpPr/>
+          <p:nvPr/>
+        </p:nvCxnSpPr>
+        <p:spPr>
+          <a:xfrm flipV="1">
+            <a:off x="3654435" y="3273696"/>
+            <a:ext cx="1147519" cy="404527"/>
+          </a:xfrm>
+          <a:prstGeom prst="straightConnector1">
+            <a:avLst/>
+          </a:prstGeom>
+          <a:ln>
+            <a:tailEnd type="triangle"/>
+          </a:ln>
+        </p:spPr>
+        <p:style>
+          <a:lnRef idx="3">
+            <a:schemeClr val="dk1"/>
+          </a:lnRef>
+          <a:fillRef idx="0">
+            <a:schemeClr val="dk1"/>
+          </a:fillRef>
+          <a:effectRef idx="2">
+            <a:schemeClr val="dk1"/>
+          </a:effectRef>
+          <a:fontRef idx="minor">
+            <a:schemeClr val="tx1"/>
+          </a:fontRef>
+        </p:style>
+      </p:cxnSp>
+      <p:cxnSp>
+        <p:nvCxnSpPr>
+          <p:cNvPr id="12" name="Elbow Connector 37"/>
+          <p:cNvCxnSpPr/>
+          <p:nvPr/>
+        </p:nvCxnSpPr>
+        <p:spPr>
+          <a:xfrm flipH="1" flipV="1">
+            <a:off x="5942100" y="3536573"/>
+            <a:ext cx="9536" cy="531342"/>
+          </a:xfrm>
+          <a:prstGeom prst="straightConnector1">
+            <a:avLst/>
+          </a:prstGeom>
+          <a:ln w="19050" cap="flat" cmpd="sng" algn="ctr">
+            <a:solidFill>
+              <a:schemeClr val="accent1"/>
+            </a:solidFill>
+            <a:prstDash val="dash"/>
+            <a:round/>
+            <a:headEnd type="none" w="med" len="med"/>
+            <a:tailEnd type="triangle" w="med" len="med"/>
+          </a:ln>
+        </p:spPr>
+        <p:style>
+          <a:lnRef idx="0">
+            <a:scrgbClr r="0" g="0" b="0"/>
+          </a:lnRef>
+          <a:fillRef idx="0">
+            <a:scrgbClr r="0" g="0" b="0"/>
+          </a:fillRef>
+          <a:effectRef idx="0">
+            <a:scrgbClr r="0" g="0" b="0"/>
+          </a:effectRef>
+          <a:fontRef idx="minor">
+            <a:schemeClr val="tx1"/>
+          </a:fontRef>
+        </p:style>
+      </p:cxnSp>
+      <p:cxnSp>
+        <p:nvCxnSpPr>
+          <p:cNvPr id="13" name="Elbow Connector 37"/>
+          <p:cNvCxnSpPr/>
+          <p:nvPr/>
+        </p:nvCxnSpPr>
+        <p:spPr>
+          <a:xfrm flipV="1">
+            <a:off x="8490872" y="3550102"/>
+            <a:ext cx="0" cy="516739"/>
+          </a:xfrm>
+          <a:prstGeom prst="straightConnector1">
+            <a:avLst/>
+          </a:prstGeom>
+          <a:ln>
+            <a:tailEnd type="triangle"/>
+          </a:ln>
+        </p:spPr>
+        <p:style>
+          <a:lnRef idx="3">
+            <a:schemeClr val="dk1"/>
+          </a:lnRef>
+          <a:fillRef idx="0">
+            <a:schemeClr val="dk1"/>
+          </a:fillRef>
+          <a:effectRef idx="2">
+            <a:schemeClr val="dk1"/>
+          </a:effectRef>
+          <a:fontRef idx="minor">
+            <a:schemeClr val="tx1"/>
+          </a:fontRef>
+        </p:style>
+      </p:cxnSp>
+      <p:sp>
+        <p:nvSpPr>
+          <p:cNvPr id="15" name="Rounded Rectangle 5"/>
+          <p:cNvSpPr/>
+          <p:nvPr/>
+        </p:nvSpPr>
+        <p:spPr>
+          <a:xfrm>
+            <a:off x="6868895" y="507481"/>
+            <a:ext cx="1694439" cy="728495"/>
+          </a:xfrm>
+          <a:prstGeom prst="roundRect">
+            <a:avLst/>
+          </a:prstGeom>
+          <a:solidFill>
+            <a:srgbClr val="CEE1F2"/>
+          </a:solidFill>
+          <a:ln cap="rnd">
+            <a:round/>
+          </a:ln>
+          <a:effectLst>
+            <a:outerShdw blurRad="50800" dist="38100" dir="2700000" algn="tl" rotWithShape="0">
+              <a:prstClr val="black">
+                <a:alpha val="40000"/>
+              </a:prstClr>
+            </a:outerShdw>
+          </a:effectLst>
+        </p:spPr>
+        <p:style>
+          <a:lnRef idx="2">
+            <a:schemeClr val="accent1">
+              <a:shade val="50000"/>
+            </a:schemeClr>
+          </a:lnRef>
+          <a:fillRef idx="1">
+            <a:schemeClr val="accent1"/>
+          </a:fillRef>
+          <a:effectRef idx="0">
+            <a:schemeClr val="accent1"/>
+          </a:effectRef>
+          <a:fontRef idx="minor">
+            <a:schemeClr val="lt1"/>
+          </a:fontRef>
+        </p:style>
+        <p:txBody>
+          <a:bodyPr rtlCol="0" anchor="ctr"/>
+          <a:lstStyle/>
+          <a:p>
+            <a:pPr algn="ctr"/>
+            <a:r>
+              <a:rPr lang="en-US" dirty="0">
+                <a:solidFill>
+                  <a:schemeClr val="tx1"/>
+                </a:solidFill>
+              </a:rPr>
+              <a:t>Organization</a:t>
+            </a:r>
+            <a:endParaRPr lang="en-AU" dirty="0">
+              <a:solidFill>
+                <a:schemeClr val="tx1"/>
+              </a:solidFill>
+            </a:endParaRPr>
+          </a:p>
+        </p:txBody>
+      </p:sp>
+      <p:cxnSp>
+        <p:nvCxnSpPr>
+          <p:cNvPr id="23" name="Elbow Connector 37"/>
+          <p:cNvCxnSpPr/>
+          <p:nvPr/>
+        </p:nvCxnSpPr>
+        <p:spPr>
+          <a:xfrm>
+            <a:off x="6646487" y="4244977"/>
+            <a:ext cx="809828" cy="0"/>
+          </a:xfrm>
+          <a:prstGeom prst="straightConnector1">
+            <a:avLst/>
+          </a:prstGeom>
+          <a:ln w="19050" cap="flat" cmpd="sng" algn="ctr">
+            <a:solidFill>
+              <a:schemeClr val="accent1"/>
+            </a:solidFill>
+            <a:prstDash val="dash"/>
+            <a:round/>
+            <a:headEnd type="none" w="med" len="med"/>
+            <a:tailEnd type="triangle" w="med" len="med"/>
+          </a:ln>
+        </p:spPr>
+        <p:style>
+          <a:lnRef idx="0">
+            <a:scrgbClr r="0" g="0" b="0"/>
+          </a:lnRef>
+          <a:fillRef idx="0">
+            <a:scrgbClr r="0" g="0" b="0"/>
+          </a:fillRef>
+          <a:effectRef idx="0">
+            <a:scrgbClr r="0" g="0" b="0"/>
+          </a:effectRef>
+          <a:fontRef idx="minor">
+            <a:schemeClr val="tx1"/>
+          </a:fontRef>
+        </p:style>
+      </p:cxnSp>
+      <p:sp>
+        <p:nvSpPr>
+          <p:cNvPr id="24" name="Rounded Rectangle 9"/>
+          <p:cNvSpPr/>
+          <p:nvPr/>
+        </p:nvSpPr>
+        <p:spPr>
+          <a:xfrm>
+            <a:off x="5094882" y="3880730"/>
+            <a:ext cx="1713508" cy="728495"/>
+          </a:xfrm>
+          <a:prstGeom prst="roundRect">
+            <a:avLst/>
+          </a:prstGeom>
+          <a:solidFill>
+            <a:schemeClr val="accent5">
+              <a:lumMod val="60000"/>
+              <a:lumOff val="40000"/>
+            </a:schemeClr>
+          </a:solidFill>
+          <a:ln>
+            <a:noFill/>
+          </a:ln>
+        </p:spPr>
+        <p:style>
+          <a:lnRef idx="0">
+            <a:scrgbClr r="0" g="0" b="0"/>
+          </a:lnRef>
+          <a:fillRef idx="0">
+            <a:scrgbClr r="0" g="0" b="0"/>
+          </a:fillRef>
+          <a:effectRef idx="0">
+            <a:scrgbClr r="0" g="0" b="0"/>
+          </a:effectRef>
+          <a:fontRef idx="minor">
+            <a:schemeClr val="lt1"/>
+          </a:fontRef>
+        </p:style>
+        <p:txBody>
+          <a:bodyPr rtlCol="0" anchor="ctr"/>
+          <a:lstStyle/>
+          <a:p>
+            <a:pPr algn="ctr"/>
+            <a:r>
+              <a:rPr lang="en-US" sz="1600" dirty="0"/>
+              <a:t>* Billable Item</a:t>
+            </a:r>
+            <a:endParaRPr lang="en-AU" sz="1600" dirty="0"/>
+          </a:p>
+        </p:txBody>
+      </p:sp>
+      <p:sp>
+        <p:nvSpPr>
+          <p:cNvPr id="26" name="Rounded Rectangle 5"/>
+          <p:cNvSpPr/>
+          <p:nvPr/>
+        </p:nvSpPr>
+        <p:spPr>
+          <a:xfrm>
+            <a:off x="3055981" y="514395"/>
+            <a:ext cx="1694439" cy="728495"/>
+          </a:xfrm>
+          <a:prstGeom prst="roundRect">
+            <a:avLst/>
+          </a:prstGeom>
+          <a:solidFill>
+            <a:srgbClr val="CEE1F2"/>
+          </a:solidFill>
+          <a:ln cap="rnd">
+            <a:round/>
+          </a:ln>
+          <a:effectLst>
+            <a:outerShdw blurRad="50800" dist="38100" dir="2700000" algn="tl" rotWithShape="0">
+              <a:prstClr val="black">
+                <a:alpha val="40000"/>
+              </a:prstClr>
+            </a:outerShdw>
+          </a:effectLst>
+        </p:spPr>
+        <p:style>
+          <a:lnRef idx="2">
+            <a:schemeClr val="accent1">
+              <a:shade val="50000"/>
+            </a:schemeClr>
+          </a:lnRef>
+          <a:fillRef idx="1">
+            <a:schemeClr val="accent1"/>
+          </a:fillRef>
+          <a:effectRef idx="0">
+            <a:schemeClr val="accent1"/>
+          </a:effectRef>
+          <a:fontRef idx="minor">
+            <a:schemeClr val="lt1"/>
+          </a:fontRef>
+        </p:style>
+        <p:txBody>
+          <a:bodyPr rtlCol="0" anchor="ctr"/>
+          <a:lstStyle/>
+          <a:p>
+            <a:pPr algn="ctr"/>
+            <a:r>
+              <a:rPr lang="en-US" dirty="0">
+                <a:solidFill>
+                  <a:schemeClr val="tx1"/>
+                </a:solidFill>
+              </a:rPr>
+              <a:t>Patient</a:t>
+            </a:r>
+            <a:endParaRPr lang="en-AU" dirty="0">
+              <a:solidFill>
+                <a:schemeClr val="tx1"/>
+              </a:solidFill>
+            </a:endParaRPr>
+          </a:p>
+        </p:txBody>
+      </p:sp>
+      <p:sp>
+        <p:nvSpPr>
+          <p:cNvPr id="27" name="Rounded Rectangle 5"/>
+          <p:cNvSpPr/>
+          <p:nvPr/>
+        </p:nvSpPr>
+        <p:spPr>
+          <a:xfrm>
+            <a:off x="4962438" y="506042"/>
+            <a:ext cx="1694439" cy="728495"/>
+          </a:xfrm>
+          <a:prstGeom prst="roundRect">
+            <a:avLst/>
+          </a:prstGeom>
+          <a:solidFill>
+            <a:srgbClr val="CEE1F2"/>
+          </a:solidFill>
+          <a:ln cap="rnd">
+            <a:round/>
+          </a:ln>
+          <a:effectLst>
+            <a:outerShdw blurRad="50800" dist="38100" dir="2700000" algn="tl" rotWithShape="0">
+              <a:prstClr val="black">
+                <a:alpha val="40000"/>
+              </a:prstClr>
+            </a:outerShdw>
+          </a:effectLst>
+        </p:spPr>
+        <p:style>
+          <a:lnRef idx="2">
+            <a:schemeClr val="accent1">
+              <a:shade val="50000"/>
+            </a:schemeClr>
+          </a:lnRef>
+          <a:fillRef idx="1">
+            <a:schemeClr val="accent1"/>
+          </a:fillRef>
+          <a:effectRef idx="0">
+            <a:schemeClr val="accent1"/>
+          </a:effectRef>
+          <a:fontRef idx="minor">
+            <a:schemeClr val="lt1"/>
+          </a:fontRef>
+        </p:style>
+        <p:txBody>
+          <a:bodyPr rtlCol="0" anchor="ctr"/>
+          <a:lstStyle/>
+          <a:p>
+            <a:pPr algn="ctr"/>
+            <a:r>
+              <a:rPr lang="en-US" dirty="0">
+                <a:solidFill>
+                  <a:schemeClr val="tx1"/>
+                </a:solidFill>
+              </a:rPr>
+              <a:t>RelatedPerson</a:t>
+            </a:r>
+            <a:endParaRPr lang="en-AU" dirty="0">
+              <a:solidFill>
+                <a:schemeClr val="tx1"/>
+              </a:solidFill>
+            </a:endParaRPr>
+          </a:p>
+        </p:txBody>
+      </p:sp>
+      <p:sp>
+        <p:nvSpPr>
+          <p:cNvPr id="28" name="Rounded Rectangle 6"/>
+          <p:cNvSpPr/>
+          <p:nvPr/>
+        </p:nvSpPr>
+        <p:spPr>
+          <a:xfrm>
+            <a:off x="5094881" y="2658236"/>
+            <a:ext cx="1694439" cy="728495"/>
+          </a:xfrm>
+          <a:prstGeom prst="roundRect">
+            <a:avLst/>
+          </a:prstGeom>
+          <a:solidFill>
+            <a:srgbClr val="CEE1F2"/>
+          </a:solidFill>
+          <a:ln cap="rnd">
+            <a:round/>
+          </a:ln>
+          <a:effectLst>
+            <a:outerShdw blurRad="50800" dist="38100" dir="2700000" algn="tl" rotWithShape="0">
+              <a:prstClr val="black">
+                <a:alpha val="40000"/>
+              </a:prstClr>
+            </a:outerShdw>
+          </a:effectLst>
+        </p:spPr>
+        <p:style>
+          <a:lnRef idx="2">
+            <a:schemeClr val="accent1">
+              <a:shade val="50000"/>
+            </a:schemeClr>
+          </a:lnRef>
+          <a:fillRef idx="1">
+            <a:schemeClr val="accent1"/>
+          </a:fillRef>
+          <a:effectRef idx="0">
+            <a:schemeClr val="accent1"/>
+          </a:effectRef>
+          <a:fontRef idx="minor">
+            <a:schemeClr val="lt1"/>
+          </a:fontRef>
+        </p:style>
+        <p:txBody>
+          <a:bodyPr rtlCol="0" anchor="ctr"/>
+          <a:lstStyle/>
+          <a:p>
+            <a:pPr algn="ctr"/>
+            <a:r>
+              <a:rPr lang="en-US" dirty="0">
+                <a:solidFill>
+                  <a:schemeClr val="tx1"/>
+                </a:solidFill>
+              </a:rPr>
+              <a:t>Account</a:t>
+            </a:r>
+          </a:p>
+        </p:txBody>
+      </p:sp>
+      <p:sp>
+        <p:nvSpPr>
+          <p:cNvPr id="30" name="Rounded Rectangle 6"/>
+          <p:cNvSpPr/>
+          <p:nvPr/>
+        </p:nvSpPr>
+        <p:spPr>
+          <a:xfrm>
+            <a:off x="7643653" y="3868745"/>
+            <a:ext cx="1694439" cy="728495"/>
+          </a:xfrm>
+          <a:prstGeom prst="roundRect">
+            <a:avLst/>
+          </a:prstGeom>
+          <a:solidFill>
+            <a:srgbClr val="CEE1F2"/>
+          </a:solidFill>
+          <a:ln cap="rnd">
+            <a:round/>
+          </a:ln>
+          <a:effectLst>
+            <a:outerShdw blurRad="50800" dist="38100" dir="2700000" algn="tl" rotWithShape="0">
+              <a:prstClr val="black">
+                <a:alpha val="40000"/>
+              </a:prstClr>
+            </a:outerShdw>
+          </a:effectLst>
+        </p:spPr>
+        <p:style>
+          <a:lnRef idx="2">
+            <a:schemeClr val="accent1">
+              <a:shade val="50000"/>
+            </a:schemeClr>
+          </a:lnRef>
+          <a:fillRef idx="1">
+            <a:schemeClr val="accent1"/>
+          </a:fillRef>
+          <a:effectRef idx="0">
+            <a:schemeClr val="accent1"/>
+          </a:effectRef>
+          <a:fontRef idx="minor">
+            <a:schemeClr val="lt1"/>
+          </a:fontRef>
+        </p:style>
+        <p:txBody>
+          <a:bodyPr rtlCol="0" anchor="ctr"/>
+          <a:lstStyle/>
+          <a:p>
+            <a:pPr algn="ctr"/>
+            <a:r>
+              <a:rPr lang="en-US" dirty="0">
+                <a:solidFill>
+                  <a:schemeClr val="tx1"/>
+                </a:solidFill>
+              </a:rPr>
+              <a:t>Claim</a:t>
+            </a:r>
+          </a:p>
+        </p:txBody>
+      </p:sp>
+      <p:cxnSp>
+        <p:nvCxnSpPr>
+          <p:cNvPr id="36" name="Elbow Connector 37"/>
+          <p:cNvCxnSpPr/>
+          <p:nvPr/>
+        </p:nvCxnSpPr>
+        <p:spPr>
+          <a:xfrm flipV="1">
+            <a:off x="3735198" y="1403286"/>
+            <a:ext cx="112758" cy="944569"/>
+          </a:xfrm>
+          <a:prstGeom prst="straightConnector1">
+            <a:avLst/>
+          </a:prstGeom>
+          <a:ln>
+            <a:tailEnd type="triangle"/>
+          </a:ln>
+        </p:spPr>
+        <p:style>
+          <a:lnRef idx="3">
+            <a:schemeClr val="dk1"/>
+          </a:lnRef>
+          <a:fillRef idx="0">
+            <a:schemeClr val="dk1"/>
+          </a:fillRef>
+          <a:effectRef idx="2">
+            <a:schemeClr val="dk1"/>
+          </a:effectRef>
+          <a:fontRef idx="minor">
+            <a:schemeClr val="tx1"/>
+          </a:fontRef>
+        </p:style>
+      </p:cxnSp>
+      <p:sp>
+        <p:nvSpPr>
+          <p:cNvPr id="16" name="Rounded Rectangle 6"/>
+          <p:cNvSpPr/>
+          <p:nvPr/>
+        </p:nvSpPr>
+        <p:spPr>
+          <a:xfrm>
+            <a:off x="2898325" y="2185875"/>
+            <a:ext cx="1694439" cy="728495"/>
+          </a:xfrm>
+          <a:prstGeom prst="roundRect">
+            <a:avLst/>
+          </a:prstGeom>
+          <a:solidFill>
+            <a:srgbClr val="CEE1F2"/>
+          </a:solidFill>
+          <a:ln cap="rnd">
+            <a:round/>
+          </a:ln>
+          <a:effectLst>
+            <a:outerShdw blurRad="50800" dist="38100" dir="2700000" algn="tl" rotWithShape="0">
+              <a:prstClr val="black">
+                <a:alpha val="40000"/>
+              </a:prstClr>
+            </a:outerShdw>
+          </a:effectLst>
+        </p:spPr>
+        <p:style>
+          <a:lnRef idx="2">
+            <a:schemeClr val="accent1">
+              <a:shade val="50000"/>
+            </a:schemeClr>
+          </a:lnRef>
+          <a:fillRef idx="1">
+            <a:schemeClr val="accent1"/>
+          </a:fillRef>
+          <a:effectRef idx="0">
+            <a:schemeClr val="accent1"/>
+          </a:effectRef>
+          <a:fontRef idx="minor">
+            <a:schemeClr val="lt1"/>
+          </a:fontRef>
+        </p:style>
+        <p:txBody>
+          <a:bodyPr rtlCol="0" anchor="ctr"/>
+          <a:lstStyle/>
+          <a:p>
+            <a:pPr algn="ctr"/>
+            <a:r>
+              <a:rPr lang="en-US" dirty="0">
+                <a:solidFill>
+                  <a:schemeClr val="tx1"/>
+                </a:solidFill>
+              </a:rPr>
+              <a:t>EpisodeOfCare</a:t>
+            </a:r>
+            <a:endParaRPr lang="en-AU" dirty="0">
+              <a:solidFill>
+                <a:schemeClr val="tx1"/>
+              </a:solidFill>
+            </a:endParaRPr>
+          </a:p>
+        </p:txBody>
+      </p:sp>
+      <p:sp>
+        <p:nvSpPr>
+          <p:cNvPr id="61" name="TextBox 60"/>
+          <p:cNvSpPr txBox="1"/>
+          <p:nvPr/>
+        </p:nvSpPr>
+        <p:spPr>
+          <a:xfrm>
+            <a:off x="7352689" y="2179424"/>
+            <a:ext cx="651717" cy="338554"/>
+          </a:xfrm>
+          <a:prstGeom prst="rect">
+            <a:avLst/>
+          </a:prstGeom>
+          <a:noFill/>
+        </p:spPr>
+        <p:txBody>
+          <a:bodyPr wrap="none" rtlCol="0">
+            <a:spAutoFit/>
+          </a:bodyPr>
+          <a:lstStyle/>
+          <a:p>
+            <a:r>
+              <a:rPr lang="en-US" sz="1600" dirty="0"/>
+              <a:t>Payor</a:t>
+            </a:r>
+          </a:p>
+        </p:txBody>
+      </p:sp>
+      <p:sp>
+        <p:nvSpPr>
+          <p:cNvPr id="62" name="TextBox 61"/>
+          <p:cNvSpPr txBox="1"/>
+          <p:nvPr/>
+        </p:nvSpPr>
+        <p:spPr>
+          <a:xfrm>
+            <a:off x="8601381" y="2179424"/>
+            <a:ext cx="1060483" cy="338554"/>
+          </a:xfrm>
+          <a:prstGeom prst="rect">
+            <a:avLst/>
+          </a:prstGeom>
+          <a:noFill/>
+        </p:spPr>
+        <p:txBody>
+          <a:bodyPr wrap="none" rtlCol="0">
+            <a:spAutoFit/>
+          </a:bodyPr>
+          <a:lstStyle/>
+          <a:p>
+            <a:r>
+              <a:rPr lang="en-US" sz="1600" dirty="0"/>
+              <a:t>Subscriber</a:t>
+            </a:r>
+          </a:p>
+        </p:txBody>
+      </p:sp>
+      <p:cxnSp>
+        <p:nvCxnSpPr>
+          <p:cNvPr id="75" name="Elbow Connector 37"/>
+          <p:cNvCxnSpPr/>
+          <p:nvPr/>
+        </p:nvCxnSpPr>
+        <p:spPr>
+          <a:xfrm flipV="1">
+            <a:off x="2390503" y="1403286"/>
+            <a:ext cx="850876" cy="2040354"/>
+          </a:xfrm>
+          <a:prstGeom prst="straightConnector1">
+            <a:avLst/>
+          </a:prstGeom>
+          <a:ln>
+            <a:tailEnd type="triangle"/>
+          </a:ln>
+        </p:spPr>
+        <p:style>
+          <a:lnRef idx="3">
+            <a:schemeClr val="dk1"/>
+          </a:lnRef>
+          <a:fillRef idx="0">
+            <a:schemeClr val="dk1"/>
+          </a:fillRef>
+          <a:effectRef idx="2">
+            <a:schemeClr val="dk1"/>
+          </a:effectRef>
+          <a:fontRef idx="minor">
+            <a:schemeClr val="tx1"/>
+          </a:fontRef>
+        </p:style>
+      </p:cxnSp>
+      <p:cxnSp>
+        <p:nvCxnSpPr>
+          <p:cNvPr id="77" name="Elbow Connector 37"/>
+          <p:cNvCxnSpPr/>
+          <p:nvPr/>
+        </p:nvCxnSpPr>
+        <p:spPr>
+          <a:xfrm flipH="1" flipV="1">
+            <a:off x="6945319" y="3010412"/>
+            <a:ext cx="805585" cy="5777"/>
+          </a:xfrm>
+          <a:prstGeom prst="straightConnector1">
+            <a:avLst/>
+          </a:prstGeom>
+          <a:ln>
+            <a:tailEnd type="triangle"/>
+          </a:ln>
+        </p:spPr>
+        <p:style>
+          <a:lnRef idx="3">
+            <a:schemeClr val="dk1"/>
+          </a:lnRef>
+          <a:fillRef idx="0">
+            <a:schemeClr val="dk1"/>
+          </a:fillRef>
+          <a:effectRef idx="2">
+            <a:schemeClr val="dk1"/>
+          </a:effectRef>
+          <a:fontRef idx="minor">
+            <a:schemeClr val="tx1"/>
+          </a:fontRef>
+        </p:style>
+      </p:cxnSp>
+      <p:sp>
+        <p:nvSpPr>
+          <p:cNvPr id="31" name="Rounded Rectangle 6"/>
+          <p:cNvSpPr/>
+          <p:nvPr/>
+        </p:nvSpPr>
+        <p:spPr>
+          <a:xfrm>
+            <a:off x="7563899" y="2640190"/>
+            <a:ext cx="1694439" cy="728495"/>
+          </a:xfrm>
+          <a:prstGeom prst="roundRect">
+            <a:avLst/>
+          </a:prstGeom>
+          <a:solidFill>
+            <a:srgbClr val="CEE1F2"/>
+          </a:solidFill>
+          <a:ln cap="rnd">
+            <a:round/>
+          </a:ln>
+          <a:effectLst>
+            <a:outerShdw blurRad="50800" dist="38100" dir="2700000" algn="tl" rotWithShape="0">
+              <a:prstClr val="black">
+                <a:alpha val="40000"/>
+              </a:prstClr>
+            </a:outerShdw>
+          </a:effectLst>
+        </p:spPr>
+        <p:style>
+          <a:lnRef idx="2">
+            <a:schemeClr val="accent1">
+              <a:shade val="50000"/>
+            </a:schemeClr>
+          </a:lnRef>
+          <a:fillRef idx="1">
+            <a:schemeClr val="accent1"/>
+          </a:fillRef>
+          <a:effectRef idx="0">
+            <a:schemeClr val="accent1"/>
+          </a:effectRef>
+          <a:fontRef idx="minor">
+            <a:schemeClr val="lt1"/>
+          </a:fontRef>
+        </p:style>
+        <p:txBody>
+          <a:bodyPr rtlCol="0" anchor="ctr"/>
+          <a:lstStyle/>
+          <a:p>
+            <a:pPr algn="ctr"/>
+            <a:r>
+              <a:rPr lang="en-US" dirty="0">
+                <a:solidFill>
+                  <a:schemeClr val="tx1"/>
+                </a:solidFill>
+              </a:rPr>
+              <a:t>Coverage</a:t>
+            </a:r>
+          </a:p>
+        </p:txBody>
+      </p:sp>
+      <p:sp>
+        <p:nvSpPr>
+          <p:cNvPr id="29" name="Rounded Rectangle 6"/>
+          <p:cNvSpPr/>
+          <p:nvPr/>
+        </p:nvSpPr>
+        <p:spPr>
+          <a:xfrm>
+            <a:off x="2113491" y="3386731"/>
+            <a:ext cx="1694439" cy="728495"/>
+          </a:xfrm>
+          <a:prstGeom prst="roundRect">
+            <a:avLst/>
+          </a:prstGeom>
+          <a:solidFill>
+            <a:srgbClr val="CEE1F2"/>
+          </a:solidFill>
+          <a:ln cap="rnd">
+            <a:round/>
+          </a:ln>
+          <a:effectLst>
+            <a:outerShdw blurRad="50800" dist="38100" dir="2700000" algn="tl" rotWithShape="0">
+              <a:prstClr val="black">
+                <a:alpha val="40000"/>
+              </a:prstClr>
+            </a:outerShdw>
+          </a:effectLst>
+        </p:spPr>
+        <p:style>
+          <a:lnRef idx="2">
+            <a:schemeClr val="accent1">
+              <a:shade val="50000"/>
+            </a:schemeClr>
+          </a:lnRef>
+          <a:fillRef idx="1">
+            <a:schemeClr val="accent1"/>
+          </a:fillRef>
+          <a:effectRef idx="0">
+            <a:schemeClr val="accent1"/>
+          </a:effectRef>
+          <a:fontRef idx="minor">
+            <a:schemeClr val="lt1"/>
+          </a:fontRef>
+        </p:style>
+        <p:txBody>
+          <a:bodyPr rtlCol="0" anchor="ctr"/>
+          <a:lstStyle/>
+          <a:p>
+            <a:pPr algn="ctr"/>
+            <a:r>
+              <a:rPr lang="en-US" dirty="0">
+                <a:solidFill>
+                  <a:schemeClr val="tx1"/>
+                </a:solidFill>
+              </a:rPr>
+              <a:t>Encounter</a:t>
+            </a:r>
+            <a:endParaRPr lang="en-AU" dirty="0">
+              <a:solidFill>
+                <a:schemeClr val="tx1"/>
+              </a:solidFill>
+            </a:endParaRPr>
+          </a:p>
+        </p:txBody>
+      </p:sp>
+    </p:spTree>
+    <p:extLst>
+      <p:ext uri="{BB962C8B-B14F-4D97-AF65-F5344CB8AC3E}">
         <p14:creationId xmlns:p14="http://schemas.microsoft.com/office/powerpoint/2010/main" val="1484959961"/>
+      </p:ext>
+    </p:extLst>
+  </p:cSld>
+  <p:clrMapOvr>
+    <a:masterClrMapping/>
+  </p:clrMapOvr>
+</p:sld>
+</file>
+
+<file path=ppt/slides/slide6.xml><?xml version="1.0" encoding="utf-8"?>
+<p:sld xmlns:a="http://schemas.openxmlformats.org/drawingml/2006/main" xmlns:r="http://schemas.openxmlformats.org/officeDocument/2006/relationships" xmlns:p="http://schemas.openxmlformats.org/presentationml/2006/main">
+  <p:cSld>
+    <p:spTree>
+      <p:nvGrpSpPr>
+        <p:cNvPr id="1" name=""/>
+        <p:cNvGrpSpPr/>
+        <p:nvPr/>
+      </p:nvGrpSpPr>
+      <p:grpSpPr>
+        <a:xfrm>
+          <a:off x="0" y="0"/>
+          <a:ext cx="0" cy="0"/>
+          <a:chOff x="0" y="0"/>
+          <a:chExt cx="0" cy="0"/>
+        </a:xfrm>
+      </p:grpSpPr>
+      <p:sp>
+        <p:nvSpPr>
+          <p:cNvPr id="32" name="Rounded Rectangle 5"/>
+          <p:cNvSpPr/>
+          <p:nvPr/>
+        </p:nvSpPr>
+        <p:spPr>
+          <a:xfrm>
+            <a:off x="1140457" y="1574545"/>
+            <a:ext cx="8649148" cy="1240955"/>
+          </a:xfrm>
+          <a:prstGeom prst="roundRect">
+            <a:avLst/>
+          </a:prstGeom>
+          <a:solidFill>
+            <a:schemeClr val="bg1"/>
+          </a:solidFill>
+          <a:ln cap="rnd">
+            <a:round/>
+          </a:ln>
+          <a:effectLst>
+            <a:outerShdw blurRad="50800" dist="38100" dir="2700000" algn="tl" rotWithShape="0">
+              <a:prstClr val="black">
+                <a:alpha val="40000"/>
+              </a:prstClr>
+            </a:outerShdw>
+          </a:effectLst>
+        </p:spPr>
+        <p:style>
+          <a:lnRef idx="2">
+            <a:schemeClr val="accent1">
+              <a:shade val="50000"/>
+            </a:schemeClr>
+          </a:lnRef>
+          <a:fillRef idx="1">
+            <a:schemeClr val="accent1"/>
+          </a:fillRef>
+          <a:effectRef idx="0">
+            <a:schemeClr val="accent1"/>
+          </a:effectRef>
+          <a:fontRef idx="minor">
+            <a:schemeClr val="lt1"/>
+          </a:fontRef>
+        </p:style>
+        <p:txBody>
+          <a:bodyPr rtlCol="0" anchor="t" anchorCtr="0"/>
+          <a:lstStyle/>
+          <a:p>
+            <a:pPr algn="ctr"/>
+            <a:endParaRPr lang="en-AU" dirty="0">
+              <a:solidFill>
+                <a:schemeClr val="tx1"/>
+              </a:solidFill>
+            </a:endParaRPr>
+          </a:p>
+        </p:txBody>
+      </p:sp>
+      <p:cxnSp>
+        <p:nvCxnSpPr>
+          <p:cNvPr id="6" name="Elbow Connector 37"/>
+          <p:cNvCxnSpPr/>
+          <p:nvPr/>
+        </p:nvCxnSpPr>
+        <p:spPr>
+          <a:xfrm flipV="1">
+            <a:off x="1901212" y="2925295"/>
+            <a:ext cx="583449" cy="1194229"/>
+          </a:xfrm>
+          <a:prstGeom prst="straightConnector1">
+            <a:avLst/>
+          </a:prstGeom>
+          <a:ln>
+            <a:tailEnd type="triangle"/>
+          </a:ln>
+        </p:spPr>
+        <p:style>
+          <a:lnRef idx="3">
+            <a:schemeClr val="dk1"/>
+          </a:lnRef>
+          <a:fillRef idx="0">
+            <a:schemeClr val="dk1"/>
+          </a:fillRef>
+          <a:effectRef idx="2">
+            <a:schemeClr val="dk1"/>
+          </a:effectRef>
+          <a:fontRef idx="minor">
+            <a:schemeClr val="tx1"/>
+          </a:fontRef>
+        </p:style>
+      </p:cxnSp>
+      <p:cxnSp>
+        <p:nvCxnSpPr>
+          <p:cNvPr id="7" name="Elbow Connector 37"/>
+          <p:cNvCxnSpPr/>
+          <p:nvPr/>
+        </p:nvCxnSpPr>
+        <p:spPr>
+          <a:xfrm flipH="1" flipV="1">
+            <a:off x="4274368" y="4702537"/>
+            <a:ext cx="1" cy="567818"/>
+          </a:xfrm>
+          <a:prstGeom prst="straightConnector1">
+            <a:avLst/>
+          </a:prstGeom>
+          <a:ln>
+            <a:tailEnd type="triangle"/>
+          </a:ln>
+        </p:spPr>
+        <p:style>
+          <a:lnRef idx="3">
+            <a:schemeClr val="dk1"/>
+          </a:lnRef>
+          <a:fillRef idx="0">
+            <a:schemeClr val="dk1"/>
+          </a:fillRef>
+          <a:effectRef idx="2">
+            <a:schemeClr val="dk1"/>
+          </a:effectRef>
+          <a:fontRef idx="minor">
+            <a:schemeClr val="tx1"/>
+          </a:fontRef>
+        </p:style>
+      </p:cxnSp>
+      <p:cxnSp>
+        <p:nvCxnSpPr>
+          <p:cNvPr id="8" name="Elbow Connector 37"/>
+          <p:cNvCxnSpPr/>
+          <p:nvPr/>
+        </p:nvCxnSpPr>
+        <p:spPr>
+          <a:xfrm>
+            <a:off x="4926223" y="4367605"/>
+            <a:ext cx="1091140" cy="243297"/>
+          </a:xfrm>
+          <a:prstGeom prst="straightConnector1">
+            <a:avLst/>
+          </a:prstGeom>
+          <a:ln>
+            <a:tailEnd type="triangle"/>
+          </a:ln>
+        </p:spPr>
+        <p:style>
+          <a:lnRef idx="3">
+            <a:schemeClr val="dk1"/>
+          </a:lnRef>
+          <a:fillRef idx="0">
+            <a:schemeClr val="dk1"/>
+          </a:fillRef>
+          <a:effectRef idx="2">
+            <a:schemeClr val="dk1"/>
+          </a:effectRef>
+          <a:fontRef idx="minor">
+            <a:schemeClr val="tx1"/>
+          </a:fontRef>
+        </p:style>
+      </p:cxnSp>
+      <p:cxnSp>
+        <p:nvCxnSpPr>
+          <p:cNvPr id="10" name="Elbow Connector 37"/>
+          <p:cNvCxnSpPr/>
+          <p:nvPr/>
+        </p:nvCxnSpPr>
+        <p:spPr>
+          <a:xfrm flipV="1">
+            <a:off x="4913190" y="5112355"/>
+            <a:ext cx="1104173" cy="231224"/>
+          </a:xfrm>
+          <a:prstGeom prst="straightConnector1">
+            <a:avLst/>
+          </a:prstGeom>
+          <a:ln>
+            <a:tailEnd type="triangle"/>
+          </a:ln>
+        </p:spPr>
+        <p:style>
+          <a:lnRef idx="3">
+            <a:schemeClr val="dk1"/>
+          </a:lnRef>
+          <a:fillRef idx="0">
+            <a:schemeClr val="dk1"/>
+          </a:fillRef>
+          <a:effectRef idx="2">
+            <a:schemeClr val="dk1"/>
+          </a:effectRef>
+          <a:fontRef idx="minor">
+            <a:schemeClr val="tx1"/>
+          </a:fontRef>
+        </p:style>
+      </p:cxnSp>
+      <p:cxnSp>
+        <p:nvCxnSpPr>
+          <p:cNvPr id="12" name="Elbow Connector 37"/>
+          <p:cNvCxnSpPr/>
+          <p:nvPr/>
+        </p:nvCxnSpPr>
+        <p:spPr>
+          <a:xfrm flipH="1">
+            <a:off x="2712362" y="4366166"/>
+            <a:ext cx="878051" cy="686027"/>
+          </a:xfrm>
+          <a:prstGeom prst="straightConnector1">
+            <a:avLst/>
+          </a:prstGeom>
+          <a:ln>
+            <a:tailEnd type="triangle"/>
+          </a:ln>
+        </p:spPr>
+        <p:style>
+          <a:lnRef idx="3">
+            <a:schemeClr val="dk1"/>
+          </a:lnRef>
+          <a:fillRef idx="0">
+            <a:schemeClr val="dk1"/>
+          </a:fillRef>
+          <a:effectRef idx="2">
+            <a:schemeClr val="dk1"/>
+          </a:effectRef>
+          <a:fontRef idx="minor">
+            <a:schemeClr val="tx1"/>
+          </a:fontRef>
+        </p:style>
+      </p:cxnSp>
+      <p:cxnSp>
+        <p:nvCxnSpPr>
+          <p:cNvPr id="13" name="Elbow Connector 37"/>
+          <p:cNvCxnSpPr/>
+          <p:nvPr/>
+        </p:nvCxnSpPr>
+        <p:spPr>
+          <a:xfrm flipV="1">
+            <a:off x="1753992" y="4742698"/>
+            <a:ext cx="0" cy="485269"/>
+          </a:xfrm>
+          <a:prstGeom prst="straightConnector1">
+            <a:avLst/>
+          </a:prstGeom>
+          <a:ln>
+            <a:tailEnd type="triangle"/>
+          </a:ln>
+        </p:spPr>
+        <p:style>
+          <a:lnRef idx="3">
+            <a:schemeClr val="dk1"/>
+          </a:lnRef>
+          <a:fillRef idx="0">
+            <a:schemeClr val="dk1"/>
+          </a:fillRef>
+          <a:effectRef idx="2">
+            <a:schemeClr val="dk1"/>
+          </a:effectRef>
+          <a:fontRef idx="minor">
+            <a:schemeClr val="tx1"/>
+          </a:fontRef>
+        </p:style>
+      </p:cxnSp>
+      <p:sp>
+        <p:nvSpPr>
+          <p:cNvPr id="15" name="Rounded Rectangle 5"/>
+          <p:cNvSpPr/>
+          <p:nvPr/>
+        </p:nvSpPr>
+        <p:spPr>
+          <a:xfrm>
+            <a:off x="1343956" y="1806831"/>
+            <a:ext cx="1468649" cy="728495"/>
+          </a:xfrm>
+          <a:prstGeom prst="roundRect">
+            <a:avLst/>
+          </a:prstGeom>
+          <a:solidFill>
+            <a:srgbClr val="CEE1F2"/>
+          </a:solidFill>
+          <a:ln cap="rnd">
+            <a:round/>
+          </a:ln>
+          <a:effectLst>
+            <a:outerShdw blurRad="50800" dist="38100" dir="2700000" algn="tl" rotWithShape="0">
+              <a:prstClr val="black">
+                <a:alpha val="40000"/>
+              </a:prstClr>
+            </a:outerShdw>
+          </a:effectLst>
+        </p:spPr>
+        <p:style>
+          <a:lnRef idx="2">
+            <a:schemeClr val="accent1">
+              <a:shade val="50000"/>
+            </a:schemeClr>
+          </a:lnRef>
+          <a:fillRef idx="1">
+            <a:schemeClr val="accent1"/>
+          </a:fillRef>
+          <a:effectRef idx="0">
+            <a:schemeClr val="accent1"/>
+          </a:effectRef>
+          <a:fontRef idx="minor">
+            <a:schemeClr val="lt1"/>
+          </a:fontRef>
+        </p:style>
+        <p:txBody>
+          <a:bodyPr rtlCol="0" anchor="ctr"/>
+          <a:lstStyle/>
+          <a:p>
+            <a:pPr algn="ctr"/>
+            <a:r>
+              <a:rPr lang="en-US" dirty="0">
+                <a:solidFill>
+                  <a:schemeClr val="tx1"/>
+                </a:solidFill>
+              </a:rPr>
+              <a:t>Organization</a:t>
+            </a:r>
+            <a:endParaRPr lang="en-AU" dirty="0">
+              <a:solidFill>
+                <a:schemeClr val="tx1"/>
+              </a:solidFill>
+            </a:endParaRPr>
+          </a:p>
+        </p:txBody>
+      </p:sp>
+      <p:sp>
+        <p:nvSpPr>
+          <p:cNvPr id="16" name="Rounded Rectangle 6"/>
+          <p:cNvSpPr/>
+          <p:nvPr/>
+        </p:nvSpPr>
+        <p:spPr>
+          <a:xfrm>
+            <a:off x="2971573" y="1804145"/>
+            <a:ext cx="1468649" cy="728495"/>
+          </a:xfrm>
+          <a:prstGeom prst="roundRect">
+            <a:avLst/>
+          </a:prstGeom>
+          <a:solidFill>
+            <a:srgbClr val="CEE1F2"/>
+          </a:solidFill>
+          <a:ln cap="rnd">
+            <a:round/>
+          </a:ln>
+          <a:effectLst>
+            <a:outerShdw blurRad="50800" dist="38100" dir="2700000" algn="tl" rotWithShape="0">
+              <a:prstClr val="black">
+                <a:alpha val="40000"/>
+              </a:prstClr>
+            </a:outerShdw>
+          </a:effectLst>
+        </p:spPr>
+        <p:style>
+          <a:lnRef idx="2">
+            <a:schemeClr val="accent1">
+              <a:shade val="50000"/>
+            </a:schemeClr>
+          </a:lnRef>
+          <a:fillRef idx="1">
+            <a:schemeClr val="accent1"/>
+          </a:fillRef>
+          <a:effectRef idx="0">
+            <a:schemeClr val="accent1"/>
+          </a:effectRef>
+          <a:fontRef idx="minor">
+            <a:schemeClr val="lt1"/>
+          </a:fontRef>
+        </p:style>
+        <p:txBody>
+          <a:bodyPr rtlCol="0" anchor="ctr"/>
+          <a:lstStyle/>
+          <a:p>
+            <a:pPr algn="ctr"/>
+            <a:r>
+              <a:rPr lang="en-US" dirty="0">
+                <a:solidFill>
+                  <a:schemeClr val="tx1"/>
+                </a:solidFill>
+              </a:rPr>
+              <a:t>Location</a:t>
+            </a:r>
+            <a:endParaRPr lang="en-AU" dirty="0">
+              <a:solidFill>
+                <a:schemeClr val="tx1"/>
+              </a:solidFill>
+            </a:endParaRPr>
+          </a:p>
+        </p:txBody>
+      </p:sp>
+      <p:sp>
+        <p:nvSpPr>
+          <p:cNvPr id="17" name="Rounded Rectangle 7"/>
+          <p:cNvSpPr/>
+          <p:nvPr/>
+        </p:nvSpPr>
+        <p:spPr>
+          <a:xfrm>
+            <a:off x="4600406" y="1800552"/>
+            <a:ext cx="1468649" cy="728495"/>
+          </a:xfrm>
+          <a:prstGeom prst="roundRect">
+            <a:avLst/>
+          </a:prstGeom>
+          <a:solidFill>
+            <a:srgbClr val="CEE1F2"/>
+          </a:solidFill>
+          <a:ln cap="rnd">
+            <a:round/>
+          </a:ln>
+          <a:effectLst>
+            <a:outerShdw blurRad="50800" dist="38100" dir="2700000" algn="tl" rotWithShape="0">
+              <a:prstClr val="black">
+                <a:alpha val="40000"/>
+              </a:prstClr>
+            </a:outerShdw>
+          </a:effectLst>
+        </p:spPr>
+        <p:style>
+          <a:lnRef idx="2">
+            <a:schemeClr val="accent1">
+              <a:shade val="50000"/>
+            </a:schemeClr>
+          </a:lnRef>
+          <a:fillRef idx="1">
+            <a:schemeClr val="accent1"/>
+          </a:fillRef>
+          <a:effectRef idx="0">
+            <a:schemeClr val="accent1"/>
+          </a:effectRef>
+          <a:fontRef idx="minor">
+            <a:schemeClr val="lt1"/>
+          </a:fontRef>
+        </p:style>
+        <p:txBody>
+          <a:bodyPr rtlCol="0" anchor="ctr"/>
+          <a:lstStyle/>
+          <a:p>
+            <a:pPr algn="ctr"/>
+            <a:r>
+              <a:rPr lang="en-US" dirty="0">
+                <a:solidFill>
+                  <a:schemeClr val="tx1"/>
+                </a:solidFill>
+              </a:rPr>
+              <a:t>Practitioner</a:t>
+            </a:r>
+          </a:p>
+          <a:p>
+            <a:pPr algn="ctr"/>
+            <a:endParaRPr lang="en-AU" dirty="0">
+              <a:solidFill>
+                <a:schemeClr val="tx1"/>
+              </a:solidFill>
+            </a:endParaRPr>
+          </a:p>
+        </p:txBody>
+      </p:sp>
+      <p:sp>
+        <p:nvSpPr>
+          <p:cNvPr id="18" name="Rounded Rectangle 8"/>
+          <p:cNvSpPr/>
+          <p:nvPr/>
+        </p:nvSpPr>
+        <p:spPr>
+          <a:xfrm>
+            <a:off x="6228023" y="1800551"/>
+            <a:ext cx="1468649" cy="728495"/>
+          </a:xfrm>
+          <a:prstGeom prst="roundRect">
+            <a:avLst/>
+          </a:prstGeom>
+          <a:solidFill>
+            <a:srgbClr val="CEE1F2"/>
+          </a:solidFill>
+          <a:ln cap="rnd">
+            <a:round/>
+          </a:ln>
+          <a:effectLst>
+            <a:outerShdw blurRad="50800" dist="38100" dir="2700000" algn="tl" rotWithShape="0">
+              <a:prstClr val="black">
+                <a:alpha val="40000"/>
+              </a:prstClr>
+            </a:outerShdw>
+          </a:effectLst>
+        </p:spPr>
+        <p:style>
+          <a:lnRef idx="2">
+            <a:schemeClr val="accent1">
+              <a:shade val="50000"/>
+            </a:schemeClr>
+          </a:lnRef>
+          <a:fillRef idx="1">
+            <a:schemeClr val="accent1"/>
+          </a:fillRef>
+          <a:effectRef idx="0">
+            <a:schemeClr val="accent1"/>
+          </a:effectRef>
+          <a:fontRef idx="minor">
+            <a:schemeClr val="lt1"/>
+          </a:fontRef>
+        </p:style>
+        <p:txBody>
+          <a:bodyPr rtlCol="0" anchor="ctr"/>
+          <a:lstStyle/>
+          <a:p>
+            <a:pPr algn="ctr"/>
+            <a:r>
+              <a:rPr lang="en-US" dirty="0">
+                <a:solidFill>
+                  <a:schemeClr val="tx1"/>
+                </a:solidFill>
+              </a:rPr>
+              <a:t>Healthcare Service</a:t>
+            </a:r>
+            <a:endParaRPr lang="en-AU" dirty="0">
+              <a:solidFill>
+                <a:schemeClr val="tx1"/>
+              </a:solidFill>
+            </a:endParaRPr>
+          </a:p>
+        </p:txBody>
+      </p:sp>
+      <p:sp>
+        <p:nvSpPr>
+          <p:cNvPr id="19" name="Rounded Rectangle 36"/>
+          <p:cNvSpPr/>
+          <p:nvPr/>
+        </p:nvSpPr>
+        <p:spPr>
+          <a:xfrm>
+            <a:off x="5067589" y="2248837"/>
+            <a:ext cx="909353" cy="405321"/>
+          </a:xfrm>
+          <a:prstGeom prst="roundRect">
+            <a:avLst/>
+          </a:prstGeom>
+          <a:solidFill>
+            <a:srgbClr val="71A7D9"/>
+          </a:solidFill>
+          <a:ln cap="rnd">
+            <a:round/>
+          </a:ln>
+          <a:effectLst>
+            <a:outerShdw blurRad="50800" dist="38100" dir="2700000" algn="tl" rotWithShape="0">
+              <a:prstClr val="black">
+                <a:alpha val="40000"/>
+              </a:prstClr>
+            </a:outerShdw>
+          </a:effectLst>
+        </p:spPr>
+        <p:style>
+          <a:lnRef idx="2">
+            <a:schemeClr val="accent1">
+              <a:shade val="50000"/>
+            </a:schemeClr>
+          </a:lnRef>
+          <a:fillRef idx="1">
+            <a:schemeClr val="accent1"/>
+          </a:fillRef>
+          <a:effectRef idx="0">
+            <a:schemeClr val="accent1"/>
+          </a:effectRef>
+          <a:fontRef idx="minor">
+            <a:schemeClr val="lt1"/>
+          </a:fontRef>
+        </p:style>
+        <p:txBody>
+          <a:bodyPr rtlCol="0" anchor="ctr"/>
+          <a:lstStyle/>
+          <a:p>
+            <a:pPr algn="ctr"/>
+            <a:r>
+              <a:rPr lang="en-US" dirty="0">
+                <a:solidFill>
+                  <a:schemeClr val="tx1"/>
+                </a:solidFill>
+              </a:rPr>
+              <a:t>Role</a:t>
+            </a:r>
+          </a:p>
+        </p:txBody>
+      </p:sp>
+      <p:sp>
+        <p:nvSpPr>
+          <p:cNvPr id="2" name="Title 1"/>
+          <p:cNvSpPr>
+            <a:spLocks noGrp="1"/>
+          </p:cNvSpPr>
+          <p:nvPr>
+            <p:ph type="title"/>
+          </p:nvPr>
+        </p:nvSpPr>
+        <p:spPr/>
+        <p:txBody>
+          <a:bodyPr/>
+          <a:lstStyle/>
+          <a:p>
+            <a:r>
+              <a:rPr lang="en-AU" dirty="0"/>
+              <a:t>Scheduling</a:t>
+            </a:r>
+          </a:p>
+        </p:txBody>
+      </p:sp>
+      <p:sp>
+        <p:nvSpPr>
+          <p:cNvPr id="26" name="Rounded Rectangle 8"/>
+          <p:cNvSpPr/>
+          <p:nvPr/>
+        </p:nvSpPr>
+        <p:spPr>
+          <a:xfrm>
+            <a:off x="836194" y="3822245"/>
+            <a:ext cx="1691717" cy="728495"/>
+          </a:xfrm>
+          <a:prstGeom prst="roundRect">
+            <a:avLst/>
+          </a:prstGeom>
+          <a:solidFill>
+            <a:srgbClr val="CEE1F2"/>
+          </a:solidFill>
+          <a:ln cap="rnd">
+            <a:round/>
+          </a:ln>
+          <a:effectLst>
+            <a:outerShdw blurRad="50800" dist="38100" dir="2700000" algn="tl" rotWithShape="0">
+              <a:prstClr val="black">
+                <a:alpha val="40000"/>
+              </a:prstClr>
+            </a:outerShdw>
+          </a:effectLst>
+        </p:spPr>
+        <p:style>
+          <a:lnRef idx="2">
+            <a:schemeClr val="accent1">
+              <a:shade val="50000"/>
+            </a:schemeClr>
+          </a:lnRef>
+          <a:fillRef idx="1">
+            <a:schemeClr val="accent1"/>
+          </a:fillRef>
+          <a:effectRef idx="0">
+            <a:schemeClr val="accent1"/>
+          </a:effectRef>
+          <a:fontRef idx="minor">
+            <a:schemeClr val="lt1"/>
+          </a:fontRef>
+        </p:style>
+        <p:txBody>
+          <a:bodyPr rtlCol="0" anchor="ctr"/>
+          <a:lstStyle/>
+          <a:p>
+            <a:pPr algn="ctr"/>
+            <a:r>
+              <a:rPr lang="en-US" dirty="0">
+                <a:solidFill>
+                  <a:schemeClr val="tx1"/>
+                </a:solidFill>
+              </a:rPr>
+              <a:t>Schedule</a:t>
+            </a:r>
+            <a:endParaRPr lang="en-AU" dirty="0">
+              <a:solidFill>
+                <a:schemeClr val="tx1"/>
+              </a:solidFill>
+            </a:endParaRPr>
+          </a:p>
+        </p:txBody>
+      </p:sp>
+      <p:sp>
+        <p:nvSpPr>
+          <p:cNvPr id="27" name="Rounded Rectangle 5"/>
+          <p:cNvSpPr/>
+          <p:nvPr/>
+        </p:nvSpPr>
+        <p:spPr>
+          <a:xfrm>
+            <a:off x="6181139" y="3937299"/>
+            <a:ext cx="4004270" cy="2043184"/>
+          </a:xfrm>
+          <a:prstGeom prst="roundRect">
+            <a:avLst>
+              <a:gd name="adj" fmla="val 6072"/>
+            </a:avLst>
+          </a:prstGeom>
+          <a:solidFill>
+            <a:schemeClr val="bg1"/>
+          </a:solidFill>
+          <a:ln cap="rnd">
+            <a:round/>
+          </a:ln>
+          <a:effectLst>
+            <a:outerShdw blurRad="50800" dist="38100" dir="2700000" algn="tl" rotWithShape="0">
+              <a:prstClr val="black">
+                <a:alpha val="40000"/>
+              </a:prstClr>
+            </a:outerShdw>
+          </a:effectLst>
+        </p:spPr>
+        <p:style>
+          <a:lnRef idx="2">
+            <a:schemeClr val="accent1">
+              <a:shade val="50000"/>
+            </a:schemeClr>
+          </a:lnRef>
+          <a:fillRef idx="1">
+            <a:schemeClr val="accent1"/>
+          </a:fillRef>
+          <a:effectRef idx="0">
+            <a:schemeClr val="accent1"/>
+          </a:effectRef>
+          <a:fontRef idx="minor">
+            <a:schemeClr val="lt1"/>
+          </a:fontRef>
+        </p:style>
+        <p:txBody>
+          <a:bodyPr rtlCol="0" anchor="t" anchorCtr="0"/>
+          <a:lstStyle/>
+          <a:p>
+            <a:pPr algn="ctr"/>
+            <a:endParaRPr lang="en-AU" dirty="0">
+              <a:solidFill>
+                <a:schemeClr val="tx1"/>
+              </a:solidFill>
+            </a:endParaRPr>
+          </a:p>
+        </p:txBody>
+      </p:sp>
+      <p:sp>
+        <p:nvSpPr>
+          <p:cNvPr id="28" name="Rounded Rectangle 5"/>
+          <p:cNvSpPr/>
+          <p:nvPr/>
+        </p:nvSpPr>
+        <p:spPr>
+          <a:xfrm>
+            <a:off x="8273049" y="5055677"/>
+            <a:ext cx="1694439" cy="728495"/>
+          </a:xfrm>
+          <a:prstGeom prst="roundRect">
+            <a:avLst/>
+          </a:prstGeom>
+          <a:solidFill>
+            <a:srgbClr val="CEE1F2"/>
+          </a:solidFill>
+          <a:ln cap="rnd">
+            <a:round/>
+          </a:ln>
+          <a:effectLst>
+            <a:outerShdw blurRad="50800" dist="38100" dir="2700000" algn="tl" rotWithShape="0">
+              <a:prstClr val="black">
+                <a:alpha val="40000"/>
+              </a:prstClr>
+            </a:outerShdw>
+          </a:effectLst>
+        </p:spPr>
+        <p:style>
+          <a:lnRef idx="2">
+            <a:schemeClr val="accent1">
+              <a:shade val="50000"/>
+            </a:schemeClr>
+          </a:lnRef>
+          <a:fillRef idx="1">
+            <a:schemeClr val="accent1"/>
+          </a:fillRef>
+          <a:effectRef idx="0">
+            <a:schemeClr val="accent1"/>
+          </a:effectRef>
+          <a:fontRef idx="minor">
+            <a:schemeClr val="lt1"/>
+          </a:fontRef>
+        </p:style>
+        <p:txBody>
+          <a:bodyPr rtlCol="0" anchor="ctr"/>
+          <a:lstStyle/>
+          <a:p>
+            <a:pPr algn="ctr"/>
+            <a:r>
+              <a:rPr lang="en-US" dirty="0">
+                <a:solidFill>
+                  <a:schemeClr val="tx1"/>
+                </a:solidFill>
+              </a:rPr>
+              <a:t>Organization</a:t>
+            </a:r>
+            <a:endParaRPr lang="en-AU" dirty="0">
+              <a:solidFill>
+                <a:schemeClr val="tx1"/>
+              </a:solidFill>
+            </a:endParaRPr>
+          </a:p>
+        </p:txBody>
+      </p:sp>
+      <p:sp>
+        <p:nvSpPr>
+          <p:cNvPr id="29" name="Rounded Rectangle 5"/>
+          <p:cNvSpPr/>
+          <p:nvPr/>
+        </p:nvSpPr>
+        <p:spPr>
+          <a:xfrm>
+            <a:off x="6366591" y="4169281"/>
+            <a:ext cx="1694439" cy="728495"/>
+          </a:xfrm>
+          <a:prstGeom prst="roundRect">
+            <a:avLst/>
+          </a:prstGeom>
+          <a:solidFill>
+            <a:srgbClr val="CEE1F2"/>
+          </a:solidFill>
+          <a:ln cap="rnd">
+            <a:round/>
+          </a:ln>
+          <a:effectLst>
+            <a:outerShdw blurRad="50800" dist="38100" dir="2700000" algn="tl" rotWithShape="0">
+              <a:prstClr val="black">
+                <a:alpha val="40000"/>
+              </a:prstClr>
+            </a:outerShdw>
+          </a:effectLst>
+        </p:spPr>
+        <p:style>
+          <a:lnRef idx="2">
+            <a:schemeClr val="accent1">
+              <a:shade val="50000"/>
+            </a:schemeClr>
+          </a:lnRef>
+          <a:fillRef idx="1">
+            <a:schemeClr val="accent1"/>
+          </a:fillRef>
+          <a:effectRef idx="0">
+            <a:schemeClr val="accent1"/>
+          </a:effectRef>
+          <a:fontRef idx="minor">
+            <a:schemeClr val="lt1"/>
+          </a:fontRef>
+        </p:style>
+        <p:txBody>
+          <a:bodyPr rtlCol="0" anchor="ctr"/>
+          <a:lstStyle/>
+          <a:p>
+            <a:pPr algn="ctr"/>
+            <a:r>
+              <a:rPr lang="en-US" dirty="0">
+                <a:solidFill>
+                  <a:schemeClr val="tx1"/>
+                </a:solidFill>
+              </a:rPr>
+              <a:t>Patient</a:t>
+            </a:r>
+            <a:endParaRPr lang="en-AU" dirty="0">
+              <a:solidFill>
+                <a:schemeClr val="tx1"/>
+              </a:solidFill>
+            </a:endParaRPr>
+          </a:p>
+        </p:txBody>
+      </p:sp>
+      <p:sp>
+        <p:nvSpPr>
+          <p:cNvPr id="30" name="Rounded Rectangle 5"/>
+          <p:cNvSpPr/>
+          <p:nvPr/>
+        </p:nvSpPr>
+        <p:spPr>
+          <a:xfrm>
+            <a:off x="6366592" y="5054238"/>
+            <a:ext cx="1694439" cy="728495"/>
+          </a:xfrm>
+          <a:prstGeom prst="roundRect">
+            <a:avLst/>
+          </a:prstGeom>
+          <a:solidFill>
+            <a:srgbClr val="CEE1F2"/>
+          </a:solidFill>
+          <a:ln cap="rnd">
+            <a:round/>
+          </a:ln>
+          <a:effectLst>
+            <a:outerShdw blurRad="50800" dist="38100" dir="2700000" algn="tl" rotWithShape="0">
+              <a:prstClr val="black">
+                <a:alpha val="40000"/>
+              </a:prstClr>
+            </a:outerShdw>
+          </a:effectLst>
+        </p:spPr>
+        <p:style>
+          <a:lnRef idx="2">
+            <a:schemeClr val="accent1">
+              <a:shade val="50000"/>
+            </a:schemeClr>
+          </a:lnRef>
+          <a:fillRef idx="1">
+            <a:schemeClr val="accent1"/>
+          </a:fillRef>
+          <a:effectRef idx="0">
+            <a:schemeClr val="accent1"/>
+          </a:effectRef>
+          <a:fontRef idx="minor">
+            <a:schemeClr val="lt1"/>
+          </a:fontRef>
+        </p:style>
+        <p:txBody>
+          <a:bodyPr rtlCol="0" anchor="ctr"/>
+          <a:lstStyle/>
+          <a:p>
+            <a:pPr algn="ctr"/>
+            <a:r>
+              <a:rPr lang="en-US" dirty="0">
+                <a:solidFill>
+                  <a:schemeClr val="tx1"/>
+                </a:solidFill>
+              </a:rPr>
+              <a:t>RelatedPerson</a:t>
+            </a:r>
+            <a:endParaRPr lang="en-AU" dirty="0">
+              <a:solidFill>
+                <a:schemeClr val="tx1"/>
+              </a:solidFill>
+            </a:endParaRPr>
+          </a:p>
+        </p:txBody>
+      </p:sp>
+      <p:sp>
+        <p:nvSpPr>
+          <p:cNvPr id="31" name="Rounded Rectangle 7"/>
+          <p:cNvSpPr/>
+          <p:nvPr/>
+        </p:nvSpPr>
+        <p:spPr>
+          <a:xfrm>
+            <a:off x="8245481" y="4169281"/>
+            <a:ext cx="1722007" cy="728495"/>
+          </a:xfrm>
+          <a:prstGeom prst="roundRect">
+            <a:avLst/>
+          </a:prstGeom>
+          <a:solidFill>
+            <a:srgbClr val="CEE1F2"/>
+          </a:solidFill>
+          <a:ln cap="rnd">
+            <a:round/>
+          </a:ln>
+          <a:effectLst>
+            <a:outerShdw blurRad="50800" dist="38100" dir="2700000" algn="tl" rotWithShape="0">
+              <a:prstClr val="black">
+                <a:alpha val="40000"/>
+              </a:prstClr>
+            </a:outerShdw>
+          </a:effectLst>
+        </p:spPr>
+        <p:style>
+          <a:lnRef idx="2">
+            <a:schemeClr val="accent1">
+              <a:shade val="50000"/>
+            </a:schemeClr>
+          </a:lnRef>
+          <a:fillRef idx="1">
+            <a:schemeClr val="accent1"/>
+          </a:fillRef>
+          <a:effectRef idx="0">
+            <a:schemeClr val="accent1"/>
+          </a:effectRef>
+          <a:fontRef idx="minor">
+            <a:schemeClr val="lt1"/>
+          </a:fontRef>
+        </p:style>
+        <p:txBody>
+          <a:bodyPr rtlCol="0" anchor="ctr"/>
+          <a:lstStyle/>
+          <a:p>
+            <a:pPr algn="ctr"/>
+            <a:r>
+              <a:rPr lang="en-US" dirty="0">
+                <a:solidFill>
+                  <a:schemeClr val="tx1"/>
+                </a:solidFill>
+              </a:rPr>
+              <a:t>Practitioner</a:t>
+            </a:r>
+          </a:p>
+        </p:txBody>
+      </p:sp>
+      <p:sp>
+        <p:nvSpPr>
+          <p:cNvPr id="33" name="Rounded Rectangle 5"/>
+          <p:cNvSpPr/>
+          <p:nvPr/>
+        </p:nvSpPr>
+        <p:spPr>
+          <a:xfrm>
+            <a:off x="7855640" y="1808949"/>
+            <a:ext cx="1694439" cy="728495"/>
+          </a:xfrm>
+          <a:prstGeom prst="roundRect">
+            <a:avLst/>
+          </a:prstGeom>
+          <a:solidFill>
+            <a:srgbClr val="CEE1F2"/>
+          </a:solidFill>
+          <a:ln cap="rnd">
+            <a:round/>
+          </a:ln>
+          <a:effectLst>
+            <a:outerShdw blurRad="50800" dist="38100" dir="2700000" algn="tl" rotWithShape="0">
+              <a:prstClr val="black">
+                <a:alpha val="40000"/>
+              </a:prstClr>
+            </a:outerShdw>
+          </a:effectLst>
+        </p:spPr>
+        <p:style>
+          <a:lnRef idx="2">
+            <a:schemeClr val="accent1">
+              <a:shade val="50000"/>
+            </a:schemeClr>
+          </a:lnRef>
+          <a:fillRef idx="1">
+            <a:schemeClr val="accent1"/>
+          </a:fillRef>
+          <a:effectRef idx="0">
+            <a:schemeClr val="accent1"/>
+          </a:effectRef>
+          <a:fontRef idx="minor">
+            <a:schemeClr val="lt1"/>
+          </a:fontRef>
+        </p:style>
+        <p:txBody>
+          <a:bodyPr rtlCol="0" anchor="ctr"/>
+          <a:lstStyle/>
+          <a:p>
+            <a:pPr algn="ctr"/>
+            <a:r>
+              <a:rPr lang="en-US" dirty="0">
+                <a:solidFill>
+                  <a:schemeClr val="tx1"/>
+                </a:solidFill>
+              </a:rPr>
+              <a:t>Patient</a:t>
+            </a:r>
+            <a:endParaRPr lang="en-AU" dirty="0">
+              <a:solidFill>
+                <a:schemeClr val="tx1"/>
+              </a:solidFill>
+            </a:endParaRPr>
+          </a:p>
+        </p:txBody>
+      </p:sp>
+      <p:sp>
+        <p:nvSpPr>
+          <p:cNvPr id="34" name="Rounded Rectangle 8"/>
+          <p:cNvSpPr/>
+          <p:nvPr/>
+        </p:nvSpPr>
+        <p:spPr>
+          <a:xfrm>
+            <a:off x="907979" y="5055677"/>
+            <a:ext cx="1692027" cy="728495"/>
+          </a:xfrm>
+          <a:prstGeom prst="roundRect">
+            <a:avLst/>
+          </a:prstGeom>
+          <a:solidFill>
+            <a:srgbClr val="CEE1F2"/>
+          </a:solidFill>
+          <a:ln cap="rnd">
+            <a:round/>
+          </a:ln>
+          <a:effectLst>
+            <a:outerShdw blurRad="50800" dist="38100" dir="2700000" algn="tl" rotWithShape="0">
+              <a:prstClr val="black">
+                <a:alpha val="40000"/>
+              </a:prstClr>
+            </a:outerShdw>
+          </a:effectLst>
+        </p:spPr>
+        <p:style>
+          <a:lnRef idx="2">
+            <a:schemeClr val="accent1">
+              <a:shade val="50000"/>
+            </a:schemeClr>
+          </a:lnRef>
+          <a:fillRef idx="1">
+            <a:schemeClr val="accent1"/>
+          </a:fillRef>
+          <a:effectRef idx="0">
+            <a:schemeClr val="accent1"/>
+          </a:effectRef>
+          <a:fontRef idx="minor">
+            <a:schemeClr val="lt1"/>
+          </a:fontRef>
+        </p:style>
+        <p:txBody>
+          <a:bodyPr rtlCol="0" anchor="ctr"/>
+          <a:lstStyle/>
+          <a:p>
+            <a:pPr algn="ctr"/>
+            <a:r>
+              <a:rPr lang="en-US" dirty="0">
+                <a:solidFill>
+                  <a:schemeClr val="tx1"/>
+                </a:solidFill>
+              </a:rPr>
+              <a:t>Slot</a:t>
+            </a:r>
+            <a:endParaRPr lang="en-AU" dirty="0">
+              <a:solidFill>
+                <a:schemeClr val="tx1"/>
+              </a:solidFill>
+            </a:endParaRPr>
+          </a:p>
+        </p:txBody>
+      </p:sp>
+      <p:sp>
+        <p:nvSpPr>
+          <p:cNvPr id="35" name="Rounded Rectangle 8"/>
+          <p:cNvSpPr/>
+          <p:nvPr/>
+        </p:nvSpPr>
+        <p:spPr>
+          <a:xfrm>
+            <a:off x="3379052" y="3822245"/>
+            <a:ext cx="1688537" cy="728495"/>
+          </a:xfrm>
+          <a:prstGeom prst="roundRect">
+            <a:avLst/>
+          </a:prstGeom>
+          <a:solidFill>
+            <a:srgbClr val="CEE1F2"/>
+          </a:solidFill>
+          <a:ln cap="rnd">
+            <a:round/>
+          </a:ln>
+          <a:effectLst>
+            <a:outerShdw blurRad="50800" dist="38100" dir="2700000" algn="tl" rotWithShape="0">
+              <a:prstClr val="black">
+                <a:alpha val="40000"/>
+              </a:prstClr>
+            </a:outerShdw>
+          </a:effectLst>
+        </p:spPr>
+        <p:style>
+          <a:lnRef idx="2">
+            <a:schemeClr val="accent1">
+              <a:shade val="50000"/>
+            </a:schemeClr>
+          </a:lnRef>
+          <a:fillRef idx="1">
+            <a:schemeClr val="accent1"/>
+          </a:fillRef>
+          <a:effectRef idx="0">
+            <a:schemeClr val="accent1"/>
+          </a:effectRef>
+          <a:fontRef idx="minor">
+            <a:schemeClr val="lt1"/>
+          </a:fontRef>
+        </p:style>
+        <p:txBody>
+          <a:bodyPr rtlCol="0" anchor="ctr"/>
+          <a:lstStyle/>
+          <a:p>
+            <a:pPr algn="ctr"/>
+            <a:r>
+              <a:rPr lang="en-US" dirty="0">
+                <a:solidFill>
+                  <a:schemeClr val="tx1"/>
+                </a:solidFill>
+              </a:rPr>
+              <a:t>Appointment</a:t>
+            </a:r>
+            <a:endParaRPr lang="en-AU" dirty="0">
+              <a:solidFill>
+                <a:schemeClr val="tx1"/>
+              </a:solidFill>
+            </a:endParaRPr>
+          </a:p>
+        </p:txBody>
+      </p:sp>
+      <p:sp>
+        <p:nvSpPr>
+          <p:cNvPr id="36" name="Rounded Rectangle 8"/>
+          <p:cNvSpPr/>
+          <p:nvPr/>
+        </p:nvSpPr>
+        <p:spPr>
+          <a:xfrm>
+            <a:off x="3430100" y="5052193"/>
+            <a:ext cx="1688537" cy="728495"/>
+          </a:xfrm>
+          <a:prstGeom prst="roundRect">
+            <a:avLst/>
+          </a:prstGeom>
+          <a:solidFill>
+            <a:srgbClr val="CEE1F2"/>
+          </a:solidFill>
+          <a:ln cap="rnd">
+            <a:round/>
+          </a:ln>
+          <a:effectLst>
+            <a:outerShdw blurRad="50800" dist="38100" dir="2700000" algn="tl" rotWithShape="0">
+              <a:prstClr val="black">
+                <a:alpha val="40000"/>
+              </a:prstClr>
+            </a:outerShdw>
+          </a:effectLst>
+        </p:spPr>
+        <p:style>
+          <a:lnRef idx="2">
+            <a:schemeClr val="accent1">
+              <a:shade val="50000"/>
+            </a:schemeClr>
+          </a:lnRef>
+          <a:fillRef idx="1">
+            <a:schemeClr val="accent1"/>
+          </a:fillRef>
+          <a:effectRef idx="0">
+            <a:schemeClr val="accent1"/>
+          </a:effectRef>
+          <a:fontRef idx="minor">
+            <a:schemeClr val="lt1"/>
+          </a:fontRef>
+        </p:style>
+        <p:txBody>
+          <a:bodyPr rtlCol="0" anchor="ctr"/>
+          <a:lstStyle/>
+          <a:p>
+            <a:pPr algn="ctr"/>
+            <a:r>
+              <a:rPr lang="en-US" dirty="0">
+                <a:solidFill>
+                  <a:schemeClr val="tx1"/>
+                </a:solidFill>
+              </a:rPr>
+              <a:t>Appointment Response</a:t>
+            </a:r>
+            <a:endParaRPr lang="en-AU" dirty="0">
+              <a:solidFill>
+                <a:schemeClr val="tx1"/>
+              </a:solidFill>
+            </a:endParaRPr>
+          </a:p>
+        </p:txBody>
+      </p:sp>
+      <p:sp>
+        <p:nvSpPr>
+          <p:cNvPr id="57" name="TextBox 56"/>
+          <p:cNvSpPr txBox="1"/>
+          <p:nvPr/>
+        </p:nvSpPr>
+        <p:spPr>
+          <a:xfrm>
+            <a:off x="1026128" y="3148031"/>
+            <a:ext cx="1225528" cy="338554"/>
+          </a:xfrm>
+          <a:prstGeom prst="rect">
+            <a:avLst/>
+          </a:prstGeom>
+          <a:noFill/>
+        </p:spPr>
+        <p:txBody>
+          <a:bodyPr wrap="none" rtlCol="0">
+            <a:spAutoFit/>
+          </a:bodyPr>
+          <a:lstStyle/>
+          <a:p>
+            <a:r>
+              <a:rPr lang="en-US" sz="1600" dirty="0"/>
+              <a:t>Schedule for</a:t>
+            </a:r>
+          </a:p>
+        </p:txBody>
+      </p:sp>
+      <p:sp>
+        <p:nvSpPr>
+          <p:cNvPr id="58" name="TextBox 57"/>
+          <p:cNvSpPr txBox="1"/>
+          <p:nvPr/>
+        </p:nvSpPr>
+        <p:spPr>
+          <a:xfrm>
+            <a:off x="4965678" y="4690017"/>
+            <a:ext cx="1164165" cy="338554"/>
+          </a:xfrm>
+          <a:prstGeom prst="rect">
+            <a:avLst/>
+          </a:prstGeom>
+          <a:noFill/>
+        </p:spPr>
+        <p:txBody>
+          <a:bodyPr wrap="none" rtlCol="0">
+            <a:spAutoFit/>
+          </a:bodyPr>
+          <a:lstStyle/>
+          <a:p>
+            <a:r>
+              <a:rPr lang="en-US" sz="1600" dirty="0"/>
+              <a:t>Participants</a:t>
+            </a:r>
+          </a:p>
+        </p:txBody>
+      </p:sp>
+      <p:cxnSp>
+        <p:nvCxnSpPr>
+          <p:cNvPr id="60" name="Elbow Connector 37"/>
+          <p:cNvCxnSpPr/>
+          <p:nvPr/>
+        </p:nvCxnSpPr>
+        <p:spPr>
+          <a:xfrm flipH="1">
+            <a:off x="5228217" y="3486585"/>
+            <a:ext cx="2108498" cy="385332"/>
+          </a:xfrm>
+          <a:prstGeom prst="straightConnector1">
+            <a:avLst/>
+          </a:prstGeom>
+          <a:ln>
+            <a:tailEnd type="triangle"/>
+          </a:ln>
+        </p:spPr>
+        <p:style>
+          <a:lnRef idx="3">
+            <a:schemeClr val="dk1"/>
+          </a:lnRef>
+          <a:fillRef idx="0">
+            <a:schemeClr val="dk1"/>
+          </a:fillRef>
+          <a:effectRef idx="2">
+            <a:schemeClr val="dk1"/>
+          </a:effectRef>
+          <a:fontRef idx="minor">
+            <a:schemeClr val="tx1"/>
+          </a:fontRef>
+        </p:style>
+      </p:cxnSp>
+      <p:sp>
+        <p:nvSpPr>
+          <p:cNvPr id="59" name="Rounded Rectangle 8"/>
+          <p:cNvSpPr/>
+          <p:nvPr/>
+        </p:nvSpPr>
+        <p:spPr>
+          <a:xfrm>
+            <a:off x="7213810" y="2997588"/>
+            <a:ext cx="1692027" cy="728495"/>
+          </a:xfrm>
+          <a:prstGeom prst="roundRect">
+            <a:avLst/>
+          </a:prstGeom>
+          <a:solidFill>
+            <a:srgbClr val="CEE1F2"/>
+          </a:solidFill>
+          <a:ln cap="rnd">
+            <a:round/>
+          </a:ln>
+          <a:effectLst>
+            <a:outerShdw blurRad="50800" dist="38100" dir="2700000" algn="tl" rotWithShape="0">
+              <a:prstClr val="black">
+                <a:alpha val="40000"/>
+              </a:prstClr>
+            </a:outerShdw>
+          </a:effectLst>
+        </p:spPr>
+        <p:style>
+          <a:lnRef idx="2">
+            <a:schemeClr val="accent1">
+              <a:shade val="50000"/>
+            </a:schemeClr>
+          </a:lnRef>
+          <a:fillRef idx="1">
+            <a:schemeClr val="accent1"/>
+          </a:fillRef>
+          <a:effectRef idx="0">
+            <a:schemeClr val="accent1"/>
+          </a:effectRef>
+          <a:fontRef idx="minor">
+            <a:schemeClr val="lt1"/>
+          </a:fontRef>
+        </p:style>
+        <p:txBody>
+          <a:bodyPr rtlCol="0" anchor="ctr"/>
+          <a:lstStyle/>
+          <a:p>
+            <a:pPr algn="ctr"/>
+            <a:r>
+              <a:rPr lang="en-US" dirty="0">
+                <a:solidFill>
+                  <a:schemeClr val="tx1"/>
+                </a:solidFill>
+              </a:rPr>
+              <a:t>Encounter</a:t>
+            </a:r>
+            <a:endParaRPr lang="en-AU" dirty="0">
+              <a:solidFill>
+                <a:schemeClr val="tx1"/>
+              </a:solidFill>
+            </a:endParaRPr>
+          </a:p>
+        </p:txBody>
+      </p:sp>
+      <p:sp>
+        <p:nvSpPr>
+          <p:cNvPr id="64" name="TextBox 63"/>
+          <p:cNvSpPr txBox="1"/>
+          <p:nvPr/>
+        </p:nvSpPr>
+        <p:spPr>
+          <a:xfrm>
+            <a:off x="5875438" y="3233524"/>
+            <a:ext cx="1105367" cy="338554"/>
+          </a:xfrm>
+          <a:prstGeom prst="rect">
+            <a:avLst/>
+          </a:prstGeom>
+          <a:noFill/>
+        </p:spPr>
+        <p:txBody>
+          <a:bodyPr wrap="none" rtlCol="0">
+            <a:spAutoFit/>
+          </a:bodyPr>
+          <a:lstStyle/>
+          <a:p>
+            <a:r>
+              <a:rPr lang="en-US" sz="1600" dirty="0"/>
+              <a:t>Planned by</a:t>
+            </a:r>
+          </a:p>
+        </p:txBody>
+      </p:sp>
+    </p:spTree>
+    <p:extLst>
+      <p:ext uri="{BB962C8B-B14F-4D97-AF65-F5344CB8AC3E}">
+        <p14:creationId xmlns:p14="http://schemas.microsoft.com/office/powerpoint/2010/main" val="2700074931"/>
       </p:ext>
     </p:extLst>
   </p:cSld>

--- a/images/source/administration-module-resources.pptx
+++ b/images/source/administration-module-resources.pptx
@@ -8,9 +8,14 @@
     <p:sldId id="261" r:id="rId2"/>
     <p:sldId id="260" r:id="rId3"/>
     <p:sldId id="257" r:id="rId4"/>
-    <p:sldId id="258" r:id="rId5"/>
-    <p:sldId id="259" r:id="rId6"/>
-    <p:sldId id="263" r:id="rId7"/>
+    <p:sldId id="268" r:id="rId5"/>
+    <p:sldId id="258" r:id="rId6"/>
+    <p:sldId id="259" r:id="rId7"/>
+    <p:sldId id="263" r:id="rId8"/>
+    <p:sldId id="264" r:id="rId9"/>
+    <p:sldId id="265" r:id="rId10"/>
+    <p:sldId id="266" r:id="rId11"/>
+    <p:sldId id="267" r:id="rId12"/>
   </p:sldIdLst>
   <p:sldSz cx="12192000" cy="6858000"/>
   <p:notesSz cx="6858000" cy="9144000"/>
@@ -246,7 +251,7 @@
           <a:p>
             <a:fld id="{DE4E7392-00FF-4A5B-A4FB-CA939482D6BD}" type="datetimeFigureOut">
               <a:rPr lang="en-US" smtClean="0"/>
-              <a:t>8/2/2016</a:t>
+              <a:t>10/4/2016</a:t>
             </a:fld>
             <a:endParaRPr lang="en-US"/>
           </a:p>
@@ -414,7 +419,7 @@
           <a:p>
             <a:fld id="{DE4E7392-00FF-4A5B-A4FB-CA939482D6BD}" type="datetimeFigureOut">
               <a:rPr lang="en-US" smtClean="0"/>
-              <a:t>8/2/2016</a:t>
+              <a:t>10/4/2016</a:t>
             </a:fld>
             <a:endParaRPr lang="en-US"/>
           </a:p>
@@ -592,7 +597,7 @@
           <a:p>
             <a:fld id="{DE4E7392-00FF-4A5B-A4FB-CA939482D6BD}" type="datetimeFigureOut">
               <a:rPr lang="en-US" smtClean="0"/>
-              <a:t>8/2/2016</a:t>
+              <a:t>10/4/2016</a:t>
             </a:fld>
             <a:endParaRPr lang="en-US"/>
           </a:p>
@@ -760,7 +765,7 @@
           <a:p>
             <a:fld id="{DE4E7392-00FF-4A5B-A4FB-CA939482D6BD}" type="datetimeFigureOut">
               <a:rPr lang="en-US" smtClean="0"/>
-              <a:t>8/2/2016</a:t>
+              <a:t>10/4/2016</a:t>
             </a:fld>
             <a:endParaRPr lang="en-US"/>
           </a:p>
@@ -1005,7 +1010,7 @@
           <a:p>
             <a:fld id="{DE4E7392-00FF-4A5B-A4FB-CA939482D6BD}" type="datetimeFigureOut">
               <a:rPr lang="en-US" smtClean="0"/>
-              <a:t>8/2/2016</a:t>
+              <a:t>10/4/2016</a:t>
             </a:fld>
             <a:endParaRPr lang="en-US"/>
           </a:p>
@@ -1234,7 +1239,7 @@
           <a:p>
             <a:fld id="{DE4E7392-00FF-4A5B-A4FB-CA939482D6BD}" type="datetimeFigureOut">
               <a:rPr lang="en-US" smtClean="0"/>
-              <a:t>8/2/2016</a:t>
+              <a:t>10/4/2016</a:t>
             </a:fld>
             <a:endParaRPr lang="en-US"/>
           </a:p>
@@ -1598,7 +1603,7 @@
           <a:p>
             <a:fld id="{DE4E7392-00FF-4A5B-A4FB-CA939482D6BD}" type="datetimeFigureOut">
               <a:rPr lang="en-US" smtClean="0"/>
-              <a:t>8/2/2016</a:t>
+              <a:t>10/4/2016</a:t>
             </a:fld>
             <a:endParaRPr lang="en-US"/>
           </a:p>
@@ -1715,7 +1720,7 @@
           <a:p>
             <a:fld id="{DE4E7392-00FF-4A5B-A4FB-CA939482D6BD}" type="datetimeFigureOut">
               <a:rPr lang="en-US" smtClean="0"/>
-              <a:t>8/2/2016</a:t>
+              <a:t>10/4/2016</a:t>
             </a:fld>
             <a:endParaRPr lang="en-US"/>
           </a:p>
@@ -1810,7 +1815,7 @@
           <a:p>
             <a:fld id="{DE4E7392-00FF-4A5B-A4FB-CA939482D6BD}" type="datetimeFigureOut">
               <a:rPr lang="en-US" smtClean="0"/>
-              <a:t>8/2/2016</a:t>
+              <a:t>10/4/2016</a:t>
             </a:fld>
             <a:endParaRPr lang="en-US"/>
           </a:p>
@@ -2085,7 +2090,7 @@
           <a:p>
             <a:fld id="{DE4E7392-00FF-4A5B-A4FB-CA939482D6BD}" type="datetimeFigureOut">
               <a:rPr lang="en-US" smtClean="0"/>
-              <a:t>8/2/2016</a:t>
+              <a:t>10/4/2016</a:t>
             </a:fld>
             <a:endParaRPr lang="en-US"/>
           </a:p>
@@ -2337,7 +2342,7 @@
           <a:p>
             <a:fld id="{DE4E7392-00FF-4A5B-A4FB-CA939482D6BD}" type="datetimeFigureOut">
               <a:rPr lang="en-US" smtClean="0"/>
-              <a:t>8/2/2016</a:t>
+              <a:t>10/4/2016</a:t>
             </a:fld>
             <a:endParaRPr lang="en-US"/>
           </a:p>
@@ -2548,7 +2553,7 @@
           <a:p>
             <a:fld id="{DE4E7392-00FF-4A5B-A4FB-CA939482D6BD}" type="datetimeFigureOut">
               <a:rPr lang="en-US" smtClean="0"/>
-              <a:t>8/2/2016</a:t>
+              <a:t>10/4/2016</a:t>
             </a:fld>
             <a:endParaRPr lang="en-US"/>
           </a:p>
@@ -3477,6 +3482,1663 @@
 </p:sld>
 </file>
 
+<file path=ppt/slides/slide10.xml><?xml version="1.0" encoding="utf-8"?>
+<p:sld xmlns:a="http://schemas.openxmlformats.org/drawingml/2006/main" xmlns:r="http://schemas.openxmlformats.org/officeDocument/2006/relationships" xmlns:p="http://schemas.openxmlformats.org/presentationml/2006/main">
+  <p:cSld>
+    <p:spTree>
+      <p:nvGrpSpPr>
+        <p:cNvPr id="1" name=""/>
+        <p:cNvGrpSpPr/>
+        <p:nvPr/>
+      </p:nvGrpSpPr>
+      <p:grpSpPr>
+        <a:xfrm>
+          <a:off x="0" y="0"/>
+          <a:ext cx="0" cy="0"/>
+          <a:chOff x="0" y="0"/>
+          <a:chExt cx="0" cy="0"/>
+        </a:xfrm>
+      </p:grpSpPr>
+      <p:sp>
+        <p:nvSpPr>
+          <p:cNvPr id="2" name="Title 1"/>
+          <p:cNvSpPr>
+            <a:spLocks noGrp="1"/>
+          </p:cNvSpPr>
+          <p:nvPr>
+            <p:ph type="title"/>
+          </p:nvPr>
+        </p:nvSpPr>
+        <p:spPr/>
+        <p:txBody>
+          <a:bodyPr/>
+          <a:lstStyle/>
+          <a:p>
+            <a:r>
+              <a:rPr lang="en-AU" dirty="0"/>
+              <a:t>Patient Link/Merge?</a:t>
+            </a:r>
+          </a:p>
+        </p:txBody>
+      </p:sp>
+      <p:cxnSp>
+        <p:nvCxnSpPr>
+          <p:cNvPr id="21" name="Elbow Connector 37"/>
+          <p:cNvCxnSpPr/>
+          <p:nvPr/>
+        </p:nvCxnSpPr>
+        <p:spPr>
+          <a:xfrm>
+            <a:off x="3495722" y="2598014"/>
+            <a:ext cx="858772" cy="4592"/>
+          </a:xfrm>
+          <a:prstGeom prst="straightConnector1">
+            <a:avLst/>
+          </a:prstGeom>
+          <a:ln>
+            <a:tailEnd type="triangle"/>
+          </a:ln>
+        </p:spPr>
+        <p:style>
+          <a:lnRef idx="3">
+            <a:schemeClr val="dk1"/>
+          </a:lnRef>
+          <a:fillRef idx="0">
+            <a:schemeClr val="dk1"/>
+          </a:fillRef>
+          <a:effectRef idx="2">
+            <a:schemeClr val="dk1"/>
+          </a:effectRef>
+          <a:fontRef idx="minor">
+            <a:schemeClr val="tx1"/>
+          </a:fontRef>
+        </p:style>
+      </p:cxnSp>
+      <p:sp>
+        <p:nvSpPr>
+          <p:cNvPr id="35" name="Rounded Rectangle 5"/>
+          <p:cNvSpPr/>
+          <p:nvPr/>
+        </p:nvSpPr>
+        <p:spPr>
+          <a:xfrm>
+            <a:off x="4438057" y="2346655"/>
+            <a:ext cx="1694439" cy="728495"/>
+          </a:xfrm>
+          <a:prstGeom prst="roundRect">
+            <a:avLst/>
+          </a:prstGeom>
+          <a:solidFill>
+            <a:srgbClr val="CEE1F2"/>
+          </a:solidFill>
+          <a:ln cap="rnd">
+            <a:round/>
+          </a:ln>
+          <a:effectLst>
+            <a:outerShdw blurRad="50800" dist="38100" dir="2700000" algn="tl" rotWithShape="0">
+              <a:prstClr val="black">
+                <a:alpha val="40000"/>
+              </a:prstClr>
+            </a:outerShdw>
+          </a:effectLst>
+        </p:spPr>
+        <p:style>
+          <a:lnRef idx="2">
+            <a:schemeClr val="accent1">
+              <a:shade val="50000"/>
+            </a:schemeClr>
+          </a:lnRef>
+          <a:fillRef idx="1">
+            <a:schemeClr val="accent1"/>
+          </a:fillRef>
+          <a:effectRef idx="0">
+            <a:schemeClr val="accent1"/>
+          </a:effectRef>
+          <a:fontRef idx="minor">
+            <a:schemeClr val="lt1"/>
+          </a:fontRef>
+        </p:style>
+        <p:txBody>
+          <a:bodyPr rtlCol="0" anchor="ctr"/>
+          <a:lstStyle/>
+          <a:p>
+            <a:pPr algn="ctr"/>
+            <a:r>
+              <a:rPr lang="en-US" dirty="0">
+                <a:solidFill>
+                  <a:schemeClr val="tx1"/>
+                </a:solidFill>
+              </a:rPr>
+              <a:t>Patient</a:t>
+            </a:r>
+          </a:p>
+          <a:p>
+            <a:pPr algn="ctr"/>
+            <a:r>
+              <a:rPr lang="en-US" dirty="0">
+                <a:solidFill>
+                  <a:schemeClr val="tx1"/>
+                </a:solidFill>
+              </a:rPr>
+              <a:t>(active)</a:t>
+            </a:r>
+            <a:endParaRPr lang="en-AU" dirty="0">
+              <a:solidFill>
+                <a:schemeClr val="tx1"/>
+              </a:solidFill>
+            </a:endParaRPr>
+          </a:p>
+        </p:txBody>
+      </p:sp>
+      <p:sp>
+        <p:nvSpPr>
+          <p:cNvPr id="62" name="Rounded Rectangle 9"/>
+          <p:cNvSpPr/>
+          <p:nvPr/>
+        </p:nvSpPr>
+        <p:spPr>
+          <a:xfrm>
+            <a:off x="1722314" y="2450926"/>
+            <a:ext cx="1713508" cy="728495"/>
+          </a:xfrm>
+          <a:prstGeom prst="roundRect">
+            <a:avLst/>
+          </a:prstGeom>
+          <a:solidFill>
+            <a:schemeClr val="accent5">
+              <a:lumMod val="40000"/>
+              <a:lumOff val="60000"/>
+            </a:schemeClr>
+          </a:solidFill>
+          <a:ln>
+            <a:noFill/>
+          </a:ln>
+        </p:spPr>
+        <p:style>
+          <a:lnRef idx="0">
+            <a:scrgbClr r="0" g="0" b="0"/>
+          </a:lnRef>
+          <a:fillRef idx="0">
+            <a:scrgbClr r="0" g="0" b="0"/>
+          </a:fillRef>
+          <a:effectRef idx="0">
+            <a:scrgbClr r="0" g="0" b="0"/>
+          </a:effectRef>
+          <a:fontRef idx="minor">
+            <a:schemeClr val="lt1"/>
+          </a:fontRef>
+        </p:style>
+        <p:txBody>
+          <a:bodyPr rtlCol="0" anchor="ctr"/>
+          <a:lstStyle/>
+          <a:p>
+            <a:pPr algn="ctr"/>
+            <a:r>
+              <a:rPr lang="en-US" sz="1600" dirty="0"/>
+              <a:t>Patient</a:t>
+            </a:r>
+          </a:p>
+          <a:p>
+            <a:pPr algn="ctr"/>
+            <a:r>
+              <a:rPr lang="en-US" sz="1600" dirty="0"/>
+              <a:t>(inactive)</a:t>
+            </a:r>
+            <a:endParaRPr lang="en-AU" sz="1600" dirty="0"/>
+          </a:p>
+        </p:txBody>
+      </p:sp>
+      <p:cxnSp>
+        <p:nvCxnSpPr>
+          <p:cNvPr id="65" name="Elbow Connector 37"/>
+          <p:cNvCxnSpPr/>
+          <p:nvPr/>
+        </p:nvCxnSpPr>
+        <p:spPr>
+          <a:xfrm flipH="1">
+            <a:off x="3495722" y="2793940"/>
+            <a:ext cx="858772" cy="16278"/>
+          </a:xfrm>
+          <a:prstGeom prst="straightConnector1">
+            <a:avLst/>
+          </a:prstGeom>
+          <a:ln>
+            <a:tailEnd type="triangle"/>
+          </a:ln>
+        </p:spPr>
+        <p:style>
+          <a:lnRef idx="3">
+            <a:schemeClr val="dk1"/>
+          </a:lnRef>
+          <a:fillRef idx="0">
+            <a:schemeClr val="dk1"/>
+          </a:fillRef>
+          <a:effectRef idx="2">
+            <a:schemeClr val="dk1"/>
+          </a:effectRef>
+          <a:fontRef idx="minor">
+            <a:schemeClr val="tx1"/>
+          </a:fontRef>
+        </p:style>
+      </p:cxnSp>
+      <p:sp>
+        <p:nvSpPr>
+          <p:cNvPr id="66" name="TextBox 65"/>
+          <p:cNvSpPr txBox="1"/>
+          <p:nvPr/>
+        </p:nvSpPr>
+        <p:spPr>
+          <a:xfrm>
+            <a:off x="3495722" y="2237403"/>
+            <a:ext cx="797526" cy="338554"/>
+          </a:xfrm>
+          <a:prstGeom prst="rect">
+            <a:avLst/>
+          </a:prstGeom>
+          <a:noFill/>
+        </p:spPr>
+        <p:txBody>
+          <a:bodyPr wrap="none" rtlCol="0">
+            <a:spAutoFit/>
+          </a:bodyPr>
+          <a:lstStyle/>
+          <a:p>
+            <a:r>
+              <a:rPr lang="en-US" sz="1600" dirty="0"/>
+              <a:t>replace</a:t>
+            </a:r>
+          </a:p>
+        </p:txBody>
+      </p:sp>
+      <p:sp>
+        <p:nvSpPr>
+          <p:cNvPr id="67" name="TextBox 66"/>
+          <p:cNvSpPr txBox="1"/>
+          <p:nvPr/>
+        </p:nvSpPr>
+        <p:spPr>
+          <a:xfrm>
+            <a:off x="3537481" y="2859977"/>
+            <a:ext cx="864339" cy="338554"/>
+          </a:xfrm>
+          <a:prstGeom prst="rect">
+            <a:avLst/>
+          </a:prstGeom>
+          <a:noFill/>
+        </p:spPr>
+        <p:txBody>
+          <a:bodyPr wrap="none" rtlCol="0">
+            <a:spAutoFit/>
+          </a:bodyPr>
+          <a:lstStyle/>
+          <a:p>
+            <a:r>
+              <a:rPr lang="en-US" sz="1600" dirty="0"/>
+              <a:t>See also</a:t>
+            </a:r>
+          </a:p>
+        </p:txBody>
+      </p:sp>
+      <p:sp>
+        <p:nvSpPr>
+          <p:cNvPr id="69" name="TextBox 68"/>
+          <p:cNvSpPr txBox="1"/>
+          <p:nvPr/>
+        </p:nvSpPr>
+        <p:spPr>
+          <a:xfrm>
+            <a:off x="838200" y="1805797"/>
+            <a:ext cx="2552686" cy="338554"/>
+          </a:xfrm>
+          <a:prstGeom prst="rect">
+            <a:avLst/>
+          </a:prstGeom>
+          <a:noFill/>
+        </p:spPr>
+        <p:txBody>
+          <a:bodyPr wrap="none" rtlCol="0">
+            <a:spAutoFit/>
+          </a:bodyPr>
+          <a:lstStyle/>
+          <a:p>
+            <a:r>
+              <a:rPr lang="en-US" sz="1600" i="1" dirty="0"/>
+              <a:t>For the </a:t>
+            </a:r>
+            <a:r>
+              <a:rPr lang="en-US" sz="1600" b="1" i="1" dirty="0"/>
+              <a:t>Merged</a:t>
+            </a:r>
+            <a:r>
+              <a:rPr lang="en-US" sz="1600" i="1" dirty="0"/>
+              <a:t> patient case</a:t>
+            </a:r>
+          </a:p>
+        </p:txBody>
+      </p:sp>
+      <p:cxnSp>
+        <p:nvCxnSpPr>
+          <p:cNvPr id="70" name="Elbow Connector 37"/>
+          <p:cNvCxnSpPr/>
+          <p:nvPr/>
+        </p:nvCxnSpPr>
+        <p:spPr>
+          <a:xfrm>
+            <a:off x="7560245" y="4280264"/>
+            <a:ext cx="858772" cy="4592"/>
+          </a:xfrm>
+          <a:prstGeom prst="straightConnector1">
+            <a:avLst/>
+          </a:prstGeom>
+          <a:ln>
+            <a:tailEnd type="triangle"/>
+          </a:ln>
+        </p:spPr>
+        <p:style>
+          <a:lnRef idx="3">
+            <a:schemeClr val="dk1"/>
+          </a:lnRef>
+          <a:fillRef idx="0">
+            <a:schemeClr val="dk1"/>
+          </a:fillRef>
+          <a:effectRef idx="2">
+            <a:schemeClr val="dk1"/>
+          </a:effectRef>
+          <a:fontRef idx="minor">
+            <a:schemeClr val="tx1"/>
+          </a:fontRef>
+        </p:style>
+      </p:cxnSp>
+      <p:cxnSp>
+        <p:nvCxnSpPr>
+          <p:cNvPr id="71" name="Elbow Connector 37"/>
+          <p:cNvCxnSpPr/>
+          <p:nvPr/>
+        </p:nvCxnSpPr>
+        <p:spPr>
+          <a:xfrm>
+            <a:off x="9349798" y="4880781"/>
+            <a:ext cx="18854" cy="395926"/>
+          </a:xfrm>
+          <a:prstGeom prst="straightConnector1">
+            <a:avLst/>
+          </a:prstGeom>
+          <a:ln>
+            <a:tailEnd type="triangle"/>
+          </a:ln>
+        </p:spPr>
+        <p:style>
+          <a:lnRef idx="3">
+            <a:schemeClr val="dk1"/>
+          </a:lnRef>
+          <a:fillRef idx="0">
+            <a:schemeClr val="dk1"/>
+          </a:fillRef>
+          <a:effectRef idx="2">
+            <a:schemeClr val="dk1"/>
+          </a:effectRef>
+          <a:fontRef idx="minor">
+            <a:schemeClr val="tx1"/>
+          </a:fontRef>
+        </p:style>
+      </p:cxnSp>
+      <p:sp>
+        <p:nvSpPr>
+          <p:cNvPr id="72" name="Rounded Rectangle 5"/>
+          <p:cNvSpPr/>
+          <p:nvPr/>
+        </p:nvSpPr>
+        <p:spPr>
+          <a:xfrm>
+            <a:off x="8502580" y="4028905"/>
+            <a:ext cx="1694439" cy="728495"/>
+          </a:xfrm>
+          <a:prstGeom prst="roundRect">
+            <a:avLst/>
+          </a:prstGeom>
+          <a:solidFill>
+            <a:srgbClr val="CEE1F2"/>
+          </a:solidFill>
+          <a:ln cap="rnd">
+            <a:round/>
+          </a:ln>
+          <a:effectLst>
+            <a:outerShdw blurRad="50800" dist="38100" dir="2700000" algn="tl" rotWithShape="0">
+              <a:prstClr val="black">
+                <a:alpha val="40000"/>
+              </a:prstClr>
+            </a:outerShdw>
+          </a:effectLst>
+        </p:spPr>
+        <p:style>
+          <a:lnRef idx="2">
+            <a:schemeClr val="accent1">
+              <a:shade val="50000"/>
+            </a:schemeClr>
+          </a:lnRef>
+          <a:fillRef idx="1">
+            <a:schemeClr val="accent1"/>
+          </a:fillRef>
+          <a:effectRef idx="0">
+            <a:schemeClr val="accent1"/>
+          </a:effectRef>
+          <a:fontRef idx="minor">
+            <a:schemeClr val="lt1"/>
+          </a:fontRef>
+        </p:style>
+        <p:txBody>
+          <a:bodyPr rtlCol="0" anchor="ctr"/>
+          <a:lstStyle/>
+          <a:p>
+            <a:pPr algn="ctr"/>
+            <a:r>
+              <a:rPr lang="en-US" dirty="0">
+                <a:solidFill>
+                  <a:schemeClr val="tx1"/>
+                </a:solidFill>
+              </a:rPr>
+              <a:t>Patient</a:t>
+            </a:r>
+          </a:p>
+          <a:p>
+            <a:pPr algn="ctr"/>
+            <a:r>
+              <a:rPr lang="en-US" dirty="0">
+                <a:solidFill>
+                  <a:schemeClr val="tx1"/>
+                </a:solidFill>
+              </a:rPr>
+              <a:t>(active)</a:t>
+            </a:r>
+            <a:endParaRPr lang="en-AU" dirty="0">
+              <a:solidFill>
+                <a:schemeClr val="tx1"/>
+              </a:solidFill>
+            </a:endParaRPr>
+          </a:p>
+        </p:txBody>
+      </p:sp>
+      <p:sp>
+        <p:nvSpPr>
+          <p:cNvPr id="73" name="Rounded Rectangle 5"/>
+          <p:cNvSpPr/>
+          <p:nvPr/>
+        </p:nvSpPr>
+        <p:spPr>
+          <a:xfrm>
+            <a:off x="8502579" y="5368628"/>
+            <a:ext cx="1694439" cy="728495"/>
+          </a:xfrm>
+          <a:prstGeom prst="roundRect">
+            <a:avLst/>
+          </a:prstGeom>
+          <a:solidFill>
+            <a:srgbClr val="CEE1F2"/>
+          </a:solidFill>
+          <a:ln cap="rnd">
+            <a:round/>
+          </a:ln>
+          <a:effectLst>
+            <a:outerShdw blurRad="50800" dist="38100" dir="2700000" algn="tl" rotWithShape="0">
+              <a:prstClr val="black">
+                <a:alpha val="40000"/>
+              </a:prstClr>
+            </a:outerShdw>
+          </a:effectLst>
+        </p:spPr>
+        <p:style>
+          <a:lnRef idx="2">
+            <a:schemeClr val="accent1">
+              <a:shade val="50000"/>
+            </a:schemeClr>
+          </a:lnRef>
+          <a:fillRef idx="1">
+            <a:schemeClr val="accent1"/>
+          </a:fillRef>
+          <a:effectRef idx="0">
+            <a:schemeClr val="accent1"/>
+          </a:effectRef>
+          <a:fontRef idx="minor">
+            <a:schemeClr val="lt1"/>
+          </a:fontRef>
+        </p:style>
+        <p:txBody>
+          <a:bodyPr rtlCol="0" anchor="ctr"/>
+          <a:lstStyle/>
+          <a:p>
+            <a:pPr algn="ctr"/>
+            <a:r>
+              <a:rPr lang="en-US" dirty="0">
+                <a:solidFill>
+                  <a:schemeClr val="tx1"/>
+                </a:solidFill>
+              </a:rPr>
+              <a:t>RelatedPerson</a:t>
+            </a:r>
+            <a:endParaRPr lang="en-AU" dirty="0">
+              <a:solidFill>
+                <a:schemeClr val="tx1"/>
+              </a:solidFill>
+            </a:endParaRPr>
+          </a:p>
+        </p:txBody>
+      </p:sp>
+      <p:sp>
+        <p:nvSpPr>
+          <p:cNvPr id="74" name="Rounded Rectangle 9"/>
+          <p:cNvSpPr/>
+          <p:nvPr/>
+        </p:nvSpPr>
+        <p:spPr>
+          <a:xfrm>
+            <a:off x="5763174" y="4028906"/>
+            <a:ext cx="1713508" cy="728495"/>
+          </a:xfrm>
+          <a:prstGeom prst="roundRect">
+            <a:avLst/>
+          </a:prstGeom>
+          <a:solidFill>
+            <a:schemeClr val="accent5">
+              <a:lumMod val="60000"/>
+              <a:lumOff val="40000"/>
+            </a:schemeClr>
+          </a:solidFill>
+          <a:ln>
+            <a:noFill/>
+          </a:ln>
+        </p:spPr>
+        <p:style>
+          <a:lnRef idx="0">
+            <a:scrgbClr r="0" g="0" b="0"/>
+          </a:lnRef>
+          <a:fillRef idx="0">
+            <a:scrgbClr r="0" g="0" b="0"/>
+          </a:fillRef>
+          <a:effectRef idx="0">
+            <a:scrgbClr r="0" g="0" b="0"/>
+          </a:effectRef>
+          <a:fontRef idx="minor">
+            <a:schemeClr val="lt1"/>
+          </a:fontRef>
+        </p:style>
+        <p:txBody>
+          <a:bodyPr rtlCol="0" anchor="ctr"/>
+          <a:lstStyle/>
+          <a:p>
+            <a:pPr algn="ctr"/>
+            <a:r>
+              <a:rPr lang="en-US" sz="1600" dirty="0"/>
+              <a:t>Patient</a:t>
+            </a:r>
+          </a:p>
+          <a:p>
+            <a:pPr algn="ctr"/>
+            <a:r>
+              <a:rPr lang="en-US" sz="1600" dirty="0"/>
+              <a:t>(inactive)</a:t>
+            </a:r>
+            <a:endParaRPr lang="en-AU" sz="1600" dirty="0"/>
+          </a:p>
+        </p:txBody>
+      </p:sp>
+      <p:sp>
+        <p:nvSpPr>
+          <p:cNvPr id="75" name="Rounded Rectangle 9"/>
+          <p:cNvSpPr/>
+          <p:nvPr/>
+        </p:nvSpPr>
+        <p:spPr>
+          <a:xfrm>
+            <a:off x="5763174" y="5495927"/>
+            <a:ext cx="1713508" cy="728495"/>
+          </a:xfrm>
+          <a:prstGeom prst="roundRect">
+            <a:avLst/>
+          </a:prstGeom>
+          <a:solidFill>
+            <a:schemeClr val="accent5">
+              <a:lumMod val="60000"/>
+              <a:lumOff val="40000"/>
+            </a:schemeClr>
+          </a:solidFill>
+          <a:ln>
+            <a:noFill/>
+          </a:ln>
+        </p:spPr>
+        <p:style>
+          <a:lnRef idx="0">
+            <a:scrgbClr r="0" g="0" b="0"/>
+          </a:lnRef>
+          <a:fillRef idx="0">
+            <a:scrgbClr r="0" g="0" b="0"/>
+          </a:fillRef>
+          <a:effectRef idx="0">
+            <a:scrgbClr r="0" g="0" b="0"/>
+          </a:effectRef>
+          <a:fontRef idx="minor">
+            <a:schemeClr val="lt1"/>
+          </a:fontRef>
+        </p:style>
+        <p:txBody>
+          <a:bodyPr rtlCol="0" anchor="ctr"/>
+          <a:lstStyle/>
+          <a:p>
+            <a:pPr algn="ctr"/>
+            <a:r>
+              <a:rPr lang="en-US" sz="1600" dirty="0"/>
+              <a:t>Patient</a:t>
+            </a:r>
+            <a:endParaRPr lang="en-AU" sz="1600" dirty="0"/>
+          </a:p>
+        </p:txBody>
+      </p:sp>
+      <p:cxnSp>
+        <p:nvCxnSpPr>
+          <p:cNvPr id="76" name="Elbow Connector 37"/>
+          <p:cNvCxnSpPr/>
+          <p:nvPr/>
+        </p:nvCxnSpPr>
+        <p:spPr>
+          <a:xfrm flipH="1">
+            <a:off x="7560245" y="4476190"/>
+            <a:ext cx="858772" cy="16278"/>
+          </a:xfrm>
+          <a:prstGeom prst="straightConnector1">
+            <a:avLst/>
+          </a:prstGeom>
+          <a:ln>
+            <a:tailEnd type="triangle"/>
+          </a:ln>
+        </p:spPr>
+        <p:style>
+          <a:lnRef idx="3">
+            <a:schemeClr val="dk1"/>
+          </a:lnRef>
+          <a:fillRef idx="0">
+            <a:schemeClr val="dk1"/>
+          </a:fillRef>
+          <a:effectRef idx="2">
+            <a:schemeClr val="dk1"/>
+          </a:effectRef>
+          <a:fontRef idx="minor">
+            <a:schemeClr val="tx1"/>
+          </a:fontRef>
+        </p:style>
+      </p:cxnSp>
+      <p:sp>
+        <p:nvSpPr>
+          <p:cNvPr id="77" name="TextBox 76"/>
+          <p:cNvSpPr txBox="1"/>
+          <p:nvPr/>
+        </p:nvSpPr>
+        <p:spPr>
+          <a:xfrm>
+            <a:off x="7560245" y="3919653"/>
+            <a:ext cx="797526" cy="338554"/>
+          </a:xfrm>
+          <a:prstGeom prst="rect">
+            <a:avLst/>
+          </a:prstGeom>
+          <a:noFill/>
+        </p:spPr>
+        <p:txBody>
+          <a:bodyPr wrap="none" rtlCol="0">
+            <a:spAutoFit/>
+          </a:bodyPr>
+          <a:lstStyle/>
+          <a:p>
+            <a:r>
+              <a:rPr lang="en-US" sz="1600" dirty="0"/>
+              <a:t>replace</a:t>
+            </a:r>
+          </a:p>
+        </p:txBody>
+      </p:sp>
+      <p:sp>
+        <p:nvSpPr>
+          <p:cNvPr id="78" name="TextBox 77"/>
+          <p:cNvSpPr txBox="1"/>
+          <p:nvPr/>
+        </p:nvSpPr>
+        <p:spPr>
+          <a:xfrm>
+            <a:off x="7602004" y="4542227"/>
+            <a:ext cx="864339" cy="338554"/>
+          </a:xfrm>
+          <a:prstGeom prst="rect">
+            <a:avLst/>
+          </a:prstGeom>
+          <a:noFill/>
+        </p:spPr>
+        <p:txBody>
+          <a:bodyPr wrap="none" rtlCol="0">
+            <a:spAutoFit/>
+          </a:bodyPr>
+          <a:lstStyle/>
+          <a:p>
+            <a:r>
+              <a:rPr lang="en-US" sz="1600" dirty="0"/>
+              <a:t>See also</a:t>
+            </a:r>
+          </a:p>
+        </p:txBody>
+      </p:sp>
+      <p:sp>
+        <p:nvSpPr>
+          <p:cNvPr id="79" name="TextBox 78"/>
+          <p:cNvSpPr txBox="1"/>
+          <p:nvPr/>
+        </p:nvSpPr>
+        <p:spPr>
+          <a:xfrm>
+            <a:off x="9581163" y="4897196"/>
+            <a:ext cx="587020" cy="338554"/>
+          </a:xfrm>
+          <a:prstGeom prst="rect">
+            <a:avLst/>
+          </a:prstGeom>
+          <a:noFill/>
+        </p:spPr>
+        <p:txBody>
+          <a:bodyPr wrap="none" rtlCol="0">
+            <a:spAutoFit/>
+          </a:bodyPr>
+          <a:lstStyle/>
+          <a:p>
+            <a:r>
+              <a:rPr lang="en-US" sz="1600" dirty="0"/>
+              <a:t>refer</a:t>
+            </a:r>
+          </a:p>
+        </p:txBody>
+      </p:sp>
+      <p:sp>
+        <p:nvSpPr>
+          <p:cNvPr id="80" name="Rounded Rectangle 9"/>
+          <p:cNvSpPr/>
+          <p:nvPr/>
+        </p:nvSpPr>
+        <p:spPr>
+          <a:xfrm>
+            <a:off x="1638751" y="2338036"/>
+            <a:ext cx="1713508" cy="728495"/>
+          </a:xfrm>
+          <a:prstGeom prst="roundRect">
+            <a:avLst/>
+          </a:prstGeom>
+          <a:solidFill>
+            <a:schemeClr val="accent5">
+              <a:lumMod val="60000"/>
+              <a:lumOff val="40000"/>
+            </a:schemeClr>
+          </a:solidFill>
+          <a:ln>
+            <a:noFill/>
+          </a:ln>
+        </p:spPr>
+        <p:style>
+          <a:lnRef idx="0">
+            <a:scrgbClr r="0" g="0" b="0"/>
+          </a:lnRef>
+          <a:fillRef idx="0">
+            <a:scrgbClr r="0" g="0" b="0"/>
+          </a:fillRef>
+          <a:effectRef idx="0">
+            <a:scrgbClr r="0" g="0" b="0"/>
+          </a:effectRef>
+          <a:fontRef idx="minor">
+            <a:schemeClr val="lt1"/>
+          </a:fontRef>
+        </p:style>
+        <p:txBody>
+          <a:bodyPr rtlCol="0" anchor="ctr"/>
+          <a:lstStyle/>
+          <a:p>
+            <a:pPr algn="ctr"/>
+            <a:r>
+              <a:rPr lang="en-US" sz="1600" dirty="0"/>
+              <a:t>Patient</a:t>
+            </a:r>
+          </a:p>
+          <a:p>
+            <a:pPr algn="ctr"/>
+            <a:r>
+              <a:rPr lang="en-US" sz="1600" dirty="0"/>
+              <a:t>(inactive)</a:t>
+            </a:r>
+            <a:endParaRPr lang="en-AU" sz="1600" dirty="0"/>
+          </a:p>
+        </p:txBody>
+      </p:sp>
+    </p:spTree>
+    <p:extLst>
+      <p:ext uri="{BB962C8B-B14F-4D97-AF65-F5344CB8AC3E}">
+        <p14:creationId xmlns:p14="http://schemas.microsoft.com/office/powerpoint/2010/main" val="2267837572"/>
+      </p:ext>
+    </p:extLst>
+  </p:cSld>
+  <p:clrMapOvr>
+    <a:masterClrMapping/>
+  </p:clrMapOvr>
+</p:sld>
+</file>
+
+<file path=ppt/slides/slide11.xml><?xml version="1.0" encoding="utf-8"?>
+<p:sld xmlns:a="http://schemas.openxmlformats.org/drawingml/2006/main" xmlns:r="http://schemas.openxmlformats.org/officeDocument/2006/relationships" xmlns:p="http://schemas.openxmlformats.org/presentationml/2006/main">
+  <p:cSld>
+    <p:spTree>
+      <p:nvGrpSpPr>
+        <p:cNvPr id="1" name=""/>
+        <p:cNvGrpSpPr/>
+        <p:nvPr/>
+      </p:nvGrpSpPr>
+      <p:grpSpPr>
+        <a:xfrm>
+          <a:off x="0" y="0"/>
+          <a:ext cx="0" cy="0"/>
+          <a:chOff x="0" y="0"/>
+          <a:chExt cx="0" cy="0"/>
+        </a:xfrm>
+      </p:grpSpPr>
+      <p:sp>
+        <p:nvSpPr>
+          <p:cNvPr id="2" name="Title 1"/>
+          <p:cNvSpPr>
+            <a:spLocks noGrp="1"/>
+          </p:cNvSpPr>
+          <p:nvPr>
+            <p:ph type="title"/>
+          </p:nvPr>
+        </p:nvSpPr>
+        <p:spPr/>
+        <p:txBody>
+          <a:bodyPr/>
+          <a:lstStyle/>
+          <a:p>
+            <a:r>
+              <a:rPr lang="en-AU" dirty="0"/>
+              <a:t>Patient Link/Merge?</a:t>
+            </a:r>
+          </a:p>
+        </p:txBody>
+      </p:sp>
+      <p:sp>
+        <p:nvSpPr>
+          <p:cNvPr id="35" name="Rounded Rectangle 5"/>
+          <p:cNvSpPr/>
+          <p:nvPr/>
+        </p:nvSpPr>
+        <p:spPr>
+          <a:xfrm>
+            <a:off x="4438057" y="2346655"/>
+            <a:ext cx="1694439" cy="728495"/>
+          </a:xfrm>
+          <a:prstGeom prst="roundRect">
+            <a:avLst/>
+          </a:prstGeom>
+          <a:solidFill>
+            <a:srgbClr val="CEE1F2"/>
+          </a:solidFill>
+          <a:ln cap="rnd">
+            <a:round/>
+          </a:ln>
+          <a:effectLst>
+            <a:outerShdw blurRad="50800" dist="38100" dir="2700000" algn="tl" rotWithShape="0">
+              <a:prstClr val="black">
+                <a:alpha val="40000"/>
+              </a:prstClr>
+            </a:outerShdw>
+          </a:effectLst>
+        </p:spPr>
+        <p:style>
+          <a:lnRef idx="2">
+            <a:schemeClr val="accent1">
+              <a:shade val="50000"/>
+            </a:schemeClr>
+          </a:lnRef>
+          <a:fillRef idx="1">
+            <a:schemeClr val="accent1"/>
+          </a:fillRef>
+          <a:effectRef idx="0">
+            <a:schemeClr val="accent1"/>
+          </a:effectRef>
+          <a:fontRef idx="minor">
+            <a:schemeClr val="lt1"/>
+          </a:fontRef>
+        </p:style>
+        <p:txBody>
+          <a:bodyPr rtlCol="0" anchor="ctr"/>
+          <a:lstStyle/>
+          <a:p>
+            <a:pPr algn="ctr"/>
+            <a:r>
+              <a:rPr lang="en-US" dirty="0">
+                <a:solidFill>
+                  <a:schemeClr val="tx1"/>
+                </a:solidFill>
+              </a:rPr>
+              <a:t>Procedure</a:t>
+            </a:r>
+          </a:p>
+          <a:p>
+            <a:pPr algn="ctr"/>
+            <a:r>
+              <a:rPr lang="en-US" dirty="0">
+                <a:solidFill>
+                  <a:schemeClr val="tx1"/>
+                </a:solidFill>
+              </a:rPr>
+              <a:t>(</a:t>
+            </a:r>
+            <a:r>
+              <a:rPr lang="en-US" dirty="0" err="1">
+                <a:solidFill>
+                  <a:schemeClr val="tx1"/>
+                </a:solidFill>
+              </a:rPr>
+              <a:t>coloscopy</a:t>
+            </a:r>
+            <a:r>
+              <a:rPr lang="en-US" dirty="0">
+                <a:solidFill>
+                  <a:schemeClr val="tx1"/>
+                </a:solidFill>
+              </a:rPr>
+              <a:t>)</a:t>
+            </a:r>
+            <a:endParaRPr lang="en-AU" dirty="0">
+              <a:solidFill>
+                <a:schemeClr val="tx1"/>
+              </a:solidFill>
+            </a:endParaRPr>
+          </a:p>
+        </p:txBody>
+      </p:sp>
+      <p:sp>
+        <p:nvSpPr>
+          <p:cNvPr id="62" name="Rounded Rectangle 9"/>
+          <p:cNvSpPr/>
+          <p:nvPr/>
+        </p:nvSpPr>
+        <p:spPr>
+          <a:xfrm>
+            <a:off x="1722314" y="2450926"/>
+            <a:ext cx="1713508" cy="728495"/>
+          </a:xfrm>
+          <a:prstGeom prst="roundRect">
+            <a:avLst/>
+          </a:prstGeom>
+          <a:solidFill>
+            <a:schemeClr val="accent5">
+              <a:lumMod val="40000"/>
+              <a:lumOff val="60000"/>
+            </a:schemeClr>
+          </a:solidFill>
+          <a:ln>
+            <a:noFill/>
+          </a:ln>
+        </p:spPr>
+        <p:style>
+          <a:lnRef idx="0">
+            <a:scrgbClr r="0" g="0" b="0"/>
+          </a:lnRef>
+          <a:fillRef idx="0">
+            <a:scrgbClr r="0" g="0" b="0"/>
+          </a:fillRef>
+          <a:effectRef idx="0">
+            <a:scrgbClr r="0" g="0" b="0"/>
+          </a:effectRef>
+          <a:fontRef idx="minor">
+            <a:schemeClr val="lt1"/>
+          </a:fontRef>
+        </p:style>
+        <p:txBody>
+          <a:bodyPr rtlCol="0" anchor="ctr"/>
+          <a:lstStyle/>
+          <a:p>
+            <a:pPr algn="ctr"/>
+            <a:r>
+              <a:rPr lang="en-US" sz="1600" dirty="0"/>
+              <a:t>Patient</a:t>
+            </a:r>
+          </a:p>
+          <a:p>
+            <a:pPr algn="ctr"/>
+            <a:r>
+              <a:rPr lang="en-US" sz="1600" dirty="0"/>
+              <a:t>(inactive)</a:t>
+            </a:r>
+            <a:endParaRPr lang="en-AU" sz="1600" dirty="0"/>
+          </a:p>
+        </p:txBody>
+      </p:sp>
+      <p:cxnSp>
+        <p:nvCxnSpPr>
+          <p:cNvPr id="65" name="Elbow Connector 37"/>
+          <p:cNvCxnSpPr/>
+          <p:nvPr/>
+        </p:nvCxnSpPr>
+        <p:spPr>
+          <a:xfrm flipH="1">
+            <a:off x="3495722" y="2793940"/>
+            <a:ext cx="858772" cy="16278"/>
+          </a:xfrm>
+          <a:prstGeom prst="straightConnector1">
+            <a:avLst/>
+          </a:prstGeom>
+          <a:ln>
+            <a:tailEnd type="triangle"/>
+          </a:ln>
+        </p:spPr>
+        <p:style>
+          <a:lnRef idx="3">
+            <a:schemeClr val="dk1"/>
+          </a:lnRef>
+          <a:fillRef idx="0">
+            <a:schemeClr val="dk1"/>
+          </a:fillRef>
+          <a:effectRef idx="2">
+            <a:schemeClr val="dk1"/>
+          </a:effectRef>
+          <a:fontRef idx="minor">
+            <a:schemeClr val="tx1"/>
+          </a:fontRef>
+        </p:style>
+      </p:cxnSp>
+      <p:sp>
+        <p:nvSpPr>
+          <p:cNvPr id="67" name="TextBox 66"/>
+          <p:cNvSpPr txBox="1"/>
+          <p:nvPr/>
+        </p:nvSpPr>
+        <p:spPr>
+          <a:xfrm>
+            <a:off x="3537481" y="2859977"/>
+            <a:ext cx="864339" cy="338554"/>
+          </a:xfrm>
+          <a:prstGeom prst="rect">
+            <a:avLst/>
+          </a:prstGeom>
+          <a:noFill/>
+        </p:spPr>
+        <p:txBody>
+          <a:bodyPr wrap="none" rtlCol="0">
+            <a:spAutoFit/>
+          </a:bodyPr>
+          <a:lstStyle/>
+          <a:p>
+            <a:r>
+              <a:rPr lang="en-US" sz="1600" dirty="0"/>
+              <a:t>See also</a:t>
+            </a:r>
+          </a:p>
+        </p:txBody>
+      </p:sp>
+      <p:sp>
+        <p:nvSpPr>
+          <p:cNvPr id="69" name="TextBox 68"/>
+          <p:cNvSpPr txBox="1"/>
+          <p:nvPr/>
+        </p:nvSpPr>
+        <p:spPr>
+          <a:xfrm>
+            <a:off x="838200" y="1805797"/>
+            <a:ext cx="2552686" cy="338554"/>
+          </a:xfrm>
+          <a:prstGeom prst="rect">
+            <a:avLst/>
+          </a:prstGeom>
+          <a:noFill/>
+        </p:spPr>
+        <p:txBody>
+          <a:bodyPr wrap="none" rtlCol="0">
+            <a:spAutoFit/>
+          </a:bodyPr>
+          <a:lstStyle/>
+          <a:p>
+            <a:r>
+              <a:rPr lang="en-US" sz="1600" i="1" dirty="0"/>
+              <a:t>For the </a:t>
+            </a:r>
+            <a:r>
+              <a:rPr lang="en-US" sz="1600" b="1" i="1" dirty="0"/>
+              <a:t>Merged</a:t>
+            </a:r>
+            <a:r>
+              <a:rPr lang="en-US" sz="1600" i="1" dirty="0"/>
+              <a:t> patient case</a:t>
+            </a:r>
+          </a:p>
+        </p:txBody>
+      </p:sp>
+      <p:cxnSp>
+        <p:nvCxnSpPr>
+          <p:cNvPr id="71" name="Elbow Connector 37"/>
+          <p:cNvCxnSpPr/>
+          <p:nvPr/>
+        </p:nvCxnSpPr>
+        <p:spPr>
+          <a:xfrm>
+            <a:off x="9349798" y="4880781"/>
+            <a:ext cx="18854" cy="395926"/>
+          </a:xfrm>
+          <a:prstGeom prst="straightConnector1">
+            <a:avLst/>
+          </a:prstGeom>
+          <a:ln>
+            <a:tailEnd type="triangle"/>
+          </a:ln>
+        </p:spPr>
+        <p:style>
+          <a:lnRef idx="3">
+            <a:schemeClr val="dk1"/>
+          </a:lnRef>
+          <a:fillRef idx="0">
+            <a:schemeClr val="dk1"/>
+          </a:fillRef>
+          <a:effectRef idx="2">
+            <a:schemeClr val="dk1"/>
+          </a:effectRef>
+          <a:fontRef idx="minor">
+            <a:schemeClr val="tx1"/>
+          </a:fontRef>
+        </p:style>
+      </p:cxnSp>
+      <p:sp>
+        <p:nvSpPr>
+          <p:cNvPr id="72" name="Rounded Rectangle 5"/>
+          <p:cNvSpPr/>
+          <p:nvPr/>
+        </p:nvSpPr>
+        <p:spPr>
+          <a:xfrm>
+            <a:off x="7733724" y="2346655"/>
+            <a:ext cx="1694439" cy="728495"/>
+          </a:xfrm>
+          <a:prstGeom prst="roundRect">
+            <a:avLst/>
+          </a:prstGeom>
+          <a:solidFill>
+            <a:srgbClr val="CEE1F2"/>
+          </a:solidFill>
+          <a:ln cap="rnd">
+            <a:round/>
+          </a:ln>
+          <a:effectLst>
+            <a:outerShdw blurRad="50800" dist="38100" dir="2700000" algn="tl" rotWithShape="0">
+              <a:prstClr val="black">
+                <a:alpha val="40000"/>
+              </a:prstClr>
+            </a:outerShdw>
+          </a:effectLst>
+        </p:spPr>
+        <p:style>
+          <a:lnRef idx="2">
+            <a:schemeClr val="accent1">
+              <a:shade val="50000"/>
+            </a:schemeClr>
+          </a:lnRef>
+          <a:fillRef idx="1">
+            <a:schemeClr val="accent1"/>
+          </a:fillRef>
+          <a:effectRef idx="0">
+            <a:schemeClr val="accent1"/>
+          </a:effectRef>
+          <a:fontRef idx="minor">
+            <a:schemeClr val="lt1"/>
+          </a:fontRef>
+        </p:style>
+        <p:txBody>
+          <a:bodyPr rtlCol="0" anchor="ctr"/>
+          <a:lstStyle/>
+          <a:p>
+            <a:pPr algn="ctr"/>
+            <a:r>
+              <a:rPr lang="en-US" dirty="0">
+                <a:solidFill>
+                  <a:schemeClr val="tx1"/>
+                </a:solidFill>
+              </a:rPr>
+              <a:t>Encounter</a:t>
+            </a:r>
+            <a:endParaRPr lang="en-AU" dirty="0">
+              <a:solidFill>
+                <a:schemeClr val="tx1"/>
+              </a:solidFill>
+            </a:endParaRPr>
+          </a:p>
+        </p:txBody>
+      </p:sp>
+      <p:sp>
+        <p:nvSpPr>
+          <p:cNvPr id="73" name="Rounded Rectangle 5"/>
+          <p:cNvSpPr/>
+          <p:nvPr/>
+        </p:nvSpPr>
+        <p:spPr>
+          <a:xfrm>
+            <a:off x="8502579" y="5368628"/>
+            <a:ext cx="1694439" cy="728495"/>
+          </a:xfrm>
+          <a:prstGeom prst="roundRect">
+            <a:avLst/>
+          </a:prstGeom>
+          <a:solidFill>
+            <a:srgbClr val="CEE1F2"/>
+          </a:solidFill>
+          <a:ln cap="rnd">
+            <a:round/>
+          </a:ln>
+          <a:effectLst>
+            <a:outerShdw blurRad="50800" dist="38100" dir="2700000" algn="tl" rotWithShape="0">
+              <a:prstClr val="black">
+                <a:alpha val="40000"/>
+              </a:prstClr>
+            </a:outerShdw>
+          </a:effectLst>
+        </p:spPr>
+        <p:style>
+          <a:lnRef idx="2">
+            <a:schemeClr val="accent1">
+              <a:shade val="50000"/>
+            </a:schemeClr>
+          </a:lnRef>
+          <a:fillRef idx="1">
+            <a:schemeClr val="accent1"/>
+          </a:fillRef>
+          <a:effectRef idx="0">
+            <a:schemeClr val="accent1"/>
+          </a:effectRef>
+          <a:fontRef idx="minor">
+            <a:schemeClr val="lt1"/>
+          </a:fontRef>
+        </p:style>
+        <p:txBody>
+          <a:bodyPr rtlCol="0" anchor="ctr"/>
+          <a:lstStyle/>
+          <a:p>
+            <a:pPr algn="ctr"/>
+            <a:r>
+              <a:rPr lang="en-US" dirty="0">
+                <a:solidFill>
+                  <a:schemeClr val="tx1"/>
+                </a:solidFill>
+              </a:rPr>
+              <a:t>RelatedPerson</a:t>
+            </a:r>
+            <a:endParaRPr lang="en-AU" dirty="0">
+              <a:solidFill>
+                <a:schemeClr val="tx1"/>
+              </a:solidFill>
+            </a:endParaRPr>
+          </a:p>
+        </p:txBody>
+      </p:sp>
+      <p:sp>
+        <p:nvSpPr>
+          <p:cNvPr id="74" name="Rounded Rectangle 9"/>
+          <p:cNvSpPr/>
+          <p:nvPr/>
+        </p:nvSpPr>
+        <p:spPr>
+          <a:xfrm>
+            <a:off x="5763174" y="4028906"/>
+            <a:ext cx="1713508" cy="728495"/>
+          </a:xfrm>
+          <a:prstGeom prst="roundRect">
+            <a:avLst/>
+          </a:prstGeom>
+          <a:solidFill>
+            <a:schemeClr val="accent5">
+              <a:lumMod val="60000"/>
+              <a:lumOff val="40000"/>
+            </a:schemeClr>
+          </a:solidFill>
+          <a:ln>
+            <a:noFill/>
+          </a:ln>
+        </p:spPr>
+        <p:style>
+          <a:lnRef idx="0">
+            <a:scrgbClr r="0" g="0" b="0"/>
+          </a:lnRef>
+          <a:fillRef idx="0">
+            <a:scrgbClr r="0" g="0" b="0"/>
+          </a:fillRef>
+          <a:effectRef idx="0">
+            <a:scrgbClr r="0" g="0" b="0"/>
+          </a:effectRef>
+          <a:fontRef idx="minor">
+            <a:schemeClr val="lt1"/>
+          </a:fontRef>
+        </p:style>
+        <p:txBody>
+          <a:bodyPr rtlCol="0" anchor="ctr"/>
+          <a:lstStyle/>
+          <a:p>
+            <a:pPr algn="ctr"/>
+            <a:r>
+              <a:rPr lang="en-US" sz="1600" dirty="0"/>
+              <a:t>Patient</a:t>
+            </a:r>
+          </a:p>
+          <a:p>
+            <a:pPr algn="ctr"/>
+            <a:r>
+              <a:rPr lang="en-US" sz="1600" dirty="0"/>
+              <a:t>(inactive)</a:t>
+            </a:r>
+            <a:endParaRPr lang="en-AU" sz="1600" dirty="0"/>
+          </a:p>
+        </p:txBody>
+      </p:sp>
+      <p:sp>
+        <p:nvSpPr>
+          <p:cNvPr id="75" name="Rounded Rectangle 9"/>
+          <p:cNvSpPr/>
+          <p:nvPr/>
+        </p:nvSpPr>
+        <p:spPr>
+          <a:xfrm>
+            <a:off x="5763174" y="5495927"/>
+            <a:ext cx="1713508" cy="728495"/>
+          </a:xfrm>
+          <a:prstGeom prst="roundRect">
+            <a:avLst/>
+          </a:prstGeom>
+          <a:solidFill>
+            <a:schemeClr val="accent5">
+              <a:lumMod val="60000"/>
+              <a:lumOff val="40000"/>
+            </a:schemeClr>
+          </a:solidFill>
+          <a:ln>
+            <a:noFill/>
+          </a:ln>
+        </p:spPr>
+        <p:style>
+          <a:lnRef idx="0">
+            <a:scrgbClr r="0" g="0" b="0"/>
+          </a:lnRef>
+          <a:fillRef idx="0">
+            <a:scrgbClr r="0" g="0" b="0"/>
+          </a:fillRef>
+          <a:effectRef idx="0">
+            <a:scrgbClr r="0" g="0" b="0"/>
+          </a:effectRef>
+          <a:fontRef idx="minor">
+            <a:schemeClr val="lt1"/>
+          </a:fontRef>
+        </p:style>
+        <p:txBody>
+          <a:bodyPr rtlCol="0" anchor="ctr"/>
+          <a:lstStyle/>
+          <a:p>
+            <a:pPr algn="ctr"/>
+            <a:r>
+              <a:rPr lang="en-US" sz="1600" dirty="0"/>
+              <a:t>Patient</a:t>
+            </a:r>
+            <a:endParaRPr lang="en-AU" sz="1600" dirty="0"/>
+          </a:p>
+        </p:txBody>
+      </p:sp>
+      <p:cxnSp>
+        <p:nvCxnSpPr>
+          <p:cNvPr id="76" name="Elbow Connector 37"/>
+          <p:cNvCxnSpPr/>
+          <p:nvPr/>
+        </p:nvCxnSpPr>
+        <p:spPr>
+          <a:xfrm flipH="1">
+            <a:off x="6534347" y="2831533"/>
+            <a:ext cx="858772" cy="16278"/>
+          </a:xfrm>
+          <a:prstGeom prst="straightConnector1">
+            <a:avLst/>
+          </a:prstGeom>
+          <a:ln>
+            <a:tailEnd type="triangle"/>
+          </a:ln>
+        </p:spPr>
+        <p:style>
+          <a:lnRef idx="3">
+            <a:schemeClr val="dk1"/>
+          </a:lnRef>
+          <a:fillRef idx="0">
+            <a:schemeClr val="dk1"/>
+          </a:fillRef>
+          <a:effectRef idx="2">
+            <a:schemeClr val="dk1"/>
+          </a:effectRef>
+          <a:fontRef idx="minor">
+            <a:schemeClr val="tx1"/>
+          </a:fontRef>
+        </p:style>
+      </p:cxnSp>
+      <p:sp>
+        <p:nvSpPr>
+          <p:cNvPr id="78" name="TextBox 77"/>
+          <p:cNvSpPr txBox="1"/>
+          <p:nvPr/>
+        </p:nvSpPr>
+        <p:spPr>
+          <a:xfrm>
+            <a:off x="6576106" y="2897570"/>
+            <a:ext cx="864339" cy="338554"/>
+          </a:xfrm>
+          <a:prstGeom prst="rect">
+            <a:avLst/>
+          </a:prstGeom>
+          <a:noFill/>
+        </p:spPr>
+        <p:txBody>
+          <a:bodyPr wrap="none" rtlCol="0">
+            <a:spAutoFit/>
+          </a:bodyPr>
+          <a:lstStyle/>
+          <a:p>
+            <a:r>
+              <a:rPr lang="en-US" sz="1600" dirty="0"/>
+              <a:t>See also</a:t>
+            </a:r>
+          </a:p>
+        </p:txBody>
+      </p:sp>
+      <p:sp>
+        <p:nvSpPr>
+          <p:cNvPr id="79" name="TextBox 78"/>
+          <p:cNvSpPr txBox="1"/>
+          <p:nvPr/>
+        </p:nvSpPr>
+        <p:spPr>
+          <a:xfrm>
+            <a:off x="9581163" y="4897196"/>
+            <a:ext cx="587020" cy="338554"/>
+          </a:xfrm>
+          <a:prstGeom prst="rect">
+            <a:avLst/>
+          </a:prstGeom>
+          <a:noFill/>
+        </p:spPr>
+        <p:txBody>
+          <a:bodyPr wrap="none" rtlCol="0">
+            <a:spAutoFit/>
+          </a:bodyPr>
+          <a:lstStyle/>
+          <a:p>
+            <a:r>
+              <a:rPr lang="en-US" sz="1600" dirty="0"/>
+              <a:t>refer</a:t>
+            </a:r>
+          </a:p>
+        </p:txBody>
+      </p:sp>
+      <p:sp>
+        <p:nvSpPr>
+          <p:cNvPr id="80" name="Rounded Rectangle 9"/>
+          <p:cNvSpPr/>
+          <p:nvPr/>
+        </p:nvSpPr>
+        <p:spPr>
+          <a:xfrm>
+            <a:off x="1638751" y="2338036"/>
+            <a:ext cx="1713508" cy="728495"/>
+          </a:xfrm>
+          <a:prstGeom prst="roundRect">
+            <a:avLst/>
+          </a:prstGeom>
+          <a:solidFill>
+            <a:schemeClr val="accent5">
+              <a:lumMod val="60000"/>
+              <a:lumOff val="40000"/>
+            </a:schemeClr>
+          </a:solidFill>
+          <a:ln>
+            <a:noFill/>
+          </a:ln>
+        </p:spPr>
+        <p:style>
+          <a:lnRef idx="0">
+            <a:scrgbClr r="0" g="0" b="0"/>
+          </a:lnRef>
+          <a:fillRef idx="0">
+            <a:scrgbClr r="0" g="0" b="0"/>
+          </a:fillRef>
+          <a:effectRef idx="0">
+            <a:scrgbClr r="0" g="0" b="0"/>
+          </a:effectRef>
+          <a:fontRef idx="minor">
+            <a:schemeClr val="lt1"/>
+          </a:fontRef>
+        </p:style>
+        <p:txBody>
+          <a:bodyPr rtlCol="0" anchor="ctr"/>
+          <a:lstStyle/>
+          <a:p>
+            <a:pPr algn="ctr"/>
+            <a:r>
+              <a:rPr lang="en-US" sz="1600" dirty="0"/>
+              <a:t>Encounter</a:t>
+            </a:r>
+          </a:p>
+          <a:p>
+            <a:pPr algn="ctr"/>
+            <a:endParaRPr lang="en-AU" sz="1600" dirty="0"/>
+          </a:p>
+        </p:txBody>
+      </p:sp>
+      <p:sp>
+        <p:nvSpPr>
+          <p:cNvPr id="22" name="Rounded Rectangle 5"/>
+          <p:cNvSpPr/>
+          <p:nvPr/>
+        </p:nvSpPr>
+        <p:spPr>
+          <a:xfrm>
+            <a:off x="10182171" y="2641300"/>
+            <a:ext cx="1694439" cy="728495"/>
+          </a:xfrm>
+          <a:prstGeom prst="roundRect">
+            <a:avLst/>
+          </a:prstGeom>
+          <a:solidFill>
+            <a:srgbClr val="CEE1F2"/>
+          </a:solidFill>
+          <a:ln cap="rnd">
+            <a:round/>
+          </a:ln>
+          <a:effectLst>
+            <a:outerShdw blurRad="50800" dist="38100" dir="2700000" algn="tl" rotWithShape="0">
+              <a:prstClr val="black">
+                <a:alpha val="40000"/>
+              </a:prstClr>
+            </a:outerShdw>
+          </a:effectLst>
+        </p:spPr>
+        <p:style>
+          <a:lnRef idx="2">
+            <a:schemeClr val="accent1">
+              <a:shade val="50000"/>
+            </a:schemeClr>
+          </a:lnRef>
+          <a:fillRef idx="1">
+            <a:schemeClr val="accent1"/>
+          </a:fillRef>
+          <a:effectRef idx="0">
+            <a:schemeClr val="accent1"/>
+          </a:effectRef>
+          <a:fontRef idx="minor">
+            <a:schemeClr val="lt1"/>
+          </a:fontRef>
+        </p:style>
+        <p:txBody>
+          <a:bodyPr rtlCol="0" anchor="ctr"/>
+          <a:lstStyle/>
+          <a:p>
+            <a:pPr algn="ctr"/>
+            <a:r>
+              <a:rPr lang="en-US" dirty="0">
+                <a:solidFill>
+                  <a:schemeClr val="tx1"/>
+                </a:solidFill>
+              </a:rPr>
+              <a:t>Ruptured Bowel</a:t>
+            </a:r>
+            <a:endParaRPr lang="en-AU" dirty="0">
+              <a:solidFill>
+                <a:schemeClr val="tx1"/>
+              </a:solidFill>
+            </a:endParaRPr>
+          </a:p>
+        </p:txBody>
+      </p:sp>
+      <p:cxnSp>
+        <p:nvCxnSpPr>
+          <p:cNvPr id="23" name="Elbow Connector 37"/>
+          <p:cNvCxnSpPr/>
+          <p:nvPr/>
+        </p:nvCxnSpPr>
+        <p:spPr>
+          <a:xfrm flipH="1">
+            <a:off x="9239836" y="3088585"/>
+            <a:ext cx="858772" cy="16278"/>
+          </a:xfrm>
+          <a:prstGeom prst="straightConnector1">
+            <a:avLst/>
+          </a:prstGeom>
+          <a:ln>
+            <a:tailEnd type="triangle"/>
+          </a:ln>
+        </p:spPr>
+        <p:style>
+          <a:lnRef idx="3">
+            <a:schemeClr val="dk1"/>
+          </a:lnRef>
+          <a:fillRef idx="0">
+            <a:schemeClr val="dk1"/>
+          </a:fillRef>
+          <a:effectRef idx="2">
+            <a:schemeClr val="dk1"/>
+          </a:effectRef>
+          <a:fontRef idx="minor">
+            <a:schemeClr val="tx1"/>
+          </a:fontRef>
+        </p:style>
+      </p:cxnSp>
+    </p:spTree>
+    <p:extLst>
+      <p:ext uri="{BB962C8B-B14F-4D97-AF65-F5344CB8AC3E}">
+        <p14:creationId xmlns:p14="http://schemas.microsoft.com/office/powerpoint/2010/main" val="390798131"/>
+      </p:ext>
+    </p:extLst>
+  </p:cSld>
+  <p:clrMapOvr>
+    <a:masterClrMapping/>
+  </p:clrMapOvr>
+</p:sld>
+</file>
+
 <file path=ppt/slides/slide2.xml><?xml version="1.0" encoding="utf-8"?>
 <p:sld xmlns:a="http://schemas.openxmlformats.org/drawingml/2006/main" xmlns:r="http://schemas.openxmlformats.org/officeDocument/2006/relationships" xmlns:p="http://schemas.openxmlformats.org/presentationml/2006/main">
   <p:cSld>
@@ -3658,8 +5320,8 @@
         </p:nvCxnSpPr>
         <p:spPr>
           <a:xfrm flipH="1" flipV="1">
-            <a:off x="6820776" y="4963945"/>
-            <a:ext cx="881830" cy="623201"/>
+            <a:off x="6404607" y="5092973"/>
+            <a:ext cx="464288" cy="581105"/>
           </a:xfrm>
           <a:prstGeom prst="straightConnector1">
             <a:avLst/>
@@ -3784,53 +5446,14 @@
       </p:cxnSp>
       <p:cxnSp>
         <p:nvCxnSpPr>
-          <p:cNvPr id="12" name="Elbow Connector 37"/>
-          <p:cNvCxnSpPr/>
-          <p:nvPr/>
-        </p:nvCxnSpPr>
-        <p:spPr>
-          <a:xfrm flipH="1" flipV="1">
-            <a:off x="5833030" y="5056878"/>
-            <a:ext cx="9536" cy="531342"/>
-          </a:xfrm>
-          <a:prstGeom prst="straightConnector1">
-            <a:avLst/>
-          </a:prstGeom>
-          <a:ln w="19050" cap="flat" cmpd="sng" algn="ctr">
-            <a:solidFill>
-              <a:schemeClr val="accent1"/>
-            </a:solidFill>
-            <a:prstDash val="dash"/>
-            <a:round/>
-            <a:headEnd type="none" w="med" len="med"/>
-            <a:tailEnd type="triangle" w="med" len="med"/>
-          </a:ln>
-        </p:spPr>
-        <p:style>
-          <a:lnRef idx="0">
-            <a:scrgbClr r="0" g="0" b="0"/>
-          </a:lnRef>
-          <a:fillRef idx="0">
-            <a:scrgbClr r="0" g="0" b="0"/>
-          </a:fillRef>
-          <a:effectRef idx="0">
-            <a:scrgbClr r="0" g="0" b="0"/>
-          </a:effectRef>
-          <a:fontRef idx="minor">
-            <a:schemeClr val="tx1"/>
-          </a:fontRef>
-        </p:style>
-      </p:cxnSp>
-      <p:cxnSp>
-        <p:nvCxnSpPr>
           <p:cNvPr id="13" name="Elbow Connector 37"/>
           <p:cNvCxnSpPr/>
           <p:nvPr/>
         </p:nvCxnSpPr>
         <p:spPr>
           <a:xfrm flipV="1">
-            <a:off x="8381802" y="5070407"/>
-            <a:ext cx="0" cy="516739"/>
+            <a:off x="7529483" y="5092973"/>
+            <a:ext cx="325859" cy="548922"/>
           </a:xfrm>
           <a:prstGeom prst="straightConnector1">
             <a:avLst/>
@@ -3919,96 +5542,6 @@
           </a:p>
         </p:txBody>
       </p:sp>
-      <p:cxnSp>
-        <p:nvCxnSpPr>
-          <p:cNvPr id="23" name="Elbow Connector 37"/>
-          <p:cNvCxnSpPr/>
-          <p:nvPr/>
-        </p:nvCxnSpPr>
-        <p:spPr>
-          <a:xfrm>
-            <a:off x="6537417" y="5765282"/>
-            <a:ext cx="809828" cy="0"/>
-          </a:xfrm>
-          <a:prstGeom prst="straightConnector1">
-            <a:avLst/>
-          </a:prstGeom>
-          <a:ln w="19050" cap="flat" cmpd="sng" algn="ctr">
-            <a:solidFill>
-              <a:schemeClr val="accent1"/>
-            </a:solidFill>
-            <a:prstDash val="dash"/>
-            <a:round/>
-            <a:headEnd type="none" w="med" len="med"/>
-            <a:tailEnd type="triangle" w="med" len="med"/>
-          </a:ln>
-        </p:spPr>
-        <p:style>
-          <a:lnRef idx="0">
-            <a:scrgbClr r="0" g="0" b="0"/>
-          </a:lnRef>
-          <a:fillRef idx="0">
-            <a:scrgbClr r="0" g="0" b="0"/>
-          </a:fillRef>
-          <a:effectRef idx="0">
-            <a:scrgbClr r="0" g="0" b="0"/>
-          </a:effectRef>
-          <a:fontRef idx="minor">
-            <a:schemeClr val="tx1"/>
-          </a:fontRef>
-        </p:style>
-      </p:cxnSp>
-      <p:sp>
-        <p:nvSpPr>
-          <p:cNvPr id="24" name="Rounded Rectangle 9"/>
-          <p:cNvSpPr/>
-          <p:nvPr/>
-        </p:nvSpPr>
-        <p:spPr>
-          <a:xfrm>
-            <a:off x="4985812" y="5401035"/>
-            <a:ext cx="1713508" cy="728495"/>
-          </a:xfrm>
-          <a:prstGeom prst="roundRect">
-            <a:avLst/>
-          </a:prstGeom>
-          <a:solidFill>
-            <a:schemeClr val="accent5">
-              <a:lumMod val="60000"/>
-              <a:lumOff val="40000"/>
-            </a:schemeClr>
-          </a:solidFill>
-          <a:ln>
-            <a:noFill/>
-          </a:ln>
-        </p:spPr>
-        <p:style>
-          <a:lnRef idx="0">
-            <a:scrgbClr r="0" g="0" b="0"/>
-          </a:lnRef>
-          <a:fillRef idx="0">
-            <a:scrgbClr r="0" g="0" b="0"/>
-          </a:fillRef>
-          <a:effectRef idx="0">
-            <a:scrgbClr r="0" g="0" b="0"/>
-          </a:effectRef>
-          <a:fontRef idx="minor">
-            <a:schemeClr val="lt1"/>
-          </a:fontRef>
-        </p:style>
-        <p:txBody>
-          <a:bodyPr rtlCol="0" anchor="ctr"/>
-          <a:lstStyle/>
-          <a:p>
-            <a:pPr algn="ctr"/>
-            <a:r>
-              <a:rPr lang="en-US" sz="1600" dirty="0"/>
-              <a:t>* Billable Item</a:t>
-            </a:r>
-            <a:endParaRPr lang="en-AU" sz="1600" dirty="0"/>
-          </a:p>
-        </p:txBody>
-      </p:sp>
       <p:sp>
         <p:nvSpPr>
           <p:cNvPr id="26" name="Rounded Rectangle 5"/>
@@ -4147,16 +5680,17 @@
         </p:nvSpPr>
         <p:spPr>
           <a:xfrm>
-            <a:off x="7534583" y="5389050"/>
+            <a:off x="6305740" y="5408323"/>
             <a:ext cx="1694439" cy="728495"/>
           </a:xfrm>
           <a:prstGeom prst="roundRect">
             <a:avLst/>
           </a:prstGeom>
           <a:solidFill>
-            <a:srgbClr val="CEE1F2"/>
+            <a:srgbClr val="DEEBF6"/>
           </a:solidFill>
           <a:ln cap="rnd">
+            <a:prstDash val="dashDot"/>
             <a:round/>
           </a:ln>
           <a:effectLst>
@@ -4191,7 +5725,9 @@
             <a:r>
               <a:rPr lang="en-US" dirty="0">
                 <a:solidFill>
-                  <a:schemeClr val="tx1"/>
+                  <a:schemeClr val="bg1">
+                    <a:lumMod val="65000"/>
+                  </a:schemeClr>
                 </a:solidFill>
               </a:rPr>
               <a:t>Claim</a:t>
@@ -4371,9 +5907,10 @@
             <a:avLst/>
           </a:prstGeom>
           <a:solidFill>
-            <a:srgbClr val="CEE1F2"/>
+            <a:srgbClr val="DEEBF6"/>
           </a:solidFill>
           <a:ln cap="rnd">
+            <a:prstDash val="dashDot"/>
             <a:round/>
           </a:ln>
           <a:effectLst>
@@ -4408,7 +5945,9 @@
             <a:r>
               <a:rPr lang="en-US" dirty="0">
                 <a:solidFill>
-                  <a:schemeClr val="tx1"/>
+                  <a:schemeClr val="bg1">
+                    <a:lumMod val="65000"/>
+                  </a:schemeClr>
                 </a:solidFill>
               </a:rPr>
               <a:t>Coverage</a:t>
@@ -4612,45 +6151,6 @@
           </a:p>
         </p:txBody>
       </p:sp>
-      <p:cxnSp>
-        <p:nvCxnSpPr>
-          <p:cNvPr id="55" name="Elbow Connector 37"/>
-          <p:cNvCxnSpPr/>
-          <p:nvPr/>
-        </p:nvCxnSpPr>
-        <p:spPr>
-          <a:xfrm flipH="1">
-            <a:off x="4349931" y="5765282"/>
-            <a:ext cx="822961" cy="0"/>
-          </a:xfrm>
-          <a:prstGeom prst="straightConnector1">
-            <a:avLst/>
-          </a:prstGeom>
-          <a:ln w="19050" cap="flat" cmpd="sng" algn="ctr">
-            <a:solidFill>
-              <a:schemeClr val="accent1"/>
-            </a:solidFill>
-            <a:prstDash val="dash"/>
-            <a:round/>
-            <a:headEnd type="none" w="med" len="med"/>
-            <a:tailEnd type="triangle" w="med" len="med"/>
-          </a:ln>
-        </p:spPr>
-        <p:style>
-          <a:lnRef idx="0">
-            <a:scrgbClr r="0" g="0" b="0"/>
-          </a:lnRef>
-          <a:fillRef idx="0">
-            <a:scrgbClr r="0" g="0" b="0"/>
-          </a:fillRef>
-          <a:effectRef idx="0">
-            <a:scrgbClr r="0" g="0" b="0"/>
-          </a:effectRef>
-          <a:fontRef idx="minor">
-            <a:schemeClr val="tx1"/>
-          </a:fontRef>
-        </p:style>
-      </p:cxnSp>
       <p:sp>
         <p:nvSpPr>
           <p:cNvPr id="28" name="Rounded Rectangle 6"/>
@@ -6273,22 +7773,589 @@
           <a:chExt cx="0" cy="0"/>
         </a:xfrm>
       </p:grpSpPr>
-      <p:sp>
-        <p:nvSpPr>
-          <p:cNvPr id="25" name="Rounded Rectangle 5"/>
+      <p:cxnSp>
+        <p:nvCxnSpPr>
+          <p:cNvPr id="68" name="Elbow Connector 37"/>
+          <p:cNvCxnSpPr/>
+          <p:nvPr/>
+        </p:nvCxnSpPr>
+        <p:spPr>
+          <a:xfrm flipH="1">
+            <a:off x="7392918" y="3988403"/>
+            <a:ext cx="181668" cy="438057"/>
+          </a:xfrm>
+          <a:prstGeom prst="straightConnector1">
+            <a:avLst/>
+          </a:prstGeom>
+          <a:ln>
+            <a:tailEnd type="triangle"/>
+          </a:ln>
+        </p:spPr>
+        <p:style>
+          <a:lnRef idx="3">
+            <a:schemeClr val="dk1"/>
+          </a:lnRef>
+          <a:fillRef idx="0">
+            <a:schemeClr val="dk1"/>
+          </a:fillRef>
+          <a:effectRef idx="2">
+            <a:schemeClr val="dk1"/>
+          </a:effectRef>
+          <a:fontRef idx="minor">
+            <a:schemeClr val="tx1"/>
+          </a:fontRef>
+        </p:style>
+      </p:cxnSp>
+      <p:cxnSp>
+        <p:nvCxnSpPr>
+          <p:cNvPr id="74" name="Elbow Connector 37"/>
+          <p:cNvCxnSpPr/>
+          <p:nvPr/>
+        </p:nvCxnSpPr>
+        <p:spPr>
+          <a:xfrm>
+            <a:off x="5093063" y="4974114"/>
+            <a:ext cx="1094509" cy="0"/>
+          </a:xfrm>
+          <a:prstGeom prst="straightConnector1">
+            <a:avLst/>
+          </a:prstGeom>
+          <a:ln>
+            <a:tailEnd type="triangle"/>
+          </a:ln>
+        </p:spPr>
+        <p:style>
+          <a:lnRef idx="3">
+            <a:schemeClr val="dk1"/>
+          </a:lnRef>
+          <a:fillRef idx="0">
+            <a:schemeClr val="dk1"/>
+          </a:fillRef>
+          <a:effectRef idx="2">
+            <a:schemeClr val="dk1"/>
+          </a:effectRef>
+          <a:fontRef idx="minor">
+            <a:schemeClr val="tx1"/>
+          </a:fontRef>
+        </p:style>
+      </p:cxnSp>
+      <p:cxnSp>
+        <p:nvCxnSpPr>
+          <p:cNvPr id="80" name="Elbow Connector 37"/>
+          <p:cNvCxnSpPr/>
+          <p:nvPr/>
+        </p:nvCxnSpPr>
+        <p:spPr>
+          <a:xfrm>
+            <a:off x="3504430" y="3767012"/>
+            <a:ext cx="2475316" cy="915780"/>
+          </a:xfrm>
+          <a:prstGeom prst="straightConnector1">
+            <a:avLst/>
+          </a:prstGeom>
+          <a:ln>
+            <a:tailEnd type="triangle"/>
+          </a:ln>
+        </p:spPr>
+        <p:style>
+          <a:lnRef idx="3">
+            <a:schemeClr val="dk1"/>
+          </a:lnRef>
+          <a:fillRef idx="0">
+            <a:schemeClr val="dk1"/>
+          </a:fillRef>
+          <a:effectRef idx="2">
+            <a:schemeClr val="dk1"/>
+          </a:effectRef>
+          <a:fontRef idx="minor">
+            <a:schemeClr val="tx1"/>
+          </a:fontRef>
+        </p:style>
+      </p:cxnSp>
+      <p:cxnSp>
+        <p:nvCxnSpPr>
+          <p:cNvPr id="76" name="Elbow Connector 37"/>
+          <p:cNvCxnSpPr/>
+          <p:nvPr/>
+        </p:nvCxnSpPr>
+        <p:spPr>
+          <a:xfrm>
+            <a:off x="5107257" y="2498171"/>
+            <a:ext cx="1660734" cy="1928289"/>
+          </a:xfrm>
+          <a:prstGeom prst="straightConnector1">
+            <a:avLst/>
+          </a:prstGeom>
+          <a:ln>
+            <a:tailEnd type="triangle"/>
+          </a:ln>
+        </p:spPr>
+        <p:style>
+          <a:lnRef idx="3">
+            <a:schemeClr val="dk1"/>
+          </a:lnRef>
+          <a:fillRef idx="0">
+            <a:schemeClr val="dk1"/>
+          </a:fillRef>
+          <a:effectRef idx="2">
+            <a:schemeClr val="dk1"/>
+          </a:effectRef>
+          <a:fontRef idx="minor">
+            <a:schemeClr val="tx1"/>
+          </a:fontRef>
+        </p:style>
+      </p:cxnSp>
+      <p:cxnSp>
+        <p:nvCxnSpPr>
+          <p:cNvPr id="9" name="Elbow Connector 37"/>
+          <p:cNvCxnSpPr/>
+          <p:nvPr/>
+        </p:nvCxnSpPr>
+        <p:spPr>
+          <a:xfrm>
+            <a:off x="5093063" y="2453706"/>
+            <a:ext cx="116931" cy="678493"/>
+          </a:xfrm>
+          <a:prstGeom prst="straightConnector1">
+            <a:avLst/>
+          </a:prstGeom>
+          <a:ln>
+            <a:tailEnd type="triangle"/>
+          </a:ln>
+        </p:spPr>
+        <p:style>
+          <a:lnRef idx="3">
+            <a:schemeClr val="dk1"/>
+          </a:lnRef>
+          <a:fillRef idx="0">
+            <a:schemeClr val="dk1"/>
+          </a:fillRef>
+          <a:effectRef idx="2">
+            <a:schemeClr val="dk1"/>
+          </a:effectRef>
+          <a:fontRef idx="minor">
+            <a:schemeClr val="tx1"/>
+          </a:fontRef>
+        </p:style>
+      </p:cxnSp>
+      <p:cxnSp>
+        <p:nvCxnSpPr>
+          <p:cNvPr id="10" name="Elbow Connector 37"/>
+          <p:cNvCxnSpPr/>
+          <p:nvPr/>
+        </p:nvCxnSpPr>
+        <p:spPr>
+          <a:xfrm flipH="1">
+            <a:off x="3107245" y="2453706"/>
+            <a:ext cx="794328" cy="607358"/>
+          </a:xfrm>
+          <a:prstGeom prst="straightConnector1">
+            <a:avLst/>
+          </a:prstGeom>
+          <a:ln>
+            <a:tailEnd type="triangle"/>
+          </a:ln>
+        </p:spPr>
+        <p:style>
+          <a:lnRef idx="3">
+            <a:schemeClr val="dk1"/>
+          </a:lnRef>
+          <a:fillRef idx="0">
+            <a:schemeClr val="dk1"/>
+          </a:fillRef>
+          <a:effectRef idx="2">
+            <a:schemeClr val="dk1"/>
+          </a:effectRef>
+          <a:fontRef idx="minor">
+            <a:schemeClr val="tx1"/>
+          </a:fontRef>
+        </p:style>
+      </p:cxnSp>
+      <p:cxnSp>
+        <p:nvCxnSpPr>
+          <p:cNvPr id="11" name="Elbow Connector 37"/>
+          <p:cNvCxnSpPr/>
+          <p:nvPr/>
+        </p:nvCxnSpPr>
+        <p:spPr>
+          <a:xfrm flipH="1" flipV="1">
+            <a:off x="5508700" y="2453706"/>
+            <a:ext cx="1357745" cy="854842"/>
+          </a:xfrm>
+          <a:prstGeom prst="straightConnector1">
+            <a:avLst/>
+          </a:prstGeom>
+          <a:ln>
+            <a:tailEnd type="triangle"/>
+          </a:ln>
+        </p:spPr>
+        <p:style>
+          <a:lnRef idx="3">
+            <a:schemeClr val="dk1"/>
+          </a:lnRef>
+          <a:fillRef idx="0">
+            <a:schemeClr val="dk1"/>
+          </a:fillRef>
+          <a:effectRef idx="2">
+            <a:schemeClr val="dk1"/>
+          </a:effectRef>
+          <a:fontRef idx="minor">
+            <a:schemeClr val="tx1"/>
+          </a:fontRef>
+        </p:style>
+      </p:cxnSp>
+      <p:cxnSp>
+        <p:nvCxnSpPr>
+          <p:cNvPr id="12" name="Elbow Connector 37"/>
+          <p:cNvCxnSpPr/>
+          <p:nvPr/>
+        </p:nvCxnSpPr>
+        <p:spPr>
+          <a:xfrm flipH="1">
+            <a:off x="5416479" y="4042275"/>
+            <a:ext cx="1976439" cy="720521"/>
+          </a:xfrm>
+          <a:prstGeom prst="straightConnector1">
+            <a:avLst/>
+          </a:prstGeom>
+          <a:ln>
+            <a:tailEnd type="triangle"/>
+          </a:ln>
+        </p:spPr>
+        <p:style>
+          <a:lnRef idx="3">
+            <a:schemeClr val="dk1"/>
+          </a:lnRef>
+          <a:fillRef idx="0">
+            <a:schemeClr val="dk1"/>
+          </a:fillRef>
+          <a:effectRef idx="2">
+            <a:schemeClr val="dk1"/>
+          </a:effectRef>
+          <a:fontRef idx="minor">
+            <a:schemeClr val="tx1"/>
+          </a:fontRef>
+        </p:style>
+      </p:cxnSp>
+      <p:cxnSp>
+        <p:nvCxnSpPr>
+          <p:cNvPr id="13" name="Elbow Connector 37"/>
+          <p:cNvCxnSpPr/>
+          <p:nvPr/>
+        </p:nvCxnSpPr>
+        <p:spPr>
+          <a:xfrm flipH="1">
+            <a:off x="5093063" y="3856280"/>
+            <a:ext cx="134841" cy="651933"/>
+          </a:xfrm>
+          <a:prstGeom prst="straightConnector1">
+            <a:avLst/>
+          </a:prstGeom>
+          <a:ln>
+            <a:tailEnd type="triangle"/>
+          </a:ln>
+        </p:spPr>
+        <p:style>
+          <a:lnRef idx="3">
+            <a:schemeClr val="dk1"/>
+          </a:lnRef>
+          <a:fillRef idx="0">
+            <a:schemeClr val="dk1"/>
+          </a:fillRef>
+          <a:effectRef idx="2">
+            <a:schemeClr val="dk1"/>
+          </a:effectRef>
+          <a:fontRef idx="minor">
+            <a:schemeClr val="tx1"/>
+          </a:fontRef>
+        </p:style>
+      </p:cxnSp>
+      <p:cxnSp>
+        <p:nvCxnSpPr>
+          <p:cNvPr id="14" name="Elbow Connector 37"/>
+          <p:cNvCxnSpPr/>
+          <p:nvPr/>
+        </p:nvCxnSpPr>
+        <p:spPr>
+          <a:xfrm>
+            <a:off x="3416302" y="3856280"/>
+            <a:ext cx="345827" cy="643105"/>
+          </a:xfrm>
+          <a:prstGeom prst="straightConnector1">
+            <a:avLst/>
+          </a:prstGeom>
+          <a:ln>
+            <a:tailEnd type="triangle"/>
+          </a:ln>
+        </p:spPr>
+        <p:style>
+          <a:lnRef idx="3">
+            <a:schemeClr val="dk1"/>
+          </a:lnRef>
+          <a:fillRef idx="0">
+            <a:schemeClr val="dk1"/>
+          </a:fillRef>
+          <a:effectRef idx="2">
+            <a:schemeClr val="dk1"/>
+          </a:effectRef>
+          <a:fontRef idx="minor">
+            <a:schemeClr val="tx1"/>
+          </a:fontRef>
+        </p:style>
+      </p:cxnSp>
+      <p:cxnSp>
+        <p:nvCxnSpPr>
+          <p:cNvPr id="15" name="Elbow Connector 37"/>
+          <p:cNvCxnSpPr>
+            <a:stCxn id="5" idx="3"/>
+          </p:cNvCxnSpPr>
+          <p:nvPr/>
+        </p:nvCxnSpPr>
+        <p:spPr>
+          <a:xfrm>
+            <a:off x="3539902" y="3598101"/>
+            <a:ext cx="731559" cy="14126"/>
+          </a:xfrm>
+          <a:prstGeom prst="straightConnector1">
+            <a:avLst/>
+          </a:prstGeom>
+          <a:ln>
+            <a:tailEnd type="triangle"/>
+          </a:ln>
+        </p:spPr>
+        <p:style>
+          <a:lnRef idx="3">
+            <a:schemeClr val="dk1"/>
+          </a:lnRef>
+          <a:fillRef idx="0">
+            <a:schemeClr val="dk1"/>
+          </a:fillRef>
+          <a:effectRef idx="2">
+            <a:schemeClr val="dk1"/>
+          </a:effectRef>
+          <a:fontRef idx="minor">
+            <a:schemeClr val="tx1"/>
+          </a:fontRef>
+        </p:style>
+      </p:cxnSp>
+      <p:cxnSp>
+        <p:nvCxnSpPr>
+          <p:cNvPr id="16" name="Elbow Connector 37"/>
+          <p:cNvCxnSpPr>
+            <a:stCxn id="8" idx="3"/>
+          </p:cNvCxnSpPr>
+          <p:nvPr/>
+        </p:nvCxnSpPr>
+        <p:spPr>
+          <a:xfrm>
+            <a:off x="5918648" y="3598101"/>
+            <a:ext cx="731559" cy="14126"/>
+          </a:xfrm>
+          <a:prstGeom prst="straightConnector1">
+            <a:avLst/>
+          </a:prstGeom>
+          <a:ln>
+            <a:tailEnd type="triangle"/>
+          </a:ln>
+        </p:spPr>
+        <p:style>
+          <a:lnRef idx="3">
+            <a:schemeClr val="dk1"/>
+          </a:lnRef>
+          <a:fillRef idx="0">
+            <a:schemeClr val="dk1"/>
+          </a:fillRef>
+          <a:effectRef idx="2">
+            <a:schemeClr val="dk1"/>
+          </a:effectRef>
+          <a:fontRef idx="minor">
+            <a:schemeClr val="tx1"/>
+          </a:fontRef>
+        </p:style>
+      </p:cxnSp>
+      <p:cxnSp>
+        <p:nvCxnSpPr>
+          <p:cNvPr id="17" name="Elbow Connector 37"/>
+          <p:cNvCxnSpPr/>
+          <p:nvPr/>
+        </p:nvCxnSpPr>
+        <p:spPr>
+          <a:xfrm>
+            <a:off x="3948354" y="2624861"/>
+            <a:ext cx="2349" cy="1843370"/>
+          </a:xfrm>
+          <a:prstGeom prst="straightConnector1">
+            <a:avLst/>
+          </a:prstGeom>
+          <a:ln>
+            <a:tailEnd type="triangle"/>
+          </a:ln>
+        </p:spPr>
+        <p:style>
+          <a:lnRef idx="3">
+            <a:schemeClr val="dk1"/>
+          </a:lnRef>
+          <a:fillRef idx="0">
+            <a:schemeClr val="dk1"/>
+          </a:fillRef>
+          <a:effectRef idx="2">
+            <a:schemeClr val="dk1"/>
+          </a:effectRef>
+          <a:fontRef idx="minor">
+            <a:schemeClr val="tx1"/>
+          </a:fontRef>
+        </p:style>
+      </p:cxnSp>
+      <p:sp>
+        <p:nvSpPr>
+          <p:cNvPr id="18" name="Rounded Rectangle 19"/>
           <p:cNvSpPr/>
           <p:nvPr/>
         </p:nvSpPr>
         <p:spPr>
           <a:xfrm>
-            <a:off x="2843964" y="289931"/>
-            <a:ext cx="5943198" cy="1458695"/>
+            <a:off x="2747773" y="5879813"/>
+            <a:ext cx="1468649" cy="728495"/>
           </a:xfrm>
           <a:prstGeom prst="roundRect">
             <a:avLst/>
           </a:prstGeom>
+        </p:spPr>
+        <p:style>
+          <a:lnRef idx="0">
+            <a:schemeClr val="accent3"/>
+          </a:lnRef>
+          <a:fillRef idx="3">
+            <a:schemeClr val="accent3"/>
+          </a:fillRef>
+          <a:effectRef idx="3">
+            <a:schemeClr val="accent3"/>
+          </a:effectRef>
+          <a:fontRef idx="minor">
+            <a:schemeClr val="lt1"/>
+          </a:fontRef>
+        </p:style>
+        <p:txBody>
+          <a:bodyPr rtlCol="0" anchor="ctr"/>
+          <a:lstStyle/>
+          <a:p>
+            <a:pPr algn="ctr"/>
+            <a:r>
+              <a:rPr lang="en-US" sz="1600" dirty="0"/>
+              <a:t>Schedule</a:t>
+            </a:r>
+            <a:endParaRPr lang="en-AU" sz="1600" dirty="0"/>
+          </a:p>
+        </p:txBody>
+      </p:sp>
+      <p:sp>
+        <p:nvSpPr>
+          <p:cNvPr id="19" name="Rounded Rectangle 20"/>
+          <p:cNvSpPr/>
+          <p:nvPr/>
+        </p:nvSpPr>
+        <p:spPr>
+          <a:xfrm>
+            <a:off x="4436636" y="5879813"/>
+            <a:ext cx="1468649" cy="728495"/>
+          </a:xfrm>
+          <a:prstGeom prst="roundRect">
+            <a:avLst/>
+          </a:prstGeom>
+        </p:spPr>
+        <p:style>
+          <a:lnRef idx="0">
+            <a:schemeClr val="accent3"/>
+          </a:lnRef>
+          <a:fillRef idx="3">
+            <a:schemeClr val="accent3"/>
+          </a:fillRef>
+          <a:effectRef idx="3">
+            <a:schemeClr val="accent3"/>
+          </a:effectRef>
+          <a:fontRef idx="minor">
+            <a:schemeClr val="lt1"/>
+          </a:fontRef>
+        </p:style>
+        <p:txBody>
+          <a:bodyPr rtlCol="0" anchor="ctr"/>
+          <a:lstStyle/>
+          <a:p>
+            <a:pPr algn="ctr"/>
+            <a:r>
+              <a:rPr lang="en-US" sz="1600" dirty="0"/>
+              <a:t>Referral Request</a:t>
+            </a:r>
+            <a:endParaRPr lang="en-AU" sz="1600" dirty="0"/>
+          </a:p>
+        </p:txBody>
+      </p:sp>
+      <p:sp>
+        <p:nvSpPr>
+          <p:cNvPr id="20" name="Rounded Rectangle 21"/>
+          <p:cNvSpPr/>
+          <p:nvPr/>
+        </p:nvSpPr>
+        <p:spPr>
+          <a:xfrm>
+            <a:off x="6125499" y="5879813"/>
+            <a:ext cx="1468649" cy="728495"/>
+          </a:xfrm>
+          <a:prstGeom prst="roundRect">
+            <a:avLst/>
+          </a:prstGeom>
           <a:solidFill>
-            <a:schemeClr val="bg1"/>
+            <a:schemeClr val="accent3">
+              <a:alpha val="50000"/>
+            </a:schemeClr>
+          </a:solidFill>
+          <a:ln>
+            <a:noFill/>
+          </a:ln>
+        </p:spPr>
+        <p:style>
+          <a:lnRef idx="0">
+            <a:scrgbClr r="0" g="0" b="0"/>
+          </a:lnRef>
+          <a:fillRef idx="0">
+            <a:scrgbClr r="0" g="0" b="0"/>
+          </a:fillRef>
+          <a:effectRef idx="0">
+            <a:scrgbClr r="0" g="0" b="0"/>
+          </a:effectRef>
+          <a:fontRef idx="minor">
+            <a:schemeClr val="lt1"/>
+          </a:fontRef>
+        </p:style>
+        <p:txBody>
+          <a:bodyPr rtlCol="0" anchor="ctr"/>
+          <a:lstStyle/>
+          <a:p>
+            <a:pPr algn="ctr"/>
+            <a:r>
+              <a:rPr lang="en-US" sz="1600" dirty="0"/>
+              <a:t>Care Plan</a:t>
+            </a:r>
+            <a:endParaRPr lang="en-AU" sz="1600" dirty="0"/>
+          </a:p>
+        </p:txBody>
+      </p:sp>
+      <p:sp>
+        <p:nvSpPr>
+          <p:cNvPr id="21" name="Rounded Rectangle 22"/>
+          <p:cNvSpPr/>
+          <p:nvPr/>
+        </p:nvSpPr>
+        <p:spPr>
+          <a:xfrm>
+            <a:off x="6309028" y="4609867"/>
+            <a:ext cx="1468649" cy="728495"/>
+          </a:xfrm>
+          <a:prstGeom prst="roundRect">
+            <a:avLst/>
+          </a:prstGeom>
+          <a:solidFill>
+            <a:srgbClr val="CEE1F2"/>
           </a:solidFill>
           <a:ln cap="rnd">
             <a:round/>
@@ -6322,6 +8389,14 @@
           <a:lstStyle/>
           <a:p>
             <a:pPr algn="ctr"/>
+            <a:r>
+              <a:rPr lang="en-US" dirty="0">
+                <a:solidFill>
+                  <a:schemeClr val="tx1"/>
+                </a:solidFill>
+              </a:rPr>
+              <a:t>Endpoint</a:t>
+            </a:r>
             <a:endParaRPr lang="en-AU" dirty="0">
               <a:solidFill>
                 <a:schemeClr val="tx1"/>
@@ -6330,259 +8405,27 @@
           </a:p>
         </p:txBody>
       </p:sp>
-      <p:cxnSp>
-        <p:nvCxnSpPr>
-          <p:cNvPr id="5" name="Elbow Connector 37"/>
-          <p:cNvCxnSpPr/>
-          <p:nvPr/>
-        </p:nvCxnSpPr>
-        <p:spPr>
-          <a:xfrm>
-            <a:off x="3400442" y="2543188"/>
-            <a:ext cx="1193979" cy="284832"/>
-          </a:xfrm>
-          <a:prstGeom prst="straightConnector1">
-            <a:avLst/>
-          </a:prstGeom>
+      <p:sp>
+        <p:nvSpPr>
+          <p:cNvPr id="22" name="Rounded Rectangle 23"/>
+          <p:cNvSpPr/>
+          <p:nvPr/>
+        </p:nvSpPr>
+        <p:spPr>
+          <a:xfrm>
+            <a:off x="7814362" y="5879813"/>
+            <a:ext cx="1468649" cy="728495"/>
+          </a:xfrm>
+          <a:prstGeom prst="roundRect">
+            <a:avLst/>
+          </a:prstGeom>
+          <a:solidFill>
+            <a:schemeClr val="accent3">
+              <a:alpha val="50000"/>
+            </a:schemeClr>
+          </a:solidFill>
           <a:ln>
-            <a:tailEnd type="triangle"/>
-          </a:ln>
-        </p:spPr>
-        <p:style>
-          <a:lnRef idx="3">
-            <a:schemeClr val="dk1"/>
-          </a:lnRef>
-          <a:fillRef idx="0">
-            <a:schemeClr val="dk1"/>
-          </a:fillRef>
-          <a:effectRef idx="2">
-            <a:schemeClr val="dk1"/>
-          </a:effectRef>
-          <a:fontRef idx="minor">
-            <a:schemeClr val="tx1"/>
-          </a:fontRef>
-        </p:style>
-      </p:cxnSp>
-      <p:cxnSp>
-        <p:nvCxnSpPr>
-          <p:cNvPr id="6" name="Elbow Connector 37"/>
-          <p:cNvCxnSpPr/>
-          <p:nvPr/>
-        </p:nvCxnSpPr>
-        <p:spPr>
-          <a:xfrm flipH="1" flipV="1">
-            <a:off x="4444392" y="1412373"/>
-            <a:ext cx="539727" cy="1412146"/>
-          </a:xfrm>
-          <a:prstGeom prst="straightConnector1">
-            <a:avLst/>
-          </a:prstGeom>
-          <a:ln>
-            <a:tailEnd type="triangle"/>
-          </a:ln>
-        </p:spPr>
-        <p:style>
-          <a:lnRef idx="3">
-            <a:schemeClr val="dk1"/>
-          </a:lnRef>
-          <a:fillRef idx="0">
-            <a:schemeClr val="dk1"/>
-          </a:fillRef>
-          <a:effectRef idx="2">
-            <a:schemeClr val="dk1"/>
-          </a:effectRef>
-          <a:fontRef idx="minor">
-            <a:schemeClr val="tx1"/>
-          </a:fontRef>
-        </p:style>
-      </p:cxnSp>
-      <p:cxnSp>
-        <p:nvCxnSpPr>
-          <p:cNvPr id="7" name="Elbow Connector 37"/>
-          <p:cNvCxnSpPr/>
-          <p:nvPr/>
-        </p:nvCxnSpPr>
-        <p:spPr>
-          <a:xfrm flipH="1" flipV="1">
-            <a:off x="8050246" y="1916083"/>
-            <a:ext cx="309802" cy="909912"/>
-          </a:xfrm>
-          <a:prstGeom prst="straightConnector1">
-            <a:avLst/>
-          </a:prstGeom>
-          <a:ln>
-            <a:tailEnd type="triangle"/>
-          </a:ln>
-        </p:spPr>
-        <p:style>
-          <a:lnRef idx="3">
-            <a:schemeClr val="dk1"/>
-          </a:lnRef>
-          <a:fillRef idx="0">
-            <a:schemeClr val="dk1"/>
-          </a:fillRef>
-          <a:effectRef idx="2">
-            <a:schemeClr val="dk1"/>
-          </a:effectRef>
-          <a:fontRef idx="minor">
-            <a:schemeClr val="tx1"/>
-          </a:fontRef>
-        </p:style>
-      </p:cxnSp>
-      <p:cxnSp>
-        <p:nvCxnSpPr>
-          <p:cNvPr id="8" name="Elbow Connector 37"/>
-          <p:cNvCxnSpPr/>
-          <p:nvPr/>
-        </p:nvCxnSpPr>
-        <p:spPr>
-          <a:xfrm flipH="1" flipV="1">
-            <a:off x="6585385" y="3466824"/>
-            <a:ext cx="881830" cy="623201"/>
-          </a:xfrm>
-          <a:prstGeom prst="straightConnector1">
-            <a:avLst/>
-          </a:prstGeom>
-          <a:ln>
-            <a:tailEnd type="triangle"/>
-          </a:ln>
-        </p:spPr>
-        <p:style>
-          <a:lnRef idx="3">
-            <a:schemeClr val="dk1"/>
-          </a:lnRef>
-          <a:fillRef idx="0">
-            <a:schemeClr val="dk1"/>
-          </a:fillRef>
-          <a:effectRef idx="2">
-            <a:schemeClr val="dk1"/>
-          </a:effectRef>
-          <a:fontRef idx="minor">
-            <a:schemeClr val="tx1"/>
-          </a:fontRef>
-        </p:style>
-      </p:cxnSp>
-      <p:cxnSp>
-        <p:nvCxnSpPr>
-          <p:cNvPr id="9" name="Elbow Connector 37"/>
-          <p:cNvCxnSpPr/>
-          <p:nvPr/>
-        </p:nvCxnSpPr>
-        <p:spPr>
-          <a:xfrm flipH="1" flipV="1">
-            <a:off x="7600341" y="1916083"/>
-            <a:ext cx="269289" cy="909911"/>
-          </a:xfrm>
-          <a:prstGeom prst="straightConnector1">
-            <a:avLst/>
-          </a:prstGeom>
-          <a:ln>
-            <a:tailEnd type="triangle"/>
-          </a:ln>
-        </p:spPr>
-        <p:style>
-          <a:lnRef idx="3">
-            <a:schemeClr val="dk1"/>
-          </a:lnRef>
-          <a:fillRef idx="0">
-            <a:schemeClr val="dk1"/>
-          </a:fillRef>
-          <a:effectRef idx="2">
-            <a:schemeClr val="dk1"/>
-          </a:effectRef>
-          <a:fontRef idx="minor">
-            <a:schemeClr val="tx1"/>
-          </a:fontRef>
-        </p:style>
-      </p:cxnSp>
-      <p:cxnSp>
-        <p:nvCxnSpPr>
-          <p:cNvPr id="10" name="Elbow Connector 37"/>
-          <p:cNvCxnSpPr/>
-          <p:nvPr/>
-        </p:nvCxnSpPr>
-        <p:spPr>
-          <a:xfrm flipH="1" flipV="1">
-            <a:off x="3021024" y="3027622"/>
-            <a:ext cx="183310" cy="694167"/>
-          </a:xfrm>
-          <a:prstGeom prst="straightConnector1">
-            <a:avLst/>
-          </a:prstGeom>
-          <a:ln>
-            <a:tailEnd type="triangle"/>
-          </a:ln>
-        </p:spPr>
-        <p:style>
-          <a:lnRef idx="3">
-            <a:schemeClr val="dk1"/>
-          </a:lnRef>
-          <a:fillRef idx="0">
-            <a:schemeClr val="dk1"/>
-          </a:fillRef>
-          <a:effectRef idx="2">
-            <a:schemeClr val="dk1"/>
-          </a:effectRef>
-          <a:fontRef idx="minor">
-            <a:schemeClr val="tx1"/>
-          </a:fontRef>
-        </p:style>
-      </p:cxnSp>
-      <p:cxnSp>
-        <p:nvCxnSpPr>
-          <p:cNvPr id="11" name="Elbow Connector 37"/>
-          <p:cNvCxnSpPr/>
-          <p:nvPr/>
-        </p:nvCxnSpPr>
-        <p:spPr>
-          <a:xfrm flipV="1">
-            <a:off x="4015958" y="3280166"/>
-            <a:ext cx="578463" cy="441623"/>
-          </a:xfrm>
-          <a:prstGeom prst="straightConnector1">
-            <a:avLst/>
-          </a:prstGeom>
-          <a:ln>
-            <a:tailEnd type="triangle"/>
-          </a:ln>
-        </p:spPr>
-        <p:style>
-          <a:lnRef idx="3">
-            <a:schemeClr val="dk1"/>
-          </a:lnRef>
-          <a:fillRef idx="0">
-            <a:schemeClr val="dk1"/>
-          </a:fillRef>
-          <a:effectRef idx="2">
-            <a:schemeClr val="dk1"/>
-          </a:effectRef>
-          <a:fontRef idx="minor">
-            <a:schemeClr val="tx1"/>
-          </a:fontRef>
-        </p:style>
-      </p:cxnSp>
-      <p:cxnSp>
-        <p:nvCxnSpPr>
-          <p:cNvPr id="12" name="Elbow Connector 37"/>
-          <p:cNvCxnSpPr/>
-          <p:nvPr/>
-        </p:nvCxnSpPr>
-        <p:spPr>
-          <a:xfrm flipH="1" flipV="1">
-            <a:off x="5597639" y="3559757"/>
-            <a:ext cx="9536" cy="531342"/>
-          </a:xfrm>
-          <a:prstGeom prst="straightConnector1">
-            <a:avLst/>
-          </a:prstGeom>
-          <a:ln w="19050" cap="flat" cmpd="sng" algn="ctr">
-            <a:solidFill>
-              <a:schemeClr val="accent1"/>
-            </a:solidFill>
-            <a:prstDash val="dash"/>
-            <a:round/>
-            <a:headEnd type="none" w="med" len="med"/>
-            <a:tailEnd type="triangle" w="med" len="med"/>
+            <a:noFill/>
           </a:ln>
         </p:spPr>
         <p:style>
@@ -6596,53 +8439,123 @@
             <a:scrgbClr r="0" g="0" b="0"/>
           </a:effectRef>
           <a:fontRef idx="minor">
-            <a:schemeClr val="tx1"/>
-          </a:fontRef>
-        </p:style>
-      </p:cxnSp>
-      <p:cxnSp>
-        <p:nvCxnSpPr>
-          <p:cNvPr id="13" name="Elbow Connector 37"/>
-          <p:cNvCxnSpPr/>
-          <p:nvPr/>
-        </p:nvCxnSpPr>
-        <p:spPr>
-          <a:xfrm flipV="1">
-            <a:off x="8146411" y="3573286"/>
-            <a:ext cx="0" cy="516739"/>
-          </a:xfrm>
-          <a:prstGeom prst="straightConnector1">
-            <a:avLst/>
-          </a:prstGeom>
+            <a:schemeClr val="lt1"/>
+          </a:fontRef>
+        </p:style>
+        <p:txBody>
+          <a:bodyPr lIns="36000" rIns="36000" rtlCol="0" anchor="ctr"/>
+          <a:lstStyle/>
+          <a:p>
+            <a:pPr algn="ctr"/>
+            <a:r>
+              <a:rPr lang="en-US" sz="1600" dirty="0"/>
+              <a:t>Questionnaire</a:t>
+            </a:r>
+            <a:endParaRPr lang="en-AU" sz="1600" dirty="0"/>
+          </a:p>
+        </p:txBody>
+      </p:sp>
+      <p:sp>
+        <p:nvSpPr>
+          <p:cNvPr id="23" name="Rounded Rectangle 24"/>
+          <p:cNvSpPr/>
+          <p:nvPr/>
+        </p:nvSpPr>
+        <p:spPr>
+          <a:xfrm>
+            <a:off x="9503227" y="5879813"/>
+            <a:ext cx="1468649" cy="728495"/>
+          </a:xfrm>
+          <a:prstGeom prst="roundRect">
+            <a:avLst/>
+          </a:prstGeom>
+          <a:solidFill>
+            <a:schemeClr val="accent3">
+              <a:alpha val="50000"/>
+            </a:schemeClr>
+          </a:solidFill>
           <a:ln>
-            <a:tailEnd type="triangle"/>
-          </a:ln>
-        </p:spPr>
-        <p:style>
-          <a:lnRef idx="3">
-            <a:schemeClr val="dk1"/>
+            <a:noFill/>
+          </a:ln>
+        </p:spPr>
+        <p:style>
+          <a:lnRef idx="0">
+            <a:scrgbClr r="0" g="0" b="0"/>
           </a:lnRef>
           <a:fillRef idx="0">
-            <a:schemeClr val="dk1"/>
-          </a:fillRef>
-          <a:effectRef idx="2">
-            <a:schemeClr val="dk1"/>
-          </a:effectRef>
-          <a:fontRef idx="minor">
-            <a:schemeClr val="tx1"/>
-          </a:fontRef>
-        </p:style>
-      </p:cxnSp>
-      <p:sp>
-        <p:nvSpPr>
-          <p:cNvPr id="15" name="Rounded Rectangle 5"/>
+            <a:scrgbClr r="0" g="0" b="0"/>
+          </a:fillRef>
+          <a:effectRef idx="0">
+            <a:scrgbClr r="0" g="0" b="0"/>
+          </a:effectRef>
+          <a:fontRef idx="minor">
+            <a:schemeClr val="lt1"/>
+          </a:fontRef>
+        </p:style>
+        <p:txBody>
+          <a:bodyPr rtlCol="0" anchor="ctr"/>
+          <a:lstStyle/>
+          <a:p>
+            <a:r>
+              <a:rPr lang="en-US" sz="1600" dirty="0"/>
+              <a:t>…</a:t>
+            </a:r>
+            <a:endParaRPr lang="en-AU" sz="1600" dirty="0"/>
+          </a:p>
+        </p:txBody>
+      </p:sp>
+      <p:sp>
+        <p:nvSpPr>
+          <p:cNvPr id="24" name="Rounded Rectangle 26"/>
           <p:cNvSpPr/>
           <p:nvPr/>
         </p:nvSpPr>
         <p:spPr>
           <a:xfrm>
-            <a:off x="6868895" y="507481"/>
-            <a:ext cx="1694439" cy="728495"/>
+            <a:off x="1058910" y="5879813"/>
+            <a:ext cx="1468649" cy="728495"/>
+          </a:xfrm>
+          <a:prstGeom prst="roundRect">
+            <a:avLst/>
+          </a:prstGeom>
+        </p:spPr>
+        <p:style>
+          <a:lnRef idx="0">
+            <a:schemeClr val="accent3"/>
+          </a:lnRef>
+          <a:fillRef idx="3">
+            <a:schemeClr val="accent3"/>
+          </a:fillRef>
+          <a:effectRef idx="3">
+            <a:schemeClr val="accent3"/>
+          </a:effectRef>
+          <a:fontRef idx="minor">
+            <a:schemeClr val="lt1"/>
+          </a:fontRef>
+        </p:style>
+        <p:txBody>
+          <a:bodyPr rtlCol="0" anchor="ctr"/>
+          <a:lstStyle/>
+          <a:p>
+            <a:pPr algn="ctr"/>
+            <a:r>
+              <a:rPr lang="en-US" sz="1600" dirty="0"/>
+              <a:t>Document Reference</a:t>
+            </a:r>
+            <a:endParaRPr lang="en-AU" sz="1600" dirty="0"/>
+          </a:p>
+        </p:txBody>
+      </p:sp>
+      <p:sp>
+        <p:nvSpPr>
+          <p:cNvPr id="4" name="Rounded Rectangle 5"/>
+          <p:cNvSpPr/>
+          <p:nvPr/>
+        </p:nvSpPr>
+        <p:spPr>
+          <a:xfrm>
+            <a:off x="3766162" y="1866667"/>
+            <a:ext cx="1468649" cy="728495"/>
           </a:xfrm>
           <a:prstGeom prst="roundRect">
             <a:avLst/>
@@ -6698,39 +8611,291 @@
           </a:p>
         </p:txBody>
       </p:sp>
+      <p:sp>
+        <p:nvSpPr>
+          <p:cNvPr id="5" name="Rounded Rectangle 6"/>
+          <p:cNvSpPr/>
+          <p:nvPr/>
+        </p:nvSpPr>
+        <p:spPr>
+          <a:xfrm>
+            <a:off x="2071253" y="3233853"/>
+            <a:ext cx="1468649" cy="728495"/>
+          </a:xfrm>
+          <a:prstGeom prst="roundRect">
+            <a:avLst/>
+          </a:prstGeom>
+          <a:solidFill>
+            <a:srgbClr val="CEE1F2"/>
+          </a:solidFill>
+          <a:ln cap="rnd">
+            <a:round/>
+          </a:ln>
+          <a:effectLst>
+            <a:outerShdw blurRad="50800" dist="38100" dir="2700000" algn="tl" rotWithShape="0">
+              <a:prstClr val="black">
+                <a:alpha val="40000"/>
+              </a:prstClr>
+            </a:outerShdw>
+          </a:effectLst>
+        </p:spPr>
+        <p:style>
+          <a:lnRef idx="2">
+            <a:schemeClr val="accent1">
+              <a:shade val="50000"/>
+            </a:schemeClr>
+          </a:lnRef>
+          <a:fillRef idx="1">
+            <a:schemeClr val="accent1"/>
+          </a:fillRef>
+          <a:effectRef idx="0">
+            <a:schemeClr val="accent1"/>
+          </a:effectRef>
+          <a:fontRef idx="minor">
+            <a:schemeClr val="lt1"/>
+          </a:fontRef>
+        </p:style>
+        <p:txBody>
+          <a:bodyPr rtlCol="0" anchor="ctr"/>
+          <a:lstStyle/>
+          <a:p>
+            <a:pPr algn="ctr"/>
+            <a:r>
+              <a:rPr lang="en-US" dirty="0">
+                <a:solidFill>
+                  <a:schemeClr val="tx1"/>
+                </a:solidFill>
+              </a:rPr>
+              <a:t>Location</a:t>
+            </a:r>
+            <a:endParaRPr lang="en-AU" dirty="0">
+              <a:solidFill>
+                <a:schemeClr val="tx1"/>
+              </a:solidFill>
+            </a:endParaRPr>
+          </a:p>
+        </p:txBody>
+      </p:sp>
+      <p:sp>
+        <p:nvSpPr>
+          <p:cNvPr id="6" name="Rounded Rectangle 7"/>
+          <p:cNvSpPr/>
+          <p:nvPr/>
+        </p:nvSpPr>
+        <p:spPr>
+          <a:xfrm>
+            <a:off x="6785901" y="3233853"/>
+            <a:ext cx="1468649" cy="728495"/>
+          </a:xfrm>
+          <a:prstGeom prst="roundRect">
+            <a:avLst/>
+          </a:prstGeom>
+          <a:solidFill>
+            <a:srgbClr val="CEE1F2"/>
+          </a:solidFill>
+          <a:ln cap="rnd">
+            <a:round/>
+          </a:ln>
+          <a:effectLst>
+            <a:outerShdw blurRad="50800" dist="38100" dir="2700000" algn="tl" rotWithShape="0">
+              <a:prstClr val="black">
+                <a:alpha val="40000"/>
+              </a:prstClr>
+            </a:outerShdw>
+          </a:effectLst>
+        </p:spPr>
+        <p:style>
+          <a:lnRef idx="2">
+            <a:schemeClr val="accent1">
+              <a:shade val="50000"/>
+            </a:schemeClr>
+          </a:lnRef>
+          <a:fillRef idx="1">
+            <a:schemeClr val="accent1"/>
+          </a:fillRef>
+          <a:effectRef idx="0">
+            <a:schemeClr val="accent1"/>
+          </a:effectRef>
+          <a:fontRef idx="minor">
+            <a:schemeClr val="lt1"/>
+          </a:fontRef>
+        </p:style>
+        <p:txBody>
+          <a:bodyPr rtlCol="0" anchor="ctr"/>
+          <a:lstStyle/>
+          <a:p>
+            <a:pPr algn="ctr"/>
+            <a:r>
+              <a:rPr lang="en-US" dirty="0">
+                <a:solidFill>
+                  <a:schemeClr val="tx1"/>
+                </a:solidFill>
+              </a:rPr>
+              <a:t>Practitioner</a:t>
+            </a:r>
+          </a:p>
+          <a:p>
+            <a:pPr algn="ctr"/>
+            <a:endParaRPr lang="en-AU" dirty="0">
+              <a:solidFill>
+                <a:schemeClr val="tx1"/>
+              </a:solidFill>
+            </a:endParaRPr>
+          </a:p>
+        </p:txBody>
+      </p:sp>
+      <p:sp>
+        <p:nvSpPr>
+          <p:cNvPr id="7" name="Rounded Rectangle 8"/>
+          <p:cNvSpPr/>
+          <p:nvPr/>
+        </p:nvSpPr>
+        <p:spPr>
+          <a:xfrm>
+            <a:off x="3766162" y="4609867"/>
+            <a:ext cx="1468649" cy="728495"/>
+          </a:xfrm>
+          <a:prstGeom prst="roundRect">
+            <a:avLst/>
+          </a:prstGeom>
+          <a:solidFill>
+            <a:srgbClr val="CEE1F2"/>
+          </a:solidFill>
+          <a:ln cap="rnd">
+            <a:round/>
+          </a:ln>
+          <a:effectLst>
+            <a:outerShdw blurRad="50800" dist="38100" dir="2700000" algn="tl" rotWithShape="0">
+              <a:prstClr val="black">
+                <a:alpha val="40000"/>
+              </a:prstClr>
+            </a:outerShdw>
+          </a:effectLst>
+        </p:spPr>
+        <p:style>
+          <a:lnRef idx="2">
+            <a:schemeClr val="accent1">
+              <a:shade val="50000"/>
+            </a:schemeClr>
+          </a:lnRef>
+          <a:fillRef idx="1">
+            <a:schemeClr val="accent1"/>
+          </a:fillRef>
+          <a:effectRef idx="0">
+            <a:schemeClr val="accent1"/>
+          </a:effectRef>
+          <a:fontRef idx="minor">
+            <a:schemeClr val="lt1"/>
+          </a:fontRef>
+        </p:style>
+        <p:txBody>
+          <a:bodyPr rtlCol="0" anchor="ctr"/>
+          <a:lstStyle/>
+          <a:p>
+            <a:pPr algn="ctr"/>
+            <a:r>
+              <a:rPr lang="en-US" dirty="0">
+                <a:solidFill>
+                  <a:schemeClr val="tx1"/>
+                </a:solidFill>
+              </a:rPr>
+              <a:t>Healthcare Service</a:t>
+            </a:r>
+            <a:endParaRPr lang="en-AU" dirty="0">
+              <a:solidFill>
+                <a:schemeClr val="tx1"/>
+              </a:solidFill>
+            </a:endParaRPr>
+          </a:p>
+        </p:txBody>
+      </p:sp>
+      <p:sp>
+        <p:nvSpPr>
+          <p:cNvPr id="34" name="Rounded Rectangle 36"/>
+          <p:cNvSpPr/>
+          <p:nvPr/>
+        </p:nvSpPr>
+        <p:spPr>
+          <a:xfrm>
+            <a:off x="7253084" y="3682138"/>
+            <a:ext cx="909353" cy="405321"/>
+          </a:xfrm>
+          <a:prstGeom prst="roundRect">
+            <a:avLst/>
+          </a:prstGeom>
+          <a:solidFill>
+            <a:srgbClr val="71A7D9"/>
+          </a:solidFill>
+          <a:ln cap="rnd">
+            <a:round/>
+          </a:ln>
+          <a:effectLst>
+            <a:outerShdw blurRad="50800" dist="38100" dir="2700000" algn="tl" rotWithShape="0">
+              <a:prstClr val="black">
+                <a:alpha val="40000"/>
+              </a:prstClr>
+            </a:outerShdw>
+          </a:effectLst>
+        </p:spPr>
+        <p:style>
+          <a:lnRef idx="2">
+            <a:schemeClr val="accent1">
+              <a:shade val="50000"/>
+            </a:schemeClr>
+          </a:lnRef>
+          <a:fillRef idx="1">
+            <a:schemeClr val="accent1"/>
+          </a:fillRef>
+          <a:effectRef idx="0">
+            <a:schemeClr val="accent1"/>
+          </a:effectRef>
+          <a:fontRef idx="minor">
+            <a:schemeClr val="lt1"/>
+          </a:fontRef>
+        </p:style>
+        <p:txBody>
+          <a:bodyPr rtlCol="0" anchor="ctr"/>
+          <a:lstStyle/>
+          <a:p>
+            <a:pPr algn="ctr"/>
+            <a:r>
+              <a:rPr lang="en-US" dirty="0">
+                <a:solidFill>
+                  <a:schemeClr val="tx1"/>
+                </a:solidFill>
+              </a:rPr>
+              <a:t>Role</a:t>
+            </a:r>
+          </a:p>
+        </p:txBody>
+      </p:sp>
       <p:cxnSp>
         <p:nvCxnSpPr>
-          <p:cNvPr id="23" name="Elbow Connector 37"/>
+          <p:cNvPr id="71" name="Elbow Connector 37"/>
           <p:cNvCxnSpPr/>
           <p:nvPr/>
         </p:nvCxnSpPr>
         <p:spPr>
           <a:xfrm>
-            <a:off x="6302026" y="4268161"/>
-            <a:ext cx="809828" cy="0"/>
+            <a:off x="5771920" y="3884798"/>
+            <a:ext cx="415652" cy="463854"/>
           </a:xfrm>
           <a:prstGeom prst="straightConnector1">
             <a:avLst/>
           </a:prstGeom>
-          <a:ln w="19050" cap="flat" cmpd="sng" algn="ctr">
-            <a:solidFill>
-              <a:schemeClr val="accent1"/>
-            </a:solidFill>
-            <a:prstDash val="dash"/>
-            <a:round/>
-            <a:headEnd type="none" w="med" len="med"/>
-            <a:tailEnd type="triangle" w="med" len="med"/>
-          </a:ln>
-        </p:spPr>
-        <p:style>
-          <a:lnRef idx="0">
-            <a:scrgbClr r="0" g="0" b="0"/>
+          <a:ln>
+            <a:tailEnd type="triangle"/>
+          </a:ln>
+        </p:spPr>
+        <p:style>
+          <a:lnRef idx="3">
+            <a:schemeClr val="dk1"/>
           </a:lnRef>
           <a:fillRef idx="0">
-            <a:scrgbClr r="0" g="0" b="0"/>
-          </a:fillRef>
-          <a:effectRef idx="0">
-            <a:scrgbClr r="0" g="0" b="0"/>
+            <a:schemeClr val="dk1"/>
+          </a:fillRef>
+          <a:effectRef idx="2">
+            <a:schemeClr val="dk1"/>
           </a:effectRef>
           <a:fontRef idx="minor">
             <a:schemeClr val="tx1"/>
@@ -6739,14 +8904,14 @@
       </p:cxnSp>
       <p:sp>
         <p:nvSpPr>
-          <p:cNvPr id="24" name="Rounded Rectangle 9"/>
+          <p:cNvPr id="8" name="Rounded Rectangle 9"/>
           <p:cNvSpPr/>
           <p:nvPr/>
         </p:nvSpPr>
         <p:spPr>
           <a:xfrm>
-            <a:off x="4750421" y="3903914"/>
-            <a:ext cx="1713508" cy="728495"/>
+            <a:off x="4449999" y="3233853"/>
+            <a:ext cx="1468649" cy="728495"/>
           </a:xfrm>
           <a:prstGeom prst="roundRect">
             <a:avLst/>
@@ -6782,7 +8947,7 @@
             <a:pPr algn="ctr"/>
             <a:r>
               <a:rPr lang="en-US" sz="1600" dirty="0"/>
-              <a:t>* Billable Item</a:t>
+              <a:t>Practitioner Role</a:t>
             </a:r>
             <a:endParaRPr lang="en-AU" sz="1600" dirty="0"/>
           </a:p>
@@ -6790,611 +8955,298 @@
       </p:sp>
       <p:sp>
         <p:nvSpPr>
-          <p:cNvPr id="26" name="Rounded Rectangle 5"/>
-          <p:cNvSpPr/>
-          <p:nvPr/>
-        </p:nvSpPr>
-        <p:spPr>
-          <a:xfrm>
-            <a:off x="3055981" y="514395"/>
-            <a:ext cx="1694439" cy="728495"/>
-          </a:xfrm>
-          <a:prstGeom prst="roundRect">
-            <a:avLst/>
-          </a:prstGeom>
-          <a:solidFill>
-            <a:srgbClr val="CEE1F2"/>
-          </a:solidFill>
-          <a:ln cap="rnd">
-            <a:round/>
-          </a:ln>
-          <a:effectLst>
-            <a:outerShdw blurRad="50800" dist="38100" dir="2700000" algn="tl" rotWithShape="0">
-              <a:prstClr val="black">
-                <a:alpha val="40000"/>
-              </a:prstClr>
-            </a:outerShdw>
-          </a:effectLst>
-        </p:spPr>
-        <p:style>
-          <a:lnRef idx="2">
-            <a:schemeClr val="accent1">
-              <a:shade val="50000"/>
-            </a:schemeClr>
-          </a:lnRef>
-          <a:fillRef idx="1">
-            <a:schemeClr val="accent1"/>
-          </a:fillRef>
-          <a:effectRef idx="0">
-            <a:schemeClr val="accent1"/>
-          </a:effectRef>
-          <a:fontRef idx="minor">
-            <a:schemeClr val="lt1"/>
-          </a:fontRef>
-        </p:style>
-        <p:txBody>
-          <a:bodyPr rtlCol="0" anchor="ctr"/>
-          <a:lstStyle/>
-          <a:p>
-            <a:pPr algn="ctr"/>
-            <a:r>
-              <a:rPr lang="en-US" dirty="0">
-                <a:solidFill>
-                  <a:schemeClr val="tx1"/>
-                </a:solidFill>
-              </a:rPr>
-              <a:t>Patient</a:t>
-            </a:r>
-            <a:endParaRPr lang="en-AU" dirty="0">
-              <a:solidFill>
-                <a:schemeClr val="tx1"/>
-              </a:solidFill>
-            </a:endParaRPr>
-          </a:p>
-        </p:txBody>
-      </p:sp>
-      <p:sp>
-        <p:nvSpPr>
-          <p:cNvPr id="27" name="Rounded Rectangle 5"/>
-          <p:cNvSpPr/>
-          <p:nvPr/>
-        </p:nvSpPr>
-        <p:spPr>
-          <a:xfrm>
-            <a:off x="4962438" y="506042"/>
-            <a:ext cx="1694439" cy="728495"/>
-          </a:xfrm>
-          <a:prstGeom prst="roundRect">
-            <a:avLst/>
-          </a:prstGeom>
-          <a:solidFill>
-            <a:srgbClr val="CEE1F2"/>
-          </a:solidFill>
-          <a:ln cap="rnd">
-            <a:round/>
-          </a:ln>
-          <a:effectLst>
-            <a:outerShdw blurRad="50800" dist="38100" dir="2700000" algn="tl" rotWithShape="0">
-              <a:prstClr val="black">
-                <a:alpha val="40000"/>
-              </a:prstClr>
-            </a:outerShdw>
-          </a:effectLst>
-        </p:spPr>
-        <p:style>
-          <a:lnRef idx="2">
-            <a:schemeClr val="accent1">
-              <a:shade val="50000"/>
-            </a:schemeClr>
-          </a:lnRef>
-          <a:fillRef idx="1">
-            <a:schemeClr val="accent1"/>
-          </a:fillRef>
-          <a:effectRef idx="0">
-            <a:schemeClr val="accent1"/>
-          </a:effectRef>
-          <a:fontRef idx="minor">
-            <a:schemeClr val="lt1"/>
-          </a:fontRef>
-        </p:style>
-        <p:txBody>
-          <a:bodyPr rtlCol="0" anchor="ctr"/>
-          <a:lstStyle/>
-          <a:p>
-            <a:pPr algn="ctr"/>
-            <a:r>
-              <a:rPr lang="en-US" dirty="0">
-                <a:solidFill>
-                  <a:schemeClr val="tx1"/>
-                </a:solidFill>
-              </a:rPr>
-              <a:t>RelatedPerson</a:t>
-            </a:r>
-            <a:endParaRPr lang="en-AU" dirty="0">
-              <a:solidFill>
-                <a:schemeClr val="tx1"/>
-              </a:solidFill>
-            </a:endParaRPr>
-          </a:p>
-        </p:txBody>
-      </p:sp>
-      <p:sp>
-        <p:nvSpPr>
-          <p:cNvPr id="28" name="Rounded Rectangle 6"/>
-          <p:cNvSpPr/>
-          <p:nvPr/>
-        </p:nvSpPr>
-        <p:spPr>
-          <a:xfrm>
-            <a:off x="4750420" y="2681420"/>
-            <a:ext cx="1694439" cy="728495"/>
-          </a:xfrm>
-          <a:prstGeom prst="roundRect">
-            <a:avLst/>
-          </a:prstGeom>
-          <a:solidFill>
-            <a:srgbClr val="CEE1F2"/>
-          </a:solidFill>
-          <a:ln cap="rnd">
-            <a:round/>
-          </a:ln>
-          <a:effectLst>
-            <a:outerShdw blurRad="50800" dist="38100" dir="2700000" algn="tl" rotWithShape="0">
-              <a:prstClr val="black">
-                <a:alpha val="40000"/>
-              </a:prstClr>
-            </a:outerShdw>
-          </a:effectLst>
-        </p:spPr>
-        <p:style>
-          <a:lnRef idx="2">
-            <a:schemeClr val="accent1">
-              <a:shade val="50000"/>
-            </a:schemeClr>
-          </a:lnRef>
-          <a:fillRef idx="1">
-            <a:schemeClr val="accent1"/>
-          </a:fillRef>
-          <a:effectRef idx="0">
-            <a:schemeClr val="accent1"/>
-          </a:effectRef>
-          <a:fontRef idx="minor">
-            <a:schemeClr val="lt1"/>
-          </a:fontRef>
-        </p:style>
-        <p:txBody>
-          <a:bodyPr rtlCol="0" anchor="ctr"/>
-          <a:lstStyle/>
-          <a:p>
-            <a:pPr algn="ctr"/>
-            <a:r>
-              <a:rPr lang="en-US" dirty="0">
-                <a:solidFill>
-                  <a:schemeClr val="tx1"/>
-                </a:solidFill>
-              </a:rPr>
-              <a:t>Account</a:t>
-            </a:r>
-          </a:p>
-        </p:txBody>
-      </p:sp>
-      <p:sp>
-        <p:nvSpPr>
-          <p:cNvPr id="30" name="Rounded Rectangle 6"/>
-          <p:cNvSpPr/>
-          <p:nvPr/>
-        </p:nvSpPr>
-        <p:spPr>
-          <a:xfrm>
-            <a:off x="7299192" y="3891929"/>
-            <a:ext cx="1694439" cy="728495"/>
-          </a:xfrm>
-          <a:prstGeom prst="roundRect">
-            <a:avLst/>
-          </a:prstGeom>
-          <a:solidFill>
-            <a:srgbClr val="CEE1F2"/>
-          </a:solidFill>
-          <a:ln cap="rnd">
-            <a:round/>
-          </a:ln>
-          <a:effectLst>
-            <a:outerShdw blurRad="50800" dist="38100" dir="2700000" algn="tl" rotWithShape="0">
-              <a:prstClr val="black">
-                <a:alpha val="40000"/>
-              </a:prstClr>
-            </a:outerShdw>
-          </a:effectLst>
-        </p:spPr>
-        <p:style>
-          <a:lnRef idx="2">
-            <a:schemeClr val="accent1">
-              <a:shade val="50000"/>
-            </a:schemeClr>
-          </a:lnRef>
-          <a:fillRef idx="1">
-            <a:schemeClr val="accent1"/>
-          </a:fillRef>
-          <a:effectRef idx="0">
-            <a:schemeClr val="accent1"/>
-          </a:effectRef>
-          <a:fontRef idx="minor">
-            <a:schemeClr val="lt1"/>
-          </a:fontRef>
-        </p:style>
-        <p:txBody>
-          <a:bodyPr rtlCol="0" anchor="ctr"/>
-          <a:lstStyle/>
-          <a:p>
-            <a:pPr algn="ctr"/>
-            <a:r>
-              <a:rPr lang="en-US" dirty="0">
-                <a:solidFill>
-                  <a:schemeClr val="tx1"/>
-                </a:solidFill>
-              </a:rPr>
-              <a:t>Claim</a:t>
-            </a:r>
-          </a:p>
-        </p:txBody>
-      </p:sp>
-      <p:cxnSp>
-        <p:nvCxnSpPr>
-          <p:cNvPr id="36" name="Elbow Connector 37"/>
-          <p:cNvCxnSpPr/>
-          <p:nvPr/>
-        </p:nvCxnSpPr>
-        <p:spPr>
-          <a:xfrm flipV="1">
-            <a:off x="3054979" y="1412373"/>
-            <a:ext cx="345463" cy="758098"/>
-          </a:xfrm>
-          <a:prstGeom prst="straightConnector1">
-            <a:avLst/>
-          </a:prstGeom>
-          <a:ln>
-            <a:tailEnd type="triangle"/>
-          </a:ln>
-        </p:spPr>
-        <p:style>
-          <a:lnRef idx="3">
-            <a:schemeClr val="dk1"/>
-          </a:lnRef>
-          <a:fillRef idx="0">
-            <a:schemeClr val="dk1"/>
-          </a:fillRef>
-          <a:effectRef idx="2">
-            <a:schemeClr val="dk1"/>
-          </a:effectRef>
-          <a:fontRef idx="minor">
-            <a:schemeClr val="tx1"/>
-          </a:fontRef>
-        </p:style>
-      </p:cxnSp>
-      <p:sp>
-        <p:nvSpPr>
-          <p:cNvPr id="16" name="Rounded Rectangle 6"/>
-          <p:cNvSpPr/>
-          <p:nvPr/>
-        </p:nvSpPr>
-        <p:spPr>
-          <a:xfrm>
-            <a:off x="1862961" y="2096024"/>
-            <a:ext cx="1694439" cy="728495"/>
-          </a:xfrm>
-          <a:prstGeom prst="roundRect">
-            <a:avLst/>
-          </a:prstGeom>
-          <a:solidFill>
-            <a:srgbClr val="CEE1F2"/>
-          </a:solidFill>
-          <a:ln cap="rnd">
-            <a:round/>
-          </a:ln>
-          <a:effectLst>
-            <a:outerShdw blurRad="50800" dist="38100" dir="2700000" algn="tl" rotWithShape="0">
-              <a:prstClr val="black">
-                <a:alpha val="40000"/>
-              </a:prstClr>
-            </a:outerShdw>
-          </a:effectLst>
-        </p:spPr>
-        <p:style>
-          <a:lnRef idx="2">
-            <a:schemeClr val="accent1">
-              <a:shade val="50000"/>
-            </a:schemeClr>
-          </a:lnRef>
-          <a:fillRef idx="1">
-            <a:schemeClr val="accent1"/>
-          </a:fillRef>
-          <a:effectRef idx="0">
-            <a:schemeClr val="accent1"/>
-          </a:effectRef>
-          <a:fontRef idx="minor">
-            <a:schemeClr val="lt1"/>
-          </a:fontRef>
-        </p:style>
-        <p:txBody>
-          <a:bodyPr rtlCol="0" anchor="ctr"/>
-          <a:lstStyle/>
-          <a:p>
-            <a:pPr algn="ctr"/>
-            <a:r>
-              <a:rPr lang="en-US" dirty="0">
-                <a:solidFill>
-                  <a:schemeClr val="tx1"/>
-                </a:solidFill>
-              </a:rPr>
-              <a:t>EpisodeOfCare</a:t>
-            </a:r>
-            <a:endParaRPr lang="en-AU" dirty="0">
-              <a:solidFill>
-                <a:schemeClr val="tx1"/>
-              </a:solidFill>
-            </a:endParaRPr>
-          </a:p>
-        </p:txBody>
-      </p:sp>
-      <p:sp>
-        <p:nvSpPr>
-          <p:cNvPr id="61" name="TextBox 60"/>
-          <p:cNvSpPr txBox="1"/>
-          <p:nvPr/>
-        </p:nvSpPr>
-        <p:spPr>
-          <a:xfrm>
-            <a:off x="7008228" y="2202608"/>
-            <a:ext cx="651717" cy="338554"/>
-          </a:xfrm>
-          <a:prstGeom prst="rect">
-            <a:avLst/>
-          </a:prstGeom>
-          <a:noFill/>
-        </p:spPr>
-        <p:txBody>
-          <a:bodyPr wrap="none" rtlCol="0">
-            <a:spAutoFit/>
-          </a:bodyPr>
-          <a:lstStyle/>
-          <a:p>
-            <a:r>
-              <a:rPr lang="en-US" sz="1600" dirty="0"/>
-              <a:t>Payor</a:t>
-            </a:r>
-          </a:p>
-        </p:txBody>
-      </p:sp>
-      <p:sp>
-        <p:nvSpPr>
-          <p:cNvPr id="62" name="TextBox 61"/>
-          <p:cNvSpPr txBox="1"/>
-          <p:nvPr/>
-        </p:nvSpPr>
-        <p:spPr>
-          <a:xfrm>
-            <a:off x="8256920" y="2202608"/>
-            <a:ext cx="1060483" cy="338554"/>
-          </a:xfrm>
-          <a:prstGeom prst="rect">
-            <a:avLst/>
-          </a:prstGeom>
-          <a:noFill/>
-        </p:spPr>
-        <p:txBody>
-          <a:bodyPr wrap="none" rtlCol="0">
-            <a:spAutoFit/>
-          </a:bodyPr>
-          <a:lstStyle/>
-          <a:p>
-            <a:r>
-              <a:rPr lang="en-US" sz="1600" dirty="0"/>
-              <a:t>Subscriber</a:t>
-            </a:r>
-          </a:p>
-        </p:txBody>
-      </p:sp>
-      <p:cxnSp>
-        <p:nvCxnSpPr>
-          <p:cNvPr id="75" name="Elbow Connector 37"/>
-          <p:cNvCxnSpPr/>
-          <p:nvPr/>
-        </p:nvCxnSpPr>
-        <p:spPr>
-          <a:xfrm flipV="1">
-            <a:off x="3847956" y="1465963"/>
-            <a:ext cx="55244" cy="2255826"/>
-          </a:xfrm>
-          <a:prstGeom prst="straightConnector1">
-            <a:avLst/>
-          </a:prstGeom>
-          <a:ln>
-            <a:tailEnd type="triangle"/>
-          </a:ln>
-        </p:spPr>
-        <p:style>
-          <a:lnRef idx="3">
-            <a:schemeClr val="dk1"/>
-          </a:lnRef>
-          <a:fillRef idx="0">
-            <a:schemeClr val="dk1"/>
-          </a:fillRef>
-          <a:effectRef idx="2">
-            <a:schemeClr val="dk1"/>
-          </a:effectRef>
-          <a:fontRef idx="minor">
-            <a:schemeClr val="tx1"/>
-          </a:fontRef>
-        </p:style>
-      </p:cxnSp>
-      <p:cxnSp>
-        <p:nvCxnSpPr>
-          <p:cNvPr id="77" name="Elbow Connector 37"/>
-          <p:cNvCxnSpPr/>
-          <p:nvPr/>
-        </p:nvCxnSpPr>
-        <p:spPr>
-          <a:xfrm flipH="1" flipV="1">
-            <a:off x="6600858" y="3033596"/>
-            <a:ext cx="805585" cy="5777"/>
-          </a:xfrm>
-          <a:prstGeom prst="straightConnector1">
-            <a:avLst/>
-          </a:prstGeom>
-          <a:ln>
-            <a:tailEnd type="triangle"/>
-          </a:ln>
-        </p:spPr>
-        <p:style>
-          <a:lnRef idx="3">
-            <a:schemeClr val="dk1"/>
-          </a:lnRef>
-          <a:fillRef idx="0">
-            <a:schemeClr val="dk1"/>
-          </a:fillRef>
-          <a:effectRef idx="2">
-            <a:schemeClr val="dk1"/>
-          </a:effectRef>
-          <a:fontRef idx="minor">
-            <a:schemeClr val="tx1"/>
-          </a:fontRef>
-        </p:style>
-      </p:cxnSp>
-      <p:sp>
-        <p:nvSpPr>
-          <p:cNvPr id="31" name="Rounded Rectangle 6"/>
-          <p:cNvSpPr/>
-          <p:nvPr/>
-        </p:nvSpPr>
-        <p:spPr>
-          <a:xfrm>
-            <a:off x="7219438" y="2663374"/>
-            <a:ext cx="1694439" cy="728495"/>
-          </a:xfrm>
-          <a:prstGeom prst="roundRect">
-            <a:avLst/>
-          </a:prstGeom>
-          <a:solidFill>
-            <a:srgbClr val="CEE1F2"/>
-          </a:solidFill>
-          <a:ln cap="rnd">
-            <a:round/>
-          </a:ln>
-          <a:effectLst>
-            <a:outerShdw blurRad="50800" dist="38100" dir="2700000" algn="tl" rotWithShape="0">
-              <a:prstClr val="black">
-                <a:alpha val="40000"/>
-              </a:prstClr>
-            </a:outerShdw>
-          </a:effectLst>
-        </p:spPr>
-        <p:style>
-          <a:lnRef idx="2">
-            <a:schemeClr val="accent1">
-              <a:shade val="50000"/>
-            </a:schemeClr>
-          </a:lnRef>
-          <a:fillRef idx="1">
-            <a:schemeClr val="accent1"/>
-          </a:fillRef>
-          <a:effectRef idx="0">
-            <a:schemeClr val="accent1"/>
-          </a:effectRef>
-          <a:fontRef idx="minor">
-            <a:schemeClr val="lt1"/>
-          </a:fontRef>
-        </p:style>
-        <p:txBody>
-          <a:bodyPr rtlCol="0" anchor="ctr"/>
-          <a:lstStyle/>
-          <a:p>
-            <a:pPr algn="ctr"/>
-            <a:r>
-              <a:rPr lang="en-US" dirty="0">
-                <a:solidFill>
-                  <a:schemeClr val="tx1"/>
-                </a:solidFill>
-              </a:rPr>
-              <a:t>Coverage</a:t>
-            </a:r>
-          </a:p>
-        </p:txBody>
-      </p:sp>
-      <p:sp>
-        <p:nvSpPr>
-          <p:cNvPr id="29" name="Rounded Rectangle 6"/>
-          <p:cNvSpPr/>
-          <p:nvPr/>
-        </p:nvSpPr>
-        <p:spPr>
-          <a:xfrm>
-            <a:off x="2412360" y="3520884"/>
-            <a:ext cx="1694439" cy="728495"/>
-          </a:xfrm>
-          <a:prstGeom prst="roundRect">
-            <a:avLst/>
-          </a:prstGeom>
-          <a:solidFill>
-            <a:srgbClr val="CEE1F2"/>
-          </a:solidFill>
-          <a:ln cap="rnd">
-            <a:round/>
-          </a:ln>
-          <a:effectLst>
-            <a:outerShdw blurRad="50800" dist="38100" dir="2700000" algn="tl" rotWithShape="0">
-              <a:prstClr val="black">
-                <a:alpha val="40000"/>
-              </a:prstClr>
-            </a:outerShdw>
-          </a:effectLst>
-        </p:spPr>
-        <p:style>
-          <a:lnRef idx="2">
-            <a:schemeClr val="accent1">
-              <a:shade val="50000"/>
-            </a:schemeClr>
-          </a:lnRef>
-          <a:fillRef idx="1">
-            <a:schemeClr val="accent1"/>
-          </a:fillRef>
-          <a:effectRef idx="0">
-            <a:schemeClr val="accent1"/>
-          </a:effectRef>
-          <a:fontRef idx="minor">
-            <a:schemeClr val="lt1"/>
-          </a:fontRef>
-        </p:style>
-        <p:txBody>
-          <a:bodyPr rtlCol="0" anchor="ctr"/>
-          <a:lstStyle/>
-          <a:p>
-            <a:pPr algn="ctr"/>
-            <a:r>
-              <a:rPr lang="en-US" dirty="0">
-                <a:solidFill>
-                  <a:schemeClr val="tx1"/>
-                </a:solidFill>
-              </a:rPr>
-              <a:t>Encounter</a:t>
-            </a:r>
-            <a:endParaRPr lang="en-AU" dirty="0">
-              <a:solidFill>
-                <a:schemeClr val="tx1"/>
-              </a:solidFill>
-            </a:endParaRPr>
+          <p:cNvPr id="2" name="Title 1"/>
+          <p:cNvSpPr>
+            <a:spLocks noGrp="1"/>
+          </p:cNvSpPr>
+          <p:nvPr>
+            <p:ph type="title"/>
+          </p:nvPr>
+        </p:nvSpPr>
+        <p:spPr/>
+        <p:txBody>
+          <a:bodyPr/>
+          <a:lstStyle/>
+          <a:p>
+            <a:r>
+              <a:rPr lang="en-AU" dirty="0"/>
+              <a:t>Directories</a:t>
+            </a:r>
           </a:p>
         </p:txBody>
       </p:sp>
     </p:spTree>
     <p:extLst>
       <p:ext uri="{BB962C8B-B14F-4D97-AF65-F5344CB8AC3E}">
-        <p14:creationId xmlns:p14="http://schemas.microsoft.com/office/powerpoint/2010/main" val="2069018942"/>
+        <p14:creationId xmlns:p14="http://schemas.microsoft.com/office/powerpoint/2010/main" val="3766799555"/>
       </p:ext>
     </p:extLst>
   </p:cSld>
   <p:clrMapOvr>
     <a:masterClrMapping/>
   </p:clrMapOvr>
+  <p:timing>
+    <p:tnLst>
+      <p:par>
+        <p:cTn id="1" dur="indefinite" restart="never" nodeType="tmRoot">
+          <p:childTnLst>
+            <p:seq concurrent="1" nextAc="seek">
+              <p:cTn id="2" dur="indefinite" nodeType="mainSeq">
+                <p:childTnLst>
+                  <p:par>
+                    <p:cTn id="3" fill="hold">
+                      <p:stCondLst>
+                        <p:cond delay="indefinite"/>
+                      </p:stCondLst>
+                      <p:childTnLst>
+                        <p:par>
+                          <p:cTn id="4" fill="hold">
+                            <p:stCondLst>
+                              <p:cond delay="0"/>
+                            </p:stCondLst>
+                            <p:childTnLst>
+                              <p:par>
+                                <p:cTn id="5" presetID="1" presetClass="entr" presetSubtype="0" fill="hold" grpId="0" nodeType="clickEffect">
+                                  <p:stCondLst>
+                                    <p:cond delay="0"/>
+                                  </p:stCondLst>
+                                  <p:childTnLst>
+                                    <p:set>
+                                      <p:cBhvr>
+                                        <p:cTn id="6" dur="1" fill="hold">
+                                          <p:stCondLst>
+                                            <p:cond delay="0"/>
+                                          </p:stCondLst>
+                                        </p:cTn>
+                                        <p:tgtEl>
+                                          <p:spTgt spid="18"/>
+                                        </p:tgtEl>
+                                        <p:attrNameLst>
+                                          <p:attrName>style.visibility</p:attrName>
+                                        </p:attrNameLst>
+                                      </p:cBhvr>
+                                      <p:to>
+                                        <p:strVal val="visible"/>
+                                      </p:to>
+                                    </p:set>
+                                  </p:childTnLst>
+                                </p:cTn>
+                              </p:par>
+                            </p:childTnLst>
+                          </p:cTn>
+                        </p:par>
+                      </p:childTnLst>
+                    </p:cTn>
+                  </p:par>
+                  <p:par>
+                    <p:cTn id="7" fill="hold">
+                      <p:stCondLst>
+                        <p:cond delay="indefinite"/>
+                      </p:stCondLst>
+                      <p:childTnLst>
+                        <p:par>
+                          <p:cTn id="8" fill="hold">
+                            <p:stCondLst>
+                              <p:cond delay="0"/>
+                            </p:stCondLst>
+                            <p:childTnLst>
+                              <p:par>
+                                <p:cTn id="9" presetID="1" presetClass="entr" presetSubtype="0" fill="hold" grpId="0" nodeType="clickEffect">
+                                  <p:stCondLst>
+                                    <p:cond delay="0"/>
+                                  </p:stCondLst>
+                                  <p:childTnLst>
+                                    <p:set>
+                                      <p:cBhvr>
+                                        <p:cTn id="10" dur="1" fill="hold">
+                                          <p:stCondLst>
+                                            <p:cond delay="0"/>
+                                          </p:stCondLst>
+                                        </p:cTn>
+                                        <p:tgtEl>
+                                          <p:spTgt spid="19"/>
+                                        </p:tgtEl>
+                                        <p:attrNameLst>
+                                          <p:attrName>style.visibility</p:attrName>
+                                        </p:attrNameLst>
+                                      </p:cBhvr>
+                                      <p:to>
+                                        <p:strVal val="visible"/>
+                                      </p:to>
+                                    </p:set>
+                                  </p:childTnLst>
+                                </p:cTn>
+                              </p:par>
+                            </p:childTnLst>
+                          </p:cTn>
+                        </p:par>
+                      </p:childTnLst>
+                    </p:cTn>
+                  </p:par>
+                  <p:par>
+                    <p:cTn id="11" fill="hold">
+                      <p:stCondLst>
+                        <p:cond delay="indefinite"/>
+                      </p:stCondLst>
+                      <p:childTnLst>
+                        <p:par>
+                          <p:cTn id="12" fill="hold">
+                            <p:stCondLst>
+                              <p:cond delay="0"/>
+                            </p:stCondLst>
+                            <p:childTnLst>
+                              <p:par>
+                                <p:cTn id="13" presetID="1" presetClass="entr" presetSubtype="0" fill="hold" grpId="0" nodeType="clickEffect">
+                                  <p:stCondLst>
+                                    <p:cond delay="0"/>
+                                  </p:stCondLst>
+                                  <p:childTnLst>
+                                    <p:set>
+                                      <p:cBhvr>
+                                        <p:cTn id="14" dur="1" fill="hold">
+                                          <p:stCondLst>
+                                            <p:cond delay="0"/>
+                                          </p:stCondLst>
+                                        </p:cTn>
+                                        <p:tgtEl>
+                                          <p:spTgt spid="20"/>
+                                        </p:tgtEl>
+                                        <p:attrNameLst>
+                                          <p:attrName>style.visibility</p:attrName>
+                                        </p:attrNameLst>
+                                      </p:cBhvr>
+                                      <p:to>
+                                        <p:strVal val="visible"/>
+                                      </p:to>
+                                    </p:set>
+                                  </p:childTnLst>
+                                </p:cTn>
+                              </p:par>
+                            </p:childTnLst>
+                          </p:cTn>
+                        </p:par>
+                      </p:childTnLst>
+                    </p:cTn>
+                  </p:par>
+                  <p:par>
+                    <p:cTn id="15" fill="hold">
+                      <p:stCondLst>
+                        <p:cond delay="indefinite"/>
+                      </p:stCondLst>
+                      <p:childTnLst>
+                        <p:par>
+                          <p:cTn id="16" fill="hold">
+                            <p:stCondLst>
+                              <p:cond delay="0"/>
+                            </p:stCondLst>
+                            <p:childTnLst>
+                              <p:par>
+                                <p:cTn id="17" presetID="1" presetClass="entr" presetSubtype="0" fill="hold" grpId="0" nodeType="clickEffect">
+                                  <p:stCondLst>
+                                    <p:cond delay="0"/>
+                                  </p:stCondLst>
+                                  <p:childTnLst>
+                                    <p:set>
+                                      <p:cBhvr>
+                                        <p:cTn id="18" dur="1" fill="hold">
+                                          <p:stCondLst>
+                                            <p:cond delay="0"/>
+                                          </p:stCondLst>
+                                        </p:cTn>
+                                        <p:tgtEl>
+                                          <p:spTgt spid="22"/>
+                                        </p:tgtEl>
+                                        <p:attrNameLst>
+                                          <p:attrName>style.visibility</p:attrName>
+                                        </p:attrNameLst>
+                                      </p:cBhvr>
+                                      <p:to>
+                                        <p:strVal val="visible"/>
+                                      </p:to>
+                                    </p:set>
+                                  </p:childTnLst>
+                                </p:cTn>
+                              </p:par>
+                            </p:childTnLst>
+                          </p:cTn>
+                        </p:par>
+                      </p:childTnLst>
+                    </p:cTn>
+                  </p:par>
+                  <p:par>
+                    <p:cTn id="19" fill="hold">
+                      <p:stCondLst>
+                        <p:cond delay="indefinite"/>
+                      </p:stCondLst>
+                      <p:childTnLst>
+                        <p:par>
+                          <p:cTn id="20" fill="hold">
+                            <p:stCondLst>
+                              <p:cond delay="0"/>
+                            </p:stCondLst>
+                            <p:childTnLst>
+                              <p:par>
+                                <p:cTn id="21" presetID="1" presetClass="entr" presetSubtype="0" fill="hold" grpId="0" nodeType="clickEffect">
+                                  <p:stCondLst>
+                                    <p:cond delay="0"/>
+                                  </p:stCondLst>
+                                  <p:childTnLst>
+                                    <p:set>
+                                      <p:cBhvr>
+                                        <p:cTn id="22" dur="1" fill="hold">
+                                          <p:stCondLst>
+                                            <p:cond delay="0"/>
+                                          </p:stCondLst>
+                                        </p:cTn>
+                                        <p:tgtEl>
+                                          <p:spTgt spid="23"/>
+                                        </p:tgtEl>
+                                        <p:attrNameLst>
+                                          <p:attrName>style.visibility</p:attrName>
+                                        </p:attrNameLst>
+                                      </p:cBhvr>
+                                      <p:to>
+                                        <p:strVal val="visible"/>
+                                      </p:to>
+                                    </p:set>
+                                  </p:childTnLst>
+                                </p:cTn>
+                              </p:par>
+                            </p:childTnLst>
+                          </p:cTn>
+                        </p:par>
+                      </p:childTnLst>
+                    </p:cTn>
+                  </p:par>
+                </p:childTnLst>
+              </p:cTn>
+              <p:prevCondLst>
+                <p:cond evt="onPrev" delay="0">
+                  <p:tgtEl>
+                    <p:sldTgt/>
+                  </p:tgtEl>
+                </p:cond>
+              </p:prevCondLst>
+              <p:nextCondLst>
+                <p:cond evt="onNext" delay="0">
+                  <p:tgtEl>
+                    <p:sldTgt/>
+                  </p:tgtEl>
+                </p:cond>
+              </p:nextCondLst>
+            </p:seq>
+          </p:childTnLst>
+        </p:cTn>
+      </p:par>
+    </p:tnLst>
+    <p:bldLst>
+      <p:bldP spid="18" grpId="0" animBg="1"/>
+      <p:bldP spid="19" grpId="0" animBg="1"/>
+      <p:bldP spid="20" grpId="0" animBg="1"/>
+      <p:bldP spid="22" grpId="0" animBg="1"/>
+      <p:bldP spid="23" grpId="0" animBg="1"/>
+    </p:bldLst>
+  </p:timing>
 </p:sld>
 </file>
 
@@ -7480,6 +9332,1148 @@
         </p:nvCxnSpPr>
         <p:spPr>
           <a:xfrm>
+            <a:off x="3400442" y="2543188"/>
+            <a:ext cx="1193979" cy="284832"/>
+          </a:xfrm>
+          <a:prstGeom prst="straightConnector1">
+            <a:avLst/>
+          </a:prstGeom>
+          <a:ln>
+            <a:tailEnd type="triangle"/>
+          </a:ln>
+        </p:spPr>
+        <p:style>
+          <a:lnRef idx="3">
+            <a:schemeClr val="dk1"/>
+          </a:lnRef>
+          <a:fillRef idx="0">
+            <a:schemeClr val="dk1"/>
+          </a:fillRef>
+          <a:effectRef idx="2">
+            <a:schemeClr val="dk1"/>
+          </a:effectRef>
+          <a:fontRef idx="minor">
+            <a:schemeClr val="tx1"/>
+          </a:fontRef>
+        </p:style>
+      </p:cxnSp>
+      <p:cxnSp>
+        <p:nvCxnSpPr>
+          <p:cNvPr id="6" name="Elbow Connector 37"/>
+          <p:cNvCxnSpPr/>
+          <p:nvPr/>
+        </p:nvCxnSpPr>
+        <p:spPr>
+          <a:xfrm flipH="1" flipV="1">
+            <a:off x="4444392" y="1412373"/>
+            <a:ext cx="539727" cy="1412146"/>
+          </a:xfrm>
+          <a:prstGeom prst="straightConnector1">
+            <a:avLst/>
+          </a:prstGeom>
+          <a:ln>
+            <a:tailEnd type="triangle"/>
+          </a:ln>
+        </p:spPr>
+        <p:style>
+          <a:lnRef idx="3">
+            <a:schemeClr val="dk1"/>
+          </a:lnRef>
+          <a:fillRef idx="0">
+            <a:schemeClr val="dk1"/>
+          </a:fillRef>
+          <a:effectRef idx="2">
+            <a:schemeClr val="dk1"/>
+          </a:effectRef>
+          <a:fontRef idx="minor">
+            <a:schemeClr val="tx1"/>
+          </a:fontRef>
+        </p:style>
+      </p:cxnSp>
+      <p:cxnSp>
+        <p:nvCxnSpPr>
+          <p:cNvPr id="7" name="Elbow Connector 37"/>
+          <p:cNvCxnSpPr/>
+          <p:nvPr/>
+        </p:nvCxnSpPr>
+        <p:spPr>
+          <a:xfrm flipH="1" flipV="1">
+            <a:off x="8050246" y="1916083"/>
+            <a:ext cx="309802" cy="909912"/>
+          </a:xfrm>
+          <a:prstGeom prst="straightConnector1">
+            <a:avLst/>
+          </a:prstGeom>
+          <a:ln>
+            <a:tailEnd type="triangle"/>
+          </a:ln>
+        </p:spPr>
+        <p:style>
+          <a:lnRef idx="3">
+            <a:schemeClr val="dk1"/>
+          </a:lnRef>
+          <a:fillRef idx="0">
+            <a:schemeClr val="dk1"/>
+          </a:fillRef>
+          <a:effectRef idx="2">
+            <a:schemeClr val="dk1"/>
+          </a:effectRef>
+          <a:fontRef idx="minor">
+            <a:schemeClr val="tx1"/>
+          </a:fontRef>
+        </p:style>
+      </p:cxnSp>
+      <p:cxnSp>
+        <p:nvCxnSpPr>
+          <p:cNvPr id="8" name="Elbow Connector 37"/>
+          <p:cNvCxnSpPr/>
+          <p:nvPr/>
+        </p:nvCxnSpPr>
+        <p:spPr>
+          <a:xfrm flipH="1" flipV="1">
+            <a:off x="6585385" y="3466824"/>
+            <a:ext cx="881830" cy="623201"/>
+          </a:xfrm>
+          <a:prstGeom prst="straightConnector1">
+            <a:avLst/>
+          </a:prstGeom>
+          <a:ln>
+            <a:tailEnd type="triangle"/>
+          </a:ln>
+        </p:spPr>
+        <p:style>
+          <a:lnRef idx="3">
+            <a:schemeClr val="dk1"/>
+          </a:lnRef>
+          <a:fillRef idx="0">
+            <a:schemeClr val="dk1"/>
+          </a:fillRef>
+          <a:effectRef idx="2">
+            <a:schemeClr val="dk1"/>
+          </a:effectRef>
+          <a:fontRef idx="minor">
+            <a:schemeClr val="tx1"/>
+          </a:fontRef>
+        </p:style>
+      </p:cxnSp>
+      <p:cxnSp>
+        <p:nvCxnSpPr>
+          <p:cNvPr id="9" name="Elbow Connector 37"/>
+          <p:cNvCxnSpPr/>
+          <p:nvPr/>
+        </p:nvCxnSpPr>
+        <p:spPr>
+          <a:xfrm flipH="1" flipV="1">
+            <a:off x="7600341" y="1916083"/>
+            <a:ext cx="269289" cy="909911"/>
+          </a:xfrm>
+          <a:prstGeom prst="straightConnector1">
+            <a:avLst/>
+          </a:prstGeom>
+          <a:ln>
+            <a:tailEnd type="triangle"/>
+          </a:ln>
+        </p:spPr>
+        <p:style>
+          <a:lnRef idx="3">
+            <a:schemeClr val="dk1"/>
+          </a:lnRef>
+          <a:fillRef idx="0">
+            <a:schemeClr val="dk1"/>
+          </a:fillRef>
+          <a:effectRef idx="2">
+            <a:schemeClr val="dk1"/>
+          </a:effectRef>
+          <a:fontRef idx="minor">
+            <a:schemeClr val="tx1"/>
+          </a:fontRef>
+        </p:style>
+      </p:cxnSp>
+      <p:cxnSp>
+        <p:nvCxnSpPr>
+          <p:cNvPr id="10" name="Elbow Connector 37"/>
+          <p:cNvCxnSpPr/>
+          <p:nvPr/>
+        </p:nvCxnSpPr>
+        <p:spPr>
+          <a:xfrm flipH="1" flipV="1">
+            <a:off x="3021024" y="3027622"/>
+            <a:ext cx="183310" cy="694167"/>
+          </a:xfrm>
+          <a:prstGeom prst="straightConnector1">
+            <a:avLst/>
+          </a:prstGeom>
+          <a:ln>
+            <a:tailEnd type="triangle"/>
+          </a:ln>
+        </p:spPr>
+        <p:style>
+          <a:lnRef idx="3">
+            <a:schemeClr val="dk1"/>
+          </a:lnRef>
+          <a:fillRef idx="0">
+            <a:schemeClr val="dk1"/>
+          </a:fillRef>
+          <a:effectRef idx="2">
+            <a:schemeClr val="dk1"/>
+          </a:effectRef>
+          <a:fontRef idx="minor">
+            <a:schemeClr val="tx1"/>
+          </a:fontRef>
+        </p:style>
+      </p:cxnSp>
+      <p:cxnSp>
+        <p:nvCxnSpPr>
+          <p:cNvPr id="11" name="Elbow Connector 37"/>
+          <p:cNvCxnSpPr/>
+          <p:nvPr/>
+        </p:nvCxnSpPr>
+        <p:spPr>
+          <a:xfrm flipV="1">
+            <a:off x="4015958" y="3280166"/>
+            <a:ext cx="578463" cy="441623"/>
+          </a:xfrm>
+          <a:prstGeom prst="straightConnector1">
+            <a:avLst/>
+          </a:prstGeom>
+          <a:ln>
+            <a:tailEnd type="triangle"/>
+          </a:ln>
+        </p:spPr>
+        <p:style>
+          <a:lnRef idx="3">
+            <a:schemeClr val="dk1"/>
+          </a:lnRef>
+          <a:fillRef idx="0">
+            <a:schemeClr val="dk1"/>
+          </a:fillRef>
+          <a:effectRef idx="2">
+            <a:schemeClr val="dk1"/>
+          </a:effectRef>
+          <a:fontRef idx="minor">
+            <a:schemeClr val="tx1"/>
+          </a:fontRef>
+        </p:style>
+      </p:cxnSp>
+      <p:cxnSp>
+        <p:nvCxnSpPr>
+          <p:cNvPr id="12" name="Elbow Connector 37"/>
+          <p:cNvCxnSpPr/>
+          <p:nvPr/>
+        </p:nvCxnSpPr>
+        <p:spPr>
+          <a:xfrm flipH="1" flipV="1">
+            <a:off x="5597639" y="3559757"/>
+            <a:ext cx="9536" cy="531342"/>
+          </a:xfrm>
+          <a:prstGeom prst="straightConnector1">
+            <a:avLst/>
+          </a:prstGeom>
+          <a:ln w="19050" cap="flat" cmpd="sng" algn="ctr">
+            <a:solidFill>
+              <a:schemeClr val="accent1"/>
+            </a:solidFill>
+            <a:prstDash val="dash"/>
+            <a:round/>
+            <a:headEnd type="none" w="med" len="med"/>
+            <a:tailEnd type="triangle" w="med" len="med"/>
+          </a:ln>
+        </p:spPr>
+        <p:style>
+          <a:lnRef idx="0">
+            <a:scrgbClr r="0" g="0" b="0"/>
+          </a:lnRef>
+          <a:fillRef idx="0">
+            <a:scrgbClr r="0" g="0" b="0"/>
+          </a:fillRef>
+          <a:effectRef idx="0">
+            <a:scrgbClr r="0" g="0" b="0"/>
+          </a:effectRef>
+          <a:fontRef idx="minor">
+            <a:schemeClr val="tx1"/>
+          </a:fontRef>
+        </p:style>
+      </p:cxnSp>
+      <p:cxnSp>
+        <p:nvCxnSpPr>
+          <p:cNvPr id="13" name="Elbow Connector 37"/>
+          <p:cNvCxnSpPr/>
+          <p:nvPr/>
+        </p:nvCxnSpPr>
+        <p:spPr>
+          <a:xfrm flipV="1">
+            <a:off x="8146411" y="3573286"/>
+            <a:ext cx="0" cy="516739"/>
+          </a:xfrm>
+          <a:prstGeom prst="straightConnector1">
+            <a:avLst/>
+          </a:prstGeom>
+          <a:ln>
+            <a:tailEnd type="triangle"/>
+          </a:ln>
+        </p:spPr>
+        <p:style>
+          <a:lnRef idx="3">
+            <a:schemeClr val="dk1"/>
+          </a:lnRef>
+          <a:fillRef idx="0">
+            <a:schemeClr val="dk1"/>
+          </a:fillRef>
+          <a:effectRef idx="2">
+            <a:schemeClr val="dk1"/>
+          </a:effectRef>
+          <a:fontRef idx="minor">
+            <a:schemeClr val="tx1"/>
+          </a:fontRef>
+        </p:style>
+      </p:cxnSp>
+      <p:sp>
+        <p:nvSpPr>
+          <p:cNvPr id="15" name="Rounded Rectangle 5"/>
+          <p:cNvSpPr/>
+          <p:nvPr/>
+        </p:nvSpPr>
+        <p:spPr>
+          <a:xfrm>
+            <a:off x="6868895" y="507481"/>
+            <a:ext cx="1694439" cy="728495"/>
+          </a:xfrm>
+          <a:prstGeom prst="roundRect">
+            <a:avLst/>
+          </a:prstGeom>
+          <a:solidFill>
+            <a:srgbClr val="CEE1F2"/>
+          </a:solidFill>
+          <a:ln cap="rnd">
+            <a:round/>
+          </a:ln>
+          <a:effectLst>
+            <a:outerShdw blurRad="50800" dist="38100" dir="2700000" algn="tl" rotWithShape="0">
+              <a:prstClr val="black">
+                <a:alpha val="40000"/>
+              </a:prstClr>
+            </a:outerShdw>
+          </a:effectLst>
+        </p:spPr>
+        <p:style>
+          <a:lnRef idx="2">
+            <a:schemeClr val="accent1">
+              <a:shade val="50000"/>
+            </a:schemeClr>
+          </a:lnRef>
+          <a:fillRef idx="1">
+            <a:schemeClr val="accent1"/>
+          </a:fillRef>
+          <a:effectRef idx="0">
+            <a:schemeClr val="accent1"/>
+          </a:effectRef>
+          <a:fontRef idx="minor">
+            <a:schemeClr val="lt1"/>
+          </a:fontRef>
+        </p:style>
+        <p:txBody>
+          <a:bodyPr rtlCol="0" anchor="ctr"/>
+          <a:lstStyle/>
+          <a:p>
+            <a:pPr algn="ctr"/>
+            <a:r>
+              <a:rPr lang="en-US" dirty="0">
+                <a:solidFill>
+                  <a:schemeClr val="tx1"/>
+                </a:solidFill>
+              </a:rPr>
+              <a:t>Organization</a:t>
+            </a:r>
+            <a:endParaRPr lang="en-AU" dirty="0">
+              <a:solidFill>
+                <a:schemeClr val="tx1"/>
+              </a:solidFill>
+            </a:endParaRPr>
+          </a:p>
+        </p:txBody>
+      </p:sp>
+      <p:cxnSp>
+        <p:nvCxnSpPr>
+          <p:cNvPr id="23" name="Elbow Connector 37"/>
+          <p:cNvCxnSpPr/>
+          <p:nvPr/>
+        </p:nvCxnSpPr>
+        <p:spPr>
+          <a:xfrm>
+            <a:off x="6302026" y="4268161"/>
+            <a:ext cx="809828" cy="0"/>
+          </a:xfrm>
+          <a:prstGeom prst="straightConnector1">
+            <a:avLst/>
+          </a:prstGeom>
+          <a:ln w="19050" cap="flat" cmpd="sng" algn="ctr">
+            <a:solidFill>
+              <a:schemeClr val="accent1"/>
+            </a:solidFill>
+            <a:prstDash val="dash"/>
+            <a:round/>
+            <a:headEnd type="none" w="med" len="med"/>
+            <a:tailEnd type="triangle" w="med" len="med"/>
+          </a:ln>
+        </p:spPr>
+        <p:style>
+          <a:lnRef idx="0">
+            <a:scrgbClr r="0" g="0" b="0"/>
+          </a:lnRef>
+          <a:fillRef idx="0">
+            <a:scrgbClr r="0" g="0" b="0"/>
+          </a:fillRef>
+          <a:effectRef idx="0">
+            <a:scrgbClr r="0" g="0" b="0"/>
+          </a:effectRef>
+          <a:fontRef idx="minor">
+            <a:schemeClr val="tx1"/>
+          </a:fontRef>
+        </p:style>
+      </p:cxnSp>
+      <p:sp>
+        <p:nvSpPr>
+          <p:cNvPr id="24" name="Rounded Rectangle 9"/>
+          <p:cNvSpPr/>
+          <p:nvPr/>
+        </p:nvSpPr>
+        <p:spPr>
+          <a:xfrm>
+            <a:off x="4750421" y="3903914"/>
+            <a:ext cx="1713508" cy="728495"/>
+          </a:xfrm>
+          <a:prstGeom prst="roundRect">
+            <a:avLst/>
+          </a:prstGeom>
+          <a:solidFill>
+            <a:schemeClr val="accent5">
+              <a:lumMod val="60000"/>
+              <a:lumOff val="40000"/>
+            </a:schemeClr>
+          </a:solidFill>
+          <a:ln>
+            <a:noFill/>
+          </a:ln>
+        </p:spPr>
+        <p:style>
+          <a:lnRef idx="0">
+            <a:scrgbClr r="0" g="0" b="0"/>
+          </a:lnRef>
+          <a:fillRef idx="0">
+            <a:scrgbClr r="0" g="0" b="0"/>
+          </a:fillRef>
+          <a:effectRef idx="0">
+            <a:scrgbClr r="0" g="0" b="0"/>
+          </a:effectRef>
+          <a:fontRef idx="minor">
+            <a:schemeClr val="lt1"/>
+          </a:fontRef>
+        </p:style>
+        <p:txBody>
+          <a:bodyPr rtlCol="0" anchor="ctr"/>
+          <a:lstStyle/>
+          <a:p>
+            <a:pPr algn="ctr"/>
+            <a:r>
+              <a:rPr lang="en-US" sz="1600" dirty="0"/>
+              <a:t>* Billable Item</a:t>
+            </a:r>
+            <a:endParaRPr lang="en-AU" sz="1600" dirty="0"/>
+          </a:p>
+        </p:txBody>
+      </p:sp>
+      <p:sp>
+        <p:nvSpPr>
+          <p:cNvPr id="26" name="Rounded Rectangle 5"/>
+          <p:cNvSpPr/>
+          <p:nvPr/>
+        </p:nvSpPr>
+        <p:spPr>
+          <a:xfrm>
+            <a:off x="3055981" y="514395"/>
+            <a:ext cx="1694439" cy="728495"/>
+          </a:xfrm>
+          <a:prstGeom prst="roundRect">
+            <a:avLst/>
+          </a:prstGeom>
+          <a:solidFill>
+            <a:srgbClr val="CEE1F2"/>
+          </a:solidFill>
+          <a:ln cap="rnd">
+            <a:round/>
+          </a:ln>
+          <a:effectLst>
+            <a:outerShdw blurRad="50800" dist="38100" dir="2700000" algn="tl" rotWithShape="0">
+              <a:prstClr val="black">
+                <a:alpha val="40000"/>
+              </a:prstClr>
+            </a:outerShdw>
+          </a:effectLst>
+        </p:spPr>
+        <p:style>
+          <a:lnRef idx="2">
+            <a:schemeClr val="accent1">
+              <a:shade val="50000"/>
+            </a:schemeClr>
+          </a:lnRef>
+          <a:fillRef idx="1">
+            <a:schemeClr val="accent1"/>
+          </a:fillRef>
+          <a:effectRef idx="0">
+            <a:schemeClr val="accent1"/>
+          </a:effectRef>
+          <a:fontRef idx="minor">
+            <a:schemeClr val="lt1"/>
+          </a:fontRef>
+        </p:style>
+        <p:txBody>
+          <a:bodyPr rtlCol="0" anchor="ctr"/>
+          <a:lstStyle/>
+          <a:p>
+            <a:pPr algn="ctr"/>
+            <a:r>
+              <a:rPr lang="en-US" dirty="0">
+                <a:solidFill>
+                  <a:schemeClr val="tx1"/>
+                </a:solidFill>
+              </a:rPr>
+              <a:t>Patient</a:t>
+            </a:r>
+            <a:endParaRPr lang="en-AU" dirty="0">
+              <a:solidFill>
+                <a:schemeClr val="tx1"/>
+              </a:solidFill>
+            </a:endParaRPr>
+          </a:p>
+        </p:txBody>
+      </p:sp>
+      <p:sp>
+        <p:nvSpPr>
+          <p:cNvPr id="27" name="Rounded Rectangle 5"/>
+          <p:cNvSpPr/>
+          <p:nvPr/>
+        </p:nvSpPr>
+        <p:spPr>
+          <a:xfrm>
+            <a:off x="4962438" y="506042"/>
+            <a:ext cx="1694439" cy="728495"/>
+          </a:xfrm>
+          <a:prstGeom prst="roundRect">
+            <a:avLst/>
+          </a:prstGeom>
+          <a:solidFill>
+            <a:srgbClr val="CEE1F2"/>
+          </a:solidFill>
+          <a:ln cap="rnd">
+            <a:round/>
+          </a:ln>
+          <a:effectLst>
+            <a:outerShdw blurRad="50800" dist="38100" dir="2700000" algn="tl" rotWithShape="0">
+              <a:prstClr val="black">
+                <a:alpha val="40000"/>
+              </a:prstClr>
+            </a:outerShdw>
+          </a:effectLst>
+        </p:spPr>
+        <p:style>
+          <a:lnRef idx="2">
+            <a:schemeClr val="accent1">
+              <a:shade val="50000"/>
+            </a:schemeClr>
+          </a:lnRef>
+          <a:fillRef idx="1">
+            <a:schemeClr val="accent1"/>
+          </a:fillRef>
+          <a:effectRef idx="0">
+            <a:schemeClr val="accent1"/>
+          </a:effectRef>
+          <a:fontRef idx="minor">
+            <a:schemeClr val="lt1"/>
+          </a:fontRef>
+        </p:style>
+        <p:txBody>
+          <a:bodyPr rtlCol="0" anchor="ctr"/>
+          <a:lstStyle/>
+          <a:p>
+            <a:pPr algn="ctr"/>
+            <a:r>
+              <a:rPr lang="en-US" dirty="0">
+                <a:solidFill>
+                  <a:schemeClr val="tx1"/>
+                </a:solidFill>
+              </a:rPr>
+              <a:t>RelatedPerson</a:t>
+            </a:r>
+            <a:endParaRPr lang="en-AU" dirty="0">
+              <a:solidFill>
+                <a:schemeClr val="tx1"/>
+              </a:solidFill>
+            </a:endParaRPr>
+          </a:p>
+        </p:txBody>
+      </p:sp>
+      <p:sp>
+        <p:nvSpPr>
+          <p:cNvPr id="28" name="Rounded Rectangle 6"/>
+          <p:cNvSpPr/>
+          <p:nvPr/>
+        </p:nvSpPr>
+        <p:spPr>
+          <a:xfrm>
+            <a:off x="4750420" y="2681420"/>
+            <a:ext cx="1694439" cy="728495"/>
+          </a:xfrm>
+          <a:prstGeom prst="roundRect">
+            <a:avLst/>
+          </a:prstGeom>
+          <a:solidFill>
+            <a:srgbClr val="CEE1F2"/>
+          </a:solidFill>
+          <a:ln cap="rnd">
+            <a:round/>
+          </a:ln>
+          <a:effectLst>
+            <a:outerShdw blurRad="50800" dist="38100" dir="2700000" algn="tl" rotWithShape="0">
+              <a:prstClr val="black">
+                <a:alpha val="40000"/>
+              </a:prstClr>
+            </a:outerShdw>
+          </a:effectLst>
+        </p:spPr>
+        <p:style>
+          <a:lnRef idx="2">
+            <a:schemeClr val="accent1">
+              <a:shade val="50000"/>
+            </a:schemeClr>
+          </a:lnRef>
+          <a:fillRef idx="1">
+            <a:schemeClr val="accent1"/>
+          </a:fillRef>
+          <a:effectRef idx="0">
+            <a:schemeClr val="accent1"/>
+          </a:effectRef>
+          <a:fontRef idx="minor">
+            <a:schemeClr val="lt1"/>
+          </a:fontRef>
+        </p:style>
+        <p:txBody>
+          <a:bodyPr rtlCol="0" anchor="ctr"/>
+          <a:lstStyle/>
+          <a:p>
+            <a:pPr algn="ctr"/>
+            <a:r>
+              <a:rPr lang="en-US" dirty="0">
+                <a:solidFill>
+                  <a:schemeClr val="tx1"/>
+                </a:solidFill>
+              </a:rPr>
+              <a:t>Account</a:t>
+            </a:r>
+          </a:p>
+        </p:txBody>
+      </p:sp>
+      <p:sp>
+        <p:nvSpPr>
+          <p:cNvPr id="30" name="Rounded Rectangle 6"/>
+          <p:cNvSpPr/>
+          <p:nvPr/>
+        </p:nvSpPr>
+        <p:spPr>
+          <a:xfrm>
+            <a:off x="7299192" y="3891929"/>
+            <a:ext cx="1694439" cy="728495"/>
+          </a:xfrm>
+          <a:prstGeom prst="roundRect">
+            <a:avLst/>
+          </a:prstGeom>
+          <a:solidFill>
+            <a:srgbClr val="CEE1F2"/>
+          </a:solidFill>
+          <a:ln cap="rnd">
+            <a:round/>
+          </a:ln>
+          <a:effectLst>
+            <a:outerShdw blurRad="50800" dist="38100" dir="2700000" algn="tl" rotWithShape="0">
+              <a:prstClr val="black">
+                <a:alpha val="40000"/>
+              </a:prstClr>
+            </a:outerShdw>
+          </a:effectLst>
+        </p:spPr>
+        <p:style>
+          <a:lnRef idx="2">
+            <a:schemeClr val="accent1">
+              <a:shade val="50000"/>
+            </a:schemeClr>
+          </a:lnRef>
+          <a:fillRef idx="1">
+            <a:schemeClr val="accent1"/>
+          </a:fillRef>
+          <a:effectRef idx="0">
+            <a:schemeClr val="accent1"/>
+          </a:effectRef>
+          <a:fontRef idx="minor">
+            <a:schemeClr val="lt1"/>
+          </a:fontRef>
+        </p:style>
+        <p:txBody>
+          <a:bodyPr rtlCol="0" anchor="ctr"/>
+          <a:lstStyle/>
+          <a:p>
+            <a:pPr algn="ctr"/>
+            <a:r>
+              <a:rPr lang="en-US" dirty="0">
+                <a:solidFill>
+                  <a:schemeClr val="tx1"/>
+                </a:solidFill>
+              </a:rPr>
+              <a:t>Claim</a:t>
+            </a:r>
+          </a:p>
+        </p:txBody>
+      </p:sp>
+      <p:cxnSp>
+        <p:nvCxnSpPr>
+          <p:cNvPr id="36" name="Elbow Connector 37"/>
+          <p:cNvCxnSpPr/>
+          <p:nvPr/>
+        </p:nvCxnSpPr>
+        <p:spPr>
+          <a:xfrm flipV="1">
+            <a:off x="3054979" y="1412373"/>
+            <a:ext cx="345463" cy="758098"/>
+          </a:xfrm>
+          <a:prstGeom prst="straightConnector1">
+            <a:avLst/>
+          </a:prstGeom>
+          <a:ln>
+            <a:tailEnd type="triangle"/>
+          </a:ln>
+        </p:spPr>
+        <p:style>
+          <a:lnRef idx="3">
+            <a:schemeClr val="dk1"/>
+          </a:lnRef>
+          <a:fillRef idx="0">
+            <a:schemeClr val="dk1"/>
+          </a:fillRef>
+          <a:effectRef idx="2">
+            <a:schemeClr val="dk1"/>
+          </a:effectRef>
+          <a:fontRef idx="minor">
+            <a:schemeClr val="tx1"/>
+          </a:fontRef>
+        </p:style>
+      </p:cxnSp>
+      <p:sp>
+        <p:nvSpPr>
+          <p:cNvPr id="16" name="Rounded Rectangle 6"/>
+          <p:cNvSpPr/>
+          <p:nvPr/>
+        </p:nvSpPr>
+        <p:spPr>
+          <a:xfrm>
+            <a:off x="1862961" y="2096024"/>
+            <a:ext cx="1694439" cy="728495"/>
+          </a:xfrm>
+          <a:prstGeom prst="roundRect">
+            <a:avLst/>
+          </a:prstGeom>
+          <a:solidFill>
+            <a:srgbClr val="CEE1F2"/>
+          </a:solidFill>
+          <a:ln cap="rnd">
+            <a:round/>
+          </a:ln>
+          <a:effectLst>
+            <a:outerShdw blurRad="50800" dist="38100" dir="2700000" algn="tl" rotWithShape="0">
+              <a:prstClr val="black">
+                <a:alpha val="40000"/>
+              </a:prstClr>
+            </a:outerShdw>
+          </a:effectLst>
+        </p:spPr>
+        <p:style>
+          <a:lnRef idx="2">
+            <a:schemeClr val="accent1">
+              <a:shade val="50000"/>
+            </a:schemeClr>
+          </a:lnRef>
+          <a:fillRef idx="1">
+            <a:schemeClr val="accent1"/>
+          </a:fillRef>
+          <a:effectRef idx="0">
+            <a:schemeClr val="accent1"/>
+          </a:effectRef>
+          <a:fontRef idx="minor">
+            <a:schemeClr val="lt1"/>
+          </a:fontRef>
+        </p:style>
+        <p:txBody>
+          <a:bodyPr rtlCol="0" anchor="ctr"/>
+          <a:lstStyle/>
+          <a:p>
+            <a:pPr algn="ctr"/>
+            <a:r>
+              <a:rPr lang="en-US" dirty="0">
+                <a:solidFill>
+                  <a:schemeClr val="tx1"/>
+                </a:solidFill>
+              </a:rPr>
+              <a:t>EpisodeOfCare</a:t>
+            </a:r>
+            <a:endParaRPr lang="en-AU" dirty="0">
+              <a:solidFill>
+                <a:schemeClr val="tx1"/>
+              </a:solidFill>
+            </a:endParaRPr>
+          </a:p>
+        </p:txBody>
+      </p:sp>
+      <p:sp>
+        <p:nvSpPr>
+          <p:cNvPr id="61" name="TextBox 60"/>
+          <p:cNvSpPr txBox="1"/>
+          <p:nvPr/>
+        </p:nvSpPr>
+        <p:spPr>
+          <a:xfrm>
+            <a:off x="7008228" y="2202608"/>
+            <a:ext cx="651717" cy="338554"/>
+          </a:xfrm>
+          <a:prstGeom prst="rect">
+            <a:avLst/>
+          </a:prstGeom>
+          <a:noFill/>
+        </p:spPr>
+        <p:txBody>
+          <a:bodyPr wrap="none" rtlCol="0">
+            <a:spAutoFit/>
+          </a:bodyPr>
+          <a:lstStyle/>
+          <a:p>
+            <a:r>
+              <a:rPr lang="en-US" sz="1600" dirty="0"/>
+              <a:t>Payor</a:t>
+            </a:r>
+          </a:p>
+        </p:txBody>
+      </p:sp>
+      <p:sp>
+        <p:nvSpPr>
+          <p:cNvPr id="62" name="TextBox 61"/>
+          <p:cNvSpPr txBox="1"/>
+          <p:nvPr/>
+        </p:nvSpPr>
+        <p:spPr>
+          <a:xfrm>
+            <a:off x="8256920" y="2202608"/>
+            <a:ext cx="1060483" cy="338554"/>
+          </a:xfrm>
+          <a:prstGeom prst="rect">
+            <a:avLst/>
+          </a:prstGeom>
+          <a:noFill/>
+        </p:spPr>
+        <p:txBody>
+          <a:bodyPr wrap="none" rtlCol="0">
+            <a:spAutoFit/>
+          </a:bodyPr>
+          <a:lstStyle/>
+          <a:p>
+            <a:r>
+              <a:rPr lang="en-US" sz="1600" dirty="0"/>
+              <a:t>Subscriber</a:t>
+            </a:r>
+          </a:p>
+        </p:txBody>
+      </p:sp>
+      <p:cxnSp>
+        <p:nvCxnSpPr>
+          <p:cNvPr id="75" name="Elbow Connector 37"/>
+          <p:cNvCxnSpPr/>
+          <p:nvPr/>
+        </p:nvCxnSpPr>
+        <p:spPr>
+          <a:xfrm flipV="1">
+            <a:off x="3847956" y="1465963"/>
+            <a:ext cx="55244" cy="2255826"/>
+          </a:xfrm>
+          <a:prstGeom prst="straightConnector1">
+            <a:avLst/>
+          </a:prstGeom>
+          <a:ln>
+            <a:tailEnd type="triangle"/>
+          </a:ln>
+        </p:spPr>
+        <p:style>
+          <a:lnRef idx="3">
+            <a:schemeClr val="dk1"/>
+          </a:lnRef>
+          <a:fillRef idx="0">
+            <a:schemeClr val="dk1"/>
+          </a:fillRef>
+          <a:effectRef idx="2">
+            <a:schemeClr val="dk1"/>
+          </a:effectRef>
+          <a:fontRef idx="minor">
+            <a:schemeClr val="tx1"/>
+          </a:fontRef>
+        </p:style>
+      </p:cxnSp>
+      <p:cxnSp>
+        <p:nvCxnSpPr>
+          <p:cNvPr id="77" name="Elbow Connector 37"/>
+          <p:cNvCxnSpPr/>
+          <p:nvPr/>
+        </p:nvCxnSpPr>
+        <p:spPr>
+          <a:xfrm flipH="1" flipV="1">
+            <a:off x="6600858" y="3033596"/>
+            <a:ext cx="805585" cy="5777"/>
+          </a:xfrm>
+          <a:prstGeom prst="straightConnector1">
+            <a:avLst/>
+          </a:prstGeom>
+          <a:ln>
+            <a:tailEnd type="triangle"/>
+          </a:ln>
+        </p:spPr>
+        <p:style>
+          <a:lnRef idx="3">
+            <a:schemeClr val="dk1"/>
+          </a:lnRef>
+          <a:fillRef idx="0">
+            <a:schemeClr val="dk1"/>
+          </a:fillRef>
+          <a:effectRef idx="2">
+            <a:schemeClr val="dk1"/>
+          </a:effectRef>
+          <a:fontRef idx="minor">
+            <a:schemeClr val="tx1"/>
+          </a:fontRef>
+        </p:style>
+      </p:cxnSp>
+      <p:sp>
+        <p:nvSpPr>
+          <p:cNvPr id="31" name="Rounded Rectangle 6"/>
+          <p:cNvSpPr/>
+          <p:nvPr/>
+        </p:nvSpPr>
+        <p:spPr>
+          <a:xfrm>
+            <a:off x="7219438" y="2663374"/>
+            <a:ext cx="1694439" cy="728495"/>
+          </a:xfrm>
+          <a:prstGeom prst="roundRect">
+            <a:avLst/>
+          </a:prstGeom>
+          <a:solidFill>
+            <a:srgbClr val="CEE1F2"/>
+          </a:solidFill>
+          <a:ln cap="rnd">
+            <a:round/>
+          </a:ln>
+          <a:effectLst>
+            <a:outerShdw blurRad="50800" dist="38100" dir="2700000" algn="tl" rotWithShape="0">
+              <a:prstClr val="black">
+                <a:alpha val="40000"/>
+              </a:prstClr>
+            </a:outerShdw>
+          </a:effectLst>
+        </p:spPr>
+        <p:style>
+          <a:lnRef idx="2">
+            <a:schemeClr val="accent1">
+              <a:shade val="50000"/>
+            </a:schemeClr>
+          </a:lnRef>
+          <a:fillRef idx="1">
+            <a:schemeClr val="accent1"/>
+          </a:fillRef>
+          <a:effectRef idx="0">
+            <a:schemeClr val="accent1"/>
+          </a:effectRef>
+          <a:fontRef idx="minor">
+            <a:schemeClr val="lt1"/>
+          </a:fontRef>
+        </p:style>
+        <p:txBody>
+          <a:bodyPr rtlCol="0" anchor="ctr"/>
+          <a:lstStyle/>
+          <a:p>
+            <a:pPr algn="ctr"/>
+            <a:r>
+              <a:rPr lang="en-US" dirty="0">
+                <a:solidFill>
+                  <a:schemeClr val="tx1"/>
+                </a:solidFill>
+              </a:rPr>
+              <a:t>Coverage</a:t>
+            </a:r>
+          </a:p>
+        </p:txBody>
+      </p:sp>
+      <p:sp>
+        <p:nvSpPr>
+          <p:cNvPr id="29" name="Rounded Rectangle 6"/>
+          <p:cNvSpPr/>
+          <p:nvPr/>
+        </p:nvSpPr>
+        <p:spPr>
+          <a:xfrm>
+            <a:off x="2412360" y="3520884"/>
+            <a:ext cx="1694439" cy="728495"/>
+          </a:xfrm>
+          <a:prstGeom prst="roundRect">
+            <a:avLst/>
+          </a:prstGeom>
+          <a:solidFill>
+            <a:srgbClr val="CEE1F2"/>
+          </a:solidFill>
+          <a:ln cap="rnd">
+            <a:round/>
+          </a:ln>
+          <a:effectLst>
+            <a:outerShdw blurRad="50800" dist="38100" dir="2700000" algn="tl" rotWithShape="0">
+              <a:prstClr val="black">
+                <a:alpha val="40000"/>
+              </a:prstClr>
+            </a:outerShdw>
+          </a:effectLst>
+        </p:spPr>
+        <p:style>
+          <a:lnRef idx="2">
+            <a:schemeClr val="accent1">
+              <a:shade val="50000"/>
+            </a:schemeClr>
+          </a:lnRef>
+          <a:fillRef idx="1">
+            <a:schemeClr val="accent1"/>
+          </a:fillRef>
+          <a:effectRef idx="0">
+            <a:schemeClr val="accent1"/>
+          </a:effectRef>
+          <a:fontRef idx="minor">
+            <a:schemeClr val="lt1"/>
+          </a:fontRef>
+        </p:style>
+        <p:txBody>
+          <a:bodyPr rtlCol="0" anchor="ctr"/>
+          <a:lstStyle/>
+          <a:p>
+            <a:pPr algn="ctr"/>
+            <a:r>
+              <a:rPr lang="en-US" dirty="0">
+                <a:solidFill>
+                  <a:schemeClr val="tx1"/>
+                </a:solidFill>
+              </a:rPr>
+              <a:t>Encounter</a:t>
+            </a:r>
+            <a:endParaRPr lang="en-AU" dirty="0">
+              <a:solidFill>
+                <a:schemeClr val="tx1"/>
+              </a:solidFill>
+            </a:endParaRPr>
+          </a:p>
+        </p:txBody>
+      </p:sp>
+    </p:spTree>
+    <p:extLst>
+      <p:ext uri="{BB962C8B-B14F-4D97-AF65-F5344CB8AC3E}">
+        <p14:creationId xmlns:p14="http://schemas.microsoft.com/office/powerpoint/2010/main" val="2069018942"/>
+      </p:ext>
+    </p:extLst>
+  </p:cSld>
+  <p:clrMapOvr>
+    <a:masterClrMapping/>
+  </p:clrMapOvr>
+</p:sld>
+</file>
+
+<file path=ppt/slides/slide6.xml><?xml version="1.0" encoding="utf-8"?>
+<p:sld xmlns:a="http://schemas.openxmlformats.org/drawingml/2006/main" xmlns:r="http://schemas.openxmlformats.org/officeDocument/2006/relationships" xmlns:p="http://schemas.openxmlformats.org/presentationml/2006/main" show="0">
+  <p:cSld>
+    <p:spTree>
+      <p:nvGrpSpPr>
+        <p:cNvPr id="1" name=""/>
+        <p:cNvGrpSpPr/>
+        <p:nvPr/>
+      </p:nvGrpSpPr>
+      <p:grpSpPr>
+        <a:xfrm>
+          <a:off x="0" y="0"/>
+          <a:ext cx="0" cy="0"/>
+          <a:chOff x="0" y="0"/>
+          <a:chExt cx="0" cy="0"/>
+        </a:xfrm>
+      </p:grpSpPr>
+      <p:sp>
+        <p:nvSpPr>
+          <p:cNvPr id="25" name="Rounded Rectangle 5"/>
+          <p:cNvSpPr/>
+          <p:nvPr/>
+        </p:nvSpPr>
+        <p:spPr>
+          <a:xfrm>
+            <a:off x="2843964" y="289931"/>
+            <a:ext cx="5943198" cy="1458695"/>
+          </a:xfrm>
+          <a:prstGeom prst="roundRect">
+            <a:avLst/>
+          </a:prstGeom>
+          <a:solidFill>
+            <a:schemeClr val="bg1"/>
+          </a:solidFill>
+          <a:ln cap="rnd">
+            <a:round/>
+          </a:ln>
+          <a:effectLst>
+            <a:outerShdw blurRad="50800" dist="38100" dir="2700000" algn="tl" rotWithShape="0">
+              <a:prstClr val="black">
+                <a:alpha val="40000"/>
+              </a:prstClr>
+            </a:outerShdw>
+          </a:effectLst>
+        </p:spPr>
+        <p:style>
+          <a:lnRef idx="2">
+            <a:schemeClr val="accent1">
+              <a:shade val="50000"/>
+            </a:schemeClr>
+          </a:lnRef>
+          <a:fillRef idx="1">
+            <a:schemeClr val="accent1"/>
+          </a:fillRef>
+          <a:effectRef idx="0">
+            <a:schemeClr val="accent1"/>
+          </a:effectRef>
+          <a:fontRef idx="minor">
+            <a:schemeClr val="lt1"/>
+          </a:fontRef>
+        </p:style>
+        <p:txBody>
+          <a:bodyPr rtlCol="0" anchor="ctr"/>
+          <a:lstStyle/>
+          <a:p>
+            <a:pPr algn="ctr"/>
+            <a:endParaRPr lang="en-AU" dirty="0">
+              <a:solidFill>
+                <a:schemeClr val="tx1"/>
+              </a:solidFill>
+            </a:endParaRPr>
+          </a:p>
+        </p:txBody>
+      </p:sp>
+      <p:cxnSp>
+        <p:nvCxnSpPr>
+          <p:cNvPr id="5" name="Elbow Connector 37"/>
+          <p:cNvCxnSpPr/>
+          <p:nvPr/>
+        </p:nvCxnSpPr>
+        <p:spPr>
+          <a:xfrm>
             <a:off x="4435806" y="2633039"/>
             <a:ext cx="526632" cy="160770"/>
           </a:xfrm>
@@ -8540,7 +11534,7 @@
 </p:sld>
 </file>
 
-<file path=ppt/slides/slide6.xml><?xml version="1.0" encoding="utf-8"?>
+<file path=ppt/slides/slide7.xml><?xml version="1.0" encoding="utf-8"?>
 <p:sld xmlns:a="http://schemas.openxmlformats.org/drawingml/2006/main" xmlns:r="http://schemas.openxmlformats.org/officeDocument/2006/relationships" xmlns:p="http://schemas.openxmlformats.org/presentationml/2006/main">
   <p:cSld>
     <p:spTree>
@@ -9336,7 +12330,7 @@
                   <a:schemeClr val="tx1"/>
                 </a:solidFill>
               </a:rPr>
-              <a:t>Organization</a:t>
+              <a:t>…</a:t>
             </a:r>
             <a:endParaRPr lang="en-AU" dirty="0">
               <a:solidFill>
@@ -9466,7 +12460,7 @@
                   <a:schemeClr val="tx1"/>
                 </a:solidFill>
               </a:rPr>
-              <a:t>RelatedPerson</a:t>
+              <a:t>Location</a:t>
             </a:r>
             <a:endParaRPr lang="en-AU" dirty="0">
               <a:solidFill>
@@ -9985,6 +12979,1233 @@
     <p:extLst>
       <p:ext uri="{BB962C8B-B14F-4D97-AF65-F5344CB8AC3E}">
         <p14:creationId xmlns:p14="http://schemas.microsoft.com/office/powerpoint/2010/main" val="2700074931"/>
+      </p:ext>
+    </p:extLst>
+  </p:cSld>
+  <p:clrMapOvr>
+    <a:masterClrMapping/>
+  </p:clrMapOvr>
+</p:sld>
+</file>
+
+<file path=ppt/slides/slide8.xml><?xml version="1.0" encoding="utf-8"?>
+<p:sld xmlns:a="http://schemas.openxmlformats.org/drawingml/2006/main" xmlns:r="http://schemas.openxmlformats.org/officeDocument/2006/relationships" xmlns:p="http://schemas.openxmlformats.org/presentationml/2006/main">
+  <p:cSld>
+    <p:spTree>
+      <p:nvGrpSpPr>
+        <p:cNvPr id="1" name=""/>
+        <p:cNvGrpSpPr/>
+        <p:nvPr/>
+      </p:nvGrpSpPr>
+      <p:grpSpPr>
+        <a:xfrm>
+          <a:off x="0" y="0"/>
+          <a:ext cx="0" cy="0"/>
+          <a:chOff x="0" y="0"/>
+          <a:chExt cx="0" cy="0"/>
+        </a:xfrm>
+      </p:grpSpPr>
+      <p:cxnSp>
+        <p:nvCxnSpPr>
+          <p:cNvPr id="8" name="Elbow Connector 37"/>
+          <p:cNvCxnSpPr/>
+          <p:nvPr/>
+        </p:nvCxnSpPr>
+        <p:spPr>
+          <a:xfrm>
+            <a:off x="2558197" y="3566113"/>
+            <a:ext cx="3233003" cy="59248"/>
+          </a:xfrm>
+          <a:prstGeom prst="straightConnector1">
+            <a:avLst/>
+          </a:prstGeom>
+          <a:ln>
+            <a:tailEnd type="triangle"/>
+          </a:ln>
+        </p:spPr>
+        <p:style>
+          <a:lnRef idx="3">
+            <a:schemeClr val="dk1"/>
+          </a:lnRef>
+          <a:fillRef idx="0">
+            <a:schemeClr val="dk1"/>
+          </a:fillRef>
+          <a:effectRef idx="2">
+            <a:schemeClr val="dk1"/>
+          </a:effectRef>
+          <a:fontRef idx="minor">
+            <a:schemeClr val="tx1"/>
+          </a:fontRef>
+        </p:style>
+      </p:cxnSp>
+      <p:cxnSp>
+        <p:nvCxnSpPr>
+          <p:cNvPr id="10" name="Elbow Connector 37"/>
+          <p:cNvCxnSpPr/>
+          <p:nvPr/>
+        </p:nvCxnSpPr>
+        <p:spPr>
+          <a:xfrm flipH="1">
+            <a:off x="2676811" y="5673743"/>
+            <a:ext cx="3634756" cy="58227"/>
+          </a:xfrm>
+          <a:prstGeom prst="straightConnector1">
+            <a:avLst/>
+          </a:prstGeom>
+          <a:ln>
+            <a:tailEnd type="triangle"/>
+          </a:ln>
+        </p:spPr>
+        <p:style>
+          <a:lnRef idx="3">
+            <a:schemeClr val="dk1"/>
+          </a:lnRef>
+          <a:fillRef idx="0">
+            <a:schemeClr val="dk1"/>
+          </a:fillRef>
+          <a:effectRef idx="2">
+            <a:schemeClr val="dk1"/>
+          </a:effectRef>
+          <a:fontRef idx="minor">
+            <a:schemeClr val="tx1"/>
+          </a:fontRef>
+        </p:style>
+      </p:cxnSp>
+      <p:sp>
+        <p:nvSpPr>
+          <p:cNvPr id="2" name="Title 1"/>
+          <p:cNvSpPr>
+            <a:spLocks noGrp="1"/>
+          </p:cNvSpPr>
+          <p:nvPr>
+            <p:ph type="title"/>
+          </p:nvPr>
+        </p:nvSpPr>
+        <p:spPr/>
+        <p:txBody>
+          <a:bodyPr/>
+          <a:lstStyle/>
+          <a:p>
+            <a:r>
+              <a:rPr lang="en-AU" dirty="0"/>
+              <a:t>Encounter / Condition (Diagnosis)</a:t>
+            </a:r>
+          </a:p>
+        </p:txBody>
+      </p:sp>
+      <p:sp>
+        <p:nvSpPr>
+          <p:cNvPr id="27" name="Rounded Rectangle 5"/>
+          <p:cNvSpPr/>
+          <p:nvPr/>
+        </p:nvSpPr>
+        <p:spPr>
+          <a:xfrm>
+            <a:off x="9605818" y="4367605"/>
+            <a:ext cx="2586182" cy="2043184"/>
+          </a:xfrm>
+          <a:prstGeom prst="roundRect">
+            <a:avLst>
+              <a:gd name="adj" fmla="val 6072"/>
+            </a:avLst>
+          </a:prstGeom>
+          <a:solidFill>
+            <a:schemeClr val="bg1"/>
+          </a:solidFill>
+          <a:ln cap="rnd">
+            <a:round/>
+          </a:ln>
+          <a:effectLst>
+            <a:outerShdw blurRad="50800" dist="38100" dir="2700000" algn="tl" rotWithShape="0">
+              <a:prstClr val="black">
+                <a:alpha val="40000"/>
+              </a:prstClr>
+            </a:outerShdw>
+          </a:effectLst>
+        </p:spPr>
+        <p:style>
+          <a:lnRef idx="2">
+            <a:schemeClr val="accent1">
+              <a:shade val="50000"/>
+            </a:schemeClr>
+          </a:lnRef>
+          <a:fillRef idx="1">
+            <a:schemeClr val="accent1"/>
+          </a:fillRef>
+          <a:effectRef idx="0">
+            <a:schemeClr val="accent1"/>
+          </a:effectRef>
+          <a:fontRef idx="minor">
+            <a:schemeClr val="lt1"/>
+          </a:fontRef>
+        </p:style>
+        <p:txBody>
+          <a:bodyPr rtlCol="0" anchor="t" anchorCtr="0"/>
+          <a:lstStyle/>
+          <a:p>
+            <a:pPr algn="ctr"/>
+            <a:endParaRPr lang="en-AU" dirty="0">
+              <a:solidFill>
+                <a:schemeClr val="tx1"/>
+              </a:solidFill>
+            </a:endParaRPr>
+          </a:p>
+        </p:txBody>
+      </p:sp>
+      <p:sp>
+        <p:nvSpPr>
+          <p:cNvPr id="28" name="Rounded Rectangle 5"/>
+          <p:cNvSpPr/>
+          <p:nvPr/>
+        </p:nvSpPr>
+        <p:spPr>
+          <a:xfrm>
+            <a:off x="9778576" y="5418485"/>
+            <a:ext cx="1694439" cy="728495"/>
+          </a:xfrm>
+          <a:prstGeom prst="roundRect">
+            <a:avLst/>
+          </a:prstGeom>
+          <a:solidFill>
+            <a:srgbClr val="CEE1F2"/>
+          </a:solidFill>
+          <a:ln cap="rnd">
+            <a:round/>
+          </a:ln>
+          <a:effectLst>
+            <a:outerShdw blurRad="50800" dist="38100" dir="2700000" algn="tl" rotWithShape="0">
+              <a:prstClr val="black">
+                <a:alpha val="40000"/>
+              </a:prstClr>
+            </a:outerShdw>
+          </a:effectLst>
+        </p:spPr>
+        <p:style>
+          <a:lnRef idx="2">
+            <a:schemeClr val="accent1">
+              <a:shade val="50000"/>
+            </a:schemeClr>
+          </a:lnRef>
+          <a:fillRef idx="1">
+            <a:schemeClr val="accent1"/>
+          </a:fillRef>
+          <a:effectRef idx="0">
+            <a:schemeClr val="accent1"/>
+          </a:effectRef>
+          <a:fontRef idx="minor">
+            <a:schemeClr val="lt1"/>
+          </a:fontRef>
+        </p:style>
+        <p:txBody>
+          <a:bodyPr rtlCol="0" anchor="ctr"/>
+          <a:lstStyle/>
+          <a:p>
+            <a:pPr algn="ctr"/>
+            <a:r>
+              <a:rPr lang="en-US" dirty="0">
+                <a:solidFill>
+                  <a:schemeClr val="tx1"/>
+                </a:solidFill>
+              </a:rPr>
+              <a:t>…</a:t>
+            </a:r>
+            <a:endParaRPr lang="en-AU" dirty="0">
+              <a:solidFill>
+                <a:schemeClr val="tx1"/>
+              </a:solidFill>
+            </a:endParaRPr>
+          </a:p>
+        </p:txBody>
+      </p:sp>
+      <p:sp>
+        <p:nvSpPr>
+          <p:cNvPr id="29" name="Rounded Rectangle 5"/>
+          <p:cNvSpPr/>
+          <p:nvPr/>
+        </p:nvSpPr>
+        <p:spPr>
+          <a:xfrm>
+            <a:off x="6311567" y="3869522"/>
+            <a:ext cx="1694439" cy="728495"/>
+          </a:xfrm>
+          <a:prstGeom prst="roundRect">
+            <a:avLst/>
+          </a:prstGeom>
+          <a:solidFill>
+            <a:srgbClr val="CEE1F2"/>
+          </a:solidFill>
+          <a:ln cap="rnd">
+            <a:round/>
+          </a:ln>
+          <a:effectLst>
+            <a:outerShdw blurRad="50800" dist="38100" dir="2700000" algn="tl" rotWithShape="0">
+              <a:prstClr val="black">
+                <a:alpha val="40000"/>
+              </a:prstClr>
+            </a:outerShdw>
+          </a:effectLst>
+        </p:spPr>
+        <p:style>
+          <a:lnRef idx="2">
+            <a:schemeClr val="accent1">
+              <a:shade val="50000"/>
+            </a:schemeClr>
+          </a:lnRef>
+          <a:fillRef idx="1">
+            <a:schemeClr val="accent1"/>
+          </a:fillRef>
+          <a:effectRef idx="0">
+            <a:schemeClr val="accent1"/>
+          </a:effectRef>
+          <a:fontRef idx="minor">
+            <a:schemeClr val="lt1"/>
+          </a:fontRef>
+        </p:style>
+        <p:txBody>
+          <a:bodyPr rtlCol="0" anchor="ctr"/>
+          <a:lstStyle/>
+          <a:p>
+            <a:pPr algn="ctr"/>
+            <a:r>
+              <a:rPr lang="en-US" dirty="0">
+                <a:solidFill>
+                  <a:schemeClr val="tx1"/>
+                </a:solidFill>
+              </a:rPr>
+              <a:t>Condition</a:t>
+            </a:r>
+            <a:endParaRPr lang="en-AU" dirty="0">
+              <a:solidFill>
+                <a:schemeClr val="tx1"/>
+              </a:solidFill>
+            </a:endParaRPr>
+          </a:p>
+        </p:txBody>
+      </p:sp>
+      <p:sp>
+        <p:nvSpPr>
+          <p:cNvPr id="30" name="Rounded Rectangle 5"/>
+          <p:cNvSpPr/>
+          <p:nvPr/>
+        </p:nvSpPr>
+        <p:spPr>
+          <a:xfrm>
+            <a:off x="9941065" y="4489253"/>
+            <a:ext cx="1694439" cy="728495"/>
+          </a:xfrm>
+          <a:prstGeom prst="roundRect">
+            <a:avLst/>
+          </a:prstGeom>
+          <a:solidFill>
+            <a:srgbClr val="CEE1F2"/>
+          </a:solidFill>
+          <a:ln cap="rnd">
+            <a:round/>
+          </a:ln>
+          <a:effectLst>
+            <a:outerShdw blurRad="50800" dist="38100" dir="2700000" algn="tl" rotWithShape="0">
+              <a:prstClr val="black">
+                <a:alpha val="40000"/>
+              </a:prstClr>
+            </a:outerShdw>
+          </a:effectLst>
+        </p:spPr>
+        <p:style>
+          <a:lnRef idx="2">
+            <a:schemeClr val="accent1">
+              <a:shade val="50000"/>
+            </a:schemeClr>
+          </a:lnRef>
+          <a:fillRef idx="1">
+            <a:schemeClr val="accent1"/>
+          </a:fillRef>
+          <a:effectRef idx="0">
+            <a:schemeClr val="accent1"/>
+          </a:effectRef>
+          <a:fontRef idx="minor">
+            <a:schemeClr val="lt1"/>
+          </a:fontRef>
+        </p:style>
+        <p:txBody>
+          <a:bodyPr rtlCol="0" anchor="ctr"/>
+          <a:lstStyle/>
+          <a:p>
+            <a:pPr algn="ctr"/>
+            <a:r>
+              <a:rPr lang="en-US" dirty="0">
+                <a:solidFill>
+                  <a:schemeClr val="tx1"/>
+                </a:solidFill>
+              </a:rPr>
+              <a:t>Location</a:t>
+            </a:r>
+            <a:endParaRPr lang="en-AU" dirty="0">
+              <a:solidFill>
+                <a:schemeClr val="tx1"/>
+              </a:solidFill>
+            </a:endParaRPr>
+          </a:p>
+        </p:txBody>
+      </p:sp>
+      <p:sp>
+        <p:nvSpPr>
+          <p:cNvPr id="31" name="Rounded Rectangle 7"/>
+          <p:cNvSpPr/>
+          <p:nvPr/>
+        </p:nvSpPr>
+        <p:spPr>
+          <a:xfrm>
+            <a:off x="9913497" y="3341349"/>
+            <a:ext cx="1722007" cy="728495"/>
+          </a:xfrm>
+          <a:prstGeom prst="roundRect">
+            <a:avLst/>
+          </a:prstGeom>
+          <a:solidFill>
+            <a:srgbClr val="CEE1F2"/>
+          </a:solidFill>
+          <a:ln cap="rnd">
+            <a:round/>
+          </a:ln>
+          <a:effectLst>
+            <a:outerShdw blurRad="50800" dist="38100" dir="2700000" algn="tl" rotWithShape="0">
+              <a:prstClr val="black">
+                <a:alpha val="40000"/>
+              </a:prstClr>
+            </a:outerShdw>
+          </a:effectLst>
+        </p:spPr>
+        <p:style>
+          <a:lnRef idx="2">
+            <a:schemeClr val="accent1">
+              <a:shade val="50000"/>
+            </a:schemeClr>
+          </a:lnRef>
+          <a:fillRef idx="1">
+            <a:schemeClr val="accent1"/>
+          </a:fillRef>
+          <a:effectRef idx="0">
+            <a:schemeClr val="accent1"/>
+          </a:effectRef>
+          <a:fontRef idx="minor">
+            <a:schemeClr val="lt1"/>
+          </a:fontRef>
+        </p:style>
+        <p:txBody>
+          <a:bodyPr rtlCol="0" anchor="ctr"/>
+          <a:lstStyle/>
+          <a:p>
+            <a:pPr algn="ctr"/>
+            <a:r>
+              <a:rPr lang="en-US" dirty="0">
+                <a:solidFill>
+                  <a:schemeClr val="tx1"/>
+                </a:solidFill>
+              </a:rPr>
+              <a:t>Problem</a:t>
+            </a:r>
+          </a:p>
+        </p:txBody>
+      </p:sp>
+      <p:sp>
+        <p:nvSpPr>
+          <p:cNvPr id="58" name="TextBox 57"/>
+          <p:cNvSpPr txBox="1"/>
+          <p:nvPr/>
+        </p:nvSpPr>
+        <p:spPr>
+          <a:xfrm>
+            <a:off x="3012216" y="3233524"/>
+            <a:ext cx="1004955" cy="338554"/>
+          </a:xfrm>
+          <a:prstGeom prst="rect">
+            <a:avLst/>
+          </a:prstGeom>
+          <a:noFill/>
+        </p:spPr>
+        <p:txBody>
+          <a:bodyPr wrap="none" rtlCol="0">
+            <a:spAutoFit/>
+          </a:bodyPr>
+          <a:lstStyle/>
+          <a:p>
+            <a:r>
+              <a:rPr lang="en-US" sz="1600" dirty="0"/>
+              <a:t>indication</a:t>
+            </a:r>
+          </a:p>
+        </p:txBody>
+      </p:sp>
+      <p:cxnSp>
+        <p:nvCxnSpPr>
+          <p:cNvPr id="60" name="Elbow Connector 37"/>
+          <p:cNvCxnSpPr/>
+          <p:nvPr/>
+        </p:nvCxnSpPr>
+        <p:spPr>
+          <a:xfrm>
+            <a:off x="2558474" y="4087103"/>
+            <a:ext cx="3232726" cy="146666"/>
+          </a:xfrm>
+          <a:prstGeom prst="straightConnector1">
+            <a:avLst/>
+          </a:prstGeom>
+          <a:ln>
+            <a:tailEnd type="triangle"/>
+          </a:ln>
+        </p:spPr>
+        <p:style>
+          <a:lnRef idx="3">
+            <a:schemeClr val="dk1"/>
+          </a:lnRef>
+          <a:fillRef idx="0">
+            <a:schemeClr val="dk1"/>
+          </a:fillRef>
+          <a:effectRef idx="2">
+            <a:schemeClr val="dk1"/>
+          </a:effectRef>
+          <a:fontRef idx="minor">
+            <a:schemeClr val="tx1"/>
+          </a:fontRef>
+        </p:style>
+      </p:cxnSp>
+      <p:sp>
+        <p:nvSpPr>
+          <p:cNvPr id="59" name="Rounded Rectangle 8"/>
+          <p:cNvSpPr/>
+          <p:nvPr/>
+        </p:nvSpPr>
+        <p:spPr>
+          <a:xfrm>
+            <a:off x="606263" y="3983889"/>
+            <a:ext cx="1692027" cy="728495"/>
+          </a:xfrm>
+          <a:prstGeom prst="roundRect">
+            <a:avLst/>
+          </a:prstGeom>
+          <a:solidFill>
+            <a:srgbClr val="CEE1F2"/>
+          </a:solidFill>
+          <a:ln cap="rnd">
+            <a:round/>
+          </a:ln>
+          <a:effectLst>
+            <a:outerShdw blurRad="50800" dist="38100" dir="2700000" algn="tl" rotWithShape="0">
+              <a:prstClr val="black">
+                <a:alpha val="40000"/>
+              </a:prstClr>
+            </a:outerShdw>
+          </a:effectLst>
+        </p:spPr>
+        <p:style>
+          <a:lnRef idx="2">
+            <a:schemeClr val="accent1">
+              <a:shade val="50000"/>
+            </a:schemeClr>
+          </a:lnRef>
+          <a:fillRef idx="1">
+            <a:schemeClr val="accent1"/>
+          </a:fillRef>
+          <a:effectRef idx="0">
+            <a:schemeClr val="accent1"/>
+          </a:effectRef>
+          <a:fontRef idx="minor">
+            <a:schemeClr val="lt1"/>
+          </a:fontRef>
+        </p:style>
+        <p:txBody>
+          <a:bodyPr rtlCol="0" anchor="ctr"/>
+          <a:lstStyle/>
+          <a:p>
+            <a:pPr algn="ctr"/>
+            <a:r>
+              <a:rPr lang="en-US" dirty="0">
+                <a:solidFill>
+                  <a:schemeClr val="tx1"/>
+                </a:solidFill>
+              </a:rPr>
+              <a:t>Encounter</a:t>
+            </a:r>
+            <a:endParaRPr lang="en-AU" dirty="0">
+              <a:solidFill>
+                <a:schemeClr val="tx1"/>
+              </a:solidFill>
+            </a:endParaRPr>
+          </a:p>
+        </p:txBody>
+      </p:sp>
+      <p:sp>
+        <p:nvSpPr>
+          <p:cNvPr id="64" name="TextBox 63"/>
+          <p:cNvSpPr txBox="1"/>
+          <p:nvPr/>
+        </p:nvSpPr>
+        <p:spPr>
+          <a:xfrm>
+            <a:off x="3622153" y="5323941"/>
+            <a:ext cx="1695144" cy="338554"/>
+          </a:xfrm>
+          <a:prstGeom prst="rect">
+            <a:avLst/>
+          </a:prstGeom>
+          <a:noFill/>
+        </p:spPr>
+        <p:txBody>
+          <a:bodyPr wrap="none" rtlCol="0">
+            <a:spAutoFit/>
+          </a:bodyPr>
+          <a:lstStyle/>
+          <a:p>
+            <a:r>
+              <a:rPr lang="en-US" sz="1600" dirty="0" err="1"/>
+              <a:t>Encounter.context</a:t>
+            </a:r>
+            <a:endParaRPr lang="en-US" sz="1600" dirty="0"/>
+          </a:p>
+        </p:txBody>
+      </p:sp>
+      <p:sp>
+        <p:nvSpPr>
+          <p:cNvPr id="37" name="TextBox 36"/>
+          <p:cNvSpPr txBox="1"/>
+          <p:nvPr/>
+        </p:nvSpPr>
+        <p:spPr>
+          <a:xfrm>
+            <a:off x="2883820" y="3678053"/>
+            <a:ext cx="2279727" cy="338554"/>
+          </a:xfrm>
+          <a:prstGeom prst="rect">
+            <a:avLst/>
+          </a:prstGeom>
+          <a:noFill/>
+        </p:spPr>
+        <p:txBody>
+          <a:bodyPr wrap="none" rtlCol="0">
+            <a:spAutoFit/>
+          </a:bodyPr>
+          <a:lstStyle/>
+          <a:p>
+            <a:r>
+              <a:rPr lang="en-US" sz="1600" dirty="0" err="1"/>
+              <a:t>Hosp.Admitting</a:t>
+            </a:r>
+            <a:r>
+              <a:rPr lang="en-US" sz="1600" dirty="0"/>
+              <a:t> diagnosis</a:t>
+            </a:r>
+          </a:p>
+        </p:txBody>
+      </p:sp>
+      <p:sp>
+        <p:nvSpPr>
+          <p:cNvPr id="38" name="TextBox 37"/>
+          <p:cNvSpPr txBox="1"/>
+          <p:nvPr/>
+        </p:nvSpPr>
+        <p:spPr>
+          <a:xfrm>
+            <a:off x="2883820" y="4259463"/>
+            <a:ext cx="2268826" cy="338554"/>
+          </a:xfrm>
+          <a:prstGeom prst="rect">
+            <a:avLst/>
+          </a:prstGeom>
+          <a:noFill/>
+        </p:spPr>
+        <p:txBody>
+          <a:bodyPr wrap="none" rtlCol="0">
+            <a:spAutoFit/>
+          </a:bodyPr>
+          <a:lstStyle/>
+          <a:p>
+            <a:r>
+              <a:rPr lang="en-US" sz="1600" dirty="0" err="1"/>
+              <a:t>Hosp.Discharge</a:t>
+            </a:r>
+            <a:r>
+              <a:rPr lang="en-US" sz="1600" dirty="0"/>
+              <a:t> diagnosis</a:t>
+            </a:r>
+          </a:p>
+        </p:txBody>
+      </p:sp>
+      <p:sp>
+        <p:nvSpPr>
+          <p:cNvPr id="39" name="TextBox 38"/>
+          <p:cNvSpPr txBox="1"/>
+          <p:nvPr/>
+        </p:nvSpPr>
+        <p:spPr>
+          <a:xfrm>
+            <a:off x="2756441" y="4661951"/>
+            <a:ext cx="2521459" cy="584775"/>
+          </a:xfrm>
+          <a:prstGeom prst="rect">
+            <a:avLst/>
+          </a:prstGeom>
+          <a:noFill/>
+        </p:spPr>
+        <p:txBody>
+          <a:bodyPr wrap="none" rtlCol="0">
+            <a:spAutoFit/>
+          </a:bodyPr>
+          <a:lstStyle/>
+          <a:p>
+            <a:r>
+              <a:rPr lang="en-US" sz="1600" dirty="0" err="1"/>
+              <a:t>Extenson</a:t>
+            </a:r>
+            <a:r>
+              <a:rPr lang="en-US" sz="1600" dirty="0"/>
+              <a:t> (</a:t>
+            </a:r>
+            <a:r>
+              <a:rPr lang="en-US" sz="1600" dirty="0" err="1"/>
+              <a:t>relatedCondition</a:t>
+            </a:r>
+            <a:r>
+              <a:rPr lang="en-US" sz="1600" dirty="0"/>
+              <a:t>)</a:t>
+            </a:r>
+          </a:p>
+          <a:p>
+            <a:r>
+              <a:rPr lang="en-US" sz="1600" dirty="0"/>
+              <a:t>(includes role)</a:t>
+            </a:r>
+          </a:p>
+        </p:txBody>
+      </p:sp>
+      <p:cxnSp>
+        <p:nvCxnSpPr>
+          <p:cNvPr id="40" name="Elbow Connector 37"/>
+          <p:cNvCxnSpPr/>
+          <p:nvPr/>
+        </p:nvCxnSpPr>
+        <p:spPr>
+          <a:xfrm>
+            <a:off x="2558474" y="4548097"/>
+            <a:ext cx="3232726" cy="146666"/>
+          </a:xfrm>
+          <a:prstGeom prst="straightConnector1">
+            <a:avLst/>
+          </a:prstGeom>
+          <a:ln>
+            <a:tailEnd type="triangle"/>
+          </a:ln>
+        </p:spPr>
+        <p:style>
+          <a:lnRef idx="3">
+            <a:schemeClr val="dk1"/>
+          </a:lnRef>
+          <a:fillRef idx="0">
+            <a:schemeClr val="dk1"/>
+          </a:fillRef>
+          <a:effectRef idx="2">
+            <a:schemeClr val="dk1"/>
+          </a:effectRef>
+          <a:fontRef idx="minor">
+            <a:schemeClr val="tx1"/>
+          </a:fontRef>
+        </p:style>
+      </p:cxnSp>
+      <p:cxnSp>
+        <p:nvCxnSpPr>
+          <p:cNvPr id="41" name="Elbow Connector 37"/>
+          <p:cNvCxnSpPr/>
+          <p:nvPr/>
+        </p:nvCxnSpPr>
+        <p:spPr>
+          <a:xfrm>
+            <a:off x="2558197" y="5177275"/>
+            <a:ext cx="3233003" cy="34726"/>
+          </a:xfrm>
+          <a:prstGeom prst="straightConnector1">
+            <a:avLst/>
+          </a:prstGeom>
+          <a:ln>
+            <a:tailEnd type="triangle"/>
+          </a:ln>
+        </p:spPr>
+        <p:style>
+          <a:lnRef idx="3">
+            <a:schemeClr val="dk1"/>
+          </a:lnRef>
+          <a:fillRef idx="0">
+            <a:schemeClr val="dk1"/>
+          </a:fillRef>
+          <a:effectRef idx="2">
+            <a:schemeClr val="dk1"/>
+          </a:effectRef>
+          <a:fontRef idx="minor">
+            <a:schemeClr val="tx1"/>
+          </a:fontRef>
+        </p:style>
+      </p:cxnSp>
+      <p:sp>
+        <p:nvSpPr>
+          <p:cNvPr id="44" name="TextBox 43"/>
+          <p:cNvSpPr txBox="1"/>
+          <p:nvPr/>
+        </p:nvSpPr>
+        <p:spPr>
+          <a:xfrm>
+            <a:off x="4814819" y="1556659"/>
+            <a:ext cx="5196102" cy="1077218"/>
+          </a:xfrm>
+          <a:prstGeom prst="rect">
+            <a:avLst/>
+          </a:prstGeom>
+          <a:noFill/>
+        </p:spPr>
+        <p:txBody>
+          <a:bodyPr wrap="none" rtlCol="0">
+            <a:spAutoFit/>
+          </a:bodyPr>
+          <a:lstStyle/>
+          <a:p>
+            <a:r>
+              <a:rPr lang="en-US" sz="1600" b="1" dirty="0"/>
+              <a:t>Proposal: </a:t>
+            </a:r>
+            <a:br>
+              <a:rPr lang="en-US" sz="1600" dirty="0"/>
+            </a:br>
+            <a:r>
+              <a:rPr lang="en-US" sz="1600" dirty="0"/>
+              <a:t>Collapse all into “diagnosis/role” and include clarification</a:t>
+            </a:r>
+            <a:br>
+              <a:rPr lang="en-US" sz="1600" dirty="0"/>
+            </a:br>
+            <a:r>
+              <a:rPr lang="en-US" sz="1600" dirty="0"/>
+              <a:t>on the reason coding to indicate its purpose as more patient</a:t>
+            </a:r>
+            <a:br>
+              <a:rPr lang="en-US" sz="1600" dirty="0"/>
+            </a:br>
+            <a:r>
+              <a:rPr lang="en-US" sz="1600" dirty="0"/>
+              <a:t>centric </a:t>
+            </a:r>
+            <a:r>
+              <a:rPr lang="en-US" sz="1600" dirty="0" err="1"/>
+              <a:t>valueset</a:t>
+            </a:r>
+            <a:r>
+              <a:rPr lang="en-US" sz="1600" dirty="0"/>
+              <a:t>/concept.</a:t>
+            </a:r>
+          </a:p>
+        </p:txBody>
+      </p:sp>
+    </p:spTree>
+    <p:extLst>
+      <p:ext uri="{BB962C8B-B14F-4D97-AF65-F5344CB8AC3E}">
+        <p14:creationId xmlns:p14="http://schemas.microsoft.com/office/powerpoint/2010/main" val="3555168740"/>
+      </p:ext>
+    </p:extLst>
+  </p:cSld>
+  <p:clrMapOvr>
+    <a:masterClrMapping/>
+  </p:clrMapOvr>
+</p:sld>
+</file>
+
+<file path=ppt/slides/slide9.xml><?xml version="1.0" encoding="utf-8"?>
+<p:sld xmlns:a="http://schemas.openxmlformats.org/drawingml/2006/main" xmlns:r="http://schemas.openxmlformats.org/officeDocument/2006/relationships" xmlns:p="http://schemas.openxmlformats.org/presentationml/2006/main">
+  <p:cSld>
+    <p:spTree>
+      <p:nvGrpSpPr>
+        <p:cNvPr id="1" name=""/>
+        <p:cNvGrpSpPr/>
+        <p:nvPr/>
+      </p:nvGrpSpPr>
+      <p:grpSpPr>
+        <a:xfrm>
+          <a:off x="0" y="0"/>
+          <a:ext cx="0" cy="0"/>
+          <a:chOff x="0" y="0"/>
+          <a:chExt cx="0" cy="0"/>
+        </a:xfrm>
+      </p:grpSpPr>
+      <p:cxnSp>
+        <p:nvCxnSpPr>
+          <p:cNvPr id="10" name="Elbow Connector 37"/>
+          <p:cNvCxnSpPr/>
+          <p:nvPr/>
+        </p:nvCxnSpPr>
+        <p:spPr>
+          <a:xfrm flipH="1">
+            <a:off x="2487550" y="4872916"/>
+            <a:ext cx="3634756" cy="58227"/>
+          </a:xfrm>
+          <a:prstGeom prst="straightConnector1">
+            <a:avLst/>
+          </a:prstGeom>
+          <a:ln>
+            <a:tailEnd type="triangle"/>
+          </a:ln>
+        </p:spPr>
+        <p:style>
+          <a:lnRef idx="3">
+            <a:schemeClr val="dk1"/>
+          </a:lnRef>
+          <a:fillRef idx="0">
+            <a:schemeClr val="dk1"/>
+          </a:fillRef>
+          <a:effectRef idx="2">
+            <a:schemeClr val="dk1"/>
+          </a:effectRef>
+          <a:fontRef idx="minor">
+            <a:schemeClr val="tx1"/>
+          </a:fontRef>
+        </p:style>
+      </p:cxnSp>
+      <p:sp>
+        <p:nvSpPr>
+          <p:cNvPr id="2" name="Title 1"/>
+          <p:cNvSpPr>
+            <a:spLocks noGrp="1"/>
+          </p:cNvSpPr>
+          <p:nvPr>
+            <p:ph type="title"/>
+          </p:nvPr>
+        </p:nvSpPr>
+        <p:spPr/>
+        <p:txBody>
+          <a:bodyPr/>
+          <a:lstStyle/>
+          <a:p>
+            <a:r>
+              <a:rPr lang="en-AU" dirty="0"/>
+              <a:t>Encounter / Condition (Diagnosis)</a:t>
+            </a:r>
+          </a:p>
+        </p:txBody>
+      </p:sp>
+      <p:sp>
+        <p:nvSpPr>
+          <p:cNvPr id="29" name="Rounded Rectangle 5"/>
+          <p:cNvSpPr/>
+          <p:nvPr/>
+        </p:nvSpPr>
+        <p:spPr>
+          <a:xfrm>
+            <a:off x="6311567" y="3869522"/>
+            <a:ext cx="1694439" cy="728495"/>
+          </a:xfrm>
+          <a:prstGeom prst="roundRect">
+            <a:avLst/>
+          </a:prstGeom>
+          <a:solidFill>
+            <a:srgbClr val="CEE1F2"/>
+          </a:solidFill>
+          <a:ln cap="rnd">
+            <a:round/>
+          </a:ln>
+          <a:effectLst>
+            <a:outerShdw blurRad="50800" dist="38100" dir="2700000" algn="tl" rotWithShape="0">
+              <a:prstClr val="black">
+                <a:alpha val="40000"/>
+              </a:prstClr>
+            </a:outerShdw>
+          </a:effectLst>
+        </p:spPr>
+        <p:style>
+          <a:lnRef idx="2">
+            <a:schemeClr val="accent1">
+              <a:shade val="50000"/>
+            </a:schemeClr>
+          </a:lnRef>
+          <a:fillRef idx="1">
+            <a:schemeClr val="accent1"/>
+          </a:fillRef>
+          <a:effectRef idx="0">
+            <a:schemeClr val="accent1"/>
+          </a:effectRef>
+          <a:fontRef idx="minor">
+            <a:schemeClr val="lt1"/>
+          </a:fontRef>
+        </p:style>
+        <p:txBody>
+          <a:bodyPr rtlCol="0" anchor="ctr"/>
+          <a:lstStyle/>
+          <a:p>
+            <a:pPr algn="ctr"/>
+            <a:r>
+              <a:rPr lang="en-US" dirty="0">
+                <a:solidFill>
+                  <a:schemeClr val="tx1"/>
+                </a:solidFill>
+              </a:rPr>
+              <a:t>Condition</a:t>
+            </a:r>
+            <a:endParaRPr lang="en-AU" dirty="0">
+              <a:solidFill>
+                <a:schemeClr val="tx1"/>
+              </a:solidFill>
+            </a:endParaRPr>
+          </a:p>
+        </p:txBody>
+      </p:sp>
+      <p:cxnSp>
+        <p:nvCxnSpPr>
+          <p:cNvPr id="60" name="Elbow Connector 37"/>
+          <p:cNvCxnSpPr/>
+          <p:nvPr/>
+        </p:nvCxnSpPr>
+        <p:spPr>
+          <a:xfrm>
+            <a:off x="2558474" y="4087103"/>
+            <a:ext cx="3232726" cy="146666"/>
+          </a:xfrm>
+          <a:prstGeom prst="straightConnector1">
+            <a:avLst/>
+          </a:prstGeom>
+          <a:ln>
+            <a:tailEnd type="triangle"/>
+          </a:ln>
+        </p:spPr>
+        <p:style>
+          <a:lnRef idx="3">
+            <a:schemeClr val="dk1"/>
+          </a:lnRef>
+          <a:fillRef idx="0">
+            <a:schemeClr val="dk1"/>
+          </a:fillRef>
+          <a:effectRef idx="2">
+            <a:schemeClr val="dk1"/>
+          </a:effectRef>
+          <a:fontRef idx="minor">
+            <a:schemeClr val="tx1"/>
+          </a:fontRef>
+        </p:style>
+      </p:cxnSp>
+      <p:sp>
+        <p:nvSpPr>
+          <p:cNvPr id="59" name="Rounded Rectangle 8"/>
+          <p:cNvSpPr/>
+          <p:nvPr/>
+        </p:nvSpPr>
+        <p:spPr>
+          <a:xfrm>
+            <a:off x="606263" y="3983889"/>
+            <a:ext cx="1692027" cy="728495"/>
+          </a:xfrm>
+          <a:prstGeom prst="roundRect">
+            <a:avLst/>
+          </a:prstGeom>
+          <a:solidFill>
+            <a:srgbClr val="CEE1F2"/>
+          </a:solidFill>
+          <a:ln cap="rnd">
+            <a:round/>
+          </a:ln>
+          <a:effectLst>
+            <a:outerShdw blurRad="50800" dist="38100" dir="2700000" algn="tl" rotWithShape="0">
+              <a:prstClr val="black">
+                <a:alpha val="40000"/>
+              </a:prstClr>
+            </a:outerShdw>
+          </a:effectLst>
+        </p:spPr>
+        <p:style>
+          <a:lnRef idx="2">
+            <a:schemeClr val="accent1">
+              <a:shade val="50000"/>
+            </a:schemeClr>
+          </a:lnRef>
+          <a:fillRef idx="1">
+            <a:schemeClr val="accent1"/>
+          </a:fillRef>
+          <a:effectRef idx="0">
+            <a:schemeClr val="accent1"/>
+          </a:effectRef>
+          <a:fontRef idx="minor">
+            <a:schemeClr val="lt1"/>
+          </a:fontRef>
+        </p:style>
+        <p:txBody>
+          <a:bodyPr rtlCol="0" anchor="ctr"/>
+          <a:lstStyle/>
+          <a:p>
+            <a:pPr algn="ctr"/>
+            <a:r>
+              <a:rPr lang="en-US" dirty="0">
+                <a:solidFill>
+                  <a:schemeClr val="tx1"/>
+                </a:solidFill>
+              </a:rPr>
+              <a:t>Encounter</a:t>
+            </a:r>
+            <a:endParaRPr lang="en-AU" dirty="0">
+              <a:solidFill>
+                <a:schemeClr val="tx1"/>
+              </a:solidFill>
+            </a:endParaRPr>
+          </a:p>
+        </p:txBody>
+      </p:sp>
+      <p:sp>
+        <p:nvSpPr>
+          <p:cNvPr id="64" name="TextBox 63"/>
+          <p:cNvSpPr txBox="1"/>
+          <p:nvPr/>
+        </p:nvSpPr>
+        <p:spPr>
+          <a:xfrm>
+            <a:off x="3457356" y="4534362"/>
+            <a:ext cx="1695144" cy="338554"/>
+          </a:xfrm>
+          <a:prstGeom prst="rect">
+            <a:avLst/>
+          </a:prstGeom>
+          <a:noFill/>
+        </p:spPr>
+        <p:txBody>
+          <a:bodyPr wrap="none" rtlCol="0">
+            <a:spAutoFit/>
+          </a:bodyPr>
+          <a:lstStyle/>
+          <a:p>
+            <a:r>
+              <a:rPr lang="en-US" sz="1600" dirty="0" err="1"/>
+              <a:t>Encounter.context</a:t>
+            </a:r>
+            <a:endParaRPr lang="en-US" sz="1600" dirty="0"/>
+          </a:p>
+        </p:txBody>
+      </p:sp>
+      <p:sp>
+        <p:nvSpPr>
+          <p:cNvPr id="37" name="TextBox 36"/>
+          <p:cNvSpPr txBox="1"/>
+          <p:nvPr/>
+        </p:nvSpPr>
+        <p:spPr>
+          <a:xfrm>
+            <a:off x="3199890" y="3748549"/>
+            <a:ext cx="974947" cy="338554"/>
+          </a:xfrm>
+          <a:prstGeom prst="rect">
+            <a:avLst/>
+          </a:prstGeom>
+          <a:noFill/>
+        </p:spPr>
+        <p:txBody>
+          <a:bodyPr wrap="none" rtlCol="0">
+            <a:spAutoFit/>
+          </a:bodyPr>
+          <a:lstStyle/>
+          <a:p>
+            <a:r>
+              <a:rPr lang="en-US" sz="1600" dirty="0"/>
+              <a:t>Diagnosis</a:t>
+            </a:r>
+          </a:p>
+        </p:txBody>
+      </p:sp>
+      <p:sp>
+        <p:nvSpPr>
+          <p:cNvPr id="44" name="TextBox 43"/>
+          <p:cNvSpPr txBox="1"/>
+          <p:nvPr/>
+        </p:nvSpPr>
+        <p:spPr>
+          <a:xfrm>
+            <a:off x="4814819" y="1556659"/>
+            <a:ext cx="5196102" cy="1077218"/>
+          </a:xfrm>
+          <a:prstGeom prst="rect">
+            <a:avLst/>
+          </a:prstGeom>
+          <a:noFill/>
+        </p:spPr>
+        <p:txBody>
+          <a:bodyPr wrap="none" rtlCol="0">
+            <a:spAutoFit/>
+          </a:bodyPr>
+          <a:lstStyle/>
+          <a:p>
+            <a:r>
+              <a:rPr lang="en-US" sz="1600" b="1" dirty="0"/>
+              <a:t>Proposal: </a:t>
+            </a:r>
+            <a:br>
+              <a:rPr lang="en-US" sz="1600" dirty="0"/>
+            </a:br>
+            <a:r>
+              <a:rPr lang="en-US" sz="1600" dirty="0"/>
+              <a:t>Collapse all into “diagnosis/role” and include clarification</a:t>
+            </a:r>
+            <a:br>
+              <a:rPr lang="en-US" sz="1600" dirty="0"/>
+            </a:br>
+            <a:r>
+              <a:rPr lang="en-US" sz="1600" dirty="0"/>
+              <a:t>on the reason coding to indicate its purpose as more patient</a:t>
+            </a:r>
+            <a:br>
+              <a:rPr lang="en-US" sz="1600" dirty="0"/>
+            </a:br>
+            <a:r>
+              <a:rPr lang="en-US" sz="1600" dirty="0"/>
+              <a:t>centric </a:t>
+            </a:r>
+            <a:r>
+              <a:rPr lang="en-US" sz="1600" dirty="0" err="1"/>
+              <a:t>valueset</a:t>
+            </a:r>
+            <a:r>
+              <a:rPr lang="en-US" sz="1600" dirty="0"/>
+              <a:t>/concept.</a:t>
+            </a:r>
+          </a:p>
+        </p:txBody>
+      </p:sp>
+      <p:sp>
+        <p:nvSpPr>
+          <p:cNvPr id="20" name="TextBox 19"/>
+          <p:cNvSpPr txBox="1"/>
+          <p:nvPr/>
+        </p:nvSpPr>
+        <p:spPr>
+          <a:xfrm>
+            <a:off x="5205595" y="2733600"/>
+            <a:ext cx="2624245" cy="584775"/>
+          </a:xfrm>
+          <a:prstGeom prst="rect">
+            <a:avLst/>
+          </a:prstGeom>
+          <a:noFill/>
+        </p:spPr>
+        <p:txBody>
+          <a:bodyPr wrap="none" rtlCol="0">
+            <a:spAutoFit/>
+          </a:bodyPr>
+          <a:lstStyle/>
+          <a:p>
+            <a:r>
+              <a:rPr lang="en-US" sz="1600" b="1" dirty="0"/>
+              <a:t>Binding on role (extensible): </a:t>
+            </a:r>
+            <a:br>
+              <a:rPr lang="en-US" sz="1600" dirty="0"/>
+            </a:br>
+            <a:r>
+              <a:rPr lang="en-US" sz="1600" dirty="0"/>
+              <a:t>admission/discharge/.</a:t>
+            </a:r>
+          </a:p>
+        </p:txBody>
+      </p:sp>
+    </p:spTree>
+    <p:extLst>
+      <p:ext uri="{BB962C8B-B14F-4D97-AF65-F5344CB8AC3E}">
+        <p14:creationId xmlns:p14="http://schemas.microsoft.com/office/powerpoint/2010/main" val="4267931078"/>
       </p:ext>
     </p:extLst>
   </p:cSld>

--- a/images/source/administration-module-resources.pptx
+++ b/images/source/administration-module-resources.pptx
@@ -7,8 +7,8 @@
   <p:sldIdLst>
     <p:sldId id="261" r:id="rId2"/>
     <p:sldId id="260" r:id="rId3"/>
-    <p:sldId id="257" r:id="rId4"/>
-    <p:sldId id="268" r:id="rId5"/>
+    <p:sldId id="268" r:id="rId4"/>
+    <p:sldId id="257" r:id="rId5"/>
     <p:sldId id="258" r:id="rId6"/>
     <p:sldId id="259" r:id="rId7"/>
     <p:sldId id="263" r:id="rId8"/>
@@ -251,7 +251,7 @@
           <a:p>
             <a:fld id="{DE4E7392-00FF-4A5B-A4FB-CA939482D6BD}" type="datetimeFigureOut">
               <a:rPr lang="en-US" smtClean="0"/>
-              <a:t>10/4/2016</a:t>
+              <a:t>10/5/2016</a:t>
             </a:fld>
             <a:endParaRPr lang="en-US"/>
           </a:p>
@@ -419,7 +419,7 @@
           <a:p>
             <a:fld id="{DE4E7392-00FF-4A5B-A4FB-CA939482D6BD}" type="datetimeFigureOut">
               <a:rPr lang="en-US" smtClean="0"/>
-              <a:t>10/4/2016</a:t>
+              <a:t>10/5/2016</a:t>
             </a:fld>
             <a:endParaRPr lang="en-US"/>
           </a:p>
@@ -597,7 +597,7 @@
           <a:p>
             <a:fld id="{DE4E7392-00FF-4A5B-A4FB-CA939482D6BD}" type="datetimeFigureOut">
               <a:rPr lang="en-US" smtClean="0"/>
-              <a:t>10/4/2016</a:t>
+              <a:t>10/5/2016</a:t>
             </a:fld>
             <a:endParaRPr lang="en-US"/>
           </a:p>
@@ -765,7 +765,7 @@
           <a:p>
             <a:fld id="{DE4E7392-00FF-4A5B-A4FB-CA939482D6BD}" type="datetimeFigureOut">
               <a:rPr lang="en-US" smtClean="0"/>
-              <a:t>10/4/2016</a:t>
+              <a:t>10/5/2016</a:t>
             </a:fld>
             <a:endParaRPr lang="en-US"/>
           </a:p>
@@ -1010,7 +1010,7 @@
           <a:p>
             <a:fld id="{DE4E7392-00FF-4A5B-A4FB-CA939482D6BD}" type="datetimeFigureOut">
               <a:rPr lang="en-US" smtClean="0"/>
-              <a:t>10/4/2016</a:t>
+              <a:t>10/5/2016</a:t>
             </a:fld>
             <a:endParaRPr lang="en-US"/>
           </a:p>
@@ -1239,7 +1239,7 @@
           <a:p>
             <a:fld id="{DE4E7392-00FF-4A5B-A4FB-CA939482D6BD}" type="datetimeFigureOut">
               <a:rPr lang="en-US" smtClean="0"/>
-              <a:t>10/4/2016</a:t>
+              <a:t>10/5/2016</a:t>
             </a:fld>
             <a:endParaRPr lang="en-US"/>
           </a:p>
@@ -1603,7 +1603,7 @@
           <a:p>
             <a:fld id="{DE4E7392-00FF-4A5B-A4FB-CA939482D6BD}" type="datetimeFigureOut">
               <a:rPr lang="en-US" smtClean="0"/>
-              <a:t>10/4/2016</a:t>
+              <a:t>10/5/2016</a:t>
             </a:fld>
             <a:endParaRPr lang="en-US"/>
           </a:p>
@@ -1720,7 +1720,7 @@
           <a:p>
             <a:fld id="{DE4E7392-00FF-4A5B-A4FB-CA939482D6BD}" type="datetimeFigureOut">
               <a:rPr lang="en-US" smtClean="0"/>
-              <a:t>10/4/2016</a:t>
+              <a:t>10/5/2016</a:t>
             </a:fld>
             <a:endParaRPr lang="en-US"/>
           </a:p>
@@ -1815,7 +1815,7 @@
           <a:p>
             <a:fld id="{DE4E7392-00FF-4A5B-A4FB-CA939482D6BD}" type="datetimeFigureOut">
               <a:rPr lang="en-US" smtClean="0"/>
-              <a:t>10/4/2016</a:t>
+              <a:t>10/5/2016</a:t>
             </a:fld>
             <a:endParaRPr lang="en-US"/>
           </a:p>
@@ -2090,7 +2090,7 @@
           <a:p>
             <a:fld id="{DE4E7392-00FF-4A5B-A4FB-CA939482D6BD}" type="datetimeFigureOut">
               <a:rPr lang="en-US" smtClean="0"/>
-              <a:t>10/4/2016</a:t>
+              <a:t>10/5/2016</a:t>
             </a:fld>
             <a:endParaRPr lang="en-US"/>
           </a:p>
@@ -2342,7 +2342,7 @@
           <a:p>
             <a:fld id="{DE4E7392-00FF-4A5B-A4FB-CA939482D6BD}" type="datetimeFigureOut">
               <a:rPr lang="en-US" smtClean="0"/>
-              <a:t>10/4/2016</a:t>
+              <a:t>10/5/2016</a:t>
             </a:fld>
             <a:endParaRPr lang="en-US"/>
           </a:p>
@@ -2553,7 +2553,7 @@
           <a:p>
             <a:fld id="{DE4E7392-00FF-4A5B-A4FB-CA939482D6BD}" type="datetimeFigureOut">
               <a:rPr lang="en-US" smtClean="0"/>
-              <a:t>10/4/2016</a:t>
+              <a:t>10/5/2016</a:t>
             </a:fld>
             <a:endParaRPr lang="en-US"/>
           </a:p>
@@ -6265,6 +6265,105 @@
       </p:grpSpPr>
       <p:cxnSp>
         <p:nvCxnSpPr>
+          <p:cNvPr id="68" name="Elbow Connector 37"/>
+          <p:cNvCxnSpPr/>
+          <p:nvPr/>
+        </p:nvCxnSpPr>
+        <p:spPr>
+          <a:xfrm flipH="1">
+            <a:off x="7392918" y="3988403"/>
+            <a:ext cx="181668" cy="438057"/>
+          </a:xfrm>
+          <a:prstGeom prst="straightConnector1">
+            <a:avLst/>
+          </a:prstGeom>
+          <a:ln>
+            <a:tailEnd type="triangle"/>
+          </a:ln>
+        </p:spPr>
+        <p:style>
+          <a:lnRef idx="3">
+            <a:schemeClr val="dk1"/>
+          </a:lnRef>
+          <a:fillRef idx="0">
+            <a:schemeClr val="dk1"/>
+          </a:fillRef>
+          <a:effectRef idx="2">
+            <a:schemeClr val="dk1"/>
+          </a:effectRef>
+          <a:fontRef idx="minor">
+            <a:schemeClr val="tx1"/>
+          </a:fontRef>
+        </p:style>
+      </p:cxnSp>
+      <p:cxnSp>
+        <p:nvCxnSpPr>
+          <p:cNvPr id="74" name="Elbow Connector 37"/>
+          <p:cNvCxnSpPr/>
+          <p:nvPr/>
+        </p:nvCxnSpPr>
+        <p:spPr>
+          <a:xfrm>
+            <a:off x="5093063" y="4974114"/>
+            <a:ext cx="1094509" cy="0"/>
+          </a:xfrm>
+          <a:prstGeom prst="straightConnector1">
+            <a:avLst/>
+          </a:prstGeom>
+          <a:ln>
+            <a:tailEnd type="triangle"/>
+          </a:ln>
+        </p:spPr>
+        <p:style>
+          <a:lnRef idx="3">
+            <a:schemeClr val="dk1"/>
+          </a:lnRef>
+          <a:fillRef idx="0">
+            <a:schemeClr val="dk1"/>
+          </a:fillRef>
+          <a:effectRef idx="2">
+            <a:schemeClr val="dk1"/>
+          </a:effectRef>
+          <a:fontRef idx="minor">
+            <a:schemeClr val="tx1"/>
+          </a:fontRef>
+        </p:style>
+      </p:cxnSp>
+      <p:cxnSp>
+        <p:nvCxnSpPr>
+          <p:cNvPr id="80" name="Elbow Connector 37"/>
+          <p:cNvCxnSpPr/>
+          <p:nvPr/>
+        </p:nvCxnSpPr>
+        <p:spPr>
+          <a:xfrm>
+            <a:off x="3504430" y="3767012"/>
+            <a:ext cx="2475316" cy="915780"/>
+          </a:xfrm>
+          <a:prstGeom prst="straightConnector1">
+            <a:avLst/>
+          </a:prstGeom>
+          <a:ln>
+            <a:tailEnd type="triangle"/>
+          </a:ln>
+        </p:spPr>
+        <p:style>
+          <a:lnRef idx="3">
+            <a:schemeClr val="dk1"/>
+          </a:lnRef>
+          <a:fillRef idx="0">
+            <a:schemeClr val="dk1"/>
+          </a:fillRef>
+          <a:effectRef idx="2">
+            <a:schemeClr val="dk1"/>
+          </a:effectRef>
+          <a:fontRef idx="minor">
+            <a:schemeClr val="tx1"/>
+          </a:fontRef>
+        </p:style>
+      </p:cxnSp>
+      <p:cxnSp>
+        <p:nvCxnSpPr>
           <p:cNvPr id="76" name="Elbow Connector 37"/>
           <p:cNvCxnSpPr/>
           <p:nvPr/>
@@ -6277,25 +6376,19 @@
           <a:prstGeom prst="straightConnector1">
             <a:avLst/>
           </a:prstGeom>
-          <a:ln w="19050" cap="flat" cmpd="sng" algn="ctr">
-            <a:solidFill>
-              <a:schemeClr val="accent1"/>
-            </a:solidFill>
-            <a:prstDash val="dash"/>
-            <a:round/>
-            <a:headEnd type="none" w="med" len="med"/>
-            <a:tailEnd type="triangle" w="med" len="med"/>
-          </a:ln>
-        </p:spPr>
-        <p:style>
-          <a:lnRef idx="0">
-            <a:scrgbClr r="0" g="0" b="0"/>
+          <a:ln>
+            <a:tailEnd type="triangle"/>
+          </a:ln>
+        </p:spPr>
+        <p:style>
+          <a:lnRef idx="3">
+            <a:schemeClr val="dk1"/>
           </a:lnRef>
           <a:fillRef idx="0">
-            <a:scrgbClr r="0" g="0" b="0"/>
-          </a:fillRef>
-          <a:effectRef idx="0">
-            <a:scrgbClr r="0" g="0" b="0"/>
+            <a:schemeClr val="dk1"/>
+          </a:fillRef>
+          <a:effectRef idx="2">
+            <a:schemeClr val="dk1"/>
           </a:effectRef>
           <a:fontRef idx="minor">
             <a:schemeClr val="tx1"/>
@@ -6746,6 +6839,568 @@
         <p:spPr>
           <a:xfrm>
             <a:off x="6309028" y="4609867"/>
+            <a:ext cx="1468649" cy="728495"/>
+          </a:xfrm>
+          <a:prstGeom prst="roundRect">
+            <a:avLst/>
+          </a:prstGeom>
+          <a:solidFill>
+            <a:srgbClr val="CEE1F2"/>
+          </a:solidFill>
+          <a:ln cap="rnd">
+            <a:round/>
+          </a:ln>
+          <a:effectLst>
+            <a:outerShdw blurRad="50800" dist="38100" dir="2700000" algn="tl" rotWithShape="0">
+              <a:prstClr val="black">
+                <a:alpha val="40000"/>
+              </a:prstClr>
+            </a:outerShdw>
+          </a:effectLst>
+        </p:spPr>
+        <p:style>
+          <a:lnRef idx="2">
+            <a:schemeClr val="accent1">
+              <a:shade val="50000"/>
+            </a:schemeClr>
+          </a:lnRef>
+          <a:fillRef idx="1">
+            <a:schemeClr val="accent1"/>
+          </a:fillRef>
+          <a:effectRef idx="0">
+            <a:schemeClr val="accent1"/>
+          </a:effectRef>
+          <a:fontRef idx="minor">
+            <a:schemeClr val="lt1"/>
+          </a:fontRef>
+        </p:style>
+        <p:txBody>
+          <a:bodyPr rtlCol="0" anchor="ctr"/>
+          <a:lstStyle/>
+          <a:p>
+            <a:pPr algn="ctr"/>
+            <a:r>
+              <a:rPr lang="en-US" dirty="0">
+                <a:solidFill>
+                  <a:schemeClr val="tx1"/>
+                </a:solidFill>
+              </a:rPr>
+              <a:t>Endpoint</a:t>
+            </a:r>
+            <a:endParaRPr lang="en-AU" dirty="0">
+              <a:solidFill>
+                <a:schemeClr val="tx1"/>
+              </a:solidFill>
+            </a:endParaRPr>
+          </a:p>
+        </p:txBody>
+      </p:sp>
+      <p:sp>
+        <p:nvSpPr>
+          <p:cNvPr id="22" name="Rounded Rectangle 23"/>
+          <p:cNvSpPr/>
+          <p:nvPr/>
+        </p:nvSpPr>
+        <p:spPr>
+          <a:xfrm>
+            <a:off x="7814362" y="5879813"/>
+            <a:ext cx="1468649" cy="728495"/>
+          </a:xfrm>
+          <a:prstGeom prst="roundRect">
+            <a:avLst/>
+          </a:prstGeom>
+          <a:solidFill>
+            <a:schemeClr val="accent3">
+              <a:alpha val="50000"/>
+            </a:schemeClr>
+          </a:solidFill>
+          <a:ln>
+            <a:noFill/>
+          </a:ln>
+        </p:spPr>
+        <p:style>
+          <a:lnRef idx="0">
+            <a:scrgbClr r="0" g="0" b="0"/>
+          </a:lnRef>
+          <a:fillRef idx="0">
+            <a:scrgbClr r="0" g="0" b="0"/>
+          </a:fillRef>
+          <a:effectRef idx="0">
+            <a:scrgbClr r="0" g="0" b="0"/>
+          </a:effectRef>
+          <a:fontRef idx="minor">
+            <a:schemeClr val="lt1"/>
+          </a:fontRef>
+        </p:style>
+        <p:txBody>
+          <a:bodyPr lIns="36000" rIns="36000" rtlCol="0" anchor="ctr"/>
+          <a:lstStyle/>
+          <a:p>
+            <a:pPr algn="ctr"/>
+            <a:r>
+              <a:rPr lang="en-US" sz="1600" dirty="0"/>
+              <a:t>Questionnaire</a:t>
+            </a:r>
+            <a:endParaRPr lang="en-AU" sz="1600" dirty="0"/>
+          </a:p>
+        </p:txBody>
+      </p:sp>
+      <p:sp>
+        <p:nvSpPr>
+          <p:cNvPr id="23" name="Rounded Rectangle 24"/>
+          <p:cNvSpPr/>
+          <p:nvPr/>
+        </p:nvSpPr>
+        <p:spPr>
+          <a:xfrm>
+            <a:off x="9503227" y="5879813"/>
+            <a:ext cx="1468649" cy="728495"/>
+          </a:xfrm>
+          <a:prstGeom prst="roundRect">
+            <a:avLst/>
+          </a:prstGeom>
+          <a:solidFill>
+            <a:schemeClr val="accent3">
+              <a:alpha val="50000"/>
+            </a:schemeClr>
+          </a:solidFill>
+          <a:ln>
+            <a:noFill/>
+          </a:ln>
+        </p:spPr>
+        <p:style>
+          <a:lnRef idx="0">
+            <a:scrgbClr r="0" g="0" b="0"/>
+          </a:lnRef>
+          <a:fillRef idx="0">
+            <a:scrgbClr r="0" g="0" b="0"/>
+          </a:fillRef>
+          <a:effectRef idx="0">
+            <a:scrgbClr r="0" g="0" b="0"/>
+          </a:effectRef>
+          <a:fontRef idx="minor">
+            <a:schemeClr val="lt1"/>
+          </a:fontRef>
+        </p:style>
+        <p:txBody>
+          <a:bodyPr rtlCol="0" anchor="ctr"/>
+          <a:lstStyle/>
+          <a:p>
+            <a:r>
+              <a:rPr lang="en-US" sz="1600" dirty="0"/>
+              <a:t>…</a:t>
+            </a:r>
+            <a:endParaRPr lang="en-AU" sz="1600" dirty="0"/>
+          </a:p>
+        </p:txBody>
+      </p:sp>
+      <p:sp>
+        <p:nvSpPr>
+          <p:cNvPr id="24" name="Rounded Rectangle 26"/>
+          <p:cNvSpPr/>
+          <p:nvPr/>
+        </p:nvSpPr>
+        <p:spPr>
+          <a:xfrm>
+            <a:off x="1058910" y="5879813"/>
+            <a:ext cx="1468649" cy="728495"/>
+          </a:xfrm>
+          <a:prstGeom prst="roundRect">
+            <a:avLst/>
+          </a:prstGeom>
+        </p:spPr>
+        <p:style>
+          <a:lnRef idx="0">
+            <a:schemeClr val="accent3"/>
+          </a:lnRef>
+          <a:fillRef idx="3">
+            <a:schemeClr val="accent3"/>
+          </a:fillRef>
+          <a:effectRef idx="3">
+            <a:schemeClr val="accent3"/>
+          </a:effectRef>
+          <a:fontRef idx="minor">
+            <a:schemeClr val="lt1"/>
+          </a:fontRef>
+        </p:style>
+        <p:txBody>
+          <a:bodyPr rtlCol="0" anchor="ctr"/>
+          <a:lstStyle/>
+          <a:p>
+            <a:pPr algn="ctr"/>
+            <a:r>
+              <a:rPr lang="en-US" sz="1600" dirty="0"/>
+              <a:t>Document Reference</a:t>
+            </a:r>
+            <a:endParaRPr lang="en-AU" sz="1600" dirty="0"/>
+          </a:p>
+        </p:txBody>
+      </p:sp>
+      <p:sp>
+        <p:nvSpPr>
+          <p:cNvPr id="4" name="Rounded Rectangle 5"/>
+          <p:cNvSpPr/>
+          <p:nvPr/>
+        </p:nvSpPr>
+        <p:spPr>
+          <a:xfrm>
+            <a:off x="3766162" y="1866667"/>
+            <a:ext cx="1468649" cy="728495"/>
+          </a:xfrm>
+          <a:prstGeom prst="roundRect">
+            <a:avLst/>
+          </a:prstGeom>
+          <a:solidFill>
+            <a:srgbClr val="CEE1F2"/>
+          </a:solidFill>
+          <a:ln cap="rnd">
+            <a:round/>
+          </a:ln>
+          <a:effectLst>
+            <a:outerShdw blurRad="50800" dist="38100" dir="2700000" algn="tl" rotWithShape="0">
+              <a:prstClr val="black">
+                <a:alpha val="40000"/>
+              </a:prstClr>
+            </a:outerShdw>
+          </a:effectLst>
+        </p:spPr>
+        <p:style>
+          <a:lnRef idx="2">
+            <a:schemeClr val="accent1">
+              <a:shade val="50000"/>
+            </a:schemeClr>
+          </a:lnRef>
+          <a:fillRef idx="1">
+            <a:schemeClr val="accent1"/>
+          </a:fillRef>
+          <a:effectRef idx="0">
+            <a:schemeClr val="accent1"/>
+          </a:effectRef>
+          <a:fontRef idx="minor">
+            <a:schemeClr val="lt1"/>
+          </a:fontRef>
+        </p:style>
+        <p:txBody>
+          <a:bodyPr rtlCol="0" anchor="ctr"/>
+          <a:lstStyle/>
+          <a:p>
+            <a:pPr algn="ctr"/>
+            <a:r>
+              <a:rPr lang="en-US" dirty="0">
+                <a:solidFill>
+                  <a:schemeClr val="tx1"/>
+                </a:solidFill>
+              </a:rPr>
+              <a:t>Organization</a:t>
+            </a:r>
+            <a:endParaRPr lang="en-AU" dirty="0">
+              <a:solidFill>
+                <a:schemeClr val="tx1"/>
+              </a:solidFill>
+            </a:endParaRPr>
+          </a:p>
+        </p:txBody>
+      </p:sp>
+      <p:sp>
+        <p:nvSpPr>
+          <p:cNvPr id="5" name="Rounded Rectangle 6"/>
+          <p:cNvSpPr/>
+          <p:nvPr/>
+        </p:nvSpPr>
+        <p:spPr>
+          <a:xfrm>
+            <a:off x="2071253" y="3233853"/>
+            <a:ext cx="1468649" cy="728495"/>
+          </a:xfrm>
+          <a:prstGeom prst="roundRect">
+            <a:avLst/>
+          </a:prstGeom>
+          <a:solidFill>
+            <a:srgbClr val="CEE1F2"/>
+          </a:solidFill>
+          <a:ln cap="rnd">
+            <a:round/>
+          </a:ln>
+          <a:effectLst>
+            <a:outerShdw blurRad="50800" dist="38100" dir="2700000" algn="tl" rotWithShape="0">
+              <a:prstClr val="black">
+                <a:alpha val="40000"/>
+              </a:prstClr>
+            </a:outerShdw>
+          </a:effectLst>
+        </p:spPr>
+        <p:style>
+          <a:lnRef idx="2">
+            <a:schemeClr val="accent1">
+              <a:shade val="50000"/>
+            </a:schemeClr>
+          </a:lnRef>
+          <a:fillRef idx="1">
+            <a:schemeClr val="accent1"/>
+          </a:fillRef>
+          <a:effectRef idx="0">
+            <a:schemeClr val="accent1"/>
+          </a:effectRef>
+          <a:fontRef idx="minor">
+            <a:schemeClr val="lt1"/>
+          </a:fontRef>
+        </p:style>
+        <p:txBody>
+          <a:bodyPr rtlCol="0" anchor="ctr"/>
+          <a:lstStyle/>
+          <a:p>
+            <a:pPr algn="ctr"/>
+            <a:r>
+              <a:rPr lang="en-US" dirty="0">
+                <a:solidFill>
+                  <a:schemeClr val="tx1"/>
+                </a:solidFill>
+              </a:rPr>
+              <a:t>Location</a:t>
+            </a:r>
+            <a:endParaRPr lang="en-AU" dirty="0">
+              <a:solidFill>
+                <a:schemeClr val="tx1"/>
+              </a:solidFill>
+            </a:endParaRPr>
+          </a:p>
+        </p:txBody>
+      </p:sp>
+      <p:sp>
+        <p:nvSpPr>
+          <p:cNvPr id="6" name="Rounded Rectangle 7"/>
+          <p:cNvSpPr/>
+          <p:nvPr/>
+        </p:nvSpPr>
+        <p:spPr>
+          <a:xfrm>
+            <a:off x="6785901" y="3233853"/>
+            <a:ext cx="1468649" cy="728495"/>
+          </a:xfrm>
+          <a:prstGeom prst="roundRect">
+            <a:avLst/>
+          </a:prstGeom>
+          <a:solidFill>
+            <a:srgbClr val="CEE1F2"/>
+          </a:solidFill>
+          <a:ln cap="rnd">
+            <a:round/>
+          </a:ln>
+          <a:effectLst>
+            <a:outerShdw blurRad="50800" dist="38100" dir="2700000" algn="tl" rotWithShape="0">
+              <a:prstClr val="black">
+                <a:alpha val="40000"/>
+              </a:prstClr>
+            </a:outerShdw>
+          </a:effectLst>
+        </p:spPr>
+        <p:style>
+          <a:lnRef idx="2">
+            <a:schemeClr val="accent1">
+              <a:shade val="50000"/>
+            </a:schemeClr>
+          </a:lnRef>
+          <a:fillRef idx="1">
+            <a:schemeClr val="accent1"/>
+          </a:fillRef>
+          <a:effectRef idx="0">
+            <a:schemeClr val="accent1"/>
+          </a:effectRef>
+          <a:fontRef idx="minor">
+            <a:schemeClr val="lt1"/>
+          </a:fontRef>
+        </p:style>
+        <p:txBody>
+          <a:bodyPr rtlCol="0" anchor="ctr"/>
+          <a:lstStyle/>
+          <a:p>
+            <a:pPr algn="ctr"/>
+            <a:r>
+              <a:rPr lang="en-US" dirty="0">
+                <a:solidFill>
+                  <a:schemeClr val="tx1"/>
+                </a:solidFill>
+              </a:rPr>
+              <a:t>Practitioner</a:t>
+            </a:r>
+          </a:p>
+          <a:p>
+            <a:pPr algn="ctr"/>
+            <a:endParaRPr lang="en-AU" dirty="0">
+              <a:solidFill>
+                <a:schemeClr val="tx1"/>
+              </a:solidFill>
+            </a:endParaRPr>
+          </a:p>
+        </p:txBody>
+      </p:sp>
+      <p:sp>
+        <p:nvSpPr>
+          <p:cNvPr id="7" name="Rounded Rectangle 8"/>
+          <p:cNvSpPr/>
+          <p:nvPr/>
+        </p:nvSpPr>
+        <p:spPr>
+          <a:xfrm>
+            <a:off x="3766162" y="4609867"/>
+            <a:ext cx="1468649" cy="728495"/>
+          </a:xfrm>
+          <a:prstGeom prst="roundRect">
+            <a:avLst/>
+          </a:prstGeom>
+          <a:solidFill>
+            <a:srgbClr val="CEE1F2"/>
+          </a:solidFill>
+          <a:ln cap="rnd">
+            <a:round/>
+          </a:ln>
+          <a:effectLst>
+            <a:outerShdw blurRad="50800" dist="38100" dir="2700000" algn="tl" rotWithShape="0">
+              <a:prstClr val="black">
+                <a:alpha val="40000"/>
+              </a:prstClr>
+            </a:outerShdw>
+          </a:effectLst>
+        </p:spPr>
+        <p:style>
+          <a:lnRef idx="2">
+            <a:schemeClr val="accent1">
+              <a:shade val="50000"/>
+            </a:schemeClr>
+          </a:lnRef>
+          <a:fillRef idx="1">
+            <a:schemeClr val="accent1"/>
+          </a:fillRef>
+          <a:effectRef idx="0">
+            <a:schemeClr val="accent1"/>
+          </a:effectRef>
+          <a:fontRef idx="minor">
+            <a:schemeClr val="lt1"/>
+          </a:fontRef>
+        </p:style>
+        <p:txBody>
+          <a:bodyPr rtlCol="0" anchor="ctr"/>
+          <a:lstStyle/>
+          <a:p>
+            <a:pPr algn="ctr"/>
+            <a:r>
+              <a:rPr lang="en-US" dirty="0">
+                <a:solidFill>
+                  <a:schemeClr val="tx1"/>
+                </a:solidFill>
+              </a:rPr>
+              <a:t>Healthcare Service</a:t>
+            </a:r>
+            <a:endParaRPr lang="en-AU" dirty="0">
+              <a:solidFill>
+                <a:schemeClr val="tx1"/>
+              </a:solidFill>
+            </a:endParaRPr>
+          </a:p>
+        </p:txBody>
+      </p:sp>
+      <p:sp>
+        <p:nvSpPr>
+          <p:cNvPr id="34" name="Rounded Rectangle 36"/>
+          <p:cNvSpPr/>
+          <p:nvPr/>
+        </p:nvSpPr>
+        <p:spPr>
+          <a:xfrm>
+            <a:off x="7253084" y="3682138"/>
+            <a:ext cx="909353" cy="405321"/>
+          </a:xfrm>
+          <a:prstGeom prst="roundRect">
+            <a:avLst/>
+          </a:prstGeom>
+          <a:solidFill>
+            <a:srgbClr val="71A7D9"/>
+          </a:solidFill>
+          <a:ln cap="rnd">
+            <a:round/>
+          </a:ln>
+          <a:effectLst>
+            <a:outerShdw blurRad="50800" dist="38100" dir="2700000" algn="tl" rotWithShape="0">
+              <a:prstClr val="black">
+                <a:alpha val="40000"/>
+              </a:prstClr>
+            </a:outerShdw>
+          </a:effectLst>
+        </p:spPr>
+        <p:style>
+          <a:lnRef idx="2">
+            <a:schemeClr val="accent1">
+              <a:shade val="50000"/>
+            </a:schemeClr>
+          </a:lnRef>
+          <a:fillRef idx="1">
+            <a:schemeClr val="accent1"/>
+          </a:fillRef>
+          <a:effectRef idx="0">
+            <a:schemeClr val="accent1"/>
+          </a:effectRef>
+          <a:fontRef idx="minor">
+            <a:schemeClr val="lt1"/>
+          </a:fontRef>
+        </p:style>
+        <p:txBody>
+          <a:bodyPr rtlCol="0" anchor="ctr"/>
+          <a:lstStyle/>
+          <a:p>
+            <a:pPr algn="ctr"/>
+            <a:r>
+              <a:rPr lang="en-US" dirty="0">
+                <a:solidFill>
+                  <a:schemeClr val="tx1"/>
+                </a:solidFill>
+              </a:rPr>
+              <a:t>Role</a:t>
+            </a:r>
+          </a:p>
+        </p:txBody>
+      </p:sp>
+      <p:cxnSp>
+        <p:nvCxnSpPr>
+          <p:cNvPr id="71" name="Elbow Connector 37"/>
+          <p:cNvCxnSpPr/>
+          <p:nvPr/>
+        </p:nvCxnSpPr>
+        <p:spPr>
+          <a:xfrm>
+            <a:off x="5771920" y="3884798"/>
+            <a:ext cx="415652" cy="463854"/>
+          </a:xfrm>
+          <a:prstGeom prst="straightConnector1">
+            <a:avLst/>
+          </a:prstGeom>
+          <a:ln>
+            <a:tailEnd type="triangle"/>
+          </a:ln>
+        </p:spPr>
+        <p:style>
+          <a:lnRef idx="3">
+            <a:schemeClr val="dk1"/>
+          </a:lnRef>
+          <a:fillRef idx="0">
+            <a:schemeClr val="dk1"/>
+          </a:fillRef>
+          <a:effectRef idx="2">
+            <a:schemeClr val="dk1"/>
+          </a:effectRef>
+          <a:fontRef idx="minor">
+            <a:schemeClr val="tx1"/>
+          </a:fontRef>
+        </p:style>
+      </p:cxnSp>
+      <p:sp>
+        <p:nvSpPr>
+          <p:cNvPr id="8" name="Rounded Rectangle 9"/>
+          <p:cNvSpPr/>
+          <p:nvPr/>
+        </p:nvSpPr>
+        <p:spPr>
+          <a:xfrm>
+            <a:off x="4449999" y="3233853"/>
             <a:ext cx="1468649" cy="728495"/>
           </a:xfrm>
           <a:prstGeom prst="roundRect">
@@ -6782,677 +7437,6 @@
             <a:pPr algn="ctr"/>
             <a:r>
               <a:rPr lang="en-US" sz="1600" dirty="0"/>
-              <a:t>Endpoint</a:t>
-            </a:r>
-            <a:endParaRPr lang="en-AU" sz="1600" dirty="0"/>
-          </a:p>
-        </p:txBody>
-      </p:sp>
-      <p:sp>
-        <p:nvSpPr>
-          <p:cNvPr id="22" name="Rounded Rectangle 23"/>
-          <p:cNvSpPr/>
-          <p:nvPr/>
-        </p:nvSpPr>
-        <p:spPr>
-          <a:xfrm>
-            <a:off x="7814362" y="5879813"/>
-            <a:ext cx="1468649" cy="728495"/>
-          </a:xfrm>
-          <a:prstGeom prst="roundRect">
-            <a:avLst/>
-          </a:prstGeom>
-          <a:solidFill>
-            <a:schemeClr val="accent3">
-              <a:alpha val="50000"/>
-            </a:schemeClr>
-          </a:solidFill>
-          <a:ln>
-            <a:noFill/>
-          </a:ln>
-        </p:spPr>
-        <p:style>
-          <a:lnRef idx="0">
-            <a:scrgbClr r="0" g="0" b="0"/>
-          </a:lnRef>
-          <a:fillRef idx="0">
-            <a:scrgbClr r="0" g="0" b="0"/>
-          </a:fillRef>
-          <a:effectRef idx="0">
-            <a:scrgbClr r="0" g="0" b="0"/>
-          </a:effectRef>
-          <a:fontRef idx="minor">
-            <a:schemeClr val="lt1"/>
-          </a:fontRef>
-        </p:style>
-        <p:txBody>
-          <a:bodyPr lIns="36000" rIns="36000" rtlCol="0" anchor="ctr"/>
-          <a:lstStyle/>
-          <a:p>
-            <a:pPr algn="ctr"/>
-            <a:r>
-              <a:rPr lang="en-US" sz="1600" dirty="0"/>
-              <a:t>Questionnaire</a:t>
-            </a:r>
-            <a:endParaRPr lang="en-AU" sz="1600" dirty="0"/>
-          </a:p>
-        </p:txBody>
-      </p:sp>
-      <p:sp>
-        <p:nvSpPr>
-          <p:cNvPr id="23" name="Rounded Rectangle 24"/>
-          <p:cNvSpPr/>
-          <p:nvPr/>
-        </p:nvSpPr>
-        <p:spPr>
-          <a:xfrm>
-            <a:off x="9503227" y="5879813"/>
-            <a:ext cx="1468649" cy="728495"/>
-          </a:xfrm>
-          <a:prstGeom prst="roundRect">
-            <a:avLst/>
-          </a:prstGeom>
-          <a:solidFill>
-            <a:schemeClr val="accent3">
-              <a:alpha val="50000"/>
-            </a:schemeClr>
-          </a:solidFill>
-          <a:ln>
-            <a:noFill/>
-          </a:ln>
-        </p:spPr>
-        <p:style>
-          <a:lnRef idx="0">
-            <a:scrgbClr r="0" g="0" b="0"/>
-          </a:lnRef>
-          <a:fillRef idx="0">
-            <a:scrgbClr r="0" g="0" b="0"/>
-          </a:fillRef>
-          <a:effectRef idx="0">
-            <a:scrgbClr r="0" g="0" b="0"/>
-          </a:effectRef>
-          <a:fontRef idx="minor">
-            <a:schemeClr val="lt1"/>
-          </a:fontRef>
-        </p:style>
-        <p:txBody>
-          <a:bodyPr rtlCol="0" anchor="ctr"/>
-          <a:lstStyle/>
-          <a:p>
-            <a:r>
-              <a:rPr lang="en-US" sz="1600" dirty="0"/>
-              <a:t>…</a:t>
-            </a:r>
-            <a:endParaRPr lang="en-AU" sz="1600" dirty="0"/>
-          </a:p>
-        </p:txBody>
-      </p:sp>
-      <p:sp>
-        <p:nvSpPr>
-          <p:cNvPr id="24" name="Rounded Rectangle 26"/>
-          <p:cNvSpPr/>
-          <p:nvPr/>
-        </p:nvSpPr>
-        <p:spPr>
-          <a:xfrm>
-            <a:off x="1058910" y="5879813"/>
-            <a:ext cx="1468649" cy="728495"/>
-          </a:xfrm>
-          <a:prstGeom prst="roundRect">
-            <a:avLst/>
-          </a:prstGeom>
-        </p:spPr>
-        <p:style>
-          <a:lnRef idx="0">
-            <a:schemeClr val="accent3"/>
-          </a:lnRef>
-          <a:fillRef idx="3">
-            <a:schemeClr val="accent3"/>
-          </a:fillRef>
-          <a:effectRef idx="3">
-            <a:schemeClr val="accent3"/>
-          </a:effectRef>
-          <a:fontRef idx="minor">
-            <a:schemeClr val="lt1"/>
-          </a:fontRef>
-        </p:style>
-        <p:txBody>
-          <a:bodyPr rtlCol="0" anchor="ctr"/>
-          <a:lstStyle/>
-          <a:p>
-            <a:pPr algn="ctr"/>
-            <a:r>
-              <a:rPr lang="en-US" sz="1600" dirty="0"/>
-              <a:t>Document Reference</a:t>
-            </a:r>
-            <a:endParaRPr lang="en-AU" sz="1600" dirty="0"/>
-          </a:p>
-        </p:txBody>
-      </p:sp>
-      <p:sp>
-        <p:nvSpPr>
-          <p:cNvPr id="4" name="Rounded Rectangle 5"/>
-          <p:cNvSpPr/>
-          <p:nvPr/>
-        </p:nvSpPr>
-        <p:spPr>
-          <a:xfrm>
-            <a:off x="3766162" y="1866667"/>
-            <a:ext cx="1468649" cy="728495"/>
-          </a:xfrm>
-          <a:prstGeom prst="roundRect">
-            <a:avLst/>
-          </a:prstGeom>
-          <a:solidFill>
-            <a:srgbClr val="CEE1F2"/>
-          </a:solidFill>
-          <a:ln cap="rnd">
-            <a:round/>
-          </a:ln>
-          <a:effectLst>
-            <a:outerShdw blurRad="50800" dist="38100" dir="2700000" algn="tl" rotWithShape="0">
-              <a:prstClr val="black">
-                <a:alpha val="40000"/>
-              </a:prstClr>
-            </a:outerShdw>
-          </a:effectLst>
-        </p:spPr>
-        <p:style>
-          <a:lnRef idx="2">
-            <a:schemeClr val="accent1">
-              <a:shade val="50000"/>
-            </a:schemeClr>
-          </a:lnRef>
-          <a:fillRef idx="1">
-            <a:schemeClr val="accent1"/>
-          </a:fillRef>
-          <a:effectRef idx="0">
-            <a:schemeClr val="accent1"/>
-          </a:effectRef>
-          <a:fontRef idx="minor">
-            <a:schemeClr val="lt1"/>
-          </a:fontRef>
-        </p:style>
-        <p:txBody>
-          <a:bodyPr rtlCol="0" anchor="ctr"/>
-          <a:lstStyle/>
-          <a:p>
-            <a:pPr algn="ctr"/>
-            <a:r>
-              <a:rPr lang="en-US" dirty="0">
-                <a:solidFill>
-                  <a:schemeClr val="tx1"/>
-                </a:solidFill>
-              </a:rPr>
-              <a:t>Organization</a:t>
-            </a:r>
-            <a:endParaRPr lang="en-AU" dirty="0">
-              <a:solidFill>
-                <a:schemeClr val="tx1"/>
-              </a:solidFill>
-            </a:endParaRPr>
-          </a:p>
-        </p:txBody>
-      </p:sp>
-      <p:sp>
-        <p:nvSpPr>
-          <p:cNvPr id="5" name="Rounded Rectangle 6"/>
-          <p:cNvSpPr/>
-          <p:nvPr/>
-        </p:nvSpPr>
-        <p:spPr>
-          <a:xfrm>
-            <a:off x="2071253" y="3233853"/>
-            <a:ext cx="1468649" cy="728495"/>
-          </a:xfrm>
-          <a:prstGeom prst="roundRect">
-            <a:avLst/>
-          </a:prstGeom>
-          <a:solidFill>
-            <a:srgbClr val="CEE1F2"/>
-          </a:solidFill>
-          <a:ln cap="rnd">
-            <a:round/>
-          </a:ln>
-          <a:effectLst>
-            <a:outerShdw blurRad="50800" dist="38100" dir="2700000" algn="tl" rotWithShape="0">
-              <a:prstClr val="black">
-                <a:alpha val="40000"/>
-              </a:prstClr>
-            </a:outerShdw>
-          </a:effectLst>
-        </p:spPr>
-        <p:style>
-          <a:lnRef idx="2">
-            <a:schemeClr val="accent1">
-              <a:shade val="50000"/>
-            </a:schemeClr>
-          </a:lnRef>
-          <a:fillRef idx="1">
-            <a:schemeClr val="accent1"/>
-          </a:fillRef>
-          <a:effectRef idx="0">
-            <a:schemeClr val="accent1"/>
-          </a:effectRef>
-          <a:fontRef idx="minor">
-            <a:schemeClr val="lt1"/>
-          </a:fontRef>
-        </p:style>
-        <p:txBody>
-          <a:bodyPr rtlCol="0" anchor="ctr"/>
-          <a:lstStyle/>
-          <a:p>
-            <a:pPr algn="ctr"/>
-            <a:r>
-              <a:rPr lang="en-US" dirty="0">
-                <a:solidFill>
-                  <a:schemeClr val="tx1"/>
-                </a:solidFill>
-              </a:rPr>
-              <a:t>Location</a:t>
-            </a:r>
-            <a:endParaRPr lang="en-AU" dirty="0">
-              <a:solidFill>
-                <a:schemeClr val="tx1"/>
-              </a:solidFill>
-            </a:endParaRPr>
-          </a:p>
-        </p:txBody>
-      </p:sp>
-      <p:sp>
-        <p:nvSpPr>
-          <p:cNvPr id="6" name="Rounded Rectangle 7"/>
-          <p:cNvSpPr/>
-          <p:nvPr/>
-        </p:nvSpPr>
-        <p:spPr>
-          <a:xfrm>
-            <a:off x="6785901" y="3233853"/>
-            <a:ext cx="1468649" cy="728495"/>
-          </a:xfrm>
-          <a:prstGeom prst="roundRect">
-            <a:avLst/>
-          </a:prstGeom>
-          <a:solidFill>
-            <a:srgbClr val="CEE1F2"/>
-          </a:solidFill>
-          <a:ln cap="rnd">
-            <a:round/>
-          </a:ln>
-          <a:effectLst>
-            <a:outerShdw blurRad="50800" dist="38100" dir="2700000" algn="tl" rotWithShape="0">
-              <a:prstClr val="black">
-                <a:alpha val="40000"/>
-              </a:prstClr>
-            </a:outerShdw>
-          </a:effectLst>
-        </p:spPr>
-        <p:style>
-          <a:lnRef idx="2">
-            <a:schemeClr val="accent1">
-              <a:shade val="50000"/>
-            </a:schemeClr>
-          </a:lnRef>
-          <a:fillRef idx="1">
-            <a:schemeClr val="accent1"/>
-          </a:fillRef>
-          <a:effectRef idx="0">
-            <a:schemeClr val="accent1"/>
-          </a:effectRef>
-          <a:fontRef idx="minor">
-            <a:schemeClr val="lt1"/>
-          </a:fontRef>
-        </p:style>
-        <p:txBody>
-          <a:bodyPr rtlCol="0" anchor="ctr"/>
-          <a:lstStyle/>
-          <a:p>
-            <a:pPr algn="ctr"/>
-            <a:r>
-              <a:rPr lang="en-US" dirty="0">
-                <a:solidFill>
-                  <a:schemeClr val="tx1"/>
-                </a:solidFill>
-              </a:rPr>
-              <a:t>Practitioner</a:t>
-            </a:r>
-          </a:p>
-          <a:p>
-            <a:pPr algn="ctr"/>
-            <a:endParaRPr lang="en-AU" dirty="0">
-              <a:solidFill>
-                <a:schemeClr val="tx1"/>
-              </a:solidFill>
-            </a:endParaRPr>
-          </a:p>
-        </p:txBody>
-      </p:sp>
-      <p:sp>
-        <p:nvSpPr>
-          <p:cNvPr id="7" name="Rounded Rectangle 8"/>
-          <p:cNvSpPr/>
-          <p:nvPr/>
-        </p:nvSpPr>
-        <p:spPr>
-          <a:xfrm>
-            <a:off x="3766162" y="4609867"/>
-            <a:ext cx="1468649" cy="728495"/>
-          </a:xfrm>
-          <a:prstGeom prst="roundRect">
-            <a:avLst/>
-          </a:prstGeom>
-          <a:solidFill>
-            <a:srgbClr val="CEE1F2"/>
-          </a:solidFill>
-          <a:ln cap="rnd">
-            <a:round/>
-          </a:ln>
-          <a:effectLst>
-            <a:outerShdw blurRad="50800" dist="38100" dir="2700000" algn="tl" rotWithShape="0">
-              <a:prstClr val="black">
-                <a:alpha val="40000"/>
-              </a:prstClr>
-            </a:outerShdw>
-          </a:effectLst>
-        </p:spPr>
-        <p:style>
-          <a:lnRef idx="2">
-            <a:schemeClr val="accent1">
-              <a:shade val="50000"/>
-            </a:schemeClr>
-          </a:lnRef>
-          <a:fillRef idx="1">
-            <a:schemeClr val="accent1"/>
-          </a:fillRef>
-          <a:effectRef idx="0">
-            <a:schemeClr val="accent1"/>
-          </a:effectRef>
-          <a:fontRef idx="minor">
-            <a:schemeClr val="lt1"/>
-          </a:fontRef>
-        </p:style>
-        <p:txBody>
-          <a:bodyPr rtlCol="0" anchor="ctr"/>
-          <a:lstStyle/>
-          <a:p>
-            <a:pPr algn="ctr"/>
-            <a:r>
-              <a:rPr lang="en-US" dirty="0">
-                <a:solidFill>
-                  <a:schemeClr val="tx1"/>
-                </a:solidFill>
-              </a:rPr>
-              <a:t>Healthcare Service</a:t>
-            </a:r>
-            <a:endParaRPr lang="en-AU" dirty="0">
-              <a:solidFill>
-                <a:schemeClr val="tx1"/>
-              </a:solidFill>
-            </a:endParaRPr>
-          </a:p>
-        </p:txBody>
-      </p:sp>
-      <p:sp>
-        <p:nvSpPr>
-          <p:cNvPr id="34" name="Rounded Rectangle 36"/>
-          <p:cNvSpPr/>
-          <p:nvPr/>
-        </p:nvSpPr>
-        <p:spPr>
-          <a:xfrm>
-            <a:off x="7253084" y="3682138"/>
-            <a:ext cx="909353" cy="405321"/>
-          </a:xfrm>
-          <a:prstGeom prst="roundRect">
-            <a:avLst/>
-          </a:prstGeom>
-          <a:solidFill>
-            <a:srgbClr val="71A7D9"/>
-          </a:solidFill>
-          <a:ln cap="rnd">
-            <a:round/>
-          </a:ln>
-          <a:effectLst>
-            <a:outerShdw blurRad="50800" dist="38100" dir="2700000" algn="tl" rotWithShape="0">
-              <a:prstClr val="black">
-                <a:alpha val="40000"/>
-              </a:prstClr>
-            </a:outerShdw>
-          </a:effectLst>
-        </p:spPr>
-        <p:style>
-          <a:lnRef idx="2">
-            <a:schemeClr val="accent1">
-              <a:shade val="50000"/>
-            </a:schemeClr>
-          </a:lnRef>
-          <a:fillRef idx="1">
-            <a:schemeClr val="accent1"/>
-          </a:fillRef>
-          <a:effectRef idx="0">
-            <a:schemeClr val="accent1"/>
-          </a:effectRef>
-          <a:fontRef idx="minor">
-            <a:schemeClr val="lt1"/>
-          </a:fontRef>
-        </p:style>
-        <p:txBody>
-          <a:bodyPr rtlCol="0" anchor="ctr"/>
-          <a:lstStyle/>
-          <a:p>
-            <a:pPr algn="ctr"/>
-            <a:r>
-              <a:rPr lang="en-US" dirty="0">
-                <a:solidFill>
-                  <a:schemeClr val="tx1"/>
-                </a:solidFill>
-              </a:rPr>
-              <a:t>Role</a:t>
-            </a:r>
-          </a:p>
-        </p:txBody>
-      </p:sp>
-      <p:cxnSp>
-        <p:nvCxnSpPr>
-          <p:cNvPr id="68" name="Elbow Connector 37"/>
-          <p:cNvCxnSpPr/>
-          <p:nvPr/>
-        </p:nvCxnSpPr>
-        <p:spPr>
-          <a:xfrm flipH="1">
-            <a:off x="7392918" y="3988403"/>
-            <a:ext cx="181668" cy="438057"/>
-          </a:xfrm>
-          <a:prstGeom prst="straightConnector1">
-            <a:avLst/>
-          </a:prstGeom>
-          <a:ln w="19050" cap="flat" cmpd="sng" algn="ctr">
-            <a:solidFill>
-              <a:schemeClr val="accent1"/>
-            </a:solidFill>
-            <a:prstDash val="dash"/>
-            <a:round/>
-            <a:headEnd type="none" w="med" len="med"/>
-            <a:tailEnd type="triangle" w="med" len="med"/>
-          </a:ln>
-        </p:spPr>
-        <p:style>
-          <a:lnRef idx="0">
-            <a:scrgbClr r="0" g="0" b="0"/>
-          </a:lnRef>
-          <a:fillRef idx="0">
-            <a:scrgbClr r="0" g="0" b="0"/>
-          </a:fillRef>
-          <a:effectRef idx="0">
-            <a:scrgbClr r="0" g="0" b="0"/>
-          </a:effectRef>
-          <a:fontRef idx="minor">
-            <a:schemeClr val="tx1"/>
-          </a:fontRef>
-        </p:style>
-      </p:cxnSp>
-      <p:cxnSp>
-        <p:nvCxnSpPr>
-          <p:cNvPr id="71" name="Elbow Connector 37"/>
-          <p:cNvCxnSpPr/>
-          <p:nvPr/>
-        </p:nvCxnSpPr>
-        <p:spPr>
-          <a:xfrm>
-            <a:off x="5771920" y="3884798"/>
-            <a:ext cx="415652" cy="463854"/>
-          </a:xfrm>
-          <a:prstGeom prst="straightConnector1">
-            <a:avLst/>
-          </a:prstGeom>
-          <a:ln w="19050" cap="flat" cmpd="sng" algn="ctr">
-            <a:solidFill>
-              <a:schemeClr val="accent1"/>
-            </a:solidFill>
-            <a:prstDash val="dash"/>
-            <a:round/>
-            <a:headEnd type="none" w="med" len="med"/>
-            <a:tailEnd type="triangle" w="med" len="med"/>
-          </a:ln>
-        </p:spPr>
-        <p:style>
-          <a:lnRef idx="0">
-            <a:scrgbClr r="0" g="0" b="0"/>
-          </a:lnRef>
-          <a:fillRef idx="0">
-            <a:scrgbClr r="0" g="0" b="0"/>
-          </a:fillRef>
-          <a:effectRef idx="0">
-            <a:scrgbClr r="0" g="0" b="0"/>
-          </a:effectRef>
-          <a:fontRef idx="minor">
-            <a:schemeClr val="tx1"/>
-          </a:fontRef>
-        </p:style>
-      </p:cxnSp>
-      <p:cxnSp>
-        <p:nvCxnSpPr>
-          <p:cNvPr id="74" name="Elbow Connector 37"/>
-          <p:cNvCxnSpPr/>
-          <p:nvPr/>
-        </p:nvCxnSpPr>
-        <p:spPr>
-          <a:xfrm>
-            <a:off x="5093063" y="4974114"/>
-            <a:ext cx="1094509" cy="0"/>
-          </a:xfrm>
-          <a:prstGeom prst="straightConnector1">
-            <a:avLst/>
-          </a:prstGeom>
-          <a:ln w="19050" cap="flat" cmpd="sng" algn="ctr">
-            <a:solidFill>
-              <a:schemeClr val="accent1"/>
-            </a:solidFill>
-            <a:prstDash val="dash"/>
-            <a:round/>
-            <a:headEnd type="none" w="med" len="med"/>
-            <a:tailEnd type="triangle" w="med" len="med"/>
-          </a:ln>
-        </p:spPr>
-        <p:style>
-          <a:lnRef idx="0">
-            <a:scrgbClr r="0" g="0" b="0"/>
-          </a:lnRef>
-          <a:fillRef idx="0">
-            <a:scrgbClr r="0" g="0" b="0"/>
-          </a:fillRef>
-          <a:effectRef idx="0">
-            <a:scrgbClr r="0" g="0" b="0"/>
-          </a:effectRef>
-          <a:fontRef idx="minor">
-            <a:schemeClr val="tx1"/>
-          </a:fontRef>
-        </p:style>
-      </p:cxnSp>
-      <p:cxnSp>
-        <p:nvCxnSpPr>
-          <p:cNvPr id="80" name="Elbow Connector 37"/>
-          <p:cNvCxnSpPr/>
-          <p:nvPr/>
-        </p:nvCxnSpPr>
-        <p:spPr>
-          <a:xfrm>
-            <a:off x="3504430" y="3767012"/>
-            <a:ext cx="2475316" cy="915780"/>
-          </a:xfrm>
-          <a:prstGeom prst="straightConnector1">
-            <a:avLst/>
-          </a:prstGeom>
-          <a:ln w="19050" cap="flat" cmpd="sng" algn="ctr">
-            <a:solidFill>
-              <a:schemeClr val="accent1"/>
-            </a:solidFill>
-            <a:prstDash val="dash"/>
-            <a:round/>
-            <a:headEnd type="none" w="med" len="med"/>
-            <a:tailEnd type="triangle" w="med" len="med"/>
-          </a:ln>
-        </p:spPr>
-        <p:style>
-          <a:lnRef idx="0">
-            <a:scrgbClr r="0" g="0" b="0"/>
-          </a:lnRef>
-          <a:fillRef idx="0">
-            <a:scrgbClr r="0" g="0" b="0"/>
-          </a:fillRef>
-          <a:effectRef idx="0">
-            <a:scrgbClr r="0" g="0" b="0"/>
-          </a:effectRef>
-          <a:fontRef idx="minor">
-            <a:schemeClr val="tx1"/>
-          </a:fontRef>
-        </p:style>
-      </p:cxnSp>
-      <p:sp>
-        <p:nvSpPr>
-          <p:cNvPr id="8" name="Rounded Rectangle 9"/>
-          <p:cNvSpPr/>
-          <p:nvPr/>
-        </p:nvSpPr>
-        <p:spPr>
-          <a:xfrm>
-            <a:off x="4449999" y="3233853"/>
-            <a:ext cx="1468649" cy="728495"/>
-          </a:xfrm>
-          <a:prstGeom prst="roundRect">
-            <a:avLst/>
-          </a:prstGeom>
-          <a:solidFill>
-            <a:schemeClr val="accent5">
-              <a:lumMod val="60000"/>
-              <a:lumOff val="40000"/>
-            </a:schemeClr>
-          </a:solidFill>
-          <a:ln>
-            <a:noFill/>
-          </a:ln>
-        </p:spPr>
-        <p:style>
-          <a:lnRef idx="0">
-            <a:scrgbClr r="0" g="0" b="0"/>
-          </a:lnRef>
-          <a:fillRef idx="0">
-            <a:scrgbClr r="0" g="0" b="0"/>
-          </a:fillRef>
-          <a:effectRef idx="0">
-            <a:scrgbClr r="0" g="0" b="0"/>
-          </a:effectRef>
-          <a:fontRef idx="minor">
-            <a:schemeClr val="lt1"/>
-          </a:fontRef>
-        </p:style>
-        <p:txBody>
-          <a:bodyPr rtlCol="0" anchor="ctr"/>
-          <a:lstStyle/>
-          <a:p>
-            <a:pPr algn="ctr"/>
-            <a:r>
-              <a:rPr lang="en-US" sz="1600" dirty="0"/>
               <a:t>Practitioner Role</a:t>
             </a:r>
             <a:endParaRPr lang="en-AU" sz="1600" dirty="0"/>
@@ -7484,7 +7468,7 @@
     </p:spTree>
     <p:extLst>
       <p:ext uri="{BB962C8B-B14F-4D97-AF65-F5344CB8AC3E}">
-        <p14:creationId xmlns:p14="http://schemas.microsoft.com/office/powerpoint/2010/main" val="2995983434"/>
+        <p14:creationId xmlns:p14="http://schemas.microsoft.com/office/powerpoint/2010/main" val="3766799555"/>
       </p:ext>
     </p:extLst>
   </p:cSld>
@@ -7775,105 +7759,6 @@
       </p:grpSpPr>
       <p:cxnSp>
         <p:nvCxnSpPr>
-          <p:cNvPr id="68" name="Elbow Connector 37"/>
-          <p:cNvCxnSpPr/>
-          <p:nvPr/>
-        </p:nvCxnSpPr>
-        <p:spPr>
-          <a:xfrm flipH="1">
-            <a:off x="7392918" y="3988403"/>
-            <a:ext cx="181668" cy="438057"/>
-          </a:xfrm>
-          <a:prstGeom prst="straightConnector1">
-            <a:avLst/>
-          </a:prstGeom>
-          <a:ln>
-            <a:tailEnd type="triangle"/>
-          </a:ln>
-        </p:spPr>
-        <p:style>
-          <a:lnRef idx="3">
-            <a:schemeClr val="dk1"/>
-          </a:lnRef>
-          <a:fillRef idx="0">
-            <a:schemeClr val="dk1"/>
-          </a:fillRef>
-          <a:effectRef idx="2">
-            <a:schemeClr val="dk1"/>
-          </a:effectRef>
-          <a:fontRef idx="minor">
-            <a:schemeClr val="tx1"/>
-          </a:fontRef>
-        </p:style>
-      </p:cxnSp>
-      <p:cxnSp>
-        <p:nvCxnSpPr>
-          <p:cNvPr id="74" name="Elbow Connector 37"/>
-          <p:cNvCxnSpPr/>
-          <p:nvPr/>
-        </p:nvCxnSpPr>
-        <p:spPr>
-          <a:xfrm>
-            <a:off x="5093063" y="4974114"/>
-            <a:ext cx="1094509" cy="0"/>
-          </a:xfrm>
-          <a:prstGeom prst="straightConnector1">
-            <a:avLst/>
-          </a:prstGeom>
-          <a:ln>
-            <a:tailEnd type="triangle"/>
-          </a:ln>
-        </p:spPr>
-        <p:style>
-          <a:lnRef idx="3">
-            <a:schemeClr val="dk1"/>
-          </a:lnRef>
-          <a:fillRef idx="0">
-            <a:schemeClr val="dk1"/>
-          </a:fillRef>
-          <a:effectRef idx="2">
-            <a:schemeClr val="dk1"/>
-          </a:effectRef>
-          <a:fontRef idx="minor">
-            <a:schemeClr val="tx1"/>
-          </a:fontRef>
-        </p:style>
-      </p:cxnSp>
-      <p:cxnSp>
-        <p:nvCxnSpPr>
-          <p:cNvPr id="80" name="Elbow Connector 37"/>
-          <p:cNvCxnSpPr/>
-          <p:nvPr/>
-        </p:nvCxnSpPr>
-        <p:spPr>
-          <a:xfrm>
-            <a:off x="3504430" y="3767012"/>
-            <a:ext cx="2475316" cy="915780"/>
-          </a:xfrm>
-          <a:prstGeom prst="straightConnector1">
-            <a:avLst/>
-          </a:prstGeom>
-          <a:ln>
-            <a:tailEnd type="triangle"/>
-          </a:ln>
-        </p:spPr>
-        <p:style>
-          <a:lnRef idx="3">
-            <a:schemeClr val="dk1"/>
-          </a:lnRef>
-          <a:fillRef idx="0">
-            <a:schemeClr val="dk1"/>
-          </a:fillRef>
-          <a:effectRef idx="2">
-            <a:schemeClr val="dk1"/>
-          </a:effectRef>
-          <a:fontRef idx="minor">
-            <a:schemeClr val="tx1"/>
-          </a:fontRef>
-        </p:style>
-      </p:cxnSp>
-      <p:cxnSp>
-        <p:nvCxnSpPr>
           <p:cNvPr id="76" name="Elbow Connector 37"/>
           <p:cNvCxnSpPr/>
           <p:nvPr/>
@@ -7886,19 +7771,25 @@
           <a:prstGeom prst="straightConnector1">
             <a:avLst/>
           </a:prstGeom>
-          <a:ln>
-            <a:tailEnd type="triangle"/>
-          </a:ln>
-        </p:spPr>
-        <p:style>
-          <a:lnRef idx="3">
-            <a:schemeClr val="dk1"/>
+          <a:ln w="19050" cap="flat" cmpd="sng" algn="ctr">
+            <a:solidFill>
+              <a:schemeClr val="accent1"/>
+            </a:solidFill>
+            <a:prstDash val="dash"/>
+            <a:round/>
+            <a:headEnd type="none" w="med" len="med"/>
+            <a:tailEnd type="triangle" w="med" len="med"/>
+          </a:ln>
+        </p:spPr>
+        <p:style>
+          <a:lnRef idx="0">
+            <a:scrgbClr r="0" g="0" b="0"/>
           </a:lnRef>
           <a:fillRef idx="0">
-            <a:schemeClr val="dk1"/>
-          </a:fillRef>
-          <a:effectRef idx="2">
-            <a:schemeClr val="dk1"/>
+            <a:scrgbClr r="0" g="0" b="0"/>
+          </a:fillRef>
+          <a:effectRef idx="0">
+            <a:scrgbClr r="0" g="0" b="0"/>
           </a:effectRef>
           <a:fontRef idx="minor">
             <a:schemeClr val="tx1"/>
@@ -8349,568 +8240,6 @@
         <p:spPr>
           <a:xfrm>
             <a:off x="6309028" y="4609867"/>
-            <a:ext cx="1468649" cy="728495"/>
-          </a:xfrm>
-          <a:prstGeom prst="roundRect">
-            <a:avLst/>
-          </a:prstGeom>
-          <a:solidFill>
-            <a:srgbClr val="CEE1F2"/>
-          </a:solidFill>
-          <a:ln cap="rnd">
-            <a:round/>
-          </a:ln>
-          <a:effectLst>
-            <a:outerShdw blurRad="50800" dist="38100" dir="2700000" algn="tl" rotWithShape="0">
-              <a:prstClr val="black">
-                <a:alpha val="40000"/>
-              </a:prstClr>
-            </a:outerShdw>
-          </a:effectLst>
-        </p:spPr>
-        <p:style>
-          <a:lnRef idx="2">
-            <a:schemeClr val="accent1">
-              <a:shade val="50000"/>
-            </a:schemeClr>
-          </a:lnRef>
-          <a:fillRef idx="1">
-            <a:schemeClr val="accent1"/>
-          </a:fillRef>
-          <a:effectRef idx="0">
-            <a:schemeClr val="accent1"/>
-          </a:effectRef>
-          <a:fontRef idx="minor">
-            <a:schemeClr val="lt1"/>
-          </a:fontRef>
-        </p:style>
-        <p:txBody>
-          <a:bodyPr rtlCol="0" anchor="ctr"/>
-          <a:lstStyle/>
-          <a:p>
-            <a:pPr algn="ctr"/>
-            <a:r>
-              <a:rPr lang="en-US" dirty="0">
-                <a:solidFill>
-                  <a:schemeClr val="tx1"/>
-                </a:solidFill>
-              </a:rPr>
-              <a:t>Endpoint</a:t>
-            </a:r>
-            <a:endParaRPr lang="en-AU" dirty="0">
-              <a:solidFill>
-                <a:schemeClr val="tx1"/>
-              </a:solidFill>
-            </a:endParaRPr>
-          </a:p>
-        </p:txBody>
-      </p:sp>
-      <p:sp>
-        <p:nvSpPr>
-          <p:cNvPr id="22" name="Rounded Rectangle 23"/>
-          <p:cNvSpPr/>
-          <p:nvPr/>
-        </p:nvSpPr>
-        <p:spPr>
-          <a:xfrm>
-            <a:off x="7814362" y="5879813"/>
-            <a:ext cx="1468649" cy="728495"/>
-          </a:xfrm>
-          <a:prstGeom prst="roundRect">
-            <a:avLst/>
-          </a:prstGeom>
-          <a:solidFill>
-            <a:schemeClr val="accent3">
-              <a:alpha val="50000"/>
-            </a:schemeClr>
-          </a:solidFill>
-          <a:ln>
-            <a:noFill/>
-          </a:ln>
-        </p:spPr>
-        <p:style>
-          <a:lnRef idx="0">
-            <a:scrgbClr r="0" g="0" b="0"/>
-          </a:lnRef>
-          <a:fillRef idx="0">
-            <a:scrgbClr r="0" g="0" b="0"/>
-          </a:fillRef>
-          <a:effectRef idx="0">
-            <a:scrgbClr r="0" g="0" b="0"/>
-          </a:effectRef>
-          <a:fontRef idx="minor">
-            <a:schemeClr val="lt1"/>
-          </a:fontRef>
-        </p:style>
-        <p:txBody>
-          <a:bodyPr lIns="36000" rIns="36000" rtlCol="0" anchor="ctr"/>
-          <a:lstStyle/>
-          <a:p>
-            <a:pPr algn="ctr"/>
-            <a:r>
-              <a:rPr lang="en-US" sz="1600" dirty="0"/>
-              <a:t>Questionnaire</a:t>
-            </a:r>
-            <a:endParaRPr lang="en-AU" sz="1600" dirty="0"/>
-          </a:p>
-        </p:txBody>
-      </p:sp>
-      <p:sp>
-        <p:nvSpPr>
-          <p:cNvPr id="23" name="Rounded Rectangle 24"/>
-          <p:cNvSpPr/>
-          <p:nvPr/>
-        </p:nvSpPr>
-        <p:spPr>
-          <a:xfrm>
-            <a:off x="9503227" y="5879813"/>
-            <a:ext cx="1468649" cy="728495"/>
-          </a:xfrm>
-          <a:prstGeom prst="roundRect">
-            <a:avLst/>
-          </a:prstGeom>
-          <a:solidFill>
-            <a:schemeClr val="accent3">
-              <a:alpha val="50000"/>
-            </a:schemeClr>
-          </a:solidFill>
-          <a:ln>
-            <a:noFill/>
-          </a:ln>
-        </p:spPr>
-        <p:style>
-          <a:lnRef idx="0">
-            <a:scrgbClr r="0" g="0" b="0"/>
-          </a:lnRef>
-          <a:fillRef idx="0">
-            <a:scrgbClr r="0" g="0" b="0"/>
-          </a:fillRef>
-          <a:effectRef idx="0">
-            <a:scrgbClr r="0" g="0" b="0"/>
-          </a:effectRef>
-          <a:fontRef idx="minor">
-            <a:schemeClr val="lt1"/>
-          </a:fontRef>
-        </p:style>
-        <p:txBody>
-          <a:bodyPr rtlCol="0" anchor="ctr"/>
-          <a:lstStyle/>
-          <a:p>
-            <a:r>
-              <a:rPr lang="en-US" sz="1600" dirty="0"/>
-              <a:t>…</a:t>
-            </a:r>
-            <a:endParaRPr lang="en-AU" sz="1600" dirty="0"/>
-          </a:p>
-        </p:txBody>
-      </p:sp>
-      <p:sp>
-        <p:nvSpPr>
-          <p:cNvPr id="24" name="Rounded Rectangle 26"/>
-          <p:cNvSpPr/>
-          <p:nvPr/>
-        </p:nvSpPr>
-        <p:spPr>
-          <a:xfrm>
-            <a:off x="1058910" y="5879813"/>
-            <a:ext cx="1468649" cy="728495"/>
-          </a:xfrm>
-          <a:prstGeom prst="roundRect">
-            <a:avLst/>
-          </a:prstGeom>
-        </p:spPr>
-        <p:style>
-          <a:lnRef idx="0">
-            <a:schemeClr val="accent3"/>
-          </a:lnRef>
-          <a:fillRef idx="3">
-            <a:schemeClr val="accent3"/>
-          </a:fillRef>
-          <a:effectRef idx="3">
-            <a:schemeClr val="accent3"/>
-          </a:effectRef>
-          <a:fontRef idx="minor">
-            <a:schemeClr val="lt1"/>
-          </a:fontRef>
-        </p:style>
-        <p:txBody>
-          <a:bodyPr rtlCol="0" anchor="ctr"/>
-          <a:lstStyle/>
-          <a:p>
-            <a:pPr algn="ctr"/>
-            <a:r>
-              <a:rPr lang="en-US" sz="1600" dirty="0"/>
-              <a:t>Document Reference</a:t>
-            </a:r>
-            <a:endParaRPr lang="en-AU" sz="1600" dirty="0"/>
-          </a:p>
-        </p:txBody>
-      </p:sp>
-      <p:sp>
-        <p:nvSpPr>
-          <p:cNvPr id="4" name="Rounded Rectangle 5"/>
-          <p:cNvSpPr/>
-          <p:nvPr/>
-        </p:nvSpPr>
-        <p:spPr>
-          <a:xfrm>
-            <a:off x="3766162" y="1866667"/>
-            <a:ext cx="1468649" cy="728495"/>
-          </a:xfrm>
-          <a:prstGeom prst="roundRect">
-            <a:avLst/>
-          </a:prstGeom>
-          <a:solidFill>
-            <a:srgbClr val="CEE1F2"/>
-          </a:solidFill>
-          <a:ln cap="rnd">
-            <a:round/>
-          </a:ln>
-          <a:effectLst>
-            <a:outerShdw blurRad="50800" dist="38100" dir="2700000" algn="tl" rotWithShape="0">
-              <a:prstClr val="black">
-                <a:alpha val="40000"/>
-              </a:prstClr>
-            </a:outerShdw>
-          </a:effectLst>
-        </p:spPr>
-        <p:style>
-          <a:lnRef idx="2">
-            <a:schemeClr val="accent1">
-              <a:shade val="50000"/>
-            </a:schemeClr>
-          </a:lnRef>
-          <a:fillRef idx="1">
-            <a:schemeClr val="accent1"/>
-          </a:fillRef>
-          <a:effectRef idx="0">
-            <a:schemeClr val="accent1"/>
-          </a:effectRef>
-          <a:fontRef idx="minor">
-            <a:schemeClr val="lt1"/>
-          </a:fontRef>
-        </p:style>
-        <p:txBody>
-          <a:bodyPr rtlCol="0" anchor="ctr"/>
-          <a:lstStyle/>
-          <a:p>
-            <a:pPr algn="ctr"/>
-            <a:r>
-              <a:rPr lang="en-US" dirty="0">
-                <a:solidFill>
-                  <a:schemeClr val="tx1"/>
-                </a:solidFill>
-              </a:rPr>
-              <a:t>Organization</a:t>
-            </a:r>
-            <a:endParaRPr lang="en-AU" dirty="0">
-              <a:solidFill>
-                <a:schemeClr val="tx1"/>
-              </a:solidFill>
-            </a:endParaRPr>
-          </a:p>
-        </p:txBody>
-      </p:sp>
-      <p:sp>
-        <p:nvSpPr>
-          <p:cNvPr id="5" name="Rounded Rectangle 6"/>
-          <p:cNvSpPr/>
-          <p:nvPr/>
-        </p:nvSpPr>
-        <p:spPr>
-          <a:xfrm>
-            <a:off x="2071253" y="3233853"/>
-            <a:ext cx="1468649" cy="728495"/>
-          </a:xfrm>
-          <a:prstGeom prst="roundRect">
-            <a:avLst/>
-          </a:prstGeom>
-          <a:solidFill>
-            <a:srgbClr val="CEE1F2"/>
-          </a:solidFill>
-          <a:ln cap="rnd">
-            <a:round/>
-          </a:ln>
-          <a:effectLst>
-            <a:outerShdw blurRad="50800" dist="38100" dir="2700000" algn="tl" rotWithShape="0">
-              <a:prstClr val="black">
-                <a:alpha val="40000"/>
-              </a:prstClr>
-            </a:outerShdw>
-          </a:effectLst>
-        </p:spPr>
-        <p:style>
-          <a:lnRef idx="2">
-            <a:schemeClr val="accent1">
-              <a:shade val="50000"/>
-            </a:schemeClr>
-          </a:lnRef>
-          <a:fillRef idx="1">
-            <a:schemeClr val="accent1"/>
-          </a:fillRef>
-          <a:effectRef idx="0">
-            <a:schemeClr val="accent1"/>
-          </a:effectRef>
-          <a:fontRef idx="minor">
-            <a:schemeClr val="lt1"/>
-          </a:fontRef>
-        </p:style>
-        <p:txBody>
-          <a:bodyPr rtlCol="0" anchor="ctr"/>
-          <a:lstStyle/>
-          <a:p>
-            <a:pPr algn="ctr"/>
-            <a:r>
-              <a:rPr lang="en-US" dirty="0">
-                <a:solidFill>
-                  <a:schemeClr val="tx1"/>
-                </a:solidFill>
-              </a:rPr>
-              <a:t>Location</a:t>
-            </a:r>
-            <a:endParaRPr lang="en-AU" dirty="0">
-              <a:solidFill>
-                <a:schemeClr val="tx1"/>
-              </a:solidFill>
-            </a:endParaRPr>
-          </a:p>
-        </p:txBody>
-      </p:sp>
-      <p:sp>
-        <p:nvSpPr>
-          <p:cNvPr id="6" name="Rounded Rectangle 7"/>
-          <p:cNvSpPr/>
-          <p:nvPr/>
-        </p:nvSpPr>
-        <p:spPr>
-          <a:xfrm>
-            <a:off x="6785901" y="3233853"/>
-            <a:ext cx="1468649" cy="728495"/>
-          </a:xfrm>
-          <a:prstGeom prst="roundRect">
-            <a:avLst/>
-          </a:prstGeom>
-          <a:solidFill>
-            <a:srgbClr val="CEE1F2"/>
-          </a:solidFill>
-          <a:ln cap="rnd">
-            <a:round/>
-          </a:ln>
-          <a:effectLst>
-            <a:outerShdw blurRad="50800" dist="38100" dir="2700000" algn="tl" rotWithShape="0">
-              <a:prstClr val="black">
-                <a:alpha val="40000"/>
-              </a:prstClr>
-            </a:outerShdw>
-          </a:effectLst>
-        </p:spPr>
-        <p:style>
-          <a:lnRef idx="2">
-            <a:schemeClr val="accent1">
-              <a:shade val="50000"/>
-            </a:schemeClr>
-          </a:lnRef>
-          <a:fillRef idx="1">
-            <a:schemeClr val="accent1"/>
-          </a:fillRef>
-          <a:effectRef idx="0">
-            <a:schemeClr val="accent1"/>
-          </a:effectRef>
-          <a:fontRef idx="minor">
-            <a:schemeClr val="lt1"/>
-          </a:fontRef>
-        </p:style>
-        <p:txBody>
-          <a:bodyPr rtlCol="0" anchor="ctr"/>
-          <a:lstStyle/>
-          <a:p>
-            <a:pPr algn="ctr"/>
-            <a:r>
-              <a:rPr lang="en-US" dirty="0">
-                <a:solidFill>
-                  <a:schemeClr val="tx1"/>
-                </a:solidFill>
-              </a:rPr>
-              <a:t>Practitioner</a:t>
-            </a:r>
-          </a:p>
-          <a:p>
-            <a:pPr algn="ctr"/>
-            <a:endParaRPr lang="en-AU" dirty="0">
-              <a:solidFill>
-                <a:schemeClr val="tx1"/>
-              </a:solidFill>
-            </a:endParaRPr>
-          </a:p>
-        </p:txBody>
-      </p:sp>
-      <p:sp>
-        <p:nvSpPr>
-          <p:cNvPr id="7" name="Rounded Rectangle 8"/>
-          <p:cNvSpPr/>
-          <p:nvPr/>
-        </p:nvSpPr>
-        <p:spPr>
-          <a:xfrm>
-            <a:off x="3766162" y="4609867"/>
-            <a:ext cx="1468649" cy="728495"/>
-          </a:xfrm>
-          <a:prstGeom prst="roundRect">
-            <a:avLst/>
-          </a:prstGeom>
-          <a:solidFill>
-            <a:srgbClr val="CEE1F2"/>
-          </a:solidFill>
-          <a:ln cap="rnd">
-            <a:round/>
-          </a:ln>
-          <a:effectLst>
-            <a:outerShdw blurRad="50800" dist="38100" dir="2700000" algn="tl" rotWithShape="0">
-              <a:prstClr val="black">
-                <a:alpha val="40000"/>
-              </a:prstClr>
-            </a:outerShdw>
-          </a:effectLst>
-        </p:spPr>
-        <p:style>
-          <a:lnRef idx="2">
-            <a:schemeClr val="accent1">
-              <a:shade val="50000"/>
-            </a:schemeClr>
-          </a:lnRef>
-          <a:fillRef idx="1">
-            <a:schemeClr val="accent1"/>
-          </a:fillRef>
-          <a:effectRef idx="0">
-            <a:schemeClr val="accent1"/>
-          </a:effectRef>
-          <a:fontRef idx="minor">
-            <a:schemeClr val="lt1"/>
-          </a:fontRef>
-        </p:style>
-        <p:txBody>
-          <a:bodyPr rtlCol="0" anchor="ctr"/>
-          <a:lstStyle/>
-          <a:p>
-            <a:pPr algn="ctr"/>
-            <a:r>
-              <a:rPr lang="en-US" dirty="0">
-                <a:solidFill>
-                  <a:schemeClr val="tx1"/>
-                </a:solidFill>
-              </a:rPr>
-              <a:t>Healthcare Service</a:t>
-            </a:r>
-            <a:endParaRPr lang="en-AU" dirty="0">
-              <a:solidFill>
-                <a:schemeClr val="tx1"/>
-              </a:solidFill>
-            </a:endParaRPr>
-          </a:p>
-        </p:txBody>
-      </p:sp>
-      <p:sp>
-        <p:nvSpPr>
-          <p:cNvPr id="34" name="Rounded Rectangle 36"/>
-          <p:cNvSpPr/>
-          <p:nvPr/>
-        </p:nvSpPr>
-        <p:spPr>
-          <a:xfrm>
-            <a:off x="7253084" y="3682138"/>
-            <a:ext cx="909353" cy="405321"/>
-          </a:xfrm>
-          <a:prstGeom prst="roundRect">
-            <a:avLst/>
-          </a:prstGeom>
-          <a:solidFill>
-            <a:srgbClr val="71A7D9"/>
-          </a:solidFill>
-          <a:ln cap="rnd">
-            <a:round/>
-          </a:ln>
-          <a:effectLst>
-            <a:outerShdw blurRad="50800" dist="38100" dir="2700000" algn="tl" rotWithShape="0">
-              <a:prstClr val="black">
-                <a:alpha val="40000"/>
-              </a:prstClr>
-            </a:outerShdw>
-          </a:effectLst>
-        </p:spPr>
-        <p:style>
-          <a:lnRef idx="2">
-            <a:schemeClr val="accent1">
-              <a:shade val="50000"/>
-            </a:schemeClr>
-          </a:lnRef>
-          <a:fillRef idx="1">
-            <a:schemeClr val="accent1"/>
-          </a:fillRef>
-          <a:effectRef idx="0">
-            <a:schemeClr val="accent1"/>
-          </a:effectRef>
-          <a:fontRef idx="minor">
-            <a:schemeClr val="lt1"/>
-          </a:fontRef>
-        </p:style>
-        <p:txBody>
-          <a:bodyPr rtlCol="0" anchor="ctr"/>
-          <a:lstStyle/>
-          <a:p>
-            <a:pPr algn="ctr"/>
-            <a:r>
-              <a:rPr lang="en-US" dirty="0">
-                <a:solidFill>
-                  <a:schemeClr val="tx1"/>
-                </a:solidFill>
-              </a:rPr>
-              <a:t>Role</a:t>
-            </a:r>
-          </a:p>
-        </p:txBody>
-      </p:sp>
-      <p:cxnSp>
-        <p:nvCxnSpPr>
-          <p:cNvPr id="71" name="Elbow Connector 37"/>
-          <p:cNvCxnSpPr/>
-          <p:nvPr/>
-        </p:nvCxnSpPr>
-        <p:spPr>
-          <a:xfrm>
-            <a:off x="5771920" y="3884798"/>
-            <a:ext cx="415652" cy="463854"/>
-          </a:xfrm>
-          <a:prstGeom prst="straightConnector1">
-            <a:avLst/>
-          </a:prstGeom>
-          <a:ln>
-            <a:tailEnd type="triangle"/>
-          </a:ln>
-        </p:spPr>
-        <p:style>
-          <a:lnRef idx="3">
-            <a:schemeClr val="dk1"/>
-          </a:lnRef>
-          <a:fillRef idx="0">
-            <a:schemeClr val="dk1"/>
-          </a:fillRef>
-          <a:effectRef idx="2">
-            <a:schemeClr val="dk1"/>
-          </a:effectRef>
-          <a:fontRef idx="minor">
-            <a:schemeClr val="tx1"/>
-          </a:fontRef>
-        </p:style>
-      </p:cxnSp>
-      <p:sp>
-        <p:nvSpPr>
-          <p:cNvPr id="8" name="Rounded Rectangle 9"/>
-          <p:cNvSpPr/>
-          <p:nvPr/>
-        </p:nvSpPr>
-        <p:spPr>
-          <a:xfrm>
-            <a:off x="4449999" y="3233853"/>
             <a:ext cx="1468649" cy="728495"/>
           </a:xfrm>
           <a:prstGeom prst="roundRect">
@@ -8947,6 +8276,677 @@
             <a:pPr algn="ctr"/>
             <a:r>
               <a:rPr lang="en-US" sz="1600" dirty="0"/>
+              <a:t>Endpoint</a:t>
+            </a:r>
+            <a:endParaRPr lang="en-AU" sz="1600" dirty="0"/>
+          </a:p>
+        </p:txBody>
+      </p:sp>
+      <p:sp>
+        <p:nvSpPr>
+          <p:cNvPr id="22" name="Rounded Rectangle 23"/>
+          <p:cNvSpPr/>
+          <p:nvPr/>
+        </p:nvSpPr>
+        <p:spPr>
+          <a:xfrm>
+            <a:off x="7814362" y="5879813"/>
+            <a:ext cx="1468649" cy="728495"/>
+          </a:xfrm>
+          <a:prstGeom prst="roundRect">
+            <a:avLst/>
+          </a:prstGeom>
+          <a:solidFill>
+            <a:schemeClr val="accent3">
+              <a:alpha val="50000"/>
+            </a:schemeClr>
+          </a:solidFill>
+          <a:ln>
+            <a:noFill/>
+          </a:ln>
+        </p:spPr>
+        <p:style>
+          <a:lnRef idx="0">
+            <a:scrgbClr r="0" g="0" b="0"/>
+          </a:lnRef>
+          <a:fillRef idx="0">
+            <a:scrgbClr r="0" g="0" b="0"/>
+          </a:fillRef>
+          <a:effectRef idx="0">
+            <a:scrgbClr r="0" g="0" b="0"/>
+          </a:effectRef>
+          <a:fontRef idx="minor">
+            <a:schemeClr val="lt1"/>
+          </a:fontRef>
+        </p:style>
+        <p:txBody>
+          <a:bodyPr lIns="36000" rIns="36000" rtlCol="0" anchor="ctr"/>
+          <a:lstStyle/>
+          <a:p>
+            <a:pPr algn="ctr"/>
+            <a:r>
+              <a:rPr lang="en-US" sz="1600" dirty="0"/>
+              <a:t>Questionnaire</a:t>
+            </a:r>
+            <a:endParaRPr lang="en-AU" sz="1600" dirty="0"/>
+          </a:p>
+        </p:txBody>
+      </p:sp>
+      <p:sp>
+        <p:nvSpPr>
+          <p:cNvPr id="23" name="Rounded Rectangle 24"/>
+          <p:cNvSpPr/>
+          <p:nvPr/>
+        </p:nvSpPr>
+        <p:spPr>
+          <a:xfrm>
+            <a:off x="9503227" y="5879813"/>
+            <a:ext cx="1468649" cy="728495"/>
+          </a:xfrm>
+          <a:prstGeom prst="roundRect">
+            <a:avLst/>
+          </a:prstGeom>
+          <a:solidFill>
+            <a:schemeClr val="accent3">
+              <a:alpha val="50000"/>
+            </a:schemeClr>
+          </a:solidFill>
+          <a:ln>
+            <a:noFill/>
+          </a:ln>
+        </p:spPr>
+        <p:style>
+          <a:lnRef idx="0">
+            <a:scrgbClr r="0" g="0" b="0"/>
+          </a:lnRef>
+          <a:fillRef idx="0">
+            <a:scrgbClr r="0" g="0" b="0"/>
+          </a:fillRef>
+          <a:effectRef idx="0">
+            <a:scrgbClr r="0" g="0" b="0"/>
+          </a:effectRef>
+          <a:fontRef idx="minor">
+            <a:schemeClr val="lt1"/>
+          </a:fontRef>
+        </p:style>
+        <p:txBody>
+          <a:bodyPr rtlCol="0" anchor="ctr"/>
+          <a:lstStyle/>
+          <a:p>
+            <a:r>
+              <a:rPr lang="en-US" sz="1600" dirty="0"/>
+              <a:t>…</a:t>
+            </a:r>
+            <a:endParaRPr lang="en-AU" sz="1600" dirty="0"/>
+          </a:p>
+        </p:txBody>
+      </p:sp>
+      <p:sp>
+        <p:nvSpPr>
+          <p:cNvPr id="24" name="Rounded Rectangle 26"/>
+          <p:cNvSpPr/>
+          <p:nvPr/>
+        </p:nvSpPr>
+        <p:spPr>
+          <a:xfrm>
+            <a:off x="1058910" y="5879813"/>
+            <a:ext cx="1468649" cy="728495"/>
+          </a:xfrm>
+          <a:prstGeom prst="roundRect">
+            <a:avLst/>
+          </a:prstGeom>
+        </p:spPr>
+        <p:style>
+          <a:lnRef idx="0">
+            <a:schemeClr val="accent3"/>
+          </a:lnRef>
+          <a:fillRef idx="3">
+            <a:schemeClr val="accent3"/>
+          </a:fillRef>
+          <a:effectRef idx="3">
+            <a:schemeClr val="accent3"/>
+          </a:effectRef>
+          <a:fontRef idx="minor">
+            <a:schemeClr val="lt1"/>
+          </a:fontRef>
+        </p:style>
+        <p:txBody>
+          <a:bodyPr rtlCol="0" anchor="ctr"/>
+          <a:lstStyle/>
+          <a:p>
+            <a:pPr algn="ctr"/>
+            <a:r>
+              <a:rPr lang="en-US" sz="1600" dirty="0"/>
+              <a:t>Document Reference</a:t>
+            </a:r>
+            <a:endParaRPr lang="en-AU" sz="1600" dirty="0"/>
+          </a:p>
+        </p:txBody>
+      </p:sp>
+      <p:sp>
+        <p:nvSpPr>
+          <p:cNvPr id="4" name="Rounded Rectangle 5"/>
+          <p:cNvSpPr/>
+          <p:nvPr/>
+        </p:nvSpPr>
+        <p:spPr>
+          <a:xfrm>
+            <a:off x="3766162" y="1866667"/>
+            <a:ext cx="1468649" cy="728495"/>
+          </a:xfrm>
+          <a:prstGeom prst="roundRect">
+            <a:avLst/>
+          </a:prstGeom>
+          <a:solidFill>
+            <a:srgbClr val="CEE1F2"/>
+          </a:solidFill>
+          <a:ln cap="rnd">
+            <a:round/>
+          </a:ln>
+          <a:effectLst>
+            <a:outerShdw blurRad="50800" dist="38100" dir="2700000" algn="tl" rotWithShape="0">
+              <a:prstClr val="black">
+                <a:alpha val="40000"/>
+              </a:prstClr>
+            </a:outerShdw>
+          </a:effectLst>
+        </p:spPr>
+        <p:style>
+          <a:lnRef idx="2">
+            <a:schemeClr val="accent1">
+              <a:shade val="50000"/>
+            </a:schemeClr>
+          </a:lnRef>
+          <a:fillRef idx="1">
+            <a:schemeClr val="accent1"/>
+          </a:fillRef>
+          <a:effectRef idx="0">
+            <a:schemeClr val="accent1"/>
+          </a:effectRef>
+          <a:fontRef idx="minor">
+            <a:schemeClr val="lt1"/>
+          </a:fontRef>
+        </p:style>
+        <p:txBody>
+          <a:bodyPr rtlCol="0" anchor="ctr"/>
+          <a:lstStyle/>
+          <a:p>
+            <a:pPr algn="ctr"/>
+            <a:r>
+              <a:rPr lang="en-US" dirty="0">
+                <a:solidFill>
+                  <a:schemeClr val="tx1"/>
+                </a:solidFill>
+              </a:rPr>
+              <a:t>Organization</a:t>
+            </a:r>
+            <a:endParaRPr lang="en-AU" dirty="0">
+              <a:solidFill>
+                <a:schemeClr val="tx1"/>
+              </a:solidFill>
+            </a:endParaRPr>
+          </a:p>
+        </p:txBody>
+      </p:sp>
+      <p:sp>
+        <p:nvSpPr>
+          <p:cNvPr id="5" name="Rounded Rectangle 6"/>
+          <p:cNvSpPr/>
+          <p:nvPr/>
+        </p:nvSpPr>
+        <p:spPr>
+          <a:xfrm>
+            <a:off x="2071253" y="3233853"/>
+            <a:ext cx="1468649" cy="728495"/>
+          </a:xfrm>
+          <a:prstGeom prst="roundRect">
+            <a:avLst/>
+          </a:prstGeom>
+          <a:solidFill>
+            <a:srgbClr val="CEE1F2"/>
+          </a:solidFill>
+          <a:ln cap="rnd">
+            <a:round/>
+          </a:ln>
+          <a:effectLst>
+            <a:outerShdw blurRad="50800" dist="38100" dir="2700000" algn="tl" rotWithShape="0">
+              <a:prstClr val="black">
+                <a:alpha val="40000"/>
+              </a:prstClr>
+            </a:outerShdw>
+          </a:effectLst>
+        </p:spPr>
+        <p:style>
+          <a:lnRef idx="2">
+            <a:schemeClr val="accent1">
+              <a:shade val="50000"/>
+            </a:schemeClr>
+          </a:lnRef>
+          <a:fillRef idx="1">
+            <a:schemeClr val="accent1"/>
+          </a:fillRef>
+          <a:effectRef idx="0">
+            <a:schemeClr val="accent1"/>
+          </a:effectRef>
+          <a:fontRef idx="minor">
+            <a:schemeClr val="lt1"/>
+          </a:fontRef>
+        </p:style>
+        <p:txBody>
+          <a:bodyPr rtlCol="0" anchor="ctr"/>
+          <a:lstStyle/>
+          <a:p>
+            <a:pPr algn="ctr"/>
+            <a:r>
+              <a:rPr lang="en-US" dirty="0">
+                <a:solidFill>
+                  <a:schemeClr val="tx1"/>
+                </a:solidFill>
+              </a:rPr>
+              <a:t>Location</a:t>
+            </a:r>
+            <a:endParaRPr lang="en-AU" dirty="0">
+              <a:solidFill>
+                <a:schemeClr val="tx1"/>
+              </a:solidFill>
+            </a:endParaRPr>
+          </a:p>
+        </p:txBody>
+      </p:sp>
+      <p:sp>
+        <p:nvSpPr>
+          <p:cNvPr id="6" name="Rounded Rectangle 7"/>
+          <p:cNvSpPr/>
+          <p:nvPr/>
+        </p:nvSpPr>
+        <p:spPr>
+          <a:xfrm>
+            <a:off x="6785901" y="3233853"/>
+            <a:ext cx="1468649" cy="728495"/>
+          </a:xfrm>
+          <a:prstGeom prst="roundRect">
+            <a:avLst/>
+          </a:prstGeom>
+          <a:solidFill>
+            <a:srgbClr val="CEE1F2"/>
+          </a:solidFill>
+          <a:ln cap="rnd">
+            <a:round/>
+          </a:ln>
+          <a:effectLst>
+            <a:outerShdw blurRad="50800" dist="38100" dir="2700000" algn="tl" rotWithShape="0">
+              <a:prstClr val="black">
+                <a:alpha val="40000"/>
+              </a:prstClr>
+            </a:outerShdw>
+          </a:effectLst>
+        </p:spPr>
+        <p:style>
+          <a:lnRef idx="2">
+            <a:schemeClr val="accent1">
+              <a:shade val="50000"/>
+            </a:schemeClr>
+          </a:lnRef>
+          <a:fillRef idx="1">
+            <a:schemeClr val="accent1"/>
+          </a:fillRef>
+          <a:effectRef idx="0">
+            <a:schemeClr val="accent1"/>
+          </a:effectRef>
+          <a:fontRef idx="minor">
+            <a:schemeClr val="lt1"/>
+          </a:fontRef>
+        </p:style>
+        <p:txBody>
+          <a:bodyPr rtlCol="0" anchor="ctr"/>
+          <a:lstStyle/>
+          <a:p>
+            <a:pPr algn="ctr"/>
+            <a:r>
+              <a:rPr lang="en-US" dirty="0">
+                <a:solidFill>
+                  <a:schemeClr val="tx1"/>
+                </a:solidFill>
+              </a:rPr>
+              <a:t>Practitioner</a:t>
+            </a:r>
+          </a:p>
+          <a:p>
+            <a:pPr algn="ctr"/>
+            <a:endParaRPr lang="en-AU" dirty="0">
+              <a:solidFill>
+                <a:schemeClr val="tx1"/>
+              </a:solidFill>
+            </a:endParaRPr>
+          </a:p>
+        </p:txBody>
+      </p:sp>
+      <p:sp>
+        <p:nvSpPr>
+          <p:cNvPr id="7" name="Rounded Rectangle 8"/>
+          <p:cNvSpPr/>
+          <p:nvPr/>
+        </p:nvSpPr>
+        <p:spPr>
+          <a:xfrm>
+            <a:off x="3766162" y="4609867"/>
+            <a:ext cx="1468649" cy="728495"/>
+          </a:xfrm>
+          <a:prstGeom prst="roundRect">
+            <a:avLst/>
+          </a:prstGeom>
+          <a:solidFill>
+            <a:srgbClr val="CEE1F2"/>
+          </a:solidFill>
+          <a:ln cap="rnd">
+            <a:round/>
+          </a:ln>
+          <a:effectLst>
+            <a:outerShdw blurRad="50800" dist="38100" dir="2700000" algn="tl" rotWithShape="0">
+              <a:prstClr val="black">
+                <a:alpha val="40000"/>
+              </a:prstClr>
+            </a:outerShdw>
+          </a:effectLst>
+        </p:spPr>
+        <p:style>
+          <a:lnRef idx="2">
+            <a:schemeClr val="accent1">
+              <a:shade val="50000"/>
+            </a:schemeClr>
+          </a:lnRef>
+          <a:fillRef idx="1">
+            <a:schemeClr val="accent1"/>
+          </a:fillRef>
+          <a:effectRef idx="0">
+            <a:schemeClr val="accent1"/>
+          </a:effectRef>
+          <a:fontRef idx="minor">
+            <a:schemeClr val="lt1"/>
+          </a:fontRef>
+        </p:style>
+        <p:txBody>
+          <a:bodyPr rtlCol="0" anchor="ctr"/>
+          <a:lstStyle/>
+          <a:p>
+            <a:pPr algn="ctr"/>
+            <a:r>
+              <a:rPr lang="en-US" dirty="0">
+                <a:solidFill>
+                  <a:schemeClr val="tx1"/>
+                </a:solidFill>
+              </a:rPr>
+              <a:t>Healthcare Service</a:t>
+            </a:r>
+            <a:endParaRPr lang="en-AU" dirty="0">
+              <a:solidFill>
+                <a:schemeClr val="tx1"/>
+              </a:solidFill>
+            </a:endParaRPr>
+          </a:p>
+        </p:txBody>
+      </p:sp>
+      <p:sp>
+        <p:nvSpPr>
+          <p:cNvPr id="34" name="Rounded Rectangle 36"/>
+          <p:cNvSpPr/>
+          <p:nvPr/>
+        </p:nvSpPr>
+        <p:spPr>
+          <a:xfrm>
+            <a:off x="7253084" y="3682138"/>
+            <a:ext cx="909353" cy="405321"/>
+          </a:xfrm>
+          <a:prstGeom prst="roundRect">
+            <a:avLst/>
+          </a:prstGeom>
+          <a:solidFill>
+            <a:srgbClr val="71A7D9"/>
+          </a:solidFill>
+          <a:ln cap="rnd">
+            <a:round/>
+          </a:ln>
+          <a:effectLst>
+            <a:outerShdw blurRad="50800" dist="38100" dir="2700000" algn="tl" rotWithShape="0">
+              <a:prstClr val="black">
+                <a:alpha val="40000"/>
+              </a:prstClr>
+            </a:outerShdw>
+          </a:effectLst>
+        </p:spPr>
+        <p:style>
+          <a:lnRef idx="2">
+            <a:schemeClr val="accent1">
+              <a:shade val="50000"/>
+            </a:schemeClr>
+          </a:lnRef>
+          <a:fillRef idx="1">
+            <a:schemeClr val="accent1"/>
+          </a:fillRef>
+          <a:effectRef idx="0">
+            <a:schemeClr val="accent1"/>
+          </a:effectRef>
+          <a:fontRef idx="minor">
+            <a:schemeClr val="lt1"/>
+          </a:fontRef>
+        </p:style>
+        <p:txBody>
+          <a:bodyPr rtlCol="0" anchor="ctr"/>
+          <a:lstStyle/>
+          <a:p>
+            <a:pPr algn="ctr"/>
+            <a:r>
+              <a:rPr lang="en-US" dirty="0">
+                <a:solidFill>
+                  <a:schemeClr val="tx1"/>
+                </a:solidFill>
+              </a:rPr>
+              <a:t>Role</a:t>
+            </a:r>
+          </a:p>
+        </p:txBody>
+      </p:sp>
+      <p:cxnSp>
+        <p:nvCxnSpPr>
+          <p:cNvPr id="68" name="Elbow Connector 37"/>
+          <p:cNvCxnSpPr/>
+          <p:nvPr/>
+        </p:nvCxnSpPr>
+        <p:spPr>
+          <a:xfrm flipH="1">
+            <a:off x="7392918" y="3988403"/>
+            <a:ext cx="181668" cy="438057"/>
+          </a:xfrm>
+          <a:prstGeom prst="straightConnector1">
+            <a:avLst/>
+          </a:prstGeom>
+          <a:ln w="19050" cap="flat" cmpd="sng" algn="ctr">
+            <a:solidFill>
+              <a:schemeClr val="accent1"/>
+            </a:solidFill>
+            <a:prstDash val="dash"/>
+            <a:round/>
+            <a:headEnd type="none" w="med" len="med"/>
+            <a:tailEnd type="triangle" w="med" len="med"/>
+          </a:ln>
+        </p:spPr>
+        <p:style>
+          <a:lnRef idx="0">
+            <a:scrgbClr r="0" g="0" b="0"/>
+          </a:lnRef>
+          <a:fillRef idx="0">
+            <a:scrgbClr r="0" g="0" b="0"/>
+          </a:fillRef>
+          <a:effectRef idx="0">
+            <a:scrgbClr r="0" g="0" b="0"/>
+          </a:effectRef>
+          <a:fontRef idx="minor">
+            <a:schemeClr val="tx1"/>
+          </a:fontRef>
+        </p:style>
+      </p:cxnSp>
+      <p:cxnSp>
+        <p:nvCxnSpPr>
+          <p:cNvPr id="71" name="Elbow Connector 37"/>
+          <p:cNvCxnSpPr/>
+          <p:nvPr/>
+        </p:nvCxnSpPr>
+        <p:spPr>
+          <a:xfrm>
+            <a:off x="5771920" y="3884798"/>
+            <a:ext cx="415652" cy="463854"/>
+          </a:xfrm>
+          <a:prstGeom prst="straightConnector1">
+            <a:avLst/>
+          </a:prstGeom>
+          <a:ln w="19050" cap="flat" cmpd="sng" algn="ctr">
+            <a:solidFill>
+              <a:schemeClr val="accent1"/>
+            </a:solidFill>
+            <a:prstDash val="dash"/>
+            <a:round/>
+            <a:headEnd type="none" w="med" len="med"/>
+            <a:tailEnd type="triangle" w="med" len="med"/>
+          </a:ln>
+        </p:spPr>
+        <p:style>
+          <a:lnRef idx="0">
+            <a:scrgbClr r="0" g="0" b="0"/>
+          </a:lnRef>
+          <a:fillRef idx="0">
+            <a:scrgbClr r="0" g="0" b="0"/>
+          </a:fillRef>
+          <a:effectRef idx="0">
+            <a:scrgbClr r="0" g="0" b="0"/>
+          </a:effectRef>
+          <a:fontRef idx="minor">
+            <a:schemeClr val="tx1"/>
+          </a:fontRef>
+        </p:style>
+      </p:cxnSp>
+      <p:cxnSp>
+        <p:nvCxnSpPr>
+          <p:cNvPr id="74" name="Elbow Connector 37"/>
+          <p:cNvCxnSpPr/>
+          <p:nvPr/>
+        </p:nvCxnSpPr>
+        <p:spPr>
+          <a:xfrm>
+            <a:off x="5093063" y="4974114"/>
+            <a:ext cx="1094509" cy="0"/>
+          </a:xfrm>
+          <a:prstGeom prst="straightConnector1">
+            <a:avLst/>
+          </a:prstGeom>
+          <a:ln w="19050" cap="flat" cmpd="sng" algn="ctr">
+            <a:solidFill>
+              <a:schemeClr val="accent1"/>
+            </a:solidFill>
+            <a:prstDash val="dash"/>
+            <a:round/>
+            <a:headEnd type="none" w="med" len="med"/>
+            <a:tailEnd type="triangle" w="med" len="med"/>
+          </a:ln>
+        </p:spPr>
+        <p:style>
+          <a:lnRef idx="0">
+            <a:scrgbClr r="0" g="0" b="0"/>
+          </a:lnRef>
+          <a:fillRef idx="0">
+            <a:scrgbClr r="0" g="0" b="0"/>
+          </a:fillRef>
+          <a:effectRef idx="0">
+            <a:scrgbClr r="0" g="0" b="0"/>
+          </a:effectRef>
+          <a:fontRef idx="minor">
+            <a:schemeClr val="tx1"/>
+          </a:fontRef>
+        </p:style>
+      </p:cxnSp>
+      <p:cxnSp>
+        <p:nvCxnSpPr>
+          <p:cNvPr id="80" name="Elbow Connector 37"/>
+          <p:cNvCxnSpPr/>
+          <p:nvPr/>
+        </p:nvCxnSpPr>
+        <p:spPr>
+          <a:xfrm>
+            <a:off x="3504430" y="3767012"/>
+            <a:ext cx="2475316" cy="915780"/>
+          </a:xfrm>
+          <a:prstGeom prst="straightConnector1">
+            <a:avLst/>
+          </a:prstGeom>
+          <a:ln w="19050" cap="flat" cmpd="sng" algn="ctr">
+            <a:solidFill>
+              <a:schemeClr val="accent1"/>
+            </a:solidFill>
+            <a:prstDash val="dash"/>
+            <a:round/>
+            <a:headEnd type="none" w="med" len="med"/>
+            <a:tailEnd type="triangle" w="med" len="med"/>
+          </a:ln>
+        </p:spPr>
+        <p:style>
+          <a:lnRef idx="0">
+            <a:scrgbClr r="0" g="0" b="0"/>
+          </a:lnRef>
+          <a:fillRef idx="0">
+            <a:scrgbClr r="0" g="0" b="0"/>
+          </a:fillRef>
+          <a:effectRef idx="0">
+            <a:scrgbClr r="0" g="0" b="0"/>
+          </a:effectRef>
+          <a:fontRef idx="minor">
+            <a:schemeClr val="tx1"/>
+          </a:fontRef>
+        </p:style>
+      </p:cxnSp>
+      <p:sp>
+        <p:nvSpPr>
+          <p:cNvPr id="8" name="Rounded Rectangle 9"/>
+          <p:cNvSpPr/>
+          <p:nvPr/>
+        </p:nvSpPr>
+        <p:spPr>
+          <a:xfrm>
+            <a:off x="4449999" y="3233853"/>
+            <a:ext cx="1468649" cy="728495"/>
+          </a:xfrm>
+          <a:prstGeom prst="roundRect">
+            <a:avLst/>
+          </a:prstGeom>
+          <a:solidFill>
+            <a:schemeClr val="accent5">
+              <a:lumMod val="60000"/>
+              <a:lumOff val="40000"/>
+            </a:schemeClr>
+          </a:solidFill>
+          <a:ln>
+            <a:noFill/>
+          </a:ln>
+        </p:spPr>
+        <p:style>
+          <a:lnRef idx="0">
+            <a:scrgbClr r="0" g="0" b="0"/>
+          </a:lnRef>
+          <a:fillRef idx="0">
+            <a:scrgbClr r="0" g="0" b="0"/>
+          </a:fillRef>
+          <a:effectRef idx="0">
+            <a:scrgbClr r="0" g="0" b="0"/>
+          </a:effectRef>
+          <a:fontRef idx="minor">
+            <a:schemeClr val="lt1"/>
+          </a:fontRef>
+        </p:style>
+        <p:txBody>
+          <a:bodyPr rtlCol="0" anchor="ctr"/>
+          <a:lstStyle/>
+          <a:p>
+            <a:pPr algn="ctr"/>
+            <a:r>
+              <a:rPr lang="en-US" sz="1600" dirty="0"/>
               <a:t>Practitioner Role</a:t>
             </a:r>
             <a:endParaRPr lang="en-AU" sz="1600" dirty="0"/>
@@ -8978,7 +8978,7 @@
     </p:spTree>
     <p:extLst>
       <p:ext uri="{BB962C8B-B14F-4D97-AF65-F5344CB8AC3E}">
-        <p14:creationId xmlns:p14="http://schemas.microsoft.com/office/powerpoint/2010/main" val="3766799555"/>
+        <p14:creationId xmlns:p14="http://schemas.microsoft.com/office/powerpoint/2010/main" val="2995983434"/>
       </p:ext>
     </p:extLst>
   </p:cSld>

--- a/images/source/administration-module-resources.pptx
+++ b/images/source/administration-module-resources.pptx
@@ -251,7 +251,7 @@
           <a:p>
             <a:fld id="{DE4E7392-00FF-4A5B-A4FB-CA939482D6BD}" type="datetimeFigureOut">
               <a:rPr lang="en-US" smtClean="0"/>
-              <a:t>10/5/2016</a:t>
+              <a:t>11/30/2016</a:t>
             </a:fld>
             <a:endParaRPr lang="en-US"/>
           </a:p>
@@ -419,7 +419,7 @@
           <a:p>
             <a:fld id="{DE4E7392-00FF-4A5B-A4FB-CA939482D6BD}" type="datetimeFigureOut">
               <a:rPr lang="en-US" smtClean="0"/>
-              <a:t>10/5/2016</a:t>
+              <a:t>11/30/2016</a:t>
             </a:fld>
             <a:endParaRPr lang="en-US"/>
           </a:p>
@@ -597,7 +597,7 @@
           <a:p>
             <a:fld id="{DE4E7392-00FF-4A5B-A4FB-CA939482D6BD}" type="datetimeFigureOut">
               <a:rPr lang="en-US" smtClean="0"/>
-              <a:t>10/5/2016</a:t>
+              <a:t>11/30/2016</a:t>
             </a:fld>
             <a:endParaRPr lang="en-US"/>
           </a:p>
@@ -765,7 +765,7 @@
           <a:p>
             <a:fld id="{DE4E7392-00FF-4A5B-A4FB-CA939482D6BD}" type="datetimeFigureOut">
               <a:rPr lang="en-US" smtClean="0"/>
-              <a:t>10/5/2016</a:t>
+              <a:t>11/30/2016</a:t>
             </a:fld>
             <a:endParaRPr lang="en-US"/>
           </a:p>
@@ -1010,7 +1010,7 @@
           <a:p>
             <a:fld id="{DE4E7392-00FF-4A5B-A4FB-CA939482D6BD}" type="datetimeFigureOut">
               <a:rPr lang="en-US" smtClean="0"/>
-              <a:t>10/5/2016</a:t>
+              <a:t>11/30/2016</a:t>
             </a:fld>
             <a:endParaRPr lang="en-US"/>
           </a:p>
@@ -1239,7 +1239,7 @@
           <a:p>
             <a:fld id="{DE4E7392-00FF-4A5B-A4FB-CA939482D6BD}" type="datetimeFigureOut">
               <a:rPr lang="en-US" smtClean="0"/>
-              <a:t>10/5/2016</a:t>
+              <a:t>11/30/2016</a:t>
             </a:fld>
             <a:endParaRPr lang="en-US"/>
           </a:p>
@@ -1603,7 +1603,7 @@
           <a:p>
             <a:fld id="{DE4E7392-00FF-4A5B-A4FB-CA939482D6BD}" type="datetimeFigureOut">
               <a:rPr lang="en-US" smtClean="0"/>
-              <a:t>10/5/2016</a:t>
+              <a:t>11/30/2016</a:t>
             </a:fld>
             <a:endParaRPr lang="en-US"/>
           </a:p>
@@ -1720,7 +1720,7 @@
           <a:p>
             <a:fld id="{DE4E7392-00FF-4A5B-A4FB-CA939482D6BD}" type="datetimeFigureOut">
               <a:rPr lang="en-US" smtClean="0"/>
-              <a:t>10/5/2016</a:t>
+              <a:t>11/30/2016</a:t>
             </a:fld>
             <a:endParaRPr lang="en-US"/>
           </a:p>
@@ -1815,7 +1815,7 @@
           <a:p>
             <a:fld id="{DE4E7392-00FF-4A5B-A4FB-CA939482D6BD}" type="datetimeFigureOut">
               <a:rPr lang="en-US" smtClean="0"/>
-              <a:t>10/5/2016</a:t>
+              <a:t>11/30/2016</a:t>
             </a:fld>
             <a:endParaRPr lang="en-US"/>
           </a:p>
@@ -2090,7 +2090,7 @@
           <a:p>
             <a:fld id="{DE4E7392-00FF-4A5B-A4FB-CA939482D6BD}" type="datetimeFigureOut">
               <a:rPr lang="en-US" smtClean="0"/>
-              <a:t>10/5/2016</a:t>
+              <a:t>11/30/2016</a:t>
             </a:fld>
             <a:endParaRPr lang="en-US"/>
           </a:p>
@@ -2342,7 +2342,7 @@
           <a:p>
             <a:fld id="{DE4E7392-00FF-4A5B-A4FB-CA939482D6BD}" type="datetimeFigureOut">
               <a:rPr lang="en-US" smtClean="0"/>
-              <a:t>10/5/2016</a:t>
+              <a:t>11/30/2016</a:t>
             </a:fld>
             <a:endParaRPr lang="en-US"/>
           </a:p>
@@ -2553,7 +2553,7 @@
           <a:p>
             <a:fld id="{DE4E7392-00FF-4A5B-A4FB-CA939482D6BD}" type="datetimeFigureOut">
               <a:rPr lang="en-US" smtClean="0"/>
-              <a:t>10/5/2016</a:t>
+              <a:t>11/30/2016</a:t>
             </a:fld>
             <a:endParaRPr lang="en-US"/>
           </a:p>
@@ -3469,6 +3469,41 @@
           </a:p>
         </p:txBody>
       </p:sp>
+      <p:cxnSp>
+        <p:nvCxnSpPr>
+          <p:cNvPr id="13" name="Elbow Connector 37"/>
+          <p:cNvCxnSpPr>
+            <a:stCxn id="18" idx="1"/>
+          </p:cNvCxnSpPr>
+          <p:nvPr/>
+        </p:nvCxnSpPr>
+        <p:spPr>
+          <a:xfrm flipH="1">
+            <a:off x="4481565" y="3168276"/>
+            <a:ext cx="508355" cy="1"/>
+          </a:xfrm>
+          <a:prstGeom prst="straightConnector1">
+            <a:avLst/>
+          </a:prstGeom>
+          <a:ln>
+            <a:tailEnd type="triangle"/>
+          </a:ln>
+        </p:spPr>
+        <p:style>
+          <a:lnRef idx="3">
+            <a:schemeClr val="dk1"/>
+          </a:lnRef>
+          <a:fillRef idx="0">
+            <a:schemeClr val="dk1"/>
+          </a:fillRef>
+          <a:effectRef idx="2">
+            <a:schemeClr val="dk1"/>
+          </a:effectRef>
+          <a:fontRef idx="minor">
+            <a:schemeClr val="tx1"/>
+          </a:fontRef>
+        </p:style>
+      </p:cxnSp>
     </p:spTree>
     <p:extLst>
       <p:ext uri="{BB962C8B-B14F-4D97-AF65-F5344CB8AC3E}">
@@ -6265,39 +6300,6 @@
       </p:grpSpPr>
       <p:cxnSp>
         <p:nvCxnSpPr>
-          <p:cNvPr id="68" name="Elbow Connector 37"/>
-          <p:cNvCxnSpPr/>
-          <p:nvPr/>
-        </p:nvCxnSpPr>
-        <p:spPr>
-          <a:xfrm flipH="1">
-            <a:off x="7392918" y="3988403"/>
-            <a:ext cx="181668" cy="438057"/>
-          </a:xfrm>
-          <a:prstGeom prst="straightConnector1">
-            <a:avLst/>
-          </a:prstGeom>
-          <a:ln>
-            <a:tailEnd type="triangle"/>
-          </a:ln>
-        </p:spPr>
-        <p:style>
-          <a:lnRef idx="3">
-            <a:schemeClr val="dk1"/>
-          </a:lnRef>
-          <a:fillRef idx="0">
-            <a:schemeClr val="dk1"/>
-          </a:fillRef>
-          <a:effectRef idx="2">
-            <a:schemeClr val="dk1"/>
-          </a:effectRef>
-          <a:fontRef idx="minor">
-            <a:schemeClr val="tx1"/>
-          </a:fontRef>
-        </p:style>
-      </p:cxnSp>
-      <p:cxnSp>
-        <p:nvCxnSpPr>
           <p:cNvPr id="74" name="Elbow Connector 37"/>
           <p:cNvCxnSpPr/>
           <p:nvPr/>
@@ -6310,19 +6312,25 @@
           <a:prstGeom prst="straightConnector1">
             <a:avLst/>
           </a:prstGeom>
-          <a:ln>
-            <a:tailEnd type="triangle"/>
-          </a:ln>
-        </p:spPr>
-        <p:style>
-          <a:lnRef idx="3">
-            <a:schemeClr val="dk1"/>
+          <a:ln w="19050" cap="flat" cmpd="sng" algn="ctr">
+            <a:solidFill>
+              <a:schemeClr val="accent1"/>
+            </a:solidFill>
+            <a:prstDash val="dash"/>
+            <a:round/>
+            <a:headEnd type="none" w="med" len="med"/>
+            <a:tailEnd type="triangle" w="med" len="med"/>
+          </a:ln>
+        </p:spPr>
+        <p:style>
+          <a:lnRef idx="0">
+            <a:scrgbClr r="0" g="0" b="0"/>
           </a:lnRef>
           <a:fillRef idx="0">
-            <a:schemeClr val="dk1"/>
-          </a:fillRef>
-          <a:effectRef idx="2">
-            <a:schemeClr val="dk1"/>
+            <a:scrgbClr r="0" g="0" b="0"/>
+          </a:fillRef>
+          <a:effectRef idx="0">
+            <a:scrgbClr r="0" g="0" b="0"/>
           </a:effectRef>
           <a:fontRef idx="minor">
             <a:schemeClr val="tx1"/>
@@ -6338,24 +6346,30 @@
         <p:spPr>
           <a:xfrm>
             <a:off x="3504430" y="3767012"/>
-            <a:ext cx="2475316" cy="915780"/>
+            <a:ext cx="2683142" cy="945145"/>
           </a:xfrm>
           <a:prstGeom prst="straightConnector1">
             <a:avLst/>
           </a:prstGeom>
-          <a:ln>
-            <a:tailEnd type="triangle"/>
-          </a:ln>
-        </p:spPr>
-        <p:style>
-          <a:lnRef idx="3">
-            <a:schemeClr val="dk1"/>
+          <a:ln w="19050" cap="flat" cmpd="sng" algn="ctr">
+            <a:solidFill>
+              <a:schemeClr val="accent1"/>
+            </a:solidFill>
+            <a:prstDash val="dash"/>
+            <a:round/>
+            <a:headEnd type="none" w="med" len="med"/>
+            <a:tailEnd type="triangle" w="med" len="med"/>
+          </a:ln>
+        </p:spPr>
+        <p:style>
+          <a:lnRef idx="0">
+            <a:scrgbClr r="0" g="0" b="0"/>
           </a:lnRef>
           <a:fillRef idx="0">
-            <a:schemeClr val="dk1"/>
-          </a:fillRef>
-          <a:effectRef idx="2">
-            <a:schemeClr val="dk1"/>
+            <a:scrgbClr r="0" g="0" b="0"/>
+          </a:fillRef>
+          <a:effectRef idx="0">
+            <a:scrgbClr r="0" g="0" b="0"/>
           </a:effectRef>
           <a:fontRef idx="minor">
             <a:schemeClr val="tx1"/>
@@ -6376,19 +6390,25 @@
           <a:prstGeom prst="straightConnector1">
             <a:avLst/>
           </a:prstGeom>
-          <a:ln>
-            <a:tailEnd type="triangle"/>
-          </a:ln>
-        </p:spPr>
-        <p:style>
-          <a:lnRef idx="3">
-            <a:schemeClr val="dk1"/>
+          <a:ln w="19050" cap="flat" cmpd="sng" algn="ctr">
+            <a:solidFill>
+              <a:schemeClr val="accent1"/>
+            </a:solidFill>
+            <a:prstDash val="dash"/>
+            <a:round/>
+            <a:headEnd type="none" w="med" len="med"/>
+            <a:tailEnd type="triangle" w="med" len="med"/>
+          </a:ln>
+        </p:spPr>
+        <p:style>
+          <a:lnRef idx="0">
+            <a:scrgbClr r="0" g="0" b="0"/>
           </a:lnRef>
           <a:fillRef idx="0">
-            <a:schemeClr val="dk1"/>
-          </a:fillRef>
-          <a:effectRef idx="2">
-            <a:schemeClr val="dk1"/>
+            <a:scrgbClr r="0" g="0" b="0"/>
+          </a:fillRef>
+          <a:effectRef idx="0">
+            <a:scrgbClr r="0" g="0" b="0"/>
           </a:effectRef>
           <a:fontRef idx="minor">
             <a:schemeClr val="tx1"/>
@@ -6402,9 +6422,9 @@
           <p:nvPr/>
         </p:nvCxnSpPr>
         <p:spPr>
-          <a:xfrm>
-            <a:off x="5093063" y="2453706"/>
-            <a:ext cx="116931" cy="678493"/>
+          <a:xfrm flipH="1" flipV="1">
+            <a:off x="5093063" y="2731625"/>
+            <a:ext cx="134841" cy="648184"/>
           </a:xfrm>
           <a:prstGeom prst="straightConnector1">
             <a:avLst/>
@@ -6435,75 +6455,9 @@
           <p:nvPr/>
         </p:nvCxnSpPr>
         <p:spPr>
-          <a:xfrm flipH="1">
-            <a:off x="3107245" y="2453706"/>
-            <a:ext cx="794328" cy="607358"/>
-          </a:xfrm>
-          <a:prstGeom prst="straightConnector1">
-            <a:avLst/>
-          </a:prstGeom>
-          <a:ln>
-            <a:tailEnd type="triangle"/>
-          </a:ln>
-        </p:spPr>
-        <p:style>
-          <a:lnRef idx="3">
-            <a:schemeClr val="dk1"/>
-          </a:lnRef>
-          <a:fillRef idx="0">
-            <a:schemeClr val="dk1"/>
-          </a:fillRef>
-          <a:effectRef idx="2">
-            <a:schemeClr val="dk1"/>
-          </a:effectRef>
-          <a:fontRef idx="minor">
-            <a:schemeClr val="tx1"/>
-          </a:fontRef>
-        </p:style>
-      </p:cxnSp>
-      <p:cxnSp>
-        <p:nvCxnSpPr>
-          <p:cNvPr id="11" name="Elbow Connector 37"/>
-          <p:cNvCxnSpPr/>
-          <p:nvPr/>
-        </p:nvCxnSpPr>
-        <p:spPr>
-          <a:xfrm flipH="1" flipV="1">
-            <a:off x="5508700" y="2453706"/>
-            <a:ext cx="1357745" cy="854842"/>
-          </a:xfrm>
-          <a:prstGeom prst="straightConnector1">
-            <a:avLst/>
-          </a:prstGeom>
-          <a:ln>
-            <a:tailEnd type="triangle"/>
-          </a:ln>
-        </p:spPr>
-        <p:style>
-          <a:lnRef idx="3">
-            <a:schemeClr val="dk1"/>
-          </a:lnRef>
-          <a:fillRef idx="0">
-            <a:schemeClr val="dk1"/>
-          </a:fillRef>
-          <a:effectRef idx="2">
-            <a:schemeClr val="dk1"/>
-          </a:effectRef>
-          <a:fontRef idx="minor">
-            <a:schemeClr val="tx1"/>
-          </a:fontRef>
-        </p:style>
-      </p:cxnSp>
-      <p:cxnSp>
-        <p:nvCxnSpPr>
-          <p:cNvPr id="12" name="Elbow Connector 37"/>
-          <p:cNvCxnSpPr/>
-          <p:nvPr/>
-        </p:nvCxnSpPr>
-        <p:spPr>
-          <a:xfrm flipH="1">
-            <a:off x="5416479" y="4042275"/>
-            <a:ext cx="1976439" cy="720521"/>
+          <a:xfrm flipV="1">
+            <a:off x="3090441" y="2731625"/>
+            <a:ext cx="671688" cy="648185"/>
           </a:xfrm>
           <a:prstGeom prst="straightConnector1">
             <a:avLst/>
@@ -6567,9 +6521,9 @@
           <p:nvPr/>
         </p:nvCxnSpPr>
         <p:spPr>
-          <a:xfrm>
-            <a:off x="3416302" y="3856280"/>
-            <a:ext cx="345827" cy="643105"/>
+          <a:xfrm flipH="1" flipV="1">
+            <a:off x="3504430" y="4074289"/>
+            <a:ext cx="397143" cy="694482"/>
           </a:xfrm>
           <a:prstGeom prst="straightConnector1">
             <a:avLst/>
@@ -6596,15 +6550,13 @@
       <p:cxnSp>
         <p:nvCxnSpPr>
           <p:cNvPr id="15" name="Elbow Connector 37"/>
-          <p:cNvCxnSpPr>
-            <a:stCxn id="5" idx="3"/>
-          </p:cNvCxnSpPr>
+          <p:cNvCxnSpPr/>
           <p:nvPr/>
         </p:nvCxnSpPr>
         <p:spPr>
-          <a:xfrm>
-            <a:off x="3539902" y="3598101"/>
-            <a:ext cx="731559" cy="14126"/>
+          <a:xfrm flipH="1">
+            <a:off x="3762129" y="3612227"/>
+            <a:ext cx="856170" cy="0"/>
           </a:xfrm>
           <a:prstGeom prst="straightConnector1">
             <a:avLst/>
@@ -6670,9 +6622,9 @@
           <p:nvPr/>
         </p:nvCxnSpPr>
         <p:spPr>
-          <a:xfrm>
-            <a:off x="3948354" y="2624861"/>
-            <a:ext cx="2349" cy="1843370"/>
+          <a:xfrm flipH="1" flipV="1">
+            <a:off x="4163305" y="2859120"/>
+            <a:ext cx="26910" cy="1909652"/>
           </a:xfrm>
           <a:prstGeom prst="straightConnector1">
             <a:avLst/>
@@ -7299,22 +7251,61 @@
           </a:p>
         </p:txBody>
       </p:sp>
-      <p:sp>
-        <p:nvSpPr>
-          <p:cNvPr id="34" name="Rounded Rectangle 36"/>
+      <p:cxnSp>
+        <p:nvCxnSpPr>
+          <p:cNvPr id="71" name="Elbow Connector 37"/>
+          <p:cNvCxnSpPr/>
+          <p:nvPr/>
+        </p:nvCxnSpPr>
+        <p:spPr>
+          <a:xfrm>
+            <a:off x="5771920" y="3884798"/>
+            <a:ext cx="537108" cy="583433"/>
+          </a:xfrm>
+          <a:prstGeom prst="straightConnector1">
+            <a:avLst/>
+          </a:prstGeom>
+          <a:ln w="19050" cap="flat" cmpd="sng" algn="ctr">
+            <a:solidFill>
+              <a:schemeClr val="accent1"/>
+            </a:solidFill>
+            <a:prstDash val="dash"/>
+            <a:round/>
+            <a:headEnd type="none" w="med" len="med"/>
+            <a:tailEnd type="triangle" w="med" len="med"/>
+          </a:ln>
+        </p:spPr>
+        <p:style>
+          <a:lnRef idx="0">
+            <a:scrgbClr r="0" g="0" b="0"/>
+          </a:lnRef>
+          <a:fillRef idx="0">
+            <a:scrgbClr r="0" g="0" b="0"/>
+          </a:fillRef>
+          <a:effectRef idx="0">
+            <a:scrgbClr r="0" g="0" b="0"/>
+          </a:effectRef>
+          <a:fontRef idx="minor">
+            <a:schemeClr val="tx1"/>
+          </a:fontRef>
+        </p:style>
+      </p:cxnSp>
+      <p:sp>
+        <p:nvSpPr>
+          <p:cNvPr id="8" name="Rounded Rectangle 9"/>
           <p:cNvSpPr/>
           <p:nvPr/>
         </p:nvSpPr>
         <p:spPr>
           <a:xfrm>
-            <a:off x="7253084" y="3682138"/>
-            <a:ext cx="909353" cy="405321"/>
+            <a:off x="4449999" y="3233853"/>
+            <a:ext cx="1468649" cy="728495"/>
           </a:xfrm>
           <a:prstGeom prst="roundRect">
             <a:avLst/>
           </a:prstGeom>
           <a:solidFill>
-            <a:srgbClr val="71A7D9"/>
+            <a:srgbClr val="CEE1F2"/>
           </a:solidFill>
           <a:ln cap="rnd">
             <a:round/>
@@ -7354,92 +7345,13 @@
                   <a:schemeClr val="tx1"/>
                 </a:solidFill>
               </a:rPr>
-              <a:t>Role</a:t>
-            </a:r>
-          </a:p>
-        </p:txBody>
-      </p:sp>
-      <p:cxnSp>
-        <p:nvCxnSpPr>
-          <p:cNvPr id="71" name="Elbow Connector 37"/>
-          <p:cNvCxnSpPr/>
-          <p:nvPr/>
-        </p:nvCxnSpPr>
-        <p:spPr>
-          <a:xfrm>
-            <a:off x="5771920" y="3884798"/>
-            <a:ext cx="415652" cy="463854"/>
-          </a:xfrm>
-          <a:prstGeom prst="straightConnector1">
-            <a:avLst/>
-          </a:prstGeom>
-          <a:ln>
-            <a:tailEnd type="triangle"/>
-          </a:ln>
-        </p:spPr>
-        <p:style>
-          <a:lnRef idx="3">
-            <a:schemeClr val="dk1"/>
-          </a:lnRef>
-          <a:fillRef idx="0">
-            <a:schemeClr val="dk1"/>
-          </a:fillRef>
-          <a:effectRef idx="2">
-            <a:schemeClr val="dk1"/>
-          </a:effectRef>
-          <a:fontRef idx="minor">
-            <a:schemeClr val="tx1"/>
-          </a:fontRef>
-        </p:style>
-      </p:cxnSp>
-      <p:sp>
-        <p:nvSpPr>
-          <p:cNvPr id="8" name="Rounded Rectangle 9"/>
-          <p:cNvSpPr/>
-          <p:nvPr/>
-        </p:nvSpPr>
-        <p:spPr>
-          <a:xfrm>
-            <a:off x="4449999" y="3233853"/>
-            <a:ext cx="1468649" cy="728495"/>
-          </a:xfrm>
-          <a:prstGeom prst="roundRect">
-            <a:avLst/>
-          </a:prstGeom>
-          <a:solidFill>
-            <a:schemeClr val="accent5">
-              <a:lumMod val="60000"/>
-              <a:lumOff val="40000"/>
-            </a:schemeClr>
-          </a:solidFill>
-          <a:ln>
-            <a:noFill/>
-          </a:ln>
-        </p:spPr>
-        <p:style>
-          <a:lnRef idx="0">
-            <a:scrgbClr r="0" g="0" b="0"/>
-          </a:lnRef>
-          <a:fillRef idx="0">
-            <a:scrgbClr r="0" g="0" b="0"/>
-          </a:fillRef>
-          <a:effectRef idx="0">
-            <a:scrgbClr r="0" g="0" b="0"/>
-          </a:effectRef>
-          <a:fontRef idx="minor">
-            <a:schemeClr val="lt1"/>
-          </a:fontRef>
-        </p:style>
-        <p:txBody>
-          <a:bodyPr rtlCol="0" anchor="ctr"/>
-          <a:lstStyle/>
-          <a:p>
-            <a:pPr algn="ctr"/>
-            <a:r>
-              <a:rPr lang="en-US" sz="1600" dirty="0"/>
               <a:t>Practitioner Role</a:t>
             </a:r>
-            <a:endParaRPr lang="en-AU" sz="1600" dirty="0"/>
+            <a:endParaRPr lang="en-AU" dirty="0">
+              <a:solidFill>
+                <a:schemeClr val="tx1"/>
+              </a:solidFill>
+            </a:endParaRPr>
           </a:p>
         </p:txBody>
       </p:sp>

--- a/images/source/administration-module-resources.pptx
+++ b/images/source/administration-module-resources.pptx
@@ -251,7 +251,7 @@
           <a:p>
             <a:fld id="{DE4E7392-00FF-4A5B-A4FB-CA939482D6BD}" type="datetimeFigureOut">
               <a:rPr lang="en-US" smtClean="0"/>
-              <a:t>11/30/2016</a:t>
+              <a:t>3/20/2017</a:t>
             </a:fld>
             <a:endParaRPr lang="en-US"/>
           </a:p>
@@ -419,7 +419,7 @@
           <a:p>
             <a:fld id="{DE4E7392-00FF-4A5B-A4FB-CA939482D6BD}" type="datetimeFigureOut">
               <a:rPr lang="en-US" smtClean="0"/>
-              <a:t>11/30/2016</a:t>
+              <a:t>3/20/2017</a:t>
             </a:fld>
             <a:endParaRPr lang="en-US"/>
           </a:p>
@@ -597,7 +597,7 @@
           <a:p>
             <a:fld id="{DE4E7392-00FF-4A5B-A4FB-CA939482D6BD}" type="datetimeFigureOut">
               <a:rPr lang="en-US" smtClean="0"/>
-              <a:t>11/30/2016</a:t>
+              <a:t>3/20/2017</a:t>
             </a:fld>
             <a:endParaRPr lang="en-US"/>
           </a:p>
@@ -765,7 +765,7 @@
           <a:p>
             <a:fld id="{DE4E7392-00FF-4A5B-A4FB-CA939482D6BD}" type="datetimeFigureOut">
               <a:rPr lang="en-US" smtClean="0"/>
-              <a:t>11/30/2016</a:t>
+              <a:t>3/20/2017</a:t>
             </a:fld>
             <a:endParaRPr lang="en-US"/>
           </a:p>
@@ -1010,7 +1010,7 @@
           <a:p>
             <a:fld id="{DE4E7392-00FF-4A5B-A4FB-CA939482D6BD}" type="datetimeFigureOut">
               <a:rPr lang="en-US" smtClean="0"/>
-              <a:t>11/30/2016</a:t>
+              <a:t>3/20/2017</a:t>
             </a:fld>
             <a:endParaRPr lang="en-US"/>
           </a:p>
@@ -1239,7 +1239,7 @@
           <a:p>
             <a:fld id="{DE4E7392-00FF-4A5B-A4FB-CA939482D6BD}" type="datetimeFigureOut">
               <a:rPr lang="en-US" smtClean="0"/>
-              <a:t>11/30/2016</a:t>
+              <a:t>3/20/2017</a:t>
             </a:fld>
             <a:endParaRPr lang="en-US"/>
           </a:p>
@@ -1603,7 +1603,7 @@
           <a:p>
             <a:fld id="{DE4E7392-00FF-4A5B-A4FB-CA939482D6BD}" type="datetimeFigureOut">
               <a:rPr lang="en-US" smtClean="0"/>
-              <a:t>11/30/2016</a:t>
+              <a:t>3/20/2017</a:t>
             </a:fld>
             <a:endParaRPr lang="en-US"/>
           </a:p>
@@ -1720,7 +1720,7 @@
           <a:p>
             <a:fld id="{DE4E7392-00FF-4A5B-A4FB-CA939482D6BD}" type="datetimeFigureOut">
               <a:rPr lang="en-US" smtClean="0"/>
-              <a:t>11/30/2016</a:t>
+              <a:t>3/20/2017</a:t>
             </a:fld>
             <a:endParaRPr lang="en-US"/>
           </a:p>
@@ -1815,7 +1815,7 @@
           <a:p>
             <a:fld id="{DE4E7392-00FF-4A5B-A4FB-CA939482D6BD}" type="datetimeFigureOut">
               <a:rPr lang="en-US" smtClean="0"/>
-              <a:t>11/30/2016</a:t>
+              <a:t>3/20/2017</a:t>
             </a:fld>
             <a:endParaRPr lang="en-US"/>
           </a:p>
@@ -2090,7 +2090,7 @@
           <a:p>
             <a:fld id="{DE4E7392-00FF-4A5B-A4FB-CA939482D6BD}" type="datetimeFigureOut">
               <a:rPr lang="en-US" smtClean="0"/>
-              <a:t>11/30/2016</a:t>
+              <a:t>3/20/2017</a:t>
             </a:fld>
             <a:endParaRPr lang="en-US"/>
           </a:p>
@@ -2342,7 +2342,7 @@
           <a:p>
             <a:fld id="{DE4E7392-00FF-4A5B-A4FB-CA939482D6BD}" type="datetimeFigureOut">
               <a:rPr lang="en-US" smtClean="0"/>
-              <a:t>11/30/2016</a:t>
+              <a:t>3/20/2017</a:t>
             </a:fld>
             <a:endParaRPr lang="en-US"/>
           </a:p>
@@ -2553,7 +2553,7 @@
           <a:p>
             <a:fld id="{DE4E7392-00FF-4A5B-A4FB-CA939482D6BD}" type="datetimeFigureOut">
               <a:rPr lang="en-US" smtClean="0"/>
-              <a:t>11/30/2016</a:t>
+              <a:t>3/20/2017</a:t>
             </a:fld>
             <a:endParaRPr lang="en-US"/>
           </a:p>
@@ -9349,138 +9349,6 @@
           <a:prstGeom prst="straightConnector1">
             <a:avLst/>
           </a:prstGeom>
-          <a:ln>
-            <a:tailEnd type="triangle"/>
-          </a:ln>
-        </p:spPr>
-        <p:style>
-          <a:lnRef idx="3">
-            <a:schemeClr val="dk1"/>
-          </a:lnRef>
-          <a:fillRef idx="0">
-            <a:schemeClr val="dk1"/>
-          </a:fillRef>
-          <a:effectRef idx="2">
-            <a:schemeClr val="dk1"/>
-          </a:effectRef>
-          <a:fontRef idx="minor">
-            <a:schemeClr val="tx1"/>
-          </a:fontRef>
-        </p:style>
-      </p:cxnSp>
-      <p:cxnSp>
-        <p:nvCxnSpPr>
-          <p:cNvPr id="9" name="Elbow Connector 37"/>
-          <p:cNvCxnSpPr/>
-          <p:nvPr/>
-        </p:nvCxnSpPr>
-        <p:spPr>
-          <a:xfrm flipH="1" flipV="1">
-            <a:off x="7600341" y="1916083"/>
-            <a:ext cx="269289" cy="909911"/>
-          </a:xfrm>
-          <a:prstGeom prst="straightConnector1">
-            <a:avLst/>
-          </a:prstGeom>
-          <a:ln>
-            <a:tailEnd type="triangle"/>
-          </a:ln>
-        </p:spPr>
-        <p:style>
-          <a:lnRef idx="3">
-            <a:schemeClr val="dk1"/>
-          </a:lnRef>
-          <a:fillRef idx="0">
-            <a:schemeClr val="dk1"/>
-          </a:fillRef>
-          <a:effectRef idx="2">
-            <a:schemeClr val="dk1"/>
-          </a:effectRef>
-          <a:fontRef idx="minor">
-            <a:schemeClr val="tx1"/>
-          </a:fontRef>
-        </p:style>
-      </p:cxnSp>
-      <p:cxnSp>
-        <p:nvCxnSpPr>
-          <p:cNvPr id="10" name="Elbow Connector 37"/>
-          <p:cNvCxnSpPr/>
-          <p:nvPr/>
-        </p:nvCxnSpPr>
-        <p:spPr>
-          <a:xfrm flipH="1" flipV="1">
-            <a:off x="3021024" y="3027622"/>
-            <a:ext cx="183310" cy="694167"/>
-          </a:xfrm>
-          <a:prstGeom prst="straightConnector1">
-            <a:avLst/>
-          </a:prstGeom>
-          <a:ln>
-            <a:tailEnd type="triangle"/>
-          </a:ln>
-        </p:spPr>
-        <p:style>
-          <a:lnRef idx="3">
-            <a:schemeClr val="dk1"/>
-          </a:lnRef>
-          <a:fillRef idx="0">
-            <a:schemeClr val="dk1"/>
-          </a:fillRef>
-          <a:effectRef idx="2">
-            <a:schemeClr val="dk1"/>
-          </a:effectRef>
-          <a:fontRef idx="minor">
-            <a:schemeClr val="tx1"/>
-          </a:fontRef>
-        </p:style>
-      </p:cxnSp>
-      <p:cxnSp>
-        <p:nvCxnSpPr>
-          <p:cNvPr id="11" name="Elbow Connector 37"/>
-          <p:cNvCxnSpPr/>
-          <p:nvPr/>
-        </p:nvCxnSpPr>
-        <p:spPr>
-          <a:xfrm flipV="1">
-            <a:off x="4015958" y="3280166"/>
-            <a:ext cx="578463" cy="441623"/>
-          </a:xfrm>
-          <a:prstGeom prst="straightConnector1">
-            <a:avLst/>
-          </a:prstGeom>
-          <a:ln>
-            <a:tailEnd type="triangle"/>
-          </a:ln>
-        </p:spPr>
-        <p:style>
-          <a:lnRef idx="3">
-            <a:schemeClr val="dk1"/>
-          </a:lnRef>
-          <a:fillRef idx="0">
-            <a:schemeClr val="dk1"/>
-          </a:fillRef>
-          <a:effectRef idx="2">
-            <a:schemeClr val="dk1"/>
-          </a:effectRef>
-          <a:fontRef idx="minor">
-            <a:schemeClr val="tx1"/>
-          </a:fontRef>
-        </p:style>
-      </p:cxnSp>
-      <p:cxnSp>
-        <p:nvCxnSpPr>
-          <p:cNvPr id="12" name="Elbow Connector 37"/>
-          <p:cNvCxnSpPr/>
-          <p:nvPr/>
-        </p:nvCxnSpPr>
-        <p:spPr>
-          <a:xfrm flipH="1" flipV="1">
-            <a:off x="5597639" y="3559757"/>
-            <a:ext cx="9536" cy="531342"/>
-          </a:xfrm>
-          <a:prstGeom prst="straightConnector1">
-            <a:avLst/>
-          </a:prstGeom>
           <a:ln w="19050" cap="flat" cmpd="sng" algn="ctr">
             <a:solidFill>
               <a:schemeClr val="accent1"/>
@@ -9508,6 +9376,105 @@
       </p:cxnSp>
       <p:cxnSp>
         <p:nvCxnSpPr>
+          <p:cNvPr id="9" name="Elbow Connector 37"/>
+          <p:cNvCxnSpPr/>
+          <p:nvPr/>
+        </p:nvCxnSpPr>
+        <p:spPr>
+          <a:xfrm flipH="1" flipV="1">
+            <a:off x="7600341" y="1916083"/>
+            <a:ext cx="269289" cy="909911"/>
+          </a:xfrm>
+          <a:prstGeom prst="straightConnector1">
+            <a:avLst/>
+          </a:prstGeom>
+          <a:ln>
+            <a:tailEnd type="triangle"/>
+          </a:ln>
+        </p:spPr>
+        <p:style>
+          <a:lnRef idx="3">
+            <a:schemeClr val="dk1"/>
+          </a:lnRef>
+          <a:fillRef idx="0">
+            <a:schemeClr val="dk1"/>
+          </a:fillRef>
+          <a:effectRef idx="2">
+            <a:schemeClr val="dk1"/>
+          </a:effectRef>
+          <a:fontRef idx="minor">
+            <a:schemeClr val="tx1"/>
+          </a:fontRef>
+        </p:style>
+      </p:cxnSp>
+      <p:cxnSp>
+        <p:nvCxnSpPr>
+          <p:cNvPr id="10" name="Elbow Connector 37"/>
+          <p:cNvCxnSpPr/>
+          <p:nvPr/>
+        </p:nvCxnSpPr>
+        <p:spPr>
+          <a:xfrm flipH="1" flipV="1">
+            <a:off x="3021024" y="3027622"/>
+            <a:ext cx="183310" cy="694167"/>
+          </a:xfrm>
+          <a:prstGeom prst="straightConnector1">
+            <a:avLst/>
+          </a:prstGeom>
+          <a:ln>
+            <a:tailEnd type="triangle"/>
+          </a:ln>
+        </p:spPr>
+        <p:style>
+          <a:lnRef idx="3">
+            <a:schemeClr val="dk1"/>
+          </a:lnRef>
+          <a:fillRef idx="0">
+            <a:schemeClr val="dk1"/>
+          </a:fillRef>
+          <a:effectRef idx="2">
+            <a:schemeClr val="dk1"/>
+          </a:effectRef>
+          <a:fontRef idx="minor">
+            <a:schemeClr val="tx1"/>
+          </a:fontRef>
+        </p:style>
+      </p:cxnSp>
+      <p:cxnSp>
+        <p:nvCxnSpPr>
+          <p:cNvPr id="11" name="Elbow Connector 37"/>
+          <p:cNvCxnSpPr/>
+          <p:nvPr/>
+        </p:nvCxnSpPr>
+        <p:spPr>
+          <a:xfrm flipV="1">
+            <a:off x="4015958" y="3280166"/>
+            <a:ext cx="578463" cy="441623"/>
+          </a:xfrm>
+          <a:prstGeom prst="straightConnector1">
+            <a:avLst/>
+          </a:prstGeom>
+          <a:ln>
+            <a:tailEnd type="triangle"/>
+          </a:ln>
+        </p:spPr>
+        <p:style>
+          <a:lnRef idx="3">
+            <a:schemeClr val="dk1"/>
+          </a:lnRef>
+          <a:fillRef idx="0">
+            <a:schemeClr val="dk1"/>
+          </a:fillRef>
+          <a:effectRef idx="2">
+            <a:schemeClr val="dk1"/>
+          </a:effectRef>
+          <a:fontRef idx="minor">
+            <a:schemeClr val="tx1"/>
+          </a:fontRef>
+        </p:style>
+      </p:cxnSp>
+      <p:cxnSp>
+        <p:nvCxnSpPr>
           <p:cNvPr id="13" name="Elbow Connector 37"/>
           <p:cNvCxnSpPr/>
           <p:nvPr/>
@@ -9607,13 +9574,15 @@
       <p:cxnSp>
         <p:nvCxnSpPr>
           <p:cNvPr id="23" name="Elbow Connector 37"/>
-          <p:cNvCxnSpPr/>
+          <p:cNvCxnSpPr>
+            <a:cxnSpLocks/>
+          </p:cNvCxnSpPr>
           <p:nvPr/>
         </p:nvCxnSpPr>
         <p:spPr>
           <a:xfrm>
-            <a:off x="6302026" y="4268161"/>
-            <a:ext cx="809828" cy="0"/>
+            <a:off x="6656877" y="4249379"/>
+            <a:ext cx="454977" cy="18782"/>
           </a:xfrm>
           <a:prstGeom prst="straightConnector1">
             <a:avLst/>
@@ -9658,57 +9627,6 @@
             <a:avLst/>
           </a:prstGeom>
           <a:solidFill>
-            <a:schemeClr val="accent5">
-              <a:lumMod val="60000"/>
-              <a:lumOff val="40000"/>
-            </a:schemeClr>
-          </a:solidFill>
-          <a:ln>
-            <a:noFill/>
-          </a:ln>
-        </p:spPr>
-        <p:style>
-          <a:lnRef idx="0">
-            <a:scrgbClr r="0" g="0" b="0"/>
-          </a:lnRef>
-          <a:fillRef idx="0">
-            <a:scrgbClr r="0" g="0" b="0"/>
-          </a:fillRef>
-          <a:effectRef idx="0">
-            <a:scrgbClr r="0" g="0" b="0"/>
-          </a:effectRef>
-          <a:fontRef idx="minor">
-            <a:schemeClr val="lt1"/>
-          </a:fontRef>
-        </p:style>
-        <p:txBody>
-          <a:bodyPr rtlCol="0" anchor="ctr"/>
-          <a:lstStyle/>
-          <a:p>
-            <a:pPr algn="ctr"/>
-            <a:r>
-              <a:rPr lang="en-US" sz="1600" dirty="0"/>
-              <a:t>* Billable Item</a:t>
-            </a:r>
-            <a:endParaRPr lang="en-AU" sz="1600" dirty="0"/>
-          </a:p>
-        </p:txBody>
-      </p:sp>
-      <p:sp>
-        <p:nvSpPr>
-          <p:cNvPr id="26" name="Rounded Rectangle 5"/>
-          <p:cNvSpPr/>
-          <p:nvPr/>
-        </p:nvSpPr>
-        <p:spPr>
-          <a:xfrm>
-            <a:off x="3055981" y="514395"/>
-            <a:ext cx="1694439" cy="728495"/>
-          </a:xfrm>
-          <a:prstGeom prst="roundRect">
-            <a:avLst/>
-          </a:prstGeom>
-          <a:solidFill>
             <a:srgbClr val="CEE1F2"/>
           </a:solidFill>
           <a:ln cap="rnd">
@@ -9749,7 +9667,7 @@
                   <a:schemeClr val="tx1"/>
                 </a:solidFill>
               </a:rPr>
-              <a:t>Patient</a:t>
+              <a:t>Charge Item</a:t>
             </a:r>
             <a:endParaRPr lang="en-AU" dirty="0">
               <a:solidFill>
@@ -9761,13 +9679,13 @@
       </p:sp>
       <p:sp>
         <p:nvSpPr>
-          <p:cNvPr id="27" name="Rounded Rectangle 5"/>
+          <p:cNvPr id="26" name="Rounded Rectangle 5"/>
           <p:cNvSpPr/>
           <p:nvPr/>
         </p:nvSpPr>
         <p:spPr>
           <a:xfrm>
-            <a:off x="4962438" y="506042"/>
+            <a:off x="3055981" y="514395"/>
             <a:ext cx="1694439" cy="728495"/>
           </a:xfrm>
           <a:prstGeom prst="roundRect">
@@ -9814,7 +9732,7 @@
                   <a:schemeClr val="tx1"/>
                 </a:solidFill>
               </a:rPr>
-              <a:t>RelatedPerson</a:t>
+              <a:t>Patient</a:t>
             </a:r>
             <a:endParaRPr lang="en-AU" dirty="0">
               <a:solidFill>
@@ -9826,13 +9744,13 @@
       </p:sp>
       <p:sp>
         <p:nvSpPr>
-          <p:cNvPr id="28" name="Rounded Rectangle 6"/>
+          <p:cNvPr id="27" name="Rounded Rectangle 5"/>
           <p:cNvSpPr/>
           <p:nvPr/>
         </p:nvSpPr>
         <p:spPr>
           <a:xfrm>
-            <a:off x="4750420" y="2681420"/>
+            <a:off x="4962438" y="506042"/>
             <a:ext cx="1694439" cy="728495"/>
           </a:xfrm>
           <a:prstGeom prst="roundRect">
@@ -9879,20 +9797,25 @@
                   <a:schemeClr val="tx1"/>
                 </a:solidFill>
               </a:rPr>
-              <a:t>Account</a:t>
-            </a:r>
-          </a:p>
-        </p:txBody>
-      </p:sp>
-      <p:sp>
-        <p:nvSpPr>
-          <p:cNvPr id="30" name="Rounded Rectangle 6"/>
+              <a:t>RelatedPerson</a:t>
+            </a:r>
+            <a:endParaRPr lang="en-AU" dirty="0">
+              <a:solidFill>
+                <a:schemeClr val="tx1"/>
+              </a:solidFill>
+            </a:endParaRPr>
+          </a:p>
+        </p:txBody>
+      </p:sp>
+      <p:sp>
+        <p:nvSpPr>
+          <p:cNvPr id="28" name="Rounded Rectangle 6"/>
           <p:cNvSpPr/>
           <p:nvPr/>
         </p:nvSpPr>
         <p:spPr>
           <a:xfrm>
-            <a:off x="7299192" y="3891929"/>
+            <a:off x="4750420" y="2681420"/>
             <a:ext cx="1694439" cy="728495"/>
           </a:xfrm>
           <a:prstGeom prst="roundRect">
@@ -9939,62 +9862,30 @@
                   <a:schemeClr val="tx1"/>
                 </a:solidFill>
               </a:rPr>
-              <a:t>Claim</a:t>
-            </a:r>
-          </a:p>
-        </p:txBody>
-      </p:sp>
-      <p:cxnSp>
-        <p:nvCxnSpPr>
-          <p:cNvPr id="36" name="Elbow Connector 37"/>
-          <p:cNvCxnSpPr/>
-          <p:nvPr/>
-        </p:nvCxnSpPr>
-        <p:spPr>
-          <a:xfrm flipV="1">
-            <a:off x="3054979" y="1412373"/>
-            <a:ext cx="345463" cy="758098"/>
-          </a:xfrm>
-          <a:prstGeom prst="straightConnector1">
-            <a:avLst/>
-          </a:prstGeom>
-          <a:ln>
-            <a:tailEnd type="triangle"/>
-          </a:ln>
-        </p:spPr>
-        <p:style>
-          <a:lnRef idx="3">
-            <a:schemeClr val="dk1"/>
-          </a:lnRef>
-          <a:fillRef idx="0">
-            <a:schemeClr val="dk1"/>
-          </a:fillRef>
-          <a:effectRef idx="2">
-            <a:schemeClr val="dk1"/>
-          </a:effectRef>
-          <a:fontRef idx="minor">
-            <a:schemeClr val="tx1"/>
-          </a:fontRef>
-        </p:style>
-      </p:cxnSp>
-      <p:sp>
-        <p:nvSpPr>
-          <p:cNvPr id="16" name="Rounded Rectangle 6"/>
+              <a:t>Account</a:t>
+            </a:r>
+          </a:p>
+        </p:txBody>
+      </p:sp>
+      <p:sp>
+        <p:nvSpPr>
+          <p:cNvPr id="30" name="Rounded Rectangle 6"/>
           <p:cNvSpPr/>
           <p:nvPr/>
         </p:nvSpPr>
         <p:spPr>
           <a:xfrm>
-            <a:off x="1862961" y="2096024"/>
+            <a:off x="7299192" y="3891929"/>
             <a:ext cx="1694439" cy="728495"/>
           </a:xfrm>
           <a:prstGeom prst="roundRect">
             <a:avLst/>
           </a:prstGeom>
           <a:solidFill>
-            <a:srgbClr val="CEE1F2"/>
+            <a:srgbClr val="DEEBF6"/>
           </a:solidFill>
           <a:ln cap="rnd">
+            <a:prstDash val="dashDot"/>
             <a:round/>
           </a:ln>
           <a:effectLst>
@@ -10029,87 +9920,26 @@
             <a:r>
               <a:rPr lang="en-US" dirty="0">
                 <a:solidFill>
-                  <a:schemeClr val="tx1"/>
+                  <a:schemeClr val="bg1">
+                    <a:lumMod val="65000"/>
+                  </a:schemeClr>
                 </a:solidFill>
               </a:rPr>
-              <a:t>EpisodeOfCare</a:t>
-            </a:r>
-            <a:endParaRPr lang="en-AU" dirty="0">
-              <a:solidFill>
-                <a:schemeClr val="tx1"/>
-              </a:solidFill>
-            </a:endParaRPr>
-          </a:p>
-        </p:txBody>
-      </p:sp>
-      <p:sp>
-        <p:nvSpPr>
-          <p:cNvPr id="61" name="TextBox 60"/>
-          <p:cNvSpPr txBox="1"/>
-          <p:nvPr/>
-        </p:nvSpPr>
-        <p:spPr>
-          <a:xfrm>
-            <a:off x="7008228" y="2202608"/>
-            <a:ext cx="651717" cy="338554"/>
-          </a:xfrm>
-          <a:prstGeom prst="rect">
-            <a:avLst/>
-          </a:prstGeom>
-          <a:noFill/>
-        </p:spPr>
-        <p:txBody>
-          <a:bodyPr wrap="none" rtlCol="0">
-            <a:spAutoFit/>
-          </a:bodyPr>
-          <a:lstStyle/>
-          <a:p>
-            <a:r>
-              <a:rPr lang="en-US" sz="1600" dirty="0"/>
-              <a:t>Payor</a:t>
-            </a:r>
-          </a:p>
-        </p:txBody>
-      </p:sp>
-      <p:sp>
-        <p:nvSpPr>
-          <p:cNvPr id="62" name="TextBox 61"/>
-          <p:cNvSpPr txBox="1"/>
-          <p:nvPr/>
-        </p:nvSpPr>
-        <p:spPr>
-          <a:xfrm>
-            <a:off x="8256920" y="2202608"/>
-            <a:ext cx="1060483" cy="338554"/>
-          </a:xfrm>
-          <a:prstGeom prst="rect">
-            <a:avLst/>
-          </a:prstGeom>
-          <a:noFill/>
-        </p:spPr>
-        <p:txBody>
-          <a:bodyPr wrap="none" rtlCol="0">
-            <a:spAutoFit/>
-          </a:bodyPr>
-          <a:lstStyle/>
-          <a:p>
-            <a:r>
-              <a:rPr lang="en-US" sz="1600" dirty="0"/>
-              <a:t>Subscriber</a:t>
+              <a:t>Claim</a:t>
             </a:r>
           </a:p>
         </p:txBody>
       </p:sp>
       <p:cxnSp>
         <p:nvCxnSpPr>
-          <p:cNvPr id="75" name="Elbow Connector 37"/>
+          <p:cNvPr id="36" name="Elbow Connector 37"/>
           <p:cNvCxnSpPr/>
           <p:nvPr/>
         </p:nvCxnSpPr>
         <p:spPr>
           <a:xfrm flipV="1">
-            <a:off x="3847956" y="1465963"/>
-            <a:ext cx="55244" cy="2255826"/>
+            <a:off x="3054979" y="1412373"/>
+            <a:ext cx="345463" cy="758098"/>
           </a:xfrm>
           <a:prstGeom prst="straightConnector1">
             <a:avLst/>
@@ -10133,48 +9963,15 @@
           </a:fontRef>
         </p:style>
       </p:cxnSp>
-      <p:cxnSp>
-        <p:nvCxnSpPr>
-          <p:cNvPr id="77" name="Elbow Connector 37"/>
-          <p:cNvCxnSpPr/>
-          <p:nvPr/>
-        </p:nvCxnSpPr>
-        <p:spPr>
-          <a:xfrm flipH="1" flipV="1">
-            <a:off x="6600858" y="3033596"/>
-            <a:ext cx="805585" cy="5777"/>
-          </a:xfrm>
-          <a:prstGeom prst="straightConnector1">
-            <a:avLst/>
-          </a:prstGeom>
-          <a:ln>
-            <a:tailEnd type="triangle"/>
-          </a:ln>
-        </p:spPr>
-        <p:style>
-          <a:lnRef idx="3">
-            <a:schemeClr val="dk1"/>
-          </a:lnRef>
-          <a:fillRef idx="0">
-            <a:schemeClr val="dk1"/>
-          </a:fillRef>
-          <a:effectRef idx="2">
-            <a:schemeClr val="dk1"/>
-          </a:effectRef>
-          <a:fontRef idx="minor">
-            <a:schemeClr val="tx1"/>
-          </a:fontRef>
-        </p:style>
-      </p:cxnSp>
-      <p:sp>
-        <p:nvSpPr>
-          <p:cNvPr id="31" name="Rounded Rectangle 6"/>
+      <p:sp>
+        <p:nvSpPr>
+          <p:cNvPr id="16" name="Rounded Rectangle 6"/>
           <p:cNvSpPr/>
           <p:nvPr/>
         </p:nvSpPr>
         <p:spPr>
           <a:xfrm>
-            <a:off x="7219438" y="2663374"/>
+            <a:off x="1862961" y="2096024"/>
             <a:ext cx="1694439" cy="728495"/>
           </a:xfrm>
           <a:prstGeom prst="roundRect">
@@ -10221,29 +10018,159 @@
                   <a:schemeClr val="tx1"/>
                 </a:solidFill>
               </a:rPr>
-              <a:t>Coverage</a:t>
-            </a:r>
-          </a:p>
-        </p:txBody>
-      </p:sp>
-      <p:sp>
-        <p:nvSpPr>
-          <p:cNvPr id="29" name="Rounded Rectangle 6"/>
+              <a:t>EpisodeOfCare</a:t>
+            </a:r>
+            <a:endParaRPr lang="en-AU" dirty="0">
+              <a:solidFill>
+                <a:schemeClr val="tx1"/>
+              </a:solidFill>
+            </a:endParaRPr>
+          </a:p>
+        </p:txBody>
+      </p:sp>
+      <p:sp>
+        <p:nvSpPr>
+          <p:cNvPr id="61" name="TextBox 60"/>
+          <p:cNvSpPr txBox="1"/>
+          <p:nvPr/>
+        </p:nvSpPr>
+        <p:spPr>
+          <a:xfrm>
+            <a:off x="7008228" y="2202608"/>
+            <a:ext cx="651717" cy="338554"/>
+          </a:xfrm>
+          <a:prstGeom prst="rect">
+            <a:avLst/>
+          </a:prstGeom>
+          <a:noFill/>
+        </p:spPr>
+        <p:txBody>
+          <a:bodyPr wrap="none" rtlCol="0">
+            <a:spAutoFit/>
+          </a:bodyPr>
+          <a:lstStyle/>
+          <a:p>
+            <a:r>
+              <a:rPr lang="en-US" sz="1600" dirty="0"/>
+              <a:t>Payor</a:t>
+            </a:r>
+          </a:p>
+        </p:txBody>
+      </p:sp>
+      <p:sp>
+        <p:nvSpPr>
+          <p:cNvPr id="62" name="TextBox 61"/>
+          <p:cNvSpPr txBox="1"/>
+          <p:nvPr/>
+        </p:nvSpPr>
+        <p:spPr>
+          <a:xfrm>
+            <a:off x="8256920" y="2202608"/>
+            <a:ext cx="1060483" cy="338554"/>
+          </a:xfrm>
+          <a:prstGeom prst="rect">
+            <a:avLst/>
+          </a:prstGeom>
+          <a:noFill/>
+        </p:spPr>
+        <p:txBody>
+          <a:bodyPr wrap="none" rtlCol="0">
+            <a:spAutoFit/>
+          </a:bodyPr>
+          <a:lstStyle/>
+          <a:p>
+            <a:r>
+              <a:rPr lang="en-US" sz="1600" dirty="0"/>
+              <a:t>Subscriber</a:t>
+            </a:r>
+          </a:p>
+        </p:txBody>
+      </p:sp>
+      <p:cxnSp>
+        <p:nvCxnSpPr>
+          <p:cNvPr id="75" name="Elbow Connector 37"/>
+          <p:cNvCxnSpPr/>
+          <p:nvPr/>
+        </p:nvCxnSpPr>
+        <p:spPr>
+          <a:xfrm flipV="1">
+            <a:off x="3847956" y="1465963"/>
+            <a:ext cx="55244" cy="2255826"/>
+          </a:xfrm>
+          <a:prstGeom prst="straightConnector1">
+            <a:avLst/>
+          </a:prstGeom>
+          <a:ln>
+            <a:tailEnd type="triangle"/>
+          </a:ln>
+        </p:spPr>
+        <p:style>
+          <a:lnRef idx="3">
+            <a:schemeClr val="dk1"/>
+          </a:lnRef>
+          <a:fillRef idx="0">
+            <a:schemeClr val="dk1"/>
+          </a:fillRef>
+          <a:effectRef idx="2">
+            <a:schemeClr val="dk1"/>
+          </a:effectRef>
+          <a:fontRef idx="minor">
+            <a:schemeClr val="tx1"/>
+          </a:fontRef>
+        </p:style>
+      </p:cxnSp>
+      <p:cxnSp>
+        <p:nvCxnSpPr>
+          <p:cNvPr id="77" name="Elbow Connector 37"/>
+          <p:cNvCxnSpPr/>
+          <p:nvPr/>
+        </p:nvCxnSpPr>
+        <p:spPr>
+          <a:xfrm flipH="1" flipV="1">
+            <a:off x="6600858" y="3033596"/>
+            <a:ext cx="805585" cy="5777"/>
+          </a:xfrm>
+          <a:prstGeom prst="straightConnector1">
+            <a:avLst/>
+          </a:prstGeom>
+          <a:ln>
+            <a:tailEnd type="triangle"/>
+          </a:ln>
+        </p:spPr>
+        <p:style>
+          <a:lnRef idx="3">
+            <a:schemeClr val="dk1"/>
+          </a:lnRef>
+          <a:fillRef idx="0">
+            <a:schemeClr val="dk1"/>
+          </a:fillRef>
+          <a:effectRef idx="2">
+            <a:schemeClr val="dk1"/>
+          </a:effectRef>
+          <a:fontRef idx="minor">
+            <a:schemeClr val="tx1"/>
+          </a:fontRef>
+        </p:style>
+      </p:cxnSp>
+      <p:sp>
+        <p:nvSpPr>
+          <p:cNvPr id="31" name="Rounded Rectangle 6"/>
           <p:cNvSpPr/>
           <p:nvPr/>
         </p:nvSpPr>
         <p:spPr>
           <a:xfrm>
-            <a:off x="2412360" y="3520884"/>
+            <a:off x="7219438" y="2663374"/>
             <a:ext cx="1694439" cy="728495"/>
           </a:xfrm>
           <a:prstGeom prst="roundRect">
             <a:avLst/>
           </a:prstGeom>
           <a:solidFill>
-            <a:srgbClr val="CEE1F2"/>
+            <a:srgbClr val="DEEBF6"/>
           </a:solidFill>
           <a:ln cap="rnd">
+            <a:prstDash val="dashDot"/>
             <a:round/>
           </a:ln>
           <a:effectLst>
@@ -10278,6 +10205,68 @@
             <a:r>
               <a:rPr lang="en-US" dirty="0">
                 <a:solidFill>
+                  <a:schemeClr val="bg1">
+                    <a:lumMod val="65000"/>
+                  </a:schemeClr>
+                </a:solidFill>
+              </a:rPr>
+              <a:t>Coverage</a:t>
+            </a:r>
+          </a:p>
+        </p:txBody>
+      </p:sp>
+      <p:sp>
+        <p:nvSpPr>
+          <p:cNvPr id="29" name="Rounded Rectangle 6"/>
+          <p:cNvSpPr/>
+          <p:nvPr/>
+        </p:nvSpPr>
+        <p:spPr>
+          <a:xfrm>
+            <a:off x="2412360" y="3520884"/>
+            <a:ext cx="1694439" cy="728495"/>
+          </a:xfrm>
+          <a:prstGeom prst="roundRect">
+            <a:avLst/>
+          </a:prstGeom>
+          <a:solidFill>
+            <a:srgbClr val="CEE1F2"/>
+          </a:solidFill>
+          <a:ln cap="rnd">
+            <a:round/>
+          </a:ln>
+          <a:effectLst>
+            <a:outerShdw blurRad="50800" dist="38100" dir="2700000" algn="tl" rotWithShape="0">
+              <a:prstClr val="black">
+                <a:alpha val="40000"/>
+              </a:prstClr>
+            </a:outerShdw>
+          </a:effectLst>
+        </p:spPr>
+        <p:style>
+          <a:lnRef idx="2">
+            <a:schemeClr val="accent1">
+              <a:shade val="50000"/>
+            </a:schemeClr>
+          </a:lnRef>
+          <a:fillRef idx="1">
+            <a:schemeClr val="accent1"/>
+          </a:fillRef>
+          <a:effectRef idx="0">
+            <a:schemeClr val="accent1"/>
+          </a:effectRef>
+          <a:fontRef idx="minor">
+            <a:schemeClr val="lt1"/>
+          </a:fontRef>
+        </p:style>
+        <p:txBody>
+          <a:bodyPr rtlCol="0" anchor="ctr"/>
+          <a:lstStyle/>
+          <a:p>
+            <a:pPr algn="ctr"/>
+            <a:r>
+              <a:rPr lang="en-US" dirty="0">
+                <a:solidFill>
                   <a:schemeClr val="tx1"/>
                 </a:solidFill>
               </a:rPr>
@@ -10286,6 +10275,360 @@
             <a:endParaRPr lang="en-AU" dirty="0">
               <a:solidFill>
                 <a:schemeClr val="tx1"/>
+              </a:solidFill>
+            </a:endParaRPr>
+          </a:p>
+        </p:txBody>
+      </p:sp>
+      <p:cxnSp>
+        <p:nvCxnSpPr>
+          <p:cNvPr id="34" name="Elbow Connector 37"/>
+          <p:cNvCxnSpPr>
+            <a:cxnSpLocks/>
+          </p:cNvCxnSpPr>
+          <p:nvPr/>
+        </p:nvCxnSpPr>
+        <p:spPr>
+          <a:xfrm flipH="1" flipV="1">
+            <a:off x="3723646" y="2824519"/>
+            <a:ext cx="1096960" cy="1137988"/>
+          </a:xfrm>
+          <a:prstGeom prst="straightConnector1">
+            <a:avLst/>
+          </a:prstGeom>
+          <a:ln>
+            <a:tailEnd type="triangle"/>
+          </a:ln>
+        </p:spPr>
+        <p:style>
+          <a:lnRef idx="3">
+            <a:schemeClr val="dk1"/>
+          </a:lnRef>
+          <a:fillRef idx="0">
+            <a:schemeClr val="dk1"/>
+          </a:fillRef>
+          <a:effectRef idx="2">
+            <a:schemeClr val="dk1"/>
+          </a:effectRef>
+          <a:fontRef idx="minor">
+            <a:schemeClr val="tx1"/>
+          </a:fontRef>
+        </p:style>
+      </p:cxnSp>
+      <p:cxnSp>
+        <p:nvCxnSpPr>
+          <p:cNvPr id="35" name="Elbow Connector 37"/>
+          <p:cNvCxnSpPr>
+            <a:cxnSpLocks/>
+            <a:stCxn id="24" idx="1"/>
+          </p:cNvCxnSpPr>
+          <p:nvPr/>
+        </p:nvCxnSpPr>
+        <p:spPr>
+          <a:xfrm flipH="1" flipV="1">
+            <a:off x="4300057" y="4102779"/>
+            <a:ext cx="450364" cy="165383"/>
+          </a:xfrm>
+          <a:prstGeom prst="straightConnector1">
+            <a:avLst/>
+          </a:prstGeom>
+          <a:ln>
+            <a:tailEnd type="triangle"/>
+          </a:ln>
+        </p:spPr>
+        <p:style>
+          <a:lnRef idx="3">
+            <a:schemeClr val="dk1"/>
+          </a:lnRef>
+          <a:fillRef idx="0">
+            <a:schemeClr val="dk1"/>
+          </a:fillRef>
+          <a:effectRef idx="2">
+            <a:schemeClr val="dk1"/>
+          </a:effectRef>
+          <a:fontRef idx="minor">
+            <a:schemeClr val="tx1"/>
+          </a:fontRef>
+        </p:style>
+      </p:cxnSp>
+      <p:cxnSp>
+        <p:nvCxnSpPr>
+          <p:cNvPr id="37" name="Elbow Connector 37"/>
+          <p:cNvCxnSpPr>
+            <a:cxnSpLocks/>
+            <a:stCxn id="24" idx="0"/>
+          </p:cNvCxnSpPr>
+          <p:nvPr/>
+        </p:nvCxnSpPr>
+        <p:spPr>
+          <a:xfrm flipH="1" flipV="1">
+            <a:off x="5595185" y="3619081"/>
+            <a:ext cx="11990" cy="284833"/>
+          </a:xfrm>
+          <a:prstGeom prst="straightConnector1">
+            <a:avLst/>
+          </a:prstGeom>
+          <a:ln>
+            <a:tailEnd type="triangle"/>
+          </a:ln>
+        </p:spPr>
+        <p:style>
+          <a:lnRef idx="3">
+            <a:schemeClr val="dk1"/>
+          </a:lnRef>
+          <a:fillRef idx="0">
+            <a:schemeClr val="dk1"/>
+          </a:fillRef>
+          <a:effectRef idx="2">
+            <a:schemeClr val="dk1"/>
+          </a:effectRef>
+          <a:fontRef idx="minor">
+            <a:schemeClr val="tx1"/>
+          </a:fontRef>
+        </p:style>
+      </p:cxnSp>
+      <p:sp>
+        <p:nvSpPr>
+          <p:cNvPr id="39" name="TextBox 38"/>
+          <p:cNvSpPr txBox="1"/>
+          <p:nvPr/>
+        </p:nvSpPr>
+        <p:spPr>
+          <a:xfrm>
+            <a:off x="6585385" y="4340021"/>
+            <a:ext cx="745717" cy="584775"/>
+          </a:xfrm>
+          <a:prstGeom prst="rect">
+            <a:avLst/>
+          </a:prstGeom>
+          <a:noFill/>
+        </p:spPr>
+        <p:txBody>
+          <a:bodyPr wrap="none" rtlCol="0">
+            <a:spAutoFit/>
+          </a:bodyPr>
+          <a:lstStyle/>
+          <a:p>
+            <a:r>
+              <a:rPr lang="en-US" sz="1600" dirty="0"/>
+              <a:t>Billing</a:t>
+            </a:r>
+          </a:p>
+          <a:p>
+            <a:r>
+              <a:rPr lang="en-US" sz="1600" dirty="0"/>
+              <a:t>Engine</a:t>
+            </a:r>
+          </a:p>
+        </p:txBody>
+      </p:sp>
+      <p:cxnSp>
+        <p:nvCxnSpPr>
+          <p:cNvPr id="40" name="Elbow Connector 37"/>
+          <p:cNvCxnSpPr>
+            <a:cxnSpLocks/>
+            <a:stCxn id="24" idx="2"/>
+          </p:cNvCxnSpPr>
+          <p:nvPr/>
+        </p:nvCxnSpPr>
+        <p:spPr>
+          <a:xfrm>
+            <a:off x="5607175" y="4632409"/>
+            <a:ext cx="130991" cy="756455"/>
+          </a:xfrm>
+          <a:prstGeom prst="straightConnector1">
+            <a:avLst/>
+          </a:prstGeom>
+          <a:ln>
+            <a:tailEnd type="triangle"/>
+          </a:ln>
+        </p:spPr>
+        <p:style>
+          <a:lnRef idx="3">
+            <a:schemeClr val="dk1"/>
+          </a:lnRef>
+          <a:fillRef idx="0">
+            <a:schemeClr val="dk1"/>
+          </a:fillRef>
+          <a:effectRef idx="2">
+            <a:schemeClr val="dk1"/>
+          </a:effectRef>
+          <a:fontRef idx="minor">
+            <a:schemeClr val="tx1"/>
+          </a:fontRef>
+        </p:style>
+      </p:cxnSp>
+      <p:sp>
+        <p:nvSpPr>
+          <p:cNvPr id="41" name="Rounded Rectangle 6"/>
+          <p:cNvSpPr/>
+          <p:nvPr/>
+        </p:nvSpPr>
+        <p:spPr>
+          <a:xfrm>
+            <a:off x="4984119" y="5476253"/>
+            <a:ext cx="1610949" cy="728495"/>
+          </a:xfrm>
+          <a:prstGeom prst="roundRect">
+            <a:avLst/>
+          </a:prstGeom>
+          <a:solidFill>
+            <a:srgbClr val="DEEBF6"/>
+          </a:solidFill>
+          <a:ln cap="rnd">
+            <a:prstDash val="dashDot"/>
+            <a:round/>
+          </a:ln>
+          <a:effectLst>
+            <a:outerShdw blurRad="50800" dist="38100" dir="2700000" algn="tl" rotWithShape="0">
+              <a:prstClr val="black">
+                <a:alpha val="40000"/>
+              </a:prstClr>
+            </a:outerShdw>
+          </a:effectLst>
+        </p:spPr>
+        <p:style>
+          <a:lnRef idx="2">
+            <a:schemeClr val="accent1">
+              <a:shade val="50000"/>
+            </a:schemeClr>
+          </a:lnRef>
+          <a:fillRef idx="1">
+            <a:schemeClr val="accent1"/>
+          </a:fillRef>
+          <a:effectRef idx="0">
+            <a:schemeClr val="accent1"/>
+          </a:effectRef>
+          <a:fontRef idx="minor">
+            <a:schemeClr val="lt1"/>
+          </a:fontRef>
+        </p:style>
+        <p:txBody>
+          <a:bodyPr rtlCol="0" anchor="ctr"/>
+          <a:lstStyle/>
+          <a:p>
+            <a:pPr algn="ctr"/>
+            <a:r>
+              <a:rPr lang="en-US" dirty="0">
+                <a:solidFill>
+                  <a:schemeClr val="bg1">
+                    <a:lumMod val="65000"/>
+                  </a:schemeClr>
+                </a:solidFill>
+              </a:rPr>
+              <a:t>Referral Request</a:t>
+            </a:r>
+            <a:endParaRPr lang="en-AU" dirty="0">
+              <a:solidFill>
+                <a:schemeClr val="bg1">
+                  <a:lumMod val="65000"/>
+                </a:schemeClr>
+              </a:solidFill>
+            </a:endParaRPr>
+          </a:p>
+        </p:txBody>
+      </p:sp>
+      <p:cxnSp>
+        <p:nvCxnSpPr>
+          <p:cNvPr id="45" name="Elbow Connector 37"/>
+          <p:cNvCxnSpPr>
+            <a:cxnSpLocks/>
+            <a:stCxn id="30" idx="2"/>
+          </p:cNvCxnSpPr>
+          <p:nvPr/>
+        </p:nvCxnSpPr>
+        <p:spPr>
+          <a:xfrm flipH="1">
+            <a:off x="6868895" y="4620424"/>
+            <a:ext cx="1277517" cy="768440"/>
+          </a:xfrm>
+          <a:prstGeom prst="straightConnector1">
+            <a:avLst/>
+          </a:prstGeom>
+          <a:ln>
+            <a:tailEnd type="triangle"/>
+          </a:ln>
+        </p:spPr>
+        <p:style>
+          <a:lnRef idx="3">
+            <a:schemeClr val="dk1"/>
+          </a:lnRef>
+          <a:fillRef idx="0">
+            <a:schemeClr val="dk1"/>
+          </a:fillRef>
+          <a:effectRef idx="2">
+            <a:schemeClr val="dk1"/>
+          </a:effectRef>
+          <a:fontRef idx="minor">
+            <a:schemeClr val="tx1"/>
+          </a:fontRef>
+        </p:style>
+      </p:cxnSp>
+      <p:sp>
+        <p:nvSpPr>
+          <p:cNvPr id="51" name="Rounded Rectangle 6"/>
+          <p:cNvSpPr/>
+          <p:nvPr/>
+        </p:nvSpPr>
+        <p:spPr>
+          <a:xfrm>
+            <a:off x="5136519" y="5628653"/>
+            <a:ext cx="1610949" cy="728495"/>
+          </a:xfrm>
+          <a:prstGeom prst="roundRect">
+            <a:avLst/>
+          </a:prstGeom>
+          <a:solidFill>
+            <a:srgbClr val="DEEBF6"/>
+          </a:solidFill>
+          <a:ln cap="rnd">
+            <a:prstDash val="dashDot"/>
+            <a:round/>
+          </a:ln>
+          <a:effectLst>
+            <a:outerShdw blurRad="50800" dist="38100" dir="2700000" algn="tl" rotWithShape="0">
+              <a:prstClr val="black">
+                <a:alpha val="40000"/>
+              </a:prstClr>
+            </a:outerShdw>
+          </a:effectLst>
+        </p:spPr>
+        <p:style>
+          <a:lnRef idx="2">
+            <a:schemeClr val="accent1">
+              <a:shade val="50000"/>
+            </a:schemeClr>
+          </a:lnRef>
+          <a:fillRef idx="1">
+            <a:schemeClr val="accent1"/>
+          </a:fillRef>
+          <a:effectRef idx="0">
+            <a:schemeClr val="accent1"/>
+          </a:effectRef>
+          <a:fontRef idx="minor">
+            <a:schemeClr val="lt1"/>
+          </a:fontRef>
+        </p:style>
+        <p:txBody>
+          <a:bodyPr rtlCol="0" anchor="ctr"/>
+          <a:lstStyle/>
+          <a:p>
+            <a:pPr algn="ctr"/>
+            <a:r>
+              <a:rPr lang="en-US" dirty="0">
+                <a:solidFill>
+                  <a:schemeClr val="bg1">
+                    <a:lumMod val="65000"/>
+                  </a:schemeClr>
+                </a:solidFill>
+              </a:rPr>
+              <a:t>Referral Request</a:t>
+            </a:r>
+            <a:endParaRPr lang="en-AU" dirty="0">
+              <a:solidFill>
+                <a:schemeClr val="bg1">
+                  <a:lumMod val="65000"/>
+                </a:schemeClr>
               </a:solidFill>
             </a:endParaRPr>
           </a:p>
@@ -11471,11 +11814,13 @@
         </p:nvSpPr>
         <p:spPr>
           <a:xfrm>
-            <a:off x="1140457" y="1574545"/>
-            <a:ext cx="8649148" cy="1240955"/>
+            <a:off x="1615905" y="1253613"/>
+            <a:ext cx="5527107" cy="2082959"/>
           </a:xfrm>
           <a:prstGeom prst="roundRect">
-            <a:avLst/>
+            <a:avLst>
+              <a:gd name="adj" fmla="val 11003"/>
+            </a:avLst>
           </a:prstGeom>
           <a:solidFill>
             <a:schemeClr val="bg1"/>
@@ -11528,7 +11873,7 @@
         </p:nvCxnSpPr>
         <p:spPr>
           <a:xfrm flipV="1">
-            <a:off x="1901212" y="2925295"/>
+            <a:off x="1969707" y="3456237"/>
             <a:ext cx="583449" cy="1194229"/>
           </a:xfrm>
           <a:prstGeom prst="straightConnector1">
@@ -11561,7 +11906,7 @@
         </p:nvCxnSpPr>
         <p:spPr>
           <a:xfrm flipH="1" flipV="1">
-            <a:off x="4274368" y="4702537"/>
+            <a:off x="4342863" y="5233479"/>
             <a:ext cx="1" cy="567818"/>
           </a:xfrm>
           <a:prstGeom prst="straightConnector1">
@@ -11594,7 +11939,7 @@
         </p:nvCxnSpPr>
         <p:spPr>
           <a:xfrm>
-            <a:off x="4926223" y="4367605"/>
+            <a:off x="4994718" y="4898547"/>
             <a:ext cx="1091140" cy="243297"/>
           </a:xfrm>
           <a:prstGeom prst="straightConnector1">
@@ -11627,7 +11972,7 @@
         </p:nvCxnSpPr>
         <p:spPr>
           <a:xfrm flipV="1">
-            <a:off x="4913190" y="5112355"/>
+            <a:off x="4981685" y="5643297"/>
             <a:ext cx="1104173" cy="231224"/>
           </a:xfrm>
           <a:prstGeom prst="straightConnector1">
@@ -11660,7 +12005,7 @@
         </p:nvCxnSpPr>
         <p:spPr>
           <a:xfrm flipH="1">
-            <a:off x="2712362" y="4366166"/>
+            <a:off x="2780857" y="4897108"/>
             <a:ext cx="878051" cy="686027"/>
           </a:xfrm>
           <a:prstGeom prst="straightConnector1">
@@ -11693,7 +12038,7 @@
         </p:nvCxnSpPr>
         <p:spPr>
           <a:xfrm flipV="1">
-            <a:off x="1753992" y="4742698"/>
+            <a:off x="1822487" y="5273640"/>
             <a:ext cx="0" cy="485269"/>
           </a:xfrm>
           <a:prstGeom prst="straightConnector1">
@@ -11726,7 +12071,7 @@
         </p:nvSpPr>
         <p:spPr>
           <a:xfrm>
-            <a:off x="1343956" y="1806831"/>
+            <a:off x="1948687" y="1470681"/>
             <a:ext cx="1468649" cy="728495"/>
           </a:xfrm>
           <a:prstGeom prst="roundRect">
@@ -11791,7 +12136,7 @@
         </p:nvSpPr>
         <p:spPr>
           <a:xfrm>
-            <a:off x="2971573" y="1804145"/>
+            <a:off x="1964883" y="2382967"/>
             <a:ext cx="1468649" cy="728495"/>
           </a:xfrm>
           <a:prstGeom prst="roundRect">
@@ -11856,7 +12201,7 @@
         </p:nvSpPr>
         <p:spPr>
           <a:xfrm>
-            <a:off x="4600406" y="1800552"/>
+            <a:off x="3617383" y="1497641"/>
             <a:ext cx="1468649" cy="728495"/>
           </a:xfrm>
           <a:prstGeom prst="roundRect">
@@ -11924,7 +12269,7 @@
         </p:nvSpPr>
         <p:spPr>
           <a:xfrm>
-            <a:off x="6228023" y="1800551"/>
+            <a:off x="5285920" y="1507553"/>
             <a:ext cx="1468649" cy="728495"/>
           </a:xfrm>
           <a:prstGeom prst="roundRect">
@@ -11983,20 +12328,42 @@
       </p:sp>
       <p:sp>
         <p:nvSpPr>
-          <p:cNvPr id="19" name="Rounded Rectangle 36"/>
+          <p:cNvPr id="2" name="Title 1"/>
+          <p:cNvSpPr>
+            <a:spLocks noGrp="1"/>
+          </p:cNvSpPr>
+          <p:nvPr>
+            <p:ph type="title"/>
+          </p:nvPr>
+        </p:nvSpPr>
+        <p:spPr/>
+        <p:txBody>
+          <a:bodyPr/>
+          <a:lstStyle/>
+          <a:p>
+            <a:r>
+              <a:rPr lang="en-AU" dirty="0"/>
+              <a:t>Scheduling</a:t>
+            </a:r>
+          </a:p>
+        </p:txBody>
+      </p:sp>
+      <p:sp>
+        <p:nvSpPr>
+          <p:cNvPr id="26" name="Rounded Rectangle 8"/>
           <p:cNvSpPr/>
           <p:nvPr/>
         </p:nvSpPr>
         <p:spPr>
           <a:xfrm>
-            <a:off x="5067589" y="2248837"/>
-            <a:ext cx="909353" cy="405321"/>
+            <a:off x="904689" y="4353187"/>
+            <a:ext cx="1691717" cy="728495"/>
           </a:xfrm>
           <a:prstGeom prst="roundRect">
             <a:avLst/>
           </a:prstGeom>
           <a:solidFill>
-            <a:srgbClr val="71A7D9"/>
+            <a:srgbClr val="CEE1F2"/>
           </a:solidFill>
           <a:ln cap="rnd">
             <a:round/>
@@ -12036,49 +12403,34 @@
                   <a:schemeClr val="tx1"/>
                 </a:solidFill>
               </a:rPr>
-              <a:t>Role</a:t>
-            </a:r>
-          </a:p>
-        </p:txBody>
-      </p:sp>
-      <p:sp>
-        <p:nvSpPr>
-          <p:cNvPr id="2" name="Title 1"/>
-          <p:cNvSpPr>
-            <a:spLocks noGrp="1"/>
-          </p:cNvSpPr>
-          <p:nvPr>
-            <p:ph type="title"/>
-          </p:nvPr>
-        </p:nvSpPr>
-        <p:spPr/>
-        <p:txBody>
-          <a:bodyPr/>
-          <a:lstStyle/>
-          <a:p>
-            <a:r>
-              <a:rPr lang="en-AU" dirty="0"/>
-              <a:t>Scheduling</a:t>
-            </a:r>
-          </a:p>
-        </p:txBody>
-      </p:sp>
-      <p:sp>
-        <p:nvSpPr>
-          <p:cNvPr id="26" name="Rounded Rectangle 8"/>
+              <a:t>Schedule</a:t>
+            </a:r>
+            <a:endParaRPr lang="en-AU" dirty="0">
+              <a:solidFill>
+                <a:schemeClr val="tx1"/>
+              </a:solidFill>
+            </a:endParaRPr>
+          </a:p>
+        </p:txBody>
+      </p:sp>
+      <p:sp>
+        <p:nvSpPr>
+          <p:cNvPr id="27" name="Rounded Rectangle 5"/>
           <p:cNvSpPr/>
           <p:nvPr/>
         </p:nvSpPr>
         <p:spPr>
           <a:xfrm>
-            <a:off x="836194" y="3822245"/>
-            <a:ext cx="1691717" cy="728495"/>
+            <a:off x="6249634" y="4468241"/>
+            <a:ext cx="4004270" cy="2043184"/>
           </a:xfrm>
           <a:prstGeom prst="roundRect">
-            <a:avLst/>
+            <a:avLst>
+              <a:gd name="adj" fmla="val 6072"/>
+            </a:avLst>
           </a:prstGeom>
           <a:solidFill>
-            <a:srgbClr val="CEE1F2"/>
+            <a:schemeClr val="bg1"/>
           </a:solidFill>
           <a:ln cap="rnd">
             <a:round/>
@@ -12108,18 +12460,10 @@
           </a:fontRef>
         </p:style>
         <p:txBody>
-          <a:bodyPr rtlCol="0" anchor="ctr"/>
+          <a:bodyPr rtlCol="0" anchor="t" anchorCtr="0"/>
           <a:lstStyle/>
           <a:p>
             <a:pPr algn="ctr"/>
-            <a:r>
-              <a:rPr lang="en-US" dirty="0">
-                <a:solidFill>
-                  <a:schemeClr val="tx1"/>
-                </a:solidFill>
-              </a:rPr>
-              <a:t>Schedule</a:t>
-            </a:r>
             <a:endParaRPr lang="en-AU" dirty="0">
               <a:solidFill>
                 <a:schemeClr val="tx1"/>
@@ -12130,22 +12474,20 @@
       </p:sp>
       <p:sp>
         <p:nvSpPr>
-          <p:cNvPr id="27" name="Rounded Rectangle 5"/>
+          <p:cNvPr id="28" name="Rounded Rectangle 5"/>
           <p:cNvSpPr/>
           <p:nvPr/>
         </p:nvSpPr>
         <p:spPr>
           <a:xfrm>
-            <a:off x="6181139" y="3937299"/>
-            <a:ext cx="4004270" cy="2043184"/>
+            <a:off x="8341544" y="5586619"/>
+            <a:ext cx="1694439" cy="728495"/>
           </a:xfrm>
           <a:prstGeom prst="roundRect">
-            <a:avLst>
-              <a:gd name="adj" fmla="val 6072"/>
-            </a:avLst>
+            <a:avLst/>
           </a:prstGeom>
           <a:solidFill>
-            <a:schemeClr val="bg1"/>
+            <a:srgbClr val="CEE1F2"/>
           </a:solidFill>
           <a:ln cap="rnd">
             <a:round/>
@@ -12175,10 +12517,18 @@
           </a:fontRef>
         </p:style>
         <p:txBody>
-          <a:bodyPr rtlCol="0" anchor="t" anchorCtr="0"/>
+          <a:bodyPr rtlCol="0" anchor="ctr"/>
           <a:lstStyle/>
           <a:p>
             <a:pPr algn="ctr"/>
+            <a:r>
+              <a:rPr lang="en-US" dirty="0">
+                <a:solidFill>
+                  <a:schemeClr val="tx1"/>
+                </a:solidFill>
+              </a:rPr>
+              <a:t>…</a:t>
+            </a:r>
             <a:endParaRPr lang="en-AU" dirty="0">
               <a:solidFill>
                 <a:schemeClr val="tx1"/>
@@ -12189,13 +12539,13 @@
       </p:sp>
       <p:sp>
         <p:nvSpPr>
-          <p:cNvPr id="28" name="Rounded Rectangle 5"/>
+          <p:cNvPr id="29" name="Rounded Rectangle 5"/>
           <p:cNvSpPr/>
           <p:nvPr/>
         </p:nvSpPr>
         <p:spPr>
           <a:xfrm>
-            <a:off x="8273049" y="5055677"/>
+            <a:off x="6435086" y="4700223"/>
             <a:ext cx="1694439" cy="728495"/>
           </a:xfrm>
           <a:prstGeom prst="roundRect">
@@ -12242,7 +12592,7 @@
                   <a:schemeClr val="tx1"/>
                 </a:solidFill>
               </a:rPr>
-              <a:t>…</a:t>
+              <a:t>Patient</a:t>
             </a:r>
             <a:endParaRPr lang="en-AU" dirty="0">
               <a:solidFill>
@@ -12254,13 +12604,13 @@
       </p:sp>
       <p:sp>
         <p:nvSpPr>
-          <p:cNvPr id="29" name="Rounded Rectangle 5"/>
+          <p:cNvPr id="30" name="Rounded Rectangle 5"/>
           <p:cNvSpPr/>
           <p:nvPr/>
         </p:nvSpPr>
         <p:spPr>
           <a:xfrm>
-            <a:off x="6366591" y="4169281"/>
+            <a:off x="6435087" y="5585180"/>
             <a:ext cx="1694439" cy="728495"/>
           </a:xfrm>
           <a:prstGeom prst="roundRect">
@@ -12307,7 +12657,7 @@
                   <a:schemeClr val="tx1"/>
                 </a:solidFill>
               </a:rPr>
-              <a:t>Patient</a:t>
+              <a:t>Location</a:t>
             </a:r>
             <a:endParaRPr lang="en-AU" dirty="0">
               <a:solidFill>
@@ -12319,14 +12669,14 @@
       </p:sp>
       <p:sp>
         <p:nvSpPr>
-          <p:cNvPr id="30" name="Rounded Rectangle 5"/>
+          <p:cNvPr id="31" name="Rounded Rectangle 7"/>
           <p:cNvSpPr/>
           <p:nvPr/>
         </p:nvSpPr>
         <p:spPr>
           <a:xfrm>
-            <a:off x="6366592" y="5054238"/>
-            <a:ext cx="1694439" cy="728495"/>
+            <a:off x="8313976" y="4700223"/>
+            <a:ext cx="1722007" cy="728495"/>
           </a:xfrm>
           <a:prstGeom prst="roundRect">
             <a:avLst/>
@@ -12372,26 +12722,21 @@
                   <a:schemeClr val="tx1"/>
                 </a:solidFill>
               </a:rPr>
-              <a:t>Location</a:t>
-            </a:r>
-            <a:endParaRPr lang="en-AU" dirty="0">
-              <a:solidFill>
-                <a:schemeClr val="tx1"/>
-              </a:solidFill>
-            </a:endParaRPr>
-          </a:p>
-        </p:txBody>
-      </p:sp>
-      <p:sp>
-        <p:nvSpPr>
-          <p:cNvPr id="31" name="Rounded Rectangle 7"/>
+              <a:t>Practitioner</a:t>
+            </a:r>
+          </a:p>
+        </p:txBody>
+      </p:sp>
+      <p:sp>
+        <p:nvSpPr>
+          <p:cNvPr id="33" name="Rounded Rectangle 5"/>
           <p:cNvSpPr/>
           <p:nvPr/>
         </p:nvSpPr>
         <p:spPr>
           <a:xfrm>
-            <a:off x="8245481" y="4169281"/>
-            <a:ext cx="1722007" cy="728495"/>
+            <a:off x="5286394" y="2382966"/>
+            <a:ext cx="1468175" cy="728495"/>
           </a:xfrm>
           <a:prstGeom prst="roundRect">
             <a:avLst/>
@@ -12437,21 +12782,26 @@
                   <a:schemeClr val="tx1"/>
                 </a:solidFill>
               </a:rPr>
-              <a:t>Practitioner</a:t>
-            </a:r>
-          </a:p>
-        </p:txBody>
-      </p:sp>
-      <p:sp>
-        <p:nvSpPr>
-          <p:cNvPr id="33" name="Rounded Rectangle 5"/>
+              <a:t>Patient</a:t>
+            </a:r>
+            <a:endParaRPr lang="en-AU" dirty="0">
+              <a:solidFill>
+                <a:schemeClr val="tx1"/>
+              </a:solidFill>
+            </a:endParaRPr>
+          </a:p>
+        </p:txBody>
+      </p:sp>
+      <p:sp>
+        <p:nvSpPr>
+          <p:cNvPr id="34" name="Rounded Rectangle 8"/>
           <p:cNvSpPr/>
           <p:nvPr/>
         </p:nvSpPr>
         <p:spPr>
           <a:xfrm>
-            <a:off x="7855640" y="1808949"/>
-            <a:ext cx="1694439" cy="728495"/>
+            <a:off x="976474" y="5586619"/>
+            <a:ext cx="1692027" cy="728495"/>
           </a:xfrm>
           <a:prstGeom prst="roundRect">
             <a:avLst/>
@@ -12497,7 +12847,7 @@
                   <a:schemeClr val="tx1"/>
                 </a:solidFill>
               </a:rPr>
-              <a:t>Patient</a:t>
+              <a:t>Slot</a:t>
             </a:r>
             <a:endParaRPr lang="en-AU" dirty="0">
               <a:solidFill>
@@ -12509,14 +12859,14 @@
       </p:sp>
       <p:sp>
         <p:nvSpPr>
-          <p:cNvPr id="34" name="Rounded Rectangle 8"/>
+          <p:cNvPr id="35" name="Rounded Rectangle 8"/>
           <p:cNvSpPr/>
           <p:nvPr/>
         </p:nvSpPr>
         <p:spPr>
           <a:xfrm>
-            <a:off x="907979" y="5055677"/>
-            <a:ext cx="1692027" cy="728495"/>
+            <a:off x="3447547" y="4353187"/>
+            <a:ext cx="1688537" cy="728495"/>
           </a:xfrm>
           <a:prstGeom prst="roundRect">
             <a:avLst/>
@@ -12562,7 +12912,7 @@
                   <a:schemeClr val="tx1"/>
                 </a:solidFill>
               </a:rPr>
-              <a:t>Slot</a:t>
+              <a:t>Appointment</a:t>
             </a:r>
             <a:endParaRPr lang="en-AU" dirty="0">
               <a:solidFill>
@@ -12574,13 +12924,13 @@
       </p:sp>
       <p:sp>
         <p:nvSpPr>
-          <p:cNvPr id="35" name="Rounded Rectangle 8"/>
+          <p:cNvPr id="36" name="Rounded Rectangle 8"/>
           <p:cNvSpPr/>
           <p:nvPr/>
         </p:nvSpPr>
         <p:spPr>
           <a:xfrm>
-            <a:off x="3379052" y="3822245"/>
+            <a:off x="3498595" y="5583135"/>
             <a:ext cx="1688537" cy="728495"/>
           </a:xfrm>
           <a:prstGeom prst="roundRect">
@@ -12627,7 +12977,7 @@
                   <a:schemeClr val="tx1"/>
                 </a:solidFill>
               </a:rPr>
-              <a:t>Appointment</a:t>
+              <a:t>Appointment Response</a:t>
             </a:r>
             <a:endParaRPr lang="en-AU" dirty="0">
               <a:solidFill>
@@ -12639,14 +12989,105 @@
       </p:sp>
       <p:sp>
         <p:nvSpPr>
-          <p:cNvPr id="36" name="Rounded Rectangle 8"/>
+          <p:cNvPr id="57" name="TextBox 56"/>
+          <p:cNvSpPr txBox="1"/>
+          <p:nvPr/>
+        </p:nvSpPr>
+        <p:spPr>
+          <a:xfrm>
+            <a:off x="1094623" y="3678973"/>
+            <a:ext cx="1225528" cy="338554"/>
+          </a:xfrm>
+          <a:prstGeom prst="rect">
+            <a:avLst/>
+          </a:prstGeom>
+          <a:noFill/>
+        </p:spPr>
+        <p:txBody>
+          <a:bodyPr wrap="none" rtlCol="0">
+            <a:spAutoFit/>
+          </a:bodyPr>
+          <a:lstStyle/>
+          <a:p>
+            <a:r>
+              <a:rPr lang="en-US" sz="1600" dirty="0"/>
+              <a:t>Schedule for</a:t>
+            </a:r>
+          </a:p>
+        </p:txBody>
+      </p:sp>
+      <p:sp>
+        <p:nvSpPr>
+          <p:cNvPr id="58" name="TextBox 57"/>
+          <p:cNvSpPr txBox="1"/>
+          <p:nvPr/>
+        </p:nvSpPr>
+        <p:spPr>
+          <a:xfrm>
+            <a:off x="5034173" y="5220959"/>
+            <a:ext cx="1164165" cy="338554"/>
+          </a:xfrm>
+          <a:prstGeom prst="rect">
+            <a:avLst/>
+          </a:prstGeom>
+          <a:noFill/>
+        </p:spPr>
+        <p:txBody>
+          <a:bodyPr wrap="none" rtlCol="0">
+            <a:spAutoFit/>
+          </a:bodyPr>
+          <a:lstStyle/>
+          <a:p>
+            <a:r>
+              <a:rPr lang="en-US" sz="1600" dirty="0"/>
+              <a:t>Participants</a:t>
+            </a:r>
+          </a:p>
+        </p:txBody>
+      </p:sp>
+      <p:cxnSp>
+        <p:nvCxnSpPr>
+          <p:cNvPr id="60" name="Elbow Connector 37"/>
+          <p:cNvCxnSpPr/>
+          <p:nvPr/>
+        </p:nvCxnSpPr>
+        <p:spPr>
+          <a:xfrm flipH="1">
+            <a:off x="5296712" y="4017527"/>
+            <a:ext cx="2108498" cy="385332"/>
+          </a:xfrm>
+          <a:prstGeom prst="straightConnector1">
+            <a:avLst/>
+          </a:prstGeom>
+          <a:ln>
+            <a:tailEnd type="triangle"/>
+          </a:ln>
+        </p:spPr>
+        <p:style>
+          <a:lnRef idx="3">
+            <a:schemeClr val="dk1"/>
+          </a:lnRef>
+          <a:fillRef idx="0">
+            <a:schemeClr val="dk1"/>
+          </a:fillRef>
+          <a:effectRef idx="2">
+            <a:schemeClr val="dk1"/>
+          </a:effectRef>
+          <a:fontRef idx="minor">
+            <a:schemeClr val="tx1"/>
+          </a:fontRef>
+        </p:style>
+      </p:cxnSp>
+      <p:sp>
+        <p:nvSpPr>
+          <p:cNvPr id="59" name="Rounded Rectangle 8"/>
           <p:cNvSpPr/>
           <p:nvPr/>
         </p:nvSpPr>
         <p:spPr>
           <a:xfrm>
-            <a:off x="3430100" y="5052193"/>
-            <a:ext cx="1688537" cy="728495"/>
+            <a:off x="7282305" y="3528530"/>
+            <a:ext cx="1692027" cy="728495"/>
           </a:xfrm>
           <a:prstGeom prst="roundRect">
             <a:avLst/>
@@ -12692,7 +13133,7 @@
                   <a:schemeClr val="tx1"/>
                 </a:solidFill>
               </a:rPr>
-              <a:t>Appointment Response</a:t>
+              <a:t>Encounter</a:t>
             </a:r>
             <a:endParaRPr lang="en-AU" dirty="0">
               <a:solidFill>
@@ -12704,14 +13145,14 @@
       </p:sp>
       <p:sp>
         <p:nvSpPr>
-          <p:cNvPr id="57" name="TextBox 56"/>
+          <p:cNvPr id="64" name="TextBox 63"/>
           <p:cNvSpPr txBox="1"/>
           <p:nvPr/>
         </p:nvSpPr>
         <p:spPr>
           <a:xfrm>
-            <a:off x="1026128" y="3148031"/>
-            <a:ext cx="1225528" cy="338554"/>
+            <a:off x="5943933" y="3764466"/>
+            <a:ext cx="1105367" cy="338554"/>
           </a:xfrm>
           <a:prstGeom prst="rect">
             <a:avLst/>
@@ -12726,83 +13167,21 @@
           <a:p>
             <a:r>
               <a:rPr lang="en-US" sz="1600" dirty="0"/>
-              <a:t>Schedule for</a:t>
-            </a:r>
-          </a:p>
-        </p:txBody>
-      </p:sp>
-      <p:sp>
-        <p:nvSpPr>
-          <p:cNvPr id="58" name="TextBox 57"/>
-          <p:cNvSpPr txBox="1"/>
-          <p:nvPr/>
-        </p:nvSpPr>
-        <p:spPr>
-          <a:xfrm>
-            <a:off x="4965678" y="4690017"/>
-            <a:ext cx="1164165" cy="338554"/>
-          </a:xfrm>
-          <a:prstGeom prst="rect">
-            <a:avLst/>
-          </a:prstGeom>
-          <a:noFill/>
-        </p:spPr>
-        <p:txBody>
-          <a:bodyPr wrap="none" rtlCol="0">
-            <a:spAutoFit/>
-          </a:bodyPr>
-          <a:lstStyle/>
-          <a:p>
-            <a:r>
-              <a:rPr lang="en-US" sz="1600" dirty="0"/>
-              <a:t>Participants</a:t>
-            </a:r>
-          </a:p>
-        </p:txBody>
-      </p:sp>
-      <p:cxnSp>
-        <p:nvCxnSpPr>
-          <p:cNvPr id="60" name="Elbow Connector 37"/>
-          <p:cNvCxnSpPr/>
-          <p:nvPr/>
-        </p:nvCxnSpPr>
-        <p:spPr>
-          <a:xfrm flipH="1">
-            <a:off x="5228217" y="3486585"/>
-            <a:ext cx="2108498" cy="385332"/>
-          </a:xfrm>
-          <a:prstGeom prst="straightConnector1">
-            <a:avLst/>
-          </a:prstGeom>
-          <a:ln>
-            <a:tailEnd type="triangle"/>
-          </a:ln>
-        </p:spPr>
-        <p:style>
-          <a:lnRef idx="3">
-            <a:schemeClr val="dk1"/>
-          </a:lnRef>
-          <a:fillRef idx="0">
-            <a:schemeClr val="dk1"/>
-          </a:fillRef>
-          <a:effectRef idx="2">
-            <a:schemeClr val="dk1"/>
-          </a:effectRef>
-          <a:fontRef idx="minor">
-            <a:schemeClr val="tx1"/>
-          </a:fontRef>
-        </p:style>
-      </p:cxnSp>
-      <p:sp>
-        <p:nvSpPr>
-          <p:cNvPr id="59" name="Rounded Rectangle 8"/>
+              <a:t>Planned by</a:t>
+            </a:r>
+          </a:p>
+        </p:txBody>
+      </p:sp>
+      <p:sp>
+        <p:nvSpPr>
+          <p:cNvPr id="37" name="Rounded Rectangle 7"/>
           <p:cNvSpPr/>
           <p:nvPr/>
         </p:nvSpPr>
         <p:spPr>
           <a:xfrm>
-            <a:off x="7213810" y="2997588"/>
-            <a:ext cx="1692027" cy="728495"/>
+            <a:off x="3629235" y="2395490"/>
+            <a:ext cx="1468649" cy="728495"/>
           </a:xfrm>
           <a:prstGeom prst="roundRect">
             <a:avLst/>
@@ -12848,41 +13227,18 @@
                   <a:schemeClr val="tx1"/>
                 </a:solidFill>
               </a:rPr>
-              <a:t>Encounter</a:t>
-            </a:r>
-            <a:endParaRPr lang="en-AU" dirty="0">
-              <a:solidFill>
-                <a:schemeClr val="tx1"/>
-              </a:solidFill>
-            </a:endParaRPr>
-          </a:p>
-        </p:txBody>
-      </p:sp>
-      <p:sp>
-        <p:nvSpPr>
-          <p:cNvPr id="64" name="TextBox 63"/>
-          <p:cNvSpPr txBox="1"/>
-          <p:nvPr/>
-        </p:nvSpPr>
-        <p:spPr>
-          <a:xfrm>
-            <a:off x="5875438" y="3233524"/>
-            <a:ext cx="1105367" cy="338554"/>
-          </a:xfrm>
-          <a:prstGeom prst="rect">
-            <a:avLst/>
-          </a:prstGeom>
-          <a:noFill/>
-        </p:spPr>
-        <p:txBody>
-          <a:bodyPr wrap="none" rtlCol="0">
-            <a:spAutoFit/>
-          </a:bodyPr>
-          <a:lstStyle/>
-          <a:p>
-            <a:r>
-              <a:rPr lang="en-US" sz="1600" dirty="0"/>
-              <a:t>Planned by</a:t>
+              <a:t>Practitioner</a:t>
+            </a:r>
+          </a:p>
+          <a:p>
+            <a:pPr algn="ctr"/>
+            <a:r>
+              <a:rPr lang="en-AU" dirty="0">
+                <a:solidFill>
+                  <a:schemeClr val="tx1"/>
+                </a:solidFill>
+              </a:rPr>
+              <a:t>Role</a:t>
             </a:r>
           </a:p>
         </p:txBody>

--- a/images/source/administration-module-resources.pptx
+++ b/images/source/administration-module-resources.pptx
@@ -251,7 +251,7 @@
           <a:p>
             <a:fld id="{DE4E7392-00FF-4A5B-A4FB-CA939482D6BD}" type="datetimeFigureOut">
               <a:rPr lang="en-US" smtClean="0"/>
-              <a:t>3/20/2017</a:t>
+              <a:t>8/8/2022</a:t>
             </a:fld>
             <a:endParaRPr lang="en-US"/>
           </a:p>
@@ -419,7 +419,7 @@
           <a:p>
             <a:fld id="{DE4E7392-00FF-4A5B-A4FB-CA939482D6BD}" type="datetimeFigureOut">
               <a:rPr lang="en-US" smtClean="0"/>
-              <a:t>3/20/2017</a:t>
+              <a:t>8/8/2022</a:t>
             </a:fld>
             <a:endParaRPr lang="en-US"/>
           </a:p>
@@ -597,7 +597,7 @@
           <a:p>
             <a:fld id="{DE4E7392-00FF-4A5B-A4FB-CA939482D6BD}" type="datetimeFigureOut">
               <a:rPr lang="en-US" smtClean="0"/>
-              <a:t>3/20/2017</a:t>
+              <a:t>8/8/2022</a:t>
             </a:fld>
             <a:endParaRPr lang="en-US"/>
           </a:p>
@@ -765,7 +765,7 @@
           <a:p>
             <a:fld id="{DE4E7392-00FF-4A5B-A4FB-CA939482D6BD}" type="datetimeFigureOut">
               <a:rPr lang="en-US" smtClean="0"/>
-              <a:t>3/20/2017</a:t>
+              <a:t>8/8/2022</a:t>
             </a:fld>
             <a:endParaRPr lang="en-US"/>
           </a:p>
@@ -1010,7 +1010,7 @@
           <a:p>
             <a:fld id="{DE4E7392-00FF-4A5B-A4FB-CA939482D6BD}" type="datetimeFigureOut">
               <a:rPr lang="en-US" smtClean="0"/>
-              <a:t>3/20/2017</a:t>
+              <a:t>8/8/2022</a:t>
             </a:fld>
             <a:endParaRPr lang="en-US"/>
           </a:p>
@@ -1239,7 +1239,7 @@
           <a:p>
             <a:fld id="{DE4E7392-00FF-4A5B-A4FB-CA939482D6BD}" type="datetimeFigureOut">
               <a:rPr lang="en-US" smtClean="0"/>
-              <a:t>3/20/2017</a:t>
+              <a:t>8/8/2022</a:t>
             </a:fld>
             <a:endParaRPr lang="en-US"/>
           </a:p>
@@ -1603,7 +1603,7 @@
           <a:p>
             <a:fld id="{DE4E7392-00FF-4A5B-A4FB-CA939482D6BD}" type="datetimeFigureOut">
               <a:rPr lang="en-US" smtClean="0"/>
-              <a:t>3/20/2017</a:t>
+              <a:t>8/8/2022</a:t>
             </a:fld>
             <a:endParaRPr lang="en-US"/>
           </a:p>
@@ -1720,7 +1720,7 @@
           <a:p>
             <a:fld id="{DE4E7392-00FF-4A5B-A4FB-CA939482D6BD}" type="datetimeFigureOut">
               <a:rPr lang="en-US" smtClean="0"/>
-              <a:t>3/20/2017</a:t>
+              <a:t>8/8/2022</a:t>
             </a:fld>
             <a:endParaRPr lang="en-US"/>
           </a:p>
@@ -1815,7 +1815,7 @@
           <a:p>
             <a:fld id="{DE4E7392-00FF-4A5B-A4FB-CA939482D6BD}" type="datetimeFigureOut">
               <a:rPr lang="en-US" smtClean="0"/>
-              <a:t>3/20/2017</a:t>
+              <a:t>8/8/2022</a:t>
             </a:fld>
             <a:endParaRPr lang="en-US"/>
           </a:p>
@@ -2090,7 +2090,7 @@
           <a:p>
             <a:fld id="{DE4E7392-00FF-4A5B-A4FB-CA939482D6BD}" type="datetimeFigureOut">
               <a:rPr lang="en-US" smtClean="0"/>
-              <a:t>3/20/2017</a:t>
+              <a:t>8/8/2022</a:t>
             </a:fld>
             <a:endParaRPr lang="en-US"/>
           </a:p>
@@ -2342,7 +2342,7 @@
           <a:p>
             <a:fld id="{DE4E7392-00FF-4A5B-A4FB-CA939482D6BD}" type="datetimeFigureOut">
               <a:rPr lang="en-US" smtClean="0"/>
-              <a:t>3/20/2017</a:t>
+              <a:t>8/8/2022</a:t>
             </a:fld>
             <a:endParaRPr lang="en-US"/>
           </a:p>
@@ -2553,7 +2553,7 @@
           <a:p>
             <a:fld id="{DE4E7392-00FF-4A5B-A4FB-CA939482D6BD}" type="datetimeFigureOut">
               <a:rPr lang="en-US" smtClean="0"/>
-              <a:t>3/20/2017</a:t>
+              <a:t>8/8/2022</a:t>
             </a:fld>
             <a:endParaRPr lang="en-US"/>
           </a:p>
@@ -7377,6 +7377,88 @@
           </a:p>
         </p:txBody>
       </p:sp>
+      <p:cxnSp>
+        <p:nvCxnSpPr>
+          <p:cNvPr id="26" name="Connector: Curved 25">
+            <a:extLst>
+              <a:ext uri="{FF2B5EF4-FFF2-40B4-BE49-F238E27FC236}">
+                <a16:creationId xmlns:a16="http://schemas.microsoft.com/office/drawing/2014/main" id="{FEB1B621-35B1-6D4A-4491-C8CA35F1AF3C}"/>
+              </a:ext>
+            </a:extLst>
+          </p:cNvPr>
+          <p:cNvCxnSpPr>
+            <a:cxnSpLocks/>
+            <a:stCxn id="7" idx="2"/>
+            <a:endCxn id="7" idx="1"/>
+          </p:cNvCxnSpPr>
+          <p:nvPr/>
+        </p:nvCxnSpPr>
+        <p:spPr>
+          <a:xfrm rot="5400000" flipH="1">
+            <a:off x="3951201" y="4789077"/>
+            <a:ext cx="364247" cy="734325"/>
+          </a:xfrm>
+          <a:prstGeom prst="curvedConnector4">
+            <a:avLst>
+              <a:gd name="adj1" fmla="val -62760"/>
+              <a:gd name="adj2" fmla="val 131131"/>
+            </a:avLst>
+          </a:prstGeom>
+          <a:ln>
+            <a:tailEnd type="triangle"/>
+          </a:ln>
+        </p:spPr>
+        <p:style>
+          <a:lnRef idx="3">
+            <a:schemeClr val="dk1"/>
+          </a:lnRef>
+          <a:fillRef idx="0">
+            <a:schemeClr val="dk1"/>
+          </a:fillRef>
+          <a:effectRef idx="2">
+            <a:schemeClr val="dk1"/>
+          </a:effectRef>
+          <a:fontRef idx="minor">
+            <a:schemeClr val="tx1"/>
+          </a:fontRef>
+        </p:style>
+      </p:cxnSp>
+      <p:sp>
+        <p:nvSpPr>
+          <p:cNvPr id="27" name="TextBox 26">
+            <a:extLst>
+              <a:ext uri="{FF2B5EF4-FFF2-40B4-BE49-F238E27FC236}">
+                <a16:creationId xmlns:a16="http://schemas.microsoft.com/office/drawing/2014/main" id="{6C57655D-6292-A296-0740-B12D54025239}"/>
+              </a:ext>
+            </a:extLst>
+          </p:cNvPr>
+          <p:cNvSpPr txBox="1"/>
+          <p:nvPr/>
+        </p:nvSpPr>
+        <p:spPr>
+          <a:xfrm>
+            <a:off x="2614285" y="5084330"/>
+            <a:ext cx="952312" cy="338554"/>
+          </a:xfrm>
+          <a:prstGeom prst="rect">
+            <a:avLst/>
+          </a:prstGeom>
+          <a:noFill/>
+        </p:spPr>
+        <p:txBody>
+          <a:bodyPr wrap="none" rtlCol="0">
+            <a:spAutoFit/>
+          </a:bodyPr>
+          <a:lstStyle/>
+          <a:p>
+            <a:r>
+              <a:rPr lang="en-US" sz="1600" dirty="0" err="1"/>
+              <a:t>offeredIn</a:t>
+            </a:r>
+            <a:endParaRPr lang="en-US" sz="1600" dirty="0"/>
+          </a:p>
+        </p:txBody>
+      </p:sp>
     </p:spTree>
     <p:extLst>
       <p:ext uri="{BB962C8B-B14F-4D97-AF65-F5344CB8AC3E}">
@@ -11815,7 +11897,7 @@
         <p:spPr>
           <a:xfrm>
             <a:off x="1615905" y="1253613"/>
-            <a:ext cx="5527107" cy="2082959"/>
+            <a:ext cx="6323340" cy="2082959"/>
           </a:xfrm>
           <a:prstGeom prst="roundRect">
             <a:avLst>
@@ -12251,14 +12333,6 @@
               <a:t>Practitioner</a:t>
             </a:r>
           </a:p>
-          <a:p>
-            <a:pPr algn="ctr"/>
-            <a:endParaRPr lang="en-AU" dirty="0">
-              <a:solidFill>
-                <a:schemeClr val="tx1"/>
-              </a:solidFill>
-            </a:endParaRPr>
-          </a:p>
         </p:txBody>
       </p:sp>
       <p:sp>
@@ -13240,6 +13314,88 @@
               </a:rPr>
               <a:t>Role</a:t>
             </a:r>
+          </a:p>
+        </p:txBody>
+      </p:sp>
+      <p:cxnSp>
+        <p:nvCxnSpPr>
+          <p:cNvPr id="4" name="Connector: Curved 3">
+            <a:extLst>
+              <a:ext uri="{FF2B5EF4-FFF2-40B4-BE49-F238E27FC236}">
+                <a16:creationId xmlns:a16="http://schemas.microsoft.com/office/drawing/2014/main" id="{07CA15BD-489B-E6AE-D0A9-5085A86CC09C}"/>
+              </a:ext>
+            </a:extLst>
+          </p:cNvPr>
+          <p:cNvCxnSpPr>
+            <a:cxnSpLocks/>
+            <a:stCxn id="18" idx="3"/>
+            <a:endCxn id="18" idx="0"/>
+          </p:cNvCxnSpPr>
+          <p:nvPr/>
+        </p:nvCxnSpPr>
+        <p:spPr>
+          <a:xfrm flipH="1" flipV="1">
+            <a:off x="6020245" y="1507553"/>
+            <a:ext cx="734324" cy="364248"/>
+          </a:xfrm>
+          <a:prstGeom prst="curvedConnector4">
+            <a:avLst>
+              <a:gd name="adj1" fmla="val -23458"/>
+              <a:gd name="adj2" fmla="val 146102"/>
+            </a:avLst>
+          </a:prstGeom>
+          <a:ln>
+            <a:tailEnd type="triangle"/>
+          </a:ln>
+        </p:spPr>
+        <p:style>
+          <a:lnRef idx="3">
+            <a:schemeClr val="dk1"/>
+          </a:lnRef>
+          <a:fillRef idx="0">
+            <a:schemeClr val="dk1"/>
+          </a:fillRef>
+          <a:effectRef idx="2">
+            <a:schemeClr val="dk1"/>
+          </a:effectRef>
+          <a:fontRef idx="minor">
+            <a:schemeClr val="tx1"/>
+          </a:fontRef>
+        </p:style>
+      </p:cxnSp>
+      <p:sp>
+        <p:nvSpPr>
+          <p:cNvPr id="38" name="TextBox 37">
+            <a:extLst>
+              <a:ext uri="{FF2B5EF4-FFF2-40B4-BE49-F238E27FC236}">
+                <a16:creationId xmlns:a16="http://schemas.microsoft.com/office/drawing/2014/main" id="{987B85B0-0E88-909A-6D39-9356A12C5721}"/>
+              </a:ext>
+            </a:extLst>
+          </p:cNvPr>
+          <p:cNvSpPr txBox="1"/>
+          <p:nvPr/>
+        </p:nvSpPr>
+        <p:spPr>
+          <a:xfrm>
+            <a:off x="6925025" y="1396804"/>
+            <a:ext cx="952312" cy="338554"/>
+          </a:xfrm>
+          <a:prstGeom prst="rect">
+            <a:avLst/>
+          </a:prstGeom>
+          <a:noFill/>
+        </p:spPr>
+        <p:txBody>
+          <a:bodyPr wrap="none" rtlCol="0">
+            <a:spAutoFit/>
+          </a:bodyPr>
+          <a:lstStyle/>
+          <a:p>
+            <a:r>
+              <a:rPr lang="en-US" sz="1600" dirty="0" err="1"/>
+              <a:t>offeredIn</a:t>
+            </a:r>
+            <a:endParaRPr lang="en-US" sz="1600" dirty="0"/>
           </a:p>
         </p:txBody>
       </p:sp>

--- a/images/source/administration-module-resources.pptx
+++ b/images/source/administration-module-resources.pptx
@@ -6298,9 +6298,312 @@
           <a:chExt cx="0" cy="0"/>
         </a:xfrm>
       </p:grpSpPr>
+      <p:sp>
+        <p:nvSpPr>
+          <p:cNvPr id="18" name="Rounded Rectangle 19"/>
+          <p:cNvSpPr/>
+          <p:nvPr/>
+        </p:nvSpPr>
+        <p:spPr>
+          <a:xfrm>
+            <a:off x="2747773" y="5879813"/>
+            <a:ext cx="1468649" cy="728495"/>
+          </a:xfrm>
+          <a:prstGeom prst="roundRect">
+            <a:avLst/>
+          </a:prstGeom>
+        </p:spPr>
+        <p:style>
+          <a:lnRef idx="0">
+            <a:schemeClr val="accent3"/>
+          </a:lnRef>
+          <a:fillRef idx="3">
+            <a:schemeClr val="accent3"/>
+          </a:fillRef>
+          <a:effectRef idx="3">
+            <a:schemeClr val="accent3"/>
+          </a:effectRef>
+          <a:fontRef idx="minor">
+            <a:schemeClr val="lt1"/>
+          </a:fontRef>
+        </p:style>
+        <p:txBody>
+          <a:bodyPr rtlCol="0" anchor="ctr"/>
+          <a:lstStyle/>
+          <a:p>
+            <a:pPr algn="ctr"/>
+            <a:r>
+              <a:rPr lang="en-US" sz="1600" dirty="0"/>
+              <a:t>Schedule</a:t>
+            </a:r>
+            <a:endParaRPr lang="en-AU" sz="1600" dirty="0"/>
+          </a:p>
+        </p:txBody>
+      </p:sp>
+      <p:sp>
+        <p:nvSpPr>
+          <p:cNvPr id="19" name="Rounded Rectangle 20"/>
+          <p:cNvSpPr/>
+          <p:nvPr/>
+        </p:nvSpPr>
+        <p:spPr>
+          <a:xfrm>
+            <a:off x="4436636" y="5879813"/>
+            <a:ext cx="1468649" cy="728495"/>
+          </a:xfrm>
+          <a:prstGeom prst="roundRect">
+            <a:avLst/>
+          </a:prstGeom>
+        </p:spPr>
+        <p:style>
+          <a:lnRef idx="0">
+            <a:schemeClr val="accent3"/>
+          </a:lnRef>
+          <a:fillRef idx="3">
+            <a:schemeClr val="accent3"/>
+          </a:fillRef>
+          <a:effectRef idx="3">
+            <a:schemeClr val="accent3"/>
+          </a:effectRef>
+          <a:fontRef idx="minor">
+            <a:schemeClr val="lt1"/>
+          </a:fontRef>
+        </p:style>
+        <p:txBody>
+          <a:bodyPr rtlCol="0" anchor="ctr"/>
+          <a:lstStyle/>
+          <a:p>
+            <a:pPr algn="ctr"/>
+            <a:r>
+              <a:rPr lang="en-US" sz="1600" dirty="0"/>
+              <a:t>Referral Request</a:t>
+            </a:r>
+            <a:endParaRPr lang="en-AU" sz="1600" dirty="0"/>
+          </a:p>
+        </p:txBody>
+      </p:sp>
+      <p:sp>
+        <p:nvSpPr>
+          <p:cNvPr id="20" name="Rounded Rectangle 21"/>
+          <p:cNvSpPr/>
+          <p:nvPr/>
+        </p:nvSpPr>
+        <p:spPr>
+          <a:xfrm>
+            <a:off x="6125499" y="5879813"/>
+            <a:ext cx="1468649" cy="728495"/>
+          </a:xfrm>
+          <a:prstGeom prst="roundRect">
+            <a:avLst/>
+          </a:prstGeom>
+          <a:solidFill>
+            <a:schemeClr val="accent3">
+              <a:alpha val="50000"/>
+            </a:schemeClr>
+          </a:solidFill>
+          <a:ln>
+            <a:noFill/>
+          </a:ln>
+        </p:spPr>
+        <p:style>
+          <a:lnRef idx="0">
+            <a:scrgbClr r="0" g="0" b="0"/>
+          </a:lnRef>
+          <a:fillRef idx="0">
+            <a:scrgbClr r="0" g="0" b="0"/>
+          </a:fillRef>
+          <a:effectRef idx="0">
+            <a:scrgbClr r="0" g="0" b="0"/>
+          </a:effectRef>
+          <a:fontRef idx="minor">
+            <a:schemeClr val="lt1"/>
+          </a:fontRef>
+        </p:style>
+        <p:txBody>
+          <a:bodyPr rtlCol="0" anchor="ctr"/>
+          <a:lstStyle/>
+          <a:p>
+            <a:pPr algn="ctr"/>
+            <a:r>
+              <a:rPr lang="en-US" sz="1600" dirty="0"/>
+              <a:t>Care Plan</a:t>
+            </a:r>
+            <a:endParaRPr lang="en-AU" sz="1600" dirty="0"/>
+          </a:p>
+        </p:txBody>
+      </p:sp>
+      <p:sp>
+        <p:nvSpPr>
+          <p:cNvPr id="22" name="Rounded Rectangle 23"/>
+          <p:cNvSpPr/>
+          <p:nvPr/>
+        </p:nvSpPr>
+        <p:spPr>
+          <a:xfrm>
+            <a:off x="7814362" y="5879813"/>
+            <a:ext cx="1468649" cy="728495"/>
+          </a:xfrm>
+          <a:prstGeom prst="roundRect">
+            <a:avLst/>
+          </a:prstGeom>
+          <a:solidFill>
+            <a:schemeClr val="accent3">
+              <a:alpha val="50000"/>
+            </a:schemeClr>
+          </a:solidFill>
+          <a:ln>
+            <a:noFill/>
+          </a:ln>
+        </p:spPr>
+        <p:style>
+          <a:lnRef idx="0">
+            <a:scrgbClr r="0" g="0" b="0"/>
+          </a:lnRef>
+          <a:fillRef idx="0">
+            <a:scrgbClr r="0" g="0" b="0"/>
+          </a:fillRef>
+          <a:effectRef idx="0">
+            <a:scrgbClr r="0" g="0" b="0"/>
+          </a:effectRef>
+          <a:fontRef idx="minor">
+            <a:schemeClr val="lt1"/>
+          </a:fontRef>
+        </p:style>
+        <p:txBody>
+          <a:bodyPr lIns="36000" rIns="36000" rtlCol="0" anchor="ctr"/>
+          <a:lstStyle/>
+          <a:p>
+            <a:pPr algn="ctr"/>
+            <a:r>
+              <a:rPr lang="en-US" sz="1600" dirty="0"/>
+              <a:t>Questionnaire</a:t>
+            </a:r>
+            <a:endParaRPr lang="en-AU" sz="1600" dirty="0"/>
+          </a:p>
+        </p:txBody>
+      </p:sp>
+      <p:sp>
+        <p:nvSpPr>
+          <p:cNvPr id="23" name="Rounded Rectangle 24"/>
+          <p:cNvSpPr/>
+          <p:nvPr/>
+        </p:nvSpPr>
+        <p:spPr>
+          <a:xfrm>
+            <a:off x="9503227" y="5879813"/>
+            <a:ext cx="1468649" cy="728495"/>
+          </a:xfrm>
+          <a:prstGeom prst="roundRect">
+            <a:avLst/>
+          </a:prstGeom>
+          <a:solidFill>
+            <a:schemeClr val="accent3">
+              <a:alpha val="50000"/>
+            </a:schemeClr>
+          </a:solidFill>
+          <a:ln>
+            <a:noFill/>
+          </a:ln>
+        </p:spPr>
+        <p:style>
+          <a:lnRef idx="0">
+            <a:scrgbClr r="0" g="0" b="0"/>
+          </a:lnRef>
+          <a:fillRef idx="0">
+            <a:scrgbClr r="0" g="0" b="0"/>
+          </a:fillRef>
+          <a:effectRef idx="0">
+            <a:scrgbClr r="0" g="0" b="0"/>
+          </a:effectRef>
+          <a:fontRef idx="minor">
+            <a:schemeClr val="lt1"/>
+          </a:fontRef>
+        </p:style>
+        <p:txBody>
+          <a:bodyPr rtlCol="0" anchor="ctr"/>
+          <a:lstStyle/>
+          <a:p>
+            <a:r>
+              <a:rPr lang="en-US" sz="1600" dirty="0"/>
+              <a:t>…</a:t>
+            </a:r>
+            <a:endParaRPr lang="en-AU" sz="1600" dirty="0"/>
+          </a:p>
+        </p:txBody>
+      </p:sp>
+      <p:sp>
+        <p:nvSpPr>
+          <p:cNvPr id="24" name="Rounded Rectangle 26"/>
+          <p:cNvSpPr/>
+          <p:nvPr/>
+        </p:nvSpPr>
+        <p:spPr>
+          <a:xfrm>
+            <a:off x="1058910" y="5879813"/>
+            <a:ext cx="1468649" cy="728495"/>
+          </a:xfrm>
+          <a:prstGeom prst="roundRect">
+            <a:avLst/>
+          </a:prstGeom>
+        </p:spPr>
+        <p:style>
+          <a:lnRef idx="0">
+            <a:schemeClr val="accent3"/>
+          </a:lnRef>
+          <a:fillRef idx="3">
+            <a:schemeClr val="accent3"/>
+          </a:fillRef>
+          <a:effectRef idx="3">
+            <a:schemeClr val="accent3"/>
+          </a:effectRef>
+          <a:fontRef idx="minor">
+            <a:schemeClr val="lt1"/>
+          </a:fontRef>
+        </p:style>
+        <p:txBody>
+          <a:bodyPr rtlCol="0" anchor="ctr"/>
+          <a:lstStyle/>
+          <a:p>
+            <a:pPr algn="ctr"/>
+            <a:r>
+              <a:rPr lang="en-US" sz="1600" dirty="0"/>
+              <a:t>Document Reference</a:t>
+            </a:r>
+            <a:endParaRPr lang="en-AU" sz="1600" dirty="0"/>
+          </a:p>
+        </p:txBody>
+      </p:sp>
+      <p:sp>
+        <p:nvSpPr>
+          <p:cNvPr id="2" name="Title 1"/>
+          <p:cNvSpPr>
+            <a:spLocks noGrp="1"/>
+          </p:cNvSpPr>
+          <p:nvPr>
+            <p:ph type="title"/>
+          </p:nvPr>
+        </p:nvSpPr>
+        <p:spPr/>
+        <p:txBody>
+          <a:bodyPr/>
+          <a:lstStyle/>
+          <a:p>
+            <a:r>
+              <a:rPr lang="en-AU" dirty="0"/>
+              <a:t>Directories</a:t>
+            </a:r>
+          </a:p>
+        </p:txBody>
+      </p:sp>
       <p:cxnSp>
         <p:nvCxnSpPr>
-          <p:cNvPr id="74" name="Elbow Connector 37"/>
+          <p:cNvPr id="28" name="Elbow Connector 37">
+            <a:extLst>
+              <a:ext uri="{FF2B5EF4-FFF2-40B4-BE49-F238E27FC236}">
+                <a16:creationId xmlns:a16="http://schemas.microsoft.com/office/drawing/2014/main" id="{4FF12D77-31B3-2765-34AB-FAAB84585AF5}"/>
+              </a:ext>
+            </a:extLst>
+          </p:cNvPr>
           <p:cNvCxnSpPr/>
           <p:nvPr/>
         </p:nvCxnSpPr>
@@ -6339,14 +6642,22 @@
       </p:cxnSp>
       <p:cxnSp>
         <p:nvCxnSpPr>
-          <p:cNvPr id="80" name="Elbow Connector 37"/>
-          <p:cNvCxnSpPr/>
+          <p:cNvPr id="29" name="Elbow Connector 37">
+            <a:extLst>
+              <a:ext uri="{FF2B5EF4-FFF2-40B4-BE49-F238E27FC236}">
+                <a16:creationId xmlns:a16="http://schemas.microsoft.com/office/drawing/2014/main" id="{946FC6D4-03E7-26C5-AC79-D347A4C49875}"/>
+              </a:ext>
+            </a:extLst>
+          </p:cNvPr>
+          <p:cNvCxnSpPr>
+            <a:cxnSpLocks/>
+          </p:cNvCxnSpPr>
           <p:nvPr/>
         </p:nvCxnSpPr>
         <p:spPr>
           <a:xfrm>
-            <a:off x="3504430" y="3767012"/>
-            <a:ext cx="2683142" cy="945145"/>
+            <a:off x="2747773" y="3691427"/>
+            <a:ext cx="3439799" cy="1020730"/>
           </a:xfrm>
           <a:prstGeom prst="straightConnector1">
             <a:avLst/>
@@ -6378,7 +6689,13 @@
       </p:cxnSp>
       <p:cxnSp>
         <p:nvCxnSpPr>
-          <p:cNvPr id="76" name="Elbow Connector 37"/>
+          <p:cNvPr id="30" name="Elbow Connector 37">
+            <a:extLst>
+              <a:ext uri="{FF2B5EF4-FFF2-40B4-BE49-F238E27FC236}">
+                <a16:creationId xmlns:a16="http://schemas.microsoft.com/office/drawing/2014/main" id="{8F367B5D-4C70-F234-D008-92B3C4FC5125}"/>
+              </a:ext>
+            </a:extLst>
+          </p:cNvPr>
           <p:cNvCxnSpPr/>
           <p:nvPr/>
         </p:nvCxnSpPr>
@@ -6417,7 +6734,13 @@
       </p:cxnSp>
       <p:cxnSp>
         <p:nvCxnSpPr>
-          <p:cNvPr id="9" name="Elbow Connector 37"/>
+          <p:cNvPr id="31" name="Elbow Connector 37">
+            <a:extLst>
+              <a:ext uri="{FF2B5EF4-FFF2-40B4-BE49-F238E27FC236}">
+                <a16:creationId xmlns:a16="http://schemas.microsoft.com/office/drawing/2014/main" id="{8AB67462-E28B-9EE3-C93F-2C4083FABDFF}"/>
+              </a:ext>
+            </a:extLst>
+          </p:cNvPr>
           <p:cNvCxnSpPr/>
           <p:nvPr/>
         </p:nvCxnSpPr>
@@ -6450,14 +6773,22 @@
       </p:cxnSp>
       <p:cxnSp>
         <p:nvCxnSpPr>
-          <p:cNvPr id="10" name="Elbow Connector 37"/>
-          <p:cNvCxnSpPr/>
+          <p:cNvPr id="32" name="Elbow Connector 37">
+            <a:extLst>
+              <a:ext uri="{FF2B5EF4-FFF2-40B4-BE49-F238E27FC236}">
+                <a16:creationId xmlns:a16="http://schemas.microsoft.com/office/drawing/2014/main" id="{7B2E25D0-8371-3C11-0714-71AFDC522782}"/>
+              </a:ext>
+            </a:extLst>
+          </p:cNvPr>
+          <p:cNvCxnSpPr>
+            <a:cxnSpLocks/>
+          </p:cNvCxnSpPr>
           <p:nvPr/>
         </p:nvCxnSpPr>
         <p:spPr>
           <a:xfrm flipV="1">
-            <a:off x="3090441" y="2731625"/>
-            <a:ext cx="671688" cy="648185"/>
+            <a:off x="2730159" y="2731625"/>
+            <a:ext cx="1031970" cy="602425"/>
           </a:xfrm>
           <a:prstGeom prst="straightConnector1">
             <a:avLst/>
@@ -6483,7 +6814,13 @@
       </p:cxnSp>
       <p:cxnSp>
         <p:nvCxnSpPr>
-          <p:cNvPr id="13" name="Elbow Connector 37"/>
+          <p:cNvPr id="33" name="Elbow Connector 37">
+            <a:extLst>
+              <a:ext uri="{FF2B5EF4-FFF2-40B4-BE49-F238E27FC236}">
+                <a16:creationId xmlns:a16="http://schemas.microsoft.com/office/drawing/2014/main" id="{A4192A0E-0286-F7A8-1985-E98E33BA9BF9}"/>
+              </a:ext>
+            </a:extLst>
+          </p:cNvPr>
           <p:cNvCxnSpPr/>
           <p:nvPr/>
         </p:nvCxnSpPr>
@@ -6516,14 +6853,22 @@
       </p:cxnSp>
       <p:cxnSp>
         <p:nvCxnSpPr>
-          <p:cNvPr id="14" name="Elbow Connector 37"/>
-          <p:cNvCxnSpPr/>
+          <p:cNvPr id="34" name="Elbow Connector 37">
+            <a:extLst>
+              <a:ext uri="{FF2B5EF4-FFF2-40B4-BE49-F238E27FC236}">
+                <a16:creationId xmlns:a16="http://schemas.microsoft.com/office/drawing/2014/main" id="{1E40B0EE-894B-673B-C418-E8699F79D442}"/>
+              </a:ext>
+            </a:extLst>
+          </p:cNvPr>
+          <p:cNvCxnSpPr>
+            <a:cxnSpLocks/>
+          </p:cNvCxnSpPr>
           <p:nvPr/>
         </p:nvCxnSpPr>
         <p:spPr>
           <a:xfrm flipH="1" flipV="1">
-            <a:off x="3504430" y="4074289"/>
-            <a:ext cx="397143" cy="694482"/>
+            <a:off x="2910163" y="3923844"/>
+            <a:ext cx="1098508" cy="844928"/>
           </a:xfrm>
           <a:prstGeom prst="straightConnector1">
             <a:avLst/>
@@ -6549,14 +6894,22 @@
       </p:cxnSp>
       <p:cxnSp>
         <p:nvCxnSpPr>
-          <p:cNvPr id="15" name="Elbow Connector 37"/>
-          <p:cNvCxnSpPr/>
+          <p:cNvPr id="35" name="Elbow Connector 37">
+            <a:extLst>
+              <a:ext uri="{FF2B5EF4-FFF2-40B4-BE49-F238E27FC236}">
+                <a16:creationId xmlns:a16="http://schemas.microsoft.com/office/drawing/2014/main" id="{881572D5-24EB-05B1-B9C3-0B726970ADC3}"/>
+              </a:ext>
+            </a:extLst>
+          </p:cNvPr>
+          <p:cNvCxnSpPr>
+            <a:cxnSpLocks/>
+          </p:cNvCxnSpPr>
           <p:nvPr/>
         </p:nvCxnSpPr>
         <p:spPr>
-          <a:xfrm flipH="1">
-            <a:off x="3762129" y="3612227"/>
-            <a:ext cx="856170" cy="0"/>
+          <a:xfrm flipH="1" flipV="1">
+            <a:off x="2972657" y="3598008"/>
+            <a:ext cx="1645642" cy="14219"/>
           </a:xfrm>
           <a:prstGeom prst="straightConnector1">
             <a:avLst/>
@@ -6582,9 +6935,15 @@
       </p:cxnSp>
       <p:cxnSp>
         <p:nvCxnSpPr>
-          <p:cNvPr id="16" name="Elbow Connector 37"/>
+          <p:cNvPr id="36" name="Elbow Connector 37">
+            <a:extLst>
+              <a:ext uri="{FF2B5EF4-FFF2-40B4-BE49-F238E27FC236}">
+                <a16:creationId xmlns:a16="http://schemas.microsoft.com/office/drawing/2014/main" id="{27EB1FA2-893E-E646-F916-97D0F0EBC4F6}"/>
+              </a:ext>
+            </a:extLst>
+          </p:cNvPr>
           <p:cNvCxnSpPr>
-            <a:stCxn id="8" idx="3"/>
+            <a:stCxn id="44" idx="3"/>
           </p:cNvCxnSpPr>
           <p:nvPr/>
         </p:nvCxnSpPr>
@@ -6617,13 +6976,19 @@
       </p:cxnSp>
       <p:cxnSp>
         <p:nvCxnSpPr>
-          <p:cNvPr id="17" name="Elbow Connector 37"/>
+          <p:cNvPr id="37" name="Elbow Connector 37">
+            <a:extLst>
+              <a:ext uri="{FF2B5EF4-FFF2-40B4-BE49-F238E27FC236}">
+                <a16:creationId xmlns:a16="http://schemas.microsoft.com/office/drawing/2014/main" id="{B7CBB866-12B9-F1D9-4989-3632396704C1}"/>
+              </a:ext>
+            </a:extLst>
+          </p:cNvPr>
           <p:cNvCxnSpPr/>
           <p:nvPr/>
         </p:nvCxnSpPr>
         <p:spPr>
           <a:xfrm flipH="1" flipV="1">
-            <a:off x="4163305" y="2859120"/>
+            <a:off x="4219672" y="2859120"/>
             <a:ext cx="26910" cy="1909652"/>
           </a:xfrm>
           <a:prstGeom prst="straightConnector1">
@@ -6650,141 +7015,13 @@
       </p:cxnSp>
       <p:sp>
         <p:nvSpPr>
-          <p:cNvPr id="18" name="Rounded Rectangle 19"/>
-          <p:cNvSpPr/>
-          <p:nvPr/>
-        </p:nvSpPr>
-        <p:spPr>
-          <a:xfrm>
-            <a:off x="2747773" y="5879813"/>
-            <a:ext cx="1468649" cy="728495"/>
-          </a:xfrm>
-          <a:prstGeom prst="roundRect">
-            <a:avLst/>
-          </a:prstGeom>
-        </p:spPr>
-        <p:style>
-          <a:lnRef idx="0">
-            <a:schemeClr val="accent3"/>
-          </a:lnRef>
-          <a:fillRef idx="3">
-            <a:schemeClr val="accent3"/>
-          </a:fillRef>
-          <a:effectRef idx="3">
-            <a:schemeClr val="accent3"/>
-          </a:effectRef>
-          <a:fontRef idx="minor">
-            <a:schemeClr val="lt1"/>
-          </a:fontRef>
-        </p:style>
-        <p:txBody>
-          <a:bodyPr rtlCol="0" anchor="ctr"/>
-          <a:lstStyle/>
-          <a:p>
-            <a:pPr algn="ctr"/>
-            <a:r>
-              <a:rPr lang="en-US" sz="1600" dirty="0"/>
-              <a:t>Schedule</a:t>
-            </a:r>
-            <a:endParaRPr lang="en-AU" sz="1600" dirty="0"/>
-          </a:p>
-        </p:txBody>
-      </p:sp>
-      <p:sp>
-        <p:nvSpPr>
-          <p:cNvPr id="19" name="Rounded Rectangle 20"/>
-          <p:cNvSpPr/>
-          <p:nvPr/>
-        </p:nvSpPr>
-        <p:spPr>
-          <a:xfrm>
-            <a:off x="4436636" y="5879813"/>
-            <a:ext cx="1468649" cy="728495"/>
-          </a:xfrm>
-          <a:prstGeom prst="roundRect">
-            <a:avLst/>
-          </a:prstGeom>
-        </p:spPr>
-        <p:style>
-          <a:lnRef idx="0">
-            <a:schemeClr val="accent3"/>
-          </a:lnRef>
-          <a:fillRef idx="3">
-            <a:schemeClr val="accent3"/>
-          </a:fillRef>
-          <a:effectRef idx="3">
-            <a:schemeClr val="accent3"/>
-          </a:effectRef>
-          <a:fontRef idx="minor">
-            <a:schemeClr val="lt1"/>
-          </a:fontRef>
-        </p:style>
-        <p:txBody>
-          <a:bodyPr rtlCol="0" anchor="ctr"/>
-          <a:lstStyle/>
-          <a:p>
-            <a:pPr algn="ctr"/>
-            <a:r>
-              <a:rPr lang="en-US" sz="1600" dirty="0"/>
-              <a:t>Referral Request</a:t>
-            </a:r>
-            <a:endParaRPr lang="en-AU" sz="1600" dirty="0"/>
-          </a:p>
-        </p:txBody>
-      </p:sp>
-      <p:sp>
-        <p:nvSpPr>
-          <p:cNvPr id="20" name="Rounded Rectangle 21"/>
-          <p:cNvSpPr/>
-          <p:nvPr/>
-        </p:nvSpPr>
-        <p:spPr>
-          <a:xfrm>
-            <a:off x="6125499" y="5879813"/>
-            <a:ext cx="1468649" cy="728495"/>
-          </a:xfrm>
-          <a:prstGeom prst="roundRect">
-            <a:avLst/>
-          </a:prstGeom>
-          <a:solidFill>
-            <a:schemeClr val="accent3">
-              <a:alpha val="50000"/>
-            </a:schemeClr>
-          </a:solidFill>
-          <a:ln>
-            <a:noFill/>
-          </a:ln>
-        </p:spPr>
-        <p:style>
-          <a:lnRef idx="0">
-            <a:scrgbClr r="0" g="0" b="0"/>
-          </a:lnRef>
-          <a:fillRef idx="0">
-            <a:scrgbClr r="0" g="0" b="0"/>
-          </a:fillRef>
-          <a:effectRef idx="0">
-            <a:scrgbClr r="0" g="0" b="0"/>
-          </a:effectRef>
-          <a:fontRef idx="minor">
-            <a:schemeClr val="lt1"/>
-          </a:fontRef>
-        </p:style>
-        <p:txBody>
-          <a:bodyPr rtlCol="0" anchor="ctr"/>
-          <a:lstStyle/>
-          <a:p>
-            <a:pPr algn="ctr"/>
-            <a:r>
-              <a:rPr lang="en-US" sz="1600" dirty="0"/>
-              <a:t>Care Plan</a:t>
-            </a:r>
-            <a:endParaRPr lang="en-AU" sz="1600" dirty="0"/>
-          </a:p>
-        </p:txBody>
-      </p:sp>
-      <p:sp>
-        <p:nvSpPr>
-          <p:cNvPr id="21" name="Rounded Rectangle 22"/>
+          <p:cNvPr id="38" name="Rounded Rectangle 22">
+            <a:extLst>
+              <a:ext uri="{FF2B5EF4-FFF2-40B4-BE49-F238E27FC236}">
+                <a16:creationId xmlns:a16="http://schemas.microsoft.com/office/drawing/2014/main" id="{C22E7E9B-82B5-EEFC-816B-7519C2F272CF}"/>
+              </a:ext>
+            </a:extLst>
+          </p:cNvPr>
           <p:cNvSpPr/>
           <p:nvPr/>
         </p:nvSpPr>
@@ -6849,148 +7086,13 @@
       </p:sp>
       <p:sp>
         <p:nvSpPr>
-          <p:cNvPr id="22" name="Rounded Rectangle 23"/>
-          <p:cNvSpPr/>
-          <p:nvPr/>
-        </p:nvSpPr>
-        <p:spPr>
-          <a:xfrm>
-            <a:off x="7814362" y="5879813"/>
-            <a:ext cx="1468649" cy="728495"/>
-          </a:xfrm>
-          <a:prstGeom prst="roundRect">
-            <a:avLst/>
-          </a:prstGeom>
-          <a:solidFill>
-            <a:schemeClr val="accent3">
-              <a:alpha val="50000"/>
-            </a:schemeClr>
-          </a:solidFill>
-          <a:ln>
-            <a:noFill/>
-          </a:ln>
-        </p:spPr>
-        <p:style>
-          <a:lnRef idx="0">
-            <a:scrgbClr r="0" g="0" b="0"/>
-          </a:lnRef>
-          <a:fillRef idx="0">
-            <a:scrgbClr r="0" g="0" b="0"/>
-          </a:fillRef>
-          <a:effectRef idx="0">
-            <a:scrgbClr r="0" g="0" b="0"/>
-          </a:effectRef>
-          <a:fontRef idx="minor">
-            <a:schemeClr val="lt1"/>
-          </a:fontRef>
-        </p:style>
-        <p:txBody>
-          <a:bodyPr lIns="36000" rIns="36000" rtlCol="0" anchor="ctr"/>
-          <a:lstStyle/>
-          <a:p>
-            <a:pPr algn="ctr"/>
-            <a:r>
-              <a:rPr lang="en-US" sz="1600" dirty="0"/>
-              <a:t>Questionnaire</a:t>
-            </a:r>
-            <a:endParaRPr lang="en-AU" sz="1600" dirty="0"/>
-          </a:p>
-        </p:txBody>
-      </p:sp>
-      <p:sp>
-        <p:nvSpPr>
-          <p:cNvPr id="23" name="Rounded Rectangle 24"/>
-          <p:cNvSpPr/>
-          <p:nvPr/>
-        </p:nvSpPr>
-        <p:spPr>
-          <a:xfrm>
-            <a:off x="9503227" y="5879813"/>
-            <a:ext cx="1468649" cy="728495"/>
-          </a:xfrm>
-          <a:prstGeom prst="roundRect">
-            <a:avLst/>
-          </a:prstGeom>
-          <a:solidFill>
-            <a:schemeClr val="accent3">
-              <a:alpha val="50000"/>
-            </a:schemeClr>
-          </a:solidFill>
-          <a:ln>
-            <a:noFill/>
-          </a:ln>
-        </p:spPr>
-        <p:style>
-          <a:lnRef idx="0">
-            <a:scrgbClr r="0" g="0" b="0"/>
-          </a:lnRef>
-          <a:fillRef idx="0">
-            <a:scrgbClr r="0" g="0" b="0"/>
-          </a:fillRef>
-          <a:effectRef idx="0">
-            <a:scrgbClr r="0" g="0" b="0"/>
-          </a:effectRef>
-          <a:fontRef idx="minor">
-            <a:schemeClr val="lt1"/>
-          </a:fontRef>
-        </p:style>
-        <p:txBody>
-          <a:bodyPr rtlCol="0" anchor="ctr"/>
-          <a:lstStyle/>
-          <a:p>
-            <a:r>
-              <a:rPr lang="en-US" sz="1600" dirty="0"/>
-              <a:t>…</a:t>
-            </a:r>
-            <a:endParaRPr lang="en-AU" sz="1600" dirty="0"/>
-          </a:p>
-        </p:txBody>
-      </p:sp>
-      <p:sp>
-        <p:nvSpPr>
-          <p:cNvPr id="24" name="Rounded Rectangle 26"/>
-          <p:cNvSpPr/>
-          <p:nvPr/>
-        </p:nvSpPr>
-        <p:spPr>
-          <a:xfrm>
-            <a:off x="1058910" y="5879813"/>
-            <a:ext cx="1468649" cy="728495"/>
-          </a:xfrm>
-          <a:prstGeom prst="roundRect">
-            <a:avLst/>
-          </a:prstGeom>
-        </p:spPr>
-        <p:style>
-          <a:lnRef idx="0">
-            <a:schemeClr val="accent3"/>
-          </a:lnRef>
-          <a:fillRef idx="3">
-            <a:schemeClr val="accent3"/>
-          </a:fillRef>
-          <a:effectRef idx="3">
-            <a:schemeClr val="accent3"/>
-          </a:effectRef>
-          <a:fontRef idx="minor">
-            <a:schemeClr val="lt1"/>
-          </a:fontRef>
-        </p:style>
-        <p:txBody>
-          <a:bodyPr rtlCol="0" anchor="ctr"/>
-          <a:lstStyle/>
-          <a:p>
-            <a:pPr algn="ctr"/>
-            <a:r>
-              <a:rPr lang="en-US" sz="1600" dirty="0"/>
-              <a:t>Document Reference</a:t>
-            </a:r>
-            <a:endParaRPr lang="en-AU" sz="1600" dirty="0"/>
-          </a:p>
-        </p:txBody>
-      </p:sp>
-      <p:sp>
-        <p:nvSpPr>
-          <p:cNvPr id="4" name="Rounded Rectangle 5"/>
+          <p:cNvPr id="39" name="Rounded Rectangle 5">
+            <a:extLst>
+              <a:ext uri="{FF2B5EF4-FFF2-40B4-BE49-F238E27FC236}">
+                <a16:creationId xmlns:a16="http://schemas.microsoft.com/office/drawing/2014/main" id="{FF25229F-17DA-3A30-BAC4-03056965FEED}"/>
+              </a:ext>
+            </a:extLst>
+          </p:cNvPr>
           <p:cNvSpPr/>
           <p:nvPr/>
         </p:nvSpPr>
@@ -7055,14 +7157,20 @@
       </p:sp>
       <p:sp>
         <p:nvSpPr>
-          <p:cNvPr id="5" name="Rounded Rectangle 6"/>
+          <p:cNvPr id="40" name="Rounded Rectangle 6">
+            <a:extLst>
+              <a:ext uri="{FF2B5EF4-FFF2-40B4-BE49-F238E27FC236}">
+                <a16:creationId xmlns:a16="http://schemas.microsoft.com/office/drawing/2014/main" id="{88CEF192-CB2A-AAA2-0674-469CC769E802}"/>
+              </a:ext>
+            </a:extLst>
+          </p:cNvPr>
           <p:cNvSpPr/>
           <p:nvPr/>
         </p:nvSpPr>
         <p:spPr>
           <a:xfrm>
-            <a:off x="2071253" y="3233853"/>
-            <a:ext cx="1468649" cy="728495"/>
+            <a:off x="1370717" y="3204474"/>
+            <a:ext cx="1465819" cy="728495"/>
           </a:xfrm>
           <a:prstGeom prst="roundRect">
             <a:avLst/>
@@ -7120,7 +7228,13 @@
       </p:sp>
       <p:sp>
         <p:nvSpPr>
-          <p:cNvPr id="6" name="Rounded Rectangle 7"/>
+          <p:cNvPr id="41" name="Rounded Rectangle 7">
+            <a:extLst>
+              <a:ext uri="{FF2B5EF4-FFF2-40B4-BE49-F238E27FC236}">
+                <a16:creationId xmlns:a16="http://schemas.microsoft.com/office/drawing/2014/main" id="{2FE4501A-B52D-EDA0-CA83-0586153153C7}"/>
+              </a:ext>
+            </a:extLst>
+          </p:cNvPr>
           <p:cNvSpPr/>
           <p:nvPr/>
         </p:nvSpPr>
@@ -7176,25 +7290,23 @@
               <a:t>Practitioner</a:t>
             </a:r>
           </a:p>
-          <a:p>
-            <a:pPr algn="ctr"/>
-            <a:endParaRPr lang="en-AU" dirty="0">
-              <a:solidFill>
-                <a:schemeClr val="tx1"/>
-              </a:solidFill>
-            </a:endParaRPr>
-          </a:p>
-        </p:txBody>
-      </p:sp>
-      <p:sp>
-        <p:nvSpPr>
-          <p:cNvPr id="7" name="Rounded Rectangle 8"/>
+        </p:txBody>
+      </p:sp>
+      <p:sp>
+        <p:nvSpPr>
+          <p:cNvPr id="42" name="Rounded Rectangle 8">
+            <a:extLst>
+              <a:ext uri="{FF2B5EF4-FFF2-40B4-BE49-F238E27FC236}">
+                <a16:creationId xmlns:a16="http://schemas.microsoft.com/office/drawing/2014/main" id="{CC479594-C5A8-65EA-0DD0-6AE8EAB8EF1B}"/>
+              </a:ext>
+            </a:extLst>
+          </p:cNvPr>
           <p:cNvSpPr/>
           <p:nvPr/>
         </p:nvSpPr>
         <p:spPr>
           <a:xfrm>
-            <a:off x="3766162" y="4609867"/>
+            <a:off x="3875271" y="4595372"/>
             <a:ext cx="1468649" cy="728495"/>
           </a:xfrm>
           <a:prstGeom prst="roundRect">
@@ -7253,7 +7365,13 @@
       </p:sp>
       <p:cxnSp>
         <p:nvCxnSpPr>
-          <p:cNvPr id="71" name="Elbow Connector 37"/>
+          <p:cNvPr id="43" name="Elbow Connector 37">
+            <a:extLst>
+              <a:ext uri="{FF2B5EF4-FFF2-40B4-BE49-F238E27FC236}">
+                <a16:creationId xmlns:a16="http://schemas.microsoft.com/office/drawing/2014/main" id="{64EADB20-A9D1-76C0-BEFB-E712C204CCF6}"/>
+              </a:ext>
+            </a:extLst>
+          </p:cNvPr>
           <p:cNvCxnSpPr/>
           <p:nvPr/>
         </p:nvCxnSpPr>
@@ -7292,7 +7410,13 @@
       </p:cxnSp>
       <p:sp>
         <p:nvSpPr>
-          <p:cNvPr id="8" name="Rounded Rectangle 9"/>
+          <p:cNvPr id="44" name="Rounded Rectangle 9">
+            <a:extLst>
+              <a:ext uri="{FF2B5EF4-FFF2-40B4-BE49-F238E27FC236}">
+                <a16:creationId xmlns:a16="http://schemas.microsoft.com/office/drawing/2014/main" id="{339BED41-2E19-7B83-CE6F-EC35B4CEA1CF}"/>
+              </a:ext>
+            </a:extLst>
+          </p:cNvPr>
           <p:cNvSpPr/>
           <p:nvPr/>
         </p:nvSpPr>
@@ -7355,47 +7479,25 @@
           </a:p>
         </p:txBody>
       </p:sp>
-      <p:sp>
-        <p:nvSpPr>
-          <p:cNvPr id="2" name="Title 1"/>
-          <p:cNvSpPr>
-            <a:spLocks noGrp="1"/>
-          </p:cNvSpPr>
-          <p:nvPr>
-            <p:ph type="title"/>
-          </p:nvPr>
-        </p:nvSpPr>
-        <p:spPr/>
-        <p:txBody>
-          <a:bodyPr/>
-          <a:lstStyle/>
-          <a:p>
-            <a:r>
-              <a:rPr lang="en-AU" dirty="0"/>
-              <a:t>Directories</a:t>
-            </a:r>
-          </a:p>
-        </p:txBody>
-      </p:sp>
       <p:cxnSp>
         <p:nvCxnSpPr>
-          <p:cNvPr id="26" name="Connector: Curved 25">
+          <p:cNvPr id="45" name="Connector: Curved 44">
             <a:extLst>
               <a:ext uri="{FF2B5EF4-FFF2-40B4-BE49-F238E27FC236}">
-                <a16:creationId xmlns:a16="http://schemas.microsoft.com/office/drawing/2014/main" id="{FEB1B621-35B1-6D4A-4491-C8CA35F1AF3C}"/>
+                <a16:creationId xmlns:a16="http://schemas.microsoft.com/office/drawing/2014/main" id="{92DDEF49-E924-B7E0-BB86-22F5A10D02C9}"/>
               </a:ext>
             </a:extLst>
           </p:cNvPr>
           <p:cNvCxnSpPr>
             <a:cxnSpLocks/>
-            <a:stCxn id="7" idx="2"/>
-            <a:endCxn id="7" idx="1"/>
+            <a:stCxn id="42" idx="2"/>
+            <a:endCxn id="42" idx="1"/>
           </p:cNvCxnSpPr>
           <p:nvPr/>
         </p:nvCxnSpPr>
         <p:spPr>
           <a:xfrm rot="5400000" flipH="1">
-            <a:off x="3951201" y="4789077"/>
+            <a:off x="4060310" y="4774582"/>
             <a:ext cx="364247" cy="734325"/>
           </a:xfrm>
           <a:prstGeom prst="curvedConnector4">
@@ -7425,10 +7527,10 @@
       </p:cxnSp>
       <p:sp>
         <p:nvSpPr>
-          <p:cNvPr id="27" name="TextBox 26">
+          <p:cNvPr id="46" name="TextBox 45">
             <a:extLst>
               <a:ext uri="{FF2B5EF4-FFF2-40B4-BE49-F238E27FC236}">
-                <a16:creationId xmlns:a16="http://schemas.microsoft.com/office/drawing/2014/main" id="{6C57655D-6292-A296-0740-B12D54025239}"/>
+                <a16:creationId xmlns:a16="http://schemas.microsoft.com/office/drawing/2014/main" id="{53A64531-4C12-150A-5877-7F110E73D2CB}"/>
               </a:ext>
             </a:extLst>
           </p:cNvPr>
@@ -7437,7 +7539,7 @@
         </p:nvSpPr>
         <p:spPr>
           <a:xfrm>
-            <a:off x="2614285" y="5084330"/>
+            <a:off x="2907063" y="5370281"/>
             <a:ext cx="952312" cy="338554"/>
           </a:xfrm>
           <a:prstGeom prst="rect">
@@ -7459,6 +7561,357 @@
           </a:p>
         </p:txBody>
       </p:sp>
+      <p:sp>
+        <p:nvSpPr>
+          <p:cNvPr id="47" name="Rounded Rectangle 9">
+            <a:extLst>
+              <a:ext uri="{FF2B5EF4-FFF2-40B4-BE49-F238E27FC236}">
+                <a16:creationId xmlns:a16="http://schemas.microsoft.com/office/drawing/2014/main" id="{169FFDB8-7DB7-5867-B635-F8EDF7C09F00}"/>
+              </a:ext>
+            </a:extLst>
+          </p:cNvPr>
+          <p:cNvSpPr/>
+          <p:nvPr/>
+        </p:nvSpPr>
+        <p:spPr>
+          <a:xfrm>
+            <a:off x="1838579" y="2050388"/>
+            <a:ext cx="1468649" cy="728495"/>
+          </a:xfrm>
+          <a:prstGeom prst="roundRect">
+            <a:avLst/>
+          </a:prstGeom>
+          <a:solidFill>
+            <a:srgbClr val="CEE1F2"/>
+          </a:solidFill>
+          <a:ln cap="rnd">
+            <a:round/>
+          </a:ln>
+          <a:effectLst>
+            <a:outerShdw blurRad="50800" dist="38100" dir="2700000" algn="tl" rotWithShape="0">
+              <a:prstClr val="black">
+                <a:alpha val="40000"/>
+              </a:prstClr>
+            </a:outerShdw>
+          </a:effectLst>
+        </p:spPr>
+        <p:style>
+          <a:lnRef idx="2">
+            <a:schemeClr val="accent1">
+              <a:shade val="50000"/>
+            </a:schemeClr>
+          </a:lnRef>
+          <a:fillRef idx="1">
+            <a:schemeClr val="accent1"/>
+          </a:fillRef>
+          <a:effectRef idx="0">
+            <a:schemeClr val="accent1"/>
+          </a:effectRef>
+          <a:fontRef idx="minor">
+            <a:schemeClr val="lt1"/>
+          </a:fontRef>
+        </p:style>
+        <p:txBody>
+          <a:bodyPr rtlCol="0" anchor="ctr"/>
+          <a:lstStyle/>
+          <a:p>
+            <a:pPr algn="ctr"/>
+            <a:r>
+              <a:rPr lang="en-US" dirty="0">
+                <a:solidFill>
+                  <a:schemeClr val="tx1"/>
+                </a:solidFill>
+              </a:rPr>
+              <a:t>Insurance Plan</a:t>
+            </a:r>
+            <a:endParaRPr lang="en-AU" dirty="0">
+              <a:solidFill>
+                <a:schemeClr val="tx1"/>
+              </a:solidFill>
+            </a:endParaRPr>
+          </a:p>
+        </p:txBody>
+      </p:sp>
+      <p:cxnSp>
+        <p:nvCxnSpPr>
+          <p:cNvPr id="48" name="Elbow Connector 37">
+            <a:extLst>
+              <a:ext uri="{FF2B5EF4-FFF2-40B4-BE49-F238E27FC236}">
+                <a16:creationId xmlns:a16="http://schemas.microsoft.com/office/drawing/2014/main" id="{A51B99A8-A231-9D7D-C6D7-B3ED75E03C45}"/>
+              </a:ext>
+            </a:extLst>
+          </p:cNvPr>
+          <p:cNvCxnSpPr>
+            <a:cxnSpLocks/>
+            <a:stCxn id="47" idx="3"/>
+          </p:cNvCxnSpPr>
+          <p:nvPr/>
+        </p:nvCxnSpPr>
+        <p:spPr>
+          <a:xfrm flipV="1">
+            <a:off x="3307228" y="2370192"/>
+            <a:ext cx="344002" cy="44444"/>
+          </a:xfrm>
+          <a:prstGeom prst="straightConnector1">
+            <a:avLst/>
+          </a:prstGeom>
+          <a:ln>
+            <a:tailEnd type="triangle"/>
+          </a:ln>
+        </p:spPr>
+        <p:style>
+          <a:lnRef idx="3">
+            <a:schemeClr val="dk1"/>
+          </a:lnRef>
+          <a:fillRef idx="0">
+            <a:schemeClr val="dk1"/>
+          </a:fillRef>
+          <a:effectRef idx="2">
+            <a:schemeClr val="dk1"/>
+          </a:effectRef>
+          <a:fontRef idx="minor">
+            <a:schemeClr val="tx1"/>
+          </a:fontRef>
+        </p:style>
+      </p:cxnSp>
+      <p:cxnSp>
+        <p:nvCxnSpPr>
+          <p:cNvPr id="49" name="Elbow Connector 37">
+            <a:extLst>
+              <a:ext uri="{FF2B5EF4-FFF2-40B4-BE49-F238E27FC236}">
+                <a16:creationId xmlns:a16="http://schemas.microsoft.com/office/drawing/2014/main" id="{F3AB6800-DA52-5D1A-E68C-F2201D634548}"/>
+              </a:ext>
+            </a:extLst>
+          </p:cNvPr>
+          <p:cNvCxnSpPr>
+            <a:cxnSpLocks/>
+            <a:stCxn id="47" idx="2"/>
+          </p:cNvCxnSpPr>
+          <p:nvPr/>
+        </p:nvCxnSpPr>
+        <p:spPr>
+          <a:xfrm flipH="1">
+            <a:off x="2465891" y="2778883"/>
+            <a:ext cx="107013" cy="359700"/>
+          </a:xfrm>
+          <a:prstGeom prst="straightConnector1">
+            <a:avLst/>
+          </a:prstGeom>
+          <a:ln>
+            <a:tailEnd type="triangle"/>
+          </a:ln>
+        </p:spPr>
+        <p:style>
+          <a:lnRef idx="3">
+            <a:schemeClr val="dk1"/>
+          </a:lnRef>
+          <a:fillRef idx="0">
+            <a:schemeClr val="dk1"/>
+          </a:fillRef>
+          <a:effectRef idx="2">
+            <a:schemeClr val="dk1"/>
+          </a:effectRef>
+          <a:fontRef idx="minor">
+            <a:schemeClr val="tx1"/>
+          </a:fontRef>
+        </p:style>
+      </p:cxnSp>
+      <p:cxnSp>
+        <p:nvCxnSpPr>
+          <p:cNvPr id="50" name="Elbow Connector 37">
+            <a:extLst>
+              <a:ext uri="{FF2B5EF4-FFF2-40B4-BE49-F238E27FC236}">
+                <a16:creationId xmlns:a16="http://schemas.microsoft.com/office/drawing/2014/main" id="{39792D4A-F3E5-E73D-387B-6FC470A35AB8}"/>
+              </a:ext>
+            </a:extLst>
+          </p:cNvPr>
+          <p:cNvCxnSpPr>
+            <a:cxnSpLocks/>
+          </p:cNvCxnSpPr>
+          <p:nvPr/>
+        </p:nvCxnSpPr>
+        <p:spPr>
+          <a:xfrm flipV="1">
+            <a:off x="3090441" y="2884025"/>
+            <a:ext cx="824088" cy="1599464"/>
+          </a:xfrm>
+          <a:prstGeom prst="straightConnector1">
+            <a:avLst/>
+          </a:prstGeom>
+          <a:ln>
+            <a:tailEnd type="triangle"/>
+          </a:ln>
+        </p:spPr>
+        <p:style>
+          <a:lnRef idx="3">
+            <a:schemeClr val="dk1"/>
+          </a:lnRef>
+          <a:fillRef idx="0">
+            <a:schemeClr val="dk1"/>
+          </a:fillRef>
+          <a:effectRef idx="2">
+            <a:schemeClr val="dk1"/>
+          </a:effectRef>
+          <a:fontRef idx="minor">
+            <a:schemeClr val="tx1"/>
+          </a:fontRef>
+        </p:style>
+      </p:cxnSp>
+      <p:sp>
+        <p:nvSpPr>
+          <p:cNvPr id="51" name="Rounded Rectangle 5">
+            <a:extLst>
+              <a:ext uri="{FF2B5EF4-FFF2-40B4-BE49-F238E27FC236}">
+                <a16:creationId xmlns:a16="http://schemas.microsoft.com/office/drawing/2014/main" id="{F78B3BF0-B346-8CD2-9BBF-325AA8A934C7}"/>
+              </a:ext>
+            </a:extLst>
+          </p:cNvPr>
+          <p:cNvSpPr/>
+          <p:nvPr/>
+        </p:nvSpPr>
+        <p:spPr>
+          <a:xfrm>
+            <a:off x="1710208" y="4412894"/>
+            <a:ext cx="1468649" cy="728495"/>
+          </a:xfrm>
+          <a:prstGeom prst="roundRect">
+            <a:avLst/>
+          </a:prstGeom>
+          <a:solidFill>
+            <a:srgbClr val="CEE1F2"/>
+          </a:solidFill>
+          <a:ln cap="rnd">
+            <a:round/>
+          </a:ln>
+          <a:effectLst>
+            <a:outerShdw blurRad="50800" dist="38100" dir="2700000" algn="tl" rotWithShape="0">
+              <a:prstClr val="black">
+                <a:alpha val="40000"/>
+              </a:prstClr>
+            </a:outerShdw>
+          </a:effectLst>
+        </p:spPr>
+        <p:style>
+          <a:lnRef idx="2">
+            <a:schemeClr val="accent1">
+              <a:shade val="50000"/>
+            </a:schemeClr>
+          </a:lnRef>
+          <a:fillRef idx="1">
+            <a:schemeClr val="accent1"/>
+          </a:fillRef>
+          <a:effectRef idx="0">
+            <a:schemeClr val="accent1"/>
+          </a:effectRef>
+          <a:fontRef idx="minor">
+            <a:schemeClr val="lt1"/>
+          </a:fontRef>
+        </p:style>
+        <p:txBody>
+          <a:bodyPr rtlCol="0" anchor="ctr"/>
+          <a:lstStyle/>
+          <a:p>
+            <a:pPr algn="ctr"/>
+            <a:r>
+              <a:rPr lang="en-US" dirty="0">
+                <a:solidFill>
+                  <a:schemeClr val="tx1"/>
+                </a:solidFill>
+              </a:rPr>
+              <a:t>Organization Affiliation</a:t>
+            </a:r>
+            <a:endParaRPr lang="en-AU" dirty="0">
+              <a:solidFill>
+                <a:schemeClr val="tx1"/>
+              </a:solidFill>
+            </a:endParaRPr>
+          </a:p>
+        </p:txBody>
+      </p:sp>
+      <p:cxnSp>
+        <p:nvCxnSpPr>
+          <p:cNvPr id="52" name="Elbow Connector 37">
+            <a:extLst>
+              <a:ext uri="{FF2B5EF4-FFF2-40B4-BE49-F238E27FC236}">
+                <a16:creationId xmlns:a16="http://schemas.microsoft.com/office/drawing/2014/main" id="{2B6D7D15-0687-5799-19A1-0A08BC418271}"/>
+              </a:ext>
+            </a:extLst>
+          </p:cNvPr>
+          <p:cNvCxnSpPr>
+            <a:cxnSpLocks/>
+            <a:stCxn id="51" idx="0"/>
+          </p:cNvCxnSpPr>
+          <p:nvPr/>
+        </p:nvCxnSpPr>
+        <p:spPr>
+          <a:xfrm flipH="1" flipV="1">
+            <a:off x="2413446" y="4073273"/>
+            <a:ext cx="31087" cy="339621"/>
+          </a:xfrm>
+          <a:prstGeom prst="straightConnector1">
+            <a:avLst/>
+          </a:prstGeom>
+          <a:ln>
+            <a:tailEnd type="triangle"/>
+          </a:ln>
+        </p:spPr>
+        <p:style>
+          <a:lnRef idx="3">
+            <a:schemeClr val="dk1"/>
+          </a:lnRef>
+          <a:fillRef idx="0">
+            <a:schemeClr val="dk1"/>
+          </a:fillRef>
+          <a:effectRef idx="2">
+            <a:schemeClr val="dk1"/>
+          </a:effectRef>
+          <a:fontRef idx="minor">
+            <a:schemeClr val="tx1"/>
+          </a:fontRef>
+        </p:style>
+      </p:cxnSp>
+      <p:cxnSp>
+        <p:nvCxnSpPr>
+          <p:cNvPr id="53" name="Elbow Connector 37">
+            <a:extLst>
+              <a:ext uri="{FF2B5EF4-FFF2-40B4-BE49-F238E27FC236}">
+                <a16:creationId xmlns:a16="http://schemas.microsoft.com/office/drawing/2014/main" id="{28F05287-5990-696D-C4BA-34210A26869F}"/>
+              </a:ext>
+            </a:extLst>
+          </p:cNvPr>
+          <p:cNvCxnSpPr>
+            <a:cxnSpLocks/>
+            <a:stCxn id="51" idx="3"/>
+          </p:cNvCxnSpPr>
+          <p:nvPr/>
+        </p:nvCxnSpPr>
+        <p:spPr>
+          <a:xfrm>
+            <a:off x="3178857" y="4777142"/>
+            <a:ext cx="473718" cy="109311"/>
+          </a:xfrm>
+          <a:prstGeom prst="straightConnector1">
+            <a:avLst/>
+          </a:prstGeom>
+          <a:ln>
+            <a:tailEnd type="triangle"/>
+          </a:ln>
+        </p:spPr>
+        <p:style>
+          <a:lnRef idx="3">
+            <a:schemeClr val="dk1"/>
+          </a:lnRef>
+          <a:fillRef idx="0">
+            <a:schemeClr val="dk1"/>
+          </a:fillRef>
+          <a:effectRef idx="2">
+            <a:schemeClr val="dk1"/>
+          </a:effectRef>
+          <a:fontRef idx="minor">
+            <a:schemeClr val="tx1"/>
+          </a:fontRef>
+        </p:style>
+      </p:cxnSp>
     </p:spTree>
     <p:extLst>
       <p:ext uri="{BB962C8B-B14F-4D97-AF65-F5344CB8AC3E}">
@@ -12153,7 +12606,7 @@
         </p:nvSpPr>
         <p:spPr>
           <a:xfrm>
-            <a:off x="1948687" y="1470681"/>
+            <a:off x="5285919" y="2398465"/>
             <a:ext cx="1468649" cy="728495"/>
           </a:xfrm>
           <a:prstGeom prst="roundRect">
@@ -12200,7 +12653,7 @@
                   <a:schemeClr val="tx1"/>
                 </a:solidFill>
               </a:rPr>
-              <a:t>Organization</a:t>
+              <a:t>…</a:t>
             </a:r>
             <a:endParaRPr lang="en-AU" dirty="0">
               <a:solidFill>
@@ -12218,7 +12671,7 @@
         </p:nvSpPr>
         <p:spPr>
           <a:xfrm>
-            <a:off x="1964883" y="2382967"/>
+            <a:off x="1964883" y="2398465"/>
             <a:ext cx="1468649" cy="728495"/>
           </a:xfrm>
           <a:prstGeom prst="roundRect">
@@ -12283,7 +12736,7 @@
         </p:nvSpPr>
         <p:spPr>
           <a:xfrm>
-            <a:off x="3617383" y="1497641"/>
+            <a:off x="1964882" y="1513411"/>
             <a:ext cx="1468649" cy="728495"/>
           </a:xfrm>
           <a:prstGeom prst="roundRect">
@@ -12343,7 +12796,7 @@
         </p:nvSpPr>
         <p:spPr>
           <a:xfrm>
-            <a:off x="5285920" y="1507553"/>
+            <a:off x="5285920" y="1513411"/>
             <a:ext cx="1468649" cy="728495"/>
           </a:xfrm>
           <a:prstGeom prst="roundRect">
@@ -12809,7 +13262,7 @@
         </p:nvSpPr>
         <p:spPr>
           <a:xfrm>
-            <a:off x="5286394" y="2382966"/>
+            <a:off x="3604461" y="2398465"/>
             <a:ext cx="1468175" cy="728495"/>
           </a:xfrm>
           <a:prstGeom prst="roundRect">
@@ -13070,7 +13523,7 @@
         <p:spPr>
           <a:xfrm>
             <a:off x="1094623" y="3678973"/>
-            <a:ext cx="1225528" cy="338554"/>
+            <a:ext cx="1225528" cy="584775"/>
           </a:xfrm>
           <a:prstGeom prst="rect">
             <a:avLst/>
@@ -13086,6 +13539,13 @@
             <a:r>
               <a:rPr lang="en-US" sz="1600" dirty="0"/>
               <a:t>Schedule for</a:t>
+            </a:r>
+          </a:p>
+          <a:p>
+            <a:pPr algn="ctr"/>
+            <a:r>
+              <a:rPr lang="en-US" sz="1600" dirty="0"/>
+              <a:t>(actor)</a:t>
             </a:r>
           </a:p>
         </p:txBody>
@@ -13254,7 +13714,7 @@
         </p:nvSpPr>
         <p:spPr>
           <a:xfrm>
-            <a:off x="3629235" y="2395490"/>
+            <a:off x="3603987" y="1513411"/>
             <a:ext cx="1468649" cy="728495"/>
           </a:xfrm>
           <a:prstGeom prst="roundRect">
@@ -13335,13 +13795,13 @@
         </p:nvCxnSpPr>
         <p:spPr>
           <a:xfrm flipH="1" flipV="1">
-            <a:off x="6020245" y="1507553"/>
+            <a:off x="6020245" y="1513411"/>
             <a:ext cx="734324" cy="364248"/>
           </a:xfrm>
           <a:prstGeom prst="curvedConnector4">
             <a:avLst>
-              <a:gd name="adj1" fmla="val -23458"/>
-              <a:gd name="adj2" fmla="val 146102"/>
+              <a:gd name="adj1" fmla="val -31131"/>
+              <a:gd name="adj2" fmla="val 162759"/>
             </a:avLst>
           </a:prstGeom>
           <a:ln>
@@ -13377,7 +13837,7 @@
         </p:nvSpPr>
         <p:spPr>
           <a:xfrm>
-            <a:off x="6925025" y="1396804"/>
+            <a:off x="6940523" y="1396804"/>
             <a:ext cx="952312" cy="338554"/>
           </a:xfrm>
           <a:prstGeom prst="rect">

--- a/images/source/administration-module-resources.pptx
+++ b/images/source/administration-module-resources.pptx
@@ -9,15 +9,16 @@
     <p:sldId id="260" r:id="rId3"/>
     <p:sldId id="269" r:id="rId4"/>
     <p:sldId id="268" r:id="rId5"/>
-    <p:sldId id="257" r:id="rId6"/>
-    <p:sldId id="258" r:id="rId7"/>
-    <p:sldId id="259" r:id="rId8"/>
-    <p:sldId id="263" r:id="rId9"/>
-    <p:sldId id="270" r:id="rId10"/>
-    <p:sldId id="264" r:id="rId11"/>
-    <p:sldId id="265" r:id="rId12"/>
-    <p:sldId id="266" r:id="rId13"/>
-    <p:sldId id="267" r:id="rId14"/>
+    <p:sldId id="271" r:id="rId6"/>
+    <p:sldId id="257" r:id="rId7"/>
+    <p:sldId id="258" r:id="rId8"/>
+    <p:sldId id="259" r:id="rId9"/>
+    <p:sldId id="263" r:id="rId10"/>
+    <p:sldId id="270" r:id="rId11"/>
+    <p:sldId id="264" r:id="rId12"/>
+    <p:sldId id="265" r:id="rId13"/>
+    <p:sldId id="266" r:id="rId14"/>
+    <p:sldId id="267" r:id="rId15"/>
   </p:sldIdLst>
   <p:sldSz cx="12192000" cy="6858000"/>
   <p:notesSz cx="6858000" cy="9144000"/>
@@ -253,7 +254,7 @@
           <a:p>
             <a:fld id="{DE4E7392-00FF-4A5B-A4FB-CA939482D6BD}" type="datetimeFigureOut">
               <a:rPr lang="en-US" smtClean="0"/>
-              <a:t>8/9/2022</a:t>
+              <a:t>9/19/2023</a:t>
             </a:fld>
             <a:endParaRPr lang="en-US"/>
           </a:p>
@@ -421,7 +422,7 @@
           <a:p>
             <a:fld id="{DE4E7392-00FF-4A5B-A4FB-CA939482D6BD}" type="datetimeFigureOut">
               <a:rPr lang="en-US" smtClean="0"/>
-              <a:t>8/9/2022</a:t>
+              <a:t>9/19/2023</a:t>
             </a:fld>
             <a:endParaRPr lang="en-US"/>
           </a:p>
@@ -599,7 +600,7 @@
           <a:p>
             <a:fld id="{DE4E7392-00FF-4A5B-A4FB-CA939482D6BD}" type="datetimeFigureOut">
               <a:rPr lang="en-US" smtClean="0"/>
-              <a:t>8/9/2022</a:t>
+              <a:t>9/19/2023</a:t>
             </a:fld>
             <a:endParaRPr lang="en-US"/>
           </a:p>
@@ -767,7 +768,7 @@
           <a:p>
             <a:fld id="{DE4E7392-00FF-4A5B-A4FB-CA939482D6BD}" type="datetimeFigureOut">
               <a:rPr lang="en-US" smtClean="0"/>
-              <a:t>8/9/2022</a:t>
+              <a:t>9/19/2023</a:t>
             </a:fld>
             <a:endParaRPr lang="en-US"/>
           </a:p>
@@ -1012,7 +1013,7 @@
           <a:p>
             <a:fld id="{DE4E7392-00FF-4A5B-A4FB-CA939482D6BD}" type="datetimeFigureOut">
               <a:rPr lang="en-US" smtClean="0"/>
-              <a:t>8/9/2022</a:t>
+              <a:t>9/19/2023</a:t>
             </a:fld>
             <a:endParaRPr lang="en-US"/>
           </a:p>
@@ -1241,7 +1242,7 @@
           <a:p>
             <a:fld id="{DE4E7392-00FF-4A5B-A4FB-CA939482D6BD}" type="datetimeFigureOut">
               <a:rPr lang="en-US" smtClean="0"/>
-              <a:t>8/9/2022</a:t>
+              <a:t>9/19/2023</a:t>
             </a:fld>
             <a:endParaRPr lang="en-US"/>
           </a:p>
@@ -1605,7 +1606,7 @@
           <a:p>
             <a:fld id="{DE4E7392-00FF-4A5B-A4FB-CA939482D6BD}" type="datetimeFigureOut">
               <a:rPr lang="en-US" smtClean="0"/>
-              <a:t>8/9/2022</a:t>
+              <a:t>9/19/2023</a:t>
             </a:fld>
             <a:endParaRPr lang="en-US"/>
           </a:p>
@@ -1722,7 +1723,7 @@
           <a:p>
             <a:fld id="{DE4E7392-00FF-4A5B-A4FB-CA939482D6BD}" type="datetimeFigureOut">
               <a:rPr lang="en-US" smtClean="0"/>
-              <a:t>8/9/2022</a:t>
+              <a:t>9/19/2023</a:t>
             </a:fld>
             <a:endParaRPr lang="en-US"/>
           </a:p>
@@ -1817,7 +1818,7 @@
           <a:p>
             <a:fld id="{DE4E7392-00FF-4A5B-A4FB-CA939482D6BD}" type="datetimeFigureOut">
               <a:rPr lang="en-US" smtClean="0"/>
-              <a:t>8/9/2022</a:t>
+              <a:t>9/19/2023</a:t>
             </a:fld>
             <a:endParaRPr lang="en-US"/>
           </a:p>
@@ -2092,7 +2093,7 @@
           <a:p>
             <a:fld id="{DE4E7392-00FF-4A5B-A4FB-CA939482D6BD}" type="datetimeFigureOut">
               <a:rPr lang="en-US" smtClean="0"/>
-              <a:t>8/9/2022</a:t>
+              <a:t>9/19/2023</a:t>
             </a:fld>
             <a:endParaRPr lang="en-US"/>
           </a:p>
@@ -2344,7 +2345,7 @@
           <a:p>
             <a:fld id="{DE4E7392-00FF-4A5B-A4FB-CA939482D6BD}" type="datetimeFigureOut">
               <a:rPr lang="en-US" smtClean="0"/>
-              <a:t>8/9/2022</a:t>
+              <a:t>9/19/2023</a:t>
             </a:fld>
             <a:endParaRPr lang="en-US"/>
           </a:p>
@@ -2555,7 +2556,7 @@
           <a:p>
             <a:fld id="{DE4E7392-00FF-4A5B-A4FB-CA939482D6BD}" type="datetimeFigureOut">
               <a:rPr lang="en-US" smtClean="0"/>
-              <a:t>8/9/2022</a:t>
+              <a:t>9/19/2023</a:t>
             </a:fld>
             <a:endParaRPr lang="en-US"/>
           </a:p>
@@ -3544,8 +3545,8 @@
         </p:nvCxnSpPr>
         <p:spPr>
           <a:xfrm>
-            <a:off x="2558197" y="3566113"/>
-            <a:ext cx="3233003" cy="59248"/>
+            <a:off x="4994718" y="4898547"/>
+            <a:ext cx="1091140" cy="243297"/>
           </a:xfrm>
           <a:prstGeom prst="straightConnector1">
             <a:avLst/>
@@ -3569,39 +3570,196 @@
           </a:fontRef>
         </p:style>
       </p:cxnSp>
-      <p:cxnSp>
-        <p:nvCxnSpPr>
-          <p:cNvPr id="10" name="Elbow Connector 37"/>
-          <p:cNvCxnSpPr/>
-          <p:nvPr/>
-        </p:nvCxnSpPr>
-        <p:spPr>
-          <a:xfrm flipH="1">
-            <a:off x="2676811" y="5673743"/>
-            <a:ext cx="3634756" cy="58227"/>
-          </a:xfrm>
-          <a:prstGeom prst="straightConnector1">
-            <a:avLst/>
-          </a:prstGeom>
-          <a:ln>
-            <a:tailEnd type="triangle"/>
-          </a:ln>
-        </p:spPr>
-        <p:style>
-          <a:lnRef idx="3">
-            <a:schemeClr val="dk1"/>
-          </a:lnRef>
-          <a:fillRef idx="0">
-            <a:schemeClr val="dk1"/>
-          </a:fillRef>
-          <a:effectRef idx="2">
-            <a:schemeClr val="dk1"/>
-          </a:effectRef>
-          <a:fontRef idx="minor">
-            <a:schemeClr val="tx1"/>
-          </a:fontRef>
-        </p:style>
-      </p:cxnSp>
+      <p:sp>
+        <p:nvSpPr>
+          <p:cNvPr id="16" name="Rounded Rectangle 6"/>
+          <p:cNvSpPr/>
+          <p:nvPr/>
+        </p:nvSpPr>
+        <p:spPr>
+          <a:xfrm>
+            <a:off x="1964883" y="2382967"/>
+            <a:ext cx="1468649" cy="728495"/>
+          </a:xfrm>
+          <a:prstGeom prst="roundRect">
+            <a:avLst/>
+          </a:prstGeom>
+          <a:solidFill>
+            <a:srgbClr val="CEE1F2"/>
+          </a:solidFill>
+          <a:ln cap="rnd">
+            <a:round/>
+          </a:ln>
+          <a:effectLst>
+            <a:outerShdw blurRad="50800" dist="38100" dir="2700000" algn="tl" rotWithShape="0">
+              <a:prstClr val="black">
+                <a:alpha val="40000"/>
+              </a:prstClr>
+            </a:outerShdw>
+          </a:effectLst>
+        </p:spPr>
+        <p:style>
+          <a:lnRef idx="2">
+            <a:schemeClr val="accent1">
+              <a:shade val="50000"/>
+            </a:schemeClr>
+          </a:lnRef>
+          <a:fillRef idx="1">
+            <a:schemeClr val="accent1"/>
+          </a:fillRef>
+          <a:effectRef idx="0">
+            <a:schemeClr val="accent1"/>
+          </a:effectRef>
+          <a:fontRef idx="minor">
+            <a:schemeClr val="lt1"/>
+          </a:fontRef>
+        </p:style>
+        <p:txBody>
+          <a:bodyPr rtlCol="0" anchor="ctr"/>
+          <a:lstStyle/>
+          <a:p>
+            <a:pPr algn="ctr"/>
+            <a:r>
+              <a:rPr lang="en-US" dirty="0">
+                <a:solidFill>
+                  <a:schemeClr val="tx1"/>
+                </a:solidFill>
+              </a:rPr>
+              <a:t>Location</a:t>
+            </a:r>
+            <a:endParaRPr lang="en-AU" dirty="0">
+              <a:solidFill>
+                <a:schemeClr val="tx1"/>
+              </a:solidFill>
+            </a:endParaRPr>
+          </a:p>
+        </p:txBody>
+      </p:sp>
+      <p:sp>
+        <p:nvSpPr>
+          <p:cNvPr id="17" name="Rounded Rectangle 7"/>
+          <p:cNvSpPr/>
+          <p:nvPr/>
+        </p:nvSpPr>
+        <p:spPr>
+          <a:xfrm>
+            <a:off x="4146983" y="2504813"/>
+            <a:ext cx="1873261" cy="728495"/>
+          </a:xfrm>
+          <a:prstGeom prst="roundRect">
+            <a:avLst/>
+          </a:prstGeom>
+          <a:solidFill>
+            <a:srgbClr val="CEE1F2"/>
+          </a:solidFill>
+          <a:ln cap="rnd">
+            <a:round/>
+          </a:ln>
+          <a:effectLst>
+            <a:outerShdw blurRad="50800" dist="38100" dir="2700000" algn="tl" rotWithShape="0">
+              <a:prstClr val="black">
+                <a:alpha val="40000"/>
+              </a:prstClr>
+            </a:outerShdw>
+          </a:effectLst>
+        </p:spPr>
+        <p:style>
+          <a:lnRef idx="2">
+            <a:schemeClr val="accent1">
+              <a:shade val="50000"/>
+            </a:schemeClr>
+          </a:lnRef>
+          <a:fillRef idx="1">
+            <a:schemeClr val="accent1"/>
+          </a:fillRef>
+          <a:effectRef idx="0">
+            <a:schemeClr val="accent1"/>
+          </a:effectRef>
+          <a:fontRef idx="minor">
+            <a:schemeClr val="lt1"/>
+          </a:fontRef>
+        </p:style>
+        <p:txBody>
+          <a:bodyPr rtlCol="0" anchor="ctr"/>
+          <a:lstStyle/>
+          <a:p>
+            <a:pPr algn="ctr"/>
+            <a:r>
+              <a:rPr lang="en-US" dirty="0">
+                <a:solidFill>
+                  <a:schemeClr val="tx1"/>
+                </a:solidFill>
+              </a:rPr>
+              <a:t>Contact Point? (where?)</a:t>
+            </a:r>
+          </a:p>
+        </p:txBody>
+      </p:sp>
+      <p:sp>
+        <p:nvSpPr>
+          <p:cNvPr id="18" name="Rounded Rectangle 8"/>
+          <p:cNvSpPr/>
+          <p:nvPr/>
+        </p:nvSpPr>
+        <p:spPr>
+          <a:xfrm>
+            <a:off x="5285920" y="1507553"/>
+            <a:ext cx="1468649" cy="728495"/>
+          </a:xfrm>
+          <a:prstGeom prst="roundRect">
+            <a:avLst/>
+          </a:prstGeom>
+          <a:solidFill>
+            <a:srgbClr val="CEE1F2"/>
+          </a:solidFill>
+          <a:ln cap="rnd">
+            <a:round/>
+          </a:ln>
+          <a:effectLst>
+            <a:outerShdw blurRad="50800" dist="38100" dir="2700000" algn="tl" rotWithShape="0">
+              <a:prstClr val="black">
+                <a:alpha val="40000"/>
+              </a:prstClr>
+            </a:outerShdw>
+          </a:effectLst>
+        </p:spPr>
+        <p:style>
+          <a:lnRef idx="2">
+            <a:schemeClr val="accent1">
+              <a:shade val="50000"/>
+            </a:schemeClr>
+          </a:lnRef>
+          <a:fillRef idx="1">
+            <a:schemeClr val="accent1"/>
+          </a:fillRef>
+          <a:effectRef idx="0">
+            <a:schemeClr val="accent1"/>
+          </a:effectRef>
+          <a:fontRef idx="minor">
+            <a:schemeClr val="lt1"/>
+          </a:fontRef>
+        </p:style>
+        <p:txBody>
+          <a:bodyPr rtlCol="0" anchor="ctr"/>
+          <a:lstStyle/>
+          <a:p>
+            <a:pPr algn="ctr"/>
+            <a:r>
+              <a:rPr lang="en-US" dirty="0">
+                <a:solidFill>
+                  <a:schemeClr val="tx1"/>
+                </a:solidFill>
+              </a:rPr>
+              <a:t>End point?</a:t>
+            </a:r>
+            <a:endParaRPr lang="en-AU" dirty="0">
+              <a:solidFill>
+                <a:schemeClr val="tx1"/>
+              </a:solidFill>
+            </a:endParaRPr>
+          </a:p>
+        </p:txBody>
+      </p:sp>
       <p:sp>
         <p:nvSpPr>
           <p:cNvPr id="2" name="Title 1"/>
@@ -3612,36 +3770,39 @@
             <p:ph type="title"/>
           </p:nvPr>
         </p:nvSpPr>
-        <p:spPr/>
+        <p:spPr>
+          <a:xfrm>
+            <a:off x="838200" y="365125"/>
+            <a:ext cx="4766733" cy="1325563"/>
+          </a:xfrm>
+        </p:spPr>
         <p:txBody>
           <a:bodyPr/>
           <a:lstStyle/>
           <a:p>
             <a:r>
               <a:rPr lang="en-AU" dirty="0"/>
-              <a:t>Encounter / Condition (Diagnosis)</a:t>
-            </a:r>
-          </a:p>
-        </p:txBody>
-      </p:sp>
-      <p:sp>
-        <p:nvSpPr>
-          <p:cNvPr id="27" name="Rounded Rectangle 5"/>
+              <a:t>Scheduling - Virtual</a:t>
+            </a:r>
+          </a:p>
+        </p:txBody>
+      </p:sp>
+      <p:sp>
+        <p:nvSpPr>
+          <p:cNvPr id="35" name="Rounded Rectangle 8"/>
           <p:cNvSpPr/>
           <p:nvPr/>
         </p:nvSpPr>
         <p:spPr>
           <a:xfrm>
-            <a:off x="9605818" y="4367605"/>
-            <a:ext cx="2586182" cy="2043184"/>
+            <a:off x="3447547" y="4353187"/>
+            <a:ext cx="1688537" cy="728495"/>
           </a:xfrm>
           <a:prstGeom prst="roundRect">
-            <a:avLst>
-              <a:gd name="adj" fmla="val 6072"/>
-            </a:avLst>
+            <a:avLst/>
           </a:prstGeom>
           <a:solidFill>
-            <a:schemeClr val="bg1"/>
+            <a:srgbClr val="CEE1F2"/>
           </a:solidFill>
           <a:ln cap="rnd">
             <a:round/>
@@ -3671,10 +3832,18 @@
           </a:fontRef>
         </p:style>
         <p:txBody>
-          <a:bodyPr rtlCol="0" anchor="t" anchorCtr="0"/>
+          <a:bodyPr rtlCol="0" anchor="ctr"/>
           <a:lstStyle/>
           <a:p>
             <a:pPr algn="ctr"/>
+            <a:r>
+              <a:rPr lang="en-US" dirty="0">
+                <a:solidFill>
+                  <a:schemeClr val="tx1"/>
+                </a:solidFill>
+              </a:rPr>
+              <a:t>Appointment</a:t>
+            </a:r>
             <a:endParaRPr lang="en-AU" dirty="0">
               <a:solidFill>
                 <a:schemeClr val="tx1"/>
@@ -3685,13 +3854,19 @@
       </p:sp>
       <p:sp>
         <p:nvSpPr>
-          <p:cNvPr id="28" name="Rounded Rectangle 5"/>
+          <p:cNvPr id="38" name="Rounded Rectangle 5">
+            <a:extLst>
+              <a:ext uri="{FF2B5EF4-FFF2-40B4-BE49-F238E27FC236}">
+                <a16:creationId xmlns:a16="http://schemas.microsoft.com/office/drawing/2014/main" id="{1270081C-6AB7-4C63-980A-A119030545A5}"/>
+              </a:ext>
+            </a:extLst>
+          </p:cNvPr>
           <p:cNvSpPr/>
           <p:nvPr/>
         </p:nvSpPr>
         <p:spPr>
           <a:xfrm>
-            <a:off x="9778576" y="5418485"/>
+            <a:off x="9968086" y="690401"/>
             <a:ext cx="1694439" cy="728495"/>
           </a:xfrm>
           <a:prstGeom prst="roundRect">
@@ -3738,7 +3913,7 @@
                   <a:schemeClr val="tx1"/>
                 </a:solidFill>
               </a:rPr>
-              <a:t>…</a:t>
+              <a:t>Zoom</a:t>
             </a:r>
             <a:endParaRPr lang="en-AU" dirty="0">
               <a:solidFill>
@@ -3750,13 +3925,19 @@
       </p:sp>
       <p:sp>
         <p:nvSpPr>
-          <p:cNvPr id="29" name="Rounded Rectangle 5"/>
+          <p:cNvPr id="39" name="Rounded Rectangle 5">
+            <a:extLst>
+              <a:ext uri="{FF2B5EF4-FFF2-40B4-BE49-F238E27FC236}">
+                <a16:creationId xmlns:a16="http://schemas.microsoft.com/office/drawing/2014/main" id="{5170A86B-15DB-4839-A053-4549397D3C36}"/>
+              </a:ext>
+            </a:extLst>
+          </p:cNvPr>
           <p:cNvSpPr/>
           <p:nvPr/>
         </p:nvSpPr>
         <p:spPr>
           <a:xfrm>
-            <a:off x="6311567" y="3869522"/>
+            <a:off x="7666085" y="1610052"/>
             <a:ext cx="1694439" cy="728495"/>
           </a:xfrm>
           <a:prstGeom prst="roundRect">
@@ -3803,7 +3984,7 @@
                   <a:schemeClr val="tx1"/>
                 </a:solidFill>
               </a:rPr>
-              <a:t>Condition</a:t>
+              <a:t>WebEx</a:t>
             </a:r>
             <a:endParaRPr lang="en-AU" dirty="0">
               <a:solidFill>
@@ -3815,13 +3996,19 @@
       </p:sp>
       <p:sp>
         <p:nvSpPr>
-          <p:cNvPr id="30" name="Rounded Rectangle 5"/>
+          <p:cNvPr id="40" name="Rounded Rectangle 5">
+            <a:extLst>
+              <a:ext uri="{FF2B5EF4-FFF2-40B4-BE49-F238E27FC236}">
+                <a16:creationId xmlns:a16="http://schemas.microsoft.com/office/drawing/2014/main" id="{562B3606-B5E9-455C-A57A-2A571AB96AB6}"/>
+              </a:ext>
+            </a:extLst>
+          </p:cNvPr>
           <p:cNvSpPr/>
           <p:nvPr/>
         </p:nvSpPr>
         <p:spPr>
           <a:xfrm>
-            <a:off x="9941065" y="4489253"/>
+            <a:off x="7678082" y="704451"/>
             <a:ext cx="1694439" cy="728495"/>
           </a:xfrm>
           <a:prstGeom prst="roundRect">
@@ -3868,7 +4055,7 @@
                   <a:schemeClr val="tx1"/>
                 </a:solidFill>
               </a:rPr>
-              <a:t>Location</a:t>
+              <a:t>VMR (video)</a:t>
             </a:r>
             <a:endParaRPr lang="en-AU" dirty="0">
               <a:solidFill>
@@ -3880,14 +4067,20 @@
       </p:sp>
       <p:sp>
         <p:nvSpPr>
-          <p:cNvPr id="31" name="Rounded Rectangle 7"/>
+          <p:cNvPr id="41" name="Rounded Rectangle 5">
+            <a:extLst>
+              <a:ext uri="{FF2B5EF4-FFF2-40B4-BE49-F238E27FC236}">
+                <a16:creationId xmlns:a16="http://schemas.microsoft.com/office/drawing/2014/main" id="{E0F08390-FFA7-4596-8280-25E077A21E41}"/>
+              </a:ext>
+            </a:extLst>
+          </p:cNvPr>
           <p:cNvSpPr/>
           <p:nvPr/>
         </p:nvSpPr>
         <p:spPr>
           <a:xfrm>
-            <a:off x="9913497" y="3341349"/>
-            <a:ext cx="1722007" cy="728495"/>
+            <a:off x="9968086" y="1610052"/>
+            <a:ext cx="1694439" cy="728495"/>
           </a:xfrm>
           <a:prstGeom prst="roundRect">
             <a:avLst/>
@@ -3933,21 +4126,32 @@
                   <a:schemeClr val="tx1"/>
                 </a:solidFill>
               </a:rPr>
-              <a:t>Problem</a:t>
-            </a:r>
-          </a:p>
-        </p:txBody>
-      </p:sp>
-      <p:sp>
-        <p:nvSpPr>
-          <p:cNvPr id="58" name="TextBox 57"/>
+              <a:t>Teams</a:t>
+            </a:r>
+            <a:endParaRPr lang="en-AU" dirty="0">
+              <a:solidFill>
+                <a:schemeClr val="tx1"/>
+              </a:solidFill>
+            </a:endParaRPr>
+          </a:p>
+        </p:txBody>
+      </p:sp>
+      <p:sp>
+        <p:nvSpPr>
+          <p:cNvPr id="42" name="TextBox 41">
+            <a:extLst>
+              <a:ext uri="{FF2B5EF4-FFF2-40B4-BE49-F238E27FC236}">
+                <a16:creationId xmlns:a16="http://schemas.microsoft.com/office/drawing/2014/main" id="{844DC2E4-7B11-4A63-8CA8-75E6C78FF75C}"/>
+              </a:ext>
+            </a:extLst>
+          </p:cNvPr>
           <p:cNvSpPr txBox="1"/>
           <p:nvPr/>
         </p:nvSpPr>
         <p:spPr>
           <a:xfrm>
-            <a:off x="3012216" y="3233524"/>
-            <a:ext cx="1004955" cy="338554"/>
+            <a:off x="7516761" y="337424"/>
+            <a:ext cx="1055097" cy="338554"/>
           </a:xfrm>
           <a:prstGeom prst="rect">
             <a:avLst/>
@@ -3962,54 +4166,62 @@
           <a:p>
             <a:r>
               <a:rPr lang="en-US" sz="1600" dirty="0"/>
-              <a:t>indication</a:t>
-            </a:r>
-          </a:p>
-        </p:txBody>
-      </p:sp>
-      <p:cxnSp>
-        <p:nvCxnSpPr>
-          <p:cNvPr id="60" name="Elbow Connector 37"/>
-          <p:cNvCxnSpPr/>
-          <p:nvPr/>
-        </p:nvCxnSpPr>
-        <p:spPr>
-          <a:xfrm>
-            <a:off x="2558474" y="4087103"/>
-            <a:ext cx="3232726" cy="146666"/>
-          </a:xfrm>
-          <a:prstGeom prst="straightConnector1">
-            <a:avLst/>
-          </a:prstGeom>
-          <a:ln>
-            <a:tailEnd type="triangle"/>
-          </a:ln>
-        </p:spPr>
-        <p:style>
-          <a:lnRef idx="3">
-            <a:schemeClr val="dk1"/>
-          </a:lnRef>
-          <a:fillRef idx="0">
-            <a:schemeClr val="dk1"/>
-          </a:fillRef>
-          <a:effectRef idx="2">
-            <a:schemeClr val="dk1"/>
-          </a:effectRef>
-          <a:fontRef idx="minor">
-            <a:schemeClr val="tx1"/>
-          </a:fontRef>
-        </p:style>
-      </p:cxnSp>
-      <p:sp>
-        <p:nvSpPr>
-          <p:cNvPr id="59" name="Rounded Rectangle 8"/>
+              <a:t>Single URL</a:t>
+            </a:r>
+          </a:p>
+        </p:txBody>
+      </p:sp>
+      <p:sp>
+        <p:nvSpPr>
+          <p:cNvPr id="43" name="TextBox 42">
+            <a:extLst>
+              <a:ext uri="{FF2B5EF4-FFF2-40B4-BE49-F238E27FC236}">
+                <a16:creationId xmlns:a16="http://schemas.microsoft.com/office/drawing/2014/main" id="{090B7E84-5D0F-4DDE-B5FE-8AF61B501748}"/>
+              </a:ext>
+            </a:extLst>
+          </p:cNvPr>
+          <p:cNvSpPr txBox="1"/>
+          <p:nvPr/>
+        </p:nvSpPr>
+        <p:spPr>
+          <a:xfrm>
+            <a:off x="9845483" y="272870"/>
+            <a:ext cx="2169376" cy="338554"/>
+          </a:xfrm>
+          <a:prstGeom prst="rect">
+            <a:avLst/>
+          </a:prstGeom>
+          <a:noFill/>
+        </p:spPr>
+        <p:txBody>
+          <a:bodyPr wrap="none" rtlCol="0">
+            <a:spAutoFit/>
+          </a:bodyPr>
+          <a:lstStyle/>
+          <a:p>
+            <a:r>
+              <a:rPr lang="en-US" sz="1600" dirty="0"/>
+              <a:t>Different URL each appt</a:t>
+            </a:r>
+          </a:p>
+        </p:txBody>
+      </p:sp>
+      <p:sp>
+        <p:nvSpPr>
+          <p:cNvPr id="44" name="Rounded Rectangle 5">
+            <a:extLst>
+              <a:ext uri="{FF2B5EF4-FFF2-40B4-BE49-F238E27FC236}">
+                <a16:creationId xmlns:a16="http://schemas.microsoft.com/office/drawing/2014/main" id="{9CB49C0F-D8BD-4252-AE69-A4AF5236C7B9}"/>
+              </a:ext>
+            </a:extLst>
+          </p:cNvPr>
           <p:cNvSpPr/>
           <p:nvPr/>
         </p:nvSpPr>
         <p:spPr>
           <a:xfrm>
-            <a:off x="606263" y="3983889"/>
-            <a:ext cx="1692027" cy="728495"/>
+            <a:off x="7708329" y="2560301"/>
+            <a:ext cx="1694439" cy="728495"/>
           </a:xfrm>
           <a:prstGeom prst="roundRect">
             <a:avLst/>
@@ -4055,7 +4267,7 @@
                   <a:schemeClr val="tx1"/>
                 </a:solidFill>
               </a:rPr>
-              <a:t>Encounter</a:t>
+              <a:t>WhatsApp</a:t>
             </a:r>
             <a:endParaRPr lang="en-AU" dirty="0">
               <a:solidFill>
@@ -4067,275 +4279,79 @@
       </p:sp>
       <p:sp>
         <p:nvSpPr>
-          <p:cNvPr id="64" name="TextBox 63"/>
-          <p:cNvSpPr txBox="1"/>
-          <p:nvPr/>
-        </p:nvSpPr>
-        <p:spPr>
-          <a:xfrm>
-            <a:off x="3622153" y="5323941"/>
-            <a:ext cx="1695144" cy="338554"/>
-          </a:xfrm>
-          <a:prstGeom prst="rect">
-            <a:avLst/>
-          </a:prstGeom>
-          <a:noFill/>
-        </p:spPr>
-        <p:txBody>
-          <a:bodyPr wrap="none" rtlCol="0">
-            <a:spAutoFit/>
-          </a:bodyPr>
-          <a:lstStyle/>
-          <a:p>
-            <a:r>
-              <a:rPr lang="en-US" sz="1600" dirty="0" err="1"/>
-              <a:t>Encounter.context</a:t>
-            </a:r>
-            <a:endParaRPr lang="en-US" sz="1600" dirty="0"/>
-          </a:p>
-        </p:txBody>
-      </p:sp>
-      <p:sp>
-        <p:nvSpPr>
-          <p:cNvPr id="37" name="TextBox 36"/>
-          <p:cNvSpPr txBox="1"/>
-          <p:nvPr/>
-        </p:nvSpPr>
-        <p:spPr>
-          <a:xfrm>
-            <a:off x="2883820" y="3678053"/>
-            <a:ext cx="2279727" cy="338554"/>
-          </a:xfrm>
-          <a:prstGeom prst="rect">
-            <a:avLst/>
-          </a:prstGeom>
-          <a:noFill/>
-        </p:spPr>
-        <p:txBody>
-          <a:bodyPr wrap="none" rtlCol="0">
-            <a:spAutoFit/>
-          </a:bodyPr>
-          <a:lstStyle/>
-          <a:p>
-            <a:r>
-              <a:rPr lang="en-US" sz="1600" dirty="0" err="1"/>
-              <a:t>Hosp.Admitting</a:t>
-            </a:r>
-            <a:r>
-              <a:rPr lang="en-US" sz="1600" dirty="0"/>
-              <a:t> diagnosis</a:t>
-            </a:r>
-          </a:p>
-        </p:txBody>
-      </p:sp>
-      <p:sp>
-        <p:nvSpPr>
-          <p:cNvPr id="38" name="TextBox 37"/>
-          <p:cNvSpPr txBox="1"/>
-          <p:nvPr/>
-        </p:nvSpPr>
-        <p:spPr>
-          <a:xfrm>
-            <a:off x="2883820" y="4259463"/>
-            <a:ext cx="2268826" cy="338554"/>
-          </a:xfrm>
-          <a:prstGeom prst="rect">
-            <a:avLst/>
-          </a:prstGeom>
-          <a:noFill/>
-        </p:spPr>
-        <p:txBody>
-          <a:bodyPr wrap="none" rtlCol="0">
-            <a:spAutoFit/>
-          </a:bodyPr>
-          <a:lstStyle/>
-          <a:p>
-            <a:r>
-              <a:rPr lang="en-US" sz="1600" dirty="0" err="1"/>
-              <a:t>Hosp.Discharge</a:t>
-            </a:r>
-            <a:r>
-              <a:rPr lang="en-US" sz="1600" dirty="0"/>
-              <a:t> diagnosis</a:t>
-            </a:r>
-          </a:p>
-        </p:txBody>
-      </p:sp>
-      <p:sp>
-        <p:nvSpPr>
-          <p:cNvPr id="39" name="TextBox 38"/>
-          <p:cNvSpPr txBox="1"/>
-          <p:nvPr/>
-        </p:nvSpPr>
-        <p:spPr>
-          <a:xfrm>
-            <a:off x="2756441" y="4661951"/>
-            <a:ext cx="2521459" cy="584775"/>
-          </a:xfrm>
-          <a:prstGeom prst="rect">
-            <a:avLst/>
-          </a:prstGeom>
-          <a:noFill/>
-        </p:spPr>
-        <p:txBody>
-          <a:bodyPr wrap="none" rtlCol="0">
-            <a:spAutoFit/>
-          </a:bodyPr>
-          <a:lstStyle/>
-          <a:p>
-            <a:r>
-              <a:rPr lang="en-US" sz="1600" dirty="0" err="1"/>
-              <a:t>Extenson</a:t>
-            </a:r>
-            <a:r>
-              <a:rPr lang="en-US" sz="1600" dirty="0"/>
-              <a:t> (</a:t>
-            </a:r>
-            <a:r>
-              <a:rPr lang="en-US" sz="1600" dirty="0" err="1"/>
-              <a:t>relatedCondition</a:t>
-            </a:r>
-            <a:r>
-              <a:rPr lang="en-US" sz="1600" dirty="0"/>
-              <a:t>)</a:t>
-            </a:r>
-          </a:p>
-          <a:p>
-            <a:r>
-              <a:rPr lang="en-US" sz="1600" dirty="0"/>
-              <a:t>(includes role)</a:t>
-            </a:r>
-          </a:p>
-        </p:txBody>
-      </p:sp>
-      <p:cxnSp>
-        <p:nvCxnSpPr>
-          <p:cNvPr id="40" name="Elbow Connector 37"/>
-          <p:cNvCxnSpPr/>
-          <p:nvPr/>
-        </p:nvCxnSpPr>
-        <p:spPr>
-          <a:xfrm>
-            <a:off x="2558474" y="4548097"/>
-            <a:ext cx="3232726" cy="146666"/>
-          </a:xfrm>
-          <a:prstGeom prst="straightConnector1">
-            <a:avLst/>
-          </a:prstGeom>
-          <a:ln>
-            <a:tailEnd type="triangle"/>
-          </a:ln>
-        </p:spPr>
-        <p:style>
-          <a:lnRef idx="3">
-            <a:schemeClr val="dk1"/>
-          </a:lnRef>
-          <a:fillRef idx="0">
-            <a:schemeClr val="dk1"/>
-          </a:fillRef>
-          <a:effectRef idx="2">
-            <a:schemeClr val="dk1"/>
-          </a:effectRef>
-          <a:fontRef idx="minor">
-            <a:schemeClr val="tx1"/>
-          </a:fontRef>
-        </p:style>
-      </p:cxnSp>
-      <p:cxnSp>
-        <p:nvCxnSpPr>
-          <p:cNvPr id="41" name="Elbow Connector 37"/>
-          <p:cNvCxnSpPr/>
-          <p:nvPr/>
-        </p:nvCxnSpPr>
-        <p:spPr>
-          <a:xfrm>
-            <a:off x="2558197" y="5177275"/>
-            <a:ext cx="3233003" cy="34726"/>
-          </a:xfrm>
-          <a:prstGeom prst="straightConnector1">
-            <a:avLst/>
-          </a:prstGeom>
-          <a:ln>
-            <a:tailEnd type="triangle"/>
-          </a:ln>
-        </p:spPr>
-        <p:style>
-          <a:lnRef idx="3">
-            <a:schemeClr val="dk1"/>
-          </a:lnRef>
-          <a:fillRef idx="0">
-            <a:schemeClr val="dk1"/>
-          </a:fillRef>
-          <a:effectRef idx="2">
-            <a:schemeClr val="dk1"/>
-          </a:effectRef>
-          <a:fontRef idx="minor">
-            <a:schemeClr val="tx1"/>
-          </a:fontRef>
-        </p:style>
-      </p:cxnSp>
-      <p:sp>
-        <p:nvSpPr>
-          <p:cNvPr id="44" name="TextBox 43"/>
-          <p:cNvSpPr txBox="1"/>
-          <p:nvPr/>
-        </p:nvSpPr>
-        <p:spPr>
-          <a:xfrm>
-            <a:off x="4814819" y="1556659"/>
-            <a:ext cx="5196102" cy="1077218"/>
-          </a:xfrm>
-          <a:prstGeom prst="rect">
-            <a:avLst/>
-          </a:prstGeom>
-          <a:noFill/>
-        </p:spPr>
-        <p:txBody>
-          <a:bodyPr wrap="none" rtlCol="0">
-            <a:spAutoFit/>
-          </a:bodyPr>
-          <a:lstStyle/>
-          <a:p>
-            <a:r>
-              <a:rPr lang="en-US" sz="1600" b="1" dirty="0"/>
-              <a:t>Proposal: </a:t>
-            </a:r>
-            <a:br>
-              <a:rPr lang="en-US" sz="1600" dirty="0"/>
-            </a:br>
-            <a:r>
-              <a:rPr lang="en-US" sz="1600" dirty="0"/>
-              <a:t>Collapse all into “diagnosis/role” and include clarification</a:t>
-            </a:r>
-            <a:br>
-              <a:rPr lang="en-US" sz="1600" dirty="0"/>
-            </a:br>
-            <a:r>
-              <a:rPr lang="en-US" sz="1600" dirty="0"/>
-              <a:t>on the reason coding to indicate its purpose as more patient</a:t>
-            </a:r>
-            <a:br>
-              <a:rPr lang="en-US" sz="1600" dirty="0"/>
-            </a:br>
-            <a:r>
-              <a:rPr lang="en-US" sz="1600" dirty="0"/>
-              <a:t>centric </a:t>
-            </a:r>
-            <a:r>
-              <a:rPr lang="en-US" sz="1600" dirty="0" err="1"/>
-              <a:t>valueset</a:t>
-            </a:r>
-            <a:r>
-              <a:rPr lang="en-US" sz="1600" dirty="0"/>
-              <a:t>/concept.</a:t>
-            </a:r>
+          <p:cNvPr id="45" name="Rounded Rectangle 5">
+            <a:extLst>
+              <a:ext uri="{FF2B5EF4-FFF2-40B4-BE49-F238E27FC236}">
+                <a16:creationId xmlns:a16="http://schemas.microsoft.com/office/drawing/2014/main" id="{075B10EB-EF17-460E-BF3A-B554D2015358}"/>
+              </a:ext>
+            </a:extLst>
+          </p:cNvPr>
+          <p:cNvSpPr/>
+          <p:nvPr/>
+        </p:nvSpPr>
+        <p:spPr>
+          <a:xfrm>
+            <a:off x="7708329" y="3533416"/>
+            <a:ext cx="1694439" cy="728495"/>
+          </a:xfrm>
+          <a:prstGeom prst="roundRect">
+            <a:avLst/>
+          </a:prstGeom>
+          <a:solidFill>
+            <a:srgbClr val="CEE1F2"/>
+          </a:solidFill>
+          <a:ln cap="rnd">
+            <a:round/>
+          </a:ln>
+          <a:effectLst>
+            <a:outerShdw blurRad="50800" dist="38100" dir="2700000" algn="tl" rotWithShape="0">
+              <a:prstClr val="black">
+                <a:alpha val="40000"/>
+              </a:prstClr>
+            </a:outerShdw>
+          </a:effectLst>
+        </p:spPr>
+        <p:style>
+          <a:lnRef idx="2">
+            <a:schemeClr val="accent1">
+              <a:shade val="50000"/>
+            </a:schemeClr>
+          </a:lnRef>
+          <a:fillRef idx="1">
+            <a:schemeClr val="accent1"/>
+          </a:fillRef>
+          <a:effectRef idx="0">
+            <a:schemeClr val="accent1"/>
+          </a:effectRef>
+          <a:fontRef idx="minor">
+            <a:schemeClr val="lt1"/>
+          </a:fontRef>
+        </p:style>
+        <p:txBody>
+          <a:bodyPr rtlCol="0" anchor="ctr"/>
+          <a:lstStyle/>
+          <a:p>
+            <a:pPr algn="ctr"/>
+            <a:r>
+              <a:rPr lang="en-US" dirty="0" err="1">
+                <a:solidFill>
+                  <a:schemeClr val="tx1"/>
+                </a:solidFill>
+              </a:rPr>
+              <a:t>Twillio</a:t>
+            </a:r>
+            <a:endParaRPr lang="en-AU" dirty="0">
+              <a:solidFill>
+                <a:schemeClr val="tx1"/>
+              </a:solidFill>
+            </a:endParaRPr>
           </a:p>
         </p:txBody>
       </p:sp>
     </p:spTree>
     <p:extLst>
       <p:ext uri="{BB962C8B-B14F-4D97-AF65-F5344CB8AC3E}">
-        <p14:creationId xmlns:p14="http://schemas.microsoft.com/office/powerpoint/2010/main" val="3555168740"/>
+        <p14:creationId xmlns:p14="http://schemas.microsoft.com/office/powerpoint/2010/main" val="1373264902"/>
       </p:ext>
     </p:extLst>
   </p:cSld>
@@ -4364,13 +4380,46 @@
       </p:grpSpPr>
       <p:cxnSp>
         <p:nvCxnSpPr>
+          <p:cNvPr id="8" name="Elbow Connector 37"/>
+          <p:cNvCxnSpPr/>
+          <p:nvPr/>
+        </p:nvCxnSpPr>
+        <p:spPr>
+          <a:xfrm>
+            <a:off x="2558197" y="3566113"/>
+            <a:ext cx="3233003" cy="59248"/>
+          </a:xfrm>
+          <a:prstGeom prst="straightConnector1">
+            <a:avLst/>
+          </a:prstGeom>
+          <a:ln>
+            <a:tailEnd type="triangle"/>
+          </a:ln>
+        </p:spPr>
+        <p:style>
+          <a:lnRef idx="3">
+            <a:schemeClr val="dk1"/>
+          </a:lnRef>
+          <a:fillRef idx="0">
+            <a:schemeClr val="dk1"/>
+          </a:fillRef>
+          <a:effectRef idx="2">
+            <a:schemeClr val="dk1"/>
+          </a:effectRef>
+          <a:fontRef idx="minor">
+            <a:schemeClr val="tx1"/>
+          </a:fontRef>
+        </p:style>
+      </p:cxnSp>
+      <p:cxnSp>
+        <p:nvCxnSpPr>
           <p:cNvPr id="10" name="Elbow Connector 37"/>
           <p:cNvCxnSpPr/>
           <p:nvPr/>
         </p:nvCxnSpPr>
         <p:spPr>
           <a:xfrm flipH="1">
-            <a:off x="2487550" y="4872916"/>
+            <a:off x="2676811" y="5673743"/>
             <a:ext cx="3634756" cy="58227"/>
           </a:xfrm>
           <a:prstGeom prst="straightConnector1">
@@ -4419,20 +4468,22 @@
       </p:sp>
       <p:sp>
         <p:nvSpPr>
-          <p:cNvPr id="29" name="Rounded Rectangle 5"/>
+          <p:cNvPr id="27" name="Rounded Rectangle 5"/>
           <p:cNvSpPr/>
           <p:nvPr/>
         </p:nvSpPr>
         <p:spPr>
           <a:xfrm>
-            <a:off x="6311567" y="3869522"/>
-            <a:ext cx="1694439" cy="728495"/>
+            <a:off x="9605818" y="4367605"/>
+            <a:ext cx="2586182" cy="2043184"/>
           </a:xfrm>
           <a:prstGeom prst="roundRect">
-            <a:avLst/>
+            <a:avLst>
+              <a:gd name="adj" fmla="val 6072"/>
+            </a:avLst>
           </a:prstGeom>
           <a:solidFill>
-            <a:srgbClr val="CEE1F2"/>
+            <a:schemeClr val="bg1"/>
           </a:solidFill>
           <a:ln cap="rnd">
             <a:round/>
@@ -4462,18 +4513,10 @@
           </a:fontRef>
         </p:style>
         <p:txBody>
-          <a:bodyPr rtlCol="0" anchor="ctr"/>
+          <a:bodyPr rtlCol="0" anchor="t" anchorCtr="0"/>
           <a:lstStyle/>
           <a:p>
             <a:pPr algn="ctr"/>
-            <a:r>
-              <a:rPr lang="en-US" dirty="0">
-                <a:solidFill>
-                  <a:schemeClr val="tx1"/>
-                </a:solidFill>
-              </a:rPr>
-              <a:t>Condition</a:t>
-            </a:r>
             <a:endParaRPr lang="en-AU" dirty="0">
               <a:solidFill>
                 <a:schemeClr val="tx1"/>
@@ -4482,49 +4525,16 @@
           </a:p>
         </p:txBody>
       </p:sp>
-      <p:cxnSp>
-        <p:nvCxnSpPr>
-          <p:cNvPr id="60" name="Elbow Connector 37"/>
-          <p:cNvCxnSpPr/>
-          <p:nvPr/>
-        </p:nvCxnSpPr>
-        <p:spPr>
-          <a:xfrm>
-            <a:off x="2558474" y="4087103"/>
-            <a:ext cx="3232726" cy="146666"/>
-          </a:xfrm>
-          <a:prstGeom prst="straightConnector1">
-            <a:avLst/>
-          </a:prstGeom>
-          <a:ln>
-            <a:tailEnd type="triangle"/>
-          </a:ln>
-        </p:spPr>
-        <p:style>
-          <a:lnRef idx="3">
-            <a:schemeClr val="dk1"/>
-          </a:lnRef>
-          <a:fillRef idx="0">
-            <a:schemeClr val="dk1"/>
-          </a:fillRef>
-          <a:effectRef idx="2">
-            <a:schemeClr val="dk1"/>
-          </a:effectRef>
-          <a:fontRef idx="minor">
-            <a:schemeClr val="tx1"/>
-          </a:fontRef>
-        </p:style>
-      </p:cxnSp>
-      <p:sp>
-        <p:nvSpPr>
-          <p:cNvPr id="59" name="Rounded Rectangle 8"/>
+      <p:sp>
+        <p:nvSpPr>
+          <p:cNvPr id="28" name="Rounded Rectangle 5"/>
           <p:cNvSpPr/>
           <p:nvPr/>
         </p:nvSpPr>
         <p:spPr>
           <a:xfrm>
-            <a:off x="606263" y="3983889"/>
-            <a:ext cx="1692027" cy="728495"/>
+            <a:off x="9778576" y="5418485"/>
+            <a:ext cx="1694439" cy="728495"/>
           </a:xfrm>
           <a:prstGeom prst="roundRect">
             <a:avLst/>
@@ -4570,7 +4580,7 @@
                   <a:schemeClr val="tx1"/>
                 </a:solidFill>
               </a:rPr>
-              <a:t>Encounter</a:t>
+              <a:t>…</a:t>
             </a:r>
             <a:endParaRPr lang="en-AU" dirty="0">
               <a:solidFill>
@@ -4582,14 +4592,204 @@
       </p:sp>
       <p:sp>
         <p:nvSpPr>
-          <p:cNvPr id="64" name="TextBox 63"/>
+          <p:cNvPr id="29" name="Rounded Rectangle 5"/>
+          <p:cNvSpPr/>
+          <p:nvPr/>
+        </p:nvSpPr>
+        <p:spPr>
+          <a:xfrm>
+            <a:off x="6311567" y="3869522"/>
+            <a:ext cx="1694439" cy="728495"/>
+          </a:xfrm>
+          <a:prstGeom prst="roundRect">
+            <a:avLst/>
+          </a:prstGeom>
+          <a:solidFill>
+            <a:srgbClr val="CEE1F2"/>
+          </a:solidFill>
+          <a:ln cap="rnd">
+            <a:round/>
+          </a:ln>
+          <a:effectLst>
+            <a:outerShdw blurRad="50800" dist="38100" dir="2700000" algn="tl" rotWithShape="0">
+              <a:prstClr val="black">
+                <a:alpha val="40000"/>
+              </a:prstClr>
+            </a:outerShdw>
+          </a:effectLst>
+        </p:spPr>
+        <p:style>
+          <a:lnRef idx="2">
+            <a:schemeClr val="accent1">
+              <a:shade val="50000"/>
+            </a:schemeClr>
+          </a:lnRef>
+          <a:fillRef idx="1">
+            <a:schemeClr val="accent1"/>
+          </a:fillRef>
+          <a:effectRef idx="0">
+            <a:schemeClr val="accent1"/>
+          </a:effectRef>
+          <a:fontRef idx="minor">
+            <a:schemeClr val="lt1"/>
+          </a:fontRef>
+        </p:style>
+        <p:txBody>
+          <a:bodyPr rtlCol="0" anchor="ctr"/>
+          <a:lstStyle/>
+          <a:p>
+            <a:pPr algn="ctr"/>
+            <a:r>
+              <a:rPr lang="en-US" dirty="0">
+                <a:solidFill>
+                  <a:schemeClr val="tx1"/>
+                </a:solidFill>
+              </a:rPr>
+              <a:t>Condition</a:t>
+            </a:r>
+            <a:endParaRPr lang="en-AU" dirty="0">
+              <a:solidFill>
+                <a:schemeClr val="tx1"/>
+              </a:solidFill>
+            </a:endParaRPr>
+          </a:p>
+        </p:txBody>
+      </p:sp>
+      <p:sp>
+        <p:nvSpPr>
+          <p:cNvPr id="30" name="Rounded Rectangle 5"/>
+          <p:cNvSpPr/>
+          <p:nvPr/>
+        </p:nvSpPr>
+        <p:spPr>
+          <a:xfrm>
+            <a:off x="9941065" y="4489253"/>
+            <a:ext cx="1694439" cy="728495"/>
+          </a:xfrm>
+          <a:prstGeom prst="roundRect">
+            <a:avLst/>
+          </a:prstGeom>
+          <a:solidFill>
+            <a:srgbClr val="CEE1F2"/>
+          </a:solidFill>
+          <a:ln cap="rnd">
+            <a:round/>
+          </a:ln>
+          <a:effectLst>
+            <a:outerShdw blurRad="50800" dist="38100" dir="2700000" algn="tl" rotWithShape="0">
+              <a:prstClr val="black">
+                <a:alpha val="40000"/>
+              </a:prstClr>
+            </a:outerShdw>
+          </a:effectLst>
+        </p:spPr>
+        <p:style>
+          <a:lnRef idx="2">
+            <a:schemeClr val="accent1">
+              <a:shade val="50000"/>
+            </a:schemeClr>
+          </a:lnRef>
+          <a:fillRef idx="1">
+            <a:schemeClr val="accent1"/>
+          </a:fillRef>
+          <a:effectRef idx="0">
+            <a:schemeClr val="accent1"/>
+          </a:effectRef>
+          <a:fontRef idx="minor">
+            <a:schemeClr val="lt1"/>
+          </a:fontRef>
+        </p:style>
+        <p:txBody>
+          <a:bodyPr rtlCol="0" anchor="ctr"/>
+          <a:lstStyle/>
+          <a:p>
+            <a:pPr algn="ctr"/>
+            <a:r>
+              <a:rPr lang="en-US" dirty="0">
+                <a:solidFill>
+                  <a:schemeClr val="tx1"/>
+                </a:solidFill>
+              </a:rPr>
+              <a:t>Location</a:t>
+            </a:r>
+            <a:endParaRPr lang="en-AU" dirty="0">
+              <a:solidFill>
+                <a:schemeClr val="tx1"/>
+              </a:solidFill>
+            </a:endParaRPr>
+          </a:p>
+        </p:txBody>
+      </p:sp>
+      <p:sp>
+        <p:nvSpPr>
+          <p:cNvPr id="31" name="Rounded Rectangle 7"/>
+          <p:cNvSpPr/>
+          <p:nvPr/>
+        </p:nvSpPr>
+        <p:spPr>
+          <a:xfrm>
+            <a:off x="9913497" y="3341349"/>
+            <a:ext cx="1722007" cy="728495"/>
+          </a:xfrm>
+          <a:prstGeom prst="roundRect">
+            <a:avLst/>
+          </a:prstGeom>
+          <a:solidFill>
+            <a:srgbClr val="CEE1F2"/>
+          </a:solidFill>
+          <a:ln cap="rnd">
+            <a:round/>
+          </a:ln>
+          <a:effectLst>
+            <a:outerShdw blurRad="50800" dist="38100" dir="2700000" algn="tl" rotWithShape="0">
+              <a:prstClr val="black">
+                <a:alpha val="40000"/>
+              </a:prstClr>
+            </a:outerShdw>
+          </a:effectLst>
+        </p:spPr>
+        <p:style>
+          <a:lnRef idx="2">
+            <a:schemeClr val="accent1">
+              <a:shade val="50000"/>
+            </a:schemeClr>
+          </a:lnRef>
+          <a:fillRef idx="1">
+            <a:schemeClr val="accent1"/>
+          </a:fillRef>
+          <a:effectRef idx="0">
+            <a:schemeClr val="accent1"/>
+          </a:effectRef>
+          <a:fontRef idx="minor">
+            <a:schemeClr val="lt1"/>
+          </a:fontRef>
+        </p:style>
+        <p:txBody>
+          <a:bodyPr rtlCol="0" anchor="ctr"/>
+          <a:lstStyle/>
+          <a:p>
+            <a:pPr algn="ctr"/>
+            <a:r>
+              <a:rPr lang="en-US" dirty="0">
+                <a:solidFill>
+                  <a:schemeClr val="tx1"/>
+                </a:solidFill>
+              </a:rPr>
+              <a:t>Problem</a:t>
+            </a:r>
+          </a:p>
+        </p:txBody>
+      </p:sp>
+      <p:sp>
+        <p:nvSpPr>
+          <p:cNvPr id="58" name="TextBox 57"/>
           <p:cNvSpPr txBox="1"/>
           <p:nvPr/>
         </p:nvSpPr>
         <p:spPr>
           <a:xfrm>
-            <a:off x="3457356" y="4534362"/>
-            <a:ext cx="1695144" cy="338554"/>
+            <a:off x="3012216" y="3233524"/>
+            <a:ext cx="1004955" cy="338554"/>
           </a:xfrm>
           <a:prstGeom prst="rect">
             <a:avLst/>
@@ -4603,23 +4803,120 @@
           <a:lstStyle/>
           <a:p>
             <a:r>
-              <a:rPr lang="en-US" sz="1600" dirty="0" err="1"/>
-              <a:t>Encounter.context</a:t>
-            </a:r>
-            <a:endParaRPr lang="en-US" sz="1600" dirty="0"/>
-          </a:p>
-        </p:txBody>
-      </p:sp>
-      <p:sp>
-        <p:nvSpPr>
-          <p:cNvPr id="37" name="TextBox 36"/>
+              <a:rPr lang="en-US" sz="1600" dirty="0"/>
+              <a:t>indication</a:t>
+            </a:r>
+          </a:p>
+        </p:txBody>
+      </p:sp>
+      <p:cxnSp>
+        <p:nvCxnSpPr>
+          <p:cNvPr id="60" name="Elbow Connector 37"/>
+          <p:cNvCxnSpPr/>
+          <p:nvPr/>
+        </p:nvCxnSpPr>
+        <p:spPr>
+          <a:xfrm>
+            <a:off x="2558474" y="4087103"/>
+            <a:ext cx="3232726" cy="146666"/>
+          </a:xfrm>
+          <a:prstGeom prst="straightConnector1">
+            <a:avLst/>
+          </a:prstGeom>
+          <a:ln>
+            <a:tailEnd type="triangle"/>
+          </a:ln>
+        </p:spPr>
+        <p:style>
+          <a:lnRef idx="3">
+            <a:schemeClr val="dk1"/>
+          </a:lnRef>
+          <a:fillRef idx="0">
+            <a:schemeClr val="dk1"/>
+          </a:fillRef>
+          <a:effectRef idx="2">
+            <a:schemeClr val="dk1"/>
+          </a:effectRef>
+          <a:fontRef idx="minor">
+            <a:schemeClr val="tx1"/>
+          </a:fontRef>
+        </p:style>
+      </p:cxnSp>
+      <p:sp>
+        <p:nvSpPr>
+          <p:cNvPr id="59" name="Rounded Rectangle 8"/>
+          <p:cNvSpPr/>
+          <p:nvPr/>
+        </p:nvSpPr>
+        <p:spPr>
+          <a:xfrm>
+            <a:off x="606263" y="3983889"/>
+            <a:ext cx="1692027" cy="728495"/>
+          </a:xfrm>
+          <a:prstGeom prst="roundRect">
+            <a:avLst/>
+          </a:prstGeom>
+          <a:solidFill>
+            <a:srgbClr val="CEE1F2"/>
+          </a:solidFill>
+          <a:ln cap="rnd">
+            <a:round/>
+          </a:ln>
+          <a:effectLst>
+            <a:outerShdw blurRad="50800" dist="38100" dir="2700000" algn="tl" rotWithShape="0">
+              <a:prstClr val="black">
+                <a:alpha val="40000"/>
+              </a:prstClr>
+            </a:outerShdw>
+          </a:effectLst>
+        </p:spPr>
+        <p:style>
+          <a:lnRef idx="2">
+            <a:schemeClr val="accent1">
+              <a:shade val="50000"/>
+            </a:schemeClr>
+          </a:lnRef>
+          <a:fillRef idx="1">
+            <a:schemeClr val="accent1"/>
+          </a:fillRef>
+          <a:effectRef idx="0">
+            <a:schemeClr val="accent1"/>
+          </a:effectRef>
+          <a:fontRef idx="minor">
+            <a:schemeClr val="lt1"/>
+          </a:fontRef>
+        </p:style>
+        <p:txBody>
+          <a:bodyPr rtlCol="0" anchor="ctr"/>
+          <a:lstStyle/>
+          <a:p>
+            <a:pPr algn="ctr"/>
+            <a:r>
+              <a:rPr lang="en-US" dirty="0">
+                <a:solidFill>
+                  <a:schemeClr val="tx1"/>
+                </a:solidFill>
+              </a:rPr>
+              <a:t>Encounter</a:t>
+            </a:r>
+            <a:endParaRPr lang="en-AU" dirty="0">
+              <a:solidFill>
+                <a:schemeClr val="tx1"/>
+              </a:solidFill>
+            </a:endParaRPr>
+          </a:p>
+        </p:txBody>
+      </p:sp>
+      <p:sp>
+        <p:nvSpPr>
+          <p:cNvPr id="64" name="TextBox 63"/>
           <p:cNvSpPr txBox="1"/>
           <p:nvPr/>
         </p:nvSpPr>
         <p:spPr>
           <a:xfrm>
-            <a:off x="3199890" y="3748549"/>
-            <a:ext cx="974947" cy="338554"/>
+            <a:off x="3622153" y="5323941"/>
+            <a:ext cx="1695144" cy="338554"/>
           </a:xfrm>
           <a:prstGeom prst="rect">
             <a:avLst/>
@@ -4633,22 +4930,23 @@
           <a:lstStyle/>
           <a:p>
             <a:r>
-              <a:rPr lang="en-US" sz="1600" dirty="0"/>
-              <a:t>Diagnosis</a:t>
-            </a:r>
-          </a:p>
-        </p:txBody>
-      </p:sp>
-      <p:sp>
-        <p:nvSpPr>
-          <p:cNvPr id="44" name="TextBox 43"/>
+              <a:rPr lang="en-US" sz="1600" dirty="0" err="1"/>
+              <a:t>Encounter.context</a:t>
+            </a:r>
+            <a:endParaRPr lang="en-US" sz="1600" dirty="0"/>
+          </a:p>
+        </p:txBody>
+      </p:sp>
+      <p:sp>
+        <p:nvSpPr>
+          <p:cNvPr id="37" name="TextBox 36"/>
           <p:cNvSpPr txBox="1"/>
           <p:nvPr/>
         </p:nvSpPr>
         <p:spPr>
           <a:xfrm>
-            <a:off x="4814819" y="1556659"/>
-            <a:ext cx="5196102" cy="1077218"/>
+            <a:off x="2883820" y="3678053"/>
+            <a:ext cx="2279727" cy="338554"/>
           </a:xfrm>
           <a:prstGeom prst="rect">
             <a:avLst/>
@@ -4662,6 +4960,185 @@
           <a:lstStyle/>
           <a:p>
             <a:r>
+              <a:rPr lang="en-US" sz="1600" dirty="0" err="1"/>
+              <a:t>Hosp.Admitting</a:t>
+            </a:r>
+            <a:r>
+              <a:rPr lang="en-US" sz="1600" dirty="0"/>
+              <a:t> diagnosis</a:t>
+            </a:r>
+          </a:p>
+        </p:txBody>
+      </p:sp>
+      <p:sp>
+        <p:nvSpPr>
+          <p:cNvPr id="38" name="TextBox 37"/>
+          <p:cNvSpPr txBox="1"/>
+          <p:nvPr/>
+        </p:nvSpPr>
+        <p:spPr>
+          <a:xfrm>
+            <a:off x="2883820" y="4259463"/>
+            <a:ext cx="2268826" cy="338554"/>
+          </a:xfrm>
+          <a:prstGeom prst="rect">
+            <a:avLst/>
+          </a:prstGeom>
+          <a:noFill/>
+        </p:spPr>
+        <p:txBody>
+          <a:bodyPr wrap="none" rtlCol="0">
+            <a:spAutoFit/>
+          </a:bodyPr>
+          <a:lstStyle/>
+          <a:p>
+            <a:r>
+              <a:rPr lang="en-US" sz="1600" dirty="0" err="1"/>
+              <a:t>Hosp.Discharge</a:t>
+            </a:r>
+            <a:r>
+              <a:rPr lang="en-US" sz="1600" dirty="0"/>
+              <a:t> diagnosis</a:t>
+            </a:r>
+          </a:p>
+        </p:txBody>
+      </p:sp>
+      <p:sp>
+        <p:nvSpPr>
+          <p:cNvPr id="39" name="TextBox 38"/>
+          <p:cNvSpPr txBox="1"/>
+          <p:nvPr/>
+        </p:nvSpPr>
+        <p:spPr>
+          <a:xfrm>
+            <a:off x="2756441" y="4661951"/>
+            <a:ext cx="2521459" cy="584775"/>
+          </a:xfrm>
+          <a:prstGeom prst="rect">
+            <a:avLst/>
+          </a:prstGeom>
+          <a:noFill/>
+        </p:spPr>
+        <p:txBody>
+          <a:bodyPr wrap="none" rtlCol="0">
+            <a:spAutoFit/>
+          </a:bodyPr>
+          <a:lstStyle/>
+          <a:p>
+            <a:r>
+              <a:rPr lang="en-US" sz="1600" dirty="0" err="1"/>
+              <a:t>Extenson</a:t>
+            </a:r>
+            <a:r>
+              <a:rPr lang="en-US" sz="1600" dirty="0"/>
+              <a:t> (</a:t>
+            </a:r>
+            <a:r>
+              <a:rPr lang="en-US" sz="1600" dirty="0" err="1"/>
+              <a:t>relatedCondition</a:t>
+            </a:r>
+            <a:r>
+              <a:rPr lang="en-US" sz="1600" dirty="0"/>
+              <a:t>)</a:t>
+            </a:r>
+          </a:p>
+          <a:p>
+            <a:r>
+              <a:rPr lang="en-US" sz="1600" dirty="0"/>
+              <a:t>(includes role)</a:t>
+            </a:r>
+          </a:p>
+        </p:txBody>
+      </p:sp>
+      <p:cxnSp>
+        <p:nvCxnSpPr>
+          <p:cNvPr id="40" name="Elbow Connector 37"/>
+          <p:cNvCxnSpPr/>
+          <p:nvPr/>
+        </p:nvCxnSpPr>
+        <p:spPr>
+          <a:xfrm>
+            <a:off x="2558474" y="4548097"/>
+            <a:ext cx="3232726" cy="146666"/>
+          </a:xfrm>
+          <a:prstGeom prst="straightConnector1">
+            <a:avLst/>
+          </a:prstGeom>
+          <a:ln>
+            <a:tailEnd type="triangle"/>
+          </a:ln>
+        </p:spPr>
+        <p:style>
+          <a:lnRef idx="3">
+            <a:schemeClr val="dk1"/>
+          </a:lnRef>
+          <a:fillRef idx="0">
+            <a:schemeClr val="dk1"/>
+          </a:fillRef>
+          <a:effectRef idx="2">
+            <a:schemeClr val="dk1"/>
+          </a:effectRef>
+          <a:fontRef idx="minor">
+            <a:schemeClr val="tx1"/>
+          </a:fontRef>
+        </p:style>
+      </p:cxnSp>
+      <p:cxnSp>
+        <p:nvCxnSpPr>
+          <p:cNvPr id="41" name="Elbow Connector 37"/>
+          <p:cNvCxnSpPr/>
+          <p:nvPr/>
+        </p:nvCxnSpPr>
+        <p:spPr>
+          <a:xfrm>
+            <a:off x="2558197" y="5177275"/>
+            <a:ext cx="3233003" cy="34726"/>
+          </a:xfrm>
+          <a:prstGeom prst="straightConnector1">
+            <a:avLst/>
+          </a:prstGeom>
+          <a:ln>
+            <a:tailEnd type="triangle"/>
+          </a:ln>
+        </p:spPr>
+        <p:style>
+          <a:lnRef idx="3">
+            <a:schemeClr val="dk1"/>
+          </a:lnRef>
+          <a:fillRef idx="0">
+            <a:schemeClr val="dk1"/>
+          </a:fillRef>
+          <a:effectRef idx="2">
+            <a:schemeClr val="dk1"/>
+          </a:effectRef>
+          <a:fontRef idx="minor">
+            <a:schemeClr val="tx1"/>
+          </a:fontRef>
+        </p:style>
+      </p:cxnSp>
+      <p:sp>
+        <p:nvSpPr>
+          <p:cNvPr id="44" name="TextBox 43"/>
+          <p:cNvSpPr txBox="1"/>
+          <p:nvPr/>
+        </p:nvSpPr>
+        <p:spPr>
+          <a:xfrm>
+            <a:off x="4814819" y="1556659"/>
+            <a:ext cx="5196102" cy="1077218"/>
+          </a:xfrm>
+          <a:prstGeom prst="rect">
+            <a:avLst/>
+          </a:prstGeom>
+          <a:noFill/>
+        </p:spPr>
+        <p:txBody>
+          <a:bodyPr wrap="none" rtlCol="0">
+            <a:spAutoFit/>
+          </a:bodyPr>
+          <a:lstStyle/>
+          <a:p>
+            <a:r>
               <a:rPr lang="en-US" sz="1600" b="1" dirty="0"/>
               <a:t>Proposal: </a:t>
             </a:r>
@@ -4697,46 +5174,10 @@
           </a:p>
         </p:txBody>
       </p:sp>
-      <p:sp>
-        <p:nvSpPr>
-          <p:cNvPr id="20" name="TextBox 19"/>
-          <p:cNvSpPr txBox="1"/>
-          <p:nvPr/>
-        </p:nvSpPr>
-        <p:spPr>
-          <a:xfrm>
-            <a:off x="5205595" y="2733600"/>
-            <a:ext cx="2624245" cy="584775"/>
-          </a:xfrm>
-          <a:prstGeom prst="rect">
-            <a:avLst/>
-          </a:prstGeom>
-          <a:noFill/>
-        </p:spPr>
-        <p:txBody>
-          <a:bodyPr wrap="none" rtlCol="0">
-            <a:spAutoFit/>
-          </a:bodyPr>
-          <a:lstStyle/>
-          <a:p>
-            <a:r>
-              <a:rPr lang="en-US" sz="1600" b="1" dirty="0"/>
-              <a:t>Binding on role (extensible): </a:t>
-            </a:r>
-            <a:br>
-              <a:rPr lang="en-US" sz="1600" dirty="0"/>
-            </a:br>
-            <a:r>
-              <a:rPr lang="en-US" sz="1600" dirty="0"/>
-              <a:t>admission/discharge/.</a:t>
-            </a:r>
-          </a:p>
-        </p:txBody>
-      </p:sp>
     </p:spTree>
     <p:extLst>
       <p:ext uri="{BB962C8B-B14F-4D97-AF65-F5344CB8AC3E}">
-        <p14:creationId xmlns:p14="http://schemas.microsoft.com/office/powerpoint/2010/main" val="4267931078"/>
+        <p14:creationId xmlns:p14="http://schemas.microsoft.com/office/powerpoint/2010/main" val="3555168740"/>
       </p:ext>
     </p:extLst>
   </p:cSld>
@@ -4763,6 +5204,407 @@
           <a:chExt cx="0" cy="0"/>
         </a:xfrm>
       </p:grpSpPr>
+      <p:cxnSp>
+        <p:nvCxnSpPr>
+          <p:cNvPr id="10" name="Elbow Connector 37"/>
+          <p:cNvCxnSpPr/>
+          <p:nvPr/>
+        </p:nvCxnSpPr>
+        <p:spPr>
+          <a:xfrm flipH="1">
+            <a:off x="2487550" y="4872916"/>
+            <a:ext cx="3634756" cy="58227"/>
+          </a:xfrm>
+          <a:prstGeom prst="straightConnector1">
+            <a:avLst/>
+          </a:prstGeom>
+          <a:ln>
+            <a:tailEnd type="triangle"/>
+          </a:ln>
+        </p:spPr>
+        <p:style>
+          <a:lnRef idx="3">
+            <a:schemeClr val="dk1"/>
+          </a:lnRef>
+          <a:fillRef idx="0">
+            <a:schemeClr val="dk1"/>
+          </a:fillRef>
+          <a:effectRef idx="2">
+            <a:schemeClr val="dk1"/>
+          </a:effectRef>
+          <a:fontRef idx="minor">
+            <a:schemeClr val="tx1"/>
+          </a:fontRef>
+        </p:style>
+      </p:cxnSp>
+      <p:sp>
+        <p:nvSpPr>
+          <p:cNvPr id="2" name="Title 1"/>
+          <p:cNvSpPr>
+            <a:spLocks noGrp="1"/>
+          </p:cNvSpPr>
+          <p:nvPr>
+            <p:ph type="title"/>
+          </p:nvPr>
+        </p:nvSpPr>
+        <p:spPr/>
+        <p:txBody>
+          <a:bodyPr/>
+          <a:lstStyle/>
+          <a:p>
+            <a:r>
+              <a:rPr lang="en-AU" dirty="0"/>
+              <a:t>Encounter / Condition (Diagnosis)</a:t>
+            </a:r>
+          </a:p>
+        </p:txBody>
+      </p:sp>
+      <p:sp>
+        <p:nvSpPr>
+          <p:cNvPr id="29" name="Rounded Rectangle 5"/>
+          <p:cNvSpPr/>
+          <p:nvPr/>
+        </p:nvSpPr>
+        <p:spPr>
+          <a:xfrm>
+            <a:off x="6311567" y="3869522"/>
+            <a:ext cx="1694439" cy="728495"/>
+          </a:xfrm>
+          <a:prstGeom prst="roundRect">
+            <a:avLst/>
+          </a:prstGeom>
+          <a:solidFill>
+            <a:srgbClr val="CEE1F2"/>
+          </a:solidFill>
+          <a:ln cap="rnd">
+            <a:round/>
+          </a:ln>
+          <a:effectLst>
+            <a:outerShdw blurRad="50800" dist="38100" dir="2700000" algn="tl" rotWithShape="0">
+              <a:prstClr val="black">
+                <a:alpha val="40000"/>
+              </a:prstClr>
+            </a:outerShdw>
+          </a:effectLst>
+        </p:spPr>
+        <p:style>
+          <a:lnRef idx="2">
+            <a:schemeClr val="accent1">
+              <a:shade val="50000"/>
+            </a:schemeClr>
+          </a:lnRef>
+          <a:fillRef idx="1">
+            <a:schemeClr val="accent1"/>
+          </a:fillRef>
+          <a:effectRef idx="0">
+            <a:schemeClr val="accent1"/>
+          </a:effectRef>
+          <a:fontRef idx="minor">
+            <a:schemeClr val="lt1"/>
+          </a:fontRef>
+        </p:style>
+        <p:txBody>
+          <a:bodyPr rtlCol="0" anchor="ctr"/>
+          <a:lstStyle/>
+          <a:p>
+            <a:pPr algn="ctr"/>
+            <a:r>
+              <a:rPr lang="en-US" dirty="0">
+                <a:solidFill>
+                  <a:schemeClr val="tx1"/>
+                </a:solidFill>
+              </a:rPr>
+              <a:t>Condition</a:t>
+            </a:r>
+            <a:endParaRPr lang="en-AU" dirty="0">
+              <a:solidFill>
+                <a:schemeClr val="tx1"/>
+              </a:solidFill>
+            </a:endParaRPr>
+          </a:p>
+        </p:txBody>
+      </p:sp>
+      <p:cxnSp>
+        <p:nvCxnSpPr>
+          <p:cNvPr id="60" name="Elbow Connector 37"/>
+          <p:cNvCxnSpPr/>
+          <p:nvPr/>
+        </p:nvCxnSpPr>
+        <p:spPr>
+          <a:xfrm>
+            <a:off x="2558474" y="4087103"/>
+            <a:ext cx="3232726" cy="146666"/>
+          </a:xfrm>
+          <a:prstGeom prst="straightConnector1">
+            <a:avLst/>
+          </a:prstGeom>
+          <a:ln>
+            <a:tailEnd type="triangle"/>
+          </a:ln>
+        </p:spPr>
+        <p:style>
+          <a:lnRef idx="3">
+            <a:schemeClr val="dk1"/>
+          </a:lnRef>
+          <a:fillRef idx="0">
+            <a:schemeClr val="dk1"/>
+          </a:fillRef>
+          <a:effectRef idx="2">
+            <a:schemeClr val="dk1"/>
+          </a:effectRef>
+          <a:fontRef idx="minor">
+            <a:schemeClr val="tx1"/>
+          </a:fontRef>
+        </p:style>
+      </p:cxnSp>
+      <p:sp>
+        <p:nvSpPr>
+          <p:cNvPr id="59" name="Rounded Rectangle 8"/>
+          <p:cNvSpPr/>
+          <p:nvPr/>
+        </p:nvSpPr>
+        <p:spPr>
+          <a:xfrm>
+            <a:off x="606263" y="3983889"/>
+            <a:ext cx="1692027" cy="728495"/>
+          </a:xfrm>
+          <a:prstGeom prst="roundRect">
+            <a:avLst/>
+          </a:prstGeom>
+          <a:solidFill>
+            <a:srgbClr val="CEE1F2"/>
+          </a:solidFill>
+          <a:ln cap="rnd">
+            <a:round/>
+          </a:ln>
+          <a:effectLst>
+            <a:outerShdw blurRad="50800" dist="38100" dir="2700000" algn="tl" rotWithShape="0">
+              <a:prstClr val="black">
+                <a:alpha val="40000"/>
+              </a:prstClr>
+            </a:outerShdw>
+          </a:effectLst>
+        </p:spPr>
+        <p:style>
+          <a:lnRef idx="2">
+            <a:schemeClr val="accent1">
+              <a:shade val="50000"/>
+            </a:schemeClr>
+          </a:lnRef>
+          <a:fillRef idx="1">
+            <a:schemeClr val="accent1"/>
+          </a:fillRef>
+          <a:effectRef idx="0">
+            <a:schemeClr val="accent1"/>
+          </a:effectRef>
+          <a:fontRef idx="minor">
+            <a:schemeClr val="lt1"/>
+          </a:fontRef>
+        </p:style>
+        <p:txBody>
+          <a:bodyPr rtlCol="0" anchor="ctr"/>
+          <a:lstStyle/>
+          <a:p>
+            <a:pPr algn="ctr"/>
+            <a:r>
+              <a:rPr lang="en-US" dirty="0">
+                <a:solidFill>
+                  <a:schemeClr val="tx1"/>
+                </a:solidFill>
+              </a:rPr>
+              <a:t>Encounter</a:t>
+            </a:r>
+            <a:endParaRPr lang="en-AU" dirty="0">
+              <a:solidFill>
+                <a:schemeClr val="tx1"/>
+              </a:solidFill>
+            </a:endParaRPr>
+          </a:p>
+        </p:txBody>
+      </p:sp>
+      <p:sp>
+        <p:nvSpPr>
+          <p:cNvPr id="64" name="TextBox 63"/>
+          <p:cNvSpPr txBox="1"/>
+          <p:nvPr/>
+        </p:nvSpPr>
+        <p:spPr>
+          <a:xfrm>
+            <a:off x="3457356" y="4534362"/>
+            <a:ext cx="1695144" cy="338554"/>
+          </a:xfrm>
+          <a:prstGeom prst="rect">
+            <a:avLst/>
+          </a:prstGeom>
+          <a:noFill/>
+        </p:spPr>
+        <p:txBody>
+          <a:bodyPr wrap="none" rtlCol="0">
+            <a:spAutoFit/>
+          </a:bodyPr>
+          <a:lstStyle/>
+          <a:p>
+            <a:r>
+              <a:rPr lang="en-US" sz="1600" dirty="0" err="1"/>
+              <a:t>Encounter.context</a:t>
+            </a:r>
+            <a:endParaRPr lang="en-US" sz="1600" dirty="0"/>
+          </a:p>
+        </p:txBody>
+      </p:sp>
+      <p:sp>
+        <p:nvSpPr>
+          <p:cNvPr id="37" name="TextBox 36"/>
+          <p:cNvSpPr txBox="1"/>
+          <p:nvPr/>
+        </p:nvSpPr>
+        <p:spPr>
+          <a:xfrm>
+            <a:off x="3199890" y="3748549"/>
+            <a:ext cx="974947" cy="338554"/>
+          </a:xfrm>
+          <a:prstGeom prst="rect">
+            <a:avLst/>
+          </a:prstGeom>
+          <a:noFill/>
+        </p:spPr>
+        <p:txBody>
+          <a:bodyPr wrap="none" rtlCol="0">
+            <a:spAutoFit/>
+          </a:bodyPr>
+          <a:lstStyle/>
+          <a:p>
+            <a:r>
+              <a:rPr lang="en-US" sz="1600" dirty="0"/>
+              <a:t>Diagnosis</a:t>
+            </a:r>
+          </a:p>
+        </p:txBody>
+      </p:sp>
+      <p:sp>
+        <p:nvSpPr>
+          <p:cNvPr id="44" name="TextBox 43"/>
+          <p:cNvSpPr txBox="1"/>
+          <p:nvPr/>
+        </p:nvSpPr>
+        <p:spPr>
+          <a:xfrm>
+            <a:off x="4814819" y="1556659"/>
+            <a:ext cx="5196102" cy="1077218"/>
+          </a:xfrm>
+          <a:prstGeom prst="rect">
+            <a:avLst/>
+          </a:prstGeom>
+          <a:noFill/>
+        </p:spPr>
+        <p:txBody>
+          <a:bodyPr wrap="none" rtlCol="0">
+            <a:spAutoFit/>
+          </a:bodyPr>
+          <a:lstStyle/>
+          <a:p>
+            <a:r>
+              <a:rPr lang="en-US" sz="1600" b="1" dirty="0"/>
+              <a:t>Proposal: </a:t>
+            </a:r>
+            <a:br>
+              <a:rPr lang="en-US" sz="1600" dirty="0"/>
+            </a:br>
+            <a:r>
+              <a:rPr lang="en-US" sz="1600" dirty="0"/>
+              <a:t>Collapse all into “diagnosis/role” and include clarification</a:t>
+            </a:r>
+            <a:br>
+              <a:rPr lang="en-US" sz="1600" dirty="0"/>
+            </a:br>
+            <a:r>
+              <a:rPr lang="en-US" sz="1600" dirty="0"/>
+              <a:t>on the reason coding to indicate its purpose as more patient</a:t>
+            </a:r>
+            <a:br>
+              <a:rPr lang="en-US" sz="1600" dirty="0"/>
+            </a:br>
+            <a:r>
+              <a:rPr lang="en-US" sz="1600" dirty="0"/>
+              <a:t>centric </a:t>
+            </a:r>
+            <a:r>
+              <a:rPr lang="en-US" sz="1600" dirty="0" err="1"/>
+              <a:t>valueset</a:t>
+            </a:r>
+            <a:r>
+              <a:rPr lang="en-US" sz="1600" dirty="0"/>
+              <a:t>/concept.</a:t>
+            </a:r>
+          </a:p>
+        </p:txBody>
+      </p:sp>
+      <p:sp>
+        <p:nvSpPr>
+          <p:cNvPr id="20" name="TextBox 19"/>
+          <p:cNvSpPr txBox="1"/>
+          <p:nvPr/>
+        </p:nvSpPr>
+        <p:spPr>
+          <a:xfrm>
+            <a:off x="5205595" y="2733600"/>
+            <a:ext cx="2624245" cy="584775"/>
+          </a:xfrm>
+          <a:prstGeom prst="rect">
+            <a:avLst/>
+          </a:prstGeom>
+          <a:noFill/>
+        </p:spPr>
+        <p:txBody>
+          <a:bodyPr wrap="none" rtlCol="0">
+            <a:spAutoFit/>
+          </a:bodyPr>
+          <a:lstStyle/>
+          <a:p>
+            <a:r>
+              <a:rPr lang="en-US" sz="1600" b="1" dirty="0"/>
+              <a:t>Binding on role (extensible): </a:t>
+            </a:r>
+            <a:br>
+              <a:rPr lang="en-US" sz="1600" dirty="0"/>
+            </a:br>
+            <a:r>
+              <a:rPr lang="en-US" sz="1600" dirty="0"/>
+              <a:t>admission/discharge/.</a:t>
+            </a:r>
+          </a:p>
+        </p:txBody>
+      </p:sp>
+    </p:spTree>
+    <p:extLst>
+      <p:ext uri="{BB962C8B-B14F-4D97-AF65-F5344CB8AC3E}">
+        <p14:creationId xmlns:p14="http://schemas.microsoft.com/office/powerpoint/2010/main" val="4267931078"/>
+      </p:ext>
+    </p:extLst>
+  </p:cSld>
+  <p:clrMapOvr>
+    <a:masterClrMapping/>
+  </p:clrMapOvr>
+</p:sld>
+</file>
+
+<file path=ppt/slides/slide13.xml><?xml version="1.0" encoding="utf-8"?>
+<p:sld xmlns:a="http://schemas.openxmlformats.org/drawingml/2006/main" xmlns:r="http://schemas.openxmlformats.org/officeDocument/2006/relationships" xmlns:p="http://schemas.openxmlformats.org/presentationml/2006/main">
+  <p:cSld>
+    <p:spTree>
+      <p:nvGrpSpPr>
+        <p:cNvPr id="1" name=""/>
+        <p:cNvGrpSpPr/>
+        <p:nvPr/>
+      </p:nvGrpSpPr>
+      <p:grpSpPr>
+        <a:xfrm>
+          <a:off x="0" y="0"/>
+          <a:ext cx="0" cy="0"/>
+          <a:chOff x="0" y="0"/>
+          <a:chExt cx="0" cy="0"/>
+        </a:xfrm>
+      </p:grpSpPr>
       <p:sp>
         <p:nvSpPr>
           <p:cNvPr id="2" name="Title 1"/>
@@ -5587,7 +6429,7 @@
 </p:sld>
 </file>
 
-<file path=ppt/slides/slide13.xml><?xml version="1.0" encoding="utf-8"?>
+<file path=ppt/slides/slide14.xml><?xml version="1.0" encoding="utf-8"?>
 <p:sld xmlns:a="http://schemas.openxmlformats.org/drawingml/2006/main" xmlns:r="http://schemas.openxmlformats.org/officeDocument/2006/relationships" xmlns:p="http://schemas.openxmlformats.org/presentationml/2006/main">
   <p:cSld>
     <p:spTree>
@@ -10438,6 +11280,1178 @@
 </file>
 
 <file path=ppt/slides/slide5.xml><?xml version="1.0" encoding="utf-8"?>
+<p:sld xmlns:a="http://schemas.openxmlformats.org/drawingml/2006/main" xmlns:r="http://schemas.openxmlformats.org/officeDocument/2006/relationships" xmlns:p="http://schemas.openxmlformats.org/presentationml/2006/main">
+  <p:cSld>
+    <p:spTree>
+      <p:nvGrpSpPr>
+        <p:cNvPr id="1" name=""/>
+        <p:cNvGrpSpPr/>
+        <p:nvPr/>
+      </p:nvGrpSpPr>
+      <p:grpSpPr>
+        <a:xfrm>
+          <a:off x="0" y="0"/>
+          <a:ext cx="0" cy="0"/>
+          <a:chOff x="0" y="0"/>
+          <a:chExt cx="0" cy="0"/>
+        </a:xfrm>
+      </p:grpSpPr>
+      <p:sp>
+        <p:nvSpPr>
+          <p:cNvPr id="2" name="Title 1"/>
+          <p:cNvSpPr>
+            <a:spLocks noGrp="1"/>
+          </p:cNvSpPr>
+          <p:nvPr>
+            <p:ph type="title"/>
+          </p:nvPr>
+        </p:nvSpPr>
+        <p:spPr/>
+        <p:txBody>
+          <a:bodyPr/>
+          <a:lstStyle/>
+          <a:p>
+            <a:r>
+              <a:rPr lang="en-AU" dirty="0"/>
+              <a:t>Location Service?</a:t>
+            </a:r>
+          </a:p>
+        </p:txBody>
+      </p:sp>
+      <p:cxnSp>
+        <p:nvCxnSpPr>
+          <p:cNvPr id="32" name="Elbow Connector 37">
+            <a:extLst>
+              <a:ext uri="{FF2B5EF4-FFF2-40B4-BE49-F238E27FC236}">
+                <a16:creationId xmlns:a16="http://schemas.microsoft.com/office/drawing/2014/main" id="{7B2E25D0-8371-3C11-0714-71AFDC522782}"/>
+              </a:ext>
+            </a:extLst>
+          </p:cNvPr>
+          <p:cNvCxnSpPr>
+            <a:cxnSpLocks/>
+          </p:cNvCxnSpPr>
+          <p:nvPr/>
+        </p:nvCxnSpPr>
+        <p:spPr>
+          <a:xfrm flipV="1">
+            <a:off x="2197642" y="3448439"/>
+            <a:ext cx="1031970" cy="602425"/>
+          </a:xfrm>
+          <a:prstGeom prst="straightConnector1">
+            <a:avLst/>
+          </a:prstGeom>
+          <a:ln>
+            <a:tailEnd type="triangle"/>
+          </a:ln>
+        </p:spPr>
+        <p:style>
+          <a:lnRef idx="3">
+            <a:schemeClr val="dk1"/>
+          </a:lnRef>
+          <a:fillRef idx="0">
+            <a:schemeClr val="dk1"/>
+          </a:fillRef>
+          <a:effectRef idx="2">
+            <a:schemeClr val="dk1"/>
+          </a:effectRef>
+          <a:fontRef idx="minor">
+            <a:schemeClr val="tx1"/>
+          </a:fontRef>
+        </p:style>
+      </p:cxnSp>
+      <p:cxnSp>
+        <p:nvCxnSpPr>
+          <p:cNvPr id="34" name="Elbow Connector 37">
+            <a:extLst>
+              <a:ext uri="{FF2B5EF4-FFF2-40B4-BE49-F238E27FC236}">
+                <a16:creationId xmlns:a16="http://schemas.microsoft.com/office/drawing/2014/main" id="{1E40B0EE-894B-673B-C418-E8699F79D442}"/>
+              </a:ext>
+            </a:extLst>
+          </p:cNvPr>
+          <p:cNvCxnSpPr>
+            <a:cxnSpLocks/>
+          </p:cNvCxnSpPr>
+          <p:nvPr/>
+        </p:nvCxnSpPr>
+        <p:spPr>
+          <a:xfrm flipH="1" flipV="1">
+            <a:off x="2377646" y="4640658"/>
+            <a:ext cx="1098508" cy="844928"/>
+          </a:xfrm>
+          <a:prstGeom prst="straightConnector1">
+            <a:avLst/>
+          </a:prstGeom>
+          <a:ln>
+            <a:tailEnd type="triangle"/>
+          </a:ln>
+        </p:spPr>
+        <p:style>
+          <a:lnRef idx="3">
+            <a:schemeClr val="dk1"/>
+          </a:lnRef>
+          <a:fillRef idx="0">
+            <a:schemeClr val="dk1"/>
+          </a:fillRef>
+          <a:effectRef idx="2">
+            <a:schemeClr val="dk1"/>
+          </a:effectRef>
+          <a:fontRef idx="minor">
+            <a:schemeClr val="tx1"/>
+          </a:fontRef>
+        </p:style>
+      </p:cxnSp>
+      <p:cxnSp>
+        <p:nvCxnSpPr>
+          <p:cNvPr id="37" name="Elbow Connector 37">
+            <a:extLst>
+              <a:ext uri="{FF2B5EF4-FFF2-40B4-BE49-F238E27FC236}">
+                <a16:creationId xmlns:a16="http://schemas.microsoft.com/office/drawing/2014/main" id="{B7CBB866-12B9-F1D9-4989-3632396704C1}"/>
+              </a:ext>
+            </a:extLst>
+          </p:cNvPr>
+          <p:cNvCxnSpPr/>
+          <p:nvPr/>
+        </p:nvCxnSpPr>
+        <p:spPr>
+          <a:xfrm flipH="1" flipV="1">
+            <a:off x="3687155" y="3575934"/>
+            <a:ext cx="26910" cy="1909652"/>
+          </a:xfrm>
+          <a:prstGeom prst="straightConnector1">
+            <a:avLst/>
+          </a:prstGeom>
+          <a:ln>
+            <a:tailEnd type="triangle"/>
+          </a:ln>
+        </p:spPr>
+        <p:style>
+          <a:lnRef idx="3">
+            <a:schemeClr val="dk1"/>
+          </a:lnRef>
+          <a:fillRef idx="0">
+            <a:schemeClr val="dk1"/>
+          </a:fillRef>
+          <a:effectRef idx="2">
+            <a:schemeClr val="dk1"/>
+          </a:effectRef>
+          <a:fontRef idx="minor">
+            <a:schemeClr val="tx1"/>
+          </a:fontRef>
+        </p:style>
+      </p:cxnSp>
+      <p:sp>
+        <p:nvSpPr>
+          <p:cNvPr id="39" name="Rounded Rectangle 5">
+            <a:extLst>
+              <a:ext uri="{FF2B5EF4-FFF2-40B4-BE49-F238E27FC236}">
+                <a16:creationId xmlns:a16="http://schemas.microsoft.com/office/drawing/2014/main" id="{FF25229F-17DA-3A30-BAC4-03056965FEED}"/>
+              </a:ext>
+            </a:extLst>
+          </p:cNvPr>
+          <p:cNvSpPr/>
+          <p:nvPr/>
+        </p:nvSpPr>
+        <p:spPr>
+          <a:xfrm>
+            <a:off x="3213331" y="2736544"/>
+            <a:ext cx="1468649" cy="728495"/>
+          </a:xfrm>
+          <a:prstGeom prst="roundRect">
+            <a:avLst/>
+          </a:prstGeom>
+          <a:solidFill>
+            <a:srgbClr val="CEE1F2"/>
+          </a:solidFill>
+          <a:ln cap="rnd">
+            <a:round/>
+          </a:ln>
+          <a:effectLst>
+            <a:outerShdw blurRad="50800" dist="38100" dir="2700000" algn="tl" rotWithShape="0">
+              <a:prstClr val="black">
+                <a:alpha val="40000"/>
+              </a:prstClr>
+            </a:outerShdw>
+          </a:effectLst>
+        </p:spPr>
+        <p:style>
+          <a:lnRef idx="2">
+            <a:schemeClr val="accent1">
+              <a:shade val="50000"/>
+            </a:schemeClr>
+          </a:lnRef>
+          <a:fillRef idx="1">
+            <a:schemeClr val="accent1"/>
+          </a:fillRef>
+          <a:effectRef idx="0">
+            <a:schemeClr val="accent1"/>
+          </a:effectRef>
+          <a:fontRef idx="minor">
+            <a:schemeClr val="lt1"/>
+          </a:fontRef>
+        </p:style>
+        <p:txBody>
+          <a:bodyPr rtlCol="0" anchor="ctr"/>
+          <a:lstStyle/>
+          <a:p>
+            <a:pPr algn="ctr"/>
+            <a:r>
+              <a:rPr lang="en-US" dirty="0">
+                <a:solidFill>
+                  <a:schemeClr val="tx1"/>
+                </a:solidFill>
+              </a:rPr>
+              <a:t>Organization</a:t>
+            </a:r>
+            <a:endParaRPr lang="en-AU" dirty="0">
+              <a:solidFill>
+                <a:schemeClr val="tx1"/>
+              </a:solidFill>
+            </a:endParaRPr>
+          </a:p>
+        </p:txBody>
+      </p:sp>
+      <p:sp>
+        <p:nvSpPr>
+          <p:cNvPr id="40" name="Rounded Rectangle 6">
+            <a:extLst>
+              <a:ext uri="{FF2B5EF4-FFF2-40B4-BE49-F238E27FC236}">
+                <a16:creationId xmlns:a16="http://schemas.microsoft.com/office/drawing/2014/main" id="{88CEF192-CB2A-AAA2-0674-469CC769E802}"/>
+              </a:ext>
+            </a:extLst>
+          </p:cNvPr>
+          <p:cNvSpPr/>
+          <p:nvPr/>
+        </p:nvSpPr>
+        <p:spPr>
+          <a:xfrm>
+            <a:off x="838200" y="3921288"/>
+            <a:ext cx="1465819" cy="728495"/>
+          </a:xfrm>
+          <a:prstGeom prst="roundRect">
+            <a:avLst/>
+          </a:prstGeom>
+          <a:solidFill>
+            <a:srgbClr val="CEE1F2"/>
+          </a:solidFill>
+          <a:ln cap="rnd">
+            <a:round/>
+          </a:ln>
+          <a:effectLst>
+            <a:outerShdw blurRad="50800" dist="38100" dir="2700000" algn="tl" rotWithShape="0">
+              <a:prstClr val="black">
+                <a:alpha val="40000"/>
+              </a:prstClr>
+            </a:outerShdw>
+          </a:effectLst>
+        </p:spPr>
+        <p:style>
+          <a:lnRef idx="2">
+            <a:schemeClr val="accent1">
+              <a:shade val="50000"/>
+            </a:schemeClr>
+          </a:lnRef>
+          <a:fillRef idx="1">
+            <a:schemeClr val="accent1"/>
+          </a:fillRef>
+          <a:effectRef idx="0">
+            <a:schemeClr val="accent1"/>
+          </a:effectRef>
+          <a:fontRef idx="minor">
+            <a:schemeClr val="lt1"/>
+          </a:fontRef>
+        </p:style>
+        <p:txBody>
+          <a:bodyPr rtlCol="0" anchor="ctr"/>
+          <a:lstStyle/>
+          <a:p>
+            <a:pPr algn="ctr"/>
+            <a:r>
+              <a:rPr lang="en-US" dirty="0">
+                <a:solidFill>
+                  <a:schemeClr val="tx1"/>
+                </a:solidFill>
+              </a:rPr>
+              <a:t>Location</a:t>
+            </a:r>
+            <a:endParaRPr lang="en-AU" dirty="0">
+              <a:solidFill>
+                <a:schemeClr val="tx1"/>
+              </a:solidFill>
+            </a:endParaRPr>
+          </a:p>
+        </p:txBody>
+      </p:sp>
+      <p:sp>
+        <p:nvSpPr>
+          <p:cNvPr id="42" name="Rounded Rectangle 8">
+            <a:extLst>
+              <a:ext uri="{FF2B5EF4-FFF2-40B4-BE49-F238E27FC236}">
+                <a16:creationId xmlns:a16="http://schemas.microsoft.com/office/drawing/2014/main" id="{CC479594-C5A8-65EA-0DD0-6AE8EAB8EF1B}"/>
+              </a:ext>
+            </a:extLst>
+          </p:cNvPr>
+          <p:cNvSpPr/>
+          <p:nvPr/>
+        </p:nvSpPr>
+        <p:spPr>
+          <a:xfrm>
+            <a:off x="3342754" y="5312186"/>
+            <a:ext cx="1468649" cy="728495"/>
+          </a:xfrm>
+          <a:prstGeom prst="roundRect">
+            <a:avLst/>
+          </a:prstGeom>
+          <a:solidFill>
+            <a:srgbClr val="CEE1F2"/>
+          </a:solidFill>
+          <a:ln cap="rnd">
+            <a:round/>
+          </a:ln>
+          <a:effectLst>
+            <a:outerShdw blurRad="50800" dist="38100" dir="2700000" algn="tl" rotWithShape="0">
+              <a:prstClr val="black">
+                <a:alpha val="40000"/>
+              </a:prstClr>
+            </a:outerShdw>
+          </a:effectLst>
+        </p:spPr>
+        <p:style>
+          <a:lnRef idx="2">
+            <a:schemeClr val="accent1">
+              <a:shade val="50000"/>
+            </a:schemeClr>
+          </a:lnRef>
+          <a:fillRef idx="1">
+            <a:schemeClr val="accent1"/>
+          </a:fillRef>
+          <a:effectRef idx="0">
+            <a:schemeClr val="accent1"/>
+          </a:effectRef>
+          <a:fontRef idx="minor">
+            <a:schemeClr val="lt1"/>
+          </a:fontRef>
+        </p:style>
+        <p:txBody>
+          <a:bodyPr rtlCol="0" anchor="ctr"/>
+          <a:lstStyle/>
+          <a:p>
+            <a:pPr algn="ctr"/>
+            <a:r>
+              <a:rPr lang="en-US" dirty="0">
+                <a:solidFill>
+                  <a:schemeClr val="tx1"/>
+                </a:solidFill>
+              </a:rPr>
+              <a:t>Healthcare Service</a:t>
+            </a:r>
+            <a:endParaRPr lang="en-AU" dirty="0">
+              <a:solidFill>
+                <a:schemeClr val="tx1"/>
+              </a:solidFill>
+            </a:endParaRPr>
+          </a:p>
+        </p:txBody>
+      </p:sp>
+      <p:cxnSp>
+        <p:nvCxnSpPr>
+          <p:cNvPr id="45" name="Connector: Curved 44">
+            <a:extLst>
+              <a:ext uri="{FF2B5EF4-FFF2-40B4-BE49-F238E27FC236}">
+                <a16:creationId xmlns:a16="http://schemas.microsoft.com/office/drawing/2014/main" id="{92DDEF49-E924-B7E0-BB86-22F5A10D02C9}"/>
+              </a:ext>
+            </a:extLst>
+          </p:cNvPr>
+          <p:cNvCxnSpPr>
+            <a:cxnSpLocks/>
+            <a:stCxn id="42" idx="2"/>
+            <a:endCxn id="42" idx="1"/>
+          </p:cNvCxnSpPr>
+          <p:nvPr/>
+        </p:nvCxnSpPr>
+        <p:spPr>
+          <a:xfrm rot="5400000" flipH="1">
+            <a:off x="3527793" y="5491396"/>
+            <a:ext cx="364247" cy="734325"/>
+          </a:xfrm>
+          <a:prstGeom prst="curvedConnector4">
+            <a:avLst>
+              <a:gd name="adj1" fmla="val -62760"/>
+              <a:gd name="adj2" fmla="val 131131"/>
+            </a:avLst>
+          </a:prstGeom>
+          <a:ln>
+            <a:tailEnd type="triangle"/>
+          </a:ln>
+        </p:spPr>
+        <p:style>
+          <a:lnRef idx="3">
+            <a:schemeClr val="dk1"/>
+          </a:lnRef>
+          <a:fillRef idx="0">
+            <a:schemeClr val="dk1"/>
+          </a:fillRef>
+          <a:effectRef idx="2">
+            <a:schemeClr val="dk1"/>
+          </a:effectRef>
+          <a:fontRef idx="minor">
+            <a:schemeClr val="tx1"/>
+          </a:fontRef>
+        </p:style>
+      </p:cxnSp>
+      <p:cxnSp>
+        <p:nvCxnSpPr>
+          <p:cNvPr id="50" name="Elbow Connector 37">
+            <a:extLst>
+              <a:ext uri="{FF2B5EF4-FFF2-40B4-BE49-F238E27FC236}">
+                <a16:creationId xmlns:a16="http://schemas.microsoft.com/office/drawing/2014/main" id="{39792D4A-F3E5-E73D-387B-6FC470A35AB8}"/>
+              </a:ext>
+            </a:extLst>
+          </p:cNvPr>
+          <p:cNvCxnSpPr>
+            <a:cxnSpLocks/>
+          </p:cNvCxnSpPr>
+          <p:nvPr/>
+        </p:nvCxnSpPr>
+        <p:spPr>
+          <a:xfrm flipV="1">
+            <a:off x="2557924" y="3600839"/>
+            <a:ext cx="824088" cy="1599464"/>
+          </a:xfrm>
+          <a:prstGeom prst="straightConnector1">
+            <a:avLst/>
+          </a:prstGeom>
+          <a:ln>
+            <a:tailEnd type="triangle"/>
+          </a:ln>
+        </p:spPr>
+        <p:style>
+          <a:lnRef idx="3">
+            <a:schemeClr val="dk1"/>
+          </a:lnRef>
+          <a:fillRef idx="0">
+            <a:schemeClr val="dk1"/>
+          </a:fillRef>
+          <a:effectRef idx="2">
+            <a:schemeClr val="dk1"/>
+          </a:effectRef>
+          <a:fontRef idx="minor">
+            <a:schemeClr val="tx1"/>
+          </a:fontRef>
+        </p:style>
+      </p:cxnSp>
+      <p:sp>
+        <p:nvSpPr>
+          <p:cNvPr id="51" name="Rounded Rectangle 5">
+            <a:extLst>
+              <a:ext uri="{FF2B5EF4-FFF2-40B4-BE49-F238E27FC236}">
+                <a16:creationId xmlns:a16="http://schemas.microsoft.com/office/drawing/2014/main" id="{F78B3BF0-B346-8CD2-9BBF-325AA8A934C7}"/>
+              </a:ext>
+            </a:extLst>
+          </p:cNvPr>
+          <p:cNvSpPr/>
+          <p:nvPr/>
+        </p:nvSpPr>
+        <p:spPr>
+          <a:xfrm>
+            <a:off x="1177691" y="5129708"/>
+            <a:ext cx="1468649" cy="728495"/>
+          </a:xfrm>
+          <a:prstGeom prst="roundRect">
+            <a:avLst/>
+          </a:prstGeom>
+          <a:solidFill>
+            <a:srgbClr val="CEE1F2"/>
+          </a:solidFill>
+          <a:ln cap="rnd">
+            <a:round/>
+          </a:ln>
+          <a:effectLst>
+            <a:outerShdw blurRad="50800" dist="38100" dir="2700000" algn="tl" rotWithShape="0">
+              <a:prstClr val="black">
+                <a:alpha val="40000"/>
+              </a:prstClr>
+            </a:outerShdw>
+          </a:effectLst>
+        </p:spPr>
+        <p:style>
+          <a:lnRef idx="2">
+            <a:schemeClr val="accent1">
+              <a:shade val="50000"/>
+            </a:schemeClr>
+          </a:lnRef>
+          <a:fillRef idx="1">
+            <a:schemeClr val="accent1"/>
+          </a:fillRef>
+          <a:effectRef idx="0">
+            <a:schemeClr val="accent1"/>
+          </a:effectRef>
+          <a:fontRef idx="minor">
+            <a:schemeClr val="lt1"/>
+          </a:fontRef>
+        </p:style>
+        <p:txBody>
+          <a:bodyPr rtlCol="0" anchor="ctr"/>
+          <a:lstStyle/>
+          <a:p>
+            <a:pPr algn="ctr"/>
+            <a:r>
+              <a:rPr lang="en-US" dirty="0">
+                <a:solidFill>
+                  <a:schemeClr val="tx1"/>
+                </a:solidFill>
+              </a:rPr>
+              <a:t>Organization Affiliation</a:t>
+            </a:r>
+            <a:endParaRPr lang="en-AU" dirty="0">
+              <a:solidFill>
+                <a:schemeClr val="tx1"/>
+              </a:solidFill>
+            </a:endParaRPr>
+          </a:p>
+        </p:txBody>
+      </p:sp>
+      <p:cxnSp>
+        <p:nvCxnSpPr>
+          <p:cNvPr id="52" name="Elbow Connector 37">
+            <a:extLst>
+              <a:ext uri="{FF2B5EF4-FFF2-40B4-BE49-F238E27FC236}">
+                <a16:creationId xmlns:a16="http://schemas.microsoft.com/office/drawing/2014/main" id="{2B6D7D15-0687-5799-19A1-0A08BC418271}"/>
+              </a:ext>
+            </a:extLst>
+          </p:cNvPr>
+          <p:cNvCxnSpPr>
+            <a:cxnSpLocks/>
+            <a:stCxn id="51" idx="0"/>
+          </p:cNvCxnSpPr>
+          <p:nvPr/>
+        </p:nvCxnSpPr>
+        <p:spPr>
+          <a:xfrm flipH="1" flipV="1">
+            <a:off x="1880929" y="4790087"/>
+            <a:ext cx="31087" cy="339621"/>
+          </a:xfrm>
+          <a:prstGeom prst="straightConnector1">
+            <a:avLst/>
+          </a:prstGeom>
+          <a:ln>
+            <a:tailEnd type="triangle"/>
+          </a:ln>
+        </p:spPr>
+        <p:style>
+          <a:lnRef idx="3">
+            <a:schemeClr val="dk1"/>
+          </a:lnRef>
+          <a:fillRef idx="0">
+            <a:schemeClr val="dk1"/>
+          </a:fillRef>
+          <a:effectRef idx="2">
+            <a:schemeClr val="dk1"/>
+          </a:effectRef>
+          <a:fontRef idx="minor">
+            <a:schemeClr val="tx1"/>
+          </a:fontRef>
+        </p:style>
+      </p:cxnSp>
+      <p:cxnSp>
+        <p:nvCxnSpPr>
+          <p:cNvPr id="53" name="Elbow Connector 37">
+            <a:extLst>
+              <a:ext uri="{FF2B5EF4-FFF2-40B4-BE49-F238E27FC236}">
+                <a16:creationId xmlns:a16="http://schemas.microsoft.com/office/drawing/2014/main" id="{28F05287-5990-696D-C4BA-34210A26869F}"/>
+              </a:ext>
+            </a:extLst>
+          </p:cNvPr>
+          <p:cNvCxnSpPr>
+            <a:cxnSpLocks/>
+            <a:stCxn id="51" idx="3"/>
+          </p:cNvCxnSpPr>
+          <p:nvPr/>
+        </p:nvCxnSpPr>
+        <p:spPr>
+          <a:xfrm>
+            <a:off x="2646340" y="5493956"/>
+            <a:ext cx="473718" cy="109311"/>
+          </a:xfrm>
+          <a:prstGeom prst="straightConnector1">
+            <a:avLst/>
+          </a:prstGeom>
+          <a:ln>
+            <a:tailEnd type="triangle"/>
+          </a:ln>
+        </p:spPr>
+        <p:style>
+          <a:lnRef idx="3">
+            <a:schemeClr val="dk1"/>
+          </a:lnRef>
+          <a:fillRef idx="0">
+            <a:schemeClr val="dk1"/>
+          </a:fillRef>
+          <a:effectRef idx="2">
+            <a:schemeClr val="dk1"/>
+          </a:effectRef>
+          <a:fontRef idx="minor">
+            <a:schemeClr val="tx1"/>
+          </a:fontRef>
+        </p:style>
+      </p:cxnSp>
+      <p:sp>
+        <p:nvSpPr>
+          <p:cNvPr id="4" name="Rounded Rectangle 8">
+            <a:extLst>
+              <a:ext uri="{FF2B5EF4-FFF2-40B4-BE49-F238E27FC236}">
+                <a16:creationId xmlns:a16="http://schemas.microsoft.com/office/drawing/2014/main" id="{B1F485C8-3750-4961-DFF4-D9358B377593}"/>
+              </a:ext>
+            </a:extLst>
+          </p:cNvPr>
+          <p:cNvSpPr/>
+          <p:nvPr/>
+        </p:nvSpPr>
+        <p:spPr>
+          <a:xfrm>
+            <a:off x="558604" y="1710998"/>
+            <a:ext cx="7510358" cy="563905"/>
+          </a:xfrm>
+          <a:prstGeom prst="roundRect">
+            <a:avLst>
+              <a:gd name="adj" fmla="val 0"/>
+            </a:avLst>
+          </a:prstGeom>
+          <a:ln/>
+        </p:spPr>
+        <p:style>
+          <a:lnRef idx="2">
+            <a:schemeClr val="accent6">
+              <a:shade val="15000"/>
+            </a:schemeClr>
+          </a:lnRef>
+          <a:fillRef idx="1">
+            <a:schemeClr val="accent6"/>
+          </a:fillRef>
+          <a:effectRef idx="0">
+            <a:schemeClr val="accent6"/>
+          </a:effectRef>
+          <a:fontRef idx="minor">
+            <a:schemeClr val="lt1"/>
+          </a:fontRef>
+        </p:style>
+        <p:txBody>
+          <a:bodyPr rtlCol="0" anchor="ctr"/>
+          <a:lstStyle/>
+          <a:p>
+            <a:pPr algn="ctr"/>
+            <a:r>
+              <a:rPr lang="en-US" dirty="0">
+                <a:solidFill>
+                  <a:schemeClr val="bg1"/>
+                </a:solidFill>
+              </a:rPr>
+              <a:t>Location Service</a:t>
+            </a:r>
+            <a:endParaRPr lang="en-AU" dirty="0">
+              <a:solidFill>
+                <a:schemeClr val="bg1"/>
+              </a:solidFill>
+            </a:endParaRPr>
+          </a:p>
+        </p:txBody>
+      </p:sp>
+      <p:sp>
+        <p:nvSpPr>
+          <p:cNvPr id="5" name="Rounded Rectangle 8">
+            <a:extLst>
+              <a:ext uri="{FF2B5EF4-FFF2-40B4-BE49-F238E27FC236}">
+                <a16:creationId xmlns:a16="http://schemas.microsoft.com/office/drawing/2014/main" id="{78BAA133-ED65-543E-566A-41D9435D95BE}"/>
+              </a:ext>
+            </a:extLst>
+          </p:cNvPr>
+          <p:cNvSpPr/>
+          <p:nvPr/>
+        </p:nvSpPr>
+        <p:spPr>
+          <a:xfrm>
+            <a:off x="5264905" y="2736544"/>
+            <a:ext cx="1468649" cy="728495"/>
+          </a:xfrm>
+          <a:prstGeom prst="roundRect">
+            <a:avLst/>
+          </a:prstGeom>
+          <a:ln/>
+        </p:spPr>
+        <p:style>
+          <a:lnRef idx="2">
+            <a:schemeClr val="accent6">
+              <a:shade val="15000"/>
+            </a:schemeClr>
+          </a:lnRef>
+          <a:fillRef idx="1">
+            <a:schemeClr val="accent6"/>
+          </a:fillRef>
+          <a:effectRef idx="0">
+            <a:schemeClr val="accent6"/>
+          </a:effectRef>
+          <a:fontRef idx="minor">
+            <a:schemeClr val="lt1"/>
+          </a:fontRef>
+        </p:style>
+        <p:txBody>
+          <a:bodyPr rtlCol="0" anchor="ctr"/>
+          <a:lstStyle/>
+          <a:p>
+            <a:pPr algn="ctr"/>
+            <a:r>
+              <a:rPr lang="en-US" dirty="0">
+                <a:solidFill>
+                  <a:schemeClr val="bg1"/>
+                </a:solidFill>
+              </a:rPr>
+              <a:t>GIS Service</a:t>
+            </a:r>
+            <a:endParaRPr lang="en-AU" dirty="0">
+              <a:solidFill>
+                <a:schemeClr val="bg1"/>
+              </a:solidFill>
+            </a:endParaRPr>
+          </a:p>
+        </p:txBody>
+      </p:sp>
+      <p:sp>
+        <p:nvSpPr>
+          <p:cNvPr id="7" name="TextBox 6">
+            <a:extLst>
+              <a:ext uri="{FF2B5EF4-FFF2-40B4-BE49-F238E27FC236}">
+                <a16:creationId xmlns:a16="http://schemas.microsoft.com/office/drawing/2014/main" id="{1117D69D-FB07-2F09-1430-A7D2065DD269}"/>
+              </a:ext>
+            </a:extLst>
+          </p:cNvPr>
+          <p:cNvSpPr txBox="1"/>
+          <p:nvPr/>
+        </p:nvSpPr>
+        <p:spPr>
+          <a:xfrm>
+            <a:off x="5507817" y="4861659"/>
+            <a:ext cx="6094970" cy="1631216"/>
+          </a:xfrm>
+          <a:prstGeom prst="rect">
+            <a:avLst/>
+          </a:prstGeom>
+          <a:noFill/>
+        </p:spPr>
+        <p:txBody>
+          <a:bodyPr wrap="square">
+            <a:spAutoFit/>
+          </a:bodyPr>
+          <a:lstStyle/>
+          <a:p>
+            <a:pPr algn="l">
+              <a:buFont typeface="Arial" panose="020B0604020202020204" pitchFamily="34" charset="0"/>
+              <a:buChar char="•"/>
+            </a:pPr>
+            <a:r>
+              <a:rPr lang="en-GB" sz="2000" b="0" i="0" dirty="0">
+                <a:effectLst/>
+                <a:latin typeface="Source Sans 3 VF"/>
+              </a:rPr>
+              <a:t>physical location &lt;-&gt; logical location</a:t>
+            </a:r>
+          </a:p>
+          <a:p>
+            <a:pPr algn="l">
+              <a:buFont typeface="Arial" panose="020B0604020202020204" pitchFamily="34" charset="0"/>
+              <a:buChar char="•"/>
+            </a:pPr>
+            <a:r>
+              <a:rPr lang="en-GB" sz="2000" b="0" i="0" dirty="0">
+                <a:effectLst/>
+                <a:latin typeface="Source Sans 3 VF"/>
+              </a:rPr>
+              <a:t>converting between different kinds of logical location</a:t>
+            </a:r>
+          </a:p>
+          <a:p>
+            <a:pPr algn="l">
+              <a:buFont typeface="Arial" panose="020B0604020202020204" pitchFamily="34" charset="0"/>
+              <a:buChar char="•"/>
+            </a:pPr>
+            <a:r>
+              <a:rPr lang="en-GB" sz="2000" b="0" i="0" dirty="0">
+                <a:effectLst/>
+                <a:latin typeface="Source Sans 3 VF"/>
+              </a:rPr>
+              <a:t>identifying other locations with proximity to a (physical/logical) location</a:t>
+            </a:r>
+          </a:p>
+          <a:p>
+            <a:pPr algn="l">
+              <a:buFont typeface="Arial" panose="020B0604020202020204" pitchFamily="34" charset="0"/>
+              <a:buChar char="•"/>
+            </a:pPr>
+            <a:r>
+              <a:rPr lang="en-GB" sz="2000" b="0" i="0" dirty="0">
+                <a:effectLst/>
+                <a:latin typeface="Source Sans 3 VF"/>
+              </a:rPr>
+              <a:t>Going up and down a part of hierarchy for location</a:t>
+            </a:r>
+          </a:p>
+        </p:txBody>
+      </p:sp>
+      <p:sp>
+        <p:nvSpPr>
+          <p:cNvPr id="9" name="Rounded Rectangle 8">
+            <a:extLst>
+              <a:ext uri="{FF2B5EF4-FFF2-40B4-BE49-F238E27FC236}">
+                <a16:creationId xmlns:a16="http://schemas.microsoft.com/office/drawing/2014/main" id="{716FF360-044F-B938-C496-48143A8ECF62}"/>
+              </a:ext>
+            </a:extLst>
+          </p:cNvPr>
+          <p:cNvSpPr/>
+          <p:nvPr/>
+        </p:nvSpPr>
+        <p:spPr>
+          <a:xfrm>
+            <a:off x="1089275" y="2736544"/>
+            <a:ext cx="1468649" cy="728495"/>
+          </a:xfrm>
+          <a:prstGeom prst="roundRect">
+            <a:avLst/>
+          </a:prstGeom>
+          <a:solidFill>
+            <a:srgbClr val="CEE1F2"/>
+          </a:solidFill>
+          <a:ln cap="rnd">
+            <a:round/>
+          </a:ln>
+          <a:effectLst>
+            <a:outerShdw blurRad="50800" dist="38100" dir="2700000" algn="tl" rotWithShape="0">
+              <a:prstClr val="black">
+                <a:alpha val="40000"/>
+              </a:prstClr>
+            </a:outerShdw>
+          </a:effectLst>
+        </p:spPr>
+        <p:style>
+          <a:lnRef idx="2">
+            <a:schemeClr val="accent1">
+              <a:shade val="50000"/>
+            </a:schemeClr>
+          </a:lnRef>
+          <a:fillRef idx="1">
+            <a:schemeClr val="accent1"/>
+          </a:fillRef>
+          <a:effectRef idx="0">
+            <a:schemeClr val="accent1"/>
+          </a:effectRef>
+          <a:fontRef idx="minor">
+            <a:schemeClr val="lt1"/>
+          </a:fontRef>
+        </p:style>
+        <p:txBody>
+          <a:bodyPr rtlCol="0" anchor="ctr"/>
+          <a:lstStyle/>
+          <a:p>
+            <a:pPr algn="ctr"/>
+            <a:r>
+              <a:rPr lang="en-US" dirty="0">
+                <a:solidFill>
+                  <a:schemeClr val="tx1"/>
+                </a:solidFill>
+              </a:rPr>
+              <a:t>Parameters?</a:t>
+            </a:r>
+            <a:endParaRPr lang="en-AU" dirty="0">
+              <a:solidFill>
+                <a:schemeClr val="tx1"/>
+              </a:solidFill>
+            </a:endParaRPr>
+          </a:p>
+        </p:txBody>
+      </p:sp>
+      <p:sp>
+        <p:nvSpPr>
+          <p:cNvPr id="11" name="Rounded Rectangle 8">
+            <a:extLst>
+              <a:ext uri="{FF2B5EF4-FFF2-40B4-BE49-F238E27FC236}">
+                <a16:creationId xmlns:a16="http://schemas.microsoft.com/office/drawing/2014/main" id="{DE250316-6B61-2FF0-BB09-637D28D8C85F}"/>
+              </a:ext>
+            </a:extLst>
+          </p:cNvPr>
+          <p:cNvSpPr/>
+          <p:nvPr/>
+        </p:nvSpPr>
+        <p:spPr>
+          <a:xfrm>
+            <a:off x="4589054" y="3883680"/>
+            <a:ext cx="1468649" cy="728495"/>
+          </a:xfrm>
+          <a:prstGeom prst="roundRect">
+            <a:avLst/>
+          </a:prstGeom>
+          <a:solidFill>
+            <a:srgbClr val="CEE1F2"/>
+          </a:solidFill>
+          <a:ln cap="rnd">
+            <a:round/>
+          </a:ln>
+          <a:effectLst>
+            <a:outerShdw blurRad="50800" dist="38100" dir="2700000" algn="tl" rotWithShape="0">
+              <a:prstClr val="black">
+                <a:alpha val="40000"/>
+              </a:prstClr>
+            </a:outerShdw>
+          </a:effectLst>
+        </p:spPr>
+        <p:style>
+          <a:lnRef idx="2">
+            <a:schemeClr val="accent1">
+              <a:shade val="50000"/>
+            </a:schemeClr>
+          </a:lnRef>
+          <a:fillRef idx="1">
+            <a:schemeClr val="accent1"/>
+          </a:fillRef>
+          <a:effectRef idx="0">
+            <a:schemeClr val="accent1"/>
+          </a:effectRef>
+          <a:fontRef idx="minor">
+            <a:schemeClr val="lt1"/>
+          </a:fontRef>
+        </p:style>
+        <p:txBody>
+          <a:bodyPr rtlCol="0" anchor="ctr"/>
+          <a:lstStyle/>
+          <a:p>
+            <a:pPr algn="ctr"/>
+            <a:r>
+              <a:rPr lang="en-US" dirty="0">
+                <a:solidFill>
+                  <a:schemeClr val="tx1"/>
+                </a:solidFill>
+              </a:rPr>
+              <a:t>ValueSet</a:t>
+            </a:r>
+            <a:endParaRPr lang="en-AU" dirty="0">
+              <a:solidFill>
+                <a:schemeClr val="tx1"/>
+              </a:solidFill>
+            </a:endParaRPr>
+          </a:p>
+        </p:txBody>
+      </p:sp>
+      <p:sp>
+        <p:nvSpPr>
+          <p:cNvPr id="12" name="Rounded Rectangle 8">
+            <a:extLst>
+              <a:ext uri="{FF2B5EF4-FFF2-40B4-BE49-F238E27FC236}">
+                <a16:creationId xmlns:a16="http://schemas.microsoft.com/office/drawing/2014/main" id="{6C1B466D-5DC5-8A83-E830-3F8D468BDBDD}"/>
+              </a:ext>
+            </a:extLst>
+          </p:cNvPr>
+          <p:cNvSpPr/>
+          <p:nvPr/>
+        </p:nvSpPr>
+        <p:spPr>
+          <a:xfrm>
+            <a:off x="6307246" y="3883680"/>
+            <a:ext cx="1468649" cy="728495"/>
+          </a:xfrm>
+          <a:prstGeom prst="roundRect">
+            <a:avLst/>
+          </a:prstGeom>
+          <a:solidFill>
+            <a:srgbClr val="CEE1F2"/>
+          </a:solidFill>
+          <a:ln cap="rnd">
+            <a:round/>
+          </a:ln>
+          <a:effectLst>
+            <a:outerShdw blurRad="50800" dist="38100" dir="2700000" algn="tl" rotWithShape="0">
+              <a:prstClr val="black">
+                <a:alpha val="40000"/>
+              </a:prstClr>
+            </a:outerShdw>
+          </a:effectLst>
+        </p:spPr>
+        <p:style>
+          <a:lnRef idx="2">
+            <a:schemeClr val="accent1">
+              <a:shade val="50000"/>
+            </a:schemeClr>
+          </a:lnRef>
+          <a:fillRef idx="1">
+            <a:schemeClr val="accent1"/>
+          </a:fillRef>
+          <a:effectRef idx="0">
+            <a:schemeClr val="accent1"/>
+          </a:effectRef>
+          <a:fontRef idx="minor">
+            <a:schemeClr val="lt1"/>
+          </a:fontRef>
+        </p:style>
+        <p:txBody>
+          <a:bodyPr rtlCol="0" anchor="ctr"/>
+          <a:lstStyle/>
+          <a:p>
+            <a:pPr algn="ctr"/>
+            <a:r>
+              <a:rPr lang="en-US" dirty="0">
+                <a:solidFill>
+                  <a:schemeClr val="tx1"/>
+                </a:solidFill>
+              </a:rPr>
+              <a:t>CodeSystem</a:t>
+            </a:r>
+            <a:endParaRPr lang="en-AU" dirty="0">
+              <a:solidFill>
+                <a:schemeClr val="tx1"/>
+              </a:solidFill>
+            </a:endParaRPr>
+          </a:p>
+        </p:txBody>
+      </p:sp>
+      <p:sp>
+        <p:nvSpPr>
+          <p:cNvPr id="13" name="Rounded Rectangle 8">
+            <a:extLst>
+              <a:ext uri="{FF2B5EF4-FFF2-40B4-BE49-F238E27FC236}">
+                <a16:creationId xmlns:a16="http://schemas.microsoft.com/office/drawing/2014/main" id="{CF658CCB-338A-8805-2001-65388449CEC4}"/>
+              </a:ext>
+            </a:extLst>
+          </p:cNvPr>
+          <p:cNvSpPr/>
+          <p:nvPr/>
+        </p:nvSpPr>
+        <p:spPr>
+          <a:xfrm>
+            <a:off x="9070786" y="2792149"/>
+            <a:ext cx="1468649" cy="728495"/>
+          </a:xfrm>
+          <a:prstGeom prst="roundRect">
+            <a:avLst/>
+          </a:prstGeom>
+          <a:ln/>
+        </p:spPr>
+        <p:style>
+          <a:lnRef idx="2">
+            <a:schemeClr val="accent6">
+              <a:shade val="15000"/>
+            </a:schemeClr>
+          </a:lnRef>
+          <a:fillRef idx="1">
+            <a:schemeClr val="accent6"/>
+          </a:fillRef>
+          <a:effectRef idx="0">
+            <a:schemeClr val="accent6"/>
+          </a:effectRef>
+          <a:fontRef idx="minor">
+            <a:schemeClr val="lt1"/>
+          </a:fontRef>
+        </p:style>
+        <p:txBody>
+          <a:bodyPr rtlCol="0" anchor="ctr"/>
+          <a:lstStyle/>
+          <a:p>
+            <a:pPr algn="ctr"/>
+            <a:r>
+              <a:rPr lang="en-US" dirty="0">
+                <a:solidFill>
+                  <a:schemeClr val="bg1"/>
+                </a:solidFill>
+              </a:rPr>
+              <a:t>Terminology Service?</a:t>
+            </a:r>
+            <a:endParaRPr lang="en-AU" dirty="0">
+              <a:solidFill>
+                <a:schemeClr val="bg1"/>
+              </a:solidFill>
+            </a:endParaRPr>
+          </a:p>
+        </p:txBody>
+      </p:sp>
+      <p:sp>
+        <p:nvSpPr>
+          <p:cNvPr id="14" name="Rounded Rectangle 8">
+            <a:extLst>
+              <a:ext uri="{FF2B5EF4-FFF2-40B4-BE49-F238E27FC236}">
+                <a16:creationId xmlns:a16="http://schemas.microsoft.com/office/drawing/2014/main" id="{A0127213-08E9-A82B-1D47-4D44FBAF5540}"/>
+              </a:ext>
+            </a:extLst>
+          </p:cNvPr>
+          <p:cNvSpPr/>
+          <p:nvPr/>
+        </p:nvSpPr>
+        <p:spPr>
+          <a:xfrm>
+            <a:off x="7975408" y="3921287"/>
+            <a:ext cx="1468649" cy="728495"/>
+          </a:xfrm>
+          <a:prstGeom prst="roundRect">
+            <a:avLst/>
+          </a:prstGeom>
+          <a:solidFill>
+            <a:srgbClr val="CEE1F2"/>
+          </a:solidFill>
+          <a:ln cap="rnd">
+            <a:round/>
+          </a:ln>
+          <a:effectLst>
+            <a:outerShdw blurRad="50800" dist="38100" dir="2700000" algn="tl" rotWithShape="0">
+              <a:prstClr val="black">
+                <a:alpha val="40000"/>
+              </a:prstClr>
+            </a:outerShdw>
+          </a:effectLst>
+        </p:spPr>
+        <p:style>
+          <a:lnRef idx="2">
+            <a:schemeClr val="accent1">
+              <a:shade val="50000"/>
+            </a:schemeClr>
+          </a:lnRef>
+          <a:fillRef idx="1">
+            <a:schemeClr val="accent1"/>
+          </a:fillRef>
+          <a:effectRef idx="0">
+            <a:schemeClr val="accent1"/>
+          </a:effectRef>
+          <a:fontRef idx="minor">
+            <a:schemeClr val="lt1"/>
+          </a:fontRef>
+        </p:style>
+        <p:txBody>
+          <a:bodyPr rtlCol="0" anchor="ctr"/>
+          <a:lstStyle/>
+          <a:p>
+            <a:pPr algn="ctr"/>
+            <a:r>
+              <a:rPr lang="en-US" dirty="0">
+                <a:solidFill>
+                  <a:schemeClr val="tx1"/>
+                </a:solidFill>
+              </a:rPr>
+              <a:t>ConceptMap?</a:t>
+            </a:r>
+            <a:endParaRPr lang="en-AU" dirty="0">
+              <a:solidFill>
+                <a:schemeClr val="tx1"/>
+              </a:solidFill>
+            </a:endParaRPr>
+          </a:p>
+        </p:txBody>
+      </p:sp>
+    </p:spTree>
+    <p:extLst>
+      <p:ext uri="{BB962C8B-B14F-4D97-AF65-F5344CB8AC3E}">
+        <p14:creationId xmlns:p14="http://schemas.microsoft.com/office/powerpoint/2010/main" val="4249074070"/>
+      </p:ext>
+    </p:extLst>
+  </p:cSld>
+  <p:clrMapOvr>
+    <a:masterClrMapping/>
+  </p:clrMapOvr>
+</p:sld>
+</file>
+
+<file path=ppt/slides/slide6.xml><?xml version="1.0" encoding="utf-8"?>
 <p:sld xmlns:a="http://schemas.openxmlformats.org/drawingml/2006/main" xmlns:r="http://schemas.openxmlformats.org/officeDocument/2006/relationships" xmlns:p="http://schemas.openxmlformats.org/presentationml/2006/main" show="0">
   <p:cSld>
     <p:spTree>
@@ -11947,1491 +13961,6 @@
 </p:sld>
 </file>
 
-<file path=ppt/slides/slide6.xml><?xml version="1.0" encoding="utf-8"?>
-<p:sld xmlns:a="http://schemas.openxmlformats.org/drawingml/2006/main" xmlns:r="http://schemas.openxmlformats.org/officeDocument/2006/relationships" xmlns:p="http://schemas.openxmlformats.org/presentationml/2006/main" show="0">
-  <p:cSld>
-    <p:spTree>
-      <p:nvGrpSpPr>
-        <p:cNvPr id="1" name=""/>
-        <p:cNvGrpSpPr/>
-        <p:nvPr/>
-      </p:nvGrpSpPr>
-      <p:grpSpPr>
-        <a:xfrm>
-          <a:off x="0" y="0"/>
-          <a:ext cx="0" cy="0"/>
-          <a:chOff x="0" y="0"/>
-          <a:chExt cx="0" cy="0"/>
-        </a:xfrm>
-      </p:grpSpPr>
-      <p:sp>
-        <p:nvSpPr>
-          <p:cNvPr id="25" name="Rounded Rectangle 5"/>
-          <p:cNvSpPr/>
-          <p:nvPr/>
-        </p:nvSpPr>
-        <p:spPr>
-          <a:xfrm>
-            <a:off x="2843964" y="289931"/>
-            <a:ext cx="5943198" cy="1458695"/>
-          </a:xfrm>
-          <a:prstGeom prst="roundRect">
-            <a:avLst/>
-          </a:prstGeom>
-          <a:solidFill>
-            <a:schemeClr val="bg1"/>
-          </a:solidFill>
-          <a:ln cap="rnd">
-            <a:round/>
-          </a:ln>
-          <a:effectLst>
-            <a:outerShdw blurRad="50800" dist="38100" dir="2700000" algn="tl" rotWithShape="0">
-              <a:prstClr val="black">
-                <a:alpha val="40000"/>
-              </a:prstClr>
-            </a:outerShdw>
-          </a:effectLst>
-        </p:spPr>
-        <p:style>
-          <a:lnRef idx="2">
-            <a:schemeClr val="accent1">
-              <a:shade val="50000"/>
-            </a:schemeClr>
-          </a:lnRef>
-          <a:fillRef idx="1">
-            <a:schemeClr val="accent1"/>
-          </a:fillRef>
-          <a:effectRef idx="0">
-            <a:schemeClr val="accent1"/>
-          </a:effectRef>
-          <a:fontRef idx="minor">
-            <a:schemeClr val="lt1"/>
-          </a:fontRef>
-        </p:style>
-        <p:txBody>
-          <a:bodyPr rtlCol="0" anchor="ctr"/>
-          <a:lstStyle/>
-          <a:p>
-            <a:pPr algn="ctr"/>
-            <a:endParaRPr lang="en-AU" dirty="0">
-              <a:solidFill>
-                <a:schemeClr val="tx1"/>
-              </a:solidFill>
-            </a:endParaRPr>
-          </a:p>
-        </p:txBody>
-      </p:sp>
-      <p:cxnSp>
-        <p:nvCxnSpPr>
-          <p:cNvPr id="5" name="Elbow Connector 37"/>
-          <p:cNvCxnSpPr/>
-          <p:nvPr/>
-        </p:nvCxnSpPr>
-        <p:spPr>
-          <a:xfrm>
-            <a:off x="3400442" y="2543188"/>
-            <a:ext cx="1193979" cy="284832"/>
-          </a:xfrm>
-          <a:prstGeom prst="straightConnector1">
-            <a:avLst/>
-          </a:prstGeom>
-          <a:ln>
-            <a:tailEnd type="triangle"/>
-          </a:ln>
-        </p:spPr>
-        <p:style>
-          <a:lnRef idx="3">
-            <a:schemeClr val="dk1"/>
-          </a:lnRef>
-          <a:fillRef idx="0">
-            <a:schemeClr val="dk1"/>
-          </a:fillRef>
-          <a:effectRef idx="2">
-            <a:schemeClr val="dk1"/>
-          </a:effectRef>
-          <a:fontRef idx="minor">
-            <a:schemeClr val="tx1"/>
-          </a:fontRef>
-        </p:style>
-      </p:cxnSp>
-      <p:cxnSp>
-        <p:nvCxnSpPr>
-          <p:cNvPr id="6" name="Elbow Connector 37"/>
-          <p:cNvCxnSpPr/>
-          <p:nvPr/>
-        </p:nvCxnSpPr>
-        <p:spPr>
-          <a:xfrm flipH="1" flipV="1">
-            <a:off x="4444392" y="1412373"/>
-            <a:ext cx="539727" cy="1412146"/>
-          </a:xfrm>
-          <a:prstGeom prst="straightConnector1">
-            <a:avLst/>
-          </a:prstGeom>
-          <a:ln>
-            <a:tailEnd type="triangle"/>
-          </a:ln>
-        </p:spPr>
-        <p:style>
-          <a:lnRef idx="3">
-            <a:schemeClr val="dk1"/>
-          </a:lnRef>
-          <a:fillRef idx="0">
-            <a:schemeClr val="dk1"/>
-          </a:fillRef>
-          <a:effectRef idx="2">
-            <a:schemeClr val="dk1"/>
-          </a:effectRef>
-          <a:fontRef idx="minor">
-            <a:schemeClr val="tx1"/>
-          </a:fontRef>
-        </p:style>
-      </p:cxnSp>
-      <p:cxnSp>
-        <p:nvCxnSpPr>
-          <p:cNvPr id="7" name="Elbow Connector 37"/>
-          <p:cNvCxnSpPr/>
-          <p:nvPr/>
-        </p:nvCxnSpPr>
-        <p:spPr>
-          <a:xfrm flipH="1" flipV="1">
-            <a:off x="8050246" y="1916083"/>
-            <a:ext cx="309802" cy="909912"/>
-          </a:xfrm>
-          <a:prstGeom prst="straightConnector1">
-            <a:avLst/>
-          </a:prstGeom>
-          <a:ln>
-            <a:tailEnd type="triangle"/>
-          </a:ln>
-        </p:spPr>
-        <p:style>
-          <a:lnRef idx="3">
-            <a:schemeClr val="dk1"/>
-          </a:lnRef>
-          <a:fillRef idx="0">
-            <a:schemeClr val="dk1"/>
-          </a:fillRef>
-          <a:effectRef idx="2">
-            <a:schemeClr val="dk1"/>
-          </a:effectRef>
-          <a:fontRef idx="minor">
-            <a:schemeClr val="tx1"/>
-          </a:fontRef>
-        </p:style>
-      </p:cxnSp>
-      <p:cxnSp>
-        <p:nvCxnSpPr>
-          <p:cNvPr id="8" name="Elbow Connector 37"/>
-          <p:cNvCxnSpPr/>
-          <p:nvPr/>
-        </p:nvCxnSpPr>
-        <p:spPr>
-          <a:xfrm flipH="1" flipV="1">
-            <a:off x="6585385" y="3466824"/>
-            <a:ext cx="881830" cy="623201"/>
-          </a:xfrm>
-          <a:prstGeom prst="straightConnector1">
-            <a:avLst/>
-          </a:prstGeom>
-          <a:ln w="19050" cap="flat" cmpd="sng" algn="ctr">
-            <a:solidFill>
-              <a:schemeClr val="accent1"/>
-            </a:solidFill>
-            <a:prstDash val="dash"/>
-            <a:round/>
-            <a:headEnd type="none" w="med" len="med"/>
-            <a:tailEnd type="triangle" w="med" len="med"/>
-          </a:ln>
-        </p:spPr>
-        <p:style>
-          <a:lnRef idx="0">
-            <a:scrgbClr r="0" g="0" b="0"/>
-          </a:lnRef>
-          <a:fillRef idx="0">
-            <a:scrgbClr r="0" g="0" b="0"/>
-          </a:fillRef>
-          <a:effectRef idx="0">
-            <a:scrgbClr r="0" g="0" b="0"/>
-          </a:effectRef>
-          <a:fontRef idx="minor">
-            <a:schemeClr val="tx1"/>
-          </a:fontRef>
-        </p:style>
-      </p:cxnSp>
-      <p:cxnSp>
-        <p:nvCxnSpPr>
-          <p:cNvPr id="9" name="Elbow Connector 37"/>
-          <p:cNvCxnSpPr/>
-          <p:nvPr/>
-        </p:nvCxnSpPr>
-        <p:spPr>
-          <a:xfrm flipH="1" flipV="1">
-            <a:off x="7600341" y="1916083"/>
-            <a:ext cx="269289" cy="909911"/>
-          </a:xfrm>
-          <a:prstGeom prst="straightConnector1">
-            <a:avLst/>
-          </a:prstGeom>
-          <a:ln>
-            <a:tailEnd type="triangle"/>
-          </a:ln>
-        </p:spPr>
-        <p:style>
-          <a:lnRef idx="3">
-            <a:schemeClr val="dk1"/>
-          </a:lnRef>
-          <a:fillRef idx="0">
-            <a:schemeClr val="dk1"/>
-          </a:fillRef>
-          <a:effectRef idx="2">
-            <a:schemeClr val="dk1"/>
-          </a:effectRef>
-          <a:fontRef idx="minor">
-            <a:schemeClr val="tx1"/>
-          </a:fontRef>
-        </p:style>
-      </p:cxnSp>
-      <p:cxnSp>
-        <p:nvCxnSpPr>
-          <p:cNvPr id="10" name="Elbow Connector 37"/>
-          <p:cNvCxnSpPr/>
-          <p:nvPr/>
-        </p:nvCxnSpPr>
-        <p:spPr>
-          <a:xfrm flipH="1" flipV="1">
-            <a:off x="3021024" y="3027622"/>
-            <a:ext cx="183310" cy="694167"/>
-          </a:xfrm>
-          <a:prstGeom prst="straightConnector1">
-            <a:avLst/>
-          </a:prstGeom>
-          <a:ln>
-            <a:tailEnd type="triangle"/>
-          </a:ln>
-        </p:spPr>
-        <p:style>
-          <a:lnRef idx="3">
-            <a:schemeClr val="dk1"/>
-          </a:lnRef>
-          <a:fillRef idx="0">
-            <a:schemeClr val="dk1"/>
-          </a:fillRef>
-          <a:effectRef idx="2">
-            <a:schemeClr val="dk1"/>
-          </a:effectRef>
-          <a:fontRef idx="minor">
-            <a:schemeClr val="tx1"/>
-          </a:fontRef>
-        </p:style>
-      </p:cxnSp>
-      <p:cxnSp>
-        <p:nvCxnSpPr>
-          <p:cNvPr id="11" name="Elbow Connector 37"/>
-          <p:cNvCxnSpPr/>
-          <p:nvPr/>
-        </p:nvCxnSpPr>
-        <p:spPr>
-          <a:xfrm flipV="1">
-            <a:off x="4015958" y="3280166"/>
-            <a:ext cx="578463" cy="441623"/>
-          </a:xfrm>
-          <a:prstGeom prst="straightConnector1">
-            <a:avLst/>
-          </a:prstGeom>
-          <a:ln>
-            <a:tailEnd type="triangle"/>
-          </a:ln>
-        </p:spPr>
-        <p:style>
-          <a:lnRef idx="3">
-            <a:schemeClr val="dk1"/>
-          </a:lnRef>
-          <a:fillRef idx="0">
-            <a:schemeClr val="dk1"/>
-          </a:fillRef>
-          <a:effectRef idx="2">
-            <a:schemeClr val="dk1"/>
-          </a:effectRef>
-          <a:fontRef idx="minor">
-            <a:schemeClr val="tx1"/>
-          </a:fontRef>
-        </p:style>
-      </p:cxnSp>
-      <p:cxnSp>
-        <p:nvCxnSpPr>
-          <p:cNvPr id="13" name="Elbow Connector 37"/>
-          <p:cNvCxnSpPr/>
-          <p:nvPr/>
-        </p:nvCxnSpPr>
-        <p:spPr>
-          <a:xfrm flipV="1">
-            <a:off x="8146411" y="3573286"/>
-            <a:ext cx="0" cy="516739"/>
-          </a:xfrm>
-          <a:prstGeom prst="straightConnector1">
-            <a:avLst/>
-          </a:prstGeom>
-          <a:ln>
-            <a:tailEnd type="triangle"/>
-          </a:ln>
-        </p:spPr>
-        <p:style>
-          <a:lnRef idx="3">
-            <a:schemeClr val="dk1"/>
-          </a:lnRef>
-          <a:fillRef idx="0">
-            <a:schemeClr val="dk1"/>
-          </a:fillRef>
-          <a:effectRef idx="2">
-            <a:schemeClr val="dk1"/>
-          </a:effectRef>
-          <a:fontRef idx="minor">
-            <a:schemeClr val="tx1"/>
-          </a:fontRef>
-        </p:style>
-      </p:cxnSp>
-      <p:sp>
-        <p:nvSpPr>
-          <p:cNvPr id="15" name="Rounded Rectangle 5"/>
-          <p:cNvSpPr/>
-          <p:nvPr/>
-        </p:nvSpPr>
-        <p:spPr>
-          <a:xfrm>
-            <a:off x="6868895" y="507481"/>
-            <a:ext cx="1694439" cy="728495"/>
-          </a:xfrm>
-          <a:prstGeom prst="roundRect">
-            <a:avLst/>
-          </a:prstGeom>
-          <a:solidFill>
-            <a:srgbClr val="CEE1F2"/>
-          </a:solidFill>
-          <a:ln cap="rnd">
-            <a:round/>
-          </a:ln>
-          <a:effectLst>
-            <a:outerShdw blurRad="50800" dist="38100" dir="2700000" algn="tl" rotWithShape="0">
-              <a:prstClr val="black">
-                <a:alpha val="40000"/>
-              </a:prstClr>
-            </a:outerShdw>
-          </a:effectLst>
-        </p:spPr>
-        <p:style>
-          <a:lnRef idx="2">
-            <a:schemeClr val="accent1">
-              <a:shade val="50000"/>
-            </a:schemeClr>
-          </a:lnRef>
-          <a:fillRef idx="1">
-            <a:schemeClr val="accent1"/>
-          </a:fillRef>
-          <a:effectRef idx="0">
-            <a:schemeClr val="accent1"/>
-          </a:effectRef>
-          <a:fontRef idx="minor">
-            <a:schemeClr val="lt1"/>
-          </a:fontRef>
-        </p:style>
-        <p:txBody>
-          <a:bodyPr rtlCol="0" anchor="ctr"/>
-          <a:lstStyle/>
-          <a:p>
-            <a:pPr algn="ctr"/>
-            <a:r>
-              <a:rPr lang="en-US" dirty="0">
-                <a:solidFill>
-                  <a:schemeClr val="tx1"/>
-                </a:solidFill>
-              </a:rPr>
-              <a:t>Organization</a:t>
-            </a:r>
-            <a:endParaRPr lang="en-AU" dirty="0">
-              <a:solidFill>
-                <a:schemeClr val="tx1"/>
-              </a:solidFill>
-            </a:endParaRPr>
-          </a:p>
-        </p:txBody>
-      </p:sp>
-      <p:cxnSp>
-        <p:nvCxnSpPr>
-          <p:cNvPr id="23" name="Elbow Connector 37"/>
-          <p:cNvCxnSpPr>
-            <a:cxnSpLocks/>
-          </p:cNvCxnSpPr>
-          <p:nvPr/>
-        </p:nvCxnSpPr>
-        <p:spPr>
-          <a:xfrm>
-            <a:off x="6656877" y="4249379"/>
-            <a:ext cx="454977" cy="18782"/>
-          </a:xfrm>
-          <a:prstGeom prst="straightConnector1">
-            <a:avLst/>
-          </a:prstGeom>
-          <a:ln w="19050" cap="flat" cmpd="sng" algn="ctr">
-            <a:solidFill>
-              <a:schemeClr val="accent1"/>
-            </a:solidFill>
-            <a:prstDash val="dash"/>
-            <a:round/>
-            <a:headEnd type="none" w="med" len="med"/>
-            <a:tailEnd type="triangle" w="med" len="med"/>
-          </a:ln>
-        </p:spPr>
-        <p:style>
-          <a:lnRef idx="0">
-            <a:scrgbClr r="0" g="0" b="0"/>
-          </a:lnRef>
-          <a:fillRef idx="0">
-            <a:scrgbClr r="0" g="0" b="0"/>
-          </a:fillRef>
-          <a:effectRef idx="0">
-            <a:scrgbClr r="0" g="0" b="0"/>
-          </a:effectRef>
-          <a:fontRef idx="minor">
-            <a:schemeClr val="tx1"/>
-          </a:fontRef>
-        </p:style>
-      </p:cxnSp>
-      <p:sp>
-        <p:nvSpPr>
-          <p:cNvPr id="24" name="Rounded Rectangle 9"/>
-          <p:cNvSpPr/>
-          <p:nvPr/>
-        </p:nvSpPr>
-        <p:spPr>
-          <a:xfrm>
-            <a:off x="4750421" y="3903914"/>
-            <a:ext cx="1713508" cy="728495"/>
-          </a:xfrm>
-          <a:prstGeom prst="roundRect">
-            <a:avLst/>
-          </a:prstGeom>
-          <a:solidFill>
-            <a:srgbClr val="CEE1F2"/>
-          </a:solidFill>
-          <a:ln cap="rnd">
-            <a:round/>
-          </a:ln>
-          <a:effectLst>
-            <a:outerShdw blurRad="50800" dist="38100" dir="2700000" algn="tl" rotWithShape="0">
-              <a:prstClr val="black">
-                <a:alpha val="40000"/>
-              </a:prstClr>
-            </a:outerShdw>
-          </a:effectLst>
-        </p:spPr>
-        <p:style>
-          <a:lnRef idx="2">
-            <a:schemeClr val="accent1">
-              <a:shade val="50000"/>
-            </a:schemeClr>
-          </a:lnRef>
-          <a:fillRef idx="1">
-            <a:schemeClr val="accent1"/>
-          </a:fillRef>
-          <a:effectRef idx="0">
-            <a:schemeClr val="accent1"/>
-          </a:effectRef>
-          <a:fontRef idx="minor">
-            <a:schemeClr val="lt1"/>
-          </a:fontRef>
-        </p:style>
-        <p:txBody>
-          <a:bodyPr rtlCol="0" anchor="ctr"/>
-          <a:lstStyle/>
-          <a:p>
-            <a:pPr algn="ctr"/>
-            <a:r>
-              <a:rPr lang="en-US" dirty="0">
-                <a:solidFill>
-                  <a:schemeClr val="tx1"/>
-                </a:solidFill>
-              </a:rPr>
-              <a:t>Charge Item</a:t>
-            </a:r>
-            <a:endParaRPr lang="en-AU" dirty="0">
-              <a:solidFill>
-                <a:schemeClr val="tx1"/>
-              </a:solidFill>
-            </a:endParaRPr>
-          </a:p>
-        </p:txBody>
-      </p:sp>
-      <p:sp>
-        <p:nvSpPr>
-          <p:cNvPr id="26" name="Rounded Rectangle 5"/>
-          <p:cNvSpPr/>
-          <p:nvPr/>
-        </p:nvSpPr>
-        <p:spPr>
-          <a:xfrm>
-            <a:off x="3055981" y="514395"/>
-            <a:ext cx="1694439" cy="728495"/>
-          </a:xfrm>
-          <a:prstGeom prst="roundRect">
-            <a:avLst/>
-          </a:prstGeom>
-          <a:solidFill>
-            <a:srgbClr val="CEE1F2"/>
-          </a:solidFill>
-          <a:ln cap="rnd">
-            <a:round/>
-          </a:ln>
-          <a:effectLst>
-            <a:outerShdw blurRad="50800" dist="38100" dir="2700000" algn="tl" rotWithShape="0">
-              <a:prstClr val="black">
-                <a:alpha val="40000"/>
-              </a:prstClr>
-            </a:outerShdw>
-          </a:effectLst>
-        </p:spPr>
-        <p:style>
-          <a:lnRef idx="2">
-            <a:schemeClr val="accent1">
-              <a:shade val="50000"/>
-            </a:schemeClr>
-          </a:lnRef>
-          <a:fillRef idx="1">
-            <a:schemeClr val="accent1"/>
-          </a:fillRef>
-          <a:effectRef idx="0">
-            <a:schemeClr val="accent1"/>
-          </a:effectRef>
-          <a:fontRef idx="minor">
-            <a:schemeClr val="lt1"/>
-          </a:fontRef>
-        </p:style>
-        <p:txBody>
-          <a:bodyPr rtlCol="0" anchor="ctr"/>
-          <a:lstStyle/>
-          <a:p>
-            <a:pPr algn="ctr"/>
-            <a:r>
-              <a:rPr lang="en-US" dirty="0">
-                <a:solidFill>
-                  <a:schemeClr val="tx1"/>
-                </a:solidFill>
-              </a:rPr>
-              <a:t>Patient</a:t>
-            </a:r>
-            <a:endParaRPr lang="en-AU" dirty="0">
-              <a:solidFill>
-                <a:schemeClr val="tx1"/>
-              </a:solidFill>
-            </a:endParaRPr>
-          </a:p>
-        </p:txBody>
-      </p:sp>
-      <p:sp>
-        <p:nvSpPr>
-          <p:cNvPr id="27" name="Rounded Rectangle 5"/>
-          <p:cNvSpPr/>
-          <p:nvPr/>
-        </p:nvSpPr>
-        <p:spPr>
-          <a:xfrm>
-            <a:off x="4962438" y="506042"/>
-            <a:ext cx="1694439" cy="728495"/>
-          </a:xfrm>
-          <a:prstGeom prst="roundRect">
-            <a:avLst/>
-          </a:prstGeom>
-          <a:solidFill>
-            <a:srgbClr val="CEE1F2"/>
-          </a:solidFill>
-          <a:ln cap="rnd">
-            <a:round/>
-          </a:ln>
-          <a:effectLst>
-            <a:outerShdw blurRad="50800" dist="38100" dir="2700000" algn="tl" rotWithShape="0">
-              <a:prstClr val="black">
-                <a:alpha val="40000"/>
-              </a:prstClr>
-            </a:outerShdw>
-          </a:effectLst>
-        </p:spPr>
-        <p:style>
-          <a:lnRef idx="2">
-            <a:schemeClr val="accent1">
-              <a:shade val="50000"/>
-            </a:schemeClr>
-          </a:lnRef>
-          <a:fillRef idx="1">
-            <a:schemeClr val="accent1"/>
-          </a:fillRef>
-          <a:effectRef idx="0">
-            <a:schemeClr val="accent1"/>
-          </a:effectRef>
-          <a:fontRef idx="minor">
-            <a:schemeClr val="lt1"/>
-          </a:fontRef>
-        </p:style>
-        <p:txBody>
-          <a:bodyPr rtlCol="0" anchor="ctr"/>
-          <a:lstStyle/>
-          <a:p>
-            <a:pPr algn="ctr"/>
-            <a:r>
-              <a:rPr lang="en-US" dirty="0">
-                <a:solidFill>
-                  <a:schemeClr val="tx1"/>
-                </a:solidFill>
-              </a:rPr>
-              <a:t>RelatedPerson</a:t>
-            </a:r>
-            <a:endParaRPr lang="en-AU" dirty="0">
-              <a:solidFill>
-                <a:schemeClr val="tx1"/>
-              </a:solidFill>
-            </a:endParaRPr>
-          </a:p>
-        </p:txBody>
-      </p:sp>
-      <p:sp>
-        <p:nvSpPr>
-          <p:cNvPr id="28" name="Rounded Rectangle 6"/>
-          <p:cNvSpPr/>
-          <p:nvPr/>
-        </p:nvSpPr>
-        <p:spPr>
-          <a:xfrm>
-            <a:off x="4750420" y="2681420"/>
-            <a:ext cx="1694439" cy="728495"/>
-          </a:xfrm>
-          <a:prstGeom prst="roundRect">
-            <a:avLst/>
-          </a:prstGeom>
-          <a:solidFill>
-            <a:srgbClr val="CEE1F2"/>
-          </a:solidFill>
-          <a:ln cap="rnd">
-            <a:round/>
-          </a:ln>
-          <a:effectLst>
-            <a:outerShdw blurRad="50800" dist="38100" dir="2700000" algn="tl" rotWithShape="0">
-              <a:prstClr val="black">
-                <a:alpha val="40000"/>
-              </a:prstClr>
-            </a:outerShdw>
-          </a:effectLst>
-        </p:spPr>
-        <p:style>
-          <a:lnRef idx="2">
-            <a:schemeClr val="accent1">
-              <a:shade val="50000"/>
-            </a:schemeClr>
-          </a:lnRef>
-          <a:fillRef idx="1">
-            <a:schemeClr val="accent1"/>
-          </a:fillRef>
-          <a:effectRef idx="0">
-            <a:schemeClr val="accent1"/>
-          </a:effectRef>
-          <a:fontRef idx="minor">
-            <a:schemeClr val="lt1"/>
-          </a:fontRef>
-        </p:style>
-        <p:txBody>
-          <a:bodyPr rtlCol="0" anchor="ctr"/>
-          <a:lstStyle/>
-          <a:p>
-            <a:pPr algn="ctr"/>
-            <a:r>
-              <a:rPr lang="en-US" dirty="0">
-                <a:solidFill>
-                  <a:schemeClr val="tx1"/>
-                </a:solidFill>
-              </a:rPr>
-              <a:t>Account</a:t>
-            </a:r>
-          </a:p>
-        </p:txBody>
-      </p:sp>
-      <p:sp>
-        <p:nvSpPr>
-          <p:cNvPr id="30" name="Rounded Rectangle 6"/>
-          <p:cNvSpPr/>
-          <p:nvPr/>
-        </p:nvSpPr>
-        <p:spPr>
-          <a:xfrm>
-            <a:off x="7299192" y="3891929"/>
-            <a:ext cx="1694439" cy="728495"/>
-          </a:xfrm>
-          <a:prstGeom prst="roundRect">
-            <a:avLst/>
-          </a:prstGeom>
-          <a:solidFill>
-            <a:srgbClr val="DEEBF6"/>
-          </a:solidFill>
-          <a:ln cap="rnd">
-            <a:prstDash val="dashDot"/>
-            <a:round/>
-          </a:ln>
-          <a:effectLst>
-            <a:outerShdw blurRad="50800" dist="38100" dir="2700000" algn="tl" rotWithShape="0">
-              <a:prstClr val="black">
-                <a:alpha val="40000"/>
-              </a:prstClr>
-            </a:outerShdw>
-          </a:effectLst>
-        </p:spPr>
-        <p:style>
-          <a:lnRef idx="2">
-            <a:schemeClr val="accent1">
-              <a:shade val="50000"/>
-            </a:schemeClr>
-          </a:lnRef>
-          <a:fillRef idx="1">
-            <a:schemeClr val="accent1"/>
-          </a:fillRef>
-          <a:effectRef idx="0">
-            <a:schemeClr val="accent1"/>
-          </a:effectRef>
-          <a:fontRef idx="minor">
-            <a:schemeClr val="lt1"/>
-          </a:fontRef>
-        </p:style>
-        <p:txBody>
-          <a:bodyPr rtlCol="0" anchor="ctr"/>
-          <a:lstStyle/>
-          <a:p>
-            <a:pPr algn="ctr"/>
-            <a:r>
-              <a:rPr lang="en-US" dirty="0">
-                <a:solidFill>
-                  <a:schemeClr val="bg1">
-                    <a:lumMod val="65000"/>
-                  </a:schemeClr>
-                </a:solidFill>
-              </a:rPr>
-              <a:t>Claim</a:t>
-            </a:r>
-          </a:p>
-        </p:txBody>
-      </p:sp>
-      <p:cxnSp>
-        <p:nvCxnSpPr>
-          <p:cNvPr id="36" name="Elbow Connector 37"/>
-          <p:cNvCxnSpPr/>
-          <p:nvPr/>
-        </p:nvCxnSpPr>
-        <p:spPr>
-          <a:xfrm flipV="1">
-            <a:off x="3054979" y="1412373"/>
-            <a:ext cx="345463" cy="758098"/>
-          </a:xfrm>
-          <a:prstGeom prst="straightConnector1">
-            <a:avLst/>
-          </a:prstGeom>
-          <a:ln>
-            <a:tailEnd type="triangle"/>
-          </a:ln>
-        </p:spPr>
-        <p:style>
-          <a:lnRef idx="3">
-            <a:schemeClr val="dk1"/>
-          </a:lnRef>
-          <a:fillRef idx="0">
-            <a:schemeClr val="dk1"/>
-          </a:fillRef>
-          <a:effectRef idx="2">
-            <a:schemeClr val="dk1"/>
-          </a:effectRef>
-          <a:fontRef idx="minor">
-            <a:schemeClr val="tx1"/>
-          </a:fontRef>
-        </p:style>
-      </p:cxnSp>
-      <p:sp>
-        <p:nvSpPr>
-          <p:cNvPr id="16" name="Rounded Rectangle 6"/>
-          <p:cNvSpPr/>
-          <p:nvPr/>
-        </p:nvSpPr>
-        <p:spPr>
-          <a:xfrm>
-            <a:off x="1862961" y="2096024"/>
-            <a:ext cx="1694439" cy="728495"/>
-          </a:xfrm>
-          <a:prstGeom prst="roundRect">
-            <a:avLst/>
-          </a:prstGeom>
-          <a:solidFill>
-            <a:srgbClr val="CEE1F2"/>
-          </a:solidFill>
-          <a:ln cap="rnd">
-            <a:round/>
-          </a:ln>
-          <a:effectLst>
-            <a:outerShdw blurRad="50800" dist="38100" dir="2700000" algn="tl" rotWithShape="0">
-              <a:prstClr val="black">
-                <a:alpha val="40000"/>
-              </a:prstClr>
-            </a:outerShdw>
-          </a:effectLst>
-        </p:spPr>
-        <p:style>
-          <a:lnRef idx="2">
-            <a:schemeClr val="accent1">
-              <a:shade val="50000"/>
-            </a:schemeClr>
-          </a:lnRef>
-          <a:fillRef idx="1">
-            <a:schemeClr val="accent1"/>
-          </a:fillRef>
-          <a:effectRef idx="0">
-            <a:schemeClr val="accent1"/>
-          </a:effectRef>
-          <a:fontRef idx="minor">
-            <a:schemeClr val="lt1"/>
-          </a:fontRef>
-        </p:style>
-        <p:txBody>
-          <a:bodyPr rtlCol="0" anchor="ctr"/>
-          <a:lstStyle/>
-          <a:p>
-            <a:pPr algn="ctr"/>
-            <a:r>
-              <a:rPr lang="en-US" dirty="0">
-                <a:solidFill>
-                  <a:schemeClr val="tx1"/>
-                </a:solidFill>
-              </a:rPr>
-              <a:t>EpisodeOfCare</a:t>
-            </a:r>
-            <a:endParaRPr lang="en-AU" dirty="0">
-              <a:solidFill>
-                <a:schemeClr val="tx1"/>
-              </a:solidFill>
-            </a:endParaRPr>
-          </a:p>
-        </p:txBody>
-      </p:sp>
-      <p:sp>
-        <p:nvSpPr>
-          <p:cNvPr id="61" name="TextBox 60"/>
-          <p:cNvSpPr txBox="1"/>
-          <p:nvPr/>
-        </p:nvSpPr>
-        <p:spPr>
-          <a:xfrm>
-            <a:off x="7008228" y="2202608"/>
-            <a:ext cx="651717" cy="338554"/>
-          </a:xfrm>
-          <a:prstGeom prst="rect">
-            <a:avLst/>
-          </a:prstGeom>
-          <a:noFill/>
-        </p:spPr>
-        <p:txBody>
-          <a:bodyPr wrap="none" rtlCol="0">
-            <a:spAutoFit/>
-          </a:bodyPr>
-          <a:lstStyle/>
-          <a:p>
-            <a:r>
-              <a:rPr lang="en-US" sz="1600" dirty="0"/>
-              <a:t>Payor</a:t>
-            </a:r>
-          </a:p>
-        </p:txBody>
-      </p:sp>
-      <p:sp>
-        <p:nvSpPr>
-          <p:cNvPr id="62" name="TextBox 61"/>
-          <p:cNvSpPr txBox="1"/>
-          <p:nvPr/>
-        </p:nvSpPr>
-        <p:spPr>
-          <a:xfrm>
-            <a:off x="8256920" y="2202608"/>
-            <a:ext cx="1060483" cy="338554"/>
-          </a:xfrm>
-          <a:prstGeom prst="rect">
-            <a:avLst/>
-          </a:prstGeom>
-          <a:noFill/>
-        </p:spPr>
-        <p:txBody>
-          <a:bodyPr wrap="none" rtlCol="0">
-            <a:spAutoFit/>
-          </a:bodyPr>
-          <a:lstStyle/>
-          <a:p>
-            <a:r>
-              <a:rPr lang="en-US" sz="1600" dirty="0"/>
-              <a:t>Subscriber</a:t>
-            </a:r>
-          </a:p>
-        </p:txBody>
-      </p:sp>
-      <p:cxnSp>
-        <p:nvCxnSpPr>
-          <p:cNvPr id="75" name="Elbow Connector 37"/>
-          <p:cNvCxnSpPr/>
-          <p:nvPr/>
-        </p:nvCxnSpPr>
-        <p:spPr>
-          <a:xfrm flipV="1">
-            <a:off x="3847956" y="1465963"/>
-            <a:ext cx="55244" cy="2255826"/>
-          </a:xfrm>
-          <a:prstGeom prst="straightConnector1">
-            <a:avLst/>
-          </a:prstGeom>
-          <a:ln>
-            <a:tailEnd type="triangle"/>
-          </a:ln>
-        </p:spPr>
-        <p:style>
-          <a:lnRef idx="3">
-            <a:schemeClr val="dk1"/>
-          </a:lnRef>
-          <a:fillRef idx="0">
-            <a:schemeClr val="dk1"/>
-          </a:fillRef>
-          <a:effectRef idx="2">
-            <a:schemeClr val="dk1"/>
-          </a:effectRef>
-          <a:fontRef idx="minor">
-            <a:schemeClr val="tx1"/>
-          </a:fontRef>
-        </p:style>
-      </p:cxnSp>
-      <p:cxnSp>
-        <p:nvCxnSpPr>
-          <p:cNvPr id="77" name="Elbow Connector 37"/>
-          <p:cNvCxnSpPr/>
-          <p:nvPr/>
-        </p:nvCxnSpPr>
-        <p:spPr>
-          <a:xfrm flipH="1" flipV="1">
-            <a:off x="6600858" y="3033596"/>
-            <a:ext cx="805585" cy="5777"/>
-          </a:xfrm>
-          <a:prstGeom prst="straightConnector1">
-            <a:avLst/>
-          </a:prstGeom>
-          <a:ln>
-            <a:tailEnd type="triangle"/>
-          </a:ln>
-        </p:spPr>
-        <p:style>
-          <a:lnRef idx="3">
-            <a:schemeClr val="dk1"/>
-          </a:lnRef>
-          <a:fillRef idx="0">
-            <a:schemeClr val="dk1"/>
-          </a:fillRef>
-          <a:effectRef idx="2">
-            <a:schemeClr val="dk1"/>
-          </a:effectRef>
-          <a:fontRef idx="minor">
-            <a:schemeClr val="tx1"/>
-          </a:fontRef>
-        </p:style>
-      </p:cxnSp>
-      <p:sp>
-        <p:nvSpPr>
-          <p:cNvPr id="31" name="Rounded Rectangle 6"/>
-          <p:cNvSpPr/>
-          <p:nvPr/>
-        </p:nvSpPr>
-        <p:spPr>
-          <a:xfrm>
-            <a:off x="7219438" y="2663374"/>
-            <a:ext cx="1694439" cy="728495"/>
-          </a:xfrm>
-          <a:prstGeom prst="roundRect">
-            <a:avLst/>
-          </a:prstGeom>
-          <a:solidFill>
-            <a:srgbClr val="DEEBF6"/>
-          </a:solidFill>
-          <a:ln cap="rnd">
-            <a:prstDash val="dashDot"/>
-            <a:round/>
-          </a:ln>
-          <a:effectLst>
-            <a:outerShdw blurRad="50800" dist="38100" dir="2700000" algn="tl" rotWithShape="0">
-              <a:prstClr val="black">
-                <a:alpha val="40000"/>
-              </a:prstClr>
-            </a:outerShdw>
-          </a:effectLst>
-        </p:spPr>
-        <p:style>
-          <a:lnRef idx="2">
-            <a:schemeClr val="accent1">
-              <a:shade val="50000"/>
-            </a:schemeClr>
-          </a:lnRef>
-          <a:fillRef idx="1">
-            <a:schemeClr val="accent1"/>
-          </a:fillRef>
-          <a:effectRef idx="0">
-            <a:schemeClr val="accent1"/>
-          </a:effectRef>
-          <a:fontRef idx="minor">
-            <a:schemeClr val="lt1"/>
-          </a:fontRef>
-        </p:style>
-        <p:txBody>
-          <a:bodyPr rtlCol="0" anchor="ctr"/>
-          <a:lstStyle/>
-          <a:p>
-            <a:pPr algn="ctr"/>
-            <a:r>
-              <a:rPr lang="en-US" dirty="0">
-                <a:solidFill>
-                  <a:schemeClr val="bg1">
-                    <a:lumMod val="65000"/>
-                  </a:schemeClr>
-                </a:solidFill>
-              </a:rPr>
-              <a:t>Coverage</a:t>
-            </a:r>
-          </a:p>
-        </p:txBody>
-      </p:sp>
-      <p:sp>
-        <p:nvSpPr>
-          <p:cNvPr id="29" name="Rounded Rectangle 6"/>
-          <p:cNvSpPr/>
-          <p:nvPr/>
-        </p:nvSpPr>
-        <p:spPr>
-          <a:xfrm>
-            <a:off x="2412360" y="3520884"/>
-            <a:ext cx="1694439" cy="728495"/>
-          </a:xfrm>
-          <a:prstGeom prst="roundRect">
-            <a:avLst/>
-          </a:prstGeom>
-          <a:solidFill>
-            <a:srgbClr val="CEE1F2"/>
-          </a:solidFill>
-          <a:ln cap="rnd">
-            <a:round/>
-          </a:ln>
-          <a:effectLst>
-            <a:outerShdw blurRad="50800" dist="38100" dir="2700000" algn="tl" rotWithShape="0">
-              <a:prstClr val="black">
-                <a:alpha val="40000"/>
-              </a:prstClr>
-            </a:outerShdw>
-          </a:effectLst>
-        </p:spPr>
-        <p:style>
-          <a:lnRef idx="2">
-            <a:schemeClr val="accent1">
-              <a:shade val="50000"/>
-            </a:schemeClr>
-          </a:lnRef>
-          <a:fillRef idx="1">
-            <a:schemeClr val="accent1"/>
-          </a:fillRef>
-          <a:effectRef idx="0">
-            <a:schemeClr val="accent1"/>
-          </a:effectRef>
-          <a:fontRef idx="minor">
-            <a:schemeClr val="lt1"/>
-          </a:fontRef>
-        </p:style>
-        <p:txBody>
-          <a:bodyPr rtlCol="0" anchor="ctr"/>
-          <a:lstStyle/>
-          <a:p>
-            <a:pPr algn="ctr"/>
-            <a:r>
-              <a:rPr lang="en-US" dirty="0">
-                <a:solidFill>
-                  <a:schemeClr val="tx1"/>
-                </a:solidFill>
-              </a:rPr>
-              <a:t>Encounter</a:t>
-            </a:r>
-            <a:endParaRPr lang="en-AU" dirty="0">
-              <a:solidFill>
-                <a:schemeClr val="tx1"/>
-              </a:solidFill>
-            </a:endParaRPr>
-          </a:p>
-        </p:txBody>
-      </p:sp>
-      <p:cxnSp>
-        <p:nvCxnSpPr>
-          <p:cNvPr id="34" name="Elbow Connector 37"/>
-          <p:cNvCxnSpPr>
-            <a:cxnSpLocks/>
-          </p:cNvCxnSpPr>
-          <p:nvPr/>
-        </p:nvCxnSpPr>
-        <p:spPr>
-          <a:xfrm flipH="1" flipV="1">
-            <a:off x="3723646" y="2824519"/>
-            <a:ext cx="1096960" cy="1137988"/>
-          </a:xfrm>
-          <a:prstGeom prst="straightConnector1">
-            <a:avLst/>
-          </a:prstGeom>
-          <a:ln>
-            <a:tailEnd type="triangle"/>
-          </a:ln>
-        </p:spPr>
-        <p:style>
-          <a:lnRef idx="3">
-            <a:schemeClr val="dk1"/>
-          </a:lnRef>
-          <a:fillRef idx="0">
-            <a:schemeClr val="dk1"/>
-          </a:fillRef>
-          <a:effectRef idx="2">
-            <a:schemeClr val="dk1"/>
-          </a:effectRef>
-          <a:fontRef idx="minor">
-            <a:schemeClr val="tx1"/>
-          </a:fontRef>
-        </p:style>
-      </p:cxnSp>
-      <p:cxnSp>
-        <p:nvCxnSpPr>
-          <p:cNvPr id="35" name="Elbow Connector 37"/>
-          <p:cNvCxnSpPr>
-            <a:cxnSpLocks/>
-            <a:stCxn id="24" idx="1"/>
-          </p:cNvCxnSpPr>
-          <p:nvPr/>
-        </p:nvCxnSpPr>
-        <p:spPr>
-          <a:xfrm flipH="1" flipV="1">
-            <a:off x="4300057" y="4102779"/>
-            <a:ext cx="450364" cy="165383"/>
-          </a:xfrm>
-          <a:prstGeom prst="straightConnector1">
-            <a:avLst/>
-          </a:prstGeom>
-          <a:ln>
-            <a:tailEnd type="triangle"/>
-          </a:ln>
-        </p:spPr>
-        <p:style>
-          <a:lnRef idx="3">
-            <a:schemeClr val="dk1"/>
-          </a:lnRef>
-          <a:fillRef idx="0">
-            <a:schemeClr val="dk1"/>
-          </a:fillRef>
-          <a:effectRef idx="2">
-            <a:schemeClr val="dk1"/>
-          </a:effectRef>
-          <a:fontRef idx="minor">
-            <a:schemeClr val="tx1"/>
-          </a:fontRef>
-        </p:style>
-      </p:cxnSp>
-      <p:cxnSp>
-        <p:nvCxnSpPr>
-          <p:cNvPr id="37" name="Elbow Connector 37"/>
-          <p:cNvCxnSpPr>
-            <a:cxnSpLocks/>
-            <a:stCxn id="24" idx="0"/>
-          </p:cNvCxnSpPr>
-          <p:nvPr/>
-        </p:nvCxnSpPr>
-        <p:spPr>
-          <a:xfrm flipH="1" flipV="1">
-            <a:off x="5595185" y="3619081"/>
-            <a:ext cx="11990" cy="284833"/>
-          </a:xfrm>
-          <a:prstGeom prst="straightConnector1">
-            <a:avLst/>
-          </a:prstGeom>
-          <a:ln>
-            <a:tailEnd type="triangle"/>
-          </a:ln>
-        </p:spPr>
-        <p:style>
-          <a:lnRef idx="3">
-            <a:schemeClr val="dk1"/>
-          </a:lnRef>
-          <a:fillRef idx="0">
-            <a:schemeClr val="dk1"/>
-          </a:fillRef>
-          <a:effectRef idx="2">
-            <a:schemeClr val="dk1"/>
-          </a:effectRef>
-          <a:fontRef idx="minor">
-            <a:schemeClr val="tx1"/>
-          </a:fontRef>
-        </p:style>
-      </p:cxnSp>
-      <p:sp>
-        <p:nvSpPr>
-          <p:cNvPr id="39" name="TextBox 38"/>
-          <p:cNvSpPr txBox="1"/>
-          <p:nvPr/>
-        </p:nvSpPr>
-        <p:spPr>
-          <a:xfrm>
-            <a:off x="6585385" y="4340021"/>
-            <a:ext cx="745717" cy="584775"/>
-          </a:xfrm>
-          <a:prstGeom prst="rect">
-            <a:avLst/>
-          </a:prstGeom>
-          <a:noFill/>
-        </p:spPr>
-        <p:txBody>
-          <a:bodyPr wrap="none" rtlCol="0">
-            <a:spAutoFit/>
-          </a:bodyPr>
-          <a:lstStyle/>
-          <a:p>
-            <a:r>
-              <a:rPr lang="en-US" sz="1600" dirty="0"/>
-              <a:t>Billing</a:t>
-            </a:r>
-          </a:p>
-          <a:p>
-            <a:r>
-              <a:rPr lang="en-US" sz="1600" dirty="0"/>
-              <a:t>Engine</a:t>
-            </a:r>
-          </a:p>
-        </p:txBody>
-      </p:sp>
-      <p:cxnSp>
-        <p:nvCxnSpPr>
-          <p:cNvPr id="40" name="Elbow Connector 37"/>
-          <p:cNvCxnSpPr>
-            <a:cxnSpLocks/>
-            <a:stCxn id="24" idx="2"/>
-          </p:cNvCxnSpPr>
-          <p:nvPr/>
-        </p:nvCxnSpPr>
-        <p:spPr>
-          <a:xfrm>
-            <a:off x="5607175" y="4632409"/>
-            <a:ext cx="130991" cy="756455"/>
-          </a:xfrm>
-          <a:prstGeom prst="straightConnector1">
-            <a:avLst/>
-          </a:prstGeom>
-          <a:ln>
-            <a:tailEnd type="triangle"/>
-          </a:ln>
-        </p:spPr>
-        <p:style>
-          <a:lnRef idx="3">
-            <a:schemeClr val="dk1"/>
-          </a:lnRef>
-          <a:fillRef idx="0">
-            <a:schemeClr val="dk1"/>
-          </a:fillRef>
-          <a:effectRef idx="2">
-            <a:schemeClr val="dk1"/>
-          </a:effectRef>
-          <a:fontRef idx="minor">
-            <a:schemeClr val="tx1"/>
-          </a:fontRef>
-        </p:style>
-      </p:cxnSp>
-      <p:sp>
-        <p:nvSpPr>
-          <p:cNvPr id="41" name="Rounded Rectangle 6"/>
-          <p:cNvSpPr/>
-          <p:nvPr/>
-        </p:nvSpPr>
-        <p:spPr>
-          <a:xfrm>
-            <a:off x="4984119" y="5476253"/>
-            <a:ext cx="1610949" cy="728495"/>
-          </a:xfrm>
-          <a:prstGeom prst="roundRect">
-            <a:avLst/>
-          </a:prstGeom>
-          <a:solidFill>
-            <a:srgbClr val="DEEBF6"/>
-          </a:solidFill>
-          <a:ln cap="rnd">
-            <a:prstDash val="dashDot"/>
-            <a:round/>
-          </a:ln>
-          <a:effectLst>
-            <a:outerShdw blurRad="50800" dist="38100" dir="2700000" algn="tl" rotWithShape="0">
-              <a:prstClr val="black">
-                <a:alpha val="40000"/>
-              </a:prstClr>
-            </a:outerShdw>
-          </a:effectLst>
-        </p:spPr>
-        <p:style>
-          <a:lnRef idx="2">
-            <a:schemeClr val="accent1">
-              <a:shade val="50000"/>
-            </a:schemeClr>
-          </a:lnRef>
-          <a:fillRef idx="1">
-            <a:schemeClr val="accent1"/>
-          </a:fillRef>
-          <a:effectRef idx="0">
-            <a:schemeClr val="accent1"/>
-          </a:effectRef>
-          <a:fontRef idx="minor">
-            <a:schemeClr val="lt1"/>
-          </a:fontRef>
-        </p:style>
-        <p:txBody>
-          <a:bodyPr rtlCol="0" anchor="ctr"/>
-          <a:lstStyle/>
-          <a:p>
-            <a:pPr algn="ctr"/>
-            <a:r>
-              <a:rPr lang="en-US" dirty="0">
-                <a:solidFill>
-                  <a:schemeClr val="bg1">
-                    <a:lumMod val="65000"/>
-                  </a:schemeClr>
-                </a:solidFill>
-              </a:rPr>
-              <a:t>Referral Request</a:t>
-            </a:r>
-            <a:endParaRPr lang="en-AU" dirty="0">
-              <a:solidFill>
-                <a:schemeClr val="bg1">
-                  <a:lumMod val="65000"/>
-                </a:schemeClr>
-              </a:solidFill>
-            </a:endParaRPr>
-          </a:p>
-        </p:txBody>
-      </p:sp>
-      <p:cxnSp>
-        <p:nvCxnSpPr>
-          <p:cNvPr id="45" name="Elbow Connector 37"/>
-          <p:cNvCxnSpPr>
-            <a:cxnSpLocks/>
-            <a:stCxn id="30" idx="2"/>
-          </p:cNvCxnSpPr>
-          <p:nvPr/>
-        </p:nvCxnSpPr>
-        <p:spPr>
-          <a:xfrm flipH="1">
-            <a:off x="6868895" y="4620424"/>
-            <a:ext cx="1277517" cy="768440"/>
-          </a:xfrm>
-          <a:prstGeom prst="straightConnector1">
-            <a:avLst/>
-          </a:prstGeom>
-          <a:ln>
-            <a:tailEnd type="triangle"/>
-          </a:ln>
-        </p:spPr>
-        <p:style>
-          <a:lnRef idx="3">
-            <a:schemeClr val="dk1"/>
-          </a:lnRef>
-          <a:fillRef idx="0">
-            <a:schemeClr val="dk1"/>
-          </a:fillRef>
-          <a:effectRef idx="2">
-            <a:schemeClr val="dk1"/>
-          </a:effectRef>
-          <a:fontRef idx="minor">
-            <a:schemeClr val="tx1"/>
-          </a:fontRef>
-        </p:style>
-      </p:cxnSp>
-      <p:sp>
-        <p:nvSpPr>
-          <p:cNvPr id="51" name="Rounded Rectangle 6"/>
-          <p:cNvSpPr/>
-          <p:nvPr/>
-        </p:nvSpPr>
-        <p:spPr>
-          <a:xfrm>
-            <a:off x="5136519" y="5628653"/>
-            <a:ext cx="1610949" cy="728495"/>
-          </a:xfrm>
-          <a:prstGeom prst="roundRect">
-            <a:avLst/>
-          </a:prstGeom>
-          <a:solidFill>
-            <a:srgbClr val="DEEBF6"/>
-          </a:solidFill>
-          <a:ln cap="rnd">
-            <a:prstDash val="dashDot"/>
-            <a:round/>
-          </a:ln>
-          <a:effectLst>
-            <a:outerShdw blurRad="50800" dist="38100" dir="2700000" algn="tl" rotWithShape="0">
-              <a:prstClr val="black">
-                <a:alpha val="40000"/>
-              </a:prstClr>
-            </a:outerShdw>
-          </a:effectLst>
-        </p:spPr>
-        <p:style>
-          <a:lnRef idx="2">
-            <a:schemeClr val="accent1">
-              <a:shade val="50000"/>
-            </a:schemeClr>
-          </a:lnRef>
-          <a:fillRef idx="1">
-            <a:schemeClr val="accent1"/>
-          </a:fillRef>
-          <a:effectRef idx="0">
-            <a:schemeClr val="accent1"/>
-          </a:effectRef>
-          <a:fontRef idx="minor">
-            <a:schemeClr val="lt1"/>
-          </a:fontRef>
-        </p:style>
-        <p:txBody>
-          <a:bodyPr rtlCol="0" anchor="ctr"/>
-          <a:lstStyle/>
-          <a:p>
-            <a:pPr algn="ctr"/>
-            <a:r>
-              <a:rPr lang="en-US" dirty="0">
-                <a:solidFill>
-                  <a:schemeClr val="bg1">
-                    <a:lumMod val="65000"/>
-                  </a:schemeClr>
-                </a:solidFill>
-              </a:rPr>
-              <a:t>Referral Request</a:t>
-            </a:r>
-            <a:endParaRPr lang="en-AU" dirty="0">
-              <a:solidFill>
-                <a:schemeClr val="bg1">
-                  <a:lumMod val="65000"/>
-                </a:schemeClr>
-              </a:solidFill>
-            </a:endParaRPr>
-          </a:p>
-        </p:txBody>
-      </p:sp>
-    </p:spTree>
-    <p:extLst>
-      <p:ext uri="{BB962C8B-B14F-4D97-AF65-F5344CB8AC3E}">
-        <p14:creationId xmlns:p14="http://schemas.microsoft.com/office/powerpoint/2010/main" val="2069018942"/>
-      </p:ext>
-    </p:extLst>
-  </p:cSld>
-  <p:clrMapOvr>
-    <a:masterClrMapping/>
-  </p:clrMapOvr>
-</p:sld>
-</file>
-
 <file path=ppt/slides/slide7.xml><?xml version="1.0" encoding="utf-8"?>
 <p:sld xmlns:a="http://schemas.openxmlformats.org/drawingml/2006/main" xmlns:r="http://schemas.openxmlformats.org/officeDocument/2006/relationships" xmlns:p="http://schemas.openxmlformats.org/presentationml/2006/main" show="0">
   <p:cSld>
@@ -13514,8 +14043,8 @@
         </p:nvCxnSpPr>
         <p:spPr>
           <a:xfrm>
-            <a:off x="4435806" y="2633039"/>
-            <a:ext cx="526632" cy="160770"/>
+            <a:off x="3400442" y="2543188"/>
+            <a:ext cx="1193979" cy="284832"/>
           </a:xfrm>
           <a:prstGeom prst="straightConnector1">
             <a:avLst/>
@@ -13547,8 +14076,8 @@
         </p:nvCxnSpPr>
         <p:spPr>
           <a:xfrm flipH="1" flipV="1">
-            <a:off x="4409614" y="1450648"/>
-            <a:ext cx="918967" cy="1350687"/>
+            <a:off x="4444392" y="1412373"/>
+            <a:ext cx="539727" cy="1412146"/>
           </a:xfrm>
           <a:prstGeom prst="straightConnector1">
             <a:avLst/>
@@ -13580,7 +14109,7 @@
         </p:nvCxnSpPr>
         <p:spPr>
           <a:xfrm flipH="1" flipV="1">
-            <a:off x="8394707" y="1892899"/>
+            <a:off x="8050246" y="1916083"/>
             <a:ext cx="309802" cy="909912"/>
           </a:xfrm>
           <a:prstGeom prst="straightConnector1">
@@ -13613,140 +14142,8 @@
         </p:nvCxnSpPr>
         <p:spPr>
           <a:xfrm flipH="1" flipV="1">
-            <a:off x="6929846" y="3443640"/>
+            <a:off x="6585385" y="3466824"/>
             <a:ext cx="881830" cy="623201"/>
-          </a:xfrm>
-          <a:prstGeom prst="straightConnector1">
-            <a:avLst/>
-          </a:prstGeom>
-          <a:ln>
-            <a:tailEnd type="triangle"/>
-          </a:ln>
-        </p:spPr>
-        <p:style>
-          <a:lnRef idx="3">
-            <a:schemeClr val="dk1"/>
-          </a:lnRef>
-          <a:fillRef idx="0">
-            <a:schemeClr val="dk1"/>
-          </a:fillRef>
-          <a:effectRef idx="2">
-            <a:schemeClr val="dk1"/>
-          </a:effectRef>
-          <a:fontRef idx="minor">
-            <a:schemeClr val="tx1"/>
-          </a:fontRef>
-        </p:style>
-      </p:cxnSp>
-      <p:cxnSp>
-        <p:nvCxnSpPr>
-          <p:cNvPr id="9" name="Elbow Connector 37"/>
-          <p:cNvCxnSpPr/>
-          <p:nvPr/>
-        </p:nvCxnSpPr>
-        <p:spPr>
-          <a:xfrm flipH="1" flipV="1">
-            <a:off x="7944802" y="1892899"/>
-            <a:ext cx="269289" cy="909911"/>
-          </a:xfrm>
-          <a:prstGeom prst="straightConnector1">
-            <a:avLst/>
-          </a:prstGeom>
-          <a:ln>
-            <a:tailEnd type="triangle"/>
-          </a:ln>
-        </p:spPr>
-        <p:style>
-          <a:lnRef idx="3">
-            <a:schemeClr val="dk1"/>
-          </a:lnRef>
-          <a:fillRef idx="0">
-            <a:schemeClr val="dk1"/>
-          </a:fillRef>
-          <a:effectRef idx="2">
-            <a:schemeClr val="dk1"/>
-          </a:effectRef>
-          <a:fontRef idx="minor">
-            <a:schemeClr val="tx1"/>
-          </a:fontRef>
-        </p:style>
-      </p:cxnSp>
-      <p:cxnSp>
-        <p:nvCxnSpPr>
-          <p:cNvPr id="10" name="Elbow Connector 37"/>
-          <p:cNvCxnSpPr/>
-          <p:nvPr/>
-        </p:nvCxnSpPr>
-        <p:spPr>
-          <a:xfrm flipV="1">
-            <a:off x="3241379" y="3022484"/>
-            <a:ext cx="136928" cy="682129"/>
-          </a:xfrm>
-          <a:prstGeom prst="straightConnector1">
-            <a:avLst/>
-          </a:prstGeom>
-          <a:ln>
-            <a:tailEnd type="triangle"/>
-          </a:ln>
-        </p:spPr>
-        <p:style>
-          <a:lnRef idx="3">
-            <a:schemeClr val="dk1"/>
-          </a:lnRef>
-          <a:fillRef idx="0">
-            <a:schemeClr val="dk1"/>
-          </a:fillRef>
-          <a:effectRef idx="2">
-            <a:schemeClr val="dk1"/>
-          </a:effectRef>
-          <a:fontRef idx="minor">
-            <a:schemeClr val="tx1"/>
-          </a:fontRef>
-        </p:style>
-      </p:cxnSp>
-      <p:cxnSp>
-        <p:nvCxnSpPr>
-          <p:cNvPr id="11" name="Elbow Connector 37"/>
-          <p:cNvCxnSpPr/>
-          <p:nvPr/>
-        </p:nvCxnSpPr>
-        <p:spPr>
-          <a:xfrm flipV="1">
-            <a:off x="3654435" y="3273696"/>
-            <a:ext cx="1147519" cy="404527"/>
-          </a:xfrm>
-          <a:prstGeom prst="straightConnector1">
-            <a:avLst/>
-          </a:prstGeom>
-          <a:ln>
-            <a:tailEnd type="triangle"/>
-          </a:ln>
-        </p:spPr>
-        <p:style>
-          <a:lnRef idx="3">
-            <a:schemeClr val="dk1"/>
-          </a:lnRef>
-          <a:fillRef idx="0">
-            <a:schemeClr val="dk1"/>
-          </a:fillRef>
-          <a:effectRef idx="2">
-            <a:schemeClr val="dk1"/>
-          </a:effectRef>
-          <a:fontRef idx="minor">
-            <a:schemeClr val="tx1"/>
-          </a:fontRef>
-        </p:style>
-      </p:cxnSp>
-      <p:cxnSp>
-        <p:nvCxnSpPr>
-          <p:cNvPr id="12" name="Elbow Connector 37"/>
-          <p:cNvCxnSpPr/>
-          <p:nvPr/>
-        </p:nvCxnSpPr>
-        <p:spPr>
-          <a:xfrm flipH="1" flipV="1">
-            <a:off x="5942100" y="3536573"/>
-            <a:ext cx="9536" cy="531342"/>
           </a:xfrm>
           <a:prstGeom prst="straightConnector1">
             <a:avLst/>
@@ -13778,13 +14175,112 @@
       </p:cxnSp>
       <p:cxnSp>
         <p:nvCxnSpPr>
+          <p:cNvPr id="9" name="Elbow Connector 37"/>
+          <p:cNvCxnSpPr/>
+          <p:nvPr/>
+        </p:nvCxnSpPr>
+        <p:spPr>
+          <a:xfrm flipH="1" flipV="1">
+            <a:off x="7600341" y="1916083"/>
+            <a:ext cx="269289" cy="909911"/>
+          </a:xfrm>
+          <a:prstGeom prst="straightConnector1">
+            <a:avLst/>
+          </a:prstGeom>
+          <a:ln>
+            <a:tailEnd type="triangle"/>
+          </a:ln>
+        </p:spPr>
+        <p:style>
+          <a:lnRef idx="3">
+            <a:schemeClr val="dk1"/>
+          </a:lnRef>
+          <a:fillRef idx="0">
+            <a:schemeClr val="dk1"/>
+          </a:fillRef>
+          <a:effectRef idx="2">
+            <a:schemeClr val="dk1"/>
+          </a:effectRef>
+          <a:fontRef idx="minor">
+            <a:schemeClr val="tx1"/>
+          </a:fontRef>
+        </p:style>
+      </p:cxnSp>
+      <p:cxnSp>
+        <p:nvCxnSpPr>
+          <p:cNvPr id="10" name="Elbow Connector 37"/>
+          <p:cNvCxnSpPr/>
+          <p:nvPr/>
+        </p:nvCxnSpPr>
+        <p:spPr>
+          <a:xfrm flipH="1" flipV="1">
+            <a:off x="3021024" y="3027622"/>
+            <a:ext cx="183310" cy="694167"/>
+          </a:xfrm>
+          <a:prstGeom prst="straightConnector1">
+            <a:avLst/>
+          </a:prstGeom>
+          <a:ln>
+            <a:tailEnd type="triangle"/>
+          </a:ln>
+        </p:spPr>
+        <p:style>
+          <a:lnRef idx="3">
+            <a:schemeClr val="dk1"/>
+          </a:lnRef>
+          <a:fillRef idx="0">
+            <a:schemeClr val="dk1"/>
+          </a:fillRef>
+          <a:effectRef idx="2">
+            <a:schemeClr val="dk1"/>
+          </a:effectRef>
+          <a:fontRef idx="minor">
+            <a:schemeClr val="tx1"/>
+          </a:fontRef>
+        </p:style>
+      </p:cxnSp>
+      <p:cxnSp>
+        <p:nvCxnSpPr>
+          <p:cNvPr id="11" name="Elbow Connector 37"/>
+          <p:cNvCxnSpPr/>
+          <p:nvPr/>
+        </p:nvCxnSpPr>
+        <p:spPr>
+          <a:xfrm flipV="1">
+            <a:off x="4015958" y="3280166"/>
+            <a:ext cx="578463" cy="441623"/>
+          </a:xfrm>
+          <a:prstGeom prst="straightConnector1">
+            <a:avLst/>
+          </a:prstGeom>
+          <a:ln>
+            <a:tailEnd type="triangle"/>
+          </a:ln>
+        </p:spPr>
+        <p:style>
+          <a:lnRef idx="3">
+            <a:schemeClr val="dk1"/>
+          </a:lnRef>
+          <a:fillRef idx="0">
+            <a:schemeClr val="dk1"/>
+          </a:fillRef>
+          <a:effectRef idx="2">
+            <a:schemeClr val="dk1"/>
+          </a:effectRef>
+          <a:fontRef idx="minor">
+            <a:schemeClr val="tx1"/>
+          </a:fontRef>
+        </p:style>
+      </p:cxnSp>
+      <p:cxnSp>
+        <p:nvCxnSpPr>
           <p:cNvPr id="13" name="Elbow Connector 37"/>
           <p:cNvCxnSpPr/>
           <p:nvPr/>
         </p:nvCxnSpPr>
         <p:spPr>
           <a:xfrm flipV="1">
-            <a:off x="8490872" y="3550102"/>
+            <a:off x="8146411" y="3573286"/>
             <a:ext cx="0" cy="516739"/>
           </a:xfrm>
           <a:prstGeom prst="straightConnector1">
@@ -13877,13 +14373,15 @@
       <p:cxnSp>
         <p:nvCxnSpPr>
           <p:cNvPr id="23" name="Elbow Connector 37"/>
-          <p:cNvCxnSpPr/>
+          <p:cNvCxnSpPr>
+            <a:cxnSpLocks/>
+          </p:cNvCxnSpPr>
           <p:nvPr/>
         </p:nvCxnSpPr>
         <p:spPr>
           <a:xfrm>
-            <a:off x="6646487" y="4244977"/>
-            <a:ext cx="809828" cy="0"/>
+            <a:off x="6656877" y="4249379"/>
+            <a:ext cx="454977" cy="18782"/>
           </a:xfrm>
           <a:prstGeom prst="straightConnector1">
             <a:avLst/>
@@ -13921,59 +14419,8 @@
         </p:nvSpPr>
         <p:spPr>
           <a:xfrm>
-            <a:off x="5094882" y="3880730"/>
+            <a:off x="4750421" y="3903914"/>
             <a:ext cx="1713508" cy="728495"/>
-          </a:xfrm>
-          <a:prstGeom prst="roundRect">
-            <a:avLst/>
-          </a:prstGeom>
-          <a:solidFill>
-            <a:schemeClr val="accent5">
-              <a:lumMod val="60000"/>
-              <a:lumOff val="40000"/>
-            </a:schemeClr>
-          </a:solidFill>
-          <a:ln>
-            <a:noFill/>
-          </a:ln>
-        </p:spPr>
-        <p:style>
-          <a:lnRef idx="0">
-            <a:scrgbClr r="0" g="0" b="0"/>
-          </a:lnRef>
-          <a:fillRef idx="0">
-            <a:scrgbClr r="0" g="0" b="0"/>
-          </a:fillRef>
-          <a:effectRef idx="0">
-            <a:scrgbClr r="0" g="0" b="0"/>
-          </a:effectRef>
-          <a:fontRef idx="minor">
-            <a:schemeClr val="lt1"/>
-          </a:fontRef>
-        </p:style>
-        <p:txBody>
-          <a:bodyPr rtlCol="0" anchor="ctr"/>
-          <a:lstStyle/>
-          <a:p>
-            <a:pPr algn="ctr"/>
-            <a:r>
-              <a:rPr lang="en-US" sz="1600" dirty="0"/>
-              <a:t>* Billable Item</a:t>
-            </a:r>
-            <a:endParaRPr lang="en-AU" sz="1600" dirty="0"/>
-          </a:p>
-        </p:txBody>
-      </p:sp>
-      <p:sp>
-        <p:nvSpPr>
-          <p:cNvPr id="26" name="Rounded Rectangle 5"/>
-          <p:cNvSpPr/>
-          <p:nvPr/>
-        </p:nvSpPr>
-        <p:spPr>
-          <a:xfrm>
-            <a:off x="3055981" y="514395"/>
-            <a:ext cx="1694439" cy="728495"/>
           </a:xfrm>
           <a:prstGeom prst="roundRect">
             <a:avLst/>
@@ -14019,7 +14466,7 @@
                   <a:schemeClr val="tx1"/>
                 </a:solidFill>
               </a:rPr>
-              <a:t>Patient</a:t>
+              <a:t>Charge Item</a:t>
             </a:r>
             <a:endParaRPr lang="en-AU" dirty="0">
               <a:solidFill>
@@ -14031,13 +14478,13 @@
       </p:sp>
       <p:sp>
         <p:nvSpPr>
-          <p:cNvPr id="27" name="Rounded Rectangle 5"/>
+          <p:cNvPr id="26" name="Rounded Rectangle 5"/>
           <p:cNvSpPr/>
           <p:nvPr/>
         </p:nvSpPr>
         <p:spPr>
           <a:xfrm>
-            <a:off x="4962438" y="506042"/>
+            <a:off x="3055981" y="514395"/>
             <a:ext cx="1694439" cy="728495"/>
           </a:xfrm>
           <a:prstGeom prst="roundRect">
@@ -14084,7 +14531,7 @@
                   <a:schemeClr val="tx1"/>
                 </a:solidFill>
               </a:rPr>
-              <a:t>RelatedPerson</a:t>
+              <a:t>Patient</a:t>
             </a:r>
             <a:endParaRPr lang="en-AU" dirty="0">
               <a:solidFill>
@@ -14096,13 +14543,13 @@
       </p:sp>
       <p:sp>
         <p:nvSpPr>
-          <p:cNvPr id="28" name="Rounded Rectangle 6"/>
+          <p:cNvPr id="27" name="Rounded Rectangle 5"/>
           <p:cNvSpPr/>
           <p:nvPr/>
         </p:nvSpPr>
         <p:spPr>
           <a:xfrm>
-            <a:off x="5094881" y="2658236"/>
+            <a:off x="4962438" y="506042"/>
             <a:ext cx="1694439" cy="728495"/>
           </a:xfrm>
           <a:prstGeom prst="roundRect">
@@ -14149,20 +14596,25 @@
                   <a:schemeClr val="tx1"/>
                 </a:solidFill>
               </a:rPr>
-              <a:t>Account</a:t>
-            </a:r>
-          </a:p>
-        </p:txBody>
-      </p:sp>
-      <p:sp>
-        <p:nvSpPr>
-          <p:cNvPr id="30" name="Rounded Rectangle 6"/>
+              <a:t>RelatedPerson</a:t>
+            </a:r>
+            <a:endParaRPr lang="en-AU" dirty="0">
+              <a:solidFill>
+                <a:schemeClr val="tx1"/>
+              </a:solidFill>
+            </a:endParaRPr>
+          </a:p>
+        </p:txBody>
+      </p:sp>
+      <p:sp>
+        <p:nvSpPr>
+          <p:cNvPr id="28" name="Rounded Rectangle 6"/>
           <p:cNvSpPr/>
           <p:nvPr/>
         </p:nvSpPr>
         <p:spPr>
           <a:xfrm>
-            <a:off x="7643653" y="3868745"/>
+            <a:off x="4750420" y="2681420"/>
             <a:ext cx="1694439" cy="728495"/>
           </a:xfrm>
           <a:prstGeom prst="roundRect">
@@ -14209,62 +14661,30 @@
                   <a:schemeClr val="tx1"/>
                 </a:solidFill>
               </a:rPr>
-              <a:t>Claim</a:t>
-            </a:r>
-          </a:p>
-        </p:txBody>
-      </p:sp>
-      <p:cxnSp>
-        <p:nvCxnSpPr>
-          <p:cNvPr id="36" name="Elbow Connector 37"/>
-          <p:cNvCxnSpPr/>
-          <p:nvPr/>
-        </p:nvCxnSpPr>
-        <p:spPr>
-          <a:xfrm flipV="1">
-            <a:off x="3735198" y="1403286"/>
-            <a:ext cx="112758" cy="944569"/>
-          </a:xfrm>
-          <a:prstGeom prst="straightConnector1">
-            <a:avLst/>
-          </a:prstGeom>
-          <a:ln>
-            <a:tailEnd type="triangle"/>
-          </a:ln>
-        </p:spPr>
-        <p:style>
-          <a:lnRef idx="3">
-            <a:schemeClr val="dk1"/>
-          </a:lnRef>
-          <a:fillRef idx="0">
-            <a:schemeClr val="dk1"/>
-          </a:fillRef>
-          <a:effectRef idx="2">
-            <a:schemeClr val="dk1"/>
-          </a:effectRef>
-          <a:fontRef idx="minor">
-            <a:schemeClr val="tx1"/>
-          </a:fontRef>
-        </p:style>
-      </p:cxnSp>
-      <p:sp>
-        <p:nvSpPr>
-          <p:cNvPr id="16" name="Rounded Rectangle 6"/>
+              <a:t>Account</a:t>
+            </a:r>
+          </a:p>
+        </p:txBody>
+      </p:sp>
+      <p:sp>
+        <p:nvSpPr>
+          <p:cNvPr id="30" name="Rounded Rectangle 6"/>
           <p:cNvSpPr/>
           <p:nvPr/>
         </p:nvSpPr>
         <p:spPr>
           <a:xfrm>
-            <a:off x="2898325" y="2185875"/>
+            <a:off x="7299192" y="3891929"/>
             <a:ext cx="1694439" cy="728495"/>
           </a:xfrm>
           <a:prstGeom prst="roundRect">
             <a:avLst/>
           </a:prstGeom>
           <a:solidFill>
-            <a:srgbClr val="CEE1F2"/>
+            <a:srgbClr val="DEEBF6"/>
           </a:solidFill>
           <a:ln cap="rnd">
+            <a:prstDash val="dashDot"/>
             <a:round/>
           </a:ln>
           <a:effectLst>
@@ -14299,87 +14719,26 @@
             <a:r>
               <a:rPr lang="en-US" dirty="0">
                 <a:solidFill>
-                  <a:schemeClr val="tx1"/>
+                  <a:schemeClr val="bg1">
+                    <a:lumMod val="65000"/>
+                  </a:schemeClr>
                 </a:solidFill>
               </a:rPr>
-              <a:t>EpisodeOfCare</a:t>
-            </a:r>
-            <a:endParaRPr lang="en-AU" dirty="0">
-              <a:solidFill>
-                <a:schemeClr val="tx1"/>
-              </a:solidFill>
-            </a:endParaRPr>
-          </a:p>
-        </p:txBody>
-      </p:sp>
-      <p:sp>
-        <p:nvSpPr>
-          <p:cNvPr id="61" name="TextBox 60"/>
-          <p:cNvSpPr txBox="1"/>
-          <p:nvPr/>
-        </p:nvSpPr>
-        <p:spPr>
-          <a:xfrm>
-            <a:off x="7352689" y="2179424"/>
-            <a:ext cx="651717" cy="338554"/>
-          </a:xfrm>
-          <a:prstGeom prst="rect">
-            <a:avLst/>
-          </a:prstGeom>
-          <a:noFill/>
-        </p:spPr>
-        <p:txBody>
-          <a:bodyPr wrap="none" rtlCol="0">
-            <a:spAutoFit/>
-          </a:bodyPr>
-          <a:lstStyle/>
-          <a:p>
-            <a:r>
-              <a:rPr lang="en-US" sz="1600" dirty="0"/>
-              <a:t>Payor</a:t>
-            </a:r>
-          </a:p>
-        </p:txBody>
-      </p:sp>
-      <p:sp>
-        <p:nvSpPr>
-          <p:cNvPr id="62" name="TextBox 61"/>
-          <p:cNvSpPr txBox="1"/>
-          <p:nvPr/>
-        </p:nvSpPr>
-        <p:spPr>
-          <a:xfrm>
-            <a:off x="8601381" y="2179424"/>
-            <a:ext cx="1060483" cy="338554"/>
-          </a:xfrm>
-          <a:prstGeom prst="rect">
-            <a:avLst/>
-          </a:prstGeom>
-          <a:noFill/>
-        </p:spPr>
-        <p:txBody>
-          <a:bodyPr wrap="none" rtlCol="0">
-            <a:spAutoFit/>
-          </a:bodyPr>
-          <a:lstStyle/>
-          <a:p>
-            <a:r>
-              <a:rPr lang="en-US" sz="1600" dirty="0"/>
-              <a:t>Subscriber</a:t>
+              <a:t>Claim</a:t>
             </a:r>
           </a:p>
         </p:txBody>
       </p:sp>
       <p:cxnSp>
         <p:nvCxnSpPr>
-          <p:cNvPr id="75" name="Elbow Connector 37"/>
+          <p:cNvPr id="36" name="Elbow Connector 37"/>
           <p:cNvCxnSpPr/>
           <p:nvPr/>
         </p:nvCxnSpPr>
         <p:spPr>
           <a:xfrm flipV="1">
-            <a:off x="2390503" y="1403286"/>
-            <a:ext cx="850876" cy="2040354"/>
+            <a:off x="3054979" y="1412373"/>
+            <a:ext cx="345463" cy="758098"/>
           </a:xfrm>
           <a:prstGeom prst="straightConnector1">
             <a:avLst/>
@@ -14403,48 +14762,15 @@
           </a:fontRef>
         </p:style>
       </p:cxnSp>
-      <p:cxnSp>
-        <p:nvCxnSpPr>
-          <p:cNvPr id="77" name="Elbow Connector 37"/>
-          <p:cNvCxnSpPr/>
-          <p:nvPr/>
-        </p:nvCxnSpPr>
-        <p:spPr>
-          <a:xfrm flipH="1" flipV="1">
-            <a:off x="6945319" y="3010412"/>
-            <a:ext cx="805585" cy="5777"/>
-          </a:xfrm>
-          <a:prstGeom prst="straightConnector1">
-            <a:avLst/>
-          </a:prstGeom>
-          <a:ln>
-            <a:tailEnd type="triangle"/>
-          </a:ln>
-        </p:spPr>
-        <p:style>
-          <a:lnRef idx="3">
-            <a:schemeClr val="dk1"/>
-          </a:lnRef>
-          <a:fillRef idx="0">
-            <a:schemeClr val="dk1"/>
-          </a:fillRef>
-          <a:effectRef idx="2">
-            <a:schemeClr val="dk1"/>
-          </a:effectRef>
-          <a:fontRef idx="minor">
-            <a:schemeClr val="tx1"/>
-          </a:fontRef>
-        </p:style>
-      </p:cxnSp>
-      <p:sp>
-        <p:nvSpPr>
-          <p:cNvPr id="31" name="Rounded Rectangle 6"/>
+      <p:sp>
+        <p:nvSpPr>
+          <p:cNvPr id="16" name="Rounded Rectangle 6"/>
           <p:cNvSpPr/>
           <p:nvPr/>
         </p:nvSpPr>
         <p:spPr>
           <a:xfrm>
-            <a:off x="7563899" y="2640190"/>
+            <a:off x="1862961" y="2096024"/>
             <a:ext cx="1694439" cy="728495"/>
           </a:xfrm>
           <a:prstGeom prst="roundRect">
@@ -14491,29 +14817,159 @@
                   <a:schemeClr val="tx1"/>
                 </a:solidFill>
               </a:rPr>
-              <a:t>Coverage</a:t>
-            </a:r>
-          </a:p>
-        </p:txBody>
-      </p:sp>
-      <p:sp>
-        <p:nvSpPr>
-          <p:cNvPr id="29" name="Rounded Rectangle 6"/>
+              <a:t>EpisodeOfCare</a:t>
+            </a:r>
+            <a:endParaRPr lang="en-AU" dirty="0">
+              <a:solidFill>
+                <a:schemeClr val="tx1"/>
+              </a:solidFill>
+            </a:endParaRPr>
+          </a:p>
+        </p:txBody>
+      </p:sp>
+      <p:sp>
+        <p:nvSpPr>
+          <p:cNvPr id="61" name="TextBox 60"/>
+          <p:cNvSpPr txBox="1"/>
+          <p:nvPr/>
+        </p:nvSpPr>
+        <p:spPr>
+          <a:xfrm>
+            <a:off x="7008228" y="2202608"/>
+            <a:ext cx="651717" cy="338554"/>
+          </a:xfrm>
+          <a:prstGeom prst="rect">
+            <a:avLst/>
+          </a:prstGeom>
+          <a:noFill/>
+        </p:spPr>
+        <p:txBody>
+          <a:bodyPr wrap="none" rtlCol="0">
+            <a:spAutoFit/>
+          </a:bodyPr>
+          <a:lstStyle/>
+          <a:p>
+            <a:r>
+              <a:rPr lang="en-US" sz="1600" dirty="0"/>
+              <a:t>Payor</a:t>
+            </a:r>
+          </a:p>
+        </p:txBody>
+      </p:sp>
+      <p:sp>
+        <p:nvSpPr>
+          <p:cNvPr id="62" name="TextBox 61"/>
+          <p:cNvSpPr txBox="1"/>
+          <p:nvPr/>
+        </p:nvSpPr>
+        <p:spPr>
+          <a:xfrm>
+            <a:off x="8256920" y="2202608"/>
+            <a:ext cx="1060483" cy="338554"/>
+          </a:xfrm>
+          <a:prstGeom prst="rect">
+            <a:avLst/>
+          </a:prstGeom>
+          <a:noFill/>
+        </p:spPr>
+        <p:txBody>
+          <a:bodyPr wrap="none" rtlCol="0">
+            <a:spAutoFit/>
+          </a:bodyPr>
+          <a:lstStyle/>
+          <a:p>
+            <a:r>
+              <a:rPr lang="en-US" sz="1600" dirty="0"/>
+              <a:t>Subscriber</a:t>
+            </a:r>
+          </a:p>
+        </p:txBody>
+      </p:sp>
+      <p:cxnSp>
+        <p:nvCxnSpPr>
+          <p:cNvPr id="75" name="Elbow Connector 37"/>
+          <p:cNvCxnSpPr/>
+          <p:nvPr/>
+        </p:nvCxnSpPr>
+        <p:spPr>
+          <a:xfrm flipV="1">
+            <a:off x="3847956" y="1465963"/>
+            <a:ext cx="55244" cy="2255826"/>
+          </a:xfrm>
+          <a:prstGeom prst="straightConnector1">
+            <a:avLst/>
+          </a:prstGeom>
+          <a:ln>
+            <a:tailEnd type="triangle"/>
+          </a:ln>
+        </p:spPr>
+        <p:style>
+          <a:lnRef idx="3">
+            <a:schemeClr val="dk1"/>
+          </a:lnRef>
+          <a:fillRef idx="0">
+            <a:schemeClr val="dk1"/>
+          </a:fillRef>
+          <a:effectRef idx="2">
+            <a:schemeClr val="dk1"/>
+          </a:effectRef>
+          <a:fontRef idx="minor">
+            <a:schemeClr val="tx1"/>
+          </a:fontRef>
+        </p:style>
+      </p:cxnSp>
+      <p:cxnSp>
+        <p:nvCxnSpPr>
+          <p:cNvPr id="77" name="Elbow Connector 37"/>
+          <p:cNvCxnSpPr/>
+          <p:nvPr/>
+        </p:nvCxnSpPr>
+        <p:spPr>
+          <a:xfrm flipH="1" flipV="1">
+            <a:off x="6600858" y="3033596"/>
+            <a:ext cx="805585" cy="5777"/>
+          </a:xfrm>
+          <a:prstGeom prst="straightConnector1">
+            <a:avLst/>
+          </a:prstGeom>
+          <a:ln>
+            <a:tailEnd type="triangle"/>
+          </a:ln>
+        </p:spPr>
+        <p:style>
+          <a:lnRef idx="3">
+            <a:schemeClr val="dk1"/>
+          </a:lnRef>
+          <a:fillRef idx="0">
+            <a:schemeClr val="dk1"/>
+          </a:fillRef>
+          <a:effectRef idx="2">
+            <a:schemeClr val="dk1"/>
+          </a:effectRef>
+          <a:fontRef idx="minor">
+            <a:schemeClr val="tx1"/>
+          </a:fontRef>
+        </p:style>
+      </p:cxnSp>
+      <p:sp>
+        <p:nvSpPr>
+          <p:cNvPr id="31" name="Rounded Rectangle 6"/>
           <p:cNvSpPr/>
           <p:nvPr/>
         </p:nvSpPr>
         <p:spPr>
           <a:xfrm>
-            <a:off x="2113491" y="3386731"/>
+            <a:off x="7219438" y="2663374"/>
             <a:ext cx="1694439" cy="728495"/>
           </a:xfrm>
           <a:prstGeom prst="roundRect">
             <a:avLst/>
           </a:prstGeom>
           <a:solidFill>
-            <a:srgbClr val="CEE1F2"/>
+            <a:srgbClr val="DEEBF6"/>
           </a:solidFill>
           <a:ln cap="rnd">
+            <a:prstDash val="dashDot"/>
             <a:round/>
           </a:ln>
           <a:effectLst>
@@ -14548,6 +15004,68 @@
             <a:r>
               <a:rPr lang="en-US" dirty="0">
                 <a:solidFill>
+                  <a:schemeClr val="bg1">
+                    <a:lumMod val="65000"/>
+                  </a:schemeClr>
+                </a:solidFill>
+              </a:rPr>
+              <a:t>Coverage</a:t>
+            </a:r>
+          </a:p>
+        </p:txBody>
+      </p:sp>
+      <p:sp>
+        <p:nvSpPr>
+          <p:cNvPr id="29" name="Rounded Rectangle 6"/>
+          <p:cNvSpPr/>
+          <p:nvPr/>
+        </p:nvSpPr>
+        <p:spPr>
+          <a:xfrm>
+            <a:off x="2412360" y="3520884"/>
+            <a:ext cx="1694439" cy="728495"/>
+          </a:xfrm>
+          <a:prstGeom prst="roundRect">
+            <a:avLst/>
+          </a:prstGeom>
+          <a:solidFill>
+            <a:srgbClr val="CEE1F2"/>
+          </a:solidFill>
+          <a:ln cap="rnd">
+            <a:round/>
+          </a:ln>
+          <a:effectLst>
+            <a:outerShdw blurRad="50800" dist="38100" dir="2700000" algn="tl" rotWithShape="0">
+              <a:prstClr val="black">
+                <a:alpha val="40000"/>
+              </a:prstClr>
+            </a:outerShdw>
+          </a:effectLst>
+        </p:spPr>
+        <p:style>
+          <a:lnRef idx="2">
+            <a:schemeClr val="accent1">
+              <a:shade val="50000"/>
+            </a:schemeClr>
+          </a:lnRef>
+          <a:fillRef idx="1">
+            <a:schemeClr val="accent1"/>
+          </a:fillRef>
+          <a:effectRef idx="0">
+            <a:schemeClr val="accent1"/>
+          </a:effectRef>
+          <a:fontRef idx="minor">
+            <a:schemeClr val="lt1"/>
+          </a:fontRef>
+        </p:style>
+        <p:txBody>
+          <a:bodyPr rtlCol="0" anchor="ctr"/>
+          <a:lstStyle/>
+          <a:p>
+            <a:pPr algn="ctr"/>
+            <a:r>
+              <a:rPr lang="en-US" dirty="0">
+                <a:solidFill>
                   <a:schemeClr val="tx1"/>
                 </a:solidFill>
               </a:rPr>
@@ -14561,10 +15079,364 @@
           </a:p>
         </p:txBody>
       </p:sp>
+      <p:cxnSp>
+        <p:nvCxnSpPr>
+          <p:cNvPr id="34" name="Elbow Connector 37"/>
+          <p:cNvCxnSpPr>
+            <a:cxnSpLocks/>
+          </p:cNvCxnSpPr>
+          <p:nvPr/>
+        </p:nvCxnSpPr>
+        <p:spPr>
+          <a:xfrm flipH="1" flipV="1">
+            <a:off x="3723646" y="2824519"/>
+            <a:ext cx="1096960" cy="1137988"/>
+          </a:xfrm>
+          <a:prstGeom prst="straightConnector1">
+            <a:avLst/>
+          </a:prstGeom>
+          <a:ln>
+            <a:tailEnd type="triangle"/>
+          </a:ln>
+        </p:spPr>
+        <p:style>
+          <a:lnRef idx="3">
+            <a:schemeClr val="dk1"/>
+          </a:lnRef>
+          <a:fillRef idx="0">
+            <a:schemeClr val="dk1"/>
+          </a:fillRef>
+          <a:effectRef idx="2">
+            <a:schemeClr val="dk1"/>
+          </a:effectRef>
+          <a:fontRef idx="minor">
+            <a:schemeClr val="tx1"/>
+          </a:fontRef>
+        </p:style>
+      </p:cxnSp>
+      <p:cxnSp>
+        <p:nvCxnSpPr>
+          <p:cNvPr id="35" name="Elbow Connector 37"/>
+          <p:cNvCxnSpPr>
+            <a:cxnSpLocks/>
+            <a:stCxn id="24" idx="1"/>
+          </p:cNvCxnSpPr>
+          <p:nvPr/>
+        </p:nvCxnSpPr>
+        <p:spPr>
+          <a:xfrm flipH="1" flipV="1">
+            <a:off x="4300057" y="4102779"/>
+            <a:ext cx="450364" cy="165383"/>
+          </a:xfrm>
+          <a:prstGeom prst="straightConnector1">
+            <a:avLst/>
+          </a:prstGeom>
+          <a:ln>
+            <a:tailEnd type="triangle"/>
+          </a:ln>
+        </p:spPr>
+        <p:style>
+          <a:lnRef idx="3">
+            <a:schemeClr val="dk1"/>
+          </a:lnRef>
+          <a:fillRef idx="0">
+            <a:schemeClr val="dk1"/>
+          </a:fillRef>
+          <a:effectRef idx="2">
+            <a:schemeClr val="dk1"/>
+          </a:effectRef>
+          <a:fontRef idx="minor">
+            <a:schemeClr val="tx1"/>
+          </a:fontRef>
+        </p:style>
+      </p:cxnSp>
+      <p:cxnSp>
+        <p:nvCxnSpPr>
+          <p:cNvPr id="37" name="Elbow Connector 37"/>
+          <p:cNvCxnSpPr>
+            <a:cxnSpLocks/>
+            <a:stCxn id="24" idx="0"/>
+          </p:cNvCxnSpPr>
+          <p:nvPr/>
+        </p:nvCxnSpPr>
+        <p:spPr>
+          <a:xfrm flipH="1" flipV="1">
+            <a:off x="5595185" y="3619081"/>
+            <a:ext cx="11990" cy="284833"/>
+          </a:xfrm>
+          <a:prstGeom prst="straightConnector1">
+            <a:avLst/>
+          </a:prstGeom>
+          <a:ln>
+            <a:tailEnd type="triangle"/>
+          </a:ln>
+        </p:spPr>
+        <p:style>
+          <a:lnRef idx="3">
+            <a:schemeClr val="dk1"/>
+          </a:lnRef>
+          <a:fillRef idx="0">
+            <a:schemeClr val="dk1"/>
+          </a:fillRef>
+          <a:effectRef idx="2">
+            <a:schemeClr val="dk1"/>
+          </a:effectRef>
+          <a:fontRef idx="minor">
+            <a:schemeClr val="tx1"/>
+          </a:fontRef>
+        </p:style>
+      </p:cxnSp>
+      <p:sp>
+        <p:nvSpPr>
+          <p:cNvPr id="39" name="TextBox 38"/>
+          <p:cNvSpPr txBox="1"/>
+          <p:nvPr/>
+        </p:nvSpPr>
+        <p:spPr>
+          <a:xfrm>
+            <a:off x="6585385" y="4340021"/>
+            <a:ext cx="745717" cy="584775"/>
+          </a:xfrm>
+          <a:prstGeom prst="rect">
+            <a:avLst/>
+          </a:prstGeom>
+          <a:noFill/>
+        </p:spPr>
+        <p:txBody>
+          <a:bodyPr wrap="none" rtlCol="0">
+            <a:spAutoFit/>
+          </a:bodyPr>
+          <a:lstStyle/>
+          <a:p>
+            <a:r>
+              <a:rPr lang="en-US" sz="1600" dirty="0"/>
+              <a:t>Billing</a:t>
+            </a:r>
+          </a:p>
+          <a:p>
+            <a:r>
+              <a:rPr lang="en-US" sz="1600" dirty="0"/>
+              <a:t>Engine</a:t>
+            </a:r>
+          </a:p>
+        </p:txBody>
+      </p:sp>
+      <p:cxnSp>
+        <p:nvCxnSpPr>
+          <p:cNvPr id="40" name="Elbow Connector 37"/>
+          <p:cNvCxnSpPr>
+            <a:cxnSpLocks/>
+            <a:stCxn id="24" idx="2"/>
+          </p:cNvCxnSpPr>
+          <p:nvPr/>
+        </p:nvCxnSpPr>
+        <p:spPr>
+          <a:xfrm>
+            <a:off x="5607175" y="4632409"/>
+            <a:ext cx="130991" cy="756455"/>
+          </a:xfrm>
+          <a:prstGeom prst="straightConnector1">
+            <a:avLst/>
+          </a:prstGeom>
+          <a:ln>
+            <a:tailEnd type="triangle"/>
+          </a:ln>
+        </p:spPr>
+        <p:style>
+          <a:lnRef idx="3">
+            <a:schemeClr val="dk1"/>
+          </a:lnRef>
+          <a:fillRef idx="0">
+            <a:schemeClr val="dk1"/>
+          </a:fillRef>
+          <a:effectRef idx="2">
+            <a:schemeClr val="dk1"/>
+          </a:effectRef>
+          <a:fontRef idx="minor">
+            <a:schemeClr val="tx1"/>
+          </a:fontRef>
+        </p:style>
+      </p:cxnSp>
+      <p:sp>
+        <p:nvSpPr>
+          <p:cNvPr id="41" name="Rounded Rectangle 6"/>
+          <p:cNvSpPr/>
+          <p:nvPr/>
+        </p:nvSpPr>
+        <p:spPr>
+          <a:xfrm>
+            <a:off x="4984119" y="5476253"/>
+            <a:ext cx="1610949" cy="728495"/>
+          </a:xfrm>
+          <a:prstGeom prst="roundRect">
+            <a:avLst/>
+          </a:prstGeom>
+          <a:solidFill>
+            <a:srgbClr val="DEEBF6"/>
+          </a:solidFill>
+          <a:ln cap="rnd">
+            <a:prstDash val="dashDot"/>
+            <a:round/>
+          </a:ln>
+          <a:effectLst>
+            <a:outerShdw blurRad="50800" dist="38100" dir="2700000" algn="tl" rotWithShape="0">
+              <a:prstClr val="black">
+                <a:alpha val="40000"/>
+              </a:prstClr>
+            </a:outerShdw>
+          </a:effectLst>
+        </p:spPr>
+        <p:style>
+          <a:lnRef idx="2">
+            <a:schemeClr val="accent1">
+              <a:shade val="50000"/>
+            </a:schemeClr>
+          </a:lnRef>
+          <a:fillRef idx="1">
+            <a:schemeClr val="accent1"/>
+          </a:fillRef>
+          <a:effectRef idx="0">
+            <a:schemeClr val="accent1"/>
+          </a:effectRef>
+          <a:fontRef idx="minor">
+            <a:schemeClr val="lt1"/>
+          </a:fontRef>
+        </p:style>
+        <p:txBody>
+          <a:bodyPr rtlCol="0" anchor="ctr"/>
+          <a:lstStyle/>
+          <a:p>
+            <a:pPr algn="ctr"/>
+            <a:r>
+              <a:rPr lang="en-US" dirty="0">
+                <a:solidFill>
+                  <a:schemeClr val="bg1">
+                    <a:lumMod val="65000"/>
+                  </a:schemeClr>
+                </a:solidFill>
+              </a:rPr>
+              <a:t>Referral Request</a:t>
+            </a:r>
+            <a:endParaRPr lang="en-AU" dirty="0">
+              <a:solidFill>
+                <a:schemeClr val="bg1">
+                  <a:lumMod val="65000"/>
+                </a:schemeClr>
+              </a:solidFill>
+            </a:endParaRPr>
+          </a:p>
+        </p:txBody>
+      </p:sp>
+      <p:cxnSp>
+        <p:nvCxnSpPr>
+          <p:cNvPr id="45" name="Elbow Connector 37"/>
+          <p:cNvCxnSpPr>
+            <a:cxnSpLocks/>
+            <a:stCxn id="30" idx="2"/>
+          </p:cNvCxnSpPr>
+          <p:nvPr/>
+        </p:nvCxnSpPr>
+        <p:spPr>
+          <a:xfrm flipH="1">
+            <a:off x="6868895" y="4620424"/>
+            <a:ext cx="1277517" cy="768440"/>
+          </a:xfrm>
+          <a:prstGeom prst="straightConnector1">
+            <a:avLst/>
+          </a:prstGeom>
+          <a:ln>
+            <a:tailEnd type="triangle"/>
+          </a:ln>
+        </p:spPr>
+        <p:style>
+          <a:lnRef idx="3">
+            <a:schemeClr val="dk1"/>
+          </a:lnRef>
+          <a:fillRef idx="0">
+            <a:schemeClr val="dk1"/>
+          </a:fillRef>
+          <a:effectRef idx="2">
+            <a:schemeClr val="dk1"/>
+          </a:effectRef>
+          <a:fontRef idx="minor">
+            <a:schemeClr val="tx1"/>
+          </a:fontRef>
+        </p:style>
+      </p:cxnSp>
+      <p:sp>
+        <p:nvSpPr>
+          <p:cNvPr id="51" name="Rounded Rectangle 6"/>
+          <p:cNvSpPr/>
+          <p:nvPr/>
+        </p:nvSpPr>
+        <p:spPr>
+          <a:xfrm>
+            <a:off x="5136519" y="5628653"/>
+            <a:ext cx="1610949" cy="728495"/>
+          </a:xfrm>
+          <a:prstGeom prst="roundRect">
+            <a:avLst/>
+          </a:prstGeom>
+          <a:solidFill>
+            <a:srgbClr val="DEEBF6"/>
+          </a:solidFill>
+          <a:ln cap="rnd">
+            <a:prstDash val="dashDot"/>
+            <a:round/>
+          </a:ln>
+          <a:effectLst>
+            <a:outerShdw blurRad="50800" dist="38100" dir="2700000" algn="tl" rotWithShape="0">
+              <a:prstClr val="black">
+                <a:alpha val="40000"/>
+              </a:prstClr>
+            </a:outerShdw>
+          </a:effectLst>
+        </p:spPr>
+        <p:style>
+          <a:lnRef idx="2">
+            <a:schemeClr val="accent1">
+              <a:shade val="50000"/>
+            </a:schemeClr>
+          </a:lnRef>
+          <a:fillRef idx="1">
+            <a:schemeClr val="accent1"/>
+          </a:fillRef>
+          <a:effectRef idx="0">
+            <a:schemeClr val="accent1"/>
+          </a:effectRef>
+          <a:fontRef idx="minor">
+            <a:schemeClr val="lt1"/>
+          </a:fontRef>
+        </p:style>
+        <p:txBody>
+          <a:bodyPr rtlCol="0" anchor="ctr"/>
+          <a:lstStyle/>
+          <a:p>
+            <a:pPr algn="ctr"/>
+            <a:r>
+              <a:rPr lang="en-US" dirty="0">
+                <a:solidFill>
+                  <a:schemeClr val="bg1">
+                    <a:lumMod val="65000"/>
+                  </a:schemeClr>
+                </a:solidFill>
+              </a:rPr>
+              <a:t>Referral Request</a:t>
+            </a:r>
+            <a:endParaRPr lang="en-AU" dirty="0">
+              <a:solidFill>
+                <a:schemeClr val="bg1">
+                  <a:lumMod val="65000"/>
+                </a:schemeClr>
+              </a:solidFill>
+            </a:endParaRPr>
+          </a:p>
+        </p:txBody>
+      </p:sp>
     </p:spTree>
     <p:extLst>
       <p:ext uri="{BB962C8B-B14F-4D97-AF65-F5344CB8AC3E}">
-        <p14:creationId xmlns:p14="http://schemas.microsoft.com/office/powerpoint/2010/main" val="1484959961"/>
+        <p14:creationId xmlns:p14="http://schemas.microsoft.com/office/powerpoint/2010/main" val="2069018942"/>
       </p:ext>
     </p:extLst>
   </p:cSld>
@@ -14575,7 +15447,7 @@
 </file>
 
 <file path=ppt/slides/slide8.xml><?xml version="1.0" encoding="utf-8"?>
-<p:sld xmlns:a="http://schemas.openxmlformats.org/drawingml/2006/main" xmlns:r="http://schemas.openxmlformats.org/officeDocument/2006/relationships" xmlns:p="http://schemas.openxmlformats.org/presentationml/2006/main">
+<p:sld xmlns:a="http://schemas.openxmlformats.org/drawingml/2006/main" xmlns:r="http://schemas.openxmlformats.org/officeDocument/2006/relationships" xmlns:p="http://schemas.openxmlformats.org/presentationml/2006/main" show="0">
   <p:cSld>
     <p:spTree>
       <p:nvGrpSpPr>
@@ -14593,19 +15465,17 @@
       </p:grpSpPr>
       <p:sp>
         <p:nvSpPr>
-          <p:cNvPr id="32" name="Rounded Rectangle 5"/>
+          <p:cNvPr id="25" name="Rounded Rectangle 5"/>
           <p:cNvSpPr/>
           <p:nvPr/>
         </p:nvSpPr>
         <p:spPr>
           <a:xfrm>
-            <a:off x="1615905" y="1253613"/>
-            <a:ext cx="6323340" cy="2082959"/>
+            <a:off x="2843964" y="289931"/>
+            <a:ext cx="5943198" cy="1458695"/>
           </a:xfrm>
           <a:prstGeom prst="roundRect">
-            <a:avLst>
-              <a:gd name="adj" fmla="val 11003"/>
-            </a:avLst>
+            <a:avLst/>
           </a:prstGeom>
           <a:solidFill>
             <a:schemeClr val="bg1"/>
@@ -14638,7 +15508,7 @@
           </a:fontRef>
         </p:style>
         <p:txBody>
-          <a:bodyPr rtlCol="0" anchor="t" anchorCtr="0"/>
+          <a:bodyPr rtlCol="0" anchor="ctr"/>
           <a:lstStyle/>
           <a:p>
             <a:pPr algn="ctr"/>
@@ -14652,14 +15522,47 @@
       </p:sp>
       <p:cxnSp>
         <p:nvCxnSpPr>
+          <p:cNvPr id="5" name="Elbow Connector 37"/>
+          <p:cNvCxnSpPr/>
+          <p:nvPr/>
+        </p:nvCxnSpPr>
+        <p:spPr>
+          <a:xfrm>
+            <a:off x="4435806" y="2633039"/>
+            <a:ext cx="526632" cy="160770"/>
+          </a:xfrm>
+          <a:prstGeom prst="straightConnector1">
+            <a:avLst/>
+          </a:prstGeom>
+          <a:ln>
+            <a:tailEnd type="triangle"/>
+          </a:ln>
+        </p:spPr>
+        <p:style>
+          <a:lnRef idx="3">
+            <a:schemeClr val="dk1"/>
+          </a:lnRef>
+          <a:fillRef idx="0">
+            <a:schemeClr val="dk1"/>
+          </a:fillRef>
+          <a:effectRef idx="2">
+            <a:schemeClr val="dk1"/>
+          </a:effectRef>
+          <a:fontRef idx="minor">
+            <a:schemeClr val="tx1"/>
+          </a:fontRef>
+        </p:style>
+      </p:cxnSp>
+      <p:cxnSp>
+        <p:nvCxnSpPr>
           <p:cNvPr id="6" name="Elbow Connector 37"/>
           <p:cNvCxnSpPr/>
           <p:nvPr/>
         </p:nvCxnSpPr>
         <p:spPr>
-          <a:xfrm flipV="1">
-            <a:off x="1969707" y="3456237"/>
-            <a:ext cx="583449" cy="1194229"/>
+          <a:xfrm flipH="1" flipV="1">
+            <a:off x="4409614" y="1450648"/>
+            <a:ext cx="918967" cy="1350687"/>
           </a:xfrm>
           <a:prstGeom prst="straightConnector1">
             <a:avLst/>
@@ -14691,8 +15594,8 @@
         </p:nvCxnSpPr>
         <p:spPr>
           <a:xfrm flipH="1" flipV="1">
-            <a:off x="4342863" y="5233479"/>
-            <a:ext cx="1" cy="567818"/>
+            <a:off x="8394707" y="1892899"/>
+            <a:ext cx="309802" cy="909912"/>
           </a:xfrm>
           <a:prstGeom prst="straightConnector1">
             <a:avLst/>
@@ -14723,9 +15626,42 @@
           <p:nvPr/>
         </p:nvCxnSpPr>
         <p:spPr>
-          <a:xfrm>
-            <a:off x="4994718" y="4898547"/>
-            <a:ext cx="1091140" cy="243297"/>
+          <a:xfrm flipH="1" flipV="1">
+            <a:off x="6929846" y="3443640"/>
+            <a:ext cx="881830" cy="623201"/>
+          </a:xfrm>
+          <a:prstGeom prst="straightConnector1">
+            <a:avLst/>
+          </a:prstGeom>
+          <a:ln>
+            <a:tailEnd type="triangle"/>
+          </a:ln>
+        </p:spPr>
+        <p:style>
+          <a:lnRef idx="3">
+            <a:schemeClr val="dk1"/>
+          </a:lnRef>
+          <a:fillRef idx="0">
+            <a:schemeClr val="dk1"/>
+          </a:fillRef>
+          <a:effectRef idx="2">
+            <a:schemeClr val="dk1"/>
+          </a:effectRef>
+          <a:fontRef idx="minor">
+            <a:schemeClr val="tx1"/>
+          </a:fontRef>
+        </p:style>
+      </p:cxnSp>
+      <p:cxnSp>
+        <p:nvCxnSpPr>
+          <p:cNvPr id="9" name="Elbow Connector 37"/>
+          <p:cNvCxnSpPr/>
+          <p:nvPr/>
+        </p:nvCxnSpPr>
+        <p:spPr>
+          <a:xfrm flipH="1" flipV="1">
+            <a:off x="7944802" y="1892899"/>
+            <a:ext cx="269289" cy="909911"/>
           </a:xfrm>
           <a:prstGeom prst="straightConnector1">
             <a:avLst/>
@@ -14757,8 +15693,41 @@
         </p:nvCxnSpPr>
         <p:spPr>
           <a:xfrm flipV="1">
-            <a:off x="4981685" y="5643297"/>
-            <a:ext cx="1104173" cy="231224"/>
+            <a:off x="3241379" y="3022484"/>
+            <a:ext cx="136928" cy="682129"/>
+          </a:xfrm>
+          <a:prstGeom prst="straightConnector1">
+            <a:avLst/>
+          </a:prstGeom>
+          <a:ln>
+            <a:tailEnd type="triangle"/>
+          </a:ln>
+        </p:spPr>
+        <p:style>
+          <a:lnRef idx="3">
+            <a:schemeClr val="dk1"/>
+          </a:lnRef>
+          <a:fillRef idx="0">
+            <a:schemeClr val="dk1"/>
+          </a:fillRef>
+          <a:effectRef idx="2">
+            <a:schemeClr val="dk1"/>
+          </a:effectRef>
+          <a:fontRef idx="minor">
+            <a:schemeClr val="tx1"/>
+          </a:fontRef>
+        </p:style>
+      </p:cxnSp>
+      <p:cxnSp>
+        <p:nvCxnSpPr>
+          <p:cNvPr id="11" name="Elbow Connector 37"/>
+          <p:cNvCxnSpPr/>
+          <p:nvPr/>
+        </p:nvCxnSpPr>
+        <p:spPr>
+          <a:xfrm flipV="1">
+            <a:off x="3654435" y="3273696"/>
+            <a:ext cx="1147519" cy="404527"/>
           </a:xfrm>
           <a:prstGeom prst="straightConnector1">
             <a:avLst/>
@@ -14789,26 +15758,32 @@
           <p:nvPr/>
         </p:nvCxnSpPr>
         <p:spPr>
-          <a:xfrm flipH="1">
-            <a:off x="2780857" y="4897108"/>
-            <a:ext cx="878051" cy="686027"/>
+          <a:xfrm flipH="1" flipV="1">
+            <a:off x="5942100" y="3536573"/>
+            <a:ext cx="9536" cy="531342"/>
           </a:xfrm>
           <a:prstGeom prst="straightConnector1">
             <a:avLst/>
           </a:prstGeom>
-          <a:ln>
-            <a:tailEnd type="triangle"/>
-          </a:ln>
-        </p:spPr>
-        <p:style>
-          <a:lnRef idx="3">
-            <a:schemeClr val="dk1"/>
+          <a:ln w="19050" cap="flat" cmpd="sng" algn="ctr">
+            <a:solidFill>
+              <a:schemeClr val="accent1"/>
+            </a:solidFill>
+            <a:prstDash val="dash"/>
+            <a:round/>
+            <a:headEnd type="none" w="med" len="med"/>
+            <a:tailEnd type="triangle" w="med" len="med"/>
+          </a:ln>
+        </p:spPr>
+        <p:style>
+          <a:lnRef idx="0">
+            <a:scrgbClr r="0" g="0" b="0"/>
           </a:lnRef>
           <a:fillRef idx="0">
-            <a:schemeClr val="dk1"/>
-          </a:fillRef>
-          <a:effectRef idx="2">
-            <a:schemeClr val="dk1"/>
+            <a:scrgbClr r="0" g="0" b="0"/>
+          </a:fillRef>
+          <a:effectRef idx="0">
+            <a:scrgbClr r="0" g="0" b="0"/>
           </a:effectRef>
           <a:fontRef idx="minor">
             <a:schemeClr val="tx1"/>
@@ -14823,8 +15798,8 @@
         </p:nvCxnSpPr>
         <p:spPr>
           <a:xfrm flipV="1">
-            <a:off x="1822487" y="5273640"/>
-            <a:ext cx="0" cy="485269"/>
+            <a:off x="8490872" y="3550102"/>
+            <a:ext cx="0" cy="516739"/>
           </a:xfrm>
           <a:prstGeom prst="straightConnector1">
             <a:avLst/>
@@ -14856,8 +15831,8 @@
         </p:nvSpPr>
         <p:spPr>
           <a:xfrm>
-            <a:off x="5285919" y="2398465"/>
-            <a:ext cx="1468649" cy="728495"/>
+            <a:off x="6868895" y="507481"/>
+            <a:ext cx="1694439" cy="728495"/>
           </a:xfrm>
           <a:prstGeom prst="roundRect">
             <a:avLst/>
@@ -14903,7 +15878,7 @@
                   <a:schemeClr val="tx1"/>
                 </a:solidFill>
               </a:rPr>
-              <a:t>…</a:t>
+              <a:t>Organization</a:t>
             </a:r>
             <a:endParaRPr lang="en-AU" dirty="0">
               <a:solidFill>
@@ -14913,16 +15888,106 @@
           </a:p>
         </p:txBody>
       </p:sp>
-      <p:sp>
-        <p:nvSpPr>
-          <p:cNvPr id="16" name="Rounded Rectangle 6"/>
+      <p:cxnSp>
+        <p:nvCxnSpPr>
+          <p:cNvPr id="23" name="Elbow Connector 37"/>
+          <p:cNvCxnSpPr/>
+          <p:nvPr/>
+        </p:nvCxnSpPr>
+        <p:spPr>
+          <a:xfrm>
+            <a:off x="6646487" y="4244977"/>
+            <a:ext cx="809828" cy="0"/>
+          </a:xfrm>
+          <a:prstGeom prst="straightConnector1">
+            <a:avLst/>
+          </a:prstGeom>
+          <a:ln w="19050" cap="flat" cmpd="sng" algn="ctr">
+            <a:solidFill>
+              <a:schemeClr val="accent1"/>
+            </a:solidFill>
+            <a:prstDash val="dash"/>
+            <a:round/>
+            <a:headEnd type="none" w="med" len="med"/>
+            <a:tailEnd type="triangle" w="med" len="med"/>
+          </a:ln>
+        </p:spPr>
+        <p:style>
+          <a:lnRef idx="0">
+            <a:scrgbClr r="0" g="0" b="0"/>
+          </a:lnRef>
+          <a:fillRef idx="0">
+            <a:scrgbClr r="0" g="0" b="0"/>
+          </a:fillRef>
+          <a:effectRef idx="0">
+            <a:scrgbClr r="0" g="0" b="0"/>
+          </a:effectRef>
+          <a:fontRef idx="minor">
+            <a:schemeClr val="tx1"/>
+          </a:fontRef>
+        </p:style>
+      </p:cxnSp>
+      <p:sp>
+        <p:nvSpPr>
+          <p:cNvPr id="24" name="Rounded Rectangle 9"/>
           <p:cNvSpPr/>
           <p:nvPr/>
         </p:nvSpPr>
         <p:spPr>
           <a:xfrm>
-            <a:off x="1964883" y="2398465"/>
-            <a:ext cx="1468649" cy="728495"/>
+            <a:off x="5094882" y="3880730"/>
+            <a:ext cx="1713508" cy="728495"/>
+          </a:xfrm>
+          <a:prstGeom prst="roundRect">
+            <a:avLst/>
+          </a:prstGeom>
+          <a:solidFill>
+            <a:schemeClr val="accent5">
+              <a:lumMod val="60000"/>
+              <a:lumOff val="40000"/>
+            </a:schemeClr>
+          </a:solidFill>
+          <a:ln>
+            <a:noFill/>
+          </a:ln>
+        </p:spPr>
+        <p:style>
+          <a:lnRef idx="0">
+            <a:scrgbClr r="0" g="0" b="0"/>
+          </a:lnRef>
+          <a:fillRef idx="0">
+            <a:scrgbClr r="0" g="0" b="0"/>
+          </a:fillRef>
+          <a:effectRef idx="0">
+            <a:scrgbClr r="0" g="0" b="0"/>
+          </a:effectRef>
+          <a:fontRef idx="minor">
+            <a:schemeClr val="lt1"/>
+          </a:fontRef>
+        </p:style>
+        <p:txBody>
+          <a:bodyPr rtlCol="0" anchor="ctr"/>
+          <a:lstStyle/>
+          <a:p>
+            <a:pPr algn="ctr"/>
+            <a:r>
+              <a:rPr lang="en-US" sz="1600" dirty="0"/>
+              <a:t>* Billable Item</a:t>
+            </a:r>
+            <a:endParaRPr lang="en-AU" sz="1600" dirty="0"/>
+          </a:p>
+        </p:txBody>
+      </p:sp>
+      <p:sp>
+        <p:nvSpPr>
+          <p:cNvPr id="26" name="Rounded Rectangle 5"/>
+          <p:cNvSpPr/>
+          <p:nvPr/>
+        </p:nvSpPr>
+        <p:spPr>
+          <a:xfrm>
+            <a:off x="3055981" y="514395"/>
+            <a:ext cx="1694439" cy="728495"/>
           </a:xfrm>
           <a:prstGeom prst="roundRect">
             <a:avLst/>
@@ -14968,7 +16033,7 @@
                   <a:schemeClr val="tx1"/>
                 </a:solidFill>
               </a:rPr>
-              <a:t>Location</a:t>
+              <a:t>Patient</a:t>
             </a:r>
             <a:endParaRPr lang="en-AU" dirty="0">
               <a:solidFill>
@@ -14980,14 +16045,14 @@
       </p:sp>
       <p:sp>
         <p:nvSpPr>
-          <p:cNvPr id="17" name="Rounded Rectangle 7"/>
+          <p:cNvPr id="27" name="Rounded Rectangle 5"/>
           <p:cNvSpPr/>
           <p:nvPr/>
         </p:nvSpPr>
         <p:spPr>
           <a:xfrm>
-            <a:off x="1964882" y="1513411"/>
-            <a:ext cx="1468649" cy="728495"/>
+            <a:off x="4962438" y="506042"/>
+            <a:ext cx="1694439" cy="728495"/>
           </a:xfrm>
           <a:prstGeom prst="roundRect">
             <a:avLst/>
@@ -15033,21 +16098,26 @@
                   <a:schemeClr val="tx1"/>
                 </a:solidFill>
               </a:rPr>
-              <a:t>Practitioner</a:t>
-            </a:r>
-          </a:p>
-        </p:txBody>
-      </p:sp>
-      <p:sp>
-        <p:nvSpPr>
-          <p:cNvPr id="18" name="Rounded Rectangle 8"/>
+              <a:t>RelatedPerson</a:t>
+            </a:r>
+            <a:endParaRPr lang="en-AU" dirty="0">
+              <a:solidFill>
+                <a:schemeClr val="tx1"/>
+              </a:solidFill>
+            </a:endParaRPr>
+          </a:p>
+        </p:txBody>
+      </p:sp>
+      <p:sp>
+        <p:nvSpPr>
+          <p:cNvPr id="28" name="Rounded Rectangle 6"/>
           <p:cNvSpPr/>
           <p:nvPr/>
         </p:nvSpPr>
         <p:spPr>
           <a:xfrm>
-            <a:off x="5285920" y="1513411"/>
-            <a:ext cx="1468649" cy="728495"/>
+            <a:off x="5094881" y="2658236"/>
+            <a:ext cx="1694439" cy="728495"/>
           </a:xfrm>
           <a:prstGeom prst="roundRect">
             <a:avLst/>
@@ -15093,48 +16163,21 @@
                   <a:schemeClr val="tx1"/>
                 </a:solidFill>
               </a:rPr>
-              <a:t>Healthcare Service</a:t>
-            </a:r>
-            <a:endParaRPr lang="en-AU" dirty="0">
-              <a:solidFill>
-                <a:schemeClr val="tx1"/>
-              </a:solidFill>
-            </a:endParaRPr>
-          </a:p>
-        </p:txBody>
-      </p:sp>
-      <p:sp>
-        <p:nvSpPr>
-          <p:cNvPr id="2" name="Title 1"/>
-          <p:cNvSpPr>
-            <a:spLocks noGrp="1"/>
-          </p:cNvSpPr>
-          <p:nvPr>
-            <p:ph type="title"/>
-          </p:nvPr>
-        </p:nvSpPr>
-        <p:spPr/>
-        <p:txBody>
-          <a:bodyPr/>
-          <a:lstStyle/>
-          <a:p>
-            <a:r>
-              <a:rPr lang="en-AU" dirty="0"/>
-              <a:t>Scheduling</a:t>
-            </a:r>
-          </a:p>
-        </p:txBody>
-      </p:sp>
-      <p:sp>
-        <p:nvSpPr>
-          <p:cNvPr id="26" name="Rounded Rectangle 8"/>
+              <a:t>Account</a:t>
+            </a:r>
+          </a:p>
+        </p:txBody>
+      </p:sp>
+      <p:sp>
+        <p:nvSpPr>
+          <p:cNvPr id="30" name="Rounded Rectangle 6"/>
           <p:cNvSpPr/>
           <p:nvPr/>
         </p:nvSpPr>
         <p:spPr>
           <a:xfrm>
-            <a:off x="904689" y="4353187"/>
-            <a:ext cx="1691717" cy="728495"/>
+            <a:off x="7643653" y="3868745"/>
+            <a:ext cx="1694439" cy="728495"/>
           </a:xfrm>
           <a:prstGeom prst="roundRect">
             <a:avLst/>
@@ -15180,34 +16223,60 @@
                   <a:schemeClr val="tx1"/>
                 </a:solidFill>
               </a:rPr>
-              <a:t>Schedule</a:t>
-            </a:r>
-            <a:endParaRPr lang="en-AU" dirty="0">
-              <a:solidFill>
-                <a:schemeClr val="tx1"/>
-              </a:solidFill>
-            </a:endParaRPr>
-          </a:p>
-        </p:txBody>
-      </p:sp>
-      <p:sp>
-        <p:nvSpPr>
-          <p:cNvPr id="27" name="Rounded Rectangle 5"/>
+              <a:t>Claim</a:t>
+            </a:r>
+          </a:p>
+        </p:txBody>
+      </p:sp>
+      <p:cxnSp>
+        <p:nvCxnSpPr>
+          <p:cNvPr id="36" name="Elbow Connector 37"/>
+          <p:cNvCxnSpPr/>
+          <p:nvPr/>
+        </p:nvCxnSpPr>
+        <p:spPr>
+          <a:xfrm flipV="1">
+            <a:off x="3735198" y="1403286"/>
+            <a:ext cx="112758" cy="944569"/>
+          </a:xfrm>
+          <a:prstGeom prst="straightConnector1">
+            <a:avLst/>
+          </a:prstGeom>
+          <a:ln>
+            <a:tailEnd type="triangle"/>
+          </a:ln>
+        </p:spPr>
+        <p:style>
+          <a:lnRef idx="3">
+            <a:schemeClr val="dk1"/>
+          </a:lnRef>
+          <a:fillRef idx="0">
+            <a:schemeClr val="dk1"/>
+          </a:fillRef>
+          <a:effectRef idx="2">
+            <a:schemeClr val="dk1"/>
+          </a:effectRef>
+          <a:fontRef idx="minor">
+            <a:schemeClr val="tx1"/>
+          </a:fontRef>
+        </p:style>
+      </p:cxnSp>
+      <p:sp>
+        <p:nvSpPr>
+          <p:cNvPr id="16" name="Rounded Rectangle 6"/>
           <p:cNvSpPr/>
           <p:nvPr/>
         </p:nvSpPr>
         <p:spPr>
           <a:xfrm>
-            <a:off x="6249634" y="4468241"/>
-            <a:ext cx="4004270" cy="2043184"/>
+            <a:off x="2898325" y="2185875"/>
+            <a:ext cx="1694439" cy="728495"/>
           </a:xfrm>
           <a:prstGeom prst="roundRect">
-            <a:avLst>
-              <a:gd name="adj" fmla="val 6072"/>
-            </a:avLst>
+            <a:avLst/>
           </a:prstGeom>
           <a:solidFill>
-            <a:schemeClr val="bg1"/>
+            <a:srgbClr val="CEE1F2"/>
           </a:solidFill>
           <a:ln cap="rnd">
             <a:round/>
@@ -15237,10 +16306,18 @@
           </a:fontRef>
         </p:style>
         <p:txBody>
-          <a:bodyPr rtlCol="0" anchor="t" anchorCtr="0"/>
+          <a:bodyPr rtlCol="0" anchor="ctr"/>
           <a:lstStyle/>
           <a:p>
             <a:pPr algn="ctr"/>
+            <a:r>
+              <a:rPr lang="en-US" dirty="0">
+                <a:solidFill>
+                  <a:schemeClr val="tx1"/>
+                </a:solidFill>
+              </a:rPr>
+              <a:t>EpisodeOfCare</a:t>
+            </a:r>
             <a:endParaRPr lang="en-AU" dirty="0">
               <a:solidFill>
                 <a:schemeClr val="tx1"/>
@@ -15251,13 +16328,137 @@
       </p:sp>
       <p:sp>
         <p:nvSpPr>
-          <p:cNvPr id="28" name="Rounded Rectangle 5"/>
+          <p:cNvPr id="61" name="TextBox 60"/>
+          <p:cNvSpPr txBox="1"/>
+          <p:nvPr/>
+        </p:nvSpPr>
+        <p:spPr>
+          <a:xfrm>
+            <a:off x="7352689" y="2179424"/>
+            <a:ext cx="651717" cy="338554"/>
+          </a:xfrm>
+          <a:prstGeom prst="rect">
+            <a:avLst/>
+          </a:prstGeom>
+          <a:noFill/>
+        </p:spPr>
+        <p:txBody>
+          <a:bodyPr wrap="none" rtlCol="0">
+            <a:spAutoFit/>
+          </a:bodyPr>
+          <a:lstStyle/>
+          <a:p>
+            <a:r>
+              <a:rPr lang="en-US" sz="1600" dirty="0"/>
+              <a:t>Payor</a:t>
+            </a:r>
+          </a:p>
+        </p:txBody>
+      </p:sp>
+      <p:sp>
+        <p:nvSpPr>
+          <p:cNvPr id="62" name="TextBox 61"/>
+          <p:cNvSpPr txBox="1"/>
+          <p:nvPr/>
+        </p:nvSpPr>
+        <p:spPr>
+          <a:xfrm>
+            <a:off x="8601381" y="2179424"/>
+            <a:ext cx="1060483" cy="338554"/>
+          </a:xfrm>
+          <a:prstGeom prst="rect">
+            <a:avLst/>
+          </a:prstGeom>
+          <a:noFill/>
+        </p:spPr>
+        <p:txBody>
+          <a:bodyPr wrap="none" rtlCol="0">
+            <a:spAutoFit/>
+          </a:bodyPr>
+          <a:lstStyle/>
+          <a:p>
+            <a:r>
+              <a:rPr lang="en-US" sz="1600" dirty="0"/>
+              <a:t>Subscriber</a:t>
+            </a:r>
+          </a:p>
+        </p:txBody>
+      </p:sp>
+      <p:cxnSp>
+        <p:nvCxnSpPr>
+          <p:cNvPr id="75" name="Elbow Connector 37"/>
+          <p:cNvCxnSpPr/>
+          <p:nvPr/>
+        </p:nvCxnSpPr>
+        <p:spPr>
+          <a:xfrm flipV="1">
+            <a:off x="2390503" y="1403286"/>
+            <a:ext cx="850876" cy="2040354"/>
+          </a:xfrm>
+          <a:prstGeom prst="straightConnector1">
+            <a:avLst/>
+          </a:prstGeom>
+          <a:ln>
+            <a:tailEnd type="triangle"/>
+          </a:ln>
+        </p:spPr>
+        <p:style>
+          <a:lnRef idx="3">
+            <a:schemeClr val="dk1"/>
+          </a:lnRef>
+          <a:fillRef idx="0">
+            <a:schemeClr val="dk1"/>
+          </a:fillRef>
+          <a:effectRef idx="2">
+            <a:schemeClr val="dk1"/>
+          </a:effectRef>
+          <a:fontRef idx="minor">
+            <a:schemeClr val="tx1"/>
+          </a:fontRef>
+        </p:style>
+      </p:cxnSp>
+      <p:cxnSp>
+        <p:nvCxnSpPr>
+          <p:cNvPr id="77" name="Elbow Connector 37"/>
+          <p:cNvCxnSpPr/>
+          <p:nvPr/>
+        </p:nvCxnSpPr>
+        <p:spPr>
+          <a:xfrm flipH="1" flipV="1">
+            <a:off x="6945319" y="3010412"/>
+            <a:ext cx="805585" cy="5777"/>
+          </a:xfrm>
+          <a:prstGeom prst="straightConnector1">
+            <a:avLst/>
+          </a:prstGeom>
+          <a:ln>
+            <a:tailEnd type="triangle"/>
+          </a:ln>
+        </p:spPr>
+        <p:style>
+          <a:lnRef idx="3">
+            <a:schemeClr val="dk1"/>
+          </a:lnRef>
+          <a:fillRef idx="0">
+            <a:schemeClr val="dk1"/>
+          </a:fillRef>
+          <a:effectRef idx="2">
+            <a:schemeClr val="dk1"/>
+          </a:effectRef>
+          <a:fontRef idx="minor">
+            <a:schemeClr val="tx1"/>
+          </a:fontRef>
+        </p:style>
+      </p:cxnSp>
+      <p:sp>
+        <p:nvSpPr>
+          <p:cNvPr id="31" name="Rounded Rectangle 6"/>
           <p:cNvSpPr/>
           <p:nvPr/>
         </p:nvSpPr>
         <p:spPr>
           <a:xfrm>
-            <a:off x="8341544" y="5586619"/>
+            <a:off x="7563899" y="2640190"/>
             <a:ext cx="1694439" cy="728495"/>
           </a:xfrm>
           <a:prstGeom prst="roundRect">
@@ -15304,25 +16505,20 @@
                   <a:schemeClr val="tx1"/>
                 </a:solidFill>
               </a:rPr>
-              <a:t>…</a:t>
-            </a:r>
-            <a:endParaRPr lang="en-AU" dirty="0">
-              <a:solidFill>
-                <a:schemeClr val="tx1"/>
-              </a:solidFill>
-            </a:endParaRPr>
-          </a:p>
-        </p:txBody>
-      </p:sp>
-      <p:sp>
-        <p:nvSpPr>
-          <p:cNvPr id="29" name="Rounded Rectangle 5"/>
+              <a:t>Coverage</a:t>
+            </a:r>
+          </a:p>
+        </p:txBody>
+      </p:sp>
+      <p:sp>
+        <p:nvSpPr>
+          <p:cNvPr id="29" name="Rounded Rectangle 6"/>
           <p:cNvSpPr/>
           <p:nvPr/>
         </p:nvSpPr>
         <p:spPr>
           <a:xfrm>
-            <a:off x="6435086" y="4700223"/>
+            <a:off x="2113491" y="3386731"/>
             <a:ext cx="1694439" cy="728495"/>
           </a:xfrm>
           <a:prstGeom prst="roundRect">
@@ -15369,7 +16565,7 @@
                   <a:schemeClr val="tx1"/>
                 </a:solidFill>
               </a:rPr>
-              <a:t>Patient</a:t>
+              <a:t>Encounter</a:t>
             </a:r>
             <a:endParaRPr lang="en-AU" dirty="0">
               <a:solidFill>
@@ -15379,740 +16575,10 @@
           </a:p>
         </p:txBody>
       </p:sp>
-      <p:sp>
-        <p:nvSpPr>
-          <p:cNvPr id="30" name="Rounded Rectangle 5"/>
-          <p:cNvSpPr/>
-          <p:nvPr/>
-        </p:nvSpPr>
-        <p:spPr>
-          <a:xfrm>
-            <a:off x="6435087" y="5585180"/>
-            <a:ext cx="1694439" cy="728495"/>
-          </a:xfrm>
-          <a:prstGeom prst="roundRect">
-            <a:avLst/>
-          </a:prstGeom>
-          <a:solidFill>
-            <a:srgbClr val="CEE1F2"/>
-          </a:solidFill>
-          <a:ln cap="rnd">
-            <a:round/>
-          </a:ln>
-          <a:effectLst>
-            <a:outerShdw blurRad="50800" dist="38100" dir="2700000" algn="tl" rotWithShape="0">
-              <a:prstClr val="black">
-                <a:alpha val="40000"/>
-              </a:prstClr>
-            </a:outerShdw>
-          </a:effectLst>
-        </p:spPr>
-        <p:style>
-          <a:lnRef idx="2">
-            <a:schemeClr val="accent1">
-              <a:shade val="50000"/>
-            </a:schemeClr>
-          </a:lnRef>
-          <a:fillRef idx="1">
-            <a:schemeClr val="accent1"/>
-          </a:fillRef>
-          <a:effectRef idx="0">
-            <a:schemeClr val="accent1"/>
-          </a:effectRef>
-          <a:fontRef idx="minor">
-            <a:schemeClr val="lt1"/>
-          </a:fontRef>
-        </p:style>
-        <p:txBody>
-          <a:bodyPr rtlCol="0" anchor="ctr"/>
-          <a:lstStyle/>
-          <a:p>
-            <a:pPr algn="ctr"/>
-            <a:r>
-              <a:rPr lang="en-US" dirty="0">
-                <a:solidFill>
-                  <a:schemeClr val="tx1"/>
-                </a:solidFill>
-              </a:rPr>
-              <a:t>Location</a:t>
-            </a:r>
-            <a:endParaRPr lang="en-AU" dirty="0">
-              <a:solidFill>
-                <a:schemeClr val="tx1"/>
-              </a:solidFill>
-            </a:endParaRPr>
-          </a:p>
-        </p:txBody>
-      </p:sp>
-      <p:sp>
-        <p:nvSpPr>
-          <p:cNvPr id="31" name="Rounded Rectangle 7"/>
-          <p:cNvSpPr/>
-          <p:nvPr/>
-        </p:nvSpPr>
-        <p:spPr>
-          <a:xfrm>
-            <a:off x="8313976" y="4700223"/>
-            <a:ext cx="1722007" cy="728495"/>
-          </a:xfrm>
-          <a:prstGeom prst="roundRect">
-            <a:avLst/>
-          </a:prstGeom>
-          <a:solidFill>
-            <a:srgbClr val="CEE1F2"/>
-          </a:solidFill>
-          <a:ln cap="rnd">
-            <a:round/>
-          </a:ln>
-          <a:effectLst>
-            <a:outerShdw blurRad="50800" dist="38100" dir="2700000" algn="tl" rotWithShape="0">
-              <a:prstClr val="black">
-                <a:alpha val="40000"/>
-              </a:prstClr>
-            </a:outerShdw>
-          </a:effectLst>
-        </p:spPr>
-        <p:style>
-          <a:lnRef idx="2">
-            <a:schemeClr val="accent1">
-              <a:shade val="50000"/>
-            </a:schemeClr>
-          </a:lnRef>
-          <a:fillRef idx="1">
-            <a:schemeClr val="accent1"/>
-          </a:fillRef>
-          <a:effectRef idx="0">
-            <a:schemeClr val="accent1"/>
-          </a:effectRef>
-          <a:fontRef idx="minor">
-            <a:schemeClr val="lt1"/>
-          </a:fontRef>
-        </p:style>
-        <p:txBody>
-          <a:bodyPr rtlCol="0" anchor="ctr"/>
-          <a:lstStyle/>
-          <a:p>
-            <a:pPr algn="ctr"/>
-            <a:r>
-              <a:rPr lang="en-US" dirty="0">
-                <a:solidFill>
-                  <a:schemeClr val="tx1"/>
-                </a:solidFill>
-              </a:rPr>
-              <a:t>Practitioner</a:t>
-            </a:r>
-          </a:p>
-        </p:txBody>
-      </p:sp>
-      <p:sp>
-        <p:nvSpPr>
-          <p:cNvPr id="33" name="Rounded Rectangle 5"/>
-          <p:cNvSpPr/>
-          <p:nvPr/>
-        </p:nvSpPr>
-        <p:spPr>
-          <a:xfrm>
-            <a:off x="3604461" y="2398465"/>
-            <a:ext cx="1468175" cy="728495"/>
-          </a:xfrm>
-          <a:prstGeom prst="roundRect">
-            <a:avLst/>
-          </a:prstGeom>
-          <a:solidFill>
-            <a:srgbClr val="CEE1F2"/>
-          </a:solidFill>
-          <a:ln cap="rnd">
-            <a:round/>
-          </a:ln>
-          <a:effectLst>
-            <a:outerShdw blurRad="50800" dist="38100" dir="2700000" algn="tl" rotWithShape="0">
-              <a:prstClr val="black">
-                <a:alpha val="40000"/>
-              </a:prstClr>
-            </a:outerShdw>
-          </a:effectLst>
-        </p:spPr>
-        <p:style>
-          <a:lnRef idx="2">
-            <a:schemeClr val="accent1">
-              <a:shade val="50000"/>
-            </a:schemeClr>
-          </a:lnRef>
-          <a:fillRef idx="1">
-            <a:schemeClr val="accent1"/>
-          </a:fillRef>
-          <a:effectRef idx="0">
-            <a:schemeClr val="accent1"/>
-          </a:effectRef>
-          <a:fontRef idx="minor">
-            <a:schemeClr val="lt1"/>
-          </a:fontRef>
-        </p:style>
-        <p:txBody>
-          <a:bodyPr rtlCol="0" anchor="ctr"/>
-          <a:lstStyle/>
-          <a:p>
-            <a:pPr algn="ctr"/>
-            <a:r>
-              <a:rPr lang="en-US" dirty="0">
-                <a:solidFill>
-                  <a:schemeClr val="tx1"/>
-                </a:solidFill>
-              </a:rPr>
-              <a:t>Patient</a:t>
-            </a:r>
-            <a:endParaRPr lang="en-AU" dirty="0">
-              <a:solidFill>
-                <a:schemeClr val="tx1"/>
-              </a:solidFill>
-            </a:endParaRPr>
-          </a:p>
-        </p:txBody>
-      </p:sp>
-      <p:sp>
-        <p:nvSpPr>
-          <p:cNvPr id="34" name="Rounded Rectangle 8"/>
-          <p:cNvSpPr/>
-          <p:nvPr/>
-        </p:nvSpPr>
-        <p:spPr>
-          <a:xfrm>
-            <a:off x="976474" y="5586619"/>
-            <a:ext cx="1692027" cy="728495"/>
-          </a:xfrm>
-          <a:prstGeom prst="roundRect">
-            <a:avLst/>
-          </a:prstGeom>
-          <a:solidFill>
-            <a:srgbClr val="CEE1F2"/>
-          </a:solidFill>
-          <a:ln cap="rnd">
-            <a:round/>
-          </a:ln>
-          <a:effectLst>
-            <a:outerShdw blurRad="50800" dist="38100" dir="2700000" algn="tl" rotWithShape="0">
-              <a:prstClr val="black">
-                <a:alpha val="40000"/>
-              </a:prstClr>
-            </a:outerShdw>
-          </a:effectLst>
-        </p:spPr>
-        <p:style>
-          <a:lnRef idx="2">
-            <a:schemeClr val="accent1">
-              <a:shade val="50000"/>
-            </a:schemeClr>
-          </a:lnRef>
-          <a:fillRef idx="1">
-            <a:schemeClr val="accent1"/>
-          </a:fillRef>
-          <a:effectRef idx="0">
-            <a:schemeClr val="accent1"/>
-          </a:effectRef>
-          <a:fontRef idx="minor">
-            <a:schemeClr val="lt1"/>
-          </a:fontRef>
-        </p:style>
-        <p:txBody>
-          <a:bodyPr rtlCol="0" anchor="ctr"/>
-          <a:lstStyle/>
-          <a:p>
-            <a:pPr algn="ctr"/>
-            <a:r>
-              <a:rPr lang="en-US" dirty="0">
-                <a:solidFill>
-                  <a:schemeClr val="tx1"/>
-                </a:solidFill>
-              </a:rPr>
-              <a:t>Slot</a:t>
-            </a:r>
-            <a:endParaRPr lang="en-AU" dirty="0">
-              <a:solidFill>
-                <a:schemeClr val="tx1"/>
-              </a:solidFill>
-            </a:endParaRPr>
-          </a:p>
-        </p:txBody>
-      </p:sp>
-      <p:sp>
-        <p:nvSpPr>
-          <p:cNvPr id="35" name="Rounded Rectangle 8"/>
-          <p:cNvSpPr/>
-          <p:nvPr/>
-        </p:nvSpPr>
-        <p:spPr>
-          <a:xfrm>
-            <a:off x="3447547" y="4353187"/>
-            <a:ext cx="1688537" cy="728495"/>
-          </a:xfrm>
-          <a:prstGeom prst="roundRect">
-            <a:avLst/>
-          </a:prstGeom>
-          <a:solidFill>
-            <a:srgbClr val="CEE1F2"/>
-          </a:solidFill>
-          <a:ln cap="rnd">
-            <a:round/>
-          </a:ln>
-          <a:effectLst>
-            <a:outerShdw blurRad="50800" dist="38100" dir="2700000" algn="tl" rotWithShape="0">
-              <a:prstClr val="black">
-                <a:alpha val="40000"/>
-              </a:prstClr>
-            </a:outerShdw>
-          </a:effectLst>
-        </p:spPr>
-        <p:style>
-          <a:lnRef idx="2">
-            <a:schemeClr val="accent1">
-              <a:shade val="50000"/>
-            </a:schemeClr>
-          </a:lnRef>
-          <a:fillRef idx="1">
-            <a:schemeClr val="accent1"/>
-          </a:fillRef>
-          <a:effectRef idx="0">
-            <a:schemeClr val="accent1"/>
-          </a:effectRef>
-          <a:fontRef idx="minor">
-            <a:schemeClr val="lt1"/>
-          </a:fontRef>
-        </p:style>
-        <p:txBody>
-          <a:bodyPr rtlCol="0" anchor="ctr"/>
-          <a:lstStyle/>
-          <a:p>
-            <a:pPr algn="ctr"/>
-            <a:r>
-              <a:rPr lang="en-US" dirty="0">
-                <a:solidFill>
-                  <a:schemeClr val="tx1"/>
-                </a:solidFill>
-              </a:rPr>
-              <a:t>Appointment</a:t>
-            </a:r>
-            <a:endParaRPr lang="en-AU" dirty="0">
-              <a:solidFill>
-                <a:schemeClr val="tx1"/>
-              </a:solidFill>
-            </a:endParaRPr>
-          </a:p>
-        </p:txBody>
-      </p:sp>
-      <p:sp>
-        <p:nvSpPr>
-          <p:cNvPr id="36" name="Rounded Rectangle 8"/>
-          <p:cNvSpPr/>
-          <p:nvPr/>
-        </p:nvSpPr>
-        <p:spPr>
-          <a:xfrm>
-            <a:off x="3498595" y="5583135"/>
-            <a:ext cx="1688537" cy="728495"/>
-          </a:xfrm>
-          <a:prstGeom prst="roundRect">
-            <a:avLst/>
-          </a:prstGeom>
-          <a:solidFill>
-            <a:srgbClr val="CEE1F2"/>
-          </a:solidFill>
-          <a:ln cap="rnd">
-            <a:round/>
-          </a:ln>
-          <a:effectLst>
-            <a:outerShdw blurRad="50800" dist="38100" dir="2700000" algn="tl" rotWithShape="0">
-              <a:prstClr val="black">
-                <a:alpha val="40000"/>
-              </a:prstClr>
-            </a:outerShdw>
-          </a:effectLst>
-        </p:spPr>
-        <p:style>
-          <a:lnRef idx="2">
-            <a:schemeClr val="accent1">
-              <a:shade val="50000"/>
-            </a:schemeClr>
-          </a:lnRef>
-          <a:fillRef idx="1">
-            <a:schemeClr val="accent1"/>
-          </a:fillRef>
-          <a:effectRef idx="0">
-            <a:schemeClr val="accent1"/>
-          </a:effectRef>
-          <a:fontRef idx="minor">
-            <a:schemeClr val="lt1"/>
-          </a:fontRef>
-        </p:style>
-        <p:txBody>
-          <a:bodyPr rtlCol="0" anchor="ctr"/>
-          <a:lstStyle/>
-          <a:p>
-            <a:pPr algn="ctr"/>
-            <a:r>
-              <a:rPr lang="en-US" dirty="0">
-                <a:solidFill>
-                  <a:schemeClr val="tx1"/>
-                </a:solidFill>
-              </a:rPr>
-              <a:t>Appointment Response</a:t>
-            </a:r>
-            <a:endParaRPr lang="en-AU" dirty="0">
-              <a:solidFill>
-                <a:schemeClr val="tx1"/>
-              </a:solidFill>
-            </a:endParaRPr>
-          </a:p>
-        </p:txBody>
-      </p:sp>
-      <p:sp>
-        <p:nvSpPr>
-          <p:cNvPr id="57" name="TextBox 56"/>
-          <p:cNvSpPr txBox="1"/>
-          <p:nvPr/>
-        </p:nvSpPr>
-        <p:spPr>
-          <a:xfrm>
-            <a:off x="1094623" y="3678973"/>
-            <a:ext cx="1225528" cy="584775"/>
-          </a:xfrm>
-          <a:prstGeom prst="rect">
-            <a:avLst/>
-          </a:prstGeom>
-          <a:noFill/>
-        </p:spPr>
-        <p:txBody>
-          <a:bodyPr wrap="none" rtlCol="0">
-            <a:spAutoFit/>
-          </a:bodyPr>
-          <a:lstStyle/>
-          <a:p>
-            <a:r>
-              <a:rPr lang="en-US" sz="1600" dirty="0"/>
-              <a:t>Schedule for</a:t>
-            </a:r>
-          </a:p>
-          <a:p>
-            <a:pPr algn="ctr"/>
-            <a:r>
-              <a:rPr lang="en-US" sz="1600" dirty="0"/>
-              <a:t>(actor)</a:t>
-            </a:r>
-          </a:p>
-        </p:txBody>
-      </p:sp>
-      <p:sp>
-        <p:nvSpPr>
-          <p:cNvPr id="58" name="TextBox 57"/>
-          <p:cNvSpPr txBox="1"/>
-          <p:nvPr/>
-        </p:nvSpPr>
-        <p:spPr>
-          <a:xfrm>
-            <a:off x="5034173" y="5220959"/>
-            <a:ext cx="1164165" cy="338554"/>
-          </a:xfrm>
-          <a:prstGeom prst="rect">
-            <a:avLst/>
-          </a:prstGeom>
-          <a:noFill/>
-        </p:spPr>
-        <p:txBody>
-          <a:bodyPr wrap="none" rtlCol="0">
-            <a:spAutoFit/>
-          </a:bodyPr>
-          <a:lstStyle/>
-          <a:p>
-            <a:r>
-              <a:rPr lang="en-US" sz="1600" dirty="0"/>
-              <a:t>Participants</a:t>
-            </a:r>
-          </a:p>
-        </p:txBody>
-      </p:sp>
-      <p:cxnSp>
-        <p:nvCxnSpPr>
-          <p:cNvPr id="60" name="Elbow Connector 37"/>
-          <p:cNvCxnSpPr/>
-          <p:nvPr/>
-        </p:nvCxnSpPr>
-        <p:spPr>
-          <a:xfrm flipH="1">
-            <a:off x="5296712" y="4017527"/>
-            <a:ext cx="2108498" cy="385332"/>
-          </a:xfrm>
-          <a:prstGeom prst="straightConnector1">
-            <a:avLst/>
-          </a:prstGeom>
-          <a:ln>
-            <a:tailEnd type="triangle"/>
-          </a:ln>
-        </p:spPr>
-        <p:style>
-          <a:lnRef idx="3">
-            <a:schemeClr val="dk1"/>
-          </a:lnRef>
-          <a:fillRef idx="0">
-            <a:schemeClr val="dk1"/>
-          </a:fillRef>
-          <a:effectRef idx="2">
-            <a:schemeClr val="dk1"/>
-          </a:effectRef>
-          <a:fontRef idx="minor">
-            <a:schemeClr val="tx1"/>
-          </a:fontRef>
-        </p:style>
-      </p:cxnSp>
-      <p:sp>
-        <p:nvSpPr>
-          <p:cNvPr id="59" name="Rounded Rectangle 8"/>
-          <p:cNvSpPr/>
-          <p:nvPr/>
-        </p:nvSpPr>
-        <p:spPr>
-          <a:xfrm>
-            <a:off x="7282305" y="3528530"/>
-            <a:ext cx="1692027" cy="728495"/>
-          </a:xfrm>
-          <a:prstGeom prst="roundRect">
-            <a:avLst/>
-          </a:prstGeom>
-          <a:solidFill>
-            <a:srgbClr val="CEE1F2"/>
-          </a:solidFill>
-          <a:ln cap="rnd">
-            <a:round/>
-          </a:ln>
-          <a:effectLst>
-            <a:outerShdw blurRad="50800" dist="38100" dir="2700000" algn="tl" rotWithShape="0">
-              <a:prstClr val="black">
-                <a:alpha val="40000"/>
-              </a:prstClr>
-            </a:outerShdw>
-          </a:effectLst>
-        </p:spPr>
-        <p:style>
-          <a:lnRef idx="2">
-            <a:schemeClr val="accent1">
-              <a:shade val="50000"/>
-            </a:schemeClr>
-          </a:lnRef>
-          <a:fillRef idx="1">
-            <a:schemeClr val="accent1"/>
-          </a:fillRef>
-          <a:effectRef idx="0">
-            <a:schemeClr val="accent1"/>
-          </a:effectRef>
-          <a:fontRef idx="minor">
-            <a:schemeClr val="lt1"/>
-          </a:fontRef>
-        </p:style>
-        <p:txBody>
-          <a:bodyPr rtlCol="0" anchor="ctr"/>
-          <a:lstStyle/>
-          <a:p>
-            <a:pPr algn="ctr"/>
-            <a:r>
-              <a:rPr lang="en-US" dirty="0">
-                <a:solidFill>
-                  <a:schemeClr val="tx1"/>
-                </a:solidFill>
-              </a:rPr>
-              <a:t>Encounter</a:t>
-            </a:r>
-            <a:endParaRPr lang="en-AU" dirty="0">
-              <a:solidFill>
-                <a:schemeClr val="tx1"/>
-              </a:solidFill>
-            </a:endParaRPr>
-          </a:p>
-        </p:txBody>
-      </p:sp>
-      <p:sp>
-        <p:nvSpPr>
-          <p:cNvPr id="64" name="TextBox 63"/>
-          <p:cNvSpPr txBox="1"/>
-          <p:nvPr/>
-        </p:nvSpPr>
-        <p:spPr>
-          <a:xfrm>
-            <a:off x="5943933" y="3764466"/>
-            <a:ext cx="1105367" cy="338554"/>
-          </a:xfrm>
-          <a:prstGeom prst="rect">
-            <a:avLst/>
-          </a:prstGeom>
-          <a:noFill/>
-        </p:spPr>
-        <p:txBody>
-          <a:bodyPr wrap="none" rtlCol="0">
-            <a:spAutoFit/>
-          </a:bodyPr>
-          <a:lstStyle/>
-          <a:p>
-            <a:r>
-              <a:rPr lang="en-US" sz="1600" dirty="0"/>
-              <a:t>Planned by</a:t>
-            </a:r>
-          </a:p>
-        </p:txBody>
-      </p:sp>
-      <p:sp>
-        <p:nvSpPr>
-          <p:cNvPr id="37" name="Rounded Rectangle 7"/>
-          <p:cNvSpPr/>
-          <p:nvPr/>
-        </p:nvSpPr>
-        <p:spPr>
-          <a:xfrm>
-            <a:off x="3603987" y="1513411"/>
-            <a:ext cx="1468649" cy="728495"/>
-          </a:xfrm>
-          <a:prstGeom prst="roundRect">
-            <a:avLst/>
-          </a:prstGeom>
-          <a:solidFill>
-            <a:srgbClr val="CEE1F2"/>
-          </a:solidFill>
-          <a:ln cap="rnd">
-            <a:round/>
-          </a:ln>
-          <a:effectLst>
-            <a:outerShdw blurRad="50800" dist="38100" dir="2700000" algn="tl" rotWithShape="0">
-              <a:prstClr val="black">
-                <a:alpha val="40000"/>
-              </a:prstClr>
-            </a:outerShdw>
-          </a:effectLst>
-        </p:spPr>
-        <p:style>
-          <a:lnRef idx="2">
-            <a:schemeClr val="accent1">
-              <a:shade val="50000"/>
-            </a:schemeClr>
-          </a:lnRef>
-          <a:fillRef idx="1">
-            <a:schemeClr val="accent1"/>
-          </a:fillRef>
-          <a:effectRef idx="0">
-            <a:schemeClr val="accent1"/>
-          </a:effectRef>
-          <a:fontRef idx="minor">
-            <a:schemeClr val="lt1"/>
-          </a:fontRef>
-        </p:style>
-        <p:txBody>
-          <a:bodyPr rtlCol="0" anchor="ctr"/>
-          <a:lstStyle/>
-          <a:p>
-            <a:pPr algn="ctr"/>
-            <a:r>
-              <a:rPr lang="en-US" dirty="0">
-                <a:solidFill>
-                  <a:schemeClr val="tx1"/>
-                </a:solidFill>
-              </a:rPr>
-              <a:t>Practitioner</a:t>
-            </a:r>
-          </a:p>
-          <a:p>
-            <a:pPr algn="ctr"/>
-            <a:r>
-              <a:rPr lang="en-AU" dirty="0">
-                <a:solidFill>
-                  <a:schemeClr val="tx1"/>
-                </a:solidFill>
-              </a:rPr>
-              <a:t>Role</a:t>
-            </a:r>
-          </a:p>
-        </p:txBody>
-      </p:sp>
-      <p:cxnSp>
-        <p:nvCxnSpPr>
-          <p:cNvPr id="4" name="Connector: Curved 3">
-            <a:extLst>
-              <a:ext uri="{FF2B5EF4-FFF2-40B4-BE49-F238E27FC236}">
-                <a16:creationId xmlns:a16="http://schemas.microsoft.com/office/drawing/2014/main" id="{07CA15BD-489B-E6AE-D0A9-5085A86CC09C}"/>
-              </a:ext>
-            </a:extLst>
-          </p:cNvPr>
-          <p:cNvCxnSpPr>
-            <a:cxnSpLocks/>
-            <a:stCxn id="18" idx="3"/>
-            <a:endCxn id="18" idx="0"/>
-          </p:cNvCxnSpPr>
-          <p:nvPr/>
-        </p:nvCxnSpPr>
-        <p:spPr>
-          <a:xfrm flipH="1" flipV="1">
-            <a:off x="6020245" y="1513411"/>
-            <a:ext cx="734324" cy="364248"/>
-          </a:xfrm>
-          <a:prstGeom prst="curvedConnector4">
-            <a:avLst>
-              <a:gd name="adj1" fmla="val -31131"/>
-              <a:gd name="adj2" fmla="val 162759"/>
-            </a:avLst>
-          </a:prstGeom>
-          <a:ln>
-            <a:tailEnd type="triangle"/>
-          </a:ln>
-        </p:spPr>
-        <p:style>
-          <a:lnRef idx="3">
-            <a:schemeClr val="dk1"/>
-          </a:lnRef>
-          <a:fillRef idx="0">
-            <a:schemeClr val="dk1"/>
-          </a:fillRef>
-          <a:effectRef idx="2">
-            <a:schemeClr val="dk1"/>
-          </a:effectRef>
-          <a:fontRef idx="minor">
-            <a:schemeClr val="tx1"/>
-          </a:fontRef>
-        </p:style>
-      </p:cxnSp>
-      <p:sp>
-        <p:nvSpPr>
-          <p:cNvPr id="38" name="TextBox 37">
-            <a:extLst>
-              <a:ext uri="{FF2B5EF4-FFF2-40B4-BE49-F238E27FC236}">
-                <a16:creationId xmlns:a16="http://schemas.microsoft.com/office/drawing/2014/main" id="{987B85B0-0E88-909A-6D39-9356A12C5721}"/>
-              </a:ext>
-            </a:extLst>
-          </p:cNvPr>
-          <p:cNvSpPr txBox="1"/>
-          <p:nvPr/>
-        </p:nvSpPr>
-        <p:spPr>
-          <a:xfrm>
-            <a:off x="6940523" y="1396804"/>
-            <a:ext cx="952312" cy="338554"/>
-          </a:xfrm>
-          <a:prstGeom prst="rect">
-            <a:avLst/>
-          </a:prstGeom>
-          <a:noFill/>
-        </p:spPr>
-        <p:txBody>
-          <a:bodyPr wrap="none" rtlCol="0">
-            <a:spAutoFit/>
-          </a:bodyPr>
-          <a:lstStyle/>
-          <a:p>
-            <a:r>
-              <a:rPr lang="en-US" sz="1600" dirty="0" err="1"/>
-              <a:t>offeredIn</a:t>
-            </a:r>
-            <a:endParaRPr lang="en-US" sz="1600" dirty="0"/>
-          </a:p>
-        </p:txBody>
-      </p:sp>
     </p:spTree>
     <p:extLst>
       <p:ext uri="{BB962C8B-B14F-4D97-AF65-F5344CB8AC3E}">
-        <p14:creationId xmlns:p14="http://schemas.microsoft.com/office/powerpoint/2010/main" val="2700074931"/>
+        <p14:creationId xmlns:p14="http://schemas.microsoft.com/office/powerpoint/2010/main" val="1484959961"/>
       </p:ext>
     </p:extLst>
   </p:cSld>
@@ -16139,55 +16605,24 @@
           <a:chExt cx="0" cy="0"/>
         </a:xfrm>
       </p:grpSpPr>
-      <p:cxnSp>
-        <p:nvCxnSpPr>
-          <p:cNvPr id="8" name="Elbow Connector 37"/>
-          <p:cNvCxnSpPr/>
-          <p:nvPr/>
-        </p:nvCxnSpPr>
-        <p:spPr>
-          <a:xfrm>
-            <a:off x="4994718" y="4898547"/>
-            <a:ext cx="1091140" cy="243297"/>
-          </a:xfrm>
-          <a:prstGeom prst="straightConnector1">
-            <a:avLst/>
-          </a:prstGeom>
-          <a:ln>
-            <a:tailEnd type="triangle"/>
-          </a:ln>
-        </p:spPr>
-        <p:style>
-          <a:lnRef idx="3">
-            <a:schemeClr val="dk1"/>
-          </a:lnRef>
-          <a:fillRef idx="0">
-            <a:schemeClr val="dk1"/>
-          </a:fillRef>
-          <a:effectRef idx="2">
-            <a:schemeClr val="dk1"/>
-          </a:effectRef>
-          <a:fontRef idx="minor">
-            <a:schemeClr val="tx1"/>
-          </a:fontRef>
-        </p:style>
-      </p:cxnSp>
-      <p:sp>
-        <p:nvSpPr>
-          <p:cNvPr id="16" name="Rounded Rectangle 6"/>
+      <p:sp>
+        <p:nvSpPr>
+          <p:cNvPr id="32" name="Rounded Rectangle 5"/>
           <p:cNvSpPr/>
           <p:nvPr/>
         </p:nvSpPr>
         <p:spPr>
           <a:xfrm>
-            <a:off x="1964883" y="2382967"/>
-            <a:ext cx="1468649" cy="728495"/>
+            <a:off x="1615905" y="1253613"/>
+            <a:ext cx="6323340" cy="2082959"/>
           </a:xfrm>
           <a:prstGeom prst="roundRect">
-            <a:avLst/>
+            <a:avLst>
+              <a:gd name="adj" fmla="val 11003"/>
+            </a:avLst>
           </a:prstGeom>
           <a:solidFill>
-            <a:srgbClr val="CEE1F2"/>
+            <a:schemeClr val="bg1"/>
           </a:solidFill>
           <a:ln cap="rnd">
             <a:round/>
@@ -16217,18 +16652,10 @@
           </a:fontRef>
         </p:style>
         <p:txBody>
-          <a:bodyPr rtlCol="0" anchor="ctr"/>
+          <a:bodyPr rtlCol="0" anchor="t" anchorCtr="0"/>
           <a:lstStyle/>
           <a:p>
             <a:pPr algn="ctr"/>
-            <a:r>
-              <a:rPr lang="en-US" dirty="0">
-                <a:solidFill>
-                  <a:schemeClr val="tx1"/>
-                </a:solidFill>
-              </a:rPr>
-              <a:t>Location</a:t>
-            </a:r>
             <a:endParaRPr lang="en-AU" dirty="0">
               <a:solidFill>
                 <a:schemeClr val="tx1"/>
@@ -16237,16 +16664,214 @@
           </a:p>
         </p:txBody>
       </p:sp>
-      <p:sp>
-        <p:nvSpPr>
-          <p:cNvPr id="17" name="Rounded Rectangle 7"/>
+      <p:cxnSp>
+        <p:nvCxnSpPr>
+          <p:cNvPr id="6" name="Elbow Connector 37"/>
+          <p:cNvCxnSpPr/>
+          <p:nvPr/>
+        </p:nvCxnSpPr>
+        <p:spPr>
+          <a:xfrm flipV="1">
+            <a:off x="1969707" y="3456237"/>
+            <a:ext cx="583449" cy="1194229"/>
+          </a:xfrm>
+          <a:prstGeom prst="straightConnector1">
+            <a:avLst/>
+          </a:prstGeom>
+          <a:ln>
+            <a:tailEnd type="triangle"/>
+          </a:ln>
+        </p:spPr>
+        <p:style>
+          <a:lnRef idx="3">
+            <a:schemeClr val="dk1"/>
+          </a:lnRef>
+          <a:fillRef idx="0">
+            <a:schemeClr val="dk1"/>
+          </a:fillRef>
+          <a:effectRef idx="2">
+            <a:schemeClr val="dk1"/>
+          </a:effectRef>
+          <a:fontRef idx="minor">
+            <a:schemeClr val="tx1"/>
+          </a:fontRef>
+        </p:style>
+      </p:cxnSp>
+      <p:cxnSp>
+        <p:nvCxnSpPr>
+          <p:cNvPr id="7" name="Elbow Connector 37"/>
+          <p:cNvCxnSpPr/>
+          <p:nvPr/>
+        </p:nvCxnSpPr>
+        <p:spPr>
+          <a:xfrm flipH="1" flipV="1">
+            <a:off x="4342863" y="5233479"/>
+            <a:ext cx="1" cy="567818"/>
+          </a:xfrm>
+          <a:prstGeom prst="straightConnector1">
+            <a:avLst/>
+          </a:prstGeom>
+          <a:ln>
+            <a:tailEnd type="triangle"/>
+          </a:ln>
+        </p:spPr>
+        <p:style>
+          <a:lnRef idx="3">
+            <a:schemeClr val="dk1"/>
+          </a:lnRef>
+          <a:fillRef idx="0">
+            <a:schemeClr val="dk1"/>
+          </a:fillRef>
+          <a:effectRef idx="2">
+            <a:schemeClr val="dk1"/>
+          </a:effectRef>
+          <a:fontRef idx="minor">
+            <a:schemeClr val="tx1"/>
+          </a:fontRef>
+        </p:style>
+      </p:cxnSp>
+      <p:cxnSp>
+        <p:nvCxnSpPr>
+          <p:cNvPr id="8" name="Elbow Connector 37"/>
+          <p:cNvCxnSpPr/>
+          <p:nvPr/>
+        </p:nvCxnSpPr>
+        <p:spPr>
+          <a:xfrm>
+            <a:off x="4994718" y="4898547"/>
+            <a:ext cx="1091140" cy="243297"/>
+          </a:xfrm>
+          <a:prstGeom prst="straightConnector1">
+            <a:avLst/>
+          </a:prstGeom>
+          <a:ln>
+            <a:tailEnd type="triangle"/>
+          </a:ln>
+        </p:spPr>
+        <p:style>
+          <a:lnRef idx="3">
+            <a:schemeClr val="dk1"/>
+          </a:lnRef>
+          <a:fillRef idx="0">
+            <a:schemeClr val="dk1"/>
+          </a:fillRef>
+          <a:effectRef idx="2">
+            <a:schemeClr val="dk1"/>
+          </a:effectRef>
+          <a:fontRef idx="minor">
+            <a:schemeClr val="tx1"/>
+          </a:fontRef>
+        </p:style>
+      </p:cxnSp>
+      <p:cxnSp>
+        <p:nvCxnSpPr>
+          <p:cNvPr id="10" name="Elbow Connector 37"/>
+          <p:cNvCxnSpPr/>
+          <p:nvPr/>
+        </p:nvCxnSpPr>
+        <p:spPr>
+          <a:xfrm flipV="1">
+            <a:off x="4981685" y="5643297"/>
+            <a:ext cx="1104173" cy="231224"/>
+          </a:xfrm>
+          <a:prstGeom prst="straightConnector1">
+            <a:avLst/>
+          </a:prstGeom>
+          <a:ln>
+            <a:tailEnd type="triangle"/>
+          </a:ln>
+        </p:spPr>
+        <p:style>
+          <a:lnRef idx="3">
+            <a:schemeClr val="dk1"/>
+          </a:lnRef>
+          <a:fillRef idx="0">
+            <a:schemeClr val="dk1"/>
+          </a:fillRef>
+          <a:effectRef idx="2">
+            <a:schemeClr val="dk1"/>
+          </a:effectRef>
+          <a:fontRef idx="minor">
+            <a:schemeClr val="tx1"/>
+          </a:fontRef>
+        </p:style>
+      </p:cxnSp>
+      <p:cxnSp>
+        <p:nvCxnSpPr>
+          <p:cNvPr id="12" name="Elbow Connector 37"/>
+          <p:cNvCxnSpPr/>
+          <p:nvPr/>
+        </p:nvCxnSpPr>
+        <p:spPr>
+          <a:xfrm flipH="1">
+            <a:off x="2780857" y="4897108"/>
+            <a:ext cx="878051" cy="686027"/>
+          </a:xfrm>
+          <a:prstGeom prst="straightConnector1">
+            <a:avLst/>
+          </a:prstGeom>
+          <a:ln>
+            <a:tailEnd type="triangle"/>
+          </a:ln>
+        </p:spPr>
+        <p:style>
+          <a:lnRef idx="3">
+            <a:schemeClr val="dk1"/>
+          </a:lnRef>
+          <a:fillRef idx="0">
+            <a:schemeClr val="dk1"/>
+          </a:fillRef>
+          <a:effectRef idx="2">
+            <a:schemeClr val="dk1"/>
+          </a:effectRef>
+          <a:fontRef idx="minor">
+            <a:schemeClr val="tx1"/>
+          </a:fontRef>
+        </p:style>
+      </p:cxnSp>
+      <p:cxnSp>
+        <p:nvCxnSpPr>
+          <p:cNvPr id="13" name="Elbow Connector 37"/>
+          <p:cNvCxnSpPr/>
+          <p:nvPr/>
+        </p:nvCxnSpPr>
+        <p:spPr>
+          <a:xfrm flipV="1">
+            <a:off x="1822487" y="5273640"/>
+            <a:ext cx="0" cy="485269"/>
+          </a:xfrm>
+          <a:prstGeom prst="straightConnector1">
+            <a:avLst/>
+          </a:prstGeom>
+          <a:ln>
+            <a:tailEnd type="triangle"/>
+          </a:ln>
+        </p:spPr>
+        <p:style>
+          <a:lnRef idx="3">
+            <a:schemeClr val="dk1"/>
+          </a:lnRef>
+          <a:fillRef idx="0">
+            <a:schemeClr val="dk1"/>
+          </a:fillRef>
+          <a:effectRef idx="2">
+            <a:schemeClr val="dk1"/>
+          </a:effectRef>
+          <a:fontRef idx="minor">
+            <a:schemeClr val="tx1"/>
+          </a:fontRef>
+        </p:style>
+      </p:cxnSp>
+      <p:sp>
+        <p:nvSpPr>
+          <p:cNvPr id="15" name="Rounded Rectangle 5"/>
           <p:cNvSpPr/>
           <p:nvPr/>
         </p:nvSpPr>
         <p:spPr>
           <a:xfrm>
-            <a:off x="4146983" y="2504813"/>
-            <a:ext cx="1873261" cy="728495"/>
+            <a:off x="5285919" y="2398465"/>
+            <a:ext cx="1468649" cy="728495"/>
           </a:xfrm>
           <a:prstGeom prst="roundRect">
             <a:avLst/>
@@ -16292,20 +16917,25 @@
                   <a:schemeClr val="tx1"/>
                 </a:solidFill>
               </a:rPr>
-              <a:t>Contact Point? (where?)</a:t>
-            </a:r>
-          </a:p>
-        </p:txBody>
-      </p:sp>
-      <p:sp>
-        <p:nvSpPr>
-          <p:cNvPr id="18" name="Rounded Rectangle 8"/>
+              <a:t>…</a:t>
+            </a:r>
+            <a:endParaRPr lang="en-AU" dirty="0">
+              <a:solidFill>
+                <a:schemeClr val="tx1"/>
+              </a:solidFill>
+            </a:endParaRPr>
+          </a:p>
+        </p:txBody>
+      </p:sp>
+      <p:sp>
+        <p:nvSpPr>
+          <p:cNvPr id="16" name="Rounded Rectangle 6"/>
           <p:cNvSpPr/>
           <p:nvPr/>
         </p:nvSpPr>
         <p:spPr>
           <a:xfrm>
-            <a:off x="5285920" y="1507553"/>
+            <a:off x="1964883" y="2398465"/>
             <a:ext cx="1468649" cy="728495"/>
           </a:xfrm>
           <a:prstGeom prst="roundRect">
@@ -16352,7 +16982,132 @@
                   <a:schemeClr val="tx1"/>
                 </a:solidFill>
               </a:rPr>
-              <a:t>End point?</a:t>
+              <a:t>Location</a:t>
+            </a:r>
+            <a:endParaRPr lang="en-AU" dirty="0">
+              <a:solidFill>
+                <a:schemeClr val="tx1"/>
+              </a:solidFill>
+            </a:endParaRPr>
+          </a:p>
+        </p:txBody>
+      </p:sp>
+      <p:sp>
+        <p:nvSpPr>
+          <p:cNvPr id="17" name="Rounded Rectangle 7"/>
+          <p:cNvSpPr/>
+          <p:nvPr/>
+        </p:nvSpPr>
+        <p:spPr>
+          <a:xfrm>
+            <a:off x="1964882" y="1513411"/>
+            <a:ext cx="1468649" cy="728495"/>
+          </a:xfrm>
+          <a:prstGeom prst="roundRect">
+            <a:avLst/>
+          </a:prstGeom>
+          <a:solidFill>
+            <a:srgbClr val="CEE1F2"/>
+          </a:solidFill>
+          <a:ln cap="rnd">
+            <a:round/>
+          </a:ln>
+          <a:effectLst>
+            <a:outerShdw blurRad="50800" dist="38100" dir="2700000" algn="tl" rotWithShape="0">
+              <a:prstClr val="black">
+                <a:alpha val="40000"/>
+              </a:prstClr>
+            </a:outerShdw>
+          </a:effectLst>
+        </p:spPr>
+        <p:style>
+          <a:lnRef idx="2">
+            <a:schemeClr val="accent1">
+              <a:shade val="50000"/>
+            </a:schemeClr>
+          </a:lnRef>
+          <a:fillRef idx="1">
+            <a:schemeClr val="accent1"/>
+          </a:fillRef>
+          <a:effectRef idx="0">
+            <a:schemeClr val="accent1"/>
+          </a:effectRef>
+          <a:fontRef idx="minor">
+            <a:schemeClr val="lt1"/>
+          </a:fontRef>
+        </p:style>
+        <p:txBody>
+          <a:bodyPr rtlCol="0" anchor="ctr"/>
+          <a:lstStyle/>
+          <a:p>
+            <a:pPr algn="ctr"/>
+            <a:r>
+              <a:rPr lang="en-US" dirty="0">
+                <a:solidFill>
+                  <a:schemeClr val="tx1"/>
+                </a:solidFill>
+              </a:rPr>
+              <a:t>Practitioner</a:t>
+            </a:r>
+          </a:p>
+        </p:txBody>
+      </p:sp>
+      <p:sp>
+        <p:nvSpPr>
+          <p:cNvPr id="18" name="Rounded Rectangle 8"/>
+          <p:cNvSpPr/>
+          <p:nvPr/>
+        </p:nvSpPr>
+        <p:spPr>
+          <a:xfrm>
+            <a:off x="5285920" y="1513411"/>
+            <a:ext cx="1468649" cy="728495"/>
+          </a:xfrm>
+          <a:prstGeom prst="roundRect">
+            <a:avLst/>
+          </a:prstGeom>
+          <a:solidFill>
+            <a:srgbClr val="CEE1F2"/>
+          </a:solidFill>
+          <a:ln cap="rnd">
+            <a:round/>
+          </a:ln>
+          <a:effectLst>
+            <a:outerShdw blurRad="50800" dist="38100" dir="2700000" algn="tl" rotWithShape="0">
+              <a:prstClr val="black">
+                <a:alpha val="40000"/>
+              </a:prstClr>
+            </a:outerShdw>
+          </a:effectLst>
+        </p:spPr>
+        <p:style>
+          <a:lnRef idx="2">
+            <a:schemeClr val="accent1">
+              <a:shade val="50000"/>
+            </a:schemeClr>
+          </a:lnRef>
+          <a:fillRef idx="1">
+            <a:schemeClr val="accent1"/>
+          </a:fillRef>
+          <a:effectRef idx="0">
+            <a:schemeClr val="accent1"/>
+          </a:effectRef>
+          <a:fontRef idx="minor">
+            <a:schemeClr val="lt1"/>
+          </a:fontRef>
+        </p:style>
+        <p:txBody>
+          <a:bodyPr rtlCol="0" anchor="ctr"/>
+          <a:lstStyle/>
+          <a:p>
+            <a:pPr algn="ctr"/>
+            <a:r>
+              <a:rPr lang="en-US" dirty="0">
+                <a:solidFill>
+                  <a:schemeClr val="tx1"/>
+                </a:solidFill>
+              </a:rPr>
+              <a:t>Healthcare Service</a:t>
             </a:r>
             <a:endParaRPr lang="en-AU" dirty="0">
               <a:solidFill>
@@ -16372,33 +17127,28 @@
             <p:ph type="title"/>
           </p:nvPr>
         </p:nvSpPr>
-        <p:spPr>
-          <a:xfrm>
-            <a:off x="838200" y="365125"/>
-            <a:ext cx="4766733" cy="1325563"/>
-          </a:xfrm>
-        </p:spPr>
+        <p:spPr/>
         <p:txBody>
           <a:bodyPr/>
           <a:lstStyle/>
           <a:p>
             <a:r>
               <a:rPr lang="en-AU" dirty="0"/>
-              <a:t>Scheduling - Virtual</a:t>
-            </a:r>
-          </a:p>
-        </p:txBody>
-      </p:sp>
-      <p:sp>
-        <p:nvSpPr>
-          <p:cNvPr id="35" name="Rounded Rectangle 8"/>
+              <a:t>Scheduling</a:t>
+            </a:r>
+          </a:p>
+        </p:txBody>
+      </p:sp>
+      <p:sp>
+        <p:nvSpPr>
+          <p:cNvPr id="26" name="Rounded Rectangle 8"/>
           <p:cNvSpPr/>
           <p:nvPr/>
         </p:nvSpPr>
         <p:spPr>
           <a:xfrm>
-            <a:off x="3447547" y="4353187"/>
-            <a:ext cx="1688537" cy="728495"/>
+            <a:off x="904689" y="4353187"/>
+            <a:ext cx="1691717" cy="728495"/>
           </a:xfrm>
           <a:prstGeom prst="roundRect">
             <a:avLst/>
@@ -16444,7 +17194,7 @@
                   <a:schemeClr val="tx1"/>
                 </a:solidFill>
               </a:rPr>
-              <a:t>Appointment</a:t>
+              <a:t>Schedule</a:t>
             </a:r>
             <a:endParaRPr lang="en-AU" dirty="0">
               <a:solidFill>
@@ -16456,26 +17206,22 @@
       </p:sp>
       <p:sp>
         <p:nvSpPr>
-          <p:cNvPr id="38" name="Rounded Rectangle 5">
-            <a:extLst>
-              <a:ext uri="{FF2B5EF4-FFF2-40B4-BE49-F238E27FC236}">
-                <a16:creationId xmlns:a16="http://schemas.microsoft.com/office/drawing/2014/main" id="{1270081C-6AB7-4C63-980A-A119030545A5}"/>
-              </a:ext>
-            </a:extLst>
-          </p:cNvPr>
+          <p:cNvPr id="27" name="Rounded Rectangle 5"/>
           <p:cNvSpPr/>
           <p:nvPr/>
         </p:nvSpPr>
         <p:spPr>
           <a:xfrm>
-            <a:off x="9968086" y="690401"/>
-            <a:ext cx="1694439" cy="728495"/>
+            <a:off x="6249634" y="4468241"/>
+            <a:ext cx="4004270" cy="2043184"/>
           </a:xfrm>
           <a:prstGeom prst="roundRect">
-            <a:avLst/>
+            <a:avLst>
+              <a:gd name="adj" fmla="val 6072"/>
+            </a:avLst>
           </a:prstGeom>
           <a:solidFill>
-            <a:srgbClr val="CEE1F2"/>
+            <a:schemeClr val="bg1"/>
           </a:solidFill>
           <a:ln cap="rnd">
             <a:round/>
@@ -16505,18 +17251,10 @@
           </a:fontRef>
         </p:style>
         <p:txBody>
-          <a:bodyPr rtlCol="0" anchor="ctr"/>
+          <a:bodyPr rtlCol="0" anchor="t" anchorCtr="0"/>
           <a:lstStyle/>
           <a:p>
             <a:pPr algn="ctr"/>
-            <a:r>
-              <a:rPr lang="en-US" dirty="0">
-                <a:solidFill>
-                  <a:schemeClr val="tx1"/>
-                </a:solidFill>
-              </a:rPr>
-              <a:t>Zoom</a:t>
-            </a:r>
             <a:endParaRPr lang="en-AU" dirty="0">
               <a:solidFill>
                 <a:schemeClr val="tx1"/>
@@ -16527,19 +17265,13 @@
       </p:sp>
       <p:sp>
         <p:nvSpPr>
-          <p:cNvPr id="39" name="Rounded Rectangle 5">
-            <a:extLst>
-              <a:ext uri="{FF2B5EF4-FFF2-40B4-BE49-F238E27FC236}">
-                <a16:creationId xmlns:a16="http://schemas.microsoft.com/office/drawing/2014/main" id="{5170A86B-15DB-4839-A053-4549397D3C36}"/>
-              </a:ext>
-            </a:extLst>
-          </p:cNvPr>
+          <p:cNvPr id="28" name="Rounded Rectangle 5"/>
           <p:cNvSpPr/>
           <p:nvPr/>
         </p:nvSpPr>
         <p:spPr>
           <a:xfrm>
-            <a:off x="7666085" y="1610052"/>
+            <a:off x="8341544" y="5586619"/>
             <a:ext cx="1694439" cy="728495"/>
           </a:xfrm>
           <a:prstGeom prst="roundRect">
@@ -16586,7 +17318,7 @@
                   <a:schemeClr val="tx1"/>
                 </a:solidFill>
               </a:rPr>
-              <a:t>WebEx</a:t>
+              <a:t>…</a:t>
             </a:r>
             <a:endParaRPr lang="en-AU" dirty="0">
               <a:solidFill>
@@ -16598,19 +17330,13 @@
       </p:sp>
       <p:sp>
         <p:nvSpPr>
-          <p:cNvPr id="40" name="Rounded Rectangle 5">
-            <a:extLst>
-              <a:ext uri="{FF2B5EF4-FFF2-40B4-BE49-F238E27FC236}">
-                <a16:creationId xmlns:a16="http://schemas.microsoft.com/office/drawing/2014/main" id="{562B3606-B5E9-455C-A57A-2A571AB96AB6}"/>
-              </a:ext>
-            </a:extLst>
-          </p:cNvPr>
+          <p:cNvPr id="29" name="Rounded Rectangle 5"/>
           <p:cNvSpPr/>
           <p:nvPr/>
         </p:nvSpPr>
         <p:spPr>
           <a:xfrm>
-            <a:off x="7678082" y="704451"/>
+            <a:off x="6435086" y="4700223"/>
             <a:ext cx="1694439" cy="728495"/>
           </a:xfrm>
           <a:prstGeom prst="roundRect">
@@ -16657,7 +17383,7 @@
                   <a:schemeClr val="tx1"/>
                 </a:solidFill>
               </a:rPr>
-              <a:t>VMR (video)</a:t>
+              <a:t>Patient</a:t>
             </a:r>
             <a:endParaRPr lang="en-AU" dirty="0">
               <a:solidFill>
@@ -16669,19 +17395,13 @@
       </p:sp>
       <p:sp>
         <p:nvSpPr>
-          <p:cNvPr id="41" name="Rounded Rectangle 5">
-            <a:extLst>
-              <a:ext uri="{FF2B5EF4-FFF2-40B4-BE49-F238E27FC236}">
-                <a16:creationId xmlns:a16="http://schemas.microsoft.com/office/drawing/2014/main" id="{E0F08390-FFA7-4596-8280-25E077A21E41}"/>
-              </a:ext>
-            </a:extLst>
-          </p:cNvPr>
+          <p:cNvPr id="30" name="Rounded Rectangle 5"/>
           <p:cNvSpPr/>
           <p:nvPr/>
         </p:nvSpPr>
         <p:spPr>
           <a:xfrm>
-            <a:off x="9968086" y="1610052"/>
+            <a:off x="6435087" y="5585180"/>
             <a:ext cx="1694439" cy="728495"/>
           </a:xfrm>
           <a:prstGeom prst="roundRect">
@@ -16728,7 +17448,7 @@
                   <a:schemeClr val="tx1"/>
                 </a:solidFill>
               </a:rPr>
-              <a:t>Teams</a:t>
+              <a:t>Location</a:t>
             </a:r>
             <a:endParaRPr lang="en-AU" dirty="0">
               <a:solidFill>
@@ -16740,90 +17460,14 @@
       </p:sp>
       <p:sp>
         <p:nvSpPr>
-          <p:cNvPr id="42" name="TextBox 41">
-            <a:extLst>
-              <a:ext uri="{FF2B5EF4-FFF2-40B4-BE49-F238E27FC236}">
-                <a16:creationId xmlns:a16="http://schemas.microsoft.com/office/drawing/2014/main" id="{844DC2E4-7B11-4A63-8CA8-75E6C78FF75C}"/>
-              </a:ext>
-            </a:extLst>
-          </p:cNvPr>
-          <p:cNvSpPr txBox="1"/>
-          <p:nvPr/>
-        </p:nvSpPr>
-        <p:spPr>
-          <a:xfrm>
-            <a:off x="7516761" y="337424"/>
-            <a:ext cx="1055097" cy="338554"/>
-          </a:xfrm>
-          <a:prstGeom prst="rect">
-            <a:avLst/>
-          </a:prstGeom>
-          <a:noFill/>
-        </p:spPr>
-        <p:txBody>
-          <a:bodyPr wrap="none" rtlCol="0">
-            <a:spAutoFit/>
-          </a:bodyPr>
-          <a:lstStyle/>
-          <a:p>
-            <a:r>
-              <a:rPr lang="en-US" sz="1600" dirty="0"/>
-              <a:t>Single URL</a:t>
-            </a:r>
-          </a:p>
-        </p:txBody>
-      </p:sp>
-      <p:sp>
-        <p:nvSpPr>
-          <p:cNvPr id="43" name="TextBox 42">
-            <a:extLst>
-              <a:ext uri="{FF2B5EF4-FFF2-40B4-BE49-F238E27FC236}">
-                <a16:creationId xmlns:a16="http://schemas.microsoft.com/office/drawing/2014/main" id="{090B7E84-5D0F-4DDE-B5FE-8AF61B501748}"/>
-              </a:ext>
-            </a:extLst>
-          </p:cNvPr>
-          <p:cNvSpPr txBox="1"/>
-          <p:nvPr/>
-        </p:nvSpPr>
-        <p:spPr>
-          <a:xfrm>
-            <a:off x="9845483" y="272870"/>
-            <a:ext cx="2169376" cy="338554"/>
-          </a:xfrm>
-          <a:prstGeom prst="rect">
-            <a:avLst/>
-          </a:prstGeom>
-          <a:noFill/>
-        </p:spPr>
-        <p:txBody>
-          <a:bodyPr wrap="none" rtlCol="0">
-            <a:spAutoFit/>
-          </a:bodyPr>
-          <a:lstStyle/>
-          <a:p>
-            <a:r>
-              <a:rPr lang="en-US" sz="1600" dirty="0"/>
-              <a:t>Different URL each appt</a:t>
-            </a:r>
-          </a:p>
-        </p:txBody>
-      </p:sp>
-      <p:sp>
-        <p:nvSpPr>
-          <p:cNvPr id="44" name="Rounded Rectangle 5">
-            <a:extLst>
-              <a:ext uri="{FF2B5EF4-FFF2-40B4-BE49-F238E27FC236}">
-                <a16:creationId xmlns:a16="http://schemas.microsoft.com/office/drawing/2014/main" id="{9CB49C0F-D8BD-4252-AE69-A4AF5236C7B9}"/>
-              </a:ext>
-            </a:extLst>
-          </p:cNvPr>
+          <p:cNvPr id="31" name="Rounded Rectangle 7"/>
           <p:cNvSpPr/>
           <p:nvPr/>
         </p:nvSpPr>
         <p:spPr>
           <a:xfrm>
-            <a:off x="7708329" y="2560301"/>
-            <a:ext cx="1694439" cy="728495"/>
+            <a:off x="8313976" y="4700223"/>
+            <a:ext cx="1722007" cy="728495"/>
           </a:xfrm>
           <a:prstGeom prst="roundRect">
             <a:avLst/>
@@ -16869,32 +17513,21 @@
                   <a:schemeClr val="tx1"/>
                 </a:solidFill>
               </a:rPr>
-              <a:t>WhatsApp</a:t>
-            </a:r>
-            <a:endParaRPr lang="en-AU" dirty="0">
-              <a:solidFill>
-                <a:schemeClr val="tx1"/>
-              </a:solidFill>
-            </a:endParaRPr>
-          </a:p>
-        </p:txBody>
-      </p:sp>
-      <p:sp>
-        <p:nvSpPr>
-          <p:cNvPr id="45" name="Rounded Rectangle 5">
-            <a:extLst>
-              <a:ext uri="{FF2B5EF4-FFF2-40B4-BE49-F238E27FC236}">
-                <a16:creationId xmlns:a16="http://schemas.microsoft.com/office/drawing/2014/main" id="{075B10EB-EF17-460E-BF3A-B554D2015358}"/>
-              </a:ext>
-            </a:extLst>
-          </p:cNvPr>
+              <a:t>Practitioner</a:t>
+            </a:r>
+          </a:p>
+        </p:txBody>
+      </p:sp>
+      <p:sp>
+        <p:nvSpPr>
+          <p:cNvPr id="33" name="Rounded Rectangle 5"/>
           <p:cNvSpPr/>
           <p:nvPr/>
         </p:nvSpPr>
         <p:spPr>
           <a:xfrm>
-            <a:off x="7708329" y="3533416"/>
-            <a:ext cx="1694439" cy="728495"/>
+            <a:off x="3604461" y="2398465"/>
+            <a:ext cx="1468175" cy="728495"/>
           </a:xfrm>
           <a:prstGeom prst="roundRect">
             <a:avLst/>
@@ -16935,12 +17568,12 @@
           <a:p>
             <a:pPr algn="ctr"/>
             <a:r>
-              <a:rPr lang="en-US" dirty="0" err="1">
+              <a:rPr lang="en-US" dirty="0">
                 <a:solidFill>
                   <a:schemeClr val="tx1"/>
                 </a:solidFill>
               </a:rPr>
-              <a:t>Twillio</a:t>
+              <a:t>Patient</a:t>
             </a:r>
             <a:endParaRPr lang="en-AU" dirty="0">
               <a:solidFill>
@@ -16950,10 +17583,550 @@
           </a:p>
         </p:txBody>
       </p:sp>
+      <p:sp>
+        <p:nvSpPr>
+          <p:cNvPr id="34" name="Rounded Rectangle 8"/>
+          <p:cNvSpPr/>
+          <p:nvPr/>
+        </p:nvSpPr>
+        <p:spPr>
+          <a:xfrm>
+            <a:off x="976474" y="5586619"/>
+            <a:ext cx="1692027" cy="728495"/>
+          </a:xfrm>
+          <a:prstGeom prst="roundRect">
+            <a:avLst/>
+          </a:prstGeom>
+          <a:solidFill>
+            <a:srgbClr val="CEE1F2"/>
+          </a:solidFill>
+          <a:ln cap="rnd">
+            <a:round/>
+          </a:ln>
+          <a:effectLst>
+            <a:outerShdw blurRad="50800" dist="38100" dir="2700000" algn="tl" rotWithShape="0">
+              <a:prstClr val="black">
+                <a:alpha val="40000"/>
+              </a:prstClr>
+            </a:outerShdw>
+          </a:effectLst>
+        </p:spPr>
+        <p:style>
+          <a:lnRef idx="2">
+            <a:schemeClr val="accent1">
+              <a:shade val="50000"/>
+            </a:schemeClr>
+          </a:lnRef>
+          <a:fillRef idx="1">
+            <a:schemeClr val="accent1"/>
+          </a:fillRef>
+          <a:effectRef idx="0">
+            <a:schemeClr val="accent1"/>
+          </a:effectRef>
+          <a:fontRef idx="minor">
+            <a:schemeClr val="lt1"/>
+          </a:fontRef>
+        </p:style>
+        <p:txBody>
+          <a:bodyPr rtlCol="0" anchor="ctr"/>
+          <a:lstStyle/>
+          <a:p>
+            <a:pPr algn="ctr"/>
+            <a:r>
+              <a:rPr lang="en-US" dirty="0">
+                <a:solidFill>
+                  <a:schemeClr val="tx1"/>
+                </a:solidFill>
+              </a:rPr>
+              <a:t>Slot</a:t>
+            </a:r>
+            <a:endParaRPr lang="en-AU" dirty="0">
+              <a:solidFill>
+                <a:schemeClr val="tx1"/>
+              </a:solidFill>
+            </a:endParaRPr>
+          </a:p>
+        </p:txBody>
+      </p:sp>
+      <p:sp>
+        <p:nvSpPr>
+          <p:cNvPr id="35" name="Rounded Rectangle 8"/>
+          <p:cNvSpPr/>
+          <p:nvPr/>
+        </p:nvSpPr>
+        <p:spPr>
+          <a:xfrm>
+            <a:off x="3447547" y="4353187"/>
+            <a:ext cx="1688537" cy="728495"/>
+          </a:xfrm>
+          <a:prstGeom prst="roundRect">
+            <a:avLst/>
+          </a:prstGeom>
+          <a:solidFill>
+            <a:srgbClr val="CEE1F2"/>
+          </a:solidFill>
+          <a:ln cap="rnd">
+            <a:round/>
+          </a:ln>
+          <a:effectLst>
+            <a:outerShdw blurRad="50800" dist="38100" dir="2700000" algn="tl" rotWithShape="0">
+              <a:prstClr val="black">
+                <a:alpha val="40000"/>
+              </a:prstClr>
+            </a:outerShdw>
+          </a:effectLst>
+        </p:spPr>
+        <p:style>
+          <a:lnRef idx="2">
+            <a:schemeClr val="accent1">
+              <a:shade val="50000"/>
+            </a:schemeClr>
+          </a:lnRef>
+          <a:fillRef idx="1">
+            <a:schemeClr val="accent1"/>
+          </a:fillRef>
+          <a:effectRef idx="0">
+            <a:schemeClr val="accent1"/>
+          </a:effectRef>
+          <a:fontRef idx="minor">
+            <a:schemeClr val="lt1"/>
+          </a:fontRef>
+        </p:style>
+        <p:txBody>
+          <a:bodyPr rtlCol="0" anchor="ctr"/>
+          <a:lstStyle/>
+          <a:p>
+            <a:pPr algn="ctr"/>
+            <a:r>
+              <a:rPr lang="en-US" dirty="0">
+                <a:solidFill>
+                  <a:schemeClr val="tx1"/>
+                </a:solidFill>
+              </a:rPr>
+              <a:t>Appointment</a:t>
+            </a:r>
+            <a:endParaRPr lang="en-AU" dirty="0">
+              <a:solidFill>
+                <a:schemeClr val="tx1"/>
+              </a:solidFill>
+            </a:endParaRPr>
+          </a:p>
+        </p:txBody>
+      </p:sp>
+      <p:sp>
+        <p:nvSpPr>
+          <p:cNvPr id="36" name="Rounded Rectangle 8"/>
+          <p:cNvSpPr/>
+          <p:nvPr/>
+        </p:nvSpPr>
+        <p:spPr>
+          <a:xfrm>
+            <a:off x="3498595" y="5583135"/>
+            <a:ext cx="1688537" cy="728495"/>
+          </a:xfrm>
+          <a:prstGeom prst="roundRect">
+            <a:avLst/>
+          </a:prstGeom>
+          <a:solidFill>
+            <a:srgbClr val="CEE1F2"/>
+          </a:solidFill>
+          <a:ln cap="rnd">
+            <a:round/>
+          </a:ln>
+          <a:effectLst>
+            <a:outerShdw blurRad="50800" dist="38100" dir="2700000" algn="tl" rotWithShape="0">
+              <a:prstClr val="black">
+                <a:alpha val="40000"/>
+              </a:prstClr>
+            </a:outerShdw>
+          </a:effectLst>
+        </p:spPr>
+        <p:style>
+          <a:lnRef idx="2">
+            <a:schemeClr val="accent1">
+              <a:shade val="50000"/>
+            </a:schemeClr>
+          </a:lnRef>
+          <a:fillRef idx="1">
+            <a:schemeClr val="accent1"/>
+          </a:fillRef>
+          <a:effectRef idx="0">
+            <a:schemeClr val="accent1"/>
+          </a:effectRef>
+          <a:fontRef idx="minor">
+            <a:schemeClr val="lt1"/>
+          </a:fontRef>
+        </p:style>
+        <p:txBody>
+          <a:bodyPr rtlCol="0" anchor="ctr"/>
+          <a:lstStyle/>
+          <a:p>
+            <a:pPr algn="ctr"/>
+            <a:r>
+              <a:rPr lang="en-US" dirty="0">
+                <a:solidFill>
+                  <a:schemeClr val="tx1"/>
+                </a:solidFill>
+              </a:rPr>
+              <a:t>Appointment Response</a:t>
+            </a:r>
+            <a:endParaRPr lang="en-AU" dirty="0">
+              <a:solidFill>
+                <a:schemeClr val="tx1"/>
+              </a:solidFill>
+            </a:endParaRPr>
+          </a:p>
+        </p:txBody>
+      </p:sp>
+      <p:sp>
+        <p:nvSpPr>
+          <p:cNvPr id="57" name="TextBox 56"/>
+          <p:cNvSpPr txBox="1"/>
+          <p:nvPr/>
+        </p:nvSpPr>
+        <p:spPr>
+          <a:xfrm>
+            <a:off x="1094623" y="3678973"/>
+            <a:ext cx="1225528" cy="584775"/>
+          </a:xfrm>
+          <a:prstGeom prst="rect">
+            <a:avLst/>
+          </a:prstGeom>
+          <a:noFill/>
+        </p:spPr>
+        <p:txBody>
+          <a:bodyPr wrap="none" rtlCol="0">
+            <a:spAutoFit/>
+          </a:bodyPr>
+          <a:lstStyle/>
+          <a:p>
+            <a:r>
+              <a:rPr lang="en-US" sz="1600" dirty="0"/>
+              <a:t>Schedule for</a:t>
+            </a:r>
+          </a:p>
+          <a:p>
+            <a:pPr algn="ctr"/>
+            <a:r>
+              <a:rPr lang="en-US" sz="1600" dirty="0"/>
+              <a:t>(actor)</a:t>
+            </a:r>
+          </a:p>
+        </p:txBody>
+      </p:sp>
+      <p:sp>
+        <p:nvSpPr>
+          <p:cNvPr id="58" name="TextBox 57"/>
+          <p:cNvSpPr txBox="1"/>
+          <p:nvPr/>
+        </p:nvSpPr>
+        <p:spPr>
+          <a:xfrm>
+            <a:off x="5034173" y="5220959"/>
+            <a:ext cx="1164165" cy="338554"/>
+          </a:xfrm>
+          <a:prstGeom prst="rect">
+            <a:avLst/>
+          </a:prstGeom>
+          <a:noFill/>
+        </p:spPr>
+        <p:txBody>
+          <a:bodyPr wrap="none" rtlCol="0">
+            <a:spAutoFit/>
+          </a:bodyPr>
+          <a:lstStyle/>
+          <a:p>
+            <a:r>
+              <a:rPr lang="en-US" sz="1600" dirty="0"/>
+              <a:t>Participants</a:t>
+            </a:r>
+          </a:p>
+        </p:txBody>
+      </p:sp>
+      <p:cxnSp>
+        <p:nvCxnSpPr>
+          <p:cNvPr id="60" name="Elbow Connector 37"/>
+          <p:cNvCxnSpPr/>
+          <p:nvPr/>
+        </p:nvCxnSpPr>
+        <p:spPr>
+          <a:xfrm flipH="1">
+            <a:off x="5296712" y="4017527"/>
+            <a:ext cx="2108498" cy="385332"/>
+          </a:xfrm>
+          <a:prstGeom prst="straightConnector1">
+            <a:avLst/>
+          </a:prstGeom>
+          <a:ln>
+            <a:tailEnd type="triangle"/>
+          </a:ln>
+        </p:spPr>
+        <p:style>
+          <a:lnRef idx="3">
+            <a:schemeClr val="dk1"/>
+          </a:lnRef>
+          <a:fillRef idx="0">
+            <a:schemeClr val="dk1"/>
+          </a:fillRef>
+          <a:effectRef idx="2">
+            <a:schemeClr val="dk1"/>
+          </a:effectRef>
+          <a:fontRef idx="minor">
+            <a:schemeClr val="tx1"/>
+          </a:fontRef>
+        </p:style>
+      </p:cxnSp>
+      <p:sp>
+        <p:nvSpPr>
+          <p:cNvPr id="59" name="Rounded Rectangle 8"/>
+          <p:cNvSpPr/>
+          <p:nvPr/>
+        </p:nvSpPr>
+        <p:spPr>
+          <a:xfrm>
+            <a:off x="7282305" y="3528530"/>
+            <a:ext cx="1692027" cy="728495"/>
+          </a:xfrm>
+          <a:prstGeom prst="roundRect">
+            <a:avLst/>
+          </a:prstGeom>
+          <a:solidFill>
+            <a:srgbClr val="CEE1F2"/>
+          </a:solidFill>
+          <a:ln cap="rnd">
+            <a:round/>
+          </a:ln>
+          <a:effectLst>
+            <a:outerShdw blurRad="50800" dist="38100" dir="2700000" algn="tl" rotWithShape="0">
+              <a:prstClr val="black">
+                <a:alpha val="40000"/>
+              </a:prstClr>
+            </a:outerShdw>
+          </a:effectLst>
+        </p:spPr>
+        <p:style>
+          <a:lnRef idx="2">
+            <a:schemeClr val="accent1">
+              <a:shade val="50000"/>
+            </a:schemeClr>
+          </a:lnRef>
+          <a:fillRef idx="1">
+            <a:schemeClr val="accent1"/>
+          </a:fillRef>
+          <a:effectRef idx="0">
+            <a:schemeClr val="accent1"/>
+          </a:effectRef>
+          <a:fontRef idx="minor">
+            <a:schemeClr val="lt1"/>
+          </a:fontRef>
+        </p:style>
+        <p:txBody>
+          <a:bodyPr rtlCol="0" anchor="ctr"/>
+          <a:lstStyle/>
+          <a:p>
+            <a:pPr algn="ctr"/>
+            <a:r>
+              <a:rPr lang="en-US" dirty="0">
+                <a:solidFill>
+                  <a:schemeClr val="tx1"/>
+                </a:solidFill>
+              </a:rPr>
+              <a:t>Encounter</a:t>
+            </a:r>
+            <a:endParaRPr lang="en-AU" dirty="0">
+              <a:solidFill>
+                <a:schemeClr val="tx1"/>
+              </a:solidFill>
+            </a:endParaRPr>
+          </a:p>
+        </p:txBody>
+      </p:sp>
+      <p:sp>
+        <p:nvSpPr>
+          <p:cNvPr id="64" name="TextBox 63"/>
+          <p:cNvSpPr txBox="1"/>
+          <p:nvPr/>
+        </p:nvSpPr>
+        <p:spPr>
+          <a:xfrm>
+            <a:off x="5943933" y="3764466"/>
+            <a:ext cx="1105367" cy="338554"/>
+          </a:xfrm>
+          <a:prstGeom prst="rect">
+            <a:avLst/>
+          </a:prstGeom>
+          <a:noFill/>
+        </p:spPr>
+        <p:txBody>
+          <a:bodyPr wrap="none" rtlCol="0">
+            <a:spAutoFit/>
+          </a:bodyPr>
+          <a:lstStyle/>
+          <a:p>
+            <a:r>
+              <a:rPr lang="en-US" sz="1600" dirty="0"/>
+              <a:t>Planned by</a:t>
+            </a:r>
+          </a:p>
+        </p:txBody>
+      </p:sp>
+      <p:sp>
+        <p:nvSpPr>
+          <p:cNvPr id="37" name="Rounded Rectangle 7"/>
+          <p:cNvSpPr/>
+          <p:nvPr/>
+        </p:nvSpPr>
+        <p:spPr>
+          <a:xfrm>
+            <a:off x="3603987" y="1513411"/>
+            <a:ext cx="1468649" cy="728495"/>
+          </a:xfrm>
+          <a:prstGeom prst="roundRect">
+            <a:avLst/>
+          </a:prstGeom>
+          <a:solidFill>
+            <a:srgbClr val="CEE1F2"/>
+          </a:solidFill>
+          <a:ln cap="rnd">
+            <a:round/>
+          </a:ln>
+          <a:effectLst>
+            <a:outerShdw blurRad="50800" dist="38100" dir="2700000" algn="tl" rotWithShape="0">
+              <a:prstClr val="black">
+                <a:alpha val="40000"/>
+              </a:prstClr>
+            </a:outerShdw>
+          </a:effectLst>
+        </p:spPr>
+        <p:style>
+          <a:lnRef idx="2">
+            <a:schemeClr val="accent1">
+              <a:shade val="50000"/>
+            </a:schemeClr>
+          </a:lnRef>
+          <a:fillRef idx="1">
+            <a:schemeClr val="accent1"/>
+          </a:fillRef>
+          <a:effectRef idx="0">
+            <a:schemeClr val="accent1"/>
+          </a:effectRef>
+          <a:fontRef idx="minor">
+            <a:schemeClr val="lt1"/>
+          </a:fontRef>
+        </p:style>
+        <p:txBody>
+          <a:bodyPr rtlCol="0" anchor="ctr"/>
+          <a:lstStyle/>
+          <a:p>
+            <a:pPr algn="ctr"/>
+            <a:r>
+              <a:rPr lang="en-US" dirty="0">
+                <a:solidFill>
+                  <a:schemeClr val="tx1"/>
+                </a:solidFill>
+              </a:rPr>
+              <a:t>Practitioner</a:t>
+            </a:r>
+          </a:p>
+          <a:p>
+            <a:pPr algn="ctr"/>
+            <a:r>
+              <a:rPr lang="en-AU" dirty="0">
+                <a:solidFill>
+                  <a:schemeClr val="tx1"/>
+                </a:solidFill>
+              </a:rPr>
+              <a:t>Role</a:t>
+            </a:r>
+          </a:p>
+        </p:txBody>
+      </p:sp>
+      <p:cxnSp>
+        <p:nvCxnSpPr>
+          <p:cNvPr id="4" name="Connector: Curved 3">
+            <a:extLst>
+              <a:ext uri="{FF2B5EF4-FFF2-40B4-BE49-F238E27FC236}">
+                <a16:creationId xmlns:a16="http://schemas.microsoft.com/office/drawing/2014/main" id="{07CA15BD-489B-E6AE-D0A9-5085A86CC09C}"/>
+              </a:ext>
+            </a:extLst>
+          </p:cNvPr>
+          <p:cNvCxnSpPr>
+            <a:cxnSpLocks/>
+            <a:stCxn id="18" idx="3"/>
+            <a:endCxn id="18" idx="0"/>
+          </p:cNvCxnSpPr>
+          <p:nvPr/>
+        </p:nvCxnSpPr>
+        <p:spPr>
+          <a:xfrm flipH="1" flipV="1">
+            <a:off x="6020245" y="1513411"/>
+            <a:ext cx="734324" cy="364248"/>
+          </a:xfrm>
+          <a:prstGeom prst="curvedConnector4">
+            <a:avLst>
+              <a:gd name="adj1" fmla="val -31131"/>
+              <a:gd name="adj2" fmla="val 162759"/>
+            </a:avLst>
+          </a:prstGeom>
+          <a:ln>
+            <a:tailEnd type="triangle"/>
+          </a:ln>
+        </p:spPr>
+        <p:style>
+          <a:lnRef idx="3">
+            <a:schemeClr val="dk1"/>
+          </a:lnRef>
+          <a:fillRef idx="0">
+            <a:schemeClr val="dk1"/>
+          </a:fillRef>
+          <a:effectRef idx="2">
+            <a:schemeClr val="dk1"/>
+          </a:effectRef>
+          <a:fontRef idx="minor">
+            <a:schemeClr val="tx1"/>
+          </a:fontRef>
+        </p:style>
+      </p:cxnSp>
+      <p:sp>
+        <p:nvSpPr>
+          <p:cNvPr id="38" name="TextBox 37">
+            <a:extLst>
+              <a:ext uri="{FF2B5EF4-FFF2-40B4-BE49-F238E27FC236}">
+                <a16:creationId xmlns:a16="http://schemas.microsoft.com/office/drawing/2014/main" id="{987B85B0-0E88-909A-6D39-9356A12C5721}"/>
+              </a:ext>
+            </a:extLst>
+          </p:cNvPr>
+          <p:cNvSpPr txBox="1"/>
+          <p:nvPr/>
+        </p:nvSpPr>
+        <p:spPr>
+          <a:xfrm>
+            <a:off x="6940523" y="1396804"/>
+            <a:ext cx="952312" cy="338554"/>
+          </a:xfrm>
+          <a:prstGeom prst="rect">
+            <a:avLst/>
+          </a:prstGeom>
+          <a:noFill/>
+        </p:spPr>
+        <p:txBody>
+          <a:bodyPr wrap="none" rtlCol="0">
+            <a:spAutoFit/>
+          </a:bodyPr>
+          <a:lstStyle/>
+          <a:p>
+            <a:r>
+              <a:rPr lang="en-US" sz="1600" dirty="0" err="1"/>
+              <a:t>offeredIn</a:t>
+            </a:r>
+            <a:endParaRPr lang="en-US" sz="1600" dirty="0"/>
+          </a:p>
+        </p:txBody>
+      </p:sp>
     </p:spTree>
     <p:extLst>
       <p:ext uri="{BB962C8B-B14F-4D97-AF65-F5344CB8AC3E}">
-        <p14:creationId xmlns:p14="http://schemas.microsoft.com/office/powerpoint/2010/main" val="1373264902"/>
+        <p14:creationId xmlns:p14="http://schemas.microsoft.com/office/powerpoint/2010/main" val="2700074931"/>
       </p:ext>
     </p:extLst>
   </p:cSld>
